--- a/NotifyMe.pptx
+++ b/NotifyMe.pptx
@@ -8,8 +8,14 @@
     <p:sldId id="256" r:id="rId2"/>
     <p:sldId id="257" r:id="rId3"/>
     <p:sldId id="258" r:id="rId4"/>
-    <p:sldId id="259" r:id="rId5"/>
-    <p:sldId id="260" r:id="rId6"/>
+    <p:sldId id="262" r:id="rId5"/>
+    <p:sldId id="263" r:id="rId6"/>
+    <p:sldId id="264" r:id="rId7"/>
+    <p:sldId id="265" r:id="rId8"/>
+    <p:sldId id="266" r:id="rId9"/>
+    <p:sldId id="259" r:id="rId10"/>
+    <p:sldId id="261" r:id="rId11"/>
+    <p:sldId id="260" r:id="rId12"/>
   </p:sldIdLst>
   <p:sldSz cx="12192000" cy="6858000"/>
   <p:notesSz cx="6858000" cy="9144000"/>
@@ -108,6 +114,11 @@
       </a:defRPr>
     </a:lvl9pPr>
   </p:defaultTextStyle>
+  <p:extLst>
+    <p:ext uri="{EFAFB233-063F-42B5-8137-9DF3F51BA10A}">
+      <p15:sldGuideLst xmlns:p15="http://schemas.microsoft.com/office/powerpoint/2012/main"/>
+    </p:ext>
+  </p:extLst>
 </p:presentation>
 </file>
 
@@ -3411,6 +3422,300 @@
 </p:sld>
 </file>
 
+<file path=ppt/slides/slide10.xml><?xml version="1.0" encoding="utf-8"?>
+<p:sld xmlns:a="http://schemas.openxmlformats.org/drawingml/2006/main" xmlns:r="http://schemas.openxmlformats.org/officeDocument/2006/relationships" xmlns:p="http://schemas.openxmlformats.org/presentationml/2006/main">
+  <p:cSld>
+    <p:spTree>
+      <p:nvGrpSpPr>
+        <p:cNvPr id="1" name=""/>
+        <p:cNvGrpSpPr/>
+        <p:nvPr/>
+      </p:nvGrpSpPr>
+      <p:grpSpPr>
+        <a:xfrm>
+          <a:off x="0" y="0"/>
+          <a:ext cx="0" cy="0"/>
+          <a:chOff x="0" y="0"/>
+          <a:chExt cx="0" cy="0"/>
+        </a:xfrm>
+      </p:grpSpPr>
+      <p:sp>
+        <p:nvSpPr>
+          <p:cNvPr id="2" name="Title 1">
+            <a:extLst>
+              <a:ext uri="{FF2B5EF4-FFF2-40B4-BE49-F238E27FC236}">
+                <a16:creationId xmlns:a16="http://schemas.microsoft.com/office/drawing/2014/main" id="{99C8C8EE-289C-4B9D-AE46-EAE4F3CEB2EE}"/>
+              </a:ext>
+            </a:extLst>
+          </p:cNvPr>
+          <p:cNvSpPr>
+            <a:spLocks noGrp="1"/>
+          </p:cNvSpPr>
+          <p:nvPr>
+            <p:ph type="title"/>
+          </p:nvPr>
+        </p:nvSpPr>
+        <p:spPr/>
+        <p:txBody>
+          <a:bodyPr/>
+          <a:lstStyle/>
+          <a:p>
+            <a:endParaRPr lang="en-US"/>
+          </a:p>
+        </p:txBody>
+      </p:sp>
+      <p:sp>
+        <p:nvSpPr>
+          <p:cNvPr id="3" name="Content Placeholder 2">
+            <a:extLst>
+              <a:ext uri="{FF2B5EF4-FFF2-40B4-BE49-F238E27FC236}">
+                <a16:creationId xmlns:a16="http://schemas.microsoft.com/office/drawing/2014/main" id="{8380A957-F922-463F-9CC7-D8BB225A398D}"/>
+              </a:ext>
+            </a:extLst>
+          </p:cNvPr>
+          <p:cNvSpPr>
+            <a:spLocks noGrp="1"/>
+          </p:cNvSpPr>
+          <p:nvPr>
+            <p:ph idx="1"/>
+          </p:nvPr>
+        </p:nvSpPr>
+        <p:spPr/>
+        <p:txBody>
+          <a:bodyPr/>
+          <a:lstStyle/>
+          <a:p>
+            <a:endParaRPr lang="en-US"/>
+          </a:p>
+        </p:txBody>
+      </p:sp>
+    </p:spTree>
+    <p:extLst>
+      <p:ext uri="{BB962C8B-B14F-4D97-AF65-F5344CB8AC3E}">
+        <p14:creationId xmlns:p14="http://schemas.microsoft.com/office/powerpoint/2010/main" val="3994304188"/>
+      </p:ext>
+    </p:extLst>
+  </p:cSld>
+  <p:clrMapOvr>
+    <a:masterClrMapping/>
+  </p:clrMapOvr>
+</p:sld>
+</file>
+
+<file path=ppt/slides/slide11.xml><?xml version="1.0" encoding="utf-8"?>
+<p:sld xmlns:a="http://schemas.openxmlformats.org/drawingml/2006/main" xmlns:r="http://schemas.openxmlformats.org/officeDocument/2006/relationships" xmlns:p="http://schemas.openxmlformats.org/presentationml/2006/main">
+  <p:cSld>
+    <p:bg>
+      <p:bgPr>
+        <a:solidFill>
+          <a:schemeClr val="bg1"/>
+        </a:solidFill>
+        <a:effectLst/>
+      </p:bgPr>
+    </p:bg>
+    <p:spTree>
+      <p:nvGrpSpPr>
+        <p:cNvPr id="1" name=""/>
+        <p:cNvGrpSpPr/>
+        <p:nvPr/>
+      </p:nvGrpSpPr>
+      <p:grpSpPr>
+        <a:xfrm>
+          <a:off x="0" y="0"/>
+          <a:ext cx="0" cy="0"/>
+          <a:chOff x="0" y="0"/>
+          <a:chExt cx="0" cy="0"/>
+        </a:xfrm>
+      </p:grpSpPr>
+      <p:pic>
+        <p:nvPicPr>
+          <p:cNvPr id="4" name="Picture 3">
+            <a:extLst>
+              <a:ext uri="{FF2B5EF4-FFF2-40B4-BE49-F238E27FC236}">
+                <a16:creationId xmlns:a16="http://schemas.microsoft.com/office/drawing/2014/main" id="{D63519C0-C8D9-4341-ADE9-3CD28E6E648E}"/>
+              </a:ext>
+            </a:extLst>
+          </p:cNvPr>
+          <p:cNvPicPr>
+            <a:picLocks noChangeAspect="1"/>
+          </p:cNvPicPr>
+          <p:nvPr/>
+        </p:nvPicPr>
+        <p:blipFill rotWithShape="1">
+          <a:blip r:embed="rId2"/>
+          <a:srcRect r="1" b="5400"/>
+          <a:stretch/>
+        </p:blipFill>
+        <p:spPr>
+          <a:xfrm>
+            <a:off x="4636008" y="640082"/>
+            <a:ext cx="6916329" cy="5577837"/>
+          </a:xfrm>
+          <a:prstGeom prst="rect">
+            <a:avLst/>
+          </a:prstGeom>
+          <a:effectLst/>
+        </p:spPr>
+      </p:pic>
+      <p:sp>
+        <p:nvSpPr>
+          <p:cNvPr id="2" name="Title 1">
+            <a:extLst>
+              <a:ext uri="{FF2B5EF4-FFF2-40B4-BE49-F238E27FC236}">
+                <a16:creationId xmlns:a16="http://schemas.microsoft.com/office/drawing/2014/main" id="{0394369D-565A-471B-B3F3-561CF390DFF5}"/>
+              </a:ext>
+            </a:extLst>
+          </p:cNvPr>
+          <p:cNvSpPr>
+            <a:spLocks noGrp="1"/>
+          </p:cNvSpPr>
+          <p:nvPr>
+            <p:ph type="title"/>
+          </p:nvPr>
+        </p:nvSpPr>
+        <p:spPr>
+          <a:xfrm>
+            <a:off x="648929" y="629266"/>
+            <a:ext cx="3667039" cy="1676603"/>
+          </a:xfrm>
+        </p:spPr>
+        <p:txBody>
+          <a:bodyPr>
+            <a:normAutofit/>
+          </a:bodyPr>
+          <a:lstStyle/>
+          <a:p>
+            <a:endParaRPr lang="en-US" dirty="0"/>
+          </a:p>
+        </p:txBody>
+      </p:sp>
+      <p:sp>
+        <p:nvSpPr>
+          <p:cNvPr id="3" name="Content Placeholder 2">
+            <a:extLst>
+              <a:ext uri="{FF2B5EF4-FFF2-40B4-BE49-F238E27FC236}">
+                <a16:creationId xmlns:a16="http://schemas.microsoft.com/office/drawing/2014/main" id="{5EAFF9BB-23B6-4817-86BB-F6DA8A9676FA}"/>
+              </a:ext>
+            </a:extLst>
+          </p:cNvPr>
+          <p:cNvSpPr>
+            <a:spLocks noGrp="1"/>
+          </p:cNvSpPr>
+          <p:nvPr>
+            <p:ph idx="1"/>
+          </p:nvPr>
+        </p:nvSpPr>
+        <p:spPr>
+          <a:xfrm>
+            <a:off x="648930" y="2438400"/>
+            <a:ext cx="3667037" cy="3785419"/>
+          </a:xfrm>
+        </p:spPr>
+        <p:txBody>
+          <a:bodyPr>
+            <a:normAutofit/>
+          </a:bodyPr>
+          <a:lstStyle/>
+          <a:p>
+            <a:endParaRPr lang="en-US" sz="1800" dirty="0"/>
+          </a:p>
+        </p:txBody>
+      </p:sp>
+      <p:cxnSp>
+        <p:nvCxnSpPr>
+          <p:cNvPr id="6" name="Straight Arrow Connector 5">
+            <a:extLst>
+              <a:ext uri="{FF2B5EF4-FFF2-40B4-BE49-F238E27FC236}">
+                <a16:creationId xmlns:a16="http://schemas.microsoft.com/office/drawing/2014/main" id="{25D029F9-3DC8-4672-9001-1D3D9D0E8785}"/>
+              </a:ext>
+            </a:extLst>
+          </p:cNvPr>
+          <p:cNvCxnSpPr>
+            <a:cxnSpLocks/>
+          </p:cNvCxnSpPr>
+          <p:nvPr/>
+        </p:nvCxnSpPr>
+        <p:spPr>
+          <a:xfrm>
+            <a:off x="3403076" y="2769280"/>
+            <a:ext cx="2828268" cy="331433"/>
+          </a:xfrm>
+          <a:prstGeom prst="straightConnector1">
+            <a:avLst/>
+          </a:prstGeom>
+          <a:ln>
+            <a:tailEnd type="triangle"/>
+          </a:ln>
+        </p:spPr>
+        <p:style>
+          <a:lnRef idx="1">
+            <a:schemeClr val="accent1"/>
+          </a:lnRef>
+          <a:fillRef idx="0">
+            <a:schemeClr val="accent1"/>
+          </a:fillRef>
+          <a:effectRef idx="0">
+            <a:schemeClr val="accent1"/>
+          </a:effectRef>
+          <a:fontRef idx="minor">
+            <a:schemeClr val="tx1"/>
+          </a:fontRef>
+        </p:style>
+      </p:cxnSp>
+      <p:cxnSp>
+        <p:nvCxnSpPr>
+          <p:cNvPr id="9" name="Straight Arrow Connector 8">
+            <a:extLst>
+              <a:ext uri="{FF2B5EF4-FFF2-40B4-BE49-F238E27FC236}">
+                <a16:creationId xmlns:a16="http://schemas.microsoft.com/office/drawing/2014/main" id="{BCB2D5B4-0996-4437-834A-3AC37C185079}"/>
+              </a:ext>
+            </a:extLst>
+          </p:cNvPr>
+          <p:cNvCxnSpPr>
+            <a:cxnSpLocks/>
+          </p:cNvCxnSpPr>
+          <p:nvPr/>
+        </p:nvCxnSpPr>
+        <p:spPr>
+          <a:xfrm flipV="1">
+            <a:off x="3327662" y="3363564"/>
+            <a:ext cx="2903682" cy="130872"/>
+          </a:xfrm>
+          <a:prstGeom prst="straightConnector1">
+            <a:avLst/>
+          </a:prstGeom>
+          <a:ln>
+            <a:tailEnd type="triangle"/>
+          </a:ln>
+        </p:spPr>
+        <p:style>
+          <a:lnRef idx="1">
+            <a:schemeClr val="accent1"/>
+          </a:lnRef>
+          <a:fillRef idx="0">
+            <a:schemeClr val="accent1"/>
+          </a:fillRef>
+          <a:effectRef idx="0">
+            <a:schemeClr val="accent1"/>
+          </a:effectRef>
+          <a:fontRef idx="minor">
+            <a:schemeClr val="tx1"/>
+          </a:fontRef>
+        </p:style>
+      </p:cxnSp>
+    </p:spTree>
+    <p:extLst>
+      <p:ext uri="{BB962C8B-B14F-4D97-AF65-F5344CB8AC3E}">
+        <p14:creationId xmlns:p14="http://schemas.microsoft.com/office/powerpoint/2010/main" val="1201898714"/>
+      </p:ext>
+    </p:extLst>
+  </p:cSld>
+  <p:clrMapOvr>
+    <a:masterClrMapping/>
+  </p:clrMapOvr>
+</p:sld>
+</file>
+
 <file path=ppt/slides/slide2.xml><?xml version="1.0" encoding="utf-8"?>
 <p:sld xmlns:a="http://schemas.openxmlformats.org/drawingml/2006/main" xmlns:r="http://schemas.openxmlformats.org/officeDocument/2006/relationships" xmlns:p="http://schemas.openxmlformats.org/presentationml/2006/main">
   <p:cSld>
@@ -3697,7 +4002,7 @@
           <p:cNvPr id="2" name="Title 1">
             <a:extLst>
               <a:ext uri="{FF2B5EF4-FFF2-40B4-BE49-F238E27FC236}">
-                <a16:creationId xmlns:a16="http://schemas.microsoft.com/office/drawing/2014/main" id="{A0EFC9D0-35F5-483E-86FE-4B2083D4CCE8}"/>
+                <a16:creationId xmlns:a16="http://schemas.microsoft.com/office/drawing/2014/main" id="{259D0B7C-1D18-4B9B-9686-41CD01222471}"/>
               </a:ext>
             </a:extLst>
           </p:cNvPr>
@@ -3715,7 +4020,7 @@
           <a:p>
             <a:r>
               <a:rPr lang="en-US" dirty="0"/>
-              <a:t>How</a:t>
+              <a:t>How – Tasks at hand</a:t>
             </a:r>
           </a:p>
         </p:txBody>
@@ -3725,7 +4030,7 @@
           <p:cNvPr id="3" name="Content Placeholder 2">
             <a:extLst>
               <a:ext uri="{FF2B5EF4-FFF2-40B4-BE49-F238E27FC236}">
-                <a16:creationId xmlns:a16="http://schemas.microsoft.com/office/drawing/2014/main" id="{323EF7F1-8AC4-4144-AEE5-821E1DE879E1}"/>
+                <a16:creationId xmlns:a16="http://schemas.microsoft.com/office/drawing/2014/main" id="{7171011C-A762-4A01-8962-0A7436AA633E}"/>
               </a:ext>
             </a:extLst>
           </p:cNvPr>
@@ -3743,90 +4048,45 @@
           <a:p>
             <a:r>
               <a:rPr lang="en-US" dirty="0"/>
-              <a:t>For the development purpose , there has been an extensive use of </a:t>
-            </a:r>
-            <a:r>
-              <a:rPr lang="en-US" dirty="0" err="1"/>
-              <a:t>Php</a:t>
-            </a:r>
+              <a:t>To let the user create an account.</a:t>
+            </a:r>
+          </a:p>
+          <a:p>
             <a:r>
               <a:rPr lang="en-US" dirty="0"/>
-              <a:t> and its tool.</a:t>
+              <a:t>To let user enter , delete or/and edit a URL .</a:t>
             </a:r>
           </a:p>
           <a:p>
             <a:r>
               <a:rPr lang="en-US" dirty="0"/>
-              <a:t>To integrate the database need with the front – end ,  use of </a:t>
-            </a:r>
-            <a:r>
-              <a:rPr lang="en-US" dirty="0" err="1"/>
-              <a:t>PhpMyadmin</a:t>
-            </a:r>
+              <a:t>Create a relational view of the database , with proper key – table relation to store user details and the URL details.</a:t>
+            </a:r>
+          </a:p>
+          <a:p>
             <a:r>
               <a:rPr lang="en-US" dirty="0"/>
-              <a:t> .</a:t>
-            </a:r>
-          </a:p>
-          <a:p>
-            <a:r>
-              <a:rPr lang="en-US" dirty="0" err="1"/>
-              <a:t>Xampp</a:t>
-            </a:r>
+              <a:t>Scan through the saved Websites.</a:t>
+            </a:r>
+          </a:p>
+          <a:p>
             <a:r>
               <a:rPr lang="en-US" dirty="0"/>
-              <a:t> helps us to connect with </a:t>
-            </a:r>
-            <a:r>
-              <a:rPr lang="en-US" dirty="0" err="1"/>
-              <a:t>PhpMyadmin</a:t>
-            </a:r>
+              <a:t>For the identified websites, update the database.</a:t>
+            </a:r>
+          </a:p>
+          <a:p>
             <a:r>
               <a:rPr lang="en-US" dirty="0"/>
-              <a:t> .</a:t>
-            </a:r>
-          </a:p>
-          <a:p>
-            <a:r>
-              <a:rPr lang="en-US" dirty="0" err="1"/>
-              <a:t>PhpMyadmin</a:t>
-            </a:r>
-            <a:r>
-              <a:rPr lang="en-US" dirty="0"/>
-              <a:t> uses </a:t>
-            </a:r>
-            <a:r>
-              <a:rPr lang="en-US" dirty="0" err="1"/>
-              <a:t>MySql</a:t>
-            </a:r>
-            <a:r>
-              <a:rPr lang="en-US" dirty="0"/>
-              <a:t> to handle the database .</a:t>
-            </a:r>
-          </a:p>
-          <a:p>
-            <a:r>
-              <a:rPr lang="en-US" dirty="0"/>
-              <a:t>The </a:t>
-            </a:r>
-            <a:r>
-              <a:rPr lang="en-US" dirty="0" err="1"/>
-              <a:t>MySql</a:t>
-            </a:r>
-            <a:r>
-              <a:rPr lang="en-US" dirty="0"/>
-              <a:t> database not only allows us to have more than 2 Databases , but allows us to have the utilities at the disposal.</a:t>
-            </a:r>
-          </a:p>
-          <a:p>
-            <a:endParaRPr lang="en-US" dirty="0"/>
+              <a:t>Send the email to the user , without spamming them.</a:t>
+            </a:r>
           </a:p>
         </p:txBody>
       </p:sp>
     </p:spTree>
     <p:extLst>
       <p:ext uri="{BB962C8B-B14F-4D97-AF65-F5344CB8AC3E}">
-        <p14:creationId xmlns:p14="http://schemas.microsoft.com/office/powerpoint/2010/main" val="1621738832"/>
+        <p14:creationId xmlns:p14="http://schemas.microsoft.com/office/powerpoint/2010/main" val="1513195777"/>
       </p:ext>
     </p:extLst>
   </p:cSld>
@@ -3858,7 +4118,7 @@
           <p:cNvPr id="2" name="Title 1">
             <a:extLst>
               <a:ext uri="{FF2B5EF4-FFF2-40B4-BE49-F238E27FC236}">
-                <a16:creationId xmlns:a16="http://schemas.microsoft.com/office/drawing/2014/main" id="{0394369D-565A-471B-B3F3-561CF390DFF5}"/>
+                <a16:creationId xmlns:a16="http://schemas.microsoft.com/office/drawing/2014/main" id="{DFF42C1E-DA6A-4D5D-B54C-11395041F7D5}"/>
               </a:ext>
             </a:extLst>
           </p:cNvPr>
@@ -3874,7 +4134,7 @@
           <a:bodyPr/>
           <a:lstStyle/>
           <a:p>
-            <a:endParaRPr lang="en-US"/>
+            <a:endParaRPr lang="en-US" dirty="0"/>
           </a:p>
         </p:txBody>
       </p:sp>
@@ -3883,7 +4143,7 @@
           <p:cNvPr id="3" name="Content Placeholder 2">
             <a:extLst>
               <a:ext uri="{FF2B5EF4-FFF2-40B4-BE49-F238E27FC236}">
-                <a16:creationId xmlns:a16="http://schemas.microsoft.com/office/drawing/2014/main" id="{5EAFF9BB-23B6-4817-86BB-F6DA8A9676FA}"/>
+                <a16:creationId xmlns:a16="http://schemas.microsoft.com/office/drawing/2014/main" id="{49A8D11B-FCF5-410A-9BE9-FB31029A9B40}"/>
               </a:ext>
             </a:extLst>
           </p:cNvPr>
@@ -3899,14 +4159,427 @@
           <a:bodyPr/>
           <a:lstStyle/>
           <a:p>
-            <a:endParaRPr lang="en-US"/>
+            <a:r>
+              <a:rPr lang="en-US" dirty="0"/>
+              <a:t>To let the user create an account , To let user enter , delete or/and edit a URL  , </a:t>
+            </a:r>
           </a:p>
         </p:txBody>
       </p:sp>
     </p:spTree>
     <p:extLst>
       <p:ext uri="{BB962C8B-B14F-4D97-AF65-F5344CB8AC3E}">
-        <p14:creationId xmlns:p14="http://schemas.microsoft.com/office/powerpoint/2010/main" val="1201898714"/>
+        <p14:creationId xmlns:p14="http://schemas.microsoft.com/office/powerpoint/2010/main" val="2758580529"/>
+      </p:ext>
+    </p:extLst>
+  </p:cSld>
+  <p:clrMapOvr>
+    <a:masterClrMapping/>
+  </p:clrMapOvr>
+</p:sld>
+</file>
+
+<file path=ppt/slides/slide6.xml><?xml version="1.0" encoding="utf-8"?>
+<p:sld xmlns:a="http://schemas.openxmlformats.org/drawingml/2006/main" xmlns:r="http://schemas.openxmlformats.org/officeDocument/2006/relationships" xmlns:p="http://schemas.openxmlformats.org/presentationml/2006/main">
+  <p:cSld>
+    <p:spTree>
+      <p:nvGrpSpPr>
+        <p:cNvPr id="1" name=""/>
+        <p:cNvGrpSpPr/>
+        <p:nvPr/>
+      </p:nvGrpSpPr>
+      <p:grpSpPr>
+        <a:xfrm>
+          <a:off x="0" y="0"/>
+          <a:ext cx="0" cy="0"/>
+          <a:chOff x="0" y="0"/>
+          <a:chExt cx="0" cy="0"/>
+        </a:xfrm>
+      </p:grpSpPr>
+      <p:sp>
+        <p:nvSpPr>
+          <p:cNvPr id="2" name="Title 1">
+            <a:extLst>
+              <a:ext uri="{FF2B5EF4-FFF2-40B4-BE49-F238E27FC236}">
+                <a16:creationId xmlns:a16="http://schemas.microsoft.com/office/drawing/2014/main" id="{35502EC1-1D9B-4B65-B361-CBB48F892585}"/>
+              </a:ext>
+            </a:extLst>
+          </p:cNvPr>
+          <p:cNvSpPr>
+            <a:spLocks noGrp="1"/>
+          </p:cNvSpPr>
+          <p:nvPr>
+            <p:ph type="title"/>
+          </p:nvPr>
+        </p:nvSpPr>
+        <p:spPr/>
+        <p:txBody>
+          <a:bodyPr/>
+          <a:lstStyle/>
+          <a:p>
+            <a:endParaRPr lang="en-US"/>
+          </a:p>
+        </p:txBody>
+      </p:sp>
+      <p:sp>
+        <p:nvSpPr>
+          <p:cNvPr id="3" name="Content Placeholder 2">
+            <a:extLst>
+              <a:ext uri="{FF2B5EF4-FFF2-40B4-BE49-F238E27FC236}">
+                <a16:creationId xmlns:a16="http://schemas.microsoft.com/office/drawing/2014/main" id="{4DDFB6E5-3021-4442-A79F-22C95DADD5D5}"/>
+              </a:ext>
+            </a:extLst>
+          </p:cNvPr>
+          <p:cNvSpPr>
+            <a:spLocks noGrp="1"/>
+          </p:cNvSpPr>
+          <p:nvPr>
+            <p:ph idx="1"/>
+          </p:nvPr>
+        </p:nvSpPr>
+        <p:spPr/>
+        <p:txBody>
+          <a:bodyPr/>
+          <a:lstStyle/>
+          <a:p>
+            <a:r>
+              <a:rPr lang="en-US" dirty="0"/>
+              <a:t>Create a relational view of the database , with proper key – table relation to store user details and the URL details , For the identified websites, update the database.</a:t>
+            </a:r>
+          </a:p>
+        </p:txBody>
+      </p:sp>
+    </p:spTree>
+    <p:extLst>
+      <p:ext uri="{BB962C8B-B14F-4D97-AF65-F5344CB8AC3E}">
+        <p14:creationId xmlns:p14="http://schemas.microsoft.com/office/powerpoint/2010/main" val="4107970494"/>
+      </p:ext>
+    </p:extLst>
+  </p:cSld>
+  <p:clrMapOvr>
+    <a:masterClrMapping/>
+  </p:clrMapOvr>
+</p:sld>
+</file>
+
+<file path=ppt/slides/slide7.xml><?xml version="1.0" encoding="utf-8"?>
+<p:sld xmlns:a="http://schemas.openxmlformats.org/drawingml/2006/main" xmlns:r="http://schemas.openxmlformats.org/officeDocument/2006/relationships" xmlns:p="http://schemas.openxmlformats.org/presentationml/2006/main">
+  <p:cSld>
+    <p:spTree>
+      <p:nvGrpSpPr>
+        <p:cNvPr id="1" name=""/>
+        <p:cNvGrpSpPr/>
+        <p:nvPr/>
+      </p:nvGrpSpPr>
+      <p:grpSpPr>
+        <a:xfrm>
+          <a:off x="0" y="0"/>
+          <a:ext cx="0" cy="0"/>
+          <a:chOff x="0" y="0"/>
+          <a:chExt cx="0" cy="0"/>
+        </a:xfrm>
+      </p:grpSpPr>
+      <p:sp>
+        <p:nvSpPr>
+          <p:cNvPr id="2" name="Title 1">
+            <a:extLst>
+              <a:ext uri="{FF2B5EF4-FFF2-40B4-BE49-F238E27FC236}">
+                <a16:creationId xmlns:a16="http://schemas.microsoft.com/office/drawing/2014/main" id="{0534C15E-62B5-495D-BA4A-205788E64F69}"/>
+              </a:ext>
+            </a:extLst>
+          </p:cNvPr>
+          <p:cNvSpPr>
+            <a:spLocks noGrp="1"/>
+          </p:cNvSpPr>
+          <p:nvPr>
+            <p:ph type="title"/>
+          </p:nvPr>
+        </p:nvSpPr>
+        <p:spPr/>
+        <p:txBody>
+          <a:bodyPr/>
+          <a:lstStyle/>
+          <a:p>
+            <a:endParaRPr lang="en-US"/>
+          </a:p>
+        </p:txBody>
+      </p:sp>
+      <p:sp>
+        <p:nvSpPr>
+          <p:cNvPr id="3" name="Content Placeholder 2">
+            <a:extLst>
+              <a:ext uri="{FF2B5EF4-FFF2-40B4-BE49-F238E27FC236}">
+                <a16:creationId xmlns:a16="http://schemas.microsoft.com/office/drawing/2014/main" id="{E482FEC5-E1F5-4342-ABE9-816A7A4B3813}"/>
+              </a:ext>
+            </a:extLst>
+          </p:cNvPr>
+          <p:cNvSpPr>
+            <a:spLocks noGrp="1"/>
+          </p:cNvSpPr>
+          <p:nvPr>
+            <p:ph idx="1"/>
+          </p:nvPr>
+        </p:nvSpPr>
+        <p:spPr/>
+        <p:txBody>
+          <a:bodyPr/>
+          <a:lstStyle/>
+          <a:p>
+            <a:r>
+              <a:rPr lang="en-US" dirty="0"/>
+              <a:t>Scan through the saved Websites.</a:t>
+            </a:r>
+          </a:p>
+        </p:txBody>
+      </p:sp>
+    </p:spTree>
+    <p:extLst>
+      <p:ext uri="{BB962C8B-B14F-4D97-AF65-F5344CB8AC3E}">
+        <p14:creationId xmlns:p14="http://schemas.microsoft.com/office/powerpoint/2010/main" val="3872265844"/>
+      </p:ext>
+    </p:extLst>
+  </p:cSld>
+  <p:clrMapOvr>
+    <a:masterClrMapping/>
+  </p:clrMapOvr>
+</p:sld>
+</file>
+
+<file path=ppt/slides/slide8.xml><?xml version="1.0" encoding="utf-8"?>
+<p:sld xmlns:a="http://schemas.openxmlformats.org/drawingml/2006/main" xmlns:r="http://schemas.openxmlformats.org/officeDocument/2006/relationships" xmlns:p="http://schemas.openxmlformats.org/presentationml/2006/main">
+  <p:cSld>
+    <p:spTree>
+      <p:nvGrpSpPr>
+        <p:cNvPr id="1" name=""/>
+        <p:cNvGrpSpPr/>
+        <p:nvPr/>
+      </p:nvGrpSpPr>
+      <p:grpSpPr>
+        <a:xfrm>
+          <a:off x="0" y="0"/>
+          <a:ext cx="0" cy="0"/>
+          <a:chOff x="0" y="0"/>
+          <a:chExt cx="0" cy="0"/>
+        </a:xfrm>
+      </p:grpSpPr>
+      <p:sp>
+        <p:nvSpPr>
+          <p:cNvPr id="2" name="Title 1">
+            <a:extLst>
+              <a:ext uri="{FF2B5EF4-FFF2-40B4-BE49-F238E27FC236}">
+                <a16:creationId xmlns:a16="http://schemas.microsoft.com/office/drawing/2014/main" id="{01FF941F-B751-4404-84A6-AAA503E26312}"/>
+              </a:ext>
+            </a:extLst>
+          </p:cNvPr>
+          <p:cNvSpPr>
+            <a:spLocks noGrp="1"/>
+          </p:cNvSpPr>
+          <p:nvPr>
+            <p:ph type="title"/>
+          </p:nvPr>
+        </p:nvSpPr>
+        <p:spPr/>
+        <p:txBody>
+          <a:bodyPr/>
+          <a:lstStyle/>
+          <a:p>
+            <a:endParaRPr lang="en-US"/>
+          </a:p>
+        </p:txBody>
+      </p:sp>
+      <p:sp>
+        <p:nvSpPr>
+          <p:cNvPr id="3" name="Content Placeholder 2">
+            <a:extLst>
+              <a:ext uri="{FF2B5EF4-FFF2-40B4-BE49-F238E27FC236}">
+                <a16:creationId xmlns:a16="http://schemas.microsoft.com/office/drawing/2014/main" id="{0BA7590C-1CC5-4971-B00A-50A9DE34F713}"/>
+              </a:ext>
+            </a:extLst>
+          </p:cNvPr>
+          <p:cNvSpPr>
+            <a:spLocks noGrp="1"/>
+          </p:cNvSpPr>
+          <p:nvPr>
+            <p:ph idx="1"/>
+          </p:nvPr>
+        </p:nvSpPr>
+        <p:spPr/>
+        <p:txBody>
+          <a:bodyPr/>
+          <a:lstStyle/>
+          <a:p>
+            <a:r>
+              <a:rPr lang="en-US" dirty="0"/>
+              <a:t>Send the email to the user , without spamming them.</a:t>
+            </a:r>
+          </a:p>
+        </p:txBody>
+      </p:sp>
+    </p:spTree>
+    <p:extLst>
+      <p:ext uri="{BB962C8B-B14F-4D97-AF65-F5344CB8AC3E}">
+        <p14:creationId xmlns:p14="http://schemas.microsoft.com/office/powerpoint/2010/main" val="3324476972"/>
+      </p:ext>
+    </p:extLst>
+  </p:cSld>
+  <p:clrMapOvr>
+    <a:masterClrMapping/>
+  </p:clrMapOvr>
+</p:sld>
+</file>
+
+<file path=ppt/slides/slide9.xml><?xml version="1.0" encoding="utf-8"?>
+<p:sld xmlns:a="http://schemas.openxmlformats.org/drawingml/2006/main" xmlns:r="http://schemas.openxmlformats.org/officeDocument/2006/relationships" xmlns:p="http://schemas.openxmlformats.org/presentationml/2006/main">
+  <p:cSld>
+    <p:spTree>
+      <p:nvGrpSpPr>
+        <p:cNvPr id="1" name=""/>
+        <p:cNvGrpSpPr/>
+        <p:nvPr/>
+      </p:nvGrpSpPr>
+      <p:grpSpPr>
+        <a:xfrm>
+          <a:off x="0" y="0"/>
+          <a:ext cx="0" cy="0"/>
+          <a:chOff x="0" y="0"/>
+          <a:chExt cx="0" cy="0"/>
+        </a:xfrm>
+      </p:grpSpPr>
+      <p:sp>
+        <p:nvSpPr>
+          <p:cNvPr id="2" name="Title 1">
+            <a:extLst>
+              <a:ext uri="{FF2B5EF4-FFF2-40B4-BE49-F238E27FC236}">
+                <a16:creationId xmlns:a16="http://schemas.microsoft.com/office/drawing/2014/main" id="{A0EFC9D0-35F5-483E-86FE-4B2083D4CCE8}"/>
+              </a:ext>
+            </a:extLst>
+          </p:cNvPr>
+          <p:cNvSpPr>
+            <a:spLocks noGrp="1"/>
+          </p:cNvSpPr>
+          <p:nvPr>
+            <p:ph type="title"/>
+          </p:nvPr>
+        </p:nvSpPr>
+        <p:spPr/>
+        <p:txBody>
+          <a:bodyPr/>
+          <a:lstStyle/>
+          <a:p>
+            <a:r>
+              <a:rPr lang="en-US" dirty="0"/>
+              <a:t>How</a:t>
+            </a:r>
+          </a:p>
+        </p:txBody>
+      </p:sp>
+      <p:sp>
+        <p:nvSpPr>
+          <p:cNvPr id="3" name="Content Placeholder 2">
+            <a:extLst>
+              <a:ext uri="{FF2B5EF4-FFF2-40B4-BE49-F238E27FC236}">
+                <a16:creationId xmlns:a16="http://schemas.microsoft.com/office/drawing/2014/main" id="{323EF7F1-8AC4-4144-AEE5-821E1DE879E1}"/>
+              </a:ext>
+            </a:extLst>
+          </p:cNvPr>
+          <p:cNvSpPr>
+            <a:spLocks noGrp="1"/>
+          </p:cNvSpPr>
+          <p:nvPr>
+            <p:ph idx="1"/>
+          </p:nvPr>
+        </p:nvSpPr>
+        <p:spPr/>
+        <p:txBody>
+          <a:bodyPr/>
+          <a:lstStyle/>
+          <a:p>
+            <a:r>
+              <a:rPr lang="en-US" dirty="0"/>
+              <a:t>For the development purpose , there has been an extensive use of </a:t>
+            </a:r>
+            <a:r>
+              <a:rPr lang="en-US" dirty="0" err="1"/>
+              <a:t>Php</a:t>
+            </a:r>
+            <a:r>
+              <a:rPr lang="en-US" dirty="0"/>
+              <a:t> and its tool.</a:t>
+            </a:r>
+          </a:p>
+          <a:p>
+            <a:r>
+              <a:rPr lang="en-US" dirty="0"/>
+              <a:t>To integrate the database need with the front – end ,  use of </a:t>
+            </a:r>
+            <a:r>
+              <a:rPr lang="en-US" dirty="0" err="1"/>
+              <a:t>PhpMyadmin</a:t>
+            </a:r>
+            <a:r>
+              <a:rPr lang="en-US" dirty="0"/>
+              <a:t> .</a:t>
+            </a:r>
+          </a:p>
+          <a:p>
+            <a:r>
+              <a:rPr lang="en-US" dirty="0" err="1"/>
+              <a:t>Xampp</a:t>
+            </a:r>
+            <a:r>
+              <a:rPr lang="en-US" dirty="0"/>
+              <a:t> helps us to connect with </a:t>
+            </a:r>
+            <a:r>
+              <a:rPr lang="en-US" dirty="0" err="1"/>
+              <a:t>PhpMyadmin</a:t>
+            </a:r>
+            <a:r>
+              <a:rPr lang="en-US" dirty="0"/>
+              <a:t> .</a:t>
+            </a:r>
+          </a:p>
+          <a:p>
+            <a:r>
+              <a:rPr lang="en-US" dirty="0" err="1"/>
+              <a:t>PhpMyadmin</a:t>
+            </a:r>
+            <a:r>
+              <a:rPr lang="en-US" dirty="0"/>
+              <a:t> uses </a:t>
+            </a:r>
+            <a:r>
+              <a:rPr lang="en-US" dirty="0" err="1"/>
+              <a:t>MySql</a:t>
+            </a:r>
+            <a:r>
+              <a:rPr lang="en-US" dirty="0"/>
+              <a:t> to handle the database .</a:t>
+            </a:r>
+          </a:p>
+          <a:p>
+            <a:r>
+              <a:rPr lang="en-US" dirty="0"/>
+              <a:t>The </a:t>
+            </a:r>
+            <a:r>
+              <a:rPr lang="en-US" dirty="0" err="1"/>
+              <a:t>MySql</a:t>
+            </a:r>
+            <a:r>
+              <a:rPr lang="en-US" dirty="0"/>
+              <a:t> database not only allows us to have more than 2 Databases , but allows us to have the utilities at the disposal.</a:t>
+            </a:r>
+          </a:p>
+          <a:p>
+            <a:endParaRPr lang="en-US" dirty="0"/>
+          </a:p>
+        </p:txBody>
+      </p:sp>
+    </p:spTree>
+    <p:extLst>
+      <p:ext uri="{BB962C8B-B14F-4D97-AF65-F5344CB8AC3E}">
+        <p14:creationId xmlns:p14="http://schemas.microsoft.com/office/powerpoint/2010/main" val="1621738832"/>
       </p:ext>
     </p:extLst>
   </p:cSld>

--- a/NotifyMe.pptx
+++ b/NotifyMe.pptx
@@ -9,13 +9,15 @@
     <p:sldId id="257" r:id="rId3"/>
     <p:sldId id="258" r:id="rId4"/>
     <p:sldId id="262" r:id="rId5"/>
-    <p:sldId id="263" r:id="rId6"/>
-    <p:sldId id="264" r:id="rId7"/>
-    <p:sldId id="265" r:id="rId8"/>
-    <p:sldId id="266" r:id="rId9"/>
-    <p:sldId id="259" r:id="rId10"/>
-    <p:sldId id="261" r:id="rId11"/>
-    <p:sldId id="260" r:id="rId12"/>
+    <p:sldId id="268" r:id="rId6"/>
+    <p:sldId id="270" r:id="rId7"/>
+    <p:sldId id="271" r:id="rId8"/>
+    <p:sldId id="272" r:id="rId9"/>
+    <p:sldId id="273" r:id="rId10"/>
+    <p:sldId id="274" r:id="rId11"/>
+    <p:sldId id="259" r:id="rId12"/>
+    <p:sldId id="261" r:id="rId13"/>
+    <p:sldId id="260" r:id="rId14"/>
   </p:sldIdLst>
   <p:sldSz cx="12192000" cy="6858000"/>
   <p:notesSz cx="6858000" cy="9144000"/>
@@ -3444,6 +3446,405 @@
           <p:cNvPr id="2" name="Title 1">
             <a:extLst>
               <a:ext uri="{FF2B5EF4-FFF2-40B4-BE49-F238E27FC236}">
+                <a16:creationId xmlns:a16="http://schemas.microsoft.com/office/drawing/2014/main" id="{259D0B7C-1D18-4B9B-9686-41CD01222471}"/>
+              </a:ext>
+            </a:extLst>
+          </p:cNvPr>
+          <p:cNvSpPr>
+            <a:spLocks noGrp="1"/>
+          </p:cNvSpPr>
+          <p:nvPr>
+            <p:ph type="title"/>
+          </p:nvPr>
+        </p:nvSpPr>
+        <p:spPr/>
+        <p:txBody>
+          <a:bodyPr/>
+          <a:lstStyle/>
+          <a:p>
+            <a:r>
+              <a:rPr lang="en-US" dirty="0"/>
+              <a:t>How – Tasks at hand</a:t>
+            </a:r>
+          </a:p>
+        </p:txBody>
+      </p:sp>
+      <p:sp>
+        <p:nvSpPr>
+          <p:cNvPr id="3" name="Content Placeholder 2">
+            <a:extLst>
+              <a:ext uri="{FF2B5EF4-FFF2-40B4-BE49-F238E27FC236}">
+                <a16:creationId xmlns:a16="http://schemas.microsoft.com/office/drawing/2014/main" id="{7171011C-A762-4A01-8962-0A7436AA633E}"/>
+              </a:ext>
+            </a:extLst>
+          </p:cNvPr>
+          <p:cNvSpPr>
+            <a:spLocks noGrp="1"/>
+          </p:cNvSpPr>
+          <p:nvPr>
+            <p:ph idx="1"/>
+          </p:nvPr>
+        </p:nvSpPr>
+        <p:spPr/>
+        <p:txBody>
+          <a:bodyPr/>
+          <a:lstStyle/>
+          <a:p>
+            <a:r>
+              <a:rPr lang="en-US" dirty="0">
+                <a:solidFill>
+                  <a:schemeClr val="bg2"/>
+                </a:solidFill>
+              </a:rPr>
+              <a:t>To let the user create an account.</a:t>
+            </a:r>
+          </a:p>
+          <a:p>
+            <a:r>
+              <a:rPr lang="en-US" dirty="0">
+                <a:solidFill>
+                  <a:schemeClr val="bg2"/>
+                </a:solidFill>
+              </a:rPr>
+              <a:t>To let user enter , delete or/and edit a URL .</a:t>
+            </a:r>
+          </a:p>
+          <a:p>
+            <a:r>
+              <a:rPr lang="en-US" dirty="0">
+                <a:solidFill>
+                  <a:schemeClr val="bg2"/>
+                </a:solidFill>
+              </a:rPr>
+              <a:t>Create a relational view of the database , with proper key – table relation to store user details and the URL details.</a:t>
+            </a:r>
+          </a:p>
+          <a:p>
+            <a:r>
+              <a:rPr lang="en-US" dirty="0">
+                <a:solidFill>
+                  <a:schemeClr val="bg2"/>
+                </a:solidFill>
+              </a:rPr>
+              <a:t>Scan through the saved Websites.</a:t>
+            </a:r>
+          </a:p>
+          <a:p>
+            <a:r>
+              <a:rPr lang="en-US" dirty="0">
+                <a:solidFill>
+                  <a:schemeClr val="bg2"/>
+                </a:solidFill>
+              </a:rPr>
+              <a:t>For the identified websites, update the database.</a:t>
+            </a:r>
+          </a:p>
+          <a:p>
+            <a:r>
+              <a:rPr lang="en-US" dirty="0"/>
+              <a:t>Send the email to the user , without spamming them.</a:t>
+            </a:r>
+          </a:p>
+        </p:txBody>
+      </p:sp>
+    </p:spTree>
+    <p:extLst>
+      <p:ext uri="{BB962C8B-B14F-4D97-AF65-F5344CB8AC3E}">
+        <p14:creationId xmlns:p14="http://schemas.microsoft.com/office/powerpoint/2010/main" val="794895920"/>
+      </p:ext>
+    </p:extLst>
+  </p:cSld>
+  <p:clrMapOvr>
+    <a:masterClrMapping/>
+  </p:clrMapOvr>
+</p:sld>
+</file>
+
+<file path=ppt/slides/slide11.xml><?xml version="1.0" encoding="utf-8"?>
+<p:sld xmlns:a="http://schemas.openxmlformats.org/drawingml/2006/main" xmlns:r="http://schemas.openxmlformats.org/officeDocument/2006/relationships" xmlns:p="http://schemas.openxmlformats.org/presentationml/2006/main">
+  <p:cSld>
+    <p:spTree>
+      <p:nvGrpSpPr>
+        <p:cNvPr id="1" name=""/>
+        <p:cNvGrpSpPr/>
+        <p:nvPr/>
+      </p:nvGrpSpPr>
+      <p:grpSpPr>
+        <a:xfrm>
+          <a:off x="0" y="0"/>
+          <a:ext cx="0" cy="0"/>
+          <a:chOff x="0" y="0"/>
+          <a:chExt cx="0" cy="0"/>
+        </a:xfrm>
+      </p:grpSpPr>
+      <p:sp>
+        <p:nvSpPr>
+          <p:cNvPr id="2" name="Title 1">
+            <a:extLst>
+              <a:ext uri="{FF2B5EF4-FFF2-40B4-BE49-F238E27FC236}">
+                <a16:creationId xmlns:a16="http://schemas.microsoft.com/office/drawing/2014/main" id="{A0EFC9D0-35F5-483E-86FE-4B2083D4CCE8}"/>
+              </a:ext>
+            </a:extLst>
+          </p:cNvPr>
+          <p:cNvSpPr>
+            <a:spLocks noGrp="1"/>
+          </p:cNvSpPr>
+          <p:nvPr>
+            <p:ph type="title"/>
+          </p:nvPr>
+        </p:nvSpPr>
+        <p:spPr/>
+        <p:txBody>
+          <a:bodyPr/>
+          <a:lstStyle/>
+          <a:p>
+            <a:r>
+              <a:rPr lang="en-US" dirty="0"/>
+              <a:t>How</a:t>
+            </a:r>
+          </a:p>
+        </p:txBody>
+      </p:sp>
+      <p:sp>
+        <p:nvSpPr>
+          <p:cNvPr id="3" name="Content Placeholder 2">
+            <a:extLst>
+              <a:ext uri="{FF2B5EF4-FFF2-40B4-BE49-F238E27FC236}">
+                <a16:creationId xmlns:a16="http://schemas.microsoft.com/office/drawing/2014/main" id="{323EF7F1-8AC4-4144-AEE5-821E1DE879E1}"/>
+              </a:ext>
+            </a:extLst>
+          </p:cNvPr>
+          <p:cNvSpPr>
+            <a:spLocks noGrp="1"/>
+          </p:cNvSpPr>
+          <p:nvPr>
+            <p:ph idx="1"/>
+          </p:nvPr>
+        </p:nvSpPr>
+        <p:spPr/>
+        <p:txBody>
+          <a:bodyPr/>
+          <a:lstStyle/>
+          <a:p>
+            <a:r>
+              <a:rPr lang="en-US" dirty="0"/>
+              <a:t>For the development purpose , there has been an extensive use of </a:t>
+            </a:r>
+            <a:r>
+              <a:rPr lang="en-US" dirty="0" err="1"/>
+              <a:t>Php</a:t>
+            </a:r>
+            <a:r>
+              <a:rPr lang="en-US" dirty="0"/>
+              <a:t> and its tool.</a:t>
+            </a:r>
+          </a:p>
+          <a:p>
+            <a:r>
+              <a:rPr lang="en-US" dirty="0"/>
+              <a:t>To integrate the database need with the front – end ,  use of </a:t>
+            </a:r>
+            <a:r>
+              <a:rPr lang="en-US" dirty="0" err="1"/>
+              <a:t>PhpMyadmin</a:t>
+            </a:r>
+            <a:r>
+              <a:rPr lang="en-US" dirty="0"/>
+              <a:t> .</a:t>
+            </a:r>
+          </a:p>
+          <a:p>
+            <a:r>
+              <a:rPr lang="en-US" dirty="0" err="1"/>
+              <a:t>Xampp</a:t>
+            </a:r>
+            <a:r>
+              <a:rPr lang="en-US" dirty="0"/>
+              <a:t> helps us to connect with </a:t>
+            </a:r>
+            <a:r>
+              <a:rPr lang="en-US" dirty="0" err="1"/>
+              <a:t>PhpMyadmin</a:t>
+            </a:r>
+            <a:r>
+              <a:rPr lang="en-US" dirty="0"/>
+              <a:t> .</a:t>
+            </a:r>
+          </a:p>
+          <a:p>
+            <a:r>
+              <a:rPr lang="en-US" dirty="0" err="1"/>
+              <a:t>PhpMyadmin</a:t>
+            </a:r>
+            <a:r>
+              <a:rPr lang="en-US" dirty="0"/>
+              <a:t> uses </a:t>
+            </a:r>
+            <a:r>
+              <a:rPr lang="en-US" dirty="0" err="1"/>
+              <a:t>MySql</a:t>
+            </a:r>
+            <a:r>
+              <a:rPr lang="en-US" dirty="0"/>
+              <a:t> to handle the database .</a:t>
+            </a:r>
+          </a:p>
+          <a:p>
+            <a:r>
+              <a:rPr lang="en-US" dirty="0"/>
+              <a:t>The </a:t>
+            </a:r>
+            <a:r>
+              <a:rPr lang="en-US" dirty="0" err="1"/>
+              <a:t>MySql</a:t>
+            </a:r>
+            <a:r>
+              <a:rPr lang="en-US" dirty="0"/>
+              <a:t> database not only allows us to have more than 2 Databases , but allows us to have the utilities at the disposal.</a:t>
+            </a:r>
+          </a:p>
+          <a:p>
+            <a:endParaRPr lang="en-US" dirty="0"/>
+          </a:p>
+        </p:txBody>
+      </p:sp>
+    </p:spTree>
+    <p:extLst>
+      <p:ext uri="{BB962C8B-B14F-4D97-AF65-F5344CB8AC3E}">
+        <p14:creationId xmlns:p14="http://schemas.microsoft.com/office/powerpoint/2010/main" val="1621738832"/>
+      </p:ext>
+    </p:extLst>
+  </p:cSld>
+  <p:clrMapOvr>
+    <a:masterClrMapping/>
+  </p:clrMapOvr>
+</p:sld>
+</file>
+
+<file path=ppt/slides/slide12.xml><?xml version="1.0" encoding="utf-8"?>
+<p:sld xmlns:a="http://schemas.openxmlformats.org/drawingml/2006/main" xmlns:r="http://schemas.openxmlformats.org/officeDocument/2006/relationships" xmlns:p="http://schemas.openxmlformats.org/presentationml/2006/main">
+  <p:cSld>
+    <p:bg>
+      <p:bgPr>
+        <a:solidFill>
+          <a:schemeClr val="bg1"/>
+        </a:solidFill>
+        <a:effectLst/>
+      </p:bgPr>
+    </p:bg>
+    <p:spTree>
+      <p:nvGrpSpPr>
+        <p:cNvPr id="1" name=""/>
+        <p:cNvGrpSpPr/>
+        <p:nvPr/>
+      </p:nvGrpSpPr>
+      <p:grpSpPr>
+        <a:xfrm>
+          <a:off x="0" y="0"/>
+          <a:ext cx="0" cy="0"/>
+          <a:chOff x="0" y="0"/>
+          <a:chExt cx="0" cy="0"/>
+        </a:xfrm>
+      </p:grpSpPr>
+      <p:sp>
+        <p:nvSpPr>
+          <p:cNvPr id="9" name="Rectangle 8">
+            <a:extLst>
+              <a:ext uri="{FF2B5EF4-FFF2-40B4-BE49-F238E27FC236}">
+                <a16:creationId xmlns:a16="http://schemas.microsoft.com/office/drawing/2014/main" id="{A4AC5506-6312-4701-8D3C-40187889A947}"/>
+              </a:ext>
+            </a:extLst>
+          </p:cNvPr>
+          <p:cNvSpPr>
+            <a:spLocks noGrp="1" noRot="1" noChangeAspect="1" noMove="1" noResize="1" noEditPoints="1" noAdjustHandles="1" noChangeArrowheads="1" noChangeShapeType="1" noTextEdit="1"/>
+          </p:cNvSpPr>
+          <p:nvPr>
+            <p:extLst>
+              <p:ext uri="{386F3935-93C4-4BCD-93E2-E3B085C9AB24}">
+                <p16:designElem xmlns:p16="http://schemas.microsoft.com/office/powerpoint/2015/main" val="1"/>
+              </p:ext>
+            </p:extLst>
+          </p:nvPr>
+        </p:nvSpPr>
+        <p:spPr>
+          <a:xfrm>
+            <a:off x="0" y="651752"/>
+            <a:ext cx="12192000" cy="736551"/>
+          </a:xfrm>
+          <a:prstGeom prst="rect">
+            <a:avLst/>
+          </a:prstGeom>
+          <a:solidFill>
+            <a:schemeClr val="tx1">
+              <a:alpha val="75000"/>
+            </a:schemeClr>
+          </a:solidFill>
+          <a:ln>
+            <a:noFill/>
+          </a:ln>
+        </p:spPr>
+        <p:style>
+          <a:lnRef idx="2">
+            <a:schemeClr val="accent1">
+              <a:shade val="50000"/>
+            </a:schemeClr>
+          </a:lnRef>
+          <a:fillRef idx="1">
+            <a:schemeClr val="accent1"/>
+          </a:fillRef>
+          <a:effectRef idx="0">
+            <a:schemeClr val="accent1"/>
+          </a:effectRef>
+          <a:fontRef idx="minor">
+            <a:schemeClr val="lt1"/>
+          </a:fontRef>
+        </p:style>
+        <p:txBody>
+          <a:bodyPr rtlCol="0" anchor="ctr"/>
+          <a:lstStyle/>
+          <a:p>
+            <a:pPr algn="ctr"/>
+            <a:endParaRPr lang="en-US"/>
+          </a:p>
+        </p:txBody>
+      </p:sp>
+      <p:pic>
+        <p:nvPicPr>
+          <p:cNvPr id="4" name="Content Placeholder 3">
+            <a:extLst>
+              <a:ext uri="{FF2B5EF4-FFF2-40B4-BE49-F238E27FC236}">
+                <a16:creationId xmlns:a16="http://schemas.microsoft.com/office/drawing/2014/main" id="{8DB778F2-E62C-431C-AB5C-C95A5E966A35}"/>
+              </a:ext>
+            </a:extLst>
+          </p:cNvPr>
+          <p:cNvPicPr>
+            <a:picLocks noGrp="1" noChangeAspect="1"/>
+          </p:cNvPicPr>
+          <p:nvPr>
+            <p:ph idx="1"/>
+          </p:nvPr>
+        </p:nvPicPr>
+        <p:blipFill>
+          <a:blip r:embed="rId2"/>
+          <a:stretch>
+            <a:fillRect/>
+          </a:stretch>
+        </p:blipFill>
+        <p:spPr>
+          <a:xfrm>
+            <a:off x="643467" y="2263829"/>
+            <a:ext cx="10905066" cy="3216994"/>
+          </a:xfrm>
+          <a:prstGeom prst="rect">
+            <a:avLst/>
+          </a:prstGeom>
+        </p:spPr>
+      </p:pic>
+      <p:sp>
+        <p:nvSpPr>
+          <p:cNvPr id="2" name="Title 1">
+            <a:extLst>
+              <a:ext uri="{FF2B5EF4-FFF2-40B4-BE49-F238E27FC236}">
                 <a16:creationId xmlns:a16="http://schemas.microsoft.com/office/drawing/2014/main" id="{99C8C8EE-289C-4B9D-AE46-EAE4F3CEB2EE}"/>
               </a:ext>
             </a:extLst>
@@ -3455,40 +3856,294 @@
             <p:ph type="title"/>
           </p:nvPr>
         </p:nvSpPr>
-        <p:spPr/>
-        <p:txBody>
-          <a:bodyPr/>
-          <a:lstStyle/>
-          <a:p>
-            <a:endParaRPr lang="en-US"/>
-          </a:p>
-        </p:txBody>
-      </p:sp>
-      <p:sp>
-        <p:nvSpPr>
-          <p:cNvPr id="3" name="Content Placeholder 2">
-            <a:extLst>
-              <a:ext uri="{FF2B5EF4-FFF2-40B4-BE49-F238E27FC236}">
-                <a16:creationId xmlns:a16="http://schemas.microsoft.com/office/drawing/2014/main" id="{8380A957-F922-463F-9CC7-D8BB225A398D}"/>
-              </a:ext>
-            </a:extLst>
-          </p:cNvPr>
-          <p:cNvSpPr>
-            <a:spLocks noGrp="1"/>
-          </p:cNvSpPr>
-          <p:nvPr>
-            <p:ph idx="1"/>
-          </p:nvPr>
-        </p:nvSpPr>
-        <p:spPr/>
-        <p:txBody>
-          <a:bodyPr/>
-          <a:lstStyle/>
-          <a:p>
-            <a:endParaRPr lang="en-US"/>
-          </a:p>
-        </p:txBody>
-      </p:sp>
+        <p:spPr>
+          <a:xfrm>
+            <a:off x="556532" y="643467"/>
+            <a:ext cx="11210925" cy="744836"/>
+          </a:xfrm>
+        </p:spPr>
+        <p:txBody>
+          <a:bodyPr vert="horz" lIns="91440" tIns="45720" rIns="91440" bIns="45720" rtlCol="0" anchor="ctr">
+            <a:normAutofit/>
+          </a:bodyPr>
+          <a:lstStyle/>
+          <a:p>
+            <a:pPr algn="ctr"/>
+            <a:r>
+              <a:rPr lang="en-US" sz="3200" kern="1200" dirty="0">
+                <a:solidFill>
+                  <a:schemeClr val="bg1"/>
+                </a:solidFill>
+                <a:latin typeface="+mj-lt"/>
+                <a:ea typeface="+mj-ea"/>
+                <a:cs typeface="+mj-cs"/>
+              </a:rPr>
+              <a:t>Layout of </a:t>
+            </a:r>
+            <a:r>
+              <a:rPr lang="en-US" sz="3200" kern="1200" dirty="0" err="1">
+                <a:solidFill>
+                  <a:schemeClr val="bg1"/>
+                </a:solidFill>
+                <a:latin typeface="+mj-lt"/>
+                <a:ea typeface="+mj-ea"/>
+                <a:cs typeface="+mj-cs"/>
+              </a:rPr>
+              <a:t>phpMyAdmin</a:t>
+            </a:r>
+            <a:endParaRPr lang="en-US" sz="3200" kern="1200" dirty="0">
+              <a:solidFill>
+                <a:schemeClr val="bg1"/>
+              </a:solidFill>
+              <a:latin typeface="+mj-lt"/>
+              <a:ea typeface="+mj-ea"/>
+              <a:cs typeface="+mj-cs"/>
+            </a:endParaRPr>
+          </a:p>
+        </p:txBody>
+      </p:sp>
+      <p:cxnSp>
+        <p:nvCxnSpPr>
+          <p:cNvPr id="7" name="Straight Arrow Connector 6">
+            <a:extLst>
+              <a:ext uri="{FF2B5EF4-FFF2-40B4-BE49-F238E27FC236}">
+                <a16:creationId xmlns:a16="http://schemas.microsoft.com/office/drawing/2014/main" id="{32652254-0F18-49F4-97E2-7E449140EE5C}"/>
+              </a:ext>
+            </a:extLst>
+          </p:cNvPr>
+          <p:cNvCxnSpPr>
+            <a:cxnSpLocks/>
+          </p:cNvCxnSpPr>
+          <p:nvPr/>
+        </p:nvCxnSpPr>
+        <p:spPr>
+          <a:xfrm flipH="1" flipV="1">
+            <a:off x="1027521" y="2009306"/>
+            <a:ext cx="56561" cy="1488039"/>
+          </a:xfrm>
+          <a:prstGeom prst="straightConnector1">
+            <a:avLst/>
+          </a:prstGeom>
+          <a:ln>
+            <a:tailEnd type="triangle"/>
+          </a:ln>
+        </p:spPr>
+        <p:style>
+          <a:lnRef idx="1">
+            <a:schemeClr val="accent1"/>
+          </a:lnRef>
+          <a:fillRef idx="0">
+            <a:schemeClr val="accent1"/>
+          </a:fillRef>
+          <a:effectRef idx="0">
+            <a:schemeClr val="accent1"/>
+          </a:effectRef>
+          <a:fontRef idx="minor">
+            <a:schemeClr val="tx1"/>
+          </a:fontRef>
+        </p:style>
+      </p:cxnSp>
+      <p:cxnSp>
+        <p:nvCxnSpPr>
+          <p:cNvPr id="10" name="Straight Arrow Connector 9">
+            <a:extLst>
+              <a:ext uri="{FF2B5EF4-FFF2-40B4-BE49-F238E27FC236}">
+                <a16:creationId xmlns:a16="http://schemas.microsoft.com/office/drawing/2014/main" id="{56724CE6-E70B-4E1B-B8A3-8AB76323C576}"/>
+              </a:ext>
+            </a:extLst>
+          </p:cNvPr>
+          <p:cNvCxnSpPr>
+            <a:cxnSpLocks/>
+          </p:cNvCxnSpPr>
+          <p:nvPr/>
+        </p:nvCxnSpPr>
+        <p:spPr>
+          <a:xfrm flipH="1" flipV="1">
+            <a:off x="1027521" y="2009306"/>
+            <a:ext cx="788361" cy="2467031"/>
+          </a:xfrm>
+          <a:prstGeom prst="straightConnector1">
+            <a:avLst/>
+          </a:prstGeom>
+          <a:ln>
+            <a:tailEnd type="triangle"/>
+          </a:ln>
+        </p:spPr>
+        <p:style>
+          <a:lnRef idx="1">
+            <a:schemeClr val="accent1"/>
+          </a:lnRef>
+          <a:fillRef idx="0">
+            <a:schemeClr val="accent1"/>
+          </a:fillRef>
+          <a:effectRef idx="0">
+            <a:schemeClr val="accent1"/>
+          </a:effectRef>
+          <a:fontRef idx="minor">
+            <a:schemeClr val="tx1"/>
+          </a:fontRef>
+        </p:style>
+      </p:cxnSp>
+      <p:cxnSp>
+        <p:nvCxnSpPr>
+          <p:cNvPr id="13" name="Straight Arrow Connector 12">
+            <a:extLst>
+              <a:ext uri="{FF2B5EF4-FFF2-40B4-BE49-F238E27FC236}">
+                <a16:creationId xmlns:a16="http://schemas.microsoft.com/office/drawing/2014/main" id="{26E3BA7C-8B5C-483D-A705-96552F0BEE06}"/>
+              </a:ext>
+            </a:extLst>
+          </p:cNvPr>
+          <p:cNvCxnSpPr>
+            <a:cxnSpLocks/>
+          </p:cNvCxnSpPr>
+          <p:nvPr/>
+        </p:nvCxnSpPr>
+        <p:spPr>
+          <a:xfrm>
+            <a:off x="1421701" y="4204355"/>
+            <a:ext cx="256270" cy="2001893"/>
+          </a:xfrm>
+          <a:prstGeom prst="straightConnector1">
+            <a:avLst/>
+          </a:prstGeom>
+          <a:ln>
+            <a:tailEnd type="triangle"/>
+          </a:ln>
+        </p:spPr>
+        <p:style>
+          <a:lnRef idx="1">
+            <a:schemeClr val="accent2"/>
+          </a:lnRef>
+          <a:fillRef idx="0">
+            <a:schemeClr val="accent2"/>
+          </a:fillRef>
+          <a:effectRef idx="0">
+            <a:schemeClr val="accent2"/>
+          </a:effectRef>
+          <a:fontRef idx="minor">
+            <a:schemeClr val="tx1"/>
+          </a:fontRef>
+        </p:style>
+      </p:cxnSp>
+      <p:cxnSp>
+        <p:nvCxnSpPr>
+          <p:cNvPr id="15" name="Straight Arrow Connector 14">
+            <a:extLst>
+              <a:ext uri="{FF2B5EF4-FFF2-40B4-BE49-F238E27FC236}">
+                <a16:creationId xmlns:a16="http://schemas.microsoft.com/office/drawing/2014/main" id="{05C11018-9C22-4371-BEDE-2B0C0B415095}"/>
+              </a:ext>
+            </a:extLst>
+          </p:cNvPr>
+          <p:cNvCxnSpPr>
+            <a:cxnSpLocks/>
+          </p:cNvCxnSpPr>
+          <p:nvPr/>
+        </p:nvCxnSpPr>
+        <p:spPr>
+          <a:xfrm>
+            <a:off x="1178351" y="4996209"/>
+            <a:ext cx="499620" cy="1210039"/>
+          </a:xfrm>
+          <a:prstGeom prst="straightConnector1">
+            <a:avLst/>
+          </a:prstGeom>
+          <a:ln>
+            <a:tailEnd type="triangle"/>
+          </a:ln>
+        </p:spPr>
+        <p:style>
+          <a:lnRef idx="1">
+            <a:schemeClr val="accent2"/>
+          </a:lnRef>
+          <a:fillRef idx="0">
+            <a:schemeClr val="accent2"/>
+          </a:fillRef>
+          <a:effectRef idx="0">
+            <a:schemeClr val="accent2"/>
+          </a:effectRef>
+          <a:fontRef idx="minor">
+            <a:schemeClr val="tx1"/>
+          </a:fontRef>
+        </p:style>
+      </p:cxnSp>
+      <p:cxnSp>
+        <p:nvCxnSpPr>
+          <p:cNvPr id="26" name="Straight Arrow Connector 25">
+            <a:extLst>
+              <a:ext uri="{FF2B5EF4-FFF2-40B4-BE49-F238E27FC236}">
+                <a16:creationId xmlns:a16="http://schemas.microsoft.com/office/drawing/2014/main" id="{B51B42E7-DA54-4898-A1E8-71D8E36299FE}"/>
+              </a:ext>
+            </a:extLst>
+          </p:cNvPr>
+          <p:cNvCxnSpPr/>
+          <p:nvPr/>
+        </p:nvCxnSpPr>
+        <p:spPr>
+          <a:xfrm>
+            <a:off x="6919274" y="4289196"/>
+            <a:ext cx="1442301" cy="0"/>
+          </a:xfrm>
+          <a:prstGeom prst="straightConnector1">
+            <a:avLst/>
+          </a:prstGeom>
+          <a:ln>
+            <a:tailEnd type="triangle"/>
+          </a:ln>
+        </p:spPr>
+        <p:style>
+          <a:lnRef idx="1">
+            <a:schemeClr val="accent1"/>
+          </a:lnRef>
+          <a:fillRef idx="0">
+            <a:schemeClr val="accent1"/>
+          </a:fillRef>
+          <a:effectRef idx="0">
+            <a:schemeClr val="accent1"/>
+          </a:effectRef>
+          <a:fontRef idx="minor">
+            <a:schemeClr val="tx1"/>
+          </a:fontRef>
+        </p:style>
+      </p:cxnSp>
+      <p:cxnSp>
+        <p:nvCxnSpPr>
+          <p:cNvPr id="27" name="Straight Arrow Connector 26">
+            <a:extLst>
+              <a:ext uri="{FF2B5EF4-FFF2-40B4-BE49-F238E27FC236}">
+                <a16:creationId xmlns:a16="http://schemas.microsoft.com/office/drawing/2014/main" id="{369BE940-CEE1-4F65-A4F2-717A58F882CE}"/>
+              </a:ext>
+            </a:extLst>
+          </p:cNvPr>
+          <p:cNvCxnSpPr/>
+          <p:nvPr/>
+        </p:nvCxnSpPr>
+        <p:spPr>
+          <a:xfrm>
+            <a:off x="6817150" y="4894082"/>
+            <a:ext cx="1442301" cy="0"/>
+          </a:xfrm>
+          <a:prstGeom prst="straightConnector1">
+            <a:avLst/>
+          </a:prstGeom>
+          <a:ln>
+            <a:tailEnd type="triangle"/>
+          </a:ln>
+        </p:spPr>
+        <p:style>
+          <a:lnRef idx="1">
+            <a:schemeClr val="accent1"/>
+          </a:lnRef>
+          <a:fillRef idx="0">
+            <a:schemeClr val="accent1"/>
+          </a:fillRef>
+          <a:effectRef idx="0">
+            <a:schemeClr val="accent1"/>
+          </a:effectRef>
+          <a:fontRef idx="minor">
+            <a:schemeClr val="tx1"/>
+          </a:fontRef>
+        </p:style>
+      </p:cxnSp>
     </p:spTree>
     <p:extLst>
       <p:ext uri="{BB962C8B-B14F-4D97-AF65-F5344CB8AC3E}">
@@ -3502,7 +4157,7 @@
 </p:sld>
 </file>
 
-<file path=ppt/slides/slide11.xml><?xml version="1.0" encoding="utf-8"?>
+<file path=ppt/slides/slide13.xml><?xml version="1.0" encoding="utf-8"?>
 <p:sld xmlns:a="http://schemas.openxmlformats.org/drawingml/2006/main" xmlns:r="http://schemas.openxmlformats.org/officeDocument/2006/relationships" xmlns:p="http://schemas.openxmlformats.org/presentationml/2006/main">
   <p:cSld>
     <p:bg>
@@ -4118,7 +4773,7 @@
           <p:cNvPr id="2" name="Title 1">
             <a:extLst>
               <a:ext uri="{FF2B5EF4-FFF2-40B4-BE49-F238E27FC236}">
-                <a16:creationId xmlns:a16="http://schemas.microsoft.com/office/drawing/2014/main" id="{DFF42C1E-DA6A-4D5D-B54C-11395041F7D5}"/>
+                <a16:creationId xmlns:a16="http://schemas.microsoft.com/office/drawing/2014/main" id="{259D0B7C-1D18-4B9B-9686-41CD01222471}"/>
               </a:ext>
             </a:extLst>
           </p:cNvPr>
@@ -4134,7 +4789,10 @@
           <a:bodyPr/>
           <a:lstStyle/>
           <a:p>
-            <a:endParaRPr lang="en-US" dirty="0"/>
+            <a:r>
+              <a:rPr lang="en-US" dirty="0"/>
+              <a:t>How – Tasks at hand</a:t>
+            </a:r>
           </a:p>
         </p:txBody>
       </p:sp>
@@ -4143,7 +4801,7 @@
           <p:cNvPr id="3" name="Content Placeholder 2">
             <a:extLst>
               <a:ext uri="{FF2B5EF4-FFF2-40B4-BE49-F238E27FC236}">
-                <a16:creationId xmlns:a16="http://schemas.microsoft.com/office/drawing/2014/main" id="{49A8D11B-FCF5-410A-9BE9-FB31029A9B40}"/>
+                <a16:creationId xmlns:a16="http://schemas.microsoft.com/office/drawing/2014/main" id="{7171011C-A762-4A01-8962-0A7436AA633E}"/>
               </a:ext>
             </a:extLst>
           </p:cNvPr>
@@ -4161,15 +4819,229 @@
           <a:p>
             <a:r>
               <a:rPr lang="en-US" dirty="0"/>
-              <a:t>To let the user create an account , To let user enter , delete or/and edit a URL  , </a:t>
-            </a:r>
+              <a:t>To let the user create an account.</a:t>
+            </a:r>
+          </a:p>
+          <a:p>
+            <a:r>
+              <a:rPr lang="en-US" dirty="0">
+                <a:solidFill>
+                  <a:schemeClr val="bg2"/>
+                </a:solidFill>
+              </a:rPr>
+              <a:t>To let user enter , delete or/and edit a URL .</a:t>
+            </a:r>
+          </a:p>
+          <a:p>
+            <a:r>
+              <a:rPr lang="en-US" dirty="0">
+                <a:solidFill>
+                  <a:schemeClr val="bg2"/>
+                </a:solidFill>
+              </a:rPr>
+              <a:t>Create a relational view of the database , with proper key – table relation to store user details and the URL details.</a:t>
+            </a:r>
+          </a:p>
+          <a:p>
+            <a:r>
+              <a:rPr lang="en-US" dirty="0">
+                <a:solidFill>
+                  <a:schemeClr val="bg2"/>
+                </a:solidFill>
+              </a:rPr>
+              <a:t>Scan through the saved Websites.</a:t>
+            </a:r>
+          </a:p>
+          <a:p>
+            <a:r>
+              <a:rPr lang="en-US" dirty="0">
+                <a:solidFill>
+                  <a:schemeClr val="bg2"/>
+                </a:solidFill>
+              </a:rPr>
+              <a:t>For the identified websites, update the database.</a:t>
+            </a:r>
+          </a:p>
+          <a:p>
+            <a:r>
+              <a:rPr lang="en-US" dirty="0">
+                <a:solidFill>
+                  <a:schemeClr val="bg2"/>
+                </a:solidFill>
+              </a:rPr>
+              <a:t>Send the email to the user , without spamming them.</a:t>
+            </a:r>
+          </a:p>
+        </p:txBody>
+      </p:sp>
+      <p:sp>
+        <p:nvSpPr>
+          <p:cNvPr id="5" name="TextBox 4">
+            <a:extLst>
+              <a:ext uri="{FF2B5EF4-FFF2-40B4-BE49-F238E27FC236}">
+                <a16:creationId xmlns:a16="http://schemas.microsoft.com/office/drawing/2014/main" id="{712723B3-7A70-4AD7-BACB-1675F66D5820}"/>
+              </a:ext>
+            </a:extLst>
+          </p:cNvPr>
+          <p:cNvSpPr txBox="1"/>
+          <p:nvPr/>
+        </p:nvSpPr>
+        <p:spPr>
+          <a:xfrm>
+            <a:off x="5863472" y="2102177"/>
+            <a:ext cx="6061435" cy="4247317"/>
+          </a:xfrm>
+          <a:prstGeom prst="rect">
+            <a:avLst/>
+          </a:prstGeom>
+          <a:solidFill>
+            <a:schemeClr val="accent3">
+              <a:alpha val="46000"/>
+            </a:schemeClr>
+          </a:solidFill>
+          <a:effectLst>
+            <a:outerShdw blurRad="50800" dist="38100" dir="18900000" algn="bl" rotWithShape="0">
+              <a:prstClr val="black">
+                <a:alpha val="0"/>
+              </a:prstClr>
+            </a:outerShdw>
+          </a:effectLst>
+        </p:spPr>
+        <p:txBody>
+          <a:bodyPr wrap="square" rtlCol="0">
+            <a:spAutoFit/>
+          </a:bodyPr>
+          <a:lstStyle/>
+          <a:p>
+            <a:r>
+              <a:rPr lang="en-US" dirty="0">
+                <a:solidFill>
+                  <a:schemeClr val="accent2"/>
+                </a:solidFill>
+              </a:rPr>
+              <a:t>Use of </a:t>
+            </a:r>
+            <a:r>
+              <a:rPr lang="en-US" dirty="0" err="1">
+                <a:solidFill>
+                  <a:schemeClr val="accent2"/>
+                </a:solidFill>
+              </a:rPr>
+              <a:t>php</a:t>
+            </a:r>
+            <a:r>
+              <a:rPr lang="en-US" dirty="0">
+                <a:solidFill>
+                  <a:schemeClr val="accent2"/>
+                </a:solidFill>
+              </a:rPr>
+              <a:t>.</a:t>
+            </a:r>
+          </a:p>
+          <a:p>
+            <a:endParaRPr lang="en-US" dirty="0">
+              <a:solidFill>
+                <a:schemeClr val="accent2"/>
+              </a:solidFill>
+            </a:endParaRPr>
+          </a:p>
+          <a:p>
+            <a:endParaRPr lang="en-US" dirty="0">
+              <a:solidFill>
+                <a:schemeClr val="accent2"/>
+              </a:solidFill>
+            </a:endParaRPr>
+          </a:p>
+          <a:p>
+            <a:endParaRPr lang="en-US" dirty="0">
+              <a:solidFill>
+                <a:schemeClr val="accent2"/>
+              </a:solidFill>
+            </a:endParaRPr>
+          </a:p>
+          <a:p>
+            <a:endParaRPr lang="en-US" dirty="0">
+              <a:solidFill>
+                <a:schemeClr val="accent2"/>
+              </a:solidFill>
+            </a:endParaRPr>
+          </a:p>
+          <a:p>
+            <a:endParaRPr lang="en-US" dirty="0">
+              <a:solidFill>
+                <a:schemeClr val="accent2"/>
+              </a:solidFill>
+            </a:endParaRPr>
+          </a:p>
+          <a:p>
+            <a:endParaRPr lang="en-US" dirty="0">
+              <a:solidFill>
+                <a:schemeClr val="accent2"/>
+              </a:solidFill>
+            </a:endParaRPr>
+          </a:p>
+          <a:p>
+            <a:endParaRPr lang="en-US" dirty="0">
+              <a:solidFill>
+                <a:schemeClr val="accent2"/>
+              </a:solidFill>
+            </a:endParaRPr>
+          </a:p>
+          <a:p>
+            <a:endParaRPr lang="en-US" dirty="0">
+              <a:solidFill>
+                <a:schemeClr val="accent2"/>
+              </a:solidFill>
+            </a:endParaRPr>
+          </a:p>
+          <a:p>
+            <a:endParaRPr lang="en-US" dirty="0">
+              <a:solidFill>
+                <a:schemeClr val="accent2"/>
+              </a:solidFill>
+            </a:endParaRPr>
+          </a:p>
+          <a:p>
+            <a:endParaRPr lang="en-US" dirty="0">
+              <a:solidFill>
+                <a:schemeClr val="accent2"/>
+              </a:solidFill>
+            </a:endParaRPr>
+          </a:p>
+          <a:p>
+            <a:endParaRPr lang="en-US" dirty="0">
+              <a:solidFill>
+                <a:schemeClr val="accent2"/>
+              </a:solidFill>
+            </a:endParaRPr>
+          </a:p>
+          <a:p>
+            <a:endParaRPr lang="en-US" dirty="0">
+              <a:solidFill>
+                <a:schemeClr val="accent2"/>
+              </a:solidFill>
+            </a:endParaRPr>
+          </a:p>
+          <a:p>
+            <a:endParaRPr lang="en-US" dirty="0">
+              <a:solidFill>
+                <a:schemeClr val="accent2"/>
+              </a:solidFill>
+            </a:endParaRPr>
+          </a:p>
+          <a:p>
+            <a:endParaRPr lang="en-US" dirty="0">
+              <a:solidFill>
+                <a:schemeClr val="accent2"/>
+              </a:solidFill>
+            </a:endParaRPr>
           </a:p>
         </p:txBody>
       </p:sp>
     </p:spTree>
     <p:extLst>
       <p:ext uri="{BB962C8B-B14F-4D97-AF65-F5344CB8AC3E}">
-        <p14:creationId xmlns:p14="http://schemas.microsoft.com/office/powerpoint/2010/main" val="2758580529"/>
+        <p14:creationId xmlns:p14="http://schemas.microsoft.com/office/powerpoint/2010/main" val="2611299180"/>
       </p:ext>
     </p:extLst>
   </p:cSld>
@@ -4201,7 +5073,7 @@
           <p:cNvPr id="2" name="Title 1">
             <a:extLst>
               <a:ext uri="{FF2B5EF4-FFF2-40B4-BE49-F238E27FC236}">
-                <a16:creationId xmlns:a16="http://schemas.microsoft.com/office/drawing/2014/main" id="{35502EC1-1D9B-4B65-B361-CBB48F892585}"/>
+                <a16:creationId xmlns:a16="http://schemas.microsoft.com/office/drawing/2014/main" id="{259D0B7C-1D18-4B9B-9686-41CD01222471}"/>
               </a:ext>
             </a:extLst>
           </p:cNvPr>
@@ -4217,7 +5089,10 @@
           <a:bodyPr/>
           <a:lstStyle/>
           <a:p>
-            <a:endParaRPr lang="en-US"/>
+            <a:r>
+              <a:rPr lang="en-US" dirty="0"/>
+              <a:t>How – Tasks at hand</a:t>
+            </a:r>
           </a:p>
         </p:txBody>
       </p:sp>
@@ -4226,7 +5101,7 @@
           <p:cNvPr id="3" name="Content Placeholder 2">
             <a:extLst>
               <a:ext uri="{FF2B5EF4-FFF2-40B4-BE49-F238E27FC236}">
-                <a16:creationId xmlns:a16="http://schemas.microsoft.com/office/drawing/2014/main" id="{4DDFB6E5-3021-4442-A79F-22C95DADD5D5}"/>
+                <a16:creationId xmlns:a16="http://schemas.microsoft.com/office/drawing/2014/main" id="{7171011C-A762-4A01-8962-0A7436AA633E}"/>
               </a:ext>
             </a:extLst>
           </p:cNvPr>
@@ -4243,8 +5118,58 @@
           <a:lstStyle/>
           <a:p>
             <a:r>
+              <a:rPr lang="en-US" dirty="0">
+                <a:solidFill>
+                  <a:schemeClr val="bg2"/>
+                </a:solidFill>
+              </a:rPr>
+              <a:t>To let the user create an account.</a:t>
+            </a:r>
+          </a:p>
+          <a:p>
+            <a:r>
               <a:rPr lang="en-US" dirty="0"/>
-              <a:t>Create a relational view of the database , with proper key – table relation to store user details and the URL details , For the identified websites, update the database.</a:t>
+              <a:t>To let user enter , delete or/and edit a URL .</a:t>
+            </a:r>
+          </a:p>
+          <a:p>
+            <a:r>
+              <a:rPr lang="en-US" dirty="0">
+                <a:solidFill>
+                  <a:schemeClr val="bg2"/>
+                </a:solidFill>
+              </a:rPr>
+              <a:t>Create a relational view of the database , with proper key – table relation to store user details and the URL details.</a:t>
+            </a:r>
+          </a:p>
+          <a:p>
+            <a:r>
+              <a:rPr lang="en-US" dirty="0">
+                <a:solidFill>
+                  <a:schemeClr val="bg2"/>
+                </a:solidFill>
+              </a:rPr>
+              <a:t>Scan through the saved Websites.</a:t>
+            </a:r>
+          </a:p>
+          <a:p>
+            <a:r>
+              <a:rPr lang="en-US" dirty="0">
+                <a:solidFill>
+                  <a:schemeClr val="bg2"/>
+                </a:solidFill>
+              </a:rPr>
+              <a:t>For the identified websites, update the database.</a:t>
+            </a:r>
+          </a:p>
+          <a:p>
+            <a:r>
+              <a:rPr lang="en-US" dirty="0">
+                <a:solidFill>
+                  <a:schemeClr val="bg2"/>
+                </a:solidFill>
+              </a:rPr>
+              <a:t>Send the email to the user , without spamming them.</a:t>
             </a:r>
           </a:p>
         </p:txBody>
@@ -4252,7 +5177,7 @@
     </p:spTree>
     <p:extLst>
       <p:ext uri="{BB962C8B-B14F-4D97-AF65-F5344CB8AC3E}">
-        <p14:creationId xmlns:p14="http://schemas.microsoft.com/office/powerpoint/2010/main" val="4107970494"/>
+        <p14:creationId xmlns:p14="http://schemas.microsoft.com/office/powerpoint/2010/main" val="65087415"/>
       </p:ext>
     </p:extLst>
   </p:cSld>
@@ -4284,7 +5209,7 @@
           <p:cNvPr id="2" name="Title 1">
             <a:extLst>
               <a:ext uri="{FF2B5EF4-FFF2-40B4-BE49-F238E27FC236}">
-                <a16:creationId xmlns:a16="http://schemas.microsoft.com/office/drawing/2014/main" id="{0534C15E-62B5-495D-BA4A-205788E64F69}"/>
+                <a16:creationId xmlns:a16="http://schemas.microsoft.com/office/drawing/2014/main" id="{259D0B7C-1D18-4B9B-9686-41CD01222471}"/>
               </a:ext>
             </a:extLst>
           </p:cNvPr>
@@ -4300,7 +5225,10 @@
           <a:bodyPr/>
           <a:lstStyle/>
           <a:p>
-            <a:endParaRPr lang="en-US"/>
+            <a:r>
+              <a:rPr lang="en-US" dirty="0"/>
+              <a:t>How – Tasks at hand</a:t>
+            </a:r>
           </a:p>
         </p:txBody>
       </p:sp>
@@ -4309,7 +5237,7 @@
           <p:cNvPr id="3" name="Content Placeholder 2">
             <a:extLst>
               <a:ext uri="{FF2B5EF4-FFF2-40B4-BE49-F238E27FC236}">
-                <a16:creationId xmlns:a16="http://schemas.microsoft.com/office/drawing/2014/main" id="{E482FEC5-E1F5-4342-ABE9-816A7A4B3813}"/>
+                <a16:creationId xmlns:a16="http://schemas.microsoft.com/office/drawing/2014/main" id="{7171011C-A762-4A01-8962-0A7436AA633E}"/>
               </a:ext>
             </a:extLst>
           </p:cNvPr>
@@ -4326,8 +5254,58 @@
           <a:lstStyle/>
           <a:p>
             <a:r>
+              <a:rPr lang="en-US" dirty="0">
+                <a:solidFill>
+                  <a:schemeClr val="bg2"/>
+                </a:solidFill>
+              </a:rPr>
+              <a:t>To let the user create an account.</a:t>
+            </a:r>
+          </a:p>
+          <a:p>
+            <a:r>
+              <a:rPr lang="en-US" dirty="0">
+                <a:solidFill>
+                  <a:schemeClr val="bg2"/>
+                </a:solidFill>
+              </a:rPr>
+              <a:t>To let user enter , delete or/and edit a URL .</a:t>
+            </a:r>
+          </a:p>
+          <a:p>
+            <a:r>
               <a:rPr lang="en-US" dirty="0"/>
+              <a:t>Create a relational view of the database , with proper key – table relation to store user details and the URL details.</a:t>
+            </a:r>
+          </a:p>
+          <a:p>
+            <a:r>
+              <a:rPr lang="en-US" dirty="0">
+                <a:solidFill>
+                  <a:schemeClr val="bg2"/>
+                </a:solidFill>
+              </a:rPr>
               <a:t>Scan through the saved Websites.</a:t>
+            </a:r>
+          </a:p>
+          <a:p>
+            <a:r>
+              <a:rPr lang="en-US" dirty="0">
+                <a:solidFill>
+                  <a:schemeClr val="bg2"/>
+                </a:solidFill>
+              </a:rPr>
+              <a:t>For the identified websites, update the database.</a:t>
+            </a:r>
+          </a:p>
+          <a:p>
+            <a:r>
+              <a:rPr lang="en-US" dirty="0">
+                <a:solidFill>
+                  <a:schemeClr val="bg2"/>
+                </a:solidFill>
+              </a:rPr>
+              <a:t>Send the email to the user , without spamming them.</a:t>
             </a:r>
           </a:p>
         </p:txBody>
@@ -4335,7 +5313,7 @@
     </p:spTree>
     <p:extLst>
       <p:ext uri="{BB962C8B-B14F-4D97-AF65-F5344CB8AC3E}">
-        <p14:creationId xmlns:p14="http://schemas.microsoft.com/office/powerpoint/2010/main" val="3872265844"/>
+        <p14:creationId xmlns:p14="http://schemas.microsoft.com/office/powerpoint/2010/main" val="3234712775"/>
       </p:ext>
     </p:extLst>
   </p:cSld>
@@ -4367,7 +5345,7 @@
           <p:cNvPr id="2" name="Title 1">
             <a:extLst>
               <a:ext uri="{FF2B5EF4-FFF2-40B4-BE49-F238E27FC236}">
-                <a16:creationId xmlns:a16="http://schemas.microsoft.com/office/drawing/2014/main" id="{01FF941F-B751-4404-84A6-AAA503E26312}"/>
+                <a16:creationId xmlns:a16="http://schemas.microsoft.com/office/drawing/2014/main" id="{259D0B7C-1D18-4B9B-9686-41CD01222471}"/>
               </a:ext>
             </a:extLst>
           </p:cNvPr>
@@ -4383,7 +5361,10 @@
           <a:bodyPr/>
           <a:lstStyle/>
           <a:p>
-            <a:endParaRPr lang="en-US"/>
+            <a:r>
+              <a:rPr lang="en-US" dirty="0"/>
+              <a:t>How – Tasks at hand</a:t>
+            </a:r>
           </a:p>
         </p:txBody>
       </p:sp>
@@ -4392,7 +5373,7 @@
           <p:cNvPr id="3" name="Content Placeholder 2">
             <a:extLst>
               <a:ext uri="{FF2B5EF4-FFF2-40B4-BE49-F238E27FC236}">
-                <a16:creationId xmlns:a16="http://schemas.microsoft.com/office/drawing/2014/main" id="{0BA7590C-1CC5-4971-B00A-50A9DE34F713}"/>
+                <a16:creationId xmlns:a16="http://schemas.microsoft.com/office/drawing/2014/main" id="{7171011C-A762-4A01-8962-0A7436AA633E}"/>
               </a:ext>
             </a:extLst>
           </p:cNvPr>
@@ -4409,8 +5390,62 @@
           <a:lstStyle/>
           <a:p>
             <a:r>
+              <a:rPr lang="en-US" dirty="0">
+                <a:solidFill>
+                  <a:schemeClr val="bg2"/>
+                </a:solidFill>
+              </a:rPr>
+              <a:t>To let the user create an account.</a:t>
+            </a:r>
+          </a:p>
+          <a:p>
+            <a:r>
+              <a:rPr lang="en-US" dirty="0">
+                <a:solidFill>
+                  <a:schemeClr val="bg2"/>
+                </a:solidFill>
+              </a:rPr>
+              <a:t>To let user enter , delete or/and edit a URL .</a:t>
+            </a:r>
+          </a:p>
+          <a:p>
+            <a:r>
+              <a:rPr lang="en-US" dirty="0">
+                <a:solidFill>
+                  <a:schemeClr val="bg2"/>
+                </a:solidFill>
+              </a:rPr>
+              <a:t>Create a relational view of the database , with proper key – table relation to store user details and the URL details.</a:t>
+            </a:r>
+          </a:p>
+          <a:p>
+            <a:r>
               <a:rPr lang="en-US" dirty="0"/>
-              <a:t>Send the email to the user , without spamming them.</a:t>
+              <a:t>Scan through the saved Websites.</a:t>
+            </a:r>
+          </a:p>
+          <a:p>
+            <a:r>
+              <a:rPr lang="en-US" dirty="0">
+                <a:solidFill>
+                  <a:schemeClr val="bg2"/>
+                </a:solidFill>
+              </a:rPr>
+              <a:t>For the identified websites, update the database.</a:t>
+            </a:r>
+          </a:p>
+          <a:p>
+            <a:r>
+              <a:rPr lang="en-US" dirty="0">
+                <a:solidFill>
+                  <a:schemeClr val="bg2"/>
+                </a:solidFill>
+              </a:rPr>
+              <a:t>Send the email to the user , without spamming them</a:t>
+            </a:r>
+            <a:r>
+              <a:rPr lang="en-US" dirty="0"/>
+              <a:t>.</a:t>
             </a:r>
           </a:p>
         </p:txBody>
@@ -4418,7 +5453,7 @@
     </p:spTree>
     <p:extLst>
       <p:ext uri="{BB962C8B-B14F-4D97-AF65-F5344CB8AC3E}">
-        <p14:creationId xmlns:p14="http://schemas.microsoft.com/office/powerpoint/2010/main" val="3324476972"/>
+        <p14:creationId xmlns:p14="http://schemas.microsoft.com/office/powerpoint/2010/main" val="2520450206"/>
       </p:ext>
     </p:extLst>
   </p:cSld>
@@ -4450,7 +5485,7 @@
           <p:cNvPr id="2" name="Title 1">
             <a:extLst>
               <a:ext uri="{FF2B5EF4-FFF2-40B4-BE49-F238E27FC236}">
-                <a16:creationId xmlns:a16="http://schemas.microsoft.com/office/drawing/2014/main" id="{A0EFC9D0-35F5-483E-86FE-4B2083D4CCE8}"/>
+                <a16:creationId xmlns:a16="http://schemas.microsoft.com/office/drawing/2014/main" id="{259D0B7C-1D18-4B9B-9686-41CD01222471}"/>
               </a:ext>
             </a:extLst>
           </p:cNvPr>
@@ -4468,7 +5503,7 @@
           <a:p>
             <a:r>
               <a:rPr lang="en-US" dirty="0"/>
-              <a:t>How</a:t>
+              <a:t>How – Tasks at hand</a:t>
             </a:r>
           </a:p>
         </p:txBody>
@@ -4478,7 +5513,7 @@
           <p:cNvPr id="3" name="Content Placeholder 2">
             <a:extLst>
               <a:ext uri="{FF2B5EF4-FFF2-40B4-BE49-F238E27FC236}">
-                <a16:creationId xmlns:a16="http://schemas.microsoft.com/office/drawing/2014/main" id="{323EF7F1-8AC4-4144-AEE5-821E1DE879E1}"/>
+                <a16:creationId xmlns:a16="http://schemas.microsoft.com/office/drawing/2014/main" id="{7171011C-A762-4A01-8962-0A7436AA633E}"/>
               </a:ext>
             </a:extLst>
           </p:cNvPr>
@@ -4495,91 +5530,66 @@
           <a:lstStyle/>
           <a:p>
             <a:r>
+              <a:rPr lang="en-US" dirty="0">
+                <a:solidFill>
+                  <a:schemeClr val="bg2"/>
+                </a:solidFill>
+              </a:rPr>
+              <a:t>To let the user create an account.</a:t>
+            </a:r>
+          </a:p>
+          <a:p>
+            <a:r>
+              <a:rPr lang="en-US" dirty="0">
+                <a:solidFill>
+                  <a:schemeClr val="bg2"/>
+                </a:solidFill>
+              </a:rPr>
+              <a:t>To let user enter , delete or/and edit a URL .</a:t>
+            </a:r>
+          </a:p>
+          <a:p>
+            <a:r>
+              <a:rPr lang="en-US" dirty="0">
+                <a:solidFill>
+                  <a:schemeClr val="bg2"/>
+                </a:solidFill>
+              </a:rPr>
+              <a:t>Create a relational view of the database , with proper key – table relation to store user details and the URL details.</a:t>
+            </a:r>
+          </a:p>
+          <a:p>
+            <a:r>
+              <a:rPr lang="en-US" dirty="0">
+                <a:solidFill>
+                  <a:schemeClr val="bg2"/>
+                </a:solidFill>
+              </a:rPr>
+              <a:t>Scan through the saved Websites.</a:t>
+            </a:r>
+          </a:p>
+          <a:p>
+            <a:r>
               <a:rPr lang="en-US" dirty="0"/>
-              <a:t>For the development purpose , there has been an extensive use of </a:t>
-            </a:r>
-            <a:r>
-              <a:rPr lang="en-US" dirty="0" err="1"/>
-              <a:t>Php</a:t>
-            </a:r>
-            <a:r>
-              <a:rPr lang="en-US" dirty="0"/>
-              <a:t> and its tool.</a:t>
-            </a:r>
-          </a:p>
-          <a:p>
-            <a:r>
-              <a:rPr lang="en-US" dirty="0"/>
-              <a:t>To integrate the database need with the front – end ,  use of </a:t>
-            </a:r>
-            <a:r>
-              <a:rPr lang="en-US" dirty="0" err="1"/>
-              <a:t>PhpMyadmin</a:t>
-            </a:r>
-            <a:r>
-              <a:rPr lang="en-US" dirty="0"/>
-              <a:t> .</a:t>
-            </a:r>
-          </a:p>
-          <a:p>
-            <a:r>
-              <a:rPr lang="en-US" dirty="0" err="1"/>
-              <a:t>Xampp</a:t>
-            </a:r>
-            <a:r>
-              <a:rPr lang="en-US" dirty="0"/>
-              <a:t> helps us to connect with </a:t>
-            </a:r>
-            <a:r>
-              <a:rPr lang="en-US" dirty="0" err="1"/>
-              <a:t>PhpMyadmin</a:t>
-            </a:r>
-            <a:r>
-              <a:rPr lang="en-US" dirty="0"/>
-              <a:t> .</a:t>
-            </a:r>
-          </a:p>
-          <a:p>
-            <a:r>
-              <a:rPr lang="en-US" dirty="0" err="1"/>
-              <a:t>PhpMyadmin</a:t>
-            </a:r>
-            <a:r>
-              <a:rPr lang="en-US" dirty="0"/>
-              <a:t> uses </a:t>
-            </a:r>
-            <a:r>
-              <a:rPr lang="en-US" dirty="0" err="1"/>
-              <a:t>MySql</a:t>
-            </a:r>
-            <a:r>
-              <a:rPr lang="en-US" dirty="0"/>
-              <a:t> to handle the database .</a:t>
-            </a:r>
-          </a:p>
-          <a:p>
-            <a:r>
-              <a:rPr lang="en-US" dirty="0"/>
-              <a:t>The </a:t>
-            </a:r>
-            <a:r>
-              <a:rPr lang="en-US" dirty="0" err="1"/>
-              <a:t>MySql</a:t>
-            </a:r>
-            <a:r>
-              <a:rPr lang="en-US" dirty="0"/>
-              <a:t> database not only allows us to have more than 2 Databases , but allows us to have the utilities at the disposal.</a:t>
-            </a:r>
-          </a:p>
-          <a:p>
-            <a:endParaRPr lang="en-US" dirty="0"/>
+              <a:t>For the identified websites, update the database.</a:t>
+            </a:r>
+          </a:p>
+          <a:p>
+            <a:r>
+              <a:rPr lang="en-US" dirty="0">
+                <a:solidFill>
+                  <a:schemeClr val="bg2"/>
+                </a:solidFill>
+              </a:rPr>
+              <a:t>Send the email to the user , without spamming them.</a:t>
+            </a:r>
           </a:p>
         </p:txBody>
       </p:sp>
     </p:spTree>
     <p:extLst>
       <p:ext uri="{BB962C8B-B14F-4D97-AF65-F5344CB8AC3E}">
-        <p14:creationId xmlns:p14="http://schemas.microsoft.com/office/powerpoint/2010/main" val="1621738832"/>
+        <p14:creationId xmlns:p14="http://schemas.microsoft.com/office/powerpoint/2010/main" val="2241334342"/>
       </p:ext>
     </p:extLst>
   </p:cSld>

--- a/NotifyMe.pptx
+++ b/NotifyMe.pptx
@@ -7,17 +7,18 @@
   <p:sldIdLst>
     <p:sldId id="256" r:id="rId2"/>
     <p:sldId id="257" r:id="rId3"/>
-    <p:sldId id="258" r:id="rId4"/>
-    <p:sldId id="262" r:id="rId5"/>
-    <p:sldId id="268" r:id="rId6"/>
-    <p:sldId id="270" r:id="rId7"/>
-    <p:sldId id="271" r:id="rId8"/>
-    <p:sldId id="272" r:id="rId9"/>
-    <p:sldId id="273" r:id="rId10"/>
-    <p:sldId id="274" r:id="rId11"/>
-    <p:sldId id="259" r:id="rId12"/>
-    <p:sldId id="261" r:id="rId13"/>
-    <p:sldId id="260" r:id="rId14"/>
+    <p:sldId id="262" r:id="rId4"/>
+    <p:sldId id="268" r:id="rId5"/>
+    <p:sldId id="270" r:id="rId6"/>
+    <p:sldId id="271" r:id="rId7"/>
+    <p:sldId id="272" r:id="rId8"/>
+    <p:sldId id="273" r:id="rId9"/>
+    <p:sldId id="274" r:id="rId10"/>
+    <p:sldId id="259" r:id="rId11"/>
+    <p:sldId id="261" r:id="rId12"/>
+    <p:sldId id="260" r:id="rId13"/>
+    <p:sldId id="275" r:id="rId14"/>
+    <p:sldId id="276" r:id="rId15"/>
   </p:sldIdLst>
   <p:sldSz cx="12192000" cy="6858000"/>
   <p:notesSz cx="6858000" cy="9144000"/>
@@ -150,7 +151,7 @@
           <p:cNvPr id="2" name="Title 1">
             <a:extLst>
               <a:ext uri="{FF2B5EF4-FFF2-40B4-BE49-F238E27FC236}">
-                <a16:creationId xmlns:a16="http://schemas.microsoft.com/office/drawing/2014/main" id="{A121670B-39D9-4A13-A117-73C6549A36A7}"/>
+                <a16:creationId xmlns:a16="http://schemas.microsoft.com/office/drawing/2014/main" xmlns="" id="{A121670B-39D9-4A13-A117-73C6549A36A7}"/>
               </a:ext>
             </a:extLst>
           </p:cNvPr>
@@ -176,7 +177,7 @@
           </a:lstStyle>
           <a:p>
             <a:r>
-              <a:rPr lang="en-US"/>
+              <a:rPr lang="en-US" dirty="0"/>
               <a:t>Click to edit Master title style</a:t>
             </a:r>
           </a:p>
@@ -187,7 +188,7 @@
           <p:cNvPr id="3" name="Subtitle 2">
             <a:extLst>
               <a:ext uri="{FF2B5EF4-FFF2-40B4-BE49-F238E27FC236}">
-                <a16:creationId xmlns:a16="http://schemas.microsoft.com/office/drawing/2014/main" id="{4F0A4617-72EC-4342-9E3B-7C6DB7671CE2}"/>
+                <a16:creationId xmlns:a16="http://schemas.microsoft.com/office/drawing/2014/main" xmlns="" id="{4F0A4617-72EC-4342-9E3B-7C6DB7671CE2}"/>
               </a:ext>
             </a:extLst>
           </p:cNvPr>
@@ -257,7 +258,7 @@
           <p:cNvPr id="4" name="Date Placeholder 3">
             <a:extLst>
               <a:ext uri="{FF2B5EF4-FFF2-40B4-BE49-F238E27FC236}">
-                <a16:creationId xmlns:a16="http://schemas.microsoft.com/office/drawing/2014/main" id="{843BC3CE-7F4E-4615-A889-4E624C4E6ED7}"/>
+                <a16:creationId xmlns:a16="http://schemas.microsoft.com/office/drawing/2014/main" xmlns="" id="{843BC3CE-7F4E-4615-A889-4E624C4E6ED7}"/>
               </a:ext>
             </a:extLst>
           </p:cNvPr>
@@ -275,7 +276,7 @@
           <a:p>
             <a:fld id="{8E423C67-9D6A-4F85-BFC6-5090D8CF0AB4}" type="datetimeFigureOut">
               <a:rPr lang="en-US" smtClean="0"/>
-              <a:t>12/6/2017</a:t>
+              <a:t>2017-12-06</a:t>
             </a:fld>
             <a:endParaRPr lang="en-US"/>
           </a:p>
@@ -286,7 +287,7 @@
           <p:cNvPr id="5" name="Footer Placeholder 4">
             <a:extLst>
               <a:ext uri="{FF2B5EF4-FFF2-40B4-BE49-F238E27FC236}">
-                <a16:creationId xmlns:a16="http://schemas.microsoft.com/office/drawing/2014/main" id="{81DFEBD2-190E-452B-9006-EFD22F033623}"/>
+                <a16:creationId xmlns:a16="http://schemas.microsoft.com/office/drawing/2014/main" xmlns="" id="{81DFEBD2-190E-452B-9006-EFD22F033623}"/>
               </a:ext>
             </a:extLst>
           </p:cNvPr>
@@ -311,7 +312,7 @@
           <p:cNvPr id="6" name="Slide Number Placeholder 5">
             <a:extLst>
               <a:ext uri="{FF2B5EF4-FFF2-40B4-BE49-F238E27FC236}">
-                <a16:creationId xmlns:a16="http://schemas.microsoft.com/office/drawing/2014/main" id="{9BF2AEAB-9CD9-4C11-B369-6FF89494160A}"/>
+                <a16:creationId xmlns:a16="http://schemas.microsoft.com/office/drawing/2014/main" xmlns="" id="{9BF2AEAB-9CD9-4C11-B369-6FF89494160A}"/>
               </a:ext>
             </a:extLst>
           </p:cNvPr>
@@ -345,6 +346,13 @@
   <p:clrMapOvr>
     <a:masterClrMapping/>
   </p:clrMapOvr>
+  <p:timing>
+    <p:tnLst>
+      <p:par>
+        <p:cTn id="1" dur="indefinite" restart="never" nodeType="tmRoot"/>
+      </p:par>
+    </p:tnLst>
+  </p:timing>
 </p:sldLayout>
 </file>
 
@@ -370,7 +378,7 @@
           <p:cNvPr id="2" name="Title 1">
             <a:extLst>
               <a:ext uri="{FF2B5EF4-FFF2-40B4-BE49-F238E27FC236}">
-                <a16:creationId xmlns:a16="http://schemas.microsoft.com/office/drawing/2014/main" id="{81A937BE-06FE-4C9F-A708-5D343192BEF3}"/>
+                <a16:creationId xmlns:a16="http://schemas.microsoft.com/office/drawing/2014/main" xmlns="" id="{81A937BE-06FE-4C9F-A708-5D343192BEF3}"/>
               </a:ext>
             </a:extLst>
           </p:cNvPr>
@@ -398,7 +406,7 @@
           <p:cNvPr id="3" name="Vertical Text Placeholder 2">
             <a:extLst>
               <a:ext uri="{FF2B5EF4-FFF2-40B4-BE49-F238E27FC236}">
-                <a16:creationId xmlns:a16="http://schemas.microsoft.com/office/drawing/2014/main" id="{85372E3E-C976-4E70-8D8A-091233C9A49F}"/>
+                <a16:creationId xmlns:a16="http://schemas.microsoft.com/office/drawing/2014/main" xmlns="" id="{85372E3E-C976-4E70-8D8A-091233C9A49F}"/>
               </a:ext>
             </a:extLst>
           </p:cNvPr>
@@ -455,7 +463,7 @@
           <p:cNvPr id="4" name="Date Placeholder 3">
             <a:extLst>
               <a:ext uri="{FF2B5EF4-FFF2-40B4-BE49-F238E27FC236}">
-                <a16:creationId xmlns:a16="http://schemas.microsoft.com/office/drawing/2014/main" id="{3029C7F0-3383-4836-BF51-AF0F1BC78E6B}"/>
+                <a16:creationId xmlns:a16="http://schemas.microsoft.com/office/drawing/2014/main" xmlns="" id="{3029C7F0-3383-4836-BF51-AF0F1BC78E6B}"/>
               </a:ext>
             </a:extLst>
           </p:cNvPr>
@@ -473,7 +481,7 @@
           <a:p>
             <a:fld id="{8E423C67-9D6A-4F85-BFC6-5090D8CF0AB4}" type="datetimeFigureOut">
               <a:rPr lang="en-US" smtClean="0"/>
-              <a:t>12/6/2017</a:t>
+              <a:t>2017-12-06</a:t>
             </a:fld>
             <a:endParaRPr lang="en-US"/>
           </a:p>
@@ -484,7 +492,7 @@
           <p:cNvPr id="5" name="Footer Placeholder 4">
             <a:extLst>
               <a:ext uri="{FF2B5EF4-FFF2-40B4-BE49-F238E27FC236}">
-                <a16:creationId xmlns:a16="http://schemas.microsoft.com/office/drawing/2014/main" id="{34D72F3A-0354-422A-B244-BBA17F440987}"/>
+                <a16:creationId xmlns:a16="http://schemas.microsoft.com/office/drawing/2014/main" xmlns="" id="{34D72F3A-0354-422A-B244-BBA17F440987}"/>
               </a:ext>
             </a:extLst>
           </p:cNvPr>
@@ -509,7 +517,7 @@
           <p:cNvPr id="6" name="Slide Number Placeholder 5">
             <a:extLst>
               <a:ext uri="{FF2B5EF4-FFF2-40B4-BE49-F238E27FC236}">
-                <a16:creationId xmlns:a16="http://schemas.microsoft.com/office/drawing/2014/main" id="{A25F886E-A4A5-40AD-85DF-AFF0A44982E8}"/>
+                <a16:creationId xmlns:a16="http://schemas.microsoft.com/office/drawing/2014/main" xmlns="" id="{A25F886E-A4A5-40AD-85DF-AFF0A44982E8}"/>
               </a:ext>
             </a:extLst>
           </p:cNvPr>
@@ -568,7 +576,7 @@
           <p:cNvPr id="2" name="Vertical Title 1">
             <a:extLst>
               <a:ext uri="{FF2B5EF4-FFF2-40B4-BE49-F238E27FC236}">
-                <a16:creationId xmlns:a16="http://schemas.microsoft.com/office/drawing/2014/main" id="{9448314F-80B0-40C7-81BF-07588212961B}"/>
+                <a16:creationId xmlns:a16="http://schemas.microsoft.com/office/drawing/2014/main" xmlns="" id="{9448314F-80B0-40C7-81BF-07588212961B}"/>
               </a:ext>
             </a:extLst>
           </p:cNvPr>
@@ -601,7 +609,7 @@
           <p:cNvPr id="3" name="Vertical Text Placeholder 2">
             <a:extLst>
               <a:ext uri="{FF2B5EF4-FFF2-40B4-BE49-F238E27FC236}">
-                <a16:creationId xmlns:a16="http://schemas.microsoft.com/office/drawing/2014/main" id="{DD399EFE-F0A1-4F14-96B4-066A494A8C7A}"/>
+                <a16:creationId xmlns:a16="http://schemas.microsoft.com/office/drawing/2014/main" xmlns="" id="{DD399EFE-F0A1-4F14-96B4-066A494A8C7A}"/>
               </a:ext>
             </a:extLst>
           </p:cNvPr>
@@ -663,7 +671,7 @@
           <p:cNvPr id="4" name="Date Placeholder 3">
             <a:extLst>
               <a:ext uri="{FF2B5EF4-FFF2-40B4-BE49-F238E27FC236}">
-                <a16:creationId xmlns:a16="http://schemas.microsoft.com/office/drawing/2014/main" id="{F5220A0C-90E3-4701-9050-8DB71E747DBE}"/>
+                <a16:creationId xmlns:a16="http://schemas.microsoft.com/office/drawing/2014/main" xmlns="" id="{F5220A0C-90E3-4701-9050-8DB71E747DBE}"/>
               </a:ext>
             </a:extLst>
           </p:cNvPr>
@@ -681,7 +689,7 @@
           <a:p>
             <a:fld id="{8E423C67-9D6A-4F85-BFC6-5090D8CF0AB4}" type="datetimeFigureOut">
               <a:rPr lang="en-US" smtClean="0"/>
-              <a:t>12/6/2017</a:t>
+              <a:t>2017-12-06</a:t>
             </a:fld>
             <a:endParaRPr lang="en-US"/>
           </a:p>
@@ -692,7 +700,7 @@
           <p:cNvPr id="5" name="Footer Placeholder 4">
             <a:extLst>
               <a:ext uri="{FF2B5EF4-FFF2-40B4-BE49-F238E27FC236}">
-                <a16:creationId xmlns:a16="http://schemas.microsoft.com/office/drawing/2014/main" id="{EA032DB9-427E-41E0-A3D4-B923EB1C8401}"/>
+                <a16:creationId xmlns:a16="http://schemas.microsoft.com/office/drawing/2014/main" xmlns="" id="{EA032DB9-427E-41E0-A3D4-B923EB1C8401}"/>
               </a:ext>
             </a:extLst>
           </p:cNvPr>
@@ -717,7 +725,7 @@
           <p:cNvPr id="6" name="Slide Number Placeholder 5">
             <a:extLst>
               <a:ext uri="{FF2B5EF4-FFF2-40B4-BE49-F238E27FC236}">
-                <a16:creationId xmlns:a16="http://schemas.microsoft.com/office/drawing/2014/main" id="{1E7E3958-F67B-4081-AD68-3D47AEDBE6BD}"/>
+                <a16:creationId xmlns:a16="http://schemas.microsoft.com/office/drawing/2014/main" xmlns="" id="{1E7E3958-F67B-4081-AD68-3D47AEDBE6BD}"/>
               </a:ext>
             </a:extLst>
           </p:cNvPr>
@@ -776,7 +784,7 @@
           <p:cNvPr id="2" name="Title 1">
             <a:extLst>
               <a:ext uri="{FF2B5EF4-FFF2-40B4-BE49-F238E27FC236}">
-                <a16:creationId xmlns:a16="http://schemas.microsoft.com/office/drawing/2014/main" id="{6A043D6D-738D-466C-9F80-3AB6838094C3}"/>
+                <a16:creationId xmlns:a16="http://schemas.microsoft.com/office/drawing/2014/main" xmlns="" id="{6A043D6D-738D-466C-9F80-3AB6838094C3}"/>
               </a:ext>
             </a:extLst>
           </p:cNvPr>
@@ -804,7 +812,7 @@
           <p:cNvPr id="3" name="Content Placeholder 2">
             <a:extLst>
               <a:ext uri="{FF2B5EF4-FFF2-40B4-BE49-F238E27FC236}">
-                <a16:creationId xmlns:a16="http://schemas.microsoft.com/office/drawing/2014/main" id="{62FB617F-BC4F-4AAB-81E7-FECE5AA04FC3}"/>
+                <a16:creationId xmlns:a16="http://schemas.microsoft.com/office/drawing/2014/main" xmlns="" id="{62FB617F-BC4F-4AAB-81E7-FECE5AA04FC3}"/>
               </a:ext>
             </a:extLst>
           </p:cNvPr>
@@ -861,7 +869,7 @@
           <p:cNvPr id="4" name="Date Placeholder 3">
             <a:extLst>
               <a:ext uri="{FF2B5EF4-FFF2-40B4-BE49-F238E27FC236}">
-                <a16:creationId xmlns:a16="http://schemas.microsoft.com/office/drawing/2014/main" id="{F544F1D4-EEC8-4FD1-85E0-7684576FC0E3}"/>
+                <a16:creationId xmlns:a16="http://schemas.microsoft.com/office/drawing/2014/main" xmlns="" id="{F544F1D4-EEC8-4FD1-85E0-7684576FC0E3}"/>
               </a:ext>
             </a:extLst>
           </p:cNvPr>
@@ -879,7 +887,7 @@
           <a:p>
             <a:fld id="{8E423C67-9D6A-4F85-BFC6-5090D8CF0AB4}" type="datetimeFigureOut">
               <a:rPr lang="en-US" smtClean="0"/>
-              <a:t>12/6/2017</a:t>
+              <a:t>2017-12-06</a:t>
             </a:fld>
             <a:endParaRPr lang="en-US"/>
           </a:p>
@@ -890,7 +898,7 @@
           <p:cNvPr id="5" name="Footer Placeholder 4">
             <a:extLst>
               <a:ext uri="{FF2B5EF4-FFF2-40B4-BE49-F238E27FC236}">
-                <a16:creationId xmlns:a16="http://schemas.microsoft.com/office/drawing/2014/main" id="{B56E2608-E959-48EC-A71C-783218FC97D7}"/>
+                <a16:creationId xmlns:a16="http://schemas.microsoft.com/office/drawing/2014/main" xmlns="" id="{B56E2608-E959-48EC-A71C-783218FC97D7}"/>
               </a:ext>
             </a:extLst>
           </p:cNvPr>
@@ -915,7 +923,7 @@
           <p:cNvPr id="6" name="Slide Number Placeholder 5">
             <a:extLst>
               <a:ext uri="{FF2B5EF4-FFF2-40B4-BE49-F238E27FC236}">
-                <a16:creationId xmlns:a16="http://schemas.microsoft.com/office/drawing/2014/main" id="{6D1FB63B-0996-4311-9E74-50D1827F74B4}"/>
+                <a16:creationId xmlns:a16="http://schemas.microsoft.com/office/drawing/2014/main" xmlns="" id="{6D1FB63B-0996-4311-9E74-50D1827F74B4}"/>
               </a:ext>
             </a:extLst>
           </p:cNvPr>
@@ -949,6 +957,13 @@
   <p:clrMapOvr>
     <a:masterClrMapping/>
   </p:clrMapOvr>
+  <p:timing>
+    <p:tnLst>
+      <p:par>
+        <p:cTn id="1" dur="indefinite" restart="never" nodeType="tmRoot"/>
+      </p:par>
+    </p:tnLst>
+  </p:timing>
 </p:sldLayout>
 </file>
 
@@ -974,7 +989,7 @@
           <p:cNvPr id="2" name="Title 1">
             <a:extLst>
               <a:ext uri="{FF2B5EF4-FFF2-40B4-BE49-F238E27FC236}">
-                <a16:creationId xmlns:a16="http://schemas.microsoft.com/office/drawing/2014/main" id="{2B937C0D-25FD-4767-8700-C539CF044294}"/>
+                <a16:creationId xmlns:a16="http://schemas.microsoft.com/office/drawing/2014/main" xmlns="" id="{2B937C0D-25FD-4767-8700-C539CF044294}"/>
               </a:ext>
             </a:extLst>
           </p:cNvPr>
@@ -1011,7 +1026,7 @@
           <p:cNvPr id="3" name="Text Placeholder 2">
             <a:extLst>
               <a:ext uri="{FF2B5EF4-FFF2-40B4-BE49-F238E27FC236}">
-                <a16:creationId xmlns:a16="http://schemas.microsoft.com/office/drawing/2014/main" id="{67AB3DE6-22C7-4844-815B-043026A3AB81}"/>
+                <a16:creationId xmlns:a16="http://schemas.microsoft.com/office/drawing/2014/main" xmlns="" id="{67AB3DE6-22C7-4844-815B-043026A3AB81}"/>
               </a:ext>
             </a:extLst>
           </p:cNvPr>
@@ -1136,7 +1151,7 @@
           <p:cNvPr id="4" name="Date Placeholder 3">
             <a:extLst>
               <a:ext uri="{FF2B5EF4-FFF2-40B4-BE49-F238E27FC236}">
-                <a16:creationId xmlns:a16="http://schemas.microsoft.com/office/drawing/2014/main" id="{2279578C-B1CE-43B5-9B07-D3758262DEC8}"/>
+                <a16:creationId xmlns:a16="http://schemas.microsoft.com/office/drawing/2014/main" xmlns="" id="{2279578C-B1CE-43B5-9B07-D3758262DEC8}"/>
               </a:ext>
             </a:extLst>
           </p:cNvPr>
@@ -1154,7 +1169,7 @@
           <a:p>
             <a:fld id="{8E423C67-9D6A-4F85-BFC6-5090D8CF0AB4}" type="datetimeFigureOut">
               <a:rPr lang="en-US" smtClean="0"/>
-              <a:t>12/6/2017</a:t>
+              <a:t>2017-12-06</a:t>
             </a:fld>
             <a:endParaRPr lang="en-US"/>
           </a:p>
@@ -1165,7 +1180,7 @@
           <p:cNvPr id="5" name="Footer Placeholder 4">
             <a:extLst>
               <a:ext uri="{FF2B5EF4-FFF2-40B4-BE49-F238E27FC236}">
-                <a16:creationId xmlns:a16="http://schemas.microsoft.com/office/drawing/2014/main" id="{068D9F9E-8FF9-4B41-809C-C1C9B76C845C}"/>
+                <a16:creationId xmlns:a16="http://schemas.microsoft.com/office/drawing/2014/main" xmlns="" id="{068D9F9E-8FF9-4B41-809C-C1C9B76C845C}"/>
               </a:ext>
             </a:extLst>
           </p:cNvPr>
@@ -1190,7 +1205,7 @@
           <p:cNvPr id="6" name="Slide Number Placeholder 5">
             <a:extLst>
               <a:ext uri="{FF2B5EF4-FFF2-40B4-BE49-F238E27FC236}">
-                <a16:creationId xmlns:a16="http://schemas.microsoft.com/office/drawing/2014/main" id="{9C2A9C60-8FC5-47B9-9DA4-E828B5C3D411}"/>
+                <a16:creationId xmlns:a16="http://schemas.microsoft.com/office/drawing/2014/main" xmlns="" id="{9C2A9C60-8FC5-47B9-9DA4-E828B5C3D411}"/>
               </a:ext>
             </a:extLst>
           </p:cNvPr>
@@ -1224,6 +1239,13 @@
   <p:clrMapOvr>
     <a:masterClrMapping/>
   </p:clrMapOvr>
+  <p:timing>
+    <p:tnLst>
+      <p:par>
+        <p:cTn id="1" dur="indefinite" restart="never" nodeType="tmRoot"/>
+      </p:par>
+    </p:tnLst>
+  </p:timing>
 </p:sldLayout>
 </file>
 
@@ -1249,7 +1271,7 @@
           <p:cNvPr id="2" name="Title 1">
             <a:extLst>
               <a:ext uri="{FF2B5EF4-FFF2-40B4-BE49-F238E27FC236}">
-                <a16:creationId xmlns:a16="http://schemas.microsoft.com/office/drawing/2014/main" id="{10ED49E6-F673-451D-892D-52B8D49DAB14}"/>
+                <a16:creationId xmlns:a16="http://schemas.microsoft.com/office/drawing/2014/main" xmlns="" id="{10ED49E6-F673-451D-892D-52B8D49DAB14}"/>
               </a:ext>
             </a:extLst>
           </p:cNvPr>
@@ -1277,7 +1299,7 @@
           <p:cNvPr id="3" name="Content Placeholder 2">
             <a:extLst>
               <a:ext uri="{FF2B5EF4-FFF2-40B4-BE49-F238E27FC236}">
-                <a16:creationId xmlns:a16="http://schemas.microsoft.com/office/drawing/2014/main" id="{76BC5C3B-ACFE-4482-A832-03AC581249B1}"/>
+                <a16:creationId xmlns:a16="http://schemas.microsoft.com/office/drawing/2014/main" xmlns="" id="{76BC5C3B-ACFE-4482-A832-03AC581249B1}"/>
               </a:ext>
             </a:extLst>
           </p:cNvPr>
@@ -1339,7 +1361,7 @@
           <p:cNvPr id="4" name="Content Placeholder 3">
             <a:extLst>
               <a:ext uri="{FF2B5EF4-FFF2-40B4-BE49-F238E27FC236}">
-                <a16:creationId xmlns:a16="http://schemas.microsoft.com/office/drawing/2014/main" id="{40A231FA-65B5-4230-B64A-B88BCEF670B4}"/>
+                <a16:creationId xmlns:a16="http://schemas.microsoft.com/office/drawing/2014/main" xmlns="" id="{40A231FA-65B5-4230-B64A-B88BCEF670B4}"/>
               </a:ext>
             </a:extLst>
           </p:cNvPr>
@@ -1401,7 +1423,7 @@
           <p:cNvPr id="5" name="Date Placeholder 4">
             <a:extLst>
               <a:ext uri="{FF2B5EF4-FFF2-40B4-BE49-F238E27FC236}">
-                <a16:creationId xmlns:a16="http://schemas.microsoft.com/office/drawing/2014/main" id="{67F72277-8ECF-4CB3-A8E4-6B1DC779BB60}"/>
+                <a16:creationId xmlns:a16="http://schemas.microsoft.com/office/drawing/2014/main" xmlns="" id="{67F72277-8ECF-4CB3-A8E4-6B1DC779BB60}"/>
               </a:ext>
             </a:extLst>
           </p:cNvPr>
@@ -1419,7 +1441,7 @@
           <a:p>
             <a:fld id="{8E423C67-9D6A-4F85-BFC6-5090D8CF0AB4}" type="datetimeFigureOut">
               <a:rPr lang="en-US" smtClean="0"/>
-              <a:t>12/6/2017</a:t>
+              <a:t>2017-12-06</a:t>
             </a:fld>
             <a:endParaRPr lang="en-US"/>
           </a:p>
@@ -1430,7 +1452,7 @@
           <p:cNvPr id="6" name="Footer Placeholder 5">
             <a:extLst>
               <a:ext uri="{FF2B5EF4-FFF2-40B4-BE49-F238E27FC236}">
-                <a16:creationId xmlns:a16="http://schemas.microsoft.com/office/drawing/2014/main" id="{DFD75405-06A3-4BB0-9072-41B4D1281F15}"/>
+                <a16:creationId xmlns:a16="http://schemas.microsoft.com/office/drawing/2014/main" xmlns="" id="{DFD75405-06A3-4BB0-9072-41B4D1281F15}"/>
               </a:ext>
             </a:extLst>
           </p:cNvPr>
@@ -1455,7 +1477,7 @@
           <p:cNvPr id="7" name="Slide Number Placeholder 6">
             <a:extLst>
               <a:ext uri="{FF2B5EF4-FFF2-40B4-BE49-F238E27FC236}">
-                <a16:creationId xmlns:a16="http://schemas.microsoft.com/office/drawing/2014/main" id="{B5B4B9AD-6AA0-4991-B07F-C13C79D75731}"/>
+                <a16:creationId xmlns:a16="http://schemas.microsoft.com/office/drawing/2014/main" xmlns="" id="{B5B4B9AD-6AA0-4991-B07F-C13C79D75731}"/>
               </a:ext>
             </a:extLst>
           </p:cNvPr>
@@ -1514,7 +1536,7 @@
           <p:cNvPr id="2" name="Title 1">
             <a:extLst>
               <a:ext uri="{FF2B5EF4-FFF2-40B4-BE49-F238E27FC236}">
-                <a16:creationId xmlns:a16="http://schemas.microsoft.com/office/drawing/2014/main" id="{DDF948DF-1DD2-4386-90B2-DB68C1D07E2D}"/>
+                <a16:creationId xmlns:a16="http://schemas.microsoft.com/office/drawing/2014/main" xmlns="" id="{DDF948DF-1DD2-4386-90B2-DB68C1D07E2D}"/>
               </a:ext>
             </a:extLst>
           </p:cNvPr>
@@ -1547,7 +1569,7 @@
           <p:cNvPr id="3" name="Text Placeholder 2">
             <a:extLst>
               <a:ext uri="{FF2B5EF4-FFF2-40B4-BE49-F238E27FC236}">
-                <a16:creationId xmlns:a16="http://schemas.microsoft.com/office/drawing/2014/main" id="{9EE6267F-4B2F-4A00-8BF4-79752C1B7494}"/>
+                <a16:creationId xmlns:a16="http://schemas.microsoft.com/office/drawing/2014/main" xmlns="" id="{9EE6267F-4B2F-4A00-8BF4-79752C1B7494}"/>
               </a:ext>
             </a:extLst>
           </p:cNvPr>
@@ -1618,7 +1640,7 @@
           <p:cNvPr id="4" name="Content Placeholder 3">
             <a:extLst>
               <a:ext uri="{FF2B5EF4-FFF2-40B4-BE49-F238E27FC236}">
-                <a16:creationId xmlns:a16="http://schemas.microsoft.com/office/drawing/2014/main" id="{3ABD9567-59B7-4E59-8589-D8F9496DBFE6}"/>
+                <a16:creationId xmlns:a16="http://schemas.microsoft.com/office/drawing/2014/main" xmlns="" id="{3ABD9567-59B7-4E59-8589-D8F9496DBFE6}"/>
               </a:ext>
             </a:extLst>
           </p:cNvPr>
@@ -1680,7 +1702,7 @@
           <p:cNvPr id="5" name="Text Placeholder 4">
             <a:extLst>
               <a:ext uri="{FF2B5EF4-FFF2-40B4-BE49-F238E27FC236}">
-                <a16:creationId xmlns:a16="http://schemas.microsoft.com/office/drawing/2014/main" id="{753B1704-496C-4556-ACE7-875F4B371852}"/>
+                <a16:creationId xmlns:a16="http://schemas.microsoft.com/office/drawing/2014/main" xmlns="" id="{753B1704-496C-4556-ACE7-875F4B371852}"/>
               </a:ext>
             </a:extLst>
           </p:cNvPr>
@@ -1751,7 +1773,7 @@
           <p:cNvPr id="6" name="Content Placeholder 5">
             <a:extLst>
               <a:ext uri="{FF2B5EF4-FFF2-40B4-BE49-F238E27FC236}">
-                <a16:creationId xmlns:a16="http://schemas.microsoft.com/office/drawing/2014/main" id="{C0EC14B4-3E8A-4FB6-9C50-C5B54CA04880}"/>
+                <a16:creationId xmlns:a16="http://schemas.microsoft.com/office/drawing/2014/main" xmlns="" id="{C0EC14B4-3E8A-4FB6-9C50-C5B54CA04880}"/>
               </a:ext>
             </a:extLst>
           </p:cNvPr>
@@ -1813,7 +1835,7 @@
           <p:cNvPr id="7" name="Date Placeholder 6">
             <a:extLst>
               <a:ext uri="{FF2B5EF4-FFF2-40B4-BE49-F238E27FC236}">
-                <a16:creationId xmlns:a16="http://schemas.microsoft.com/office/drawing/2014/main" id="{6FE91A59-D6B8-46D1-96D6-E03F9C08BE95}"/>
+                <a16:creationId xmlns:a16="http://schemas.microsoft.com/office/drawing/2014/main" xmlns="" id="{6FE91A59-D6B8-46D1-96D6-E03F9C08BE95}"/>
               </a:ext>
             </a:extLst>
           </p:cNvPr>
@@ -1831,7 +1853,7 @@
           <a:p>
             <a:fld id="{8E423C67-9D6A-4F85-BFC6-5090D8CF0AB4}" type="datetimeFigureOut">
               <a:rPr lang="en-US" smtClean="0"/>
-              <a:t>12/6/2017</a:t>
+              <a:t>2017-12-06</a:t>
             </a:fld>
             <a:endParaRPr lang="en-US"/>
           </a:p>
@@ -1842,7 +1864,7 @@
           <p:cNvPr id="8" name="Footer Placeholder 7">
             <a:extLst>
               <a:ext uri="{FF2B5EF4-FFF2-40B4-BE49-F238E27FC236}">
-                <a16:creationId xmlns:a16="http://schemas.microsoft.com/office/drawing/2014/main" id="{63E8F402-F253-4598-9290-8DD314902561}"/>
+                <a16:creationId xmlns:a16="http://schemas.microsoft.com/office/drawing/2014/main" xmlns="" id="{63E8F402-F253-4598-9290-8DD314902561}"/>
               </a:ext>
             </a:extLst>
           </p:cNvPr>
@@ -1867,7 +1889,7 @@
           <p:cNvPr id="9" name="Slide Number Placeholder 8">
             <a:extLst>
               <a:ext uri="{FF2B5EF4-FFF2-40B4-BE49-F238E27FC236}">
-                <a16:creationId xmlns:a16="http://schemas.microsoft.com/office/drawing/2014/main" id="{C135391B-B762-4149-B674-68400B60C4CA}"/>
+                <a16:creationId xmlns:a16="http://schemas.microsoft.com/office/drawing/2014/main" xmlns="" id="{C135391B-B762-4149-B674-68400B60C4CA}"/>
               </a:ext>
             </a:extLst>
           </p:cNvPr>
@@ -1926,7 +1948,7 @@
           <p:cNvPr id="2" name="Title 1">
             <a:extLst>
               <a:ext uri="{FF2B5EF4-FFF2-40B4-BE49-F238E27FC236}">
-                <a16:creationId xmlns:a16="http://schemas.microsoft.com/office/drawing/2014/main" id="{FDCF8A4F-C9CB-46AD-BEA5-F3E02EF83621}"/>
+                <a16:creationId xmlns:a16="http://schemas.microsoft.com/office/drawing/2014/main" xmlns="" id="{FDCF8A4F-C9CB-46AD-BEA5-F3E02EF83621}"/>
               </a:ext>
             </a:extLst>
           </p:cNvPr>
@@ -1954,7 +1976,7 @@
           <p:cNvPr id="3" name="Date Placeholder 2">
             <a:extLst>
               <a:ext uri="{FF2B5EF4-FFF2-40B4-BE49-F238E27FC236}">
-                <a16:creationId xmlns:a16="http://schemas.microsoft.com/office/drawing/2014/main" id="{05105858-46BE-4B4B-AC76-1DE884F4261D}"/>
+                <a16:creationId xmlns:a16="http://schemas.microsoft.com/office/drawing/2014/main" xmlns="" id="{05105858-46BE-4B4B-AC76-1DE884F4261D}"/>
               </a:ext>
             </a:extLst>
           </p:cNvPr>
@@ -1972,7 +1994,7 @@
           <a:p>
             <a:fld id="{8E423C67-9D6A-4F85-BFC6-5090D8CF0AB4}" type="datetimeFigureOut">
               <a:rPr lang="en-US" smtClean="0"/>
-              <a:t>12/6/2017</a:t>
+              <a:t>2017-12-06</a:t>
             </a:fld>
             <a:endParaRPr lang="en-US"/>
           </a:p>
@@ -1983,7 +2005,7 @@
           <p:cNvPr id="4" name="Footer Placeholder 3">
             <a:extLst>
               <a:ext uri="{FF2B5EF4-FFF2-40B4-BE49-F238E27FC236}">
-                <a16:creationId xmlns:a16="http://schemas.microsoft.com/office/drawing/2014/main" id="{81209C3A-40B3-447C-898C-0C4F7537036B}"/>
+                <a16:creationId xmlns:a16="http://schemas.microsoft.com/office/drawing/2014/main" xmlns="" id="{81209C3A-40B3-447C-898C-0C4F7537036B}"/>
               </a:ext>
             </a:extLst>
           </p:cNvPr>
@@ -2008,7 +2030,7 @@
           <p:cNvPr id="5" name="Slide Number Placeholder 4">
             <a:extLst>
               <a:ext uri="{FF2B5EF4-FFF2-40B4-BE49-F238E27FC236}">
-                <a16:creationId xmlns:a16="http://schemas.microsoft.com/office/drawing/2014/main" id="{E66D6103-6FAC-44FE-AFAC-35DCA54A5841}"/>
+                <a16:creationId xmlns:a16="http://schemas.microsoft.com/office/drawing/2014/main" xmlns="" id="{E66D6103-6FAC-44FE-AFAC-35DCA54A5841}"/>
               </a:ext>
             </a:extLst>
           </p:cNvPr>
@@ -2067,7 +2089,7 @@
           <p:cNvPr id="2" name="Date Placeholder 1">
             <a:extLst>
               <a:ext uri="{FF2B5EF4-FFF2-40B4-BE49-F238E27FC236}">
-                <a16:creationId xmlns:a16="http://schemas.microsoft.com/office/drawing/2014/main" id="{484A2280-0F1E-4438-B0D1-87FD5872FA23}"/>
+                <a16:creationId xmlns:a16="http://schemas.microsoft.com/office/drawing/2014/main" xmlns="" id="{484A2280-0F1E-4438-B0D1-87FD5872FA23}"/>
               </a:ext>
             </a:extLst>
           </p:cNvPr>
@@ -2085,7 +2107,7 @@
           <a:p>
             <a:fld id="{8E423C67-9D6A-4F85-BFC6-5090D8CF0AB4}" type="datetimeFigureOut">
               <a:rPr lang="en-US" smtClean="0"/>
-              <a:t>12/6/2017</a:t>
+              <a:t>2017-12-06</a:t>
             </a:fld>
             <a:endParaRPr lang="en-US"/>
           </a:p>
@@ -2096,7 +2118,7 @@
           <p:cNvPr id="3" name="Footer Placeholder 2">
             <a:extLst>
               <a:ext uri="{FF2B5EF4-FFF2-40B4-BE49-F238E27FC236}">
-                <a16:creationId xmlns:a16="http://schemas.microsoft.com/office/drawing/2014/main" id="{85054AD8-7FEF-49D9-A2DE-A9C7C3ECCA5F}"/>
+                <a16:creationId xmlns:a16="http://schemas.microsoft.com/office/drawing/2014/main" xmlns="" id="{85054AD8-7FEF-49D9-A2DE-A9C7C3ECCA5F}"/>
               </a:ext>
             </a:extLst>
           </p:cNvPr>
@@ -2121,7 +2143,7 @@
           <p:cNvPr id="4" name="Slide Number Placeholder 3">
             <a:extLst>
               <a:ext uri="{FF2B5EF4-FFF2-40B4-BE49-F238E27FC236}">
-                <a16:creationId xmlns:a16="http://schemas.microsoft.com/office/drawing/2014/main" id="{0B86E405-A339-4A02-AC4C-7EA2A1561C3B}"/>
+                <a16:creationId xmlns:a16="http://schemas.microsoft.com/office/drawing/2014/main" xmlns="" id="{0B86E405-A339-4A02-AC4C-7EA2A1561C3B}"/>
               </a:ext>
             </a:extLst>
           </p:cNvPr>
@@ -2180,7 +2202,7 @@
           <p:cNvPr id="2" name="Title 1">
             <a:extLst>
               <a:ext uri="{FF2B5EF4-FFF2-40B4-BE49-F238E27FC236}">
-                <a16:creationId xmlns:a16="http://schemas.microsoft.com/office/drawing/2014/main" id="{09A9CBF2-3028-467D-9303-C06F7A0D5655}"/>
+                <a16:creationId xmlns:a16="http://schemas.microsoft.com/office/drawing/2014/main" xmlns="" id="{09A9CBF2-3028-467D-9303-C06F7A0D5655}"/>
               </a:ext>
             </a:extLst>
           </p:cNvPr>
@@ -2217,7 +2239,7 @@
           <p:cNvPr id="3" name="Content Placeholder 2">
             <a:extLst>
               <a:ext uri="{FF2B5EF4-FFF2-40B4-BE49-F238E27FC236}">
-                <a16:creationId xmlns:a16="http://schemas.microsoft.com/office/drawing/2014/main" id="{B6918BF1-0F45-4A97-AA9E-A6B36E09FF9A}"/>
+                <a16:creationId xmlns:a16="http://schemas.microsoft.com/office/drawing/2014/main" xmlns="" id="{B6918BF1-0F45-4A97-AA9E-A6B36E09FF9A}"/>
               </a:ext>
             </a:extLst>
           </p:cNvPr>
@@ -2307,7 +2329,7 @@
           <p:cNvPr id="4" name="Text Placeholder 3">
             <a:extLst>
               <a:ext uri="{FF2B5EF4-FFF2-40B4-BE49-F238E27FC236}">
-                <a16:creationId xmlns:a16="http://schemas.microsoft.com/office/drawing/2014/main" id="{356FB0A4-9494-4382-A0FD-07C795DA06C8}"/>
+                <a16:creationId xmlns:a16="http://schemas.microsoft.com/office/drawing/2014/main" xmlns="" id="{356FB0A4-9494-4382-A0FD-07C795DA06C8}"/>
               </a:ext>
             </a:extLst>
           </p:cNvPr>
@@ -2378,7 +2400,7 @@
           <p:cNvPr id="5" name="Date Placeholder 4">
             <a:extLst>
               <a:ext uri="{FF2B5EF4-FFF2-40B4-BE49-F238E27FC236}">
-                <a16:creationId xmlns:a16="http://schemas.microsoft.com/office/drawing/2014/main" id="{B7282179-4D0B-4BEA-AEF3-0C82FFAF64C8}"/>
+                <a16:creationId xmlns:a16="http://schemas.microsoft.com/office/drawing/2014/main" xmlns="" id="{B7282179-4D0B-4BEA-AEF3-0C82FFAF64C8}"/>
               </a:ext>
             </a:extLst>
           </p:cNvPr>
@@ -2396,7 +2418,7 @@
           <a:p>
             <a:fld id="{8E423C67-9D6A-4F85-BFC6-5090D8CF0AB4}" type="datetimeFigureOut">
               <a:rPr lang="en-US" smtClean="0"/>
-              <a:t>12/6/2017</a:t>
+              <a:t>2017-12-06</a:t>
             </a:fld>
             <a:endParaRPr lang="en-US"/>
           </a:p>
@@ -2407,7 +2429,7 @@
           <p:cNvPr id="6" name="Footer Placeholder 5">
             <a:extLst>
               <a:ext uri="{FF2B5EF4-FFF2-40B4-BE49-F238E27FC236}">
-                <a16:creationId xmlns:a16="http://schemas.microsoft.com/office/drawing/2014/main" id="{46E4F919-BC65-4B8C-B6A4-6B75D65BAED8}"/>
+                <a16:creationId xmlns:a16="http://schemas.microsoft.com/office/drawing/2014/main" xmlns="" id="{46E4F919-BC65-4B8C-B6A4-6B75D65BAED8}"/>
               </a:ext>
             </a:extLst>
           </p:cNvPr>
@@ -2432,7 +2454,7 @@
           <p:cNvPr id="7" name="Slide Number Placeholder 6">
             <a:extLst>
               <a:ext uri="{FF2B5EF4-FFF2-40B4-BE49-F238E27FC236}">
-                <a16:creationId xmlns:a16="http://schemas.microsoft.com/office/drawing/2014/main" id="{CE4FA66B-0CC2-43E6-AB35-73A52D826B4E}"/>
+                <a16:creationId xmlns:a16="http://schemas.microsoft.com/office/drawing/2014/main" xmlns="" id="{CE4FA66B-0CC2-43E6-AB35-73A52D826B4E}"/>
               </a:ext>
             </a:extLst>
           </p:cNvPr>
@@ -2491,7 +2513,7 @@
           <p:cNvPr id="2" name="Title 1">
             <a:extLst>
               <a:ext uri="{FF2B5EF4-FFF2-40B4-BE49-F238E27FC236}">
-                <a16:creationId xmlns:a16="http://schemas.microsoft.com/office/drawing/2014/main" id="{949C5467-9872-42A4-9D20-EE8539A5EFB8}"/>
+                <a16:creationId xmlns:a16="http://schemas.microsoft.com/office/drawing/2014/main" xmlns="" id="{949C5467-9872-42A4-9D20-EE8539A5EFB8}"/>
               </a:ext>
             </a:extLst>
           </p:cNvPr>
@@ -2528,7 +2550,7 @@
           <p:cNvPr id="3" name="Picture Placeholder 2">
             <a:extLst>
               <a:ext uri="{FF2B5EF4-FFF2-40B4-BE49-F238E27FC236}">
-                <a16:creationId xmlns:a16="http://schemas.microsoft.com/office/drawing/2014/main" id="{CD2BD776-EB44-4D47-B39F-0246DE1B595B}"/>
+                <a16:creationId xmlns:a16="http://schemas.microsoft.com/office/drawing/2014/main" xmlns="" id="{CD2BD776-EB44-4D47-B39F-0246DE1B595B}"/>
               </a:ext>
             </a:extLst>
           </p:cNvPr>
@@ -2595,7 +2617,7 @@
           <p:cNvPr id="4" name="Text Placeholder 3">
             <a:extLst>
               <a:ext uri="{FF2B5EF4-FFF2-40B4-BE49-F238E27FC236}">
-                <a16:creationId xmlns:a16="http://schemas.microsoft.com/office/drawing/2014/main" id="{59ECD3CF-02E8-4D20-865E-02BA42A49532}"/>
+                <a16:creationId xmlns:a16="http://schemas.microsoft.com/office/drawing/2014/main" xmlns="" id="{59ECD3CF-02E8-4D20-865E-02BA42A49532}"/>
               </a:ext>
             </a:extLst>
           </p:cNvPr>
@@ -2666,7 +2688,7 @@
           <p:cNvPr id="5" name="Date Placeholder 4">
             <a:extLst>
               <a:ext uri="{FF2B5EF4-FFF2-40B4-BE49-F238E27FC236}">
-                <a16:creationId xmlns:a16="http://schemas.microsoft.com/office/drawing/2014/main" id="{E6B2109E-2F31-4DE3-8CEA-DE3C86F9A38C}"/>
+                <a16:creationId xmlns:a16="http://schemas.microsoft.com/office/drawing/2014/main" xmlns="" id="{E6B2109E-2F31-4DE3-8CEA-DE3C86F9A38C}"/>
               </a:ext>
             </a:extLst>
           </p:cNvPr>
@@ -2684,7 +2706,7 @@
           <a:p>
             <a:fld id="{8E423C67-9D6A-4F85-BFC6-5090D8CF0AB4}" type="datetimeFigureOut">
               <a:rPr lang="en-US" smtClean="0"/>
-              <a:t>12/6/2017</a:t>
+              <a:t>2017-12-06</a:t>
             </a:fld>
             <a:endParaRPr lang="en-US"/>
           </a:p>
@@ -2695,7 +2717,7 @@
           <p:cNvPr id="6" name="Footer Placeholder 5">
             <a:extLst>
               <a:ext uri="{FF2B5EF4-FFF2-40B4-BE49-F238E27FC236}">
-                <a16:creationId xmlns:a16="http://schemas.microsoft.com/office/drawing/2014/main" id="{8B5CA5A2-D2B8-4ED5-9640-9392D1A7AA70}"/>
+                <a16:creationId xmlns:a16="http://schemas.microsoft.com/office/drawing/2014/main" xmlns="" id="{8B5CA5A2-D2B8-4ED5-9640-9392D1A7AA70}"/>
               </a:ext>
             </a:extLst>
           </p:cNvPr>
@@ -2720,7 +2742,7 @@
           <p:cNvPr id="7" name="Slide Number Placeholder 6">
             <a:extLst>
               <a:ext uri="{FF2B5EF4-FFF2-40B4-BE49-F238E27FC236}">
-                <a16:creationId xmlns:a16="http://schemas.microsoft.com/office/drawing/2014/main" id="{43ED3C46-81E8-41F2-9834-F18A983176A0}"/>
+                <a16:creationId xmlns:a16="http://schemas.microsoft.com/office/drawing/2014/main" xmlns="" id="{43ED3C46-81E8-41F2-9834-F18A983176A0}"/>
               </a:ext>
             </a:extLst>
           </p:cNvPr>
@@ -2761,9 +2783,12 @@
 <p:sldMaster xmlns:a="http://schemas.openxmlformats.org/drawingml/2006/main" xmlns:r="http://schemas.openxmlformats.org/officeDocument/2006/relationships" xmlns:p="http://schemas.openxmlformats.org/presentationml/2006/main">
   <p:cSld>
     <p:bg>
-      <p:bgRef idx="1001">
-        <a:schemeClr val="bg1"/>
-      </p:bgRef>
+      <p:bgPr>
+        <a:solidFill>
+          <a:srgbClr val="6FA397"/>
+        </a:solidFill>
+        <a:effectLst/>
+      </p:bgPr>
     </p:bg>
     <p:spTree>
       <p:nvGrpSpPr>
@@ -2784,7 +2809,7 @@
           <p:cNvPr id="2" name="Title Placeholder 1">
             <a:extLst>
               <a:ext uri="{FF2B5EF4-FFF2-40B4-BE49-F238E27FC236}">
-                <a16:creationId xmlns:a16="http://schemas.microsoft.com/office/drawing/2014/main" id="{C7AAF08E-4D85-40AA-9CBA-7DBD9AB4E5FB}"/>
+                <a16:creationId xmlns:a16="http://schemas.microsoft.com/office/drawing/2014/main" xmlns="" id="{C7AAF08E-4D85-40AA-9CBA-7DBD9AB4E5FB}"/>
               </a:ext>
             </a:extLst>
           </p:cNvPr>
@@ -2811,7 +2836,7 @@
           <a:lstStyle/>
           <a:p>
             <a:r>
-              <a:rPr lang="en-US"/>
+              <a:rPr lang="en-US" dirty="0"/>
               <a:t>Click to edit Master title style</a:t>
             </a:r>
           </a:p>
@@ -2822,7 +2847,7 @@
           <p:cNvPr id="3" name="Text Placeholder 2">
             <a:extLst>
               <a:ext uri="{FF2B5EF4-FFF2-40B4-BE49-F238E27FC236}">
-                <a16:creationId xmlns:a16="http://schemas.microsoft.com/office/drawing/2014/main" id="{C4C3D882-D2F6-4D90-961B-1743A27FEFF9}"/>
+                <a16:creationId xmlns:a16="http://schemas.microsoft.com/office/drawing/2014/main" xmlns="" id="{C4C3D882-D2F6-4D90-961B-1743A27FEFF9}"/>
               </a:ext>
             </a:extLst>
           </p:cNvPr>
@@ -2850,35 +2875,35 @@
           <a:p>
             <a:pPr lvl="0"/>
             <a:r>
-              <a:rPr lang="en-US"/>
+              <a:rPr lang="en-US" dirty="0"/>
               <a:t>Edit Master text styles</a:t>
             </a:r>
           </a:p>
           <a:p>
             <a:pPr lvl="1"/>
             <a:r>
-              <a:rPr lang="en-US"/>
+              <a:rPr lang="en-US" dirty="0"/>
               <a:t>Second level</a:t>
             </a:r>
           </a:p>
           <a:p>
             <a:pPr lvl="2"/>
             <a:r>
-              <a:rPr lang="en-US"/>
+              <a:rPr lang="en-US" dirty="0"/>
               <a:t>Third level</a:t>
             </a:r>
           </a:p>
           <a:p>
             <a:pPr lvl="3"/>
             <a:r>
-              <a:rPr lang="en-US"/>
+              <a:rPr lang="en-US" dirty="0"/>
               <a:t>Fourth level</a:t>
             </a:r>
           </a:p>
           <a:p>
             <a:pPr lvl="4"/>
             <a:r>
-              <a:rPr lang="en-US"/>
+              <a:rPr lang="en-US" dirty="0"/>
               <a:t>Fifth level</a:t>
             </a:r>
           </a:p>
@@ -2889,7 +2914,7 @@
           <p:cNvPr id="4" name="Date Placeholder 3">
             <a:extLst>
               <a:ext uri="{FF2B5EF4-FFF2-40B4-BE49-F238E27FC236}">
-                <a16:creationId xmlns:a16="http://schemas.microsoft.com/office/drawing/2014/main" id="{52C7BF11-732D-490D-B016-B70BC5215D7F}"/>
+                <a16:creationId xmlns:a16="http://schemas.microsoft.com/office/drawing/2014/main" xmlns="" id="{52C7BF11-732D-490D-B016-B70BC5215D7F}"/>
               </a:ext>
             </a:extLst>
           </p:cNvPr>
@@ -2925,7 +2950,7 @@
           <a:p>
             <a:fld id="{8E423C67-9D6A-4F85-BFC6-5090D8CF0AB4}" type="datetimeFigureOut">
               <a:rPr lang="en-US" smtClean="0"/>
-              <a:t>12/6/2017</a:t>
+              <a:t>2017-12-06</a:t>
             </a:fld>
             <a:endParaRPr lang="en-US"/>
           </a:p>
@@ -2936,7 +2961,7 @@
           <p:cNvPr id="5" name="Footer Placeholder 4">
             <a:extLst>
               <a:ext uri="{FF2B5EF4-FFF2-40B4-BE49-F238E27FC236}">
-                <a16:creationId xmlns:a16="http://schemas.microsoft.com/office/drawing/2014/main" id="{90F6EE10-A6BA-4959-8406-FFA61D7A2FD4}"/>
+                <a16:creationId xmlns:a16="http://schemas.microsoft.com/office/drawing/2014/main" xmlns="" id="{90F6EE10-A6BA-4959-8406-FFA61D7A2FD4}"/>
               </a:ext>
             </a:extLst>
           </p:cNvPr>
@@ -2979,7 +3004,7 @@
           <p:cNvPr id="6" name="Slide Number Placeholder 5">
             <a:extLst>
               <a:ext uri="{FF2B5EF4-FFF2-40B4-BE49-F238E27FC236}">
-                <a16:creationId xmlns:a16="http://schemas.microsoft.com/office/drawing/2014/main" id="{E9E7E0F3-F268-4405-929D-FE16B32E5849}"/>
+                <a16:creationId xmlns:a16="http://schemas.microsoft.com/office/drawing/2014/main" xmlns="" id="{E9E7E0F3-F268-4405-929D-FE16B32E5849}"/>
               </a:ext>
             </a:extLst>
           </p:cNvPr>
@@ -3042,6 +3067,13 @@
     <p:sldLayoutId id="2147483658" r:id="rId10"/>
     <p:sldLayoutId id="2147483659" r:id="rId11"/>
   </p:sldLayoutIdLst>
+  <p:timing>
+    <p:tnLst>
+      <p:par>
+        <p:cTn id="1" dur="indefinite" restart="never" nodeType="tmRoot"/>
+      </p:par>
+    </p:tnLst>
+  </p:timing>
   <p:txStyles>
     <p:titleStyle>
       <a:lvl1pPr algn="l" defTabSz="914400" rtl="0" eaLnBrk="1" latinLnBrk="0" hangingPunct="1">
@@ -3054,9 +3086,9 @@
         <a:buNone/>
         <a:defRPr sz="4400" kern="1200">
           <a:solidFill>
-            <a:schemeClr val="tx1"/>
+            <a:srgbClr val="824040"/>
           </a:solidFill>
-          <a:latin typeface="+mj-lt"/>
+          <a:latin typeface="Rockwell" panose="02060603020205020403" pitchFamily="18" charset="0"/>
           <a:ea typeface="+mj-ea"/>
           <a:cs typeface="+mj-cs"/>
         </a:defRPr>
@@ -3074,9 +3106,9 @@
         <a:buChar char="•"/>
         <a:defRPr sz="2800" kern="1200">
           <a:solidFill>
-            <a:schemeClr val="tx1"/>
+            <a:srgbClr val="824040"/>
           </a:solidFill>
-          <a:latin typeface="+mn-lt"/>
+          <a:latin typeface="Rockwell" panose="02060603020205020403" pitchFamily="18" charset="0"/>
           <a:ea typeface="+mn-ea"/>
           <a:cs typeface="+mn-cs"/>
         </a:defRPr>
@@ -3092,9 +3124,9 @@
         <a:buChar char="•"/>
         <a:defRPr sz="2400" kern="1200">
           <a:solidFill>
-            <a:schemeClr val="tx1"/>
+            <a:srgbClr val="824040"/>
           </a:solidFill>
-          <a:latin typeface="+mn-lt"/>
+          <a:latin typeface="Rockwell" panose="02060603020205020403" pitchFamily="18" charset="0"/>
           <a:ea typeface="+mn-ea"/>
           <a:cs typeface="+mn-cs"/>
         </a:defRPr>
@@ -3110,9 +3142,9 @@
         <a:buChar char="•"/>
         <a:defRPr sz="2000" kern="1200">
           <a:solidFill>
-            <a:schemeClr val="tx1"/>
+            <a:srgbClr val="824040"/>
           </a:solidFill>
-          <a:latin typeface="+mn-lt"/>
+          <a:latin typeface="Rockwell" panose="02060603020205020403" pitchFamily="18" charset="0"/>
           <a:ea typeface="+mn-ea"/>
           <a:cs typeface="+mn-cs"/>
         </a:defRPr>
@@ -3128,9 +3160,9 @@
         <a:buChar char="•"/>
         <a:defRPr sz="1800" kern="1200">
           <a:solidFill>
-            <a:schemeClr val="tx1"/>
+            <a:srgbClr val="824040"/>
           </a:solidFill>
-          <a:latin typeface="+mn-lt"/>
+          <a:latin typeface="Rockwell" panose="02060603020205020403" pitchFamily="18" charset="0"/>
           <a:ea typeface="+mn-ea"/>
           <a:cs typeface="+mn-cs"/>
         </a:defRPr>
@@ -3146,9 +3178,9 @@
         <a:buChar char="•"/>
         <a:defRPr sz="1800" kern="1200">
           <a:solidFill>
-            <a:schemeClr val="tx1"/>
+            <a:srgbClr val="824040"/>
           </a:solidFill>
-          <a:latin typeface="+mn-lt"/>
+          <a:latin typeface="Rockwell" panose="02060603020205020403" pitchFamily="18" charset="0"/>
           <a:ea typeface="+mn-ea"/>
           <a:cs typeface="+mn-cs"/>
         </a:defRPr>
@@ -3347,7 +3379,7 @@
           <p:cNvPr id="2" name="Title 1">
             <a:extLst>
               <a:ext uri="{FF2B5EF4-FFF2-40B4-BE49-F238E27FC236}">
-                <a16:creationId xmlns:a16="http://schemas.microsoft.com/office/drawing/2014/main" id="{1126EA88-A9E3-4871-8DDA-4EE8195A9D29}"/>
+                <a16:creationId xmlns:a16="http://schemas.microsoft.com/office/drawing/2014/main" xmlns="" id="{1126EA88-A9E3-4871-8DDA-4EE8195A9D29}"/>
               </a:ext>
             </a:extLst>
           </p:cNvPr>
@@ -3358,15 +3390,30 @@
             <p:ph type="ctrTitle"/>
           </p:nvPr>
         </p:nvSpPr>
-        <p:spPr/>
-        <p:txBody>
-          <a:bodyPr/>
-          <a:lstStyle/>
-          <a:p>
-            <a:r>
-              <a:rPr lang="en-US" dirty="0"/>
-              <a:t>NOTIFY ME</a:t>
-            </a:r>
+        <p:spPr>
+          <a:xfrm>
+            <a:off x="3262184" y="2544890"/>
+            <a:ext cx="5667632" cy="1600844"/>
+          </a:xfrm>
+          <a:solidFill>
+            <a:srgbClr val="F5F5F5"/>
+          </a:solidFill>
+        </p:spPr>
+        <p:txBody>
+          <a:bodyPr>
+            <a:normAutofit/>
+          </a:bodyPr>
+          <a:lstStyle/>
+          <a:p>
+            <a:r>
+              <a:rPr lang="en-US" sz="9600" b="1" dirty="0">
+                <a:latin typeface="Brush Script MT" panose="03060802040406070304" pitchFamily="66" charset="0"/>
+              </a:rPr>
+              <a:t>NotifyMe!</a:t>
+            </a:r>
+            <a:endParaRPr lang="en-US" sz="9600" b="1" dirty="0">
+              <a:latin typeface="Brush Script MT" panose="03060802040406070304" pitchFamily="66" charset="0"/>
+            </a:endParaRPr>
           </a:p>
         </p:txBody>
       </p:sp>
@@ -3375,7 +3422,7 @@
           <p:cNvPr id="3" name="Subtitle 2">
             <a:extLst>
               <a:ext uri="{FF2B5EF4-FFF2-40B4-BE49-F238E27FC236}">
-                <a16:creationId xmlns:a16="http://schemas.microsoft.com/office/drawing/2014/main" id="{EF3D0F4F-0963-4211-A80D-97B3ABEE1F01}"/>
+                <a16:creationId xmlns:a16="http://schemas.microsoft.com/office/drawing/2014/main" xmlns="" id="{EF3D0F4F-0963-4211-A80D-97B3ABEE1F01}"/>
               </a:ext>
             </a:extLst>
           </p:cNvPr>
@@ -3386,28 +3433,52 @@
             <p:ph type="subTitle" idx="1"/>
           </p:nvPr>
         </p:nvSpPr>
-        <p:spPr/>
-        <p:txBody>
-          <a:bodyPr/>
-          <a:lstStyle/>
-          <a:p>
-            <a:r>
-              <a:rPr lang="en-US" dirty="0"/>
-              <a:t>- By Matthew Manning and </a:t>
-            </a:r>
-            <a:r>
-              <a:rPr lang="en-US" dirty="0" err="1"/>
+        <p:spPr>
+          <a:xfrm>
+            <a:off x="2755557" y="4386691"/>
+            <a:ext cx="6680886" cy="556011"/>
+          </a:xfrm>
+          <a:noFill/>
+        </p:spPr>
+        <p:txBody>
+          <a:bodyPr>
+            <a:normAutofit/>
+          </a:bodyPr>
+          <a:lstStyle/>
+          <a:p>
+            <a:r>
+              <a:rPr lang="en-US" sz="2800" dirty="0" smtClean="0">
+                <a:latin typeface="Rockwell" panose="02060603020205020403" pitchFamily="18" charset="0"/>
+              </a:rPr>
+              <a:t>Matthew </a:t>
+            </a:r>
+            <a:r>
+              <a:rPr lang="en-US" sz="2800" dirty="0">
+                <a:latin typeface="Rockwell" panose="02060603020205020403" pitchFamily="18" charset="0"/>
+              </a:rPr>
+              <a:t>Manning and </a:t>
+            </a:r>
+            <a:r>
+              <a:rPr lang="en-US" sz="2800" dirty="0" err="1">
+                <a:latin typeface="Rockwell" panose="02060603020205020403" pitchFamily="18" charset="0"/>
+              </a:rPr>
               <a:t>Suveni</a:t>
             </a:r>
             <a:r>
-              <a:rPr lang="en-US" dirty="0"/>
+              <a:rPr lang="en-US" sz="2800" dirty="0">
+                <a:latin typeface="Rockwell" panose="02060603020205020403" pitchFamily="18" charset="0"/>
+              </a:rPr>
               <a:t> </a:t>
             </a:r>
             <a:r>
-              <a:rPr lang="en-US" dirty="0" err="1"/>
+              <a:rPr lang="en-US" sz="2800" dirty="0" err="1">
+                <a:latin typeface="Rockwell" panose="02060603020205020403" pitchFamily="18" charset="0"/>
+              </a:rPr>
               <a:t>Tangnu</a:t>
             </a:r>
-            <a:endParaRPr lang="en-US" dirty="0"/>
+            <a:endParaRPr lang="en-US" sz="2800" dirty="0">
+              <a:latin typeface="Rockwell" panose="02060603020205020403" pitchFamily="18" charset="0"/>
+            </a:endParaRPr>
           </a:p>
         </p:txBody>
       </p:sp>
@@ -3421,6 +3492,13 @@
   <p:clrMapOvr>
     <a:masterClrMapping/>
   </p:clrMapOvr>
+  <p:timing>
+    <p:tnLst>
+      <p:par>
+        <p:cTn id="1" dur="indefinite" restart="never" nodeType="tmRoot"/>
+      </p:par>
+    </p:tnLst>
+  </p:timing>
 </p:sld>
 </file>
 
@@ -3446,7 +3524,7 @@
           <p:cNvPr id="2" name="Title 1">
             <a:extLst>
               <a:ext uri="{FF2B5EF4-FFF2-40B4-BE49-F238E27FC236}">
-                <a16:creationId xmlns:a16="http://schemas.microsoft.com/office/drawing/2014/main" id="{259D0B7C-1D18-4B9B-9686-41CD01222471}"/>
+                <a16:creationId xmlns:a16="http://schemas.microsoft.com/office/drawing/2014/main" xmlns="" id="{A0EFC9D0-35F5-483E-86FE-4B2083D4CCE8}"/>
               </a:ext>
             </a:extLst>
           </p:cNvPr>
@@ -3462,101 +3540,111 @@
           <a:bodyPr/>
           <a:lstStyle/>
           <a:p>
+            <a:pPr algn="ctr"/>
+            <a:r>
+              <a:rPr lang="en-US" dirty="0" smtClean="0"/>
+              <a:t>The Tools We Used</a:t>
+            </a:r>
+            <a:endParaRPr lang="en-US" dirty="0"/>
+          </a:p>
+        </p:txBody>
+      </p:sp>
+      <p:sp>
+        <p:nvSpPr>
+          <p:cNvPr id="3" name="Content Placeholder 2">
+            <a:extLst>
+              <a:ext uri="{FF2B5EF4-FFF2-40B4-BE49-F238E27FC236}">
+                <a16:creationId xmlns:a16="http://schemas.microsoft.com/office/drawing/2014/main" xmlns="" id="{323EF7F1-8AC4-4144-AEE5-821E1DE879E1}"/>
+              </a:ext>
+            </a:extLst>
+          </p:cNvPr>
+          <p:cNvSpPr>
+            <a:spLocks noGrp="1"/>
+          </p:cNvSpPr>
+          <p:nvPr>
+            <p:ph idx="1"/>
+          </p:nvPr>
+        </p:nvSpPr>
+        <p:spPr/>
+        <p:txBody>
+          <a:bodyPr/>
+          <a:lstStyle/>
+          <a:p>
+            <a:r>
+              <a:rPr lang="en-US" dirty="0" smtClean="0"/>
+              <a:t>XAMPP (Cross-platform, Apache, </a:t>
+            </a:r>
+            <a:r>
+              <a:rPr lang="en-US" dirty="0" err="1" smtClean="0"/>
+              <a:t>MariaDB</a:t>
+            </a:r>
+            <a:r>
+              <a:rPr lang="en-US" dirty="0" smtClean="0"/>
+              <a:t>, PHP, and Perl)</a:t>
+            </a:r>
+          </a:p>
+          <a:p>
+            <a:endParaRPr lang="en-US" dirty="0" smtClean="0"/>
+          </a:p>
+          <a:p>
+            <a:r>
+              <a:rPr lang="en-US" dirty="0" smtClean="0"/>
+              <a:t>Apache for Server</a:t>
+            </a:r>
+          </a:p>
+          <a:p>
+            <a:endParaRPr lang="en-US" dirty="0" smtClean="0"/>
+          </a:p>
+          <a:p>
+            <a:r>
+              <a:rPr lang="en-US" dirty="0" smtClean="0"/>
+              <a:t>HTML, MySQL, PHP, and CSS for the Website</a:t>
+            </a:r>
+          </a:p>
+          <a:p>
+            <a:endParaRPr lang="en-US" dirty="0"/>
+          </a:p>
+          <a:p>
+            <a:r>
+              <a:rPr lang="en-US" dirty="0" err="1" smtClean="0"/>
+              <a:t>PHPMyAdmin</a:t>
+            </a:r>
+            <a:r>
+              <a:rPr lang="en-US" dirty="0" smtClean="0"/>
+              <a:t> for Front-End </a:t>
+            </a:r>
             <a:r>
               <a:rPr lang="en-US" dirty="0"/>
-              <a:t>How – Tasks at hand</a:t>
-            </a:r>
-          </a:p>
-        </p:txBody>
-      </p:sp>
-      <p:sp>
-        <p:nvSpPr>
-          <p:cNvPr id="3" name="Content Placeholder 2">
-            <a:extLst>
-              <a:ext uri="{FF2B5EF4-FFF2-40B4-BE49-F238E27FC236}">
-                <a16:creationId xmlns:a16="http://schemas.microsoft.com/office/drawing/2014/main" id="{7171011C-A762-4A01-8962-0A7436AA633E}"/>
-              </a:ext>
-            </a:extLst>
-          </p:cNvPr>
-          <p:cNvSpPr>
-            <a:spLocks noGrp="1"/>
-          </p:cNvSpPr>
-          <p:nvPr>
-            <p:ph idx="1"/>
-          </p:nvPr>
-        </p:nvSpPr>
-        <p:spPr/>
-        <p:txBody>
-          <a:bodyPr/>
-          <a:lstStyle/>
-          <a:p>
-            <a:r>
-              <a:rPr lang="en-US" dirty="0">
-                <a:solidFill>
-                  <a:schemeClr val="bg2"/>
-                </a:solidFill>
-              </a:rPr>
-              <a:t>To let the user create an account.</a:t>
-            </a:r>
-          </a:p>
-          <a:p>
-            <a:r>
-              <a:rPr lang="en-US" dirty="0">
-                <a:solidFill>
-                  <a:schemeClr val="bg2"/>
-                </a:solidFill>
-              </a:rPr>
-              <a:t>To let user enter , delete or/and edit a URL .</a:t>
-            </a:r>
-          </a:p>
-          <a:p>
-            <a:r>
-              <a:rPr lang="en-US" dirty="0">
-                <a:solidFill>
-                  <a:schemeClr val="bg2"/>
-                </a:solidFill>
-              </a:rPr>
-              <a:t>Create a relational view of the database , with proper key – table relation to store user details and the URL details.</a:t>
-            </a:r>
-          </a:p>
-          <a:p>
-            <a:r>
-              <a:rPr lang="en-US" dirty="0">
-                <a:solidFill>
-                  <a:schemeClr val="bg2"/>
-                </a:solidFill>
-              </a:rPr>
-              <a:t>Scan through the saved Websites.</a:t>
-            </a:r>
-          </a:p>
-          <a:p>
-            <a:r>
-              <a:rPr lang="en-US" dirty="0">
-                <a:solidFill>
-                  <a:schemeClr val="bg2"/>
-                </a:solidFill>
-              </a:rPr>
-              <a:t>For the identified websites, update the database.</a:t>
-            </a:r>
-          </a:p>
-          <a:p>
-            <a:r>
-              <a:rPr lang="en-US" dirty="0"/>
-              <a:t>Send the email to the user , without spamming them.</a:t>
-            </a:r>
+              <a:t>D</a:t>
+            </a:r>
+            <a:r>
+              <a:rPr lang="en-US" dirty="0" smtClean="0"/>
+              <a:t>atabase GUI</a:t>
+            </a:r>
+            <a:endParaRPr lang="en-US" dirty="0"/>
+          </a:p>
+          <a:p>
+            <a:endParaRPr lang="en-US" dirty="0"/>
           </a:p>
         </p:txBody>
       </p:sp>
     </p:spTree>
     <p:extLst>
       <p:ext uri="{BB962C8B-B14F-4D97-AF65-F5344CB8AC3E}">
-        <p14:creationId xmlns:p14="http://schemas.microsoft.com/office/powerpoint/2010/main" val="794895920"/>
+        <p14:creationId xmlns:p14="http://schemas.microsoft.com/office/powerpoint/2010/main" val="1621738832"/>
       </p:ext>
     </p:extLst>
   </p:cSld>
   <p:clrMapOvr>
     <a:masterClrMapping/>
   </p:clrMapOvr>
+  <p:timing>
+    <p:tnLst>
+      <p:par>
+        <p:cTn id="1" dur="indefinite" restart="never" nodeType="tmRoot"/>
+      </p:par>
+    </p:tnLst>
+  </p:timing>
 </p:sld>
 </file>
 
@@ -3579,179 +3667,10 @@
       </p:grpSpPr>
       <p:sp>
         <p:nvSpPr>
-          <p:cNvPr id="2" name="Title 1">
-            <a:extLst>
-              <a:ext uri="{FF2B5EF4-FFF2-40B4-BE49-F238E27FC236}">
-                <a16:creationId xmlns:a16="http://schemas.microsoft.com/office/drawing/2014/main" id="{A0EFC9D0-35F5-483E-86FE-4B2083D4CCE8}"/>
-              </a:ext>
-            </a:extLst>
-          </p:cNvPr>
-          <p:cNvSpPr>
-            <a:spLocks noGrp="1"/>
-          </p:cNvSpPr>
-          <p:nvPr>
-            <p:ph type="title"/>
-          </p:nvPr>
-        </p:nvSpPr>
-        <p:spPr/>
-        <p:txBody>
-          <a:bodyPr/>
-          <a:lstStyle/>
-          <a:p>
-            <a:r>
-              <a:rPr lang="en-US" dirty="0"/>
-              <a:t>How</a:t>
-            </a:r>
-          </a:p>
-        </p:txBody>
-      </p:sp>
-      <p:sp>
-        <p:nvSpPr>
-          <p:cNvPr id="3" name="Content Placeholder 2">
-            <a:extLst>
-              <a:ext uri="{FF2B5EF4-FFF2-40B4-BE49-F238E27FC236}">
-                <a16:creationId xmlns:a16="http://schemas.microsoft.com/office/drawing/2014/main" id="{323EF7F1-8AC4-4144-AEE5-821E1DE879E1}"/>
-              </a:ext>
-            </a:extLst>
-          </p:cNvPr>
-          <p:cNvSpPr>
-            <a:spLocks noGrp="1"/>
-          </p:cNvSpPr>
-          <p:nvPr>
-            <p:ph idx="1"/>
-          </p:nvPr>
-        </p:nvSpPr>
-        <p:spPr/>
-        <p:txBody>
-          <a:bodyPr/>
-          <a:lstStyle/>
-          <a:p>
-            <a:r>
-              <a:rPr lang="en-US" dirty="0"/>
-              <a:t>For the development purpose , there has been an extensive use of </a:t>
-            </a:r>
-            <a:r>
-              <a:rPr lang="en-US" dirty="0" err="1"/>
-              <a:t>Php</a:t>
-            </a:r>
-            <a:r>
-              <a:rPr lang="en-US" dirty="0"/>
-              <a:t> and its tool.</a:t>
-            </a:r>
-          </a:p>
-          <a:p>
-            <a:r>
-              <a:rPr lang="en-US" dirty="0"/>
-              <a:t>To integrate the database need with the front – end ,  use of </a:t>
-            </a:r>
-            <a:r>
-              <a:rPr lang="en-US" dirty="0" err="1"/>
-              <a:t>PhpMyadmin</a:t>
-            </a:r>
-            <a:r>
-              <a:rPr lang="en-US" dirty="0"/>
-              <a:t> .</a:t>
-            </a:r>
-          </a:p>
-          <a:p>
-            <a:r>
-              <a:rPr lang="en-US" dirty="0" err="1"/>
-              <a:t>Xampp</a:t>
-            </a:r>
-            <a:r>
-              <a:rPr lang="en-US" dirty="0"/>
-              <a:t> helps us to connect with </a:t>
-            </a:r>
-            <a:r>
-              <a:rPr lang="en-US" dirty="0" err="1"/>
-              <a:t>PhpMyadmin</a:t>
-            </a:r>
-            <a:r>
-              <a:rPr lang="en-US" dirty="0"/>
-              <a:t> .</a:t>
-            </a:r>
-          </a:p>
-          <a:p>
-            <a:r>
-              <a:rPr lang="en-US" dirty="0" err="1"/>
-              <a:t>PhpMyadmin</a:t>
-            </a:r>
-            <a:r>
-              <a:rPr lang="en-US" dirty="0"/>
-              <a:t> uses </a:t>
-            </a:r>
-            <a:r>
-              <a:rPr lang="en-US" dirty="0" err="1"/>
-              <a:t>MySql</a:t>
-            </a:r>
-            <a:r>
-              <a:rPr lang="en-US" dirty="0"/>
-              <a:t> to handle the database .</a:t>
-            </a:r>
-          </a:p>
-          <a:p>
-            <a:r>
-              <a:rPr lang="en-US" dirty="0"/>
-              <a:t>The </a:t>
-            </a:r>
-            <a:r>
-              <a:rPr lang="en-US" dirty="0" err="1"/>
-              <a:t>MySql</a:t>
-            </a:r>
-            <a:r>
-              <a:rPr lang="en-US" dirty="0"/>
-              <a:t> database not only allows us to have more than 2 Databases , but allows us to have the utilities at the disposal.</a:t>
-            </a:r>
-          </a:p>
-          <a:p>
-            <a:endParaRPr lang="en-US" dirty="0"/>
-          </a:p>
-        </p:txBody>
-      </p:sp>
-    </p:spTree>
-    <p:extLst>
-      <p:ext uri="{BB962C8B-B14F-4D97-AF65-F5344CB8AC3E}">
-        <p14:creationId xmlns:p14="http://schemas.microsoft.com/office/powerpoint/2010/main" val="1621738832"/>
-      </p:ext>
-    </p:extLst>
-  </p:cSld>
-  <p:clrMapOvr>
-    <a:masterClrMapping/>
-  </p:clrMapOvr>
-</p:sld>
-</file>
-
-<file path=ppt/slides/slide12.xml><?xml version="1.0" encoding="utf-8"?>
-<p:sld xmlns:a="http://schemas.openxmlformats.org/drawingml/2006/main" xmlns:r="http://schemas.openxmlformats.org/officeDocument/2006/relationships" xmlns:p="http://schemas.openxmlformats.org/presentationml/2006/main">
-  <p:cSld>
-    <p:bg>
-      <p:bgPr>
-        <a:solidFill>
-          <a:schemeClr val="bg1"/>
-        </a:solidFill>
-        <a:effectLst/>
-      </p:bgPr>
-    </p:bg>
-    <p:spTree>
-      <p:nvGrpSpPr>
-        <p:cNvPr id="1" name=""/>
-        <p:cNvGrpSpPr/>
-        <p:nvPr/>
-      </p:nvGrpSpPr>
-      <p:grpSpPr>
-        <a:xfrm>
-          <a:off x="0" y="0"/>
-          <a:ext cx="0" cy="0"/>
-          <a:chOff x="0" y="0"/>
-          <a:chExt cx="0" cy="0"/>
-        </a:xfrm>
-      </p:grpSpPr>
-      <p:sp>
-        <p:nvSpPr>
           <p:cNvPr id="9" name="Rectangle 8">
             <a:extLst>
               <a:ext uri="{FF2B5EF4-FFF2-40B4-BE49-F238E27FC236}">
-                <a16:creationId xmlns:a16="http://schemas.microsoft.com/office/drawing/2014/main" id="{A4AC5506-6312-4701-8D3C-40187889A947}"/>
+                <a16:creationId xmlns:a16="http://schemas.microsoft.com/office/drawing/2014/main" xmlns="" id="{A4AC5506-6312-4701-8D3C-40187889A947}"/>
               </a:ext>
             </a:extLst>
           </p:cNvPr>
@@ -3761,7 +3680,7 @@
           <p:nvPr>
             <p:extLst>
               <p:ext uri="{386F3935-93C4-4BCD-93E2-E3B085C9AB24}">
-                <p16:designElem xmlns:p16="http://schemas.microsoft.com/office/powerpoint/2015/main" val="1"/>
+                <p16:designElem xmlns:p16="http://schemas.microsoft.com/office/powerpoint/2015/main" xmlns="" val="1"/>
               </p:ext>
             </p:extLst>
           </p:nvPr>
@@ -3813,7 +3732,7 @@
           <p:cNvPr id="4" name="Content Placeholder 3">
             <a:extLst>
               <a:ext uri="{FF2B5EF4-FFF2-40B4-BE49-F238E27FC236}">
-                <a16:creationId xmlns:a16="http://schemas.microsoft.com/office/drawing/2014/main" id="{8DB778F2-E62C-431C-AB5C-C95A5E966A35}"/>
+                <a16:creationId xmlns:a16="http://schemas.microsoft.com/office/drawing/2014/main" xmlns="" id="{8DB778F2-E62C-431C-AB5C-C95A5E966A35}"/>
               </a:ext>
             </a:extLst>
           </p:cNvPr>
@@ -3845,7 +3764,7 @@
           <p:cNvPr id="2" name="Title 1">
             <a:extLst>
               <a:ext uri="{FF2B5EF4-FFF2-40B4-BE49-F238E27FC236}">
-                <a16:creationId xmlns:a16="http://schemas.microsoft.com/office/drawing/2014/main" id="{99C8C8EE-289C-4B9D-AE46-EAE4F3CEB2EE}"/>
+                <a16:creationId xmlns:a16="http://schemas.microsoft.com/office/drawing/2014/main" xmlns="" id="{99C8C8EE-289C-4B9D-AE46-EAE4F3CEB2EE}"/>
               </a:ext>
             </a:extLst>
           </p:cNvPr>
@@ -3907,7 +3826,7 @@
           <p:cNvPr id="7" name="Straight Arrow Connector 6">
             <a:extLst>
               <a:ext uri="{FF2B5EF4-FFF2-40B4-BE49-F238E27FC236}">
-                <a16:creationId xmlns:a16="http://schemas.microsoft.com/office/drawing/2014/main" id="{32652254-0F18-49F4-97E2-7E449140EE5C}"/>
+                <a16:creationId xmlns:a16="http://schemas.microsoft.com/office/drawing/2014/main" xmlns="" id="{32652254-0F18-49F4-97E2-7E449140EE5C}"/>
               </a:ext>
             </a:extLst>
           </p:cNvPr>
@@ -3948,7 +3867,7 @@
           <p:cNvPr id="10" name="Straight Arrow Connector 9">
             <a:extLst>
               <a:ext uri="{FF2B5EF4-FFF2-40B4-BE49-F238E27FC236}">
-                <a16:creationId xmlns:a16="http://schemas.microsoft.com/office/drawing/2014/main" id="{56724CE6-E70B-4E1B-B8A3-8AB76323C576}"/>
+                <a16:creationId xmlns:a16="http://schemas.microsoft.com/office/drawing/2014/main" xmlns="" id="{56724CE6-E70B-4E1B-B8A3-8AB76323C576}"/>
               </a:ext>
             </a:extLst>
           </p:cNvPr>
@@ -3989,7 +3908,7 @@
           <p:cNvPr id="13" name="Straight Arrow Connector 12">
             <a:extLst>
               <a:ext uri="{FF2B5EF4-FFF2-40B4-BE49-F238E27FC236}">
-                <a16:creationId xmlns:a16="http://schemas.microsoft.com/office/drawing/2014/main" id="{26E3BA7C-8B5C-483D-A705-96552F0BEE06}"/>
+                <a16:creationId xmlns:a16="http://schemas.microsoft.com/office/drawing/2014/main" xmlns="" id="{26E3BA7C-8B5C-483D-A705-96552F0BEE06}"/>
               </a:ext>
             </a:extLst>
           </p:cNvPr>
@@ -4030,7 +3949,7 @@
           <p:cNvPr id="15" name="Straight Arrow Connector 14">
             <a:extLst>
               <a:ext uri="{FF2B5EF4-FFF2-40B4-BE49-F238E27FC236}">
-                <a16:creationId xmlns:a16="http://schemas.microsoft.com/office/drawing/2014/main" id="{05C11018-9C22-4371-BEDE-2B0C0B415095}"/>
+                <a16:creationId xmlns:a16="http://schemas.microsoft.com/office/drawing/2014/main" xmlns="" id="{05C11018-9C22-4371-BEDE-2B0C0B415095}"/>
               </a:ext>
             </a:extLst>
           </p:cNvPr>
@@ -4071,7 +3990,7 @@
           <p:cNvPr id="26" name="Straight Arrow Connector 25">
             <a:extLst>
               <a:ext uri="{FF2B5EF4-FFF2-40B4-BE49-F238E27FC236}">
-                <a16:creationId xmlns:a16="http://schemas.microsoft.com/office/drawing/2014/main" id="{B51B42E7-DA54-4898-A1E8-71D8E36299FE}"/>
+                <a16:creationId xmlns:a16="http://schemas.microsoft.com/office/drawing/2014/main" xmlns="" id="{B51B42E7-DA54-4898-A1E8-71D8E36299FE}"/>
               </a:ext>
             </a:extLst>
           </p:cNvPr>
@@ -4110,7 +4029,7 @@
           <p:cNvPr id="27" name="Straight Arrow Connector 26">
             <a:extLst>
               <a:ext uri="{FF2B5EF4-FFF2-40B4-BE49-F238E27FC236}">
-                <a16:creationId xmlns:a16="http://schemas.microsoft.com/office/drawing/2014/main" id="{369BE940-CEE1-4F65-A4F2-717A58F882CE}"/>
+                <a16:creationId xmlns:a16="http://schemas.microsoft.com/office/drawing/2014/main" xmlns="" id="{369BE940-CEE1-4F65-A4F2-717A58F882CE}"/>
               </a:ext>
             </a:extLst>
           </p:cNvPr>
@@ -4154,20 +4073,19 @@
   <p:clrMapOvr>
     <a:masterClrMapping/>
   </p:clrMapOvr>
+  <p:timing>
+    <p:tnLst>
+      <p:par>
+        <p:cTn id="1" dur="indefinite" restart="never" nodeType="tmRoot"/>
+      </p:par>
+    </p:tnLst>
+  </p:timing>
 </p:sld>
 </file>
 
-<file path=ppt/slides/slide13.xml><?xml version="1.0" encoding="utf-8"?>
+<file path=ppt/slides/slide12.xml><?xml version="1.0" encoding="utf-8"?>
 <p:sld xmlns:a="http://schemas.openxmlformats.org/drawingml/2006/main" xmlns:r="http://schemas.openxmlformats.org/officeDocument/2006/relationships" xmlns:p="http://schemas.openxmlformats.org/presentationml/2006/main">
   <p:cSld>
-    <p:bg>
-      <p:bgPr>
-        <a:solidFill>
-          <a:schemeClr val="bg1"/>
-        </a:solidFill>
-        <a:effectLst/>
-      </p:bgPr>
-    </p:bg>
     <p:spTree>
       <p:nvGrpSpPr>
         <p:cNvPr id="1" name=""/>
@@ -4187,7 +4105,7 @@
           <p:cNvPr id="4" name="Picture 3">
             <a:extLst>
               <a:ext uri="{FF2B5EF4-FFF2-40B4-BE49-F238E27FC236}">
-                <a16:creationId xmlns:a16="http://schemas.microsoft.com/office/drawing/2014/main" id="{D63519C0-C8D9-4341-ADE9-3CD28E6E648E}"/>
+                <a16:creationId xmlns:a16="http://schemas.microsoft.com/office/drawing/2014/main" xmlns="" id="{D63519C0-C8D9-4341-ADE9-3CD28E6E648E}"/>
               </a:ext>
             </a:extLst>
           </p:cNvPr>
@@ -4217,7 +4135,7 @@
           <p:cNvPr id="2" name="Title 1">
             <a:extLst>
               <a:ext uri="{FF2B5EF4-FFF2-40B4-BE49-F238E27FC236}">
-                <a16:creationId xmlns:a16="http://schemas.microsoft.com/office/drawing/2014/main" id="{0394369D-565A-471B-B3F3-561CF390DFF5}"/>
+                <a16:creationId xmlns:a16="http://schemas.microsoft.com/office/drawing/2014/main" xmlns="" id="{0394369D-565A-471B-B3F3-561CF390DFF5}"/>
               </a:ext>
             </a:extLst>
           </p:cNvPr>
@@ -4249,7 +4167,7 @@
           <p:cNvPr id="3" name="Content Placeholder 2">
             <a:extLst>
               <a:ext uri="{FF2B5EF4-FFF2-40B4-BE49-F238E27FC236}">
-                <a16:creationId xmlns:a16="http://schemas.microsoft.com/office/drawing/2014/main" id="{5EAFF9BB-23B6-4817-86BB-F6DA8A9676FA}"/>
+                <a16:creationId xmlns:a16="http://schemas.microsoft.com/office/drawing/2014/main" xmlns="" id="{5EAFF9BB-23B6-4817-86BB-F6DA8A9676FA}"/>
               </a:ext>
             </a:extLst>
           </p:cNvPr>
@@ -4281,7 +4199,7 @@
           <p:cNvPr id="6" name="Straight Arrow Connector 5">
             <a:extLst>
               <a:ext uri="{FF2B5EF4-FFF2-40B4-BE49-F238E27FC236}">
-                <a16:creationId xmlns:a16="http://schemas.microsoft.com/office/drawing/2014/main" id="{25D029F9-3DC8-4672-9001-1D3D9D0E8785}"/>
+                <a16:creationId xmlns:a16="http://schemas.microsoft.com/office/drawing/2014/main" xmlns="" id="{25D029F9-3DC8-4672-9001-1D3D9D0E8785}"/>
               </a:ext>
             </a:extLst>
           </p:cNvPr>
@@ -4322,7 +4240,7 @@
           <p:cNvPr id="9" name="Straight Arrow Connector 8">
             <a:extLst>
               <a:ext uri="{FF2B5EF4-FFF2-40B4-BE49-F238E27FC236}">
-                <a16:creationId xmlns:a16="http://schemas.microsoft.com/office/drawing/2014/main" id="{BCB2D5B4-0996-4437-834A-3AC37C185079}"/>
+                <a16:creationId xmlns:a16="http://schemas.microsoft.com/office/drawing/2014/main" xmlns="" id="{BCB2D5B4-0996-4437-834A-3AC37C185079}"/>
               </a:ext>
             </a:extLst>
           </p:cNvPr>
@@ -4368,6 +4286,154 @@
   <p:clrMapOvr>
     <a:masterClrMapping/>
   </p:clrMapOvr>
+  <p:timing>
+    <p:tnLst>
+      <p:par>
+        <p:cTn id="1" dur="indefinite" restart="never" nodeType="tmRoot"/>
+      </p:par>
+    </p:tnLst>
+  </p:timing>
+</p:sld>
+</file>
+
+<file path=ppt/slides/slide13.xml><?xml version="1.0" encoding="utf-8"?>
+<p:sld xmlns:a="http://schemas.openxmlformats.org/drawingml/2006/main" xmlns:r="http://schemas.openxmlformats.org/officeDocument/2006/relationships" xmlns:p="http://schemas.openxmlformats.org/presentationml/2006/main">
+  <p:cSld>
+    <p:spTree>
+      <p:nvGrpSpPr>
+        <p:cNvPr id="1" name=""/>
+        <p:cNvGrpSpPr/>
+        <p:nvPr/>
+      </p:nvGrpSpPr>
+      <p:grpSpPr>
+        <a:xfrm>
+          <a:off x="0" y="0"/>
+          <a:ext cx="0" cy="0"/>
+          <a:chOff x="0" y="0"/>
+          <a:chExt cx="0" cy="0"/>
+        </a:xfrm>
+      </p:grpSpPr>
+      <p:sp>
+        <p:nvSpPr>
+          <p:cNvPr id="6" name="Title 5"/>
+          <p:cNvSpPr>
+            <a:spLocks noGrp="1"/>
+          </p:cNvSpPr>
+          <p:nvPr>
+            <p:ph type="title"/>
+          </p:nvPr>
+        </p:nvSpPr>
+        <p:spPr/>
+        <p:txBody>
+          <a:bodyPr/>
+          <a:lstStyle/>
+          <a:p>
+            <a:pPr algn="ctr"/>
+            <a:r>
+              <a:rPr lang="en-US" dirty="0" smtClean="0"/>
+              <a:t>Demo</a:t>
+            </a:r>
+            <a:endParaRPr lang="en-US" dirty="0"/>
+          </a:p>
+        </p:txBody>
+      </p:sp>
+    </p:spTree>
+    <p:extLst>
+      <p:ext uri="{BB962C8B-B14F-4D97-AF65-F5344CB8AC3E}">
+        <p14:creationId xmlns:p14="http://schemas.microsoft.com/office/powerpoint/2010/main" val="4160979080"/>
+      </p:ext>
+    </p:extLst>
+  </p:cSld>
+  <p:clrMapOvr>
+    <a:masterClrMapping/>
+  </p:clrMapOvr>
+  <p:timing>
+    <p:tnLst>
+      <p:par>
+        <p:cTn id="1" dur="indefinite" restart="never" nodeType="tmRoot"/>
+      </p:par>
+    </p:tnLst>
+  </p:timing>
+</p:sld>
+</file>
+
+<file path=ppt/slides/slide14.xml><?xml version="1.0" encoding="utf-8"?>
+<p:sld xmlns:a="http://schemas.openxmlformats.org/drawingml/2006/main" xmlns:r="http://schemas.openxmlformats.org/officeDocument/2006/relationships" xmlns:p="http://schemas.openxmlformats.org/presentationml/2006/main">
+  <p:cSld>
+    <p:spTree>
+      <p:nvGrpSpPr>
+        <p:cNvPr id="1" name=""/>
+        <p:cNvGrpSpPr/>
+        <p:nvPr/>
+      </p:nvGrpSpPr>
+      <p:grpSpPr>
+        <a:xfrm>
+          <a:off x="0" y="0"/>
+          <a:ext cx="0" cy="0"/>
+          <a:chOff x="0" y="0"/>
+          <a:chExt cx="0" cy="0"/>
+        </a:xfrm>
+      </p:grpSpPr>
+      <p:sp>
+        <p:nvSpPr>
+          <p:cNvPr id="2" name="Title 1"/>
+          <p:cNvSpPr>
+            <a:spLocks noGrp="1"/>
+          </p:cNvSpPr>
+          <p:nvPr>
+            <p:ph type="title"/>
+          </p:nvPr>
+        </p:nvSpPr>
+        <p:spPr/>
+        <p:txBody>
+          <a:bodyPr/>
+          <a:lstStyle/>
+          <a:p>
+            <a:pPr algn="ctr"/>
+            <a:r>
+              <a:rPr lang="en-US" dirty="0" smtClean="0"/>
+              <a:t>Future Work</a:t>
+            </a:r>
+            <a:endParaRPr lang="en-US" dirty="0"/>
+          </a:p>
+        </p:txBody>
+      </p:sp>
+      <p:sp>
+        <p:nvSpPr>
+          <p:cNvPr id="3" name="Content Placeholder 2"/>
+          <p:cNvSpPr>
+            <a:spLocks noGrp="1"/>
+          </p:cNvSpPr>
+          <p:nvPr>
+            <p:ph idx="1"/>
+          </p:nvPr>
+        </p:nvSpPr>
+        <p:spPr/>
+        <p:txBody>
+          <a:bodyPr/>
+          <a:lstStyle/>
+          <a:p>
+            <a:endParaRPr lang="en-US" dirty="0"/>
+          </a:p>
+        </p:txBody>
+      </p:sp>
+    </p:spTree>
+    <p:extLst>
+      <p:ext uri="{BB962C8B-B14F-4D97-AF65-F5344CB8AC3E}">
+        <p14:creationId xmlns:p14="http://schemas.microsoft.com/office/powerpoint/2010/main" val="3722781001"/>
+      </p:ext>
+    </p:extLst>
+  </p:cSld>
+  <p:clrMapOvr>
+    <a:masterClrMapping/>
+  </p:clrMapOvr>
+  <p:timing>
+    <p:tnLst>
+      <p:par>
+        <p:cTn id="1" dur="indefinite" restart="never" nodeType="tmRoot"/>
+      </p:par>
+    </p:tnLst>
+  </p:timing>
 </p:sld>
 </file>
 
@@ -4393,7 +4459,7 @@
           <p:cNvPr id="2" name="Title 1">
             <a:extLst>
               <a:ext uri="{FF2B5EF4-FFF2-40B4-BE49-F238E27FC236}">
-                <a16:creationId xmlns:a16="http://schemas.microsoft.com/office/drawing/2014/main" id="{BDC5B3F6-D021-43C8-B57F-075FB0C69BAA}"/>
+                <a16:creationId xmlns:a16="http://schemas.microsoft.com/office/drawing/2014/main" xmlns="" id="{BDC5B3F6-D021-43C8-B57F-075FB0C69BAA}"/>
               </a:ext>
             </a:extLst>
           </p:cNvPr>
@@ -4409,10 +4475,12 @@
           <a:bodyPr/>
           <a:lstStyle/>
           <a:p>
-            <a:r>
-              <a:rPr lang="en-US" dirty="0"/>
-              <a:t>What</a:t>
-            </a:r>
+            <a:pPr algn="ctr"/>
+            <a:r>
+              <a:rPr lang="en-US" dirty="0" smtClean="0"/>
+              <a:t>What is it?</a:t>
+            </a:r>
+            <a:endParaRPr lang="en-US" dirty="0"/>
           </a:p>
         </p:txBody>
       </p:sp>
@@ -4421,7 +4489,7 @@
           <p:cNvPr id="3" name="Content Placeholder 2">
             <a:extLst>
               <a:ext uri="{FF2B5EF4-FFF2-40B4-BE49-F238E27FC236}">
-                <a16:creationId xmlns:a16="http://schemas.microsoft.com/office/drawing/2014/main" id="{70E2E14D-469D-42A3-83E1-C42B51320693}"/>
+                <a16:creationId xmlns:a16="http://schemas.microsoft.com/office/drawing/2014/main" xmlns="" id="{70E2E14D-469D-42A3-83E1-C42B51320693}"/>
               </a:ext>
             </a:extLst>
           </p:cNvPr>
@@ -4441,56 +4509,65 @@
           <a:p>
             <a:r>
               <a:rPr lang="en-US" dirty="0"/>
-              <a:t>A website that takes care of your desired list of websites</a:t>
-            </a:r>
-            <a:r>
-              <a:rPr lang="en-US" baseline="30000" dirty="0"/>
-              <a:t>*</a:t>
+              <a:t>A website that </a:t>
+            </a:r>
+            <a:r>
+              <a:rPr lang="en-US" dirty="0" smtClean="0"/>
+              <a:t>monitors a list </a:t>
             </a:r>
             <a:r>
               <a:rPr lang="en-US" dirty="0"/>
-              <a:t>.</a:t>
-            </a:r>
-          </a:p>
-          <a:p>
+              <a:t>of </a:t>
+            </a:r>
+            <a:r>
+              <a:rPr lang="en-US" dirty="0" smtClean="0"/>
+              <a:t>websites that you provide.</a:t>
+            </a:r>
+            <a:endParaRPr lang="en-US" dirty="0"/>
+          </a:p>
+          <a:p>
+            <a:r>
+              <a:rPr lang="en-US" dirty="0" smtClean="0"/>
+              <a:t>Sends an email when it discovers that one of the websites have updated.</a:t>
+            </a:r>
+            <a:endParaRPr lang="en-US" dirty="0"/>
+          </a:p>
+          <a:p>
+            <a:r>
+              <a:rPr lang="en-US" dirty="0" smtClean="0"/>
+              <a:t>User Accounts with personalized lists of websites.</a:t>
+            </a:r>
+            <a:endParaRPr lang="en-US" dirty="0"/>
+          </a:p>
+          <a:p>
+            <a:r>
+              <a:rPr lang="en-US" dirty="0" smtClean="0"/>
+              <a:t>Password Optional.</a:t>
+            </a:r>
+          </a:p>
+          <a:p>
+            <a:r>
+              <a:rPr lang="en-US" dirty="0" smtClean="0"/>
+              <a:t>Caveat</a:t>
+            </a:r>
             <a:r>
               <a:rPr lang="en-US" dirty="0"/>
-              <a:t>Every time these websites</a:t>
-            </a:r>
-            <a:r>
-              <a:rPr lang="en-US" baseline="30000" dirty="0"/>
-              <a:t>*  </a:t>
+              <a:t>: Only </a:t>
+            </a:r>
+            <a:r>
+              <a:rPr lang="en-US" dirty="0" err="1"/>
+              <a:t>ETag</a:t>
             </a:r>
             <a:r>
               <a:rPr lang="en-US" dirty="0"/>
-              <a:t>gets updated , the user would expect an email notifying her/him about it.</a:t>
-            </a:r>
-          </a:p>
-          <a:p>
-            <a:r>
-              <a:rPr lang="en-US" dirty="0"/>
-              <a:t>The user creates an account .</a:t>
-            </a:r>
-          </a:p>
-          <a:p>
-            <a:r>
-              <a:rPr lang="en-US" dirty="0"/>
-              <a:t>This account can be a secure account  if the user wishes to and , can be just an account to store list of websites</a:t>
-            </a:r>
-            <a:r>
-              <a:rPr lang="en-US" baseline="30000" dirty="0"/>
-              <a:t>*</a:t>
-            </a:r>
-            <a:r>
-              <a:rPr lang="en-US" dirty="0"/>
-              <a:t>   . </a:t>
-            </a:r>
-          </a:p>
-          <a:p>
-            <a:r>
-              <a:rPr lang="en-US" dirty="0"/>
-              <a:t>Secure or not would depend if the user signs – up with a password.  </a:t>
-            </a:r>
+              <a:t> or Last-Modified Allowed.</a:t>
+            </a:r>
+          </a:p>
+          <a:p>
+            <a:pPr marL="0" indent="0">
+              <a:buNone/>
+            </a:pPr>
+            <a:endParaRPr lang="en-US" dirty="0"/>
           </a:p>
         </p:txBody>
       </p:sp>
@@ -4504,6 +4581,13 @@
   <p:clrMapOvr>
     <a:masterClrMapping/>
   </p:clrMapOvr>
+  <p:timing>
+    <p:tnLst>
+      <p:par>
+        <p:cTn id="1" dur="indefinite" restart="never" nodeType="tmRoot"/>
+      </p:par>
+    </p:tnLst>
+  </p:timing>
 </p:sld>
 </file>
 
@@ -4529,7 +4613,7 @@
           <p:cNvPr id="2" name="Title 1">
             <a:extLst>
               <a:ext uri="{FF2B5EF4-FFF2-40B4-BE49-F238E27FC236}">
-                <a16:creationId xmlns:a16="http://schemas.microsoft.com/office/drawing/2014/main" id="{0FB25368-9341-48CD-8FED-2F6B1CDB9AA7}"/>
+                <a16:creationId xmlns:a16="http://schemas.microsoft.com/office/drawing/2014/main" xmlns="" id="{259D0B7C-1D18-4B9B-9686-41CD01222471}"/>
               </a:ext>
             </a:extLst>
           </p:cNvPr>
@@ -4545,93 +4629,103 @@
           <a:bodyPr/>
           <a:lstStyle/>
           <a:p>
+            <a:pPr algn="ctr"/>
+            <a:r>
+              <a:rPr lang="en-US" dirty="0" smtClean="0"/>
+              <a:t>How do we do it?</a:t>
+            </a:r>
+            <a:endParaRPr lang="en-US" dirty="0"/>
+          </a:p>
+        </p:txBody>
+      </p:sp>
+      <p:sp>
+        <p:nvSpPr>
+          <p:cNvPr id="3" name="Content Placeholder 2">
+            <a:extLst>
+              <a:ext uri="{FF2B5EF4-FFF2-40B4-BE49-F238E27FC236}">
+                <a16:creationId xmlns:a16="http://schemas.microsoft.com/office/drawing/2014/main" xmlns="" id="{7171011C-A762-4A01-8962-0A7436AA633E}"/>
+              </a:ext>
+            </a:extLst>
+          </p:cNvPr>
+          <p:cNvSpPr>
+            <a:spLocks noGrp="1"/>
+          </p:cNvSpPr>
+          <p:nvPr>
+            <p:ph idx="1"/>
+          </p:nvPr>
+        </p:nvSpPr>
+        <p:spPr/>
+        <p:txBody>
+          <a:bodyPr/>
+          <a:lstStyle/>
+          <a:p>
             <a:r>
               <a:rPr lang="en-US" dirty="0"/>
-              <a:t>Websites</a:t>
-            </a:r>
-            <a:r>
-              <a:rPr lang="en-US" baseline="30000" dirty="0"/>
-              <a:t>*  </a:t>
-            </a:r>
+              <a:t>Database Design</a:t>
+            </a:r>
+          </a:p>
+          <a:p>
             <a:r>
               <a:rPr lang="en-US" dirty="0"/>
-              <a:t>,	why   a	‘ *  ’  </a:t>
-            </a:r>
-            <a:r>
-              <a:rPr lang="en-US" baseline="30000" dirty="0"/>
-              <a:t> </a:t>
-            </a:r>
-            <a:r>
-              <a:rPr lang="en-US" dirty="0"/>
-              <a:t>?</a:t>
-            </a:r>
-          </a:p>
-        </p:txBody>
-      </p:sp>
-      <p:sp>
-        <p:nvSpPr>
-          <p:cNvPr id="3" name="Content Placeholder 2">
-            <a:extLst>
-              <a:ext uri="{FF2B5EF4-FFF2-40B4-BE49-F238E27FC236}">
-                <a16:creationId xmlns:a16="http://schemas.microsoft.com/office/drawing/2014/main" id="{93AAF6B6-D4A0-40CD-8077-AF390290D19D}"/>
-              </a:ext>
-            </a:extLst>
-          </p:cNvPr>
-          <p:cNvSpPr>
-            <a:spLocks noGrp="1"/>
-          </p:cNvSpPr>
-          <p:nvPr>
-            <p:ph idx="1"/>
-          </p:nvPr>
-        </p:nvSpPr>
-        <p:spPr/>
-        <p:txBody>
-          <a:bodyPr/>
-          <a:lstStyle/>
-          <a:p>
-            <a:r>
-              <a:rPr lang="en-US" dirty="0"/>
-              <a:t>The basic work of our notification system , would depend on  the metadata of the website / URL .</a:t>
-            </a:r>
-          </a:p>
-          <a:p>
-            <a:r>
-              <a:rPr lang="en-US" dirty="0"/>
-              <a:t>This metadata would be either the “</a:t>
-            </a:r>
-            <a:r>
-              <a:rPr lang="en-US" dirty="0" err="1"/>
-              <a:t>eTag</a:t>
-            </a:r>
-            <a:r>
-              <a:rPr lang="en-US" dirty="0"/>
-              <a:t>” or “Last-modified” .</a:t>
-            </a:r>
-          </a:p>
-          <a:p>
-            <a:r>
-              <a:rPr lang="en-US" dirty="0"/>
-              <a:t>That is why there is a condition on the websites can be identified for the notification system.</a:t>
-            </a:r>
-          </a:p>
-          <a:p>
-            <a:r>
-              <a:rPr lang="en-US" dirty="0"/>
-              <a:t>Besides this , the entered URL for the website should have a ‘http’ handling .And since this can be taken care of , users can enter any URL.</a:t>
-            </a:r>
+              <a:t>Account </a:t>
+            </a:r>
+            <a:r>
+              <a:rPr lang="en-US" dirty="0" smtClean="0"/>
+              <a:t>Creation, Logging In, and Logging Out</a:t>
+            </a:r>
+            <a:endParaRPr lang="en-US" dirty="0" smtClean="0"/>
+          </a:p>
+          <a:p>
+            <a:r>
+              <a:rPr lang="en-US" dirty="0" smtClean="0"/>
+              <a:t>Changing Password and </a:t>
+            </a:r>
+            <a:r>
+              <a:rPr lang="en-US" dirty="0" smtClean="0"/>
+              <a:t>Account Recovery</a:t>
+            </a:r>
+            <a:endParaRPr lang="en-US" dirty="0"/>
+          </a:p>
+          <a:p>
+            <a:r>
+              <a:rPr lang="en-US" dirty="0" smtClean="0"/>
+              <a:t>Adding, Editing, and Deleting URLs</a:t>
+            </a:r>
+            <a:endParaRPr lang="en-US" dirty="0"/>
+          </a:p>
+          <a:p>
+            <a:r>
+              <a:rPr lang="en-US" dirty="0" smtClean="0"/>
+              <a:t>Searching for Updates</a:t>
+            </a:r>
+            <a:endParaRPr lang="en-US" dirty="0"/>
+          </a:p>
+          <a:p>
+            <a:r>
+              <a:rPr lang="en-US" dirty="0" smtClean="0"/>
+              <a:t>Updating the Database and Sending Emails</a:t>
+            </a:r>
+            <a:endParaRPr lang="en-US" dirty="0"/>
           </a:p>
         </p:txBody>
       </p:sp>
     </p:spTree>
     <p:extLst>
       <p:ext uri="{BB962C8B-B14F-4D97-AF65-F5344CB8AC3E}">
-        <p14:creationId xmlns:p14="http://schemas.microsoft.com/office/powerpoint/2010/main" val="552299470"/>
+        <p14:creationId xmlns:p14="http://schemas.microsoft.com/office/powerpoint/2010/main" val="1513195777"/>
       </p:ext>
     </p:extLst>
   </p:cSld>
   <p:clrMapOvr>
     <a:masterClrMapping/>
   </p:clrMapOvr>
+  <p:timing>
+    <p:tnLst>
+      <p:par>
+        <p:cTn id="1" dur="indefinite" restart="never" nodeType="tmRoot"/>
+      </p:par>
+    </p:tnLst>
+  </p:timing>
 </p:sld>
 </file>
 
@@ -4657,7 +4751,7 @@
           <p:cNvPr id="2" name="Title 1">
             <a:extLst>
               <a:ext uri="{FF2B5EF4-FFF2-40B4-BE49-F238E27FC236}">
-                <a16:creationId xmlns:a16="http://schemas.microsoft.com/office/drawing/2014/main" id="{259D0B7C-1D18-4B9B-9686-41CD01222471}"/>
+                <a16:creationId xmlns:a16="http://schemas.microsoft.com/office/drawing/2014/main" xmlns="" id="{259D0B7C-1D18-4B9B-9686-41CD01222471}"/>
               </a:ext>
             </a:extLst>
           </p:cNvPr>
@@ -4673,10 +4767,12 @@
           <a:bodyPr/>
           <a:lstStyle/>
           <a:p>
+            <a:pPr algn="ctr"/>
             <a:r>
               <a:rPr lang="en-US" dirty="0"/>
-              <a:t>How – Tasks at hand</a:t>
-            </a:r>
+              <a:t>How do we do it?</a:t>
+            </a:r>
+            <a:endParaRPr lang="en-US" dirty="0"/>
           </a:p>
         </p:txBody>
       </p:sp>
@@ -4685,7 +4781,7 @@
           <p:cNvPr id="3" name="Content Placeholder 2">
             <a:extLst>
               <a:ext uri="{FF2B5EF4-FFF2-40B4-BE49-F238E27FC236}">
-                <a16:creationId xmlns:a16="http://schemas.microsoft.com/office/drawing/2014/main" id="{7171011C-A762-4A01-8962-0A7436AA633E}"/>
+                <a16:creationId xmlns:a16="http://schemas.microsoft.com/office/drawing/2014/main" xmlns="" id="{7171011C-A762-4A01-8962-0A7436AA633E}"/>
               </a:ext>
             </a:extLst>
           </p:cNvPr>
@@ -4702,129 +4798,13 @@
           <a:lstStyle/>
           <a:p>
             <a:r>
-              <a:rPr lang="en-US" dirty="0"/>
+              <a:rPr lang="en-US" dirty="0" smtClean="0"/>
               <a:t>To let the user create an account.</a:t>
             </a:r>
           </a:p>
           <a:p>
             <a:r>
-              <a:rPr lang="en-US" dirty="0"/>
-              <a:t>To let user enter , delete or/and edit a URL .</a:t>
-            </a:r>
-          </a:p>
-          <a:p>
-            <a:r>
-              <a:rPr lang="en-US" dirty="0"/>
-              <a:t>Create a relational view of the database , with proper key – table relation to store user details and the URL details.</a:t>
-            </a:r>
-          </a:p>
-          <a:p>
-            <a:r>
-              <a:rPr lang="en-US" dirty="0"/>
-              <a:t>Scan through the saved Websites.</a:t>
-            </a:r>
-          </a:p>
-          <a:p>
-            <a:r>
-              <a:rPr lang="en-US" dirty="0"/>
-              <a:t>For the identified websites, update the database.</a:t>
-            </a:r>
-          </a:p>
-          <a:p>
-            <a:r>
-              <a:rPr lang="en-US" dirty="0"/>
-              <a:t>Send the email to the user , without spamming them.</a:t>
-            </a:r>
-          </a:p>
-        </p:txBody>
-      </p:sp>
-    </p:spTree>
-    <p:extLst>
-      <p:ext uri="{BB962C8B-B14F-4D97-AF65-F5344CB8AC3E}">
-        <p14:creationId xmlns:p14="http://schemas.microsoft.com/office/powerpoint/2010/main" val="1513195777"/>
-      </p:ext>
-    </p:extLst>
-  </p:cSld>
-  <p:clrMapOvr>
-    <a:masterClrMapping/>
-  </p:clrMapOvr>
-</p:sld>
-</file>
-
-<file path=ppt/slides/slide5.xml><?xml version="1.0" encoding="utf-8"?>
-<p:sld xmlns:a="http://schemas.openxmlformats.org/drawingml/2006/main" xmlns:r="http://schemas.openxmlformats.org/officeDocument/2006/relationships" xmlns:p="http://schemas.openxmlformats.org/presentationml/2006/main">
-  <p:cSld>
-    <p:spTree>
-      <p:nvGrpSpPr>
-        <p:cNvPr id="1" name=""/>
-        <p:cNvGrpSpPr/>
-        <p:nvPr/>
-      </p:nvGrpSpPr>
-      <p:grpSpPr>
-        <a:xfrm>
-          <a:off x="0" y="0"/>
-          <a:ext cx="0" cy="0"/>
-          <a:chOff x="0" y="0"/>
-          <a:chExt cx="0" cy="0"/>
-        </a:xfrm>
-      </p:grpSpPr>
-      <p:sp>
-        <p:nvSpPr>
-          <p:cNvPr id="2" name="Title 1">
-            <a:extLst>
-              <a:ext uri="{FF2B5EF4-FFF2-40B4-BE49-F238E27FC236}">
-                <a16:creationId xmlns:a16="http://schemas.microsoft.com/office/drawing/2014/main" id="{259D0B7C-1D18-4B9B-9686-41CD01222471}"/>
-              </a:ext>
-            </a:extLst>
-          </p:cNvPr>
-          <p:cNvSpPr>
-            <a:spLocks noGrp="1"/>
-          </p:cNvSpPr>
-          <p:nvPr>
-            <p:ph type="title"/>
-          </p:nvPr>
-        </p:nvSpPr>
-        <p:spPr/>
-        <p:txBody>
-          <a:bodyPr/>
-          <a:lstStyle/>
-          <a:p>
-            <a:r>
-              <a:rPr lang="en-US" dirty="0"/>
-              <a:t>How – Tasks at hand</a:t>
-            </a:r>
-          </a:p>
-        </p:txBody>
-      </p:sp>
-      <p:sp>
-        <p:nvSpPr>
-          <p:cNvPr id="3" name="Content Placeholder 2">
-            <a:extLst>
-              <a:ext uri="{FF2B5EF4-FFF2-40B4-BE49-F238E27FC236}">
-                <a16:creationId xmlns:a16="http://schemas.microsoft.com/office/drawing/2014/main" id="{7171011C-A762-4A01-8962-0A7436AA633E}"/>
-              </a:ext>
-            </a:extLst>
-          </p:cNvPr>
-          <p:cNvSpPr>
-            <a:spLocks noGrp="1"/>
-          </p:cNvSpPr>
-          <p:nvPr>
-            <p:ph idx="1"/>
-          </p:nvPr>
-        </p:nvSpPr>
-        <p:spPr/>
-        <p:txBody>
-          <a:bodyPr/>
-          <a:lstStyle/>
-          <a:p>
-            <a:r>
-              <a:rPr lang="en-US" dirty="0"/>
-              <a:t>To let the user create an account.</a:t>
-            </a:r>
-          </a:p>
-          <a:p>
-            <a:r>
-              <a:rPr lang="en-US" dirty="0">
+              <a:rPr lang="en-US" dirty="0" smtClean="0">
                 <a:solidFill>
                   <a:schemeClr val="bg2"/>
                 </a:solidFill>
@@ -4834,7 +4814,7 @@
           </a:p>
           <a:p>
             <a:r>
-              <a:rPr lang="en-US" dirty="0">
+              <a:rPr lang="en-US" dirty="0" smtClean="0">
                 <a:solidFill>
                   <a:schemeClr val="bg2"/>
                 </a:solidFill>
@@ -4844,7 +4824,7 @@
           </a:p>
           <a:p>
             <a:r>
-              <a:rPr lang="en-US" dirty="0">
+              <a:rPr lang="en-US" dirty="0" smtClean="0">
                 <a:solidFill>
                   <a:schemeClr val="bg2"/>
                 </a:solidFill>
@@ -4854,7 +4834,7 @@
           </a:p>
           <a:p>
             <a:r>
-              <a:rPr lang="en-US" dirty="0">
+              <a:rPr lang="en-US" dirty="0" smtClean="0">
                 <a:solidFill>
                   <a:schemeClr val="bg2"/>
                 </a:solidFill>
@@ -4864,13 +4844,18 @@
           </a:p>
           <a:p>
             <a:r>
-              <a:rPr lang="en-US" dirty="0">
+              <a:rPr lang="en-US" dirty="0" smtClean="0">
                 <a:solidFill>
                   <a:schemeClr val="bg2"/>
                 </a:solidFill>
               </a:rPr>
               <a:t>Send the email to the user , without spamming them.</a:t>
             </a:r>
+            <a:endParaRPr lang="en-US" dirty="0">
+              <a:solidFill>
+                <a:schemeClr val="bg2"/>
+              </a:solidFill>
+            </a:endParaRPr>
           </a:p>
         </p:txBody>
       </p:sp>
@@ -4879,7 +4864,7 @@
           <p:cNvPr id="5" name="TextBox 4">
             <a:extLst>
               <a:ext uri="{FF2B5EF4-FFF2-40B4-BE49-F238E27FC236}">
-                <a16:creationId xmlns:a16="http://schemas.microsoft.com/office/drawing/2014/main" id="{712723B3-7A70-4AD7-BACB-1675F66D5820}"/>
+                <a16:creationId xmlns:a16="http://schemas.microsoft.com/office/drawing/2014/main" xmlns="" id="{712723B3-7A70-4AD7-BACB-1675F66D5820}"/>
               </a:ext>
             </a:extLst>
           </p:cNvPr>
@@ -5048,6 +5033,158 @@
   <p:clrMapOvr>
     <a:masterClrMapping/>
   </p:clrMapOvr>
+  <p:timing>
+    <p:tnLst>
+      <p:par>
+        <p:cTn id="1" dur="indefinite" restart="never" nodeType="tmRoot"/>
+      </p:par>
+    </p:tnLst>
+  </p:timing>
+</p:sld>
+</file>
+
+<file path=ppt/slides/slide5.xml><?xml version="1.0" encoding="utf-8"?>
+<p:sld xmlns:a="http://schemas.openxmlformats.org/drawingml/2006/main" xmlns:r="http://schemas.openxmlformats.org/officeDocument/2006/relationships" xmlns:p="http://schemas.openxmlformats.org/presentationml/2006/main">
+  <p:cSld>
+    <p:spTree>
+      <p:nvGrpSpPr>
+        <p:cNvPr id="1" name=""/>
+        <p:cNvGrpSpPr/>
+        <p:nvPr/>
+      </p:nvGrpSpPr>
+      <p:grpSpPr>
+        <a:xfrm>
+          <a:off x="0" y="0"/>
+          <a:ext cx="0" cy="0"/>
+          <a:chOff x="0" y="0"/>
+          <a:chExt cx="0" cy="0"/>
+        </a:xfrm>
+      </p:grpSpPr>
+      <p:sp>
+        <p:nvSpPr>
+          <p:cNvPr id="2" name="Title 1">
+            <a:extLst>
+              <a:ext uri="{FF2B5EF4-FFF2-40B4-BE49-F238E27FC236}">
+                <a16:creationId xmlns:a16="http://schemas.microsoft.com/office/drawing/2014/main" xmlns="" id="{259D0B7C-1D18-4B9B-9686-41CD01222471}"/>
+              </a:ext>
+            </a:extLst>
+          </p:cNvPr>
+          <p:cNvSpPr>
+            <a:spLocks noGrp="1"/>
+          </p:cNvSpPr>
+          <p:nvPr>
+            <p:ph type="title"/>
+          </p:nvPr>
+        </p:nvSpPr>
+        <p:spPr/>
+        <p:txBody>
+          <a:bodyPr/>
+          <a:lstStyle/>
+          <a:p>
+            <a:pPr algn="ctr"/>
+            <a:r>
+              <a:rPr lang="en-US" dirty="0"/>
+              <a:t>How do we do it?</a:t>
+            </a:r>
+            <a:endParaRPr lang="en-US" dirty="0"/>
+          </a:p>
+        </p:txBody>
+      </p:sp>
+      <p:sp>
+        <p:nvSpPr>
+          <p:cNvPr id="3" name="Content Placeholder 2">
+            <a:extLst>
+              <a:ext uri="{FF2B5EF4-FFF2-40B4-BE49-F238E27FC236}">
+                <a16:creationId xmlns:a16="http://schemas.microsoft.com/office/drawing/2014/main" xmlns="" id="{7171011C-A762-4A01-8962-0A7436AA633E}"/>
+              </a:ext>
+            </a:extLst>
+          </p:cNvPr>
+          <p:cNvSpPr>
+            <a:spLocks noGrp="1"/>
+          </p:cNvSpPr>
+          <p:nvPr>
+            <p:ph idx="1"/>
+          </p:nvPr>
+        </p:nvSpPr>
+        <p:spPr/>
+        <p:txBody>
+          <a:bodyPr/>
+          <a:lstStyle/>
+          <a:p>
+            <a:r>
+              <a:rPr lang="en-US" dirty="0">
+                <a:solidFill>
+                  <a:schemeClr val="bg2"/>
+                </a:solidFill>
+              </a:rPr>
+              <a:t>To let the user create an account.</a:t>
+            </a:r>
+          </a:p>
+          <a:p>
+            <a:r>
+              <a:rPr lang="en-US" dirty="0"/>
+              <a:t>To let user enter , delete or/and edit a URL .</a:t>
+            </a:r>
+          </a:p>
+          <a:p>
+            <a:r>
+              <a:rPr lang="en-US" dirty="0">
+                <a:solidFill>
+                  <a:schemeClr val="bg2"/>
+                </a:solidFill>
+              </a:rPr>
+              <a:t>Create a relational view of the database , with proper key – table relation to store user details and the URL details.</a:t>
+            </a:r>
+          </a:p>
+          <a:p>
+            <a:r>
+              <a:rPr lang="en-US" dirty="0">
+                <a:solidFill>
+                  <a:schemeClr val="bg2"/>
+                </a:solidFill>
+              </a:rPr>
+              <a:t>Scan through the saved Websites.</a:t>
+            </a:r>
+          </a:p>
+          <a:p>
+            <a:r>
+              <a:rPr lang="en-US" dirty="0">
+                <a:solidFill>
+                  <a:schemeClr val="bg2"/>
+                </a:solidFill>
+              </a:rPr>
+              <a:t>For the identified websites, update the database.</a:t>
+            </a:r>
+          </a:p>
+          <a:p>
+            <a:r>
+              <a:rPr lang="en-US" dirty="0">
+                <a:solidFill>
+                  <a:schemeClr val="bg2"/>
+                </a:solidFill>
+              </a:rPr>
+              <a:t>Send the email to the user , without spamming them.</a:t>
+            </a:r>
+          </a:p>
+        </p:txBody>
+      </p:sp>
+    </p:spTree>
+    <p:extLst>
+      <p:ext uri="{BB962C8B-B14F-4D97-AF65-F5344CB8AC3E}">
+        <p14:creationId xmlns:p14="http://schemas.microsoft.com/office/powerpoint/2010/main" val="65087415"/>
+      </p:ext>
+    </p:extLst>
+  </p:cSld>
+  <p:clrMapOvr>
+    <a:masterClrMapping/>
+  </p:clrMapOvr>
+  <p:timing>
+    <p:tnLst>
+      <p:par>
+        <p:cTn id="1" dur="indefinite" restart="never" nodeType="tmRoot"/>
+      </p:par>
+    </p:tnLst>
+  </p:timing>
 </p:sld>
 </file>
 
@@ -5073,7 +5210,7 @@
           <p:cNvPr id="2" name="Title 1">
             <a:extLst>
               <a:ext uri="{FF2B5EF4-FFF2-40B4-BE49-F238E27FC236}">
-                <a16:creationId xmlns:a16="http://schemas.microsoft.com/office/drawing/2014/main" id="{259D0B7C-1D18-4B9B-9686-41CD01222471}"/>
+                <a16:creationId xmlns:a16="http://schemas.microsoft.com/office/drawing/2014/main" xmlns="" id="{259D0B7C-1D18-4B9B-9686-41CD01222471}"/>
               </a:ext>
             </a:extLst>
           </p:cNvPr>
@@ -5089,10 +5226,12 @@
           <a:bodyPr/>
           <a:lstStyle/>
           <a:p>
+            <a:pPr algn="ctr"/>
             <a:r>
               <a:rPr lang="en-US" dirty="0"/>
-              <a:t>How – Tasks at hand</a:t>
-            </a:r>
+              <a:t>How do we do it?</a:t>
+            </a:r>
+            <a:endParaRPr lang="en-US" dirty="0"/>
           </a:p>
         </p:txBody>
       </p:sp>
@@ -5101,7 +5240,7 @@
           <p:cNvPr id="3" name="Content Placeholder 2">
             <a:extLst>
               <a:ext uri="{FF2B5EF4-FFF2-40B4-BE49-F238E27FC236}">
-                <a16:creationId xmlns:a16="http://schemas.microsoft.com/office/drawing/2014/main" id="{7171011C-A762-4A01-8962-0A7436AA633E}"/>
+                <a16:creationId xmlns:a16="http://schemas.microsoft.com/office/drawing/2014/main" xmlns="" id="{7171011C-A762-4A01-8962-0A7436AA633E}"/>
               </a:ext>
             </a:extLst>
           </p:cNvPr>
@@ -5128,17 +5267,17 @@
           </a:p>
           <a:p>
             <a:r>
-              <a:rPr lang="en-US" dirty="0"/>
-              <a:t>To let user enter , delete or/and edit a URL .</a:t>
-            </a:r>
-          </a:p>
-          <a:p>
-            <a:r>
               <a:rPr lang="en-US" dirty="0">
                 <a:solidFill>
                   <a:schemeClr val="bg2"/>
                 </a:solidFill>
               </a:rPr>
+              <a:t>To let user enter , delete or/and edit a URL .</a:t>
+            </a:r>
+          </a:p>
+          <a:p>
+            <a:r>
+              <a:rPr lang="en-US" dirty="0"/>
               <a:t>Create a relational view of the database , with proper key – table relation to store user details and the URL details.</a:t>
             </a:r>
           </a:p>
@@ -5177,13 +5316,20 @@
     </p:spTree>
     <p:extLst>
       <p:ext uri="{BB962C8B-B14F-4D97-AF65-F5344CB8AC3E}">
-        <p14:creationId xmlns:p14="http://schemas.microsoft.com/office/powerpoint/2010/main" val="65087415"/>
+        <p14:creationId xmlns:p14="http://schemas.microsoft.com/office/powerpoint/2010/main" val="3234712775"/>
       </p:ext>
     </p:extLst>
   </p:cSld>
   <p:clrMapOvr>
     <a:masterClrMapping/>
   </p:clrMapOvr>
+  <p:timing>
+    <p:tnLst>
+      <p:par>
+        <p:cTn id="1" dur="indefinite" restart="never" nodeType="tmRoot"/>
+      </p:par>
+    </p:tnLst>
+  </p:timing>
 </p:sld>
 </file>
 
@@ -5209,7 +5355,7 @@
           <p:cNvPr id="2" name="Title 1">
             <a:extLst>
               <a:ext uri="{FF2B5EF4-FFF2-40B4-BE49-F238E27FC236}">
-                <a16:creationId xmlns:a16="http://schemas.microsoft.com/office/drawing/2014/main" id="{259D0B7C-1D18-4B9B-9686-41CD01222471}"/>
+                <a16:creationId xmlns:a16="http://schemas.microsoft.com/office/drawing/2014/main" xmlns="" id="{259D0B7C-1D18-4B9B-9686-41CD01222471}"/>
               </a:ext>
             </a:extLst>
           </p:cNvPr>
@@ -5225,10 +5371,12 @@
           <a:bodyPr/>
           <a:lstStyle/>
           <a:p>
+            <a:pPr algn="ctr"/>
             <a:r>
               <a:rPr lang="en-US" dirty="0"/>
-              <a:t>How – Tasks at hand</a:t>
-            </a:r>
+              <a:t>How do we do it?</a:t>
+            </a:r>
+            <a:endParaRPr lang="en-US" dirty="0"/>
           </a:p>
         </p:txBody>
       </p:sp>
@@ -5237,7 +5385,7 @@
           <p:cNvPr id="3" name="Content Placeholder 2">
             <a:extLst>
               <a:ext uri="{FF2B5EF4-FFF2-40B4-BE49-F238E27FC236}">
-                <a16:creationId xmlns:a16="http://schemas.microsoft.com/office/drawing/2014/main" id="{7171011C-A762-4A01-8962-0A7436AA633E}"/>
+                <a16:creationId xmlns:a16="http://schemas.microsoft.com/office/drawing/2014/main" xmlns="" id="{7171011C-A762-4A01-8962-0A7436AA633E}"/>
               </a:ext>
             </a:extLst>
           </p:cNvPr>
@@ -5274,17 +5422,17 @@
           </a:p>
           <a:p>
             <a:r>
-              <a:rPr lang="en-US" dirty="0"/>
-              <a:t>Create a relational view of the database , with proper key – table relation to store user details and the URL details.</a:t>
-            </a:r>
-          </a:p>
-          <a:p>
-            <a:r>
               <a:rPr lang="en-US" dirty="0">
                 <a:solidFill>
                   <a:schemeClr val="bg2"/>
                 </a:solidFill>
               </a:rPr>
+              <a:t>Create a relational view of the database , with proper key – table relation to store user details and the URL details.</a:t>
+            </a:r>
+          </a:p>
+          <a:p>
+            <a:r>
+              <a:rPr lang="en-US" dirty="0"/>
               <a:t>Scan through the saved Websites.</a:t>
             </a:r>
           </a:p>
@@ -5305,7 +5453,11 @@
                   <a:schemeClr val="bg2"/>
                 </a:solidFill>
               </a:rPr>
-              <a:t>Send the email to the user , without spamming them.</a:t>
+              <a:t>Send the email to the user , without spamming them</a:t>
+            </a:r>
+            <a:r>
+              <a:rPr lang="en-US" dirty="0"/>
+              <a:t>.</a:t>
             </a:r>
           </a:p>
         </p:txBody>
@@ -5313,13 +5465,20 @@
     </p:spTree>
     <p:extLst>
       <p:ext uri="{BB962C8B-B14F-4D97-AF65-F5344CB8AC3E}">
-        <p14:creationId xmlns:p14="http://schemas.microsoft.com/office/powerpoint/2010/main" val="3234712775"/>
+        <p14:creationId xmlns:p14="http://schemas.microsoft.com/office/powerpoint/2010/main" val="2520450206"/>
       </p:ext>
     </p:extLst>
   </p:cSld>
   <p:clrMapOvr>
     <a:masterClrMapping/>
   </p:clrMapOvr>
+  <p:timing>
+    <p:tnLst>
+      <p:par>
+        <p:cTn id="1" dur="indefinite" restart="never" nodeType="tmRoot"/>
+      </p:par>
+    </p:tnLst>
+  </p:timing>
 </p:sld>
 </file>
 
@@ -5345,7 +5504,7 @@
           <p:cNvPr id="2" name="Title 1">
             <a:extLst>
               <a:ext uri="{FF2B5EF4-FFF2-40B4-BE49-F238E27FC236}">
-                <a16:creationId xmlns:a16="http://schemas.microsoft.com/office/drawing/2014/main" id="{259D0B7C-1D18-4B9B-9686-41CD01222471}"/>
+                <a16:creationId xmlns:a16="http://schemas.microsoft.com/office/drawing/2014/main" xmlns="" id="{259D0B7C-1D18-4B9B-9686-41CD01222471}"/>
               </a:ext>
             </a:extLst>
           </p:cNvPr>
@@ -5361,10 +5520,12 @@
           <a:bodyPr/>
           <a:lstStyle/>
           <a:p>
+            <a:pPr algn="ctr"/>
             <a:r>
               <a:rPr lang="en-US" dirty="0"/>
-              <a:t>How – Tasks at hand</a:t>
-            </a:r>
+              <a:t>How do we do it?</a:t>
+            </a:r>
+            <a:endParaRPr lang="en-US" dirty="0"/>
           </a:p>
         </p:txBody>
       </p:sp>
@@ -5373,7 +5534,7 @@
           <p:cNvPr id="3" name="Content Placeholder 2">
             <a:extLst>
               <a:ext uri="{FF2B5EF4-FFF2-40B4-BE49-F238E27FC236}">
-                <a16:creationId xmlns:a16="http://schemas.microsoft.com/office/drawing/2014/main" id="{7171011C-A762-4A01-8962-0A7436AA633E}"/>
+                <a16:creationId xmlns:a16="http://schemas.microsoft.com/office/drawing/2014/main" xmlns="" id="{7171011C-A762-4A01-8962-0A7436AA633E}"/>
               </a:ext>
             </a:extLst>
           </p:cNvPr>
@@ -5420,17 +5581,17 @@
           </a:p>
           <a:p>
             <a:r>
-              <a:rPr lang="en-US" dirty="0"/>
-              <a:t>Scan through the saved Websites.</a:t>
-            </a:r>
-          </a:p>
-          <a:p>
-            <a:r>
               <a:rPr lang="en-US" dirty="0">
                 <a:solidFill>
                   <a:schemeClr val="bg2"/>
                 </a:solidFill>
               </a:rPr>
+              <a:t>Scan through the saved Websites.</a:t>
+            </a:r>
+          </a:p>
+          <a:p>
+            <a:r>
+              <a:rPr lang="en-US" dirty="0"/>
               <a:t>For the identified websites, update the database.</a:t>
             </a:r>
           </a:p>
@@ -5441,11 +5602,7 @@
                   <a:schemeClr val="bg2"/>
                 </a:solidFill>
               </a:rPr>
-              <a:t>Send the email to the user , without spamming them</a:t>
-            </a:r>
-            <a:r>
-              <a:rPr lang="en-US" dirty="0"/>
-              <a:t>.</a:t>
+              <a:t>Send the email to the user , without spamming them.</a:t>
             </a:r>
           </a:p>
         </p:txBody>
@@ -5453,13 +5610,20 @@
     </p:spTree>
     <p:extLst>
       <p:ext uri="{BB962C8B-B14F-4D97-AF65-F5344CB8AC3E}">
-        <p14:creationId xmlns:p14="http://schemas.microsoft.com/office/powerpoint/2010/main" val="2520450206"/>
+        <p14:creationId xmlns:p14="http://schemas.microsoft.com/office/powerpoint/2010/main" val="2241334342"/>
       </p:ext>
     </p:extLst>
   </p:cSld>
   <p:clrMapOvr>
     <a:masterClrMapping/>
   </p:clrMapOvr>
+  <p:timing>
+    <p:tnLst>
+      <p:par>
+        <p:cTn id="1" dur="indefinite" restart="never" nodeType="tmRoot"/>
+      </p:par>
+    </p:tnLst>
+  </p:timing>
 </p:sld>
 </file>
 
@@ -5485,7 +5649,7 @@
           <p:cNvPr id="2" name="Title 1">
             <a:extLst>
               <a:ext uri="{FF2B5EF4-FFF2-40B4-BE49-F238E27FC236}">
-                <a16:creationId xmlns:a16="http://schemas.microsoft.com/office/drawing/2014/main" id="{259D0B7C-1D18-4B9B-9686-41CD01222471}"/>
+                <a16:creationId xmlns:a16="http://schemas.microsoft.com/office/drawing/2014/main" xmlns="" id="{259D0B7C-1D18-4B9B-9686-41CD01222471}"/>
               </a:ext>
             </a:extLst>
           </p:cNvPr>
@@ -5501,10 +5665,12 @@
           <a:bodyPr/>
           <a:lstStyle/>
           <a:p>
+            <a:pPr algn="ctr"/>
             <a:r>
               <a:rPr lang="en-US" dirty="0"/>
-              <a:t>How – Tasks at hand</a:t>
-            </a:r>
+              <a:t>How do we do it?</a:t>
+            </a:r>
+            <a:endParaRPr lang="en-US" dirty="0"/>
           </a:p>
         </p:txBody>
       </p:sp>
@@ -5513,7 +5679,7 @@
           <p:cNvPr id="3" name="Content Placeholder 2">
             <a:extLst>
               <a:ext uri="{FF2B5EF4-FFF2-40B4-BE49-F238E27FC236}">
-                <a16:creationId xmlns:a16="http://schemas.microsoft.com/office/drawing/2014/main" id="{7171011C-A762-4A01-8962-0A7436AA633E}"/>
+                <a16:creationId xmlns:a16="http://schemas.microsoft.com/office/drawing/2014/main" xmlns="" id="{7171011C-A762-4A01-8962-0A7436AA633E}"/>
               </a:ext>
             </a:extLst>
           </p:cNvPr>
@@ -5570,17 +5736,17 @@
           </a:p>
           <a:p>
             <a:r>
-              <a:rPr lang="en-US" dirty="0"/>
-              <a:t>For the identified websites, update the database.</a:t>
-            </a:r>
-          </a:p>
-          <a:p>
-            <a:r>
               <a:rPr lang="en-US" dirty="0">
                 <a:solidFill>
                   <a:schemeClr val="bg2"/>
                 </a:solidFill>
               </a:rPr>
+              <a:t>For the identified websites, update the database.</a:t>
+            </a:r>
+          </a:p>
+          <a:p>
+            <a:r>
+              <a:rPr lang="en-US" dirty="0"/>
               <a:t>Send the email to the user , without spamming them.</a:t>
             </a:r>
           </a:p>
@@ -5589,13 +5755,20 @@
     </p:spTree>
     <p:extLst>
       <p:ext uri="{BB962C8B-B14F-4D97-AF65-F5344CB8AC3E}">
-        <p14:creationId xmlns:p14="http://schemas.microsoft.com/office/powerpoint/2010/main" val="2241334342"/>
+        <p14:creationId xmlns:p14="http://schemas.microsoft.com/office/powerpoint/2010/main" val="794895920"/>
       </p:ext>
     </p:extLst>
   </p:cSld>
   <p:clrMapOvr>
     <a:masterClrMapping/>
   </p:clrMapOvr>
+  <p:timing>
+    <p:tnLst>
+      <p:par>
+        <p:cTn id="1" dur="indefinite" restart="never" nodeType="tmRoot"/>
+      </p:par>
+    </p:tnLst>
+  </p:timing>
 </p:sld>
 </file>
 

--- a/NotifyMe.pptx
+++ b/NotifyMe.pptx
@@ -8,17 +8,18 @@
     <p:sldId id="256" r:id="rId2"/>
     <p:sldId id="257" r:id="rId3"/>
     <p:sldId id="262" r:id="rId4"/>
-    <p:sldId id="268" r:id="rId5"/>
-    <p:sldId id="270" r:id="rId6"/>
-    <p:sldId id="271" r:id="rId7"/>
-    <p:sldId id="272" r:id="rId8"/>
-    <p:sldId id="273" r:id="rId9"/>
-    <p:sldId id="274" r:id="rId10"/>
-    <p:sldId id="259" r:id="rId11"/>
-    <p:sldId id="261" r:id="rId12"/>
-    <p:sldId id="260" r:id="rId13"/>
-    <p:sldId id="275" r:id="rId14"/>
-    <p:sldId id="276" r:id="rId15"/>
+    <p:sldId id="277" r:id="rId5"/>
+    <p:sldId id="268" r:id="rId6"/>
+    <p:sldId id="270" r:id="rId7"/>
+    <p:sldId id="271" r:id="rId8"/>
+    <p:sldId id="272" r:id="rId9"/>
+    <p:sldId id="273" r:id="rId10"/>
+    <p:sldId id="274" r:id="rId11"/>
+    <p:sldId id="259" r:id="rId12"/>
+    <p:sldId id="261" r:id="rId13"/>
+    <p:sldId id="260" r:id="rId14"/>
+    <p:sldId id="275" r:id="rId15"/>
+    <p:sldId id="276" r:id="rId16"/>
   </p:sldIdLst>
   <p:sldSz cx="12192000" cy="6858000"/>
   <p:notesSz cx="6858000" cy="9144000"/>
@@ -151,7 +152,7 @@
           <p:cNvPr id="2" name="Title 1">
             <a:extLst>
               <a:ext uri="{FF2B5EF4-FFF2-40B4-BE49-F238E27FC236}">
-                <a16:creationId xmlns:a16="http://schemas.microsoft.com/office/drawing/2014/main" xmlns="" id="{A121670B-39D9-4A13-A117-73C6549A36A7}"/>
+                <a16:creationId xmlns:a16="http://schemas.microsoft.com/office/drawing/2014/main" id="{A121670B-39D9-4A13-A117-73C6549A36A7}"/>
               </a:ext>
             </a:extLst>
           </p:cNvPr>
@@ -188,7 +189,7 @@
           <p:cNvPr id="3" name="Subtitle 2">
             <a:extLst>
               <a:ext uri="{FF2B5EF4-FFF2-40B4-BE49-F238E27FC236}">
-                <a16:creationId xmlns:a16="http://schemas.microsoft.com/office/drawing/2014/main" xmlns="" id="{4F0A4617-72EC-4342-9E3B-7C6DB7671CE2}"/>
+                <a16:creationId xmlns:a16="http://schemas.microsoft.com/office/drawing/2014/main" id="{4F0A4617-72EC-4342-9E3B-7C6DB7671CE2}"/>
               </a:ext>
             </a:extLst>
           </p:cNvPr>
@@ -258,7 +259,7 @@
           <p:cNvPr id="4" name="Date Placeholder 3">
             <a:extLst>
               <a:ext uri="{FF2B5EF4-FFF2-40B4-BE49-F238E27FC236}">
-                <a16:creationId xmlns:a16="http://schemas.microsoft.com/office/drawing/2014/main" xmlns="" id="{843BC3CE-7F4E-4615-A889-4E624C4E6ED7}"/>
+                <a16:creationId xmlns:a16="http://schemas.microsoft.com/office/drawing/2014/main" id="{843BC3CE-7F4E-4615-A889-4E624C4E6ED7}"/>
               </a:ext>
             </a:extLst>
           </p:cNvPr>
@@ -276,7 +277,7 @@
           <a:p>
             <a:fld id="{8E423C67-9D6A-4F85-BFC6-5090D8CF0AB4}" type="datetimeFigureOut">
               <a:rPr lang="en-US" smtClean="0"/>
-              <a:t>2017-12-06</a:t>
+              <a:t>12/6/2017</a:t>
             </a:fld>
             <a:endParaRPr lang="en-US"/>
           </a:p>
@@ -287,7 +288,7 @@
           <p:cNvPr id="5" name="Footer Placeholder 4">
             <a:extLst>
               <a:ext uri="{FF2B5EF4-FFF2-40B4-BE49-F238E27FC236}">
-                <a16:creationId xmlns:a16="http://schemas.microsoft.com/office/drawing/2014/main" xmlns="" id="{81DFEBD2-190E-452B-9006-EFD22F033623}"/>
+                <a16:creationId xmlns:a16="http://schemas.microsoft.com/office/drawing/2014/main" id="{81DFEBD2-190E-452B-9006-EFD22F033623}"/>
               </a:ext>
             </a:extLst>
           </p:cNvPr>
@@ -312,7 +313,7 @@
           <p:cNvPr id="6" name="Slide Number Placeholder 5">
             <a:extLst>
               <a:ext uri="{FF2B5EF4-FFF2-40B4-BE49-F238E27FC236}">
-                <a16:creationId xmlns:a16="http://schemas.microsoft.com/office/drawing/2014/main" xmlns="" id="{9BF2AEAB-9CD9-4C11-B369-6FF89494160A}"/>
+                <a16:creationId xmlns:a16="http://schemas.microsoft.com/office/drawing/2014/main" id="{9BF2AEAB-9CD9-4C11-B369-6FF89494160A}"/>
               </a:ext>
             </a:extLst>
           </p:cNvPr>
@@ -346,13 +347,6 @@
   <p:clrMapOvr>
     <a:masterClrMapping/>
   </p:clrMapOvr>
-  <p:timing>
-    <p:tnLst>
-      <p:par>
-        <p:cTn id="1" dur="indefinite" restart="never" nodeType="tmRoot"/>
-      </p:par>
-    </p:tnLst>
-  </p:timing>
 </p:sldLayout>
 </file>
 
@@ -378,7 +372,7 @@
           <p:cNvPr id="2" name="Title 1">
             <a:extLst>
               <a:ext uri="{FF2B5EF4-FFF2-40B4-BE49-F238E27FC236}">
-                <a16:creationId xmlns:a16="http://schemas.microsoft.com/office/drawing/2014/main" xmlns="" id="{81A937BE-06FE-4C9F-A708-5D343192BEF3}"/>
+                <a16:creationId xmlns:a16="http://schemas.microsoft.com/office/drawing/2014/main" id="{81A937BE-06FE-4C9F-A708-5D343192BEF3}"/>
               </a:ext>
             </a:extLst>
           </p:cNvPr>
@@ -406,7 +400,7 @@
           <p:cNvPr id="3" name="Vertical Text Placeholder 2">
             <a:extLst>
               <a:ext uri="{FF2B5EF4-FFF2-40B4-BE49-F238E27FC236}">
-                <a16:creationId xmlns:a16="http://schemas.microsoft.com/office/drawing/2014/main" xmlns="" id="{85372E3E-C976-4E70-8D8A-091233C9A49F}"/>
+                <a16:creationId xmlns:a16="http://schemas.microsoft.com/office/drawing/2014/main" id="{85372E3E-C976-4E70-8D8A-091233C9A49F}"/>
               </a:ext>
             </a:extLst>
           </p:cNvPr>
@@ -463,7 +457,7 @@
           <p:cNvPr id="4" name="Date Placeholder 3">
             <a:extLst>
               <a:ext uri="{FF2B5EF4-FFF2-40B4-BE49-F238E27FC236}">
-                <a16:creationId xmlns:a16="http://schemas.microsoft.com/office/drawing/2014/main" xmlns="" id="{3029C7F0-3383-4836-BF51-AF0F1BC78E6B}"/>
+                <a16:creationId xmlns:a16="http://schemas.microsoft.com/office/drawing/2014/main" id="{3029C7F0-3383-4836-BF51-AF0F1BC78E6B}"/>
               </a:ext>
             </a:extLst>
           </p:cNvPr>
@@ -481,7 +475,7 @@
           <a:p>
             <a:fld id="{8E423C67-9D6A-4F85-BFC6-5090D8CF0AB4}" type="datetimeFigureOut">
               <a:rPr lang="en-US" smtClean="0"/>
-              <a:t>2017-12-06</a:t>
+              <a:t>12/6/2017</a:t>
             </a:fld>
             <a:endParaRPr lang="en-US"/>
           </a:p>
@@ -492,7 +486,7 @@
           <p:cNvPr id="5" name="Footer Placeholder 4">
             <a:extLst>
               <a:ext uri="{FF2B5EF4-FFF2-40B4-BE49-F238E27FC236}">
-                <a16:creationId xmlns:a16="http://schemas.microsoft.com/office/drawing/2014/main" xmlns="" id="{34D72F3A-0354-422A-B244-BBA17F440987}"/>
+                <a16:creationId xmlns:a16="http://schemas.microsoft.com/office/drawing/2014/main" id="{34D72F3A-0354-422A-B244-BBA17F440987}"/>
               </a:ext>
             </a:extLst>
           </p:cNvPr>
@@ -517,7 +511,7 @@
           <p:cNvPr id="6" name="Slide Number Placeholder 5">
             <a:extLst>
               <a:ext uri="{FF2B5EF4-FFF2-40B4-BE49-F238E27FC236}">
-                <a16:creationId xmlns:a16="http://schemas.microsoft.com/office/drawing/2014/main" xmlns="" id="{A25F886E-A4A5-40AD-85DF-AFF0A44982E8}"/>
+                <a16:creationId xmlns:a16="http://schemas.microsoft.com/office/drawing/2014/main" id="{A25F886E-A4A5-40AD-85DF-AFF0A44982E8}"/>
               </a:ext>
             </a:extLst>
           </p:cNvPr>
@@ -576,7 +570,7 @@
           <p:cNvPr id="2" name="Vertical Title 1">
             <a:extLst>
               <a:ext uri="{FF2B5EF4-FFF2-40B4-BE49-F238E27FC236}">
-                <a16:creationId xmlns:a16="http://schemas.microsoft.com/office/drawing/2014/main" xmlns="" id="{9448314F-80B0-40C7-81BF-07588212961B}"/>
+                <a16:creationId xmlns:a16="http://schemas.microsoft.com/office/drawing/2014/main" id="{9448314F-80B0-40C7-81BF-07588212961B}"/>
               </a:ext>
             </a:extLst>
           </p:cNvPr>
@@ -609,7 +603,7 @@
           <p:cNvPr id="3" name="Vertical Text Placeholder 2">
             <a:extLst>
               <a:ext uri="{FF2B5EF4-FFF2-40B4-BE49-F238E27FC236}">
-                <a16:creationId xmlns:a16="http://schemas.microsoft.com/office/drawing/2014/main" xmlns="" id="{DD399EFE-F0A1-4F14-96B4-066A494A8C7A}"/>
+                <a16:creationId xmlns:a16="http://schemas.microsoft.com/office/drawing/2014/main" id="{DD399EFE-F0A1-4F14-96B4-066A494A8C7A}"/>
               </a:ext>
             </a:extLst>
           </p:cNvPr>
@@ -671,7 +665,7 @@
           <p:cNvPr id="4" name="Date Placeholder 3">
             <a:extLst>
               <a:ext uri="{FF2B5EF4-FFF2-40B4-BE49-F238E27FC236}">
-                <a16:creationId xmlns:a16="http://schemas.microsoft.com/office/drawing/2014/main" xmlns="" id="{F5220A0C-90E3-4701-9050-8DB71E747DBE}"/>
+                <a16:creationId xmlns:a16="http://schemas.microsoft.com/office/drawing/2014/main" id="{F5220A0C-90E3-4701-9050-8DB71E747DBE}"/>
               </a:ext>
             </a:extLst>
           </p:cNvPr>
@@ -689,7 +683,7 @@
           <a:p>
             <a:fld id="{8E423C67-9D6A-4F85-BFC6-5090D8CF0AB4}" type="datetimeFigureOut">
               <a:rPr lang="en-US" smtClean="0"/>
-              <a:t>2017-12-06</a:t>
+              <a:t>12/6/2017</a:t>
             </a:fld>
             <a:endParaRPr lang="en-US"/>
           </a:p>
@@ -700,7 +694,7 @@
           <p:cNvPr id="5" name="Footer Placeholder 4">
             <a:extLst>
               <a:ext uri="{FF2B5EF4-FFF2-40B4-BE49-F238E27FC236}">
-                <a16:creationId xmlns:a16="http://schemas.microsoft.com/office/drawing/2014/main" xmlns="" id="{EA032DB9-427E-41E0-A3D4-B923EB1C8401}"/>
+                <a16:creationId xmlns:a16="http://schemas.microsoft.com/office/drawing/2014/main" id="{EA032DB9-427E-41E0-A3D4-B923EB1C8401}"/>
               </a:ext>
             </a:extLst>
           </p:cNvPr>
@@ -725,7 +719,7 @@
           <p:cNvPr id="6" name="Slide Number Placeholder 5">
             <a:extLst>
               <a:ext uri="{FF2B5EF4-FFF2-40B4-BE49-F238E27FC236}">
-                <a16:creationId xmlns:a16="http://schemas.microsoft.com/office/drawing/2014/main" xmlns="" id="{1E7E3958-F67B-4081-AD68-3D47AEDBE6BD}"/>
+                <a16:creationId xmlns:a16="http://schemas.microsoft.com/office/drawing/2014/main" id="{1E7E3958-F67B-4081-AD68-3D47AEDBE6BD}"/>
               </a:ext>
             </a:extLst>
           </p:cNvPr>
@@ -784,7 +778,7 @@
           <p:cNvPr id="2" name="Title 1">
             <a:extLst>
               <a:ext uri="{FF2B5EF4-FFF2-40B4-BE49-F238E27FC236}">
-                <a16:creationId xmlns:a16="http://schemas.microsoft.com/office/drawing/2014/main" xmlns="" id="{6A043D6D-738D-466C-9F80-3AB6838094C3}"/>
+                <a16:creationId xmlns:a16="http://schemas.microsoft.com/office/drawing/2014/main" id="{6A043D6D-738D-466C-9F80-3AB6838094C3}"/>
               </a:ext>
             </a:extLst>
           </p:cNvPr>
@@ -812,7 +806,7 @@
           <p:cNvPr id="3" name="Content Placeholder 2">
             <a:extLst>
               <a:ext uri="{FF2B5EF4-FFF2-40B4-BE49-F238E27FC236}">
-                <a16:creationId xmlns:a16="http://schemas.microsoft.com/office/drawing/2014/main" xmlns="" id="{62FB617F-BC4F-4AAB-81E7-FECE5AA04FC3}"/>
+                <a16:creationId xmlns:a16="http://schemas.microsoft.com/office/drawing/2014/main" id="{62FB617F-BC4F-4AAB-81E7-FECE5AA04FC3}"/>
               </a:ext>
             </a:extLst>
           </p:cNvPr>
@@ -869,7 +863,7 @@
           <p:cNvPr id="4" name="Date Placeholder 3">
             <a:extLst>
               <a:ext uri="{FF2B5EF4-FFF2-40B4-BE49-F238E27FC236}">
-                <a16:creationId xmlns:a16="http://schemas.microsoft.com/office/drawing/2014/main" xmlns="" id="{F544F1D4-EEC8-4FD1-85E0-7684576FC0E3}"/>
+                <a16:creationId xmlns:a16="http://schemas.microsoft.com/office/drawing/2014/main" id="{F544F1D4-EEC8-4FD1-85E0-7684576FC0E3}"/>
               </a:ext>
             </a:extLst>
           </p:cNvPr>
@@ -887,7 +881,7 @@
           <a:p>
             <a:fld id="{8E423C67-9D6A-4F85-BFC6-5090D8CF0AB4}" type="datetimeFigureOut">
               <a:rPr lang="en-US" smtClean="0"/>
-              <a:t>2017-12-06</a:t>
+              <a:t>12/6/2017</a:t>
             </a:fld>
             <a:endParaRPr lang="en-US"/>
           </a:p>
@@ -898,7 +892,7 @@
           <p:cNvPr id="5" name="Footer Placeholder 4">
             <a:extLst>
               <a:ext uri="{FF2B5EF4-FFF2-40B4-BE49-F238E27FC236}">
-                <a16:creationId xmlns:a16="http://schemas.microsoft.com/office/drawing/2014/main" xmlns="" id="{B56E2608-E959-48EC-A71C-783218FC97D7}"/>
+                <a16:creationId xmlns:a16="http://schemas.microsoft.com/office/drawing/2014/main" id="{B56E2608-E959-48EC-A71C-783218FC97D7}"/>
               </a:ext>
             </a:extLst>
           </p:cNvPr>
@@ -923,7 +917,7 @@
           <p:cNvPr id="6" name="Slide Number Placeholder 5">
             <a:extLst>
               <a:ext uri="{FF2B5EF4-FFF2-40B4-BE49-F238E27FC236}">
-                <a16:creationId xmlns:a16="http://schemas.microsoft.com/office/drawing/2014/main" xmlns="" id="{6D1FB63B-0996-4311-9E74-50D1827F74B4}"/>
+                <a16:creationId xmlns:a16="http://schemas.microsoft.com/office/drawing/2014/main" id="{6D1FB63B-0996-4311-9E74-50D1827F74B4}"/>
               </a:ext>
             </a:extLst>
           </p:cNvPr>
@@ -957,13 +951,6 @@
   <p:clrMapOvr>
     <a:masterClrMapping/>
   </p:clrMapOvr>
-  <p:timing>
-    <p:tnLst>
-      <p:par>
-        <p:cTn id="1" dur="indefinite" restart="never" nodeType="tmRoot"/>
-      </p:par>
-    </p:tnLst>
-  </p:timing>
 </p:sldLayout>
 </file>
 
@@ -989,7 +976,7 @@
           <p:cNvPr id="2" name="Title 1">
             <a:extLst>
               <a:ext uri="{FF2B5EF4-FFF2-40B4-BE49-F238E27FC236}">
-                <a16:creationId xmlns:a16="http://schemas.microsoft.com/office/drawing/2014/main" xmlns="" id="{2B937C0D-25FD-4767-8700-C539CF044294}"/>
+                <a16:creationId xmlns:a16="http://schemas.microsoft.com/office/drawing/2014/main" id="{2B937C0D-25FD-4767-8700-C539CF044294}"/>
               </a:ext>
             </a:extLst>
           </p:cNvPr>
@@ -1026,7 +1013,7 @@
           <p:cNvPr id="3" name="Text Placeholder 2">
             <a:extLst>
               <a:ext uri="{FF2B5EF4-FFF2-40B4-BE49-F238E27FC236}">
-                <a16:creationId xmlns:a16="http://schemas.microsoft.com/office/drawing/2014/main" xmlns="" id="{67AB3DE6-22C7-4844-815B-043026A3AB81}"/>
+                <a16:creationId xmlns:a16="http://schemas.microsoft.com/office/drawing/2014/main" id="{67AB3DE6-22C7-4844-815B-043026A3AB81}"/>
               </a:ext>
             </a:extLst>
           </p:cNvPr>
@@ -1151,7 +1138,7 @@
           <p:cNvPr id="4" name="Date Placeholder 3">
             <a:extLst>
               <a:ext uri="{FF2B5EF4-FFF2-40B4-BE49-F238E27FC236}">
-                <a16:creationId xmlns:a16="http://schemas.microsoft.com/office/drawing/2014/main" xmlns="" id="{2279578C-B1CE-43B5-9B07-D3758262DEC8}"/>
+                <a16:creationId xmlns:a16="http://schemas.microsoft.com/office/drawing/2014/main" id="{2279578C-B1CE-43B5-9B07-D3758262DEC8}"/>
               </a:ext>
             </a:extLst>
           </p:cNvPr>
@@ -1169,7 +1156,7 @@
           <a:p>
             <a:fld id="{8E423C67-9D6A-4F85-BFC6-5090D8CF0AB4}" type="datetimeFigureOut">
               <a:rPr lang="en-US" smtClean="0"/>
-              <a:t>2017-12-06</a:t>
+              <a:t>12/6/2017</a:t>
             </a:fld>
             <a:endParaRPr lang="en-US"/>
           </a:p>
@@ -1180,7 +1167,7 @@
           <p:cNvPr id="5" name="Footer Placeholder 4">
             <a:extLst>
               <a:ext uri="{FF2B5EF4-FFF2-40B4-BE49-F238E27FC236}">
-                <a16:creationId xmlns:a16="http://schemas.microsoft.com/office/drawing/2014/main" xmlns="" id="{068D9F9E-8FF9-4B41-809C-C1C9B76C845C}"/>
+                <a16:creationId xmlns:a16="http://schemas.microsoft.com/office/drawing/2014/main" id="{068D9F9E-8FF9-4B41-809C-C1C9B76C845C}"/>
               </a:ext>
             </a:extLst>
           </p:cNvPr>
@@ -1205,7 +1192,7 @@
           <p:cNvPr id="6" name="Slide Number Placeholder 5">
             <a:extLst>
               <a:ext uri="{FF2B5EF4-FFF2-40B4-BE49-F238E27FC236}">
-                <a16:creationId xmlns:a16="http://schemas.microsoft.com/office/drawing/2014/main" xmlns="" id="{9C2A9C60-8FC5-47B9-9DA4-E828B5C3D411}"/>
+                <a16:creationId xmlns:a16="http://schemas.microsoft.com/office/drawing/2014/main" id="{9C2A9C60-8FC5-47B9-9DA4-E828B5C3D411}"/>
               </a:ext>
             </a:extLst>
           </p:cNvPr>
@@ -1239,13 +1226,6 @@
   <p:clrMapOvr>
     <a:masterClrMapping/>
   </p:clrMapOvr>
-  <p:timing>
-    <p:tnLst>
-      <p:par>
-        <p:cTn id="1" dur="indefinite" restart="never" nodeType="tmRoot"/>
-      </p:par>
-    </p:tnLst>
-  </p:timing>
 </p:sldLayout>
 </file>
 
@@ -1271,7 +1251,7 @@
           <p:cNvPr id="2" name="Title 1">
             <a:extLst>
               <a:ext uri="{FF2B5EF4-FFF2-40B4-BE49-F238E27FC236}">
-                <a16:creationId xmlns:a16="http://schemas.microsoft.com/office/drawing/2014/main" xmlns="" id="{10ED49E6-F673-451D-892D-52B8D49DAB14}"/>
+                <a16:creationId xmlns:a16="http://schemas.microsoft.com/office/drawing/2014/main" id="{10ED49E6-F673-451D-892D-52B8D49DAB14}"/>
               </a:ext>
             </a:extLst>
           </p:cNvPr>
@@ -1299,7 +1279,7 @@
           <p:cNvPr id="3" name="Content Placeholder 2">
             <a:extLst>
               <a:ext uri="{FF2B5EF4-FFF2-40B4-BE49-F238E27FC236}">
-                <a16:creationId xmlns:a16="http://schemas.microsoft.com/office/drawing/2014/main" xmlns="" id="{76BC5C3B-ACFE-4482-A832-03AC581249B1}"/>
+                <a16:creationId xmlns:a16="http://schemas.microsoft.com/office/drawing/2014/main" id="{76BC5C3B-ACFE-4482-A832-03AC581249B1}"/>
               </a:ext>
             </a:extLst>
           </p:cNvPr>
@@ -1361,7 +1341,7 @@
           <p:cNvPr id="4" name="Content Placeholder 3">
             <a:extLst>
               <a:ext uri="{FF2B5EF4-FFF2-40B4-BE49-F238E27FC236}">
-                <a16:creationId xmlns:a16="http://schemas.microsoft.com/office/drawing/2014/main" xmlns="" id="{40A231FA-65B5-4230-B64A-B88BCEF670B4}"/>
+                <a16:creationId xmlns:a16="http://schemas.microsoft.com/office/drawing/2014/main" id="{40A231FA-65B5-4230-B64A-B88BCEF670B4}"/>
               </a:ext>
             </a:extLst>
           </p:cNvPr>
@@ -1423,7 +1403,7 @@
           <p:cNvPr id="5" name="Date Placeholder 4">
             <a:extLst>
               <a:ext uri="{FF2B5EF4-FFF2-40B4-BE49-F238E27FC236}">
-                <a16:creationId xmlns:a16="http://schemas.microsoft.com/office/drawing/2014/main" xmlns="" id="{67F72277-8ECF-4CB3-A8E4-6B1DC779BB60}"/>
+                <a16:creationId xmlns:a16="http://schemas.microsoft.com/office/drawing/2014/main" id="{67F72277-8ECF-4CB3-A8E4-6B1DC779BB60}"/>
               </a:ext>
             </a:extLst>
           </p:cNvPr>
@@ -1441,7 +1421,7 @@
           <a:p>
             <a:fld id="{8E423C67-9D6A-4F85-BFC6-5090D8CF0AB4}" type="datetimeFigureOut">
               <a:rPr lang="en-US" smtClean="0"/>
-              <a:t>2017-12-06</a:t>
+              <a:t>12/6/2017</a:t>
             </a:fld>
             <a:endParaRPr lang="en-US"/>
           </a:p>
@@ -1452,7 +1432,7 @@
           <p:cNvPr id="6" name="Footer Placeholder 5">
             <a:extLst>
               <a:ext uri="{FF2B5EF4-FFF2-40B4-BE49-F238E27FC236}">
-                <a16:creationId xmlns:a16="http://schemas.microsoft.com/office/drawing/2014/main" xmlns="" id="{DFD75405-06A3-4BB0-9072-41B4D1281F15}"/>
+                <a16:creationId xmlns:a16="http://schemas.microsoft.com/office/drawing/2014/main" id="{DFD75405-06A3-4BB0-9072-41B4D1281F15}"/>
               </a:ext>
             </a:extLst>
           </p:cNvPr>
@@ -1477,7 +1457,7 @@
           <p:cNvPr id="7" name="Slide Number Placeholder 6">
             <a:extLst>
               <a:ext uri="{FF2B5EF4-FFF2-40B4-BE49-F238E27FC236}">
-                <a16:creationId xmlns:a16="http://schemas.microsoft.com/office/drawing/2014/main" xmlns="" id="{B5B4B9AD-6AA0-4991-B07F-C13C79D75731}"/>
+                <a16:creationId xmlns:a16="http://schemas.microsoft.com/office/drawing/2014/main" id="{B5B4B9AD-6AA0-4991-B07F-C13C79D75731}"/>
               </a:ext>
             </a:extLst>
           </p:cNvPr>
@@ -1536,7 +1516,7 @@
           <p:cNvPr id="2" name="Title 1">
             <a:extLst>
               <a:ext uri="{FF2B5EF4-FFF2-40B4-BE49-F238E27FC236}">
-                <a16:creationId xmlns:a16="http://schemas.microsoft.com/office/drawing/2014/main" xmlns="" id="{DDF948DF-1DD2-4386-90B2-DB68C1D07E2D}"/>
+                <a16:creationId xmlns:a16="http://schemas.microsoft.com/office/drawing/2014/main" id="{DDF948DF-1DD2-4386-90B2-DB68C1D07E2D}"/>
               </a:ext>
             </a:extLst>
           </p:cNvPr>
@@ -1569,7 +1549,7 @@
           <p:cNvPr id="3" name="Text Placeholder 2">
             <a:extLst>
               <a:ext uri="{FF2B5EF4-FFF2-40B4-BE49-F238E27FC236}">
-                <a16:creationId xmlns:a16="http://schemas.microsoft.com/office/drawing/2014/main" xmlns="" id="{9EE6267F-4B2F-4A00-8BF4-79752C1B7494}"/>
+                <a16:creationId xmlns:a16="http://schemas.microsoft.com/office/drawing/2014/main" id="{9EE6267F-4B2F-4A00-8BF4-79752C1B7494}"/>
               </a:ext>
             </a:extLst>
           </p:cNvPr>
@@ -1640,7 +1620,7 @@
           <p:cNvPr id="4" name="Content Placeholder 3">
             <a:extLst>
               <a:ext uri="{FF2B5EF4-FFF2-40B4-BE49-F238E27FC236}">
-                <a16:creationId xmlns:a16="http://schemas.microsoft.com/office/drawing/2014/main" xmlns="" id="{3ABD9567-59B7-4E59-8589-D8F9496DBFE6}"/>
+                <a16:creationId xmlns:a16="http://schemas.microsoft.com/office/drawing/2014/main" id="{3ABD9567-59B7-4E59-8589-D8F9496DBFE6}"/>
               </a:ext>
             </a:extLst>
           </p:cNvPr>
@@ -1702,7 +1682,7 @@
           <p:cNvPr id="5" name="Text Placeholder 4">
             <a:extLst>
               <a:ext uri="{FF2B5EF4-FFF2-40B4-BE49-F238E27FC236}">
-                <a16:creationId xmlns:a16="http://schemas.microsoft.com/office/drawing/2014/main" xmlns="" id="{753B1704-496C-4556-ACE7-875F4B371852}"/>
+                <a16:creationId xmlns:a16="http://schemas.microsoft.com/office/drawing/2014/main" id="{753B1704-496C-4556-ACE7-875F4B371852}"/>
               </a:ext>
             </a:extLst>
           </p:cNvPr>
@@ -1773,7 +1753,7 @@
           <p:cNvPr id="6" name="Content Placeholder 5">
             <a:extLst>
               <a:ext uri="{FF2B5EF4-FFF2-40B4-BE49-F238E27FC236}">
-                <a16:creationId xmlns:a16="http://schemas.microsoft.com/office/drawing/2014/main" xmlns="" id="{C0EC14B4-3E8A-4FB6-9C50-C5B54CA04880}"/>
+                <a16:creationId xmlns:a16="http://schemas.microsoft.com/office/drawing/2014/main" id="{C0EC14B4-3E8A-4FB6-9C50-C5B54CA04880}"/>
               </a:ext>
             </a:extLst>
           </p:cNvPr>
@@ -1835,7 +1815,7 @@
           <p:cNvPr id="7" name="Date Placeholder 6">
             <a:extLst>
               <a:ext uri="{FF2B5EF4-FFF2-40B4-BE49-F238E27FC236}">
-                <a16:creationId xmlns:a16="http://schemas.microsoft.com/office/drawing/2014/main" xmlns="" id="{6FE91A59-D6B8-46D1-96D6-E03F9C08BE95}"/>
+                <a16:creationId xmlns:a16="http://schemas.microsoft.com/office/drawing/2014/main" id="{6FE91A59-D6B8-46D1-96D6-E03F9C08BE95}"/>
               </a:ext>
             </a:extLst>
           </p:cNvPr>
@@ -1853,7 +1833,7 @@
           <a:p>
             <a:fld id="{8E423C67-9D6A-4F85-BFC6-5090D8CF0AB4}" type="datetimeFigureOut">
               <a:rPr lang="en-US" smtClean="0"/>
-              <a:t>2017-12-06</a:t>
+              <a:t>12/6/2017</a:t>
             </a:fld>
             <a:endParaRPr lang="en-US"/>
           </a:p>
@@ -1864,7 +1844,7 @@
           <p:cNvPr id="8" name="Footer Placeholder 7">
             <a:extLst>
               <a:ext uri="{FF2B5EF4-FFF2-40B4-BE49-F238E27FC236}">
-                <a16:creationId xmlns:a16="http://schemas.microsoft.com/office/drawing/2014/main" xmlns="" id="{63E8F402-F253-4598-9290-8DD314902561}"/>
+                <a16:creationId xmlns:a16="http://schemas.microsoft.com/office/drawing/2014/main" id="{63E8F402-F253-4598-9290-8DD314902561}"/>
               </a:ext>
             </a:extLst>
           </p:cNvPr>
@@ -1889,7 +1869,7 @@
           <p:cNvPr id="9" name="Slide Number Placeholder 8">
             <a:extLst>
               <a:ext uri="{FF2B5EF4-FFF2-40B4-BE49-F238E27FC236}">
-                <a16:creationId xmlns:a16="http://schemas.microsoft.com/office/drawing/2014/main" xmlns="" id="{C135391B-B762-4149-B674-68400B60C4CA}"/>
+                <a16:creationId xmlns:a16="http://schemas.microsoft.com/office/drawing/2014/main" id="{C135391B-B762-4149-B674-68400B60C4CA}"/>
               </a:ext>
             </a:extLst>
           </p:cNvPr>
@@ -1948,7 +1928,7 @@
           <p:cNvPr id="2" name="Title 1">
             <a:extLst>
               <a:ext uri="{FF2B5EF4-FFF2-40B4-BE49-F238E27FC236}">
-                <a16:creationId xmlns:a16="http://schemas.microsoft.com/office/drawing/2014/main" xmlns="" id="{FDCF8A4F-C9CB-46AD-BEA5-F3E02EF83621}"/>
+                <a16:creationId xmlns:a16="http://schemas.microsoft.com/office/drawing/2014/main" id="{FDCF8A4F-C9CB-46AD-BEA5-F3E02EF83621}"/>
               </a:ext>
             </a:extLst>
           </p:cNvPr>
@@ -1976,7 +1956,7 @@
           <p:cNvPr id="3" name="Date Placeholder 2">
             <a:extLst>
               <a:ext uri="{FF2B5EF4-FFF2-40B4-BE49-F238E27FC236}">
-                <a16:creationId xmlns:a16="http://schemas.microsoft.com/office/drawing/2014/main" xmlns="" id="{05105858-46BE-4B4B-AC76-1DE884F4261D}"/>
+                <a16:creationId xmlns:a16="http://schemas.microsoft.com/office/drawing/2014/main" id="{05105858-46BE-4B4B-AC76-1DE884F4261D}"/>
               </a:ext>
             </a:extLst>
           </p:cNvPr>
@@ -1994,7 +1974,7 @@
           <a:p>
             <a:fld id="{8E423C67-9D6A-4F85-BFC6-5090D8CF0AB4}" type="datetimeFigureOut">
               <a:rPr lang="en-US" smtClean="0"/>
-              <a:t>2017-12-06</a:t>
+              <a:t>12/6/2017</a:t>
             </a:fld>
             <a:endParaRPr lang="en-US"/>
           </a:p>
@@ -2005,7 +1985,7 @@
           <p:cNvPr id="4" name="Footer Placeholder 3">
             <a:extLst>
               <a:ext uri="{FF2B5EF4-FFF2-40B4-BE49-F238E27FC236}">
-                <a16:creationId xmlns:a16="http://schemas.microsoft.com/office/drawing/2014/main" xmlns="" id="{81209C3A-40B3-447C-898C-0C4F7537036B}"/>
+                <a16:creationId xmlns:a16="http://schemas.microsoft.com/office/drawing/2014/main" id="{81209C3A-40B3-447C-898C-0C4F7537036B}"/>
               </a:ext>
             </a:extLst>
           </p:cNvPr>
@@ -2030,7 +2010,7 @@
           <p:cNvPr id="5" name="Slide Number Placeholder 4">
             <a:extLst>
               <a:ext uri="{FF2B5EF4-FFF2-40B4-BE49-F238E27FC236}">
-                <a16:creationId xmlns:a16="http://schemas.microsoft.com/office/drawing/2014/main" xmlns="" id="{E66D6103-6FAC-44FE-AFAC-35DCA54A5841}"/>
+                <a16:creationId xmlns:a16="http://schemas.microsoft.com/office/drawing/2014/main" id="{E66D6103-6FAC-44FE-AFAC-35DCA54A5841}"/>
               </a:ext>
             </a:extLst>
           </p:cNvPr>
@@ -2089,7 +2069,7 @@
           <p:cNvPr id="2" name="Date Placeholder 1">
             <a:extLst>
               <a:ext uri="{FF2B5EF4-FFF2-40B4-BE49-F238E27FC236}">
-                <a16:creationId xmlns:a16="http://schemas.microsoft.com/office/drawing/2014/main" xmlns="" id="{484A2280-0F1E-4438-B0D1-87FD5872FA23}"/>
+                <a16:creationId xmlns:a16="http://schemas.microsoft.com/office/drawing/2014/main" id="{484A2280-0F1E-4438-B0D1-87FD5872FA23}"/>
               </a:ext>
             </a:extLst>
           </p:cNvPr>
@@ -2107,7 +2087,7 @@
           <a:p>
             <a:fld id="{8E423C67-9D6A-4F85-BFC6-5090D8CF0AB4}" type="datetimeFigureOut">
               <a:rPr lang="en-US" smtClean="0"/>
-              <a:t>2017-12-06</a:t>
+              <a:t>12/6/2017</a:t>
             </a:fld>
             <a:endParaRPr lang="en-US"/>
           </a:p>
@@ -2118,7 +2098,7 @@
           <p:cNvPr id="3" name="Footer Placeholder 2">
             <a:extLst>
               <a:ext uri="{FF2B5EF4-FFF2-40B4-BE49-F238E27FC236}">
-                <a16:creationId xmlns:a16="http://schemas.microsoft.com/office/drawing/2014/main" xmlns="" id="{85054AD8-7FEF-49D9-A2DE-A9C7C3ECCA5F}"/>
+                <a16:creationId xmlns:a16="http://schemas.microsoft.com/office/drawing/2014/main" id="{85054AD8-7FEF-49D9-A2DE-A9C7C3ECCA5F}"/>
               </a:ext>
             </a:extLst>
           </p:cNvPr>
@@ -2143,7 +2123,7 @@
           <p:cNvPr id="4" name="Slide Number Placeholder 3">
             <a:extLst>
               <a:ext uri="{FF2B5EF4-FFF2-40B4-BE49-F238E27FC236}">
-                <a16:creationId xmlns:a16="http://schemas.microsoft.com/office/drawing/2014/main" xmlns="" id="{0B86E405-A339-4A02-AC4C-7EA2A1561C3B}"/>
+                <a16:creationId xmlns:a16="http://schemas.microsoft.com/office/drawing/2014/main" id="{0B86E405-A339-4A02-AC4C-7EA2A1561C3B}"/>
               </a:ext>
             </a:extLst>
           </p:cNvPr>
@@ -2202,7 +2182,7 @@
           <p:cNvPr id="2" name="Title 1">
             <a:extLst>
               <a:ext uri="{FF2B5EF4-FFF2-40B4-BE49-F238E27FC236}">
-                <a16:creationId xmlns:a16="http://schemas.microsoft.com/office/drawing/2014/main" xmlns="" id="{09A9CBF2-3028-467D-9303-C06F7A0D5655}"/>
+                <a16:creationId xmlns:a16="http://schemas.microsoft.com/office/drawing/2014/main" id="{09A9CBF2-3028-467D-9303-C06F7A0D5655}"/>
               </a:ext>
             </a:extLst>
           </p:cNvPr>
@@ -2239,7 +2219,7 @@
           <p:cNvPr id="3" name="Content Placeholder 2">
             <a:extLst>
               <a:ext uri="{FF2B5EF4-FFF2-40B4-BE49-F238E27FC236}">
-                <a16:creationId xmlns:a16="http://schemas.microsoft.com/office/drawing/2014/main" xmlns="" id="{B6918BF1-0F45-4A97-AA9E-A6B36E09FF9A}"/>
+                <a16:creationId xmlns:a16="http://schemas.microsoft.com/office/drawing/2014/main" id="{B6918BF1-0F45-4A97-AA9E-A6B36E09FF9A}"/>
               </a:ext>
             </a:extLst>
           </p:cNvPr>
@@ -2329,7 +2309,7 @@
           <p:cNvPr id="4" name="Text Placeholder 3">
             <a:extLst>
               <a:ext uri="{FF2B5EF4-FFF2-40B4-BE49-F238E27FC236}">
-                <a16:creationId xmlns:a16="http://schemas.microsoft.com/office/drawing/2014/main" xmlns="" id="{356FB0A4-9494-4382-A0FD-07C795DA06C8}"/>
+                <a16:creationId xmlns:a16="http://schemas.microsoft.com/office/drawing/2014/main" id="{356FB0A4-9494-4382-A0FD-07C795DA06C8}"/>
               </a:ext>
             </a:extLst>
           </p:cNvPr>
@@ -2400,7 +2380,7 @@
           <p:cNvPr id="5" name="Date Placeholder 4">
             <a:extLst>
               <a:ext uri="{FF2B5EF4-FFF2-40B4-BE49-F238E27FC236}">
-                <a16:creationId xmlns:a16="http://schemas.microsoft.com/office/drawing/2014/main" xmlns="" id="{B7282179-4D0B-4BEA-AEF3-0C82FFAF64C8}"/>
+                <a16:creationId xmlns:a16="http://schemas.microsoft.com/office/drawing/2014/main" id="{B7282179-4D0B-4BEA-AEF3-0C82FFAF64C8}"/>
               </a:ext>
             </a:extLst>
           </p:cNvPr>
@@ -2418,7 +2398,7 @@
           <a:p>
             <a:fld id="{8E423C67-9D6A-4F85-BFC6-5090D8CF0AB4}" type="datetimeFigureOut">
               <a:rPr lang="en-US" smtClean="0"/>
-              <a:t>2017-12-06</a:t>
+              <a:t>12/6/2017</a:t>
             </a:fld>
             <a:endParaRPr lang="en-US"/>
           </a:p>
@@ -2429,7 +2409,7 @@
           <p:cNvPr id="6" name="Footer Placeholder 5">
             <a:extLst>
               <a:ext uri="{FF2B5EF4-FFF2-40B4-BE49-F238E27FC236}">
-                <a16:creationId xmlns:a16="http://schemas.microsoft.com/office/drawing/2014/main" xmlns="" id="{46E4F919-BC65-4B8C-B6A4-6B75D65BAED8}"/>
+                <a16:creationId xmlns:a16="http://schemas.microsoft.com/office/drawing/2014/main" id="{46E4F919-BC65-4B8C-B6A4-6B75D65BAED8}"/>
               </a:ext>
             </a:extLst>
           </p:cNvPr>
@@ -2454,7 +2434,7 @@
           <p:cNvPr id="7" name="Slide Number Placeholder 6">
             <a:extLst>
               <a:ext uri="{FF2B5EF4-FFF2-40B4-BE49-F238E27FC236}">
-                <a16:creationId xmlns:a16="http://schemas.microsoft.com/office/drawing/2014/main" xmlns="" id="{CE4FA66B-0CC2-43E6-AB35-73A52D826B4E}"/>
+                <a16:creationId xmlns:a16="http://schemas.microsoft.com/office/drawing/2014/main" id="{CE4FA66B-0CC2-43E6-AB35-73A52D826B4E}"/>
               </a:ext>
             </a:extLst>
           </p:cNvPr>
@@ -2513,7 +2493,7 @@
           <p:cNvPr id="2" name="Title 1">
             <a:extLst>
               <a:ext uri="{FF2B5EF4-FFF2-40B4-BE49-F238E27FC236}">
-                <a16:creationId xmlns:a16="http://schemas.microsoft.com/office/drawing/2014/main" xmlns="" id="{949C5467-9872-42A4-9D20-EE8539A5EFB8}"/>
+                <a16:creationId xmlns:a16="http://schemas.microsoft.com/office/drawing/2014/main" id="{949C5467-9872-42A4-9D20-EE8539A5EFB8}"/>
               </a:ext>
             </a:extLst>
           </p:cNvPr>
@@ -2550,7 +2530,7 @@
           <p:cNvPr id="3" name="Picture Placeholder 2">
             <a:extLst>
               <a:ext uri="{FF2B5EF4-FFF2-40B4-BE49-F238E27FC236}">
-                <a16:creationId xmlns:a16="http://schemas.microsoft.com/office/drawing/2014/main" xmlns="" id="{CD2BD776-EB44-4D47-B39F-0246DE1B595B}"/>
+                <a16:creationId xmlns:a16="http://schemas.microsoft.com/office/drawing/2014/main" id="{CD2BD776-EB44-4D47-B39F-0246DE1B595B}"/>
               </a:ext>
             </a:extLst>
           </p:cNvPr>
@@ -2617,7 +2597,7 @@
           <p:cNvPr id="4" name="Text Placeholder 3">
             <a:extLst>
               <a:ext uri="{FF2B5EF4-FFF2-40B4-BE49-F238E27FC236}">
-                <a16:creationId xmlns:a16="http://schemas.microsoft.com/office/drawing/2014/main" xmlns="" id="{59ECD3CF-02E8-4D20-865E-02BA42A49532}"/>
+                <a16:creationId xmlns:a16="http://schemas.microsoft.com/office/drawing/2014/main" id="{59ECD3CF-02E8-4D20-865E-02BA42A49532}"/>
               </a:ext>
             </a:extLst>
           </p:cNvPr>
@@ -2688,7 +2668,7 @@
           <p:cNvPr id="5" name="Date Placeholder 4">
             <a:extLst>
               <a:ext uri="{FF2B5EF4-FFF2-40B4-BE49-F238E27FC236}">
-                <a16:creationId xmlns:a16="http://schemas.microsoft.com/office/drawing/2014/main" xmlns="" id="{E6B2109E-2F31-4DE3-8CEA-DE3C86F9A38C}"/>
+                <a16:creationId xmlns:a16="http://schemas.microsoft.com/office/drawing/2014/main" id="{E6B2109E-2F31-4DE3-8CEA-DE3C86F9A38C}"/>
               </a:ext>
             </a:extLst>
           </p:cNvPr>
@@ -2706,7 +2686,7 @@
           <a:p>
             <a:fld id="{8E423C67-9D6A-4F85-BFC6-5090D8CF0AB4}" type="datetimeFigureOut">
               <a:rPr lang="en-US" smtClean="0"/>
-              <a:t>2017-12-06</a:t>
+              <a:t>12/6/2017</a:t>
             </a:fld>
             <a:endParaRPr lang="en-US"/>
           </a:p>
@@ -2717,7 +2697,7 @@
           <p:cNvPr id="6" name="Footer Placeholder 5">
             <a:extLst>
               <a:ext uri="{FF2B5EF4-FFF2-40B4-BE49-F238E27FC236}">
-                <a16:creationId xmlns:a16="http://schemas.microsoft.com/office/drawing/2014/main" xmlns="" id="{8B5CA5A2-D2B8-4ED5-9640-9392D1A7AA70}"/>
+                <a16:creationId xmlns:a16="http://schemas.microsoft.com/office/drawing/2014/main" id="{8B5CA5A2-D2B8-4ED5-9640-9392D1A7AA70}"/>
               </a:ext>
             </a:extLst>
           </p:cNvPr>
@@ -2742,7 +2722,7 @@
           <p:cNvPr id="7" name="Slide Number Placeholder 6">
             <a:extLst>
               <a:ext uri="{FF2B5EF4-FFF2-40B4-BE49-F238E27FC236}">
-                <a16:creationId xmlns:a16="http://schemas.microsoft.com/office/drawing/2014/main" xmlns="" id="{43ED3C46-81E8-41F2-9834-F18A983176A0}"/>
+                <a16:creationId xmlns:a16="http://schemas.microsoft.com/office/drawing/2014/main" id="{43ED3C46-81E8-41F2-9834-F18A983176A0}"/>
               </a:ext>
             </a:extLst>
           </p:cNvPr>
@@ -2809,7 +2789,7 @@
           <p:cNvPr id="2" name="Title Placeholder 1">
             <a:extLst>
               <a:ext uri="{FF2B5EF4-FFF2-40B4-BE49-F238E27FC236}">
-                <a16:creationId xmlns:a16="http://schemas.microsoft.com/office/drawing/2014/main" xmlns="" id="{C7AAF08E-4D85-40AA-9CBA-7DBD9AB4E5FB}"/>
+                <a16:creationId xmlns:a16="http://schemas.microsoft.com/office/drawing/2014/main" id="{C7AAF08E-4D85-40AA-9CBA-7DBD9AB4E5FB}"/>
               </a:ext>
             </a:extLst>
           </p:cNvPr>
@@ -2847,7 +2827,7 @@
           <p:cNvPr id="3" name="Text Placeholder 2">
             <a:extLst>
               <a:ext uri="{FF2B5EF4-FFF2-40B4-BE49-F238E27FC236}">
-                <a16:creationId xmlns:a16="http://schemas.microsoft.com/office/drawing/2014/main" xmlns="" id="{C4C3D882-D2F6-4D90-961B-1743A27FEFF9}"/>
+                <a16:creationId xmlns:a16="http://schemas.microsoft.com/office/drawing/2014/main" id="{C4C3D882-D2F6-4D90-961B-1743A27FEFF9}"/>
               </a:ext>
             </a:extLst>
           </p:cNvPr>
@@ -2914,7 +2894,7 @@
           <p:cNvPr id="4" name="Date Placeholder 3">
             <a:extLst>
               <a:ext uri="{FF2B5EF4-FFF2-40B4-BE49-F238E27FC236}">
-                <a16:creationId xmlns:a16="http://schemas.microsoft.com/office/drawing/2014/main" xmlns="" id="{52C7BF11-732D-490D-B016-B70BC5215D7F}"/>
+                <a16:creationId xmlns:a16="http://schemas.microsoft.com/office/drawing/2014/main" id="{52C7BF11-732D-490D-B016-B70BC5215D7F}"/>
               </a:ext>
             </a:extLst>
           </p:cNvPr>
@@ -2950,7 +2930,7 @@
           <a:p>
             <a:fld id="{8E423C67-9D6A-4F85-BFC6-5090D8CF0AB4}" type="datetimeFigureOut">
               <a:rPr lang="en-US" smtClean="0"/>
-              <a:t>2017-12-06</a:t>
+              <a:t>12/6/2017</a:t>
             </a:fld>
             <a:endParaRPr lang="en-US"/>
           </a:p>
@@ -2961,7 +2941,7 @@
           <p:cNvPr id="5" name="Footer Placeholder 4">
             <a:extLst>
               <a:ext uri="{FF2B5EF4-FFF2-40B4-BE49-F238E27FC236}">
-                <a16:creationId xmlns:a16="http://schemas.microsoft.com/office/drawing/2014/main" xmlns="" id="{90F6EE10-A6BA-4959-8406-FFA61D7A2FD4}"/>
+                <a16:creationId xmlns:a16="http://schemas.microsoft.com/office/drawing/2014/main" id="{90F6EE10-A6BA-4959-8406-FFA61D7A2FD4}"/>
               </a:ext>
             </a:extLst>
           </p:cNvPr>
@@ -3004,7 +2984,7 @@
           <p:cNvPr id="6" name="Slide Number Placeholder 5">
             <a:extLst>
               <a:ext uri="{FF2B5EF4-FFF2-40B4-BE49-F238E27FC236}">
-                <a16:creationId xmlns:a16="http://schemas.microsoft.com/office/drawing/2014/main" xmlns="" id="{E9E7E0F3-F268-4405-929D-FE16B32E5849}"/>
+                <a16:creationId xmlns:a16="http://schemas.microsoft.com/office/drawing/2014/main" id="{E9E7E0F3-F268-4405-929D-FE16B32E5849}"/>
               </a:ext>
             </a:extLst>
           </p:cNvPr>
@@ -3067,13 +3047,6 @@
     <p:sldLayoutId id="2147483658" r:id="rId10"/>
     <p:sldLayoutId id="2147483659" r:id="rId11"/>
   </p:sldLayoutIdLst>
-  <p:timing>
-    <p:tnLst>
-      <p:par>
-        <p:cTn id="1" dur="indefinite" restart="never" nodeType="tmRoot"/>
-      </p:par>
-    </p:tnLst>
-  </p:timing>
   <p:txStyles>
     <p:titleStyle>
       <a:lvl1pPr algn="l" defTabSz="914400" rtl="0" eaLnBrk="1" latinLnBrk="0" hangingPunct="1">
@@ -3379,7 +3352,7 @@
           <p:cNvPr id="2" name="Title 1">
             <a:extLst>
               <a:ext uri="{FF2B5EF4-FFF2-40B4-BE49-F238E27FC236}">
-                <a16:creationId xmlns:a16="http://schemas.microsoft.com/office/drawing/2014/main" xmlns="" id="{1126EA88-A9E3-4871-8DDA-4EE8195A9D29}"/>
+                <a16:creationId xmlns:a16="http://schemas.microsoft.com/office/drawing/2014/main" id="{1126EA88-A9E3-4871-8DDA-4EE8195A9D29}"/>
               </a:ext>
             </a:extLst>
           </p:cNvPr>
@@ -3411,9 +3384,6 @@
               </a:rPr>
               <a:t>NotifyMe!</a:t>
             </a:r>
-            <a:endParaRPr lang="en-US" sz="9600" b="1" dirty="0">
-              <a:latin typeface="Brush Script MT" panose="03060802040406070304" pitchFamily="66" charset="0"/>
-            </a:endParaRPr>
           </a:p>
         </p:txBody>
       </p:sp>
@@ -3422,7 +3392,7 @@
           <p:cNvPr id="3" name="Subtitle 2">
             <a:extLst>
               <a:ext uri="{FF2B5EF4-FFF2-40B4-BE49-F238E27FC236}">
-                <a16:creationId xmlns:a16="http://schemas.microsoft.com/office/drawing/2014/main" xmlns="" id="{EF3D0F4F-0963-4211-A80D-97B3ABEE1F01}"/>
+                <a16:creationId xmlns:a16="http://schemas.microsoft.com/office/drawing/2014/main" id="{EF3D0F4F-0963-4211-A80D-97B3ABEE1F01}"/>
               </a:ext>
             </a:extLst>
           </p:cNvPr>
@@ -3447,16 +3417,10 @@
           <a:lstStyle/>
           <a:p>
             <a:r>
-              <a:rPr lang="en-US" sz="2800" dirty="0" smtClean="0">
-                <a:latin typeface="Rockwell" panose="02060603020205020403" pitchFamily="18" charset="0"/>
-              </a:rPr>
-              <a:t>Matthew </a:t>
-            </a:r>
-            <a:r>
               <a:rPr lang="en-US" sz="2800" dirty="0">
                 <a:latin typeface="Rockwell" panose="02060603020205020403" pitchFamily="18" charset="0"/>
               </a:rPr>
-              <a:t>Manning and </a:t>
+              <a:t>Matthew Manning and </a:t>
             </a:r>
             <a:r>
               <a:rPr lang="en-US" sz="2800" dirty="0" err="1">
@@ -3492,13 +3456,6 @@
   <p:clrMapOvr>
     <a:masterClrMapping/>
   </p:clrMapOvr>
-  <p:timing>
-    <p:tnLst>
-      <p:par>
-        <p:cTn id="1" dur="indefinite" restart="never" nodeType="tmRoot"/>
-      </p:par>
-    </p:tnLst>
-  </p:timing>
 </p:sld>
 </file>
 
@@ -3524,7 +3481,7 @@
           <p:cNvPr id="2" name="Title 1">
             <a:extLst>
               <a:ext uri="{FF2B5EF4-FFF2-40B4-BE49-F238E27FC236}">
-                <a16:creationId xmlns:a16="http://schemas.microsoft.com/office/drawing/2014/main" xmlns="" id="{A0EFC9D0-35F5-483E-86FE-4B2083D4CCE8}"/>
+                <a16:creationId xmlns:a16="http://schemas.microsoft.com/office/drawing/2014/main" id="{259D0B7C-1D18-4B9B-9686-41CD01222471}"/>
               </a:ext>
             </a:extLst>
           </p:cNvPr>
@@ -3542,10 +3499,9 @@
           <a:p>
             <a:pPr algn="ctr"/>
             <a:r>
-              <a:rPr lang="en-US" dirty="0" smtClean="0"/>
-              <a:t>The Tools We Used</a:t>
-            </a:r>
-            <a:endParaRPr lang="en-US" dirty="0"/>
+              <a:rPr lang="en-US" dirty="0"/>
+              <a:t>How do we do it?</a:t>
+            </a:r>
           </a:p>
         </p:txBody>
       </p:sp>
@@ -3554,7 +3510,7 @@
           <p:cNvPr id="3" name="Content Placeholder 2">
             <a:extLst>
               <a:ext uri="{FF2B5EF4-FFF2-40B4-BE49-F238E27FC236}">
-                <a16:creationId xmlns:a16="http://schemas.microsoft.com/office/drawing/2014/main" xmlns="" id="{323EF7F1-8AC4-4144-AEE5-821E1DE879E1}"/>
+                <a16:creationId xmlns:a16="http://schemas.microsoft.com/office/drawing/2014/main" id="{7171011C-A762-4A01-8962-0A7436AA633E}"/>
               </a:ext>
             </a:extLst>
           </p:cNvPr>
@@ -3571,80 +3527,333 @@
           <a:lstStyle/>
           <a:p>
             <a:r>
-              <a:rPr lang="en-US" dirty="0" smtClean="0"/>
-              <a:t>XAMPP (Cross-platform, Apache, </a:t>
-            </a:r>
-            <a:r>
-              <a:rPr lang="en-US" dirty="0" err="1" smtClean="0"/>
-              <a:t>MariaDB</a:t>
-            </a:r>
-            <a:r>
-              <a:rPr lang="en-US" dirty="0" smtClean="0"/>
-              <a:t>, PHP, and Perl)</a:t>
-            </a:r>
-          </a:p>
-          <a:p>
-            <a:endParaRPr lang="en-US" dirty="0" smtClean="0"/>
-          </a:p>
-          <a:p>
-            <a:r>
-              <a:rPr lang="en-US" dirty="0" smtClean="0"/>
-              <a:t>Apache for Server</a:t>
-            </a:r>
-          </a:p>
-          <a:p>
-            <a:endParaRPr lang="en-US" dirty="0" smtClean="0"/>
-          </a:p>
-          <a:p>
-            <a:r>
-              <a:rPr lang="en-US" dirty="0" smtClean="0"/>
-              <a:t>HTML, MySQL, PHP, and CSS for the Website</a:t>
-            </a:r>
-          </a:p>
-          <a:p>
-            <a:endParaRPr lang="en-US" dirty="0"/>
-          </a:p>
-          <a:p>
-            <a:r>
-              <a:rPr lang="en-US" dirty="0" err="1" smtClean="0"/>
-              <a:t>PHPMyAdmin</a:t>
-            </a:r>
-            <a:r>
-              <a:rPr lang="en-US" dirty="0" smtClean="0"/>
-              <a:t> for Front-End </a:t>
-            </a:r>
+              <a:rPr lang="en-US" dirty="0">
+                <a:solidFill>
+                  <a:schemeClr val="accent6">
+                    <a:lumMod val="40000"/>
+                    <a:lumOff val="60000"/>
+                  </a:schemeClr>
+                </a:solidFill>
+              </a:rPr>
+              <a:t>To let the user create an account.</a:t>
+            </a:r>
+          </a:p>
+          <a:p>
+            <a:r>
+              <a:rPr lang="en-US" dirty="0">
+                <a:solidFill>
+                  <a:schemeClr val="accent6">
+                    <a:lumMod val="40000"/>
+                    <a:lumOff val="60000"/>
+                  </a:schemeClr>
+                </a:solidFill>
+              </a:rPr>
+              <a:t>To let user enter , delete or/and edit a URL .</a:t>
+            </a:r>
+          </a:p>
+          <a:p>
+            <a:r>
+              <a:rPr lang="en-US" dirty="0">
+                <a:solidFill>
+                  <a:schemeClr val="accent6">
+                    <a:lumMod val="40000"/>
+                    <a:lumOff val="60000"/>
+                  </a:schemeClr>
+                </a:solidFill>
+              </a:rPr>
+              <a:t>Create a relational view of the database , with proper key – table relation to store user details and the URL details.</a:t>
+            </a:r>
+          </a:p>
+          <a:p>
+            <a:r>
+              <a:rPr lang="en-US" dirty="0">
+                <a:solidFill>
+                  <a:schemeClr val="accent6">
+                    <a:lumMod val="40000"/>
+                    <a:lumOff val="60000"/>
+                  </a:schemeClr>
+                </a:solidFill>
+              </a:rPr>
+              <a:t>Scan through the saved Websites.</a:t>
+            </a:r>
+          </a:p>
+          <a:p>
+            <a:r>
+              <a:rPr lang="en-US" dirty="0">
+                <a:solidFill>
+                  <a:schemeClr val="accent6">
+                    <a:lumMod val="40000"/>
+                    <a:lumOff val="60000"/>
+                  </a:schemeClr>
+                </a:solidFill>
+              </a:rPr>
+              <a:t>For the identified websites, update the database.</a:t>
+            </a:r>
+          </a:p>
+          <a:p>
             <a:r>
               <a:rPr lang="en-US" dirty="0"/>
-              <a:t>D</a:t>
-            </a:r>
-            <a:r>
-              <a:rPr lang="en-US" dirty="0" smtClean="0"/>
-              <a:t>atabase GUI</a:t>
-            </a:r>
-            <a:endParaRPr lang="en-US" dirty="0"/>
-          </a:p>
-          <a:p>
-            <a:endParaRPr lang="en-US" dirty="0"/>
+              <a:t>Send the email to the user , without spamming them.</a:t>
+            </a:r>
+          </a:p>
+        </p:txBody>
+      </p:sp>
+      <p:sp>
+        <p:nvSpPr>
+          <p:cNvPr id="4" name="Arrow: Up 3">
+            <a:extLst>
+              <a:ext uri="{FF2B5EF4-FFF2-40B4-BE49-F238E27FC236}">
+                <a16:creationId xmlns:a16="http://schemas.microsoft.com/office/drawing/2014/main" id="{36B77D85-8DA5-4877-9B27-773E46D5E5D6}"/>
+              </a:ext>
+            </a:extLst>
+          </p:cNvPr>
+          <p:cNvSpPr/>
+          <p:nvPr/>
+        </p:nvSpPr>
+        <p:spPr>
+          <a:xfrm>
+            <a:off x="8314441" y="4562573"/>
+            <a:ext cx="443060" cy="320511"/>
+          </a:xfrm>
+          <a:prstGeom prst="upArrow">
+            <a:avLst/>
+          </a:prstGeom>
+          <a:solidFill>
+            <a:schemeClr val="accent2">
+              <a:lumMod val="50000"/>
+            </a:schemeClr>
+          </a:solidFill>
+          <a:ln>
+            <a:solidFill>
+              <a:schemeClr val="accent2">
+                <a:lumMod val="75000"/>
+              </a:schemeClr>
+            </a:solidFill>
+          </a:ln>
+        </p:spPr>
+        <p:style>
+          <a:lnRef idx="2">
+            <a:schemeClr val="accent1">
+              <a:shade val="50000"/>
+            </a:schemeClr>
+          </a:lnRef>
+          <a:fillRef idx="1">
+            <a:schemeClr val="accent1"/>
+          </a:fillRef>
+          <a:effectRef idx="0">
+            <a:schemeClr val="accent1"/>
+          </a:effectRef>
+          <a:fontRef idx="minor">
+            <a:schemeClr val="lt1"/>
+          </a:fontRef>
+        </p:style>
+        <p:txBody>
+          <a:bodyPr rtlCol="0" anchor="ctr"/>
+          <a:lstStyle/>
+          <a:p>
+            <a:pPr algn="ctr"/>
+            <a:endParaRPr lang="en-US"/>
+          </a:p>
+        </p:txBody>
+      </p:sp>
+      <p:sp>
+        <p:nvSpPr>
+          <p:cNvPr id="5" name="TextBox 4">
+            <a:extLst>
+              <a:ext uri="{FF2B5EF4-FFF2-40B4-BE49-F238E27FC236}">
+                <a16:creationId xmlns:a16="http://schemas.microsoft.com/office/drawing/2014/main" id="{37C9B049-D327-49FB-ABAF-40FFF43D1858}"/>
+              </a:ext>
+            </a:extLst>
+          </p:cNvPr>
+          <p:cNvSpPr txBox="1"/>
+          <p:nvPr/>
+        </p:nvSpPr>
+        <p:spPr>
+          <a:xfrm>
+            <a:off x="6096000" y="1700251"/>
+            <a:ext cx="5828044" cy="2862322"/>
+          </a:xfrm>
+          <a:prstGeom prst="rect">
+            <a:avLst/>
+          </a:prstGeom>
+          <a:solidFill>
+            <a:schemeClr val="accent1">
+              <a:lumMod val="50000"/>
+            </a:schemeClr>
+          </a:solidFill>
+          <a:ln>
+            <a:solidFill>
+              <a:schemeClr val="accent2">
+                <a:lumMod val="75000"/>
+              </a:schemeClr>
+            </a:solidFill>
+          </a:ln>
+        </p:spPr>
+        <p:txBody>
+          <a:bodyPr wrap="square" rtlCol="0">
+            <a:spAutoFit/>
+          </a:bodyPr>
+          <a:lstStyle/>
+          <a:p>
+            <a:pPr>
+              <a:lnSpc>
+                <a:spcPct val="200000"/>
+              </a:lnSpc>
+            </a:pPr>
+            <a:r>
+              <a:rPr lang="en-US" dirty="0" err="1">
+                <a:solidFill>
+                  <a:schemeClr val="bg1"/>
+                </a:solidFill>
+              </a:rPr>
+              <a:t>Php</a:t>
+            </a:r>
+            <a:r>
+              <a:rPr lang="en-US" dirty="0">
+                <a:solidFill>
+                  <a:schemeClr val="bg1"/>
+                </a:solidFill>
+              </a:rPr>
+              <a:t>  - Front End handling</a:t>
+            </a:r>
+          </a:p>
+          <a:p>
+            <a:pPr>
+              <a:lnSpc>
+                <a:spcPct val="200000"/>
+              </a:lnSpc>
+            </a:pPr>
+            <a:r>
+              <a:rPr lang="en-US" dirty="0" err="1">
+                <a:solidFill>
+                  <a:schemeClr val="bg1"/>
+                </a:solidFill>
+              </a:rPr>
+              <a:t>MySql</a:t>
+            </a:r>
+            <a:r>
+              <a:rPr lang="en-US" dirty="0">
+                <a:solidFill>
+                  <a:schemeClr val="bg1"/>
+                </a:solidFill>
+              </a:rPr>
+              <a:t> – To store the user details</a:t>
+            </a:r>
+          </a:p>
+          <a:p>
+            <a:pPr>
+              <a:lnSpc>
+                <a:spcPct val="200000"/>
+              </a:lnSpc>
+            </a:pPr>
+            <a:r>
+              <a:rPr lang="en-US" dirty="0" err="1">
+                <a:solidFill>
+                  <a:schemeClr val="bg1"/>
+                </a:solidFill>
+              </a:rPr>
+              <a:t>phpMyadmin</a:t>
+            </a:r>
+            <a:r>
+              <a:rPr lang="en-US" dirty="0">
+                <a:solidFill>
+                  <a:schemeClr val="bg1"/>
+                </a:solidFill>
+              </a:rPr>
+              <a:t>- Connect </a:t>
+            </a:r>
+            <a:r>
+              <a:rPr lang="en-US" dirty="0" err="1">
+                <a:solidFill>
+                  <a:schemeClr val="bg1"/>
+                </a:solidFill>
+              </a:rPr>
+              <a:t>Php</a:t>
+            </a:r>
+            <a:r>
+              <a:rPr lang="en-US" dirty="0">
+                <a:solidFill>
+                  <a:schemeClr val="bg1"/>
+                </a:solidFill>
+              </a:rPr>
+              <a:t> and </a:t>
+            </a:r>
+            <a:r>
+              <a:rPr lang="en-US" dirty="0" err="1">
+                <a:solidFill>
+                  <a:schemeClr val="bg1"/>
+                </a:solidFill>
+              </a:rPr>
+              <a:t>Mysql</a:t>
+            </a:r>
+            <a:r>
+              <a:rPr lang="en-US" dirty="0">
+                <a:solidFill>
+                  <a:schemeClr val="bg1"/>
+                </a:solidFill>
+              </a:rPr>
+              <a:t>.</a:t>
+            </a:r>
+          </a:p>
+          <a:p>
+            <a:pPr>
+              <a:lnSpc>
+                <a:spcPct val="200000"/>
+              </a:lnSpc>
+            </a:pPr>
+            <a:r>
+              <a:rPr lang="en-US" dirty="0">
+                <a:solidFill>
+                  <a:schemeClr val="bg1"/>
+                </a:solidFill>
+              </a:rPr>
+              <a:t>Windows Task </a:t>
+            </a:r>
+            <a:r>
+              <a:rPr lang="en-US" dirty="0" err="1">
+                <a:solidFill>
+                  <a:schemeClr val="bg1"/>
+                </a:solidFill>
+              </a:rPr>
+              <a:t>Scheduler,Crons</a:t>
+            </a:r>
+            <a:r>
+              <a:rPr lang="en-US" dirty="0">
+                <a:solidFill>
+                  <a:schemeClr val="bg1"/>
+                </a:solidFill>
+              </a:rPr>
+              <a:t> – Read the </a:t>
+            </a:r>
+            <a:r>
+              <a:rPr lang="en-US" dirty="0" err="1">
+                <a:solidFill>
+                  <a:schemeClr val="bg1"/>
+                </a:solidFill>
+              </a:rPr>
+              <a:t>php</a:t>
+            </a:r>
+            <a:r>
+              <a:rPr lang="en-US" dirty="0">
+                <a:solidFill>
+                  <a:schemeClr val="bg1"/>
+                </a:solidFill>
+              </a:rPr>
+              <a:t> to send email on the basis of identified URL</a:t>
+            </a:r>
           </a:p>
         </p:txBody>
       </p:sp>
     </p:spTree>
     <p:extLst>
       <p:ext uri="{BB962C8B-B14F-4D97-AF65-F5344CB8AC3E}">
-        <p14:creationId xmlns:p14="http://schemas.microsoft.com/office/powerpoint/2010/main" val="1621738832"/>
+        <p14:creationId xmlns:p14="http://schemas.microsoft.com/office/powerpoint/2010/main" val="794895920"/>
       </p:ext>
     </p:extLst>
   </p:cSld>
   <p:clrMapOvr>
     <a:masterClrMapping/>
   </p:clrMapOvr>
-  <p:timing>
-    <p:tnLst>
-      <p:par>
-        <p:cTn id="1" dur="indefinite" restart="never" nodeType="tmRoot"/>
-      </p:par>
-    </p:tnLst>
-  </p:timing>
 </p:sld>
 </file>
 
@@ -3667,10 +3876,139 @@
       </p:grpSpPr>
       <p:sp>
         <p:nvSpPr>
+          <p:cNvPr id="2" name="Title 1">
+            <a:extLst>
+              <a:ext uri="{FF2B5EF4-FFF2-40B4-BE49-F238E27FC236}">
+                <a16:creationId xmlns:a16="http://schemas.microsoft.com/office/drawing/2014/main" id="{A0EFC9D0-35F5-483E-86FE-4B2083D4CCE8}"/>
+              </a:ext>
+            </a:extLst>
+          </p:cNvPr>
+          <p:cNvSpPr>
+            <a:spLocks noGrp="1"/>
+          </p:cNvSpPr>
+          <p:nvPr>
+            <p:ph type="title"/>
+          </p:nvPr>
+        </p:nvSpPr>
+        <p:spPr/>
+        <p:txBody>
+          <a:bodyPr/>
+          <a:lstStyle/>
+          <a:p>
+            <a:pPr algn="ctr"/>
+            <a:r>
+              <a:rPr lang="en-US" dirty="0"/>
+              <a:t>The Tools We Used</a:t>
+            </a:r>
+          </a:p>
+        </p:txBody>
+      </p:sp>
+      <p:sp>
+        <p:nvSpPr>
+          <p:cNvPr id="3" name="Content Placeholder 2">
+            <a:extLst>
+              <a:ext uri="{FF2B5EF4-FFF2-40B4-BE49-F238E27FC236}">
+                <a16:creationId xmlns:a16="http://schemas.microsoft.com/office/drawing/2014/main" id="{323EF7F1-8AC4-4144-AEE5-821E1DE879E1}"/>
+              </a:ext>
+            </a:extLst>
+          </p:cNvPr>
+          <p:cNvSpPr>
+            <a:spLocks noGrp="1"/>
+          </p:cNvSpPr>
+          <p:nvPr>
+            <p:ph idx="1"/>
+          </p:nvPr>
+        </p:nvSpPr>
+        <p:spPr/>
+        <p:txBody>
+          <a:bodyPr/>
+          <a:lstStyle/>
+          <a:p>
+            <a:r>
+              <a:rPr lang="en-US" dirty="0"/>
+              <a:t>XAMPP (Cross-platform, Apache, </a:t>
+            </a:r>
+            <a:r>
+              <a:rPr lang="en-US" dirty="0" err="1"/>
+              <a:t>MariaDB</a:t>
+            </a:r>
+            <a:r>
+              <a:rPr lang="en-US" dirty="0"/>
+              <a:t>, PHP, and Perl)</a:t>
+            </a:r>
+          </a:p>
+          <a:p>
+            <a:endParaRPr lang="en-US" dirty="0"/>
+          </a:p>
+          <a:p>
+            <a:r>
+              <a:rPr lang="en-US" dirty="0"/>
+              <a:t>Apache for Server</a:t>
+            </a:r>
+          </a:p>
+          <a:p>
+            <a:endParaRPr lang="en-US" dirty="0"/>
+          </a:p>
+          <a:p>
+            <a:r>
+              <a:rPr lang="en-US" dirty="0"/>
+              <a:t>HTML, MySQL, PHP, and CSS for the Website</a:t>
+            </a:r>
+          </a:p>
+          <a:p>
+            <a:endParaRPr lang="en-US" dirty="0"/>
+          </a:p>
+          <a:p>
+            <a:r>
+              <a:rPr lang="en-US" dirty="0" err="1"/>
+              <a:t>PHPMyAdmin</a:t>
+            </a:r>
+            <a:r>
+              <a:rPr lang="en-US" dirty="0"/>
+              <a:t> for Front-End Database GUI</a:t>
+            </a:r>
+          </a:p>
+          <a:p>
+            <a:endParaRPr lang="en-US" dirty="0"/>
+          </a:p>
+        </p:txBody>
+      </p:sp>
+    </p:spTree>
+    <p:extLst>
+      <p:ext uri="{BB962C8B-B14F-4D97-AF65-F5344CB8AC3E}">
+        <p14:creationId xmlns:p14="http://schemas.microsoft.com/office/powerpoint/2010/main" val="1621738832"/>
+      </p:ext>
+    </p:extLst>
+  </p:cSld>
+  <p:clrMapOvr>
+    <a:masterClrMapping/>
+  </p:clrMapOvr>
+</p:sld>
+</file>
+
+<file path=ppt/slides/slide12.xml><?xml version="1.0" encoding="utf-8"?>
+<p:sld xmlns:a="http://schemas.openxmlformats.org/drawingml/2006/main" xmlns:r="http://schemas.openxmlformats.org/officeDocument/2006/relationships" xmlns:p="http://schemas.openxmlformats.org/presentationml/2006/main">
+  <p:cSld>
+    <p:spTree>
+      <p:nvGrpSpPr>
+        <p:cNvPr id="1" name=""/>
+        <p:cNvGrpSpPr/>
+        <p:nvPr/>
+      </p:nvGrpSpPr>
+      <p:grpSpPr>
+        <a:xfrm>
+          <a:off x="0" y="0"/>
+          <a:ext cx="0" cy="0"/>
+          <a:chOff x="0" y="0"/>
+          <a:chExt cx="0" cy="0"/>
+        </a:xfrm>
+      </p:grpSpPr>
+      <p:sp>
+        <p:nvSpPr>
           <p:cNvPr id="9" name="Rectangle 8">
             <a:extLst>
               <a:ext uri="{FF2B5EF4-FFF2-40B4-BE49-F238E27FC236}">
-                <a16:creationId xmlns:a16="http://schemas.microsoft.com/office/drawing/2014/main" xmlns="" id="{A4AC5506-6312-4701-8D3C-40187889A947}"/>
+                <a16:creationId xmlns:a16="http://schemas.microsoft.com/office/drawing/2014/main" id="{A4AC5506-6312-4701-8D3C-40187889A947}"/>
               </a:ext>
             </a:extLst>
           </p:cNvPr>
@@ -3680,7 +4018,7 @@
           <p:nvPr>
             <p:extLst>
               <p:ext uri="{386F3935-93C4-4BCD-93E2-E3B085C9AB24}">
-                <p16:designElem xmlns:p16="http://schemas.microsoft.com/office/powerpoint/2015/main" xmlns="" val="1"/>
+                <p16:designElem xmlns:p16="http://schemas.microsoft.com/office/powerpoint/2015/main" val="1"/>
               </p:ext>
             </p:extLst>
           </p:nvPr>
@@ -3732,7 +4070,7 @@
           <p:cNvPr id="4" name="Content Placeholder 3">
             <a:extLst>
               <a:ext uri="{FF2B5EF4-FFF2-40B4-BE49-F238E27FC236}">
-                <a16:creationId xmlns:a16="http://schemas.microsoft.com/office/drawing/2014/main" xmlns="" id="{8DB778F2-E62C-431C-AB5C-C95A5E966A35}"/>
+                <a16:creationId xmlns:a16="http://schemas.microsoft.com/office/drawing/2014/main" id="{8DB778F2-E62C-431C-AB5C-C95A5E966A35}"/>
               </a:ext>
             </a:extLst>
           </p:cNvPr>
@@ -3764,7 +4102,7 @@
           <p:cNvPr id="2" name="Title 1">
             <a:extLst>
               <a:ext uri="{FF2B5EF4-FFF2-40B4-BE49-F238E27FC236}">
-                <a16:creationId xmlns:a16="http://schemas.microsoft.com/office/drawing/2014/main" xmlns="" id="{99C8C8EE-289C-4B9D-AE46-EAE4F3CEB2EE}"/>
+                <a16:creationId xmlns:a16="http://schemas.microsoft.com/office/drawing/2014/main" id="{99C8C8EE-289C-4B9D-AE46-EAE4F3CEB2EE}"/>
               </a:ext>
             </a:extLst>
           </p:cNvPr>
@@ -3826,7 +4164,7 @@
           <p:cNvPr id="7" name="Straight Arrow Connector 6">
             <a:extLst>
               <a:ext uri="{FF2B5EF4-FFF2-40B4-BE49-F238E27FC236}">
-                <a16:creationId xmlns:a16="http://schemas.microsoft.com/office/drawing/2014/main" xmlns="" id="{32652254-0F18-49F4-97E2-7E449140EE5C}"/>
+                <a16:creationId xmlns:a16="http://schemas.microsoft.com/office/drawing/2014/main" id="{32652254-0F18-49F4-97E2-7E449140EE5C}"/>
               </a:ext>
             </a:extLst>
           </p:cNvPr>
@@ -3843,19 +4181,19 @@
           <a:prstGeom prst="straightConnector1">
             <a:avLst/>
           </a:prstGeom>
-          <a:ln>
+          <a:ln w="28575">
             <a:tailEnd type="triangle"/>
           </a:ln>
         </p:spPr>
         <p:style>
-          <a:lnRef idx="1">
-            <a:schemeClr val="accent1"/>
+          <a:lnRef idx="3">
+            <a:schemeClr val="dk1"/>
           </a:lnRef>
           <a:fillRef idx="0">
-            <a:schemeClr val="accent1"/>
+            <a:schemeClr val="dk1"/>
           </a:fillRef>
-          <a:effectRef idx="0">
-            <a:schemeClr val="accent1"/>
+          <a:effectRef idx="2">
+            <a:schemeClr val="dk1"/>
           </a:effectRef>
           <a:fontRef idx="minor">
             <a:schemeClr val="tx1"/>
@@ -3867,7 +4205,7 @@
           <p:cNvPr id="10" name="Straight Arrow Connector 9">
             <a:extLst>
               <a:ext uri="{FF2B5EF4-FFF2-40B4-BE49-F238E27FC236}">
-                <a16:creationId xmlns:a16="http://schemas.microsoft.com/office/drawing/2014/main" xmlns="" id="{56724CE6-E70B-4E1B-B8A3-8AB76323C576}"/>
+                <a16:creationId xmlns:a16="http://schemas.microsoft.com/office/drawing/2014/main" id="{56724CE6-E70B-4E1B-B8A3-8AB76323C576}"/>
               </a:ext>
             </a:extLst>
           </p:cNvPr>
@@ -3878,25 +4216,25 @@
         </p:nvCxnSpPr>
         <p:spPr>
           <a:xfrm flipH="1" flipV="1">
-            <a:off x="1027521" y="2009306"/>
-            <a:ext cx="788361" cy="2467031"/>
+            <a:off x="1027522" y="2009307"/>
+            <a:ext cx="867266" cy="2675815"/>
           </a:xfrm>
           <a:prstGeom prst="straightConnector1">
             <a:avLst/>
           </a:prstGeom>
-          <a:ln>
+          <a:ln w="28575">
             <a:tailEnd type="triangle"/>
           </a:ln>
         </p:spPr>
         <p:style>
-          <a:lnRef idx="1">
-            <a:schemeClr val="accent1"/>
+          <a:lnRef idx="3">
+            <a:schemeClr val="dk1"/>
           </a:lnRef>
           <a:fillRef idx="0">
-            <a:schemeClr val="accent1"/>
+            <a:schemeClr val="dk1"/>
           </a:fillRef>
-          <a:effectRef idx="0">
-            <a:schemeClr val="accent1"/>
+          <a:effectRef idx="2">
+            <a:schemeClr val="dk1"/>
           </a:effectRef>
           <a:fontRef idx="minor">
             <a:schemeClr val="tx1"/>
@@ -3908,7 +4246,7 @@
           <p:cNvPr id="13" name="Straight Arrow Connector 12">
             <a:extLst>
               <a:ext uri="{FF2B5EF4-FFF2-40B4-BE49-F238E27FC236}">
-                <a16:creationId xmlns:a16="http://schemas.microsoft.com/office/drawing/2014/main" xmlns="" id="{26E3BA7C-8B5C-483D-A705-96552F0BEE06}"/>
+                <a16:creationId xmlns:a16="http://schemas.microsoft.com/office/drawing/2014/main" id="{26E3BA7C-8B5C-483D-A705-96552F0BEE06}"/>
               </a:ext>
             </a:extLst>
           </p:cNvPr>
@@ -3925,7 +4263,10 @@
           <a:prstGeom prst="straightConnector1">
             <a:avLst/>
           </a:prstGeom>
-          <a:ln>
+          <a:ln w="44450">
+            <a:solidFill>
+              <a:srgbClr val="7030A0"/>
+            </a:solidFill>
             <a:tailEnd type="triangle"/>
           </a:ln>
         </p:spPr>
@@ -3949,7 +4290,7 @@
           <p:cNvPr id="15" name="Straight Arrow Connector 14">
             <a:extLst>
               <a:ext uri="{FF2B5EF4-FFF2-40B4-BE49-F238E27FC236}">
-                <a16:creationId xmlns:a16="http://schemas.microsoft.com/office/drawing/2014/main" xmlns="" id="{05C11018-9C22-4371-BEDE-2B0C0B415095}"/>
+                <a16:creationId xmlns:a16="http://schemas.microsoft.com/office/drawing/2014/main" id="{05C11018-9C22-4371-BEDE-2B0C0B415095}"/>
               </a:ext>
             </a:extLst>
           </p:cNvPr>
@@ -3966,7 +4307,10 @@
           <a:prstGeom prst="straightConnector1">
             <a:avLst/>
           </a:prstGeom>
-          <a:ln>
+          <a:ln w="44450">
+            <a:solidFill>
+              <a:srgbClr val="7030A0"/>
+            </a:solidFill>
             <a:tailEnd type="triangle"/>
           </a:ln>
         </p:spPr>
@@ -3990,7 +4334,7 @@
           <p:cNvPr id="26" name="Straight Arrow Connector 25">
             <a:extLst>
               <a:ext uri="{FF2B5EF4-FFF2-40B4-BE49-F238E27FC236}">
-                <a16:creationId xmlns:a16="http://schemas.microsoft.com/office/drawing/2014/main" xmlns="" id="{B51B42E7-DA54-4898-A1E8-71D8E36299FE}"/>
+                <a16:creationId xmlns:a16="http://schemas.microsoft.com/office/drawing/2014/main" id="{B51B42E7-DA54-4898-A1E8-71D8E36299FE}"/>
               </a:ext>
             </a:extLst>
           </p:cNvPr>
@@ -4029,7 +4373,7 @@
           <p:cNvPr id="27" name="Straight Arrow Connector 26">
             <a:extLst>
               <a:ext uri="{FF2B5EF4-FFF2-40B4-BE49-F238E27FC236}">
-                <a16:creationId xmlns:a16="http://schemas.microsoft.com/office/drawing/2014/main" xmlns="" id="{369BE940-CEE1-4F65-A4F2-717A58F882CE}"/>
+                <a16:creationId xmlns:a16="http://schemas.microsoft.com/office/drawing/2014/main" id="{369BE940-CEE1-4F65-A4F2-717A58F882CE}"/>
               </a:ext>
             </a:extLst>
           </p:cNvPr>
@@ -4063,6 +4407,76 @@
           </a:fontRef>
         </p:style>
       </p:cxnSp>
+      <p:sp>
+        <p:nvSpPr>
+          <p:cNvPr id="6" name="TextBox 5">
+            <a:extLst>
+              <a:ext uri="{FF2B5EF4-FFF2-40B4-BE49-F238E27FC236}">
+                <a16:creationId xmlns:a16="http://schemas.microsoft.com/office/drawing/2014/main" id="{9436A662-B673-4E9A-93B8-BDBCE97C5F2C}"/>
+              </a:ext>
+            </a:extLst>
+          </p:cNvPr>
+          <p:cNvSpPr txBox="1"/>
+          <p:nvPr/>
+        </p:nvSpPr>
+        <p:spPr>
+          <a:xfrm>
+            <a:off x="1027521" y="1868993"/>
+            <a:ext cx="3262432" cy="369332"/>
+          </a:xfrm>
+          <a:prstGeom prst="rect">
+            <a:avLst/>
+          </a:prstGeom>
+          <a:noFill/>
+        </p:spPr>
+        <p:txBody>
+          <a:bodyPr wrap="none" rtlCol="0">
+            <a:spAutoFit/>
+          </a:bodyPr>
+          <a:lstStyle/>
+          <a:p>
+            <a:r>
+              <a:rPr lang="en-US" dirty="0"/>
+              <a:t>2 separate Database maintained </a:t>
+            </a:r>
+          </a:p>
+        </p:txBody>
+      </p:sp>
+      <p:sp>
+        <p:nvSpPr>
+          <p:cNvPr id="14" name="TextBox 13">
+            <a:extLst>
+              <a:ext uri="{FF2B5EF4-FFF2-40B4-BE49-F238E27FC236}">
+                <a16:creationId xmlns:a16="http://schemas.microsoft.com/office/drawing/2014/main" id="{9269C72C-7E8D-412D-8321-37820CD99C6E}"/>
+              </a:ext>
+            </a:extLst>
+          </p:cNvPr>
+          <p:cNvSpPr txBox="1"/>
+          <p:nvPr/>
+        </p:nvSpPr>
+        <p:spPr>
+          <a:xfrm>
+            <a:off x="1677971" y="6029867"/>
+            <a:ext cx="2290499" cy="369332"/>
+          </a:xfrm>
+          <a:prstGeom prst="rect">
+            <a:avLst/>
+          </a:prstGeom>
+          <a:noFill/>
+        </p:spPr>
+        <p:txBody>
+          <a:bodyPr wrap="none" rtlCol="0">
+            <a:spAutoFit/>
+          </a:bodyPr>
+          <a:lstStyle/>
+          <a:p>
+            <a:r>
+              <a:rPr lang="en-US" dirty="0"/>
+              <a:t>Tables in the Database</a:t>
+            </a:r>
+          </a:p>
+        </p:txBody>
+      </p:sp>
     </p:spTree>
     <p:extLst>
       <p:ext uri="{BB962C8B-B14F-4D97-AF65-F5344CB8AC3E}">
@@ -4073,17 +4487,10 @@
   <p:clrMapOvr>
     <a:masterClrMapping/>
   </p:clrMapOvr>
-  <p:timing>
-    <p:tnLst>
-      <p:par>
-        <p:cTn id="1" dur="indefinite" restart="never" nodeType="tmRoot"/>
-      </p:par>
-    </p:tnLst>
-  </p:timing>
 </p:sld>
 </file>
 
-<file path=ppt/slides/slide12.xml><?xml version="1.0" encoding="utf-8"?>
+<file path=ppt/slides/slide13.xml><?xml version="1.0" encoding="utf-8"?>
 <p:sld xmlns:a="http://schemas.openxmlformats.org/drawingml/2006/main" xmlns:r="http://schemas.openxmlformats.org/officeDocument/2006/relationships" xmlns:p="http://schemas.openxmlformats.org/presentationml/2006/main">
   <p:cSld>
     <p:spTree>
@@ -4105,7 +4512,7 @@
           <p:cNvPr id="4" name="Picture 3">
             <a:extLst>
               <a:ext uri="{FF2B5EF4-FFF2-40B4-BE49-F238E27FC236}">
-                <a16:creationId xmlns:a16="http://schemas.microsoft.com/office/drawing/2014/main" xmlns="" id="{D63519C0-C8D9-4341-ADE9-3CD28E6E648E}"/>
+                <a16:creationId xmlns:a16="http://schemas.microsoft.com/office/drawing/2014/main" id="{D63519C0-C8D9-4341-ADE9-3CD28E6E648E}"/>
               </a:ext>
             </a:extLst>
           </p:cNvPr>
@@ -4135,7 +4542,7 @@
           <p:cNvPr id="2" name="Title 1">
             <a:extLst>
               <a:ext uri="{FF2B5EF4-FFF2-40B4-BE49-F238E27FC236}">
-                <a16:creationId xmlns:a16="http://schemas.microsoft.com/office/drawing/2014/main" xmlns="" id="{0394369D-565A-471B-B3F3-561CF390DFF5}"/>
+                <a16:creationId xmlns:a16="http://schemas.microsoft.com/office/drawing/2014/main" id="{0394369D-565A-471B-B3F3-561CF390DFF5}"/>
               </a:ext>
             </a:extLst>
           </p:cNvPr>
@@ -4148,8 +4555,40 @@
         </p:nvSpPr>
         <p:spPr>
           <a:xfrm>
-            <a:off x="648929" y="629266"/>
-            <a:ext cx="3667039" cy="1676603"/>
+            <a:off x="648929" y="629267"/>
+            <a:ext cx="3667039" cy="520804"/>
+          </a:xfrm>
+        </p:spPr>
+        <p:txBody>
+          <a:bodyPr>
+            <a:normAutofit fontScale="90000"/>
+          </a:bodyPr>
+          <a:lstStyle/>
+          <a:p>
+            <a:endParaRPr lang="en-US" dirty="0"/>
+          </a:p>
+        </p:txBody>
+      </p:sp>
+      <p:sp>
+        <p:nvSpPr>
+          <p:cNvPr id="3" name="Content Placeholder 2">
+            <a:extLst>
+              <a:ext uri="{FF2B5EF4-FFF2-40B4-BE49-F238E27FC236}">
+                <a16:creationId xmlns:a16="http://schemas.microsoft.com/office/drawing/2014/main" id="{5EAFF9BB-23B6-4817-86BB-F6DA8A9676FA}"/>
+              </a:ext>
+            </a:extLst>
+          </p:cNvPr>
+          <p:cNvSpPr>
+            <a:spLocks noGrp="1"/>
+          </p:cNvSpPr>
+          <p:nvPr>
+            <p:ph idx="1"/>
+          </p:nvPr>
+        </p:nvSpPr>
+        <p:spPr>
+          <a:xfrm>
+            <a:off x="648930" y="1517716"/>
+            <a:ext cx="3667037" cy="4706104"/>
           </a:xfrm>
         </p:spPr>
         <p:txBody>
@@ -4158,37 +4597,36 @@
           </a:bodyPr>
           <a:lstStyle/>
           <a:p>
-            <a:endParaRPr lang="en-US" dirty="0"/>
-          </a:p>
-        </p:txBody>
-      </p:sp>
-      <p:sp>
-        <p:nvSpPr>
-          <p:cNvPr id="3" name="Content Placeholder 2">
-            <a:extLst>
-              <a:ext uri="{FF2B5EF4-FFF2-40B4-BE49-F238E27FC236}">
-                <a16:creationId xmlns:a16="http://schemas.microsoft.com/office/drawing/2014/main" xmlns="" id="{5EAFF9BB-23B6-4817-86BB-F6DA8A9676FA}"/>
-              </a:ext>
-            </a:extLst>
-          </p:cNvPr>
-          <p:cNvSpPr>
-            <a:spLocks noGrp="1"/>
-          </p:cNvSpPr>
-          <p:nvPr>
-            <p:ph idx="1"/>
-          </p:nvPr>
-        </p:nvSpPr>
-        <p:spPr>
-          <a:xfrm>
-            <a:off x="648930" y="2438400"/>
-            <a:ext cx="3667037" cy="3785419"/>
-          </a:xfrm>
-        </p:spPr>
-        <p:txBody>
-          <a:bodyPr>
-            <a:normAutofit/>
-          </a:bodyPr>
-          <a:lstStyle/>
+            <a:br>
+              <a:rPr lang="en-US" sz="1800" dirty="0"/>
+            </a:br>
+            <a:br>
+              <a:rPr lang="en-US" sz="1800" dirty="0"/>
+            </a:br>
+            <a:br>
+              <a:rPr lang="en-US" sz="1800" dirty="0"/>
+            </a:br>
+            <a:br>
+              <a:rPr lang="en-US" sz="1800" dirty="0"/>
+            </a:br>
+            <a:r>
+              <a:rPr lang="en-US" sz="1800" dirty="0"/>
+              <a:t>	Apache for Server</a:t>
+            </a:r>
+            <a:br>
+              <a:rPr lang="en-US" sz="1800" dirty="0"/>
+            </a:br>
+            <a:br>
+              <a:rPr lang="en-US" sz="1800" dirty="0"/>
+            </a:br>
+            <a:br>
+              <a:rPr lang="en-US" sz="1800" dirty="0"/>
+            </a:br>
+            <a:r>
+              <a:rPr lang="en-US" sz="1800" dirty="0"/>
+              <a:t>		MySQL</a:t>
+            </a:r>
+          </a:p>
           <a:p>
             <a:endParaRPr lang="en-US" sz="1800" dirty="0"/>
           </a:p>
@@ -4199,7 +4637,7 @@
           <p:cNvPr id="6" name="Straight Arrow Connector 5">
             <a:extLst>
               <a:ext uri="{FF2B5EF4-FFF2-40B4-BE49-F238E27FC236}">
-                <a16:creationId xmlns:a16="http://schemas.microsoft.com/office/drawing/2014/main" xmlns="" id="{25D029F9-3DC8-4672-9001-1D3D9D0E8785}"/>
+                <a16:creationId xmlns:a16="http://schemas.microsoft.com/office/drawing/2014/main" id="{25D029F9-3DC8-4672-9001-1D3D9D0E8785}"/>
               </a:ext>
             </a:extLst>
           </p:cNvPr>
@@ -4240,7 +4678,7 @@
           <p:cNvPr id="9" name="Straight Arrow Connector 8">
             <a:extLst>
               <a:ext uri="{FF2B5EF4-FFF2-40B4-BE49-F238E27FC236}">
-                <a16:creationId xmlns:a16="http://schemas.microsoft.com/office/drawing/2014/main" xmlns="" id="{BCB2D5B4-0996-4437-834A-3AC37C185079}"/>
+                <a16:creationId xmlns:a16="http://schemas.microsoft.com/office/drawing/2014/main" id="{BCB2D5B4-0996-4437-834A-3AC37C185079}"/>
               </a:ext>
             </a:extLst>
           </p:cNvPr>
@@ -4286,74 +4724,6 @@
   <p:clrMapOvr>
     <a:masterClrMapping/>
   </p:clrMapOvr>
-  <p:timing>
-    <p:tnLst>
-      <p:par>
-        <p:cTn id="1" dur="indefinite" restart="never" nodeType="tmRoot"/>
-      </p:par>
-    </p:tnLst>
-  </p:timing>
-</p:sld>
-</file>
-
-<file path=ppt/slides/slide13.xml><?xml version="1.0" encoding="utf-8"?>
-<p:sld xmlns:a="http://schemas.openxmlformats.org/drawingml/2006/main" xmlns:r="http://schemas.openxmlformats.org/officeDocument/2006/relationships" xmlns:p="http://schemas.openxmlformats.org/presentationml/2006/main">
-  <p:cSld>
-    <p:spTree>
-      <p:nvGrpSpPr>
-        <p:cNvPr id="1" name=""/>
-        <p:cNvGrpSpPr/>
-        <p:nvPr/>
-      </p:nvGrpSpPr>
-      <p:grpSpPr>
-        <a:xfrm>
-          <a:off x="0" y="0"/>
-          <a:ext cx="0" cy="0"/>
-          <a:chOff x="0" y="0"/>
-          <a:chExt cx="0" cy="0"/>
-        </a:xfrm>
-      </p:grpSpPr>
-      <p:sp>
-        <p:nvSpPr>
-          <p:cNvPr id="6" name="Title 5"/>
-          <p:cNvSpPr>
-            <a:spLocks noGrp="1"/>
-          </p:cNvSpPr>
-          <p:nvPr>
-            <p:ph type="title"/>
-          </p:nvPr>
-        </p:nvSpPr>
-        <p:spPr/>
-        <p:txBody>
-          <a:bodyPr/>
-          <a:lstStyle/>
-          <a:p>
-            <a:pPr algn="ctr"/>
-            <a:r>
-              <a:rPr lang="en-US" dirty="0" smtClean="0"/>
-              <a:t>Demo</a:t>
-            </a:r>
-            <a:endParaRPr lang="en-US" dirty="0"/>
-          </a:p>
-        </p:txBody>
-      </p:sp>
-    </p:spTree>
-    <p:extLst>
-      <p:ext uri="{BB962C8B-B14F-4D97-AF65-F5344CB8AC3E}">
-        <p14:creationId xmlns:p14="http://schemas.microsoft.com/office/powerpoint/2010/main" val="4160979080"/>
-      </p:ext>
-    </p:extLst>
-  </p:cSld>
-  <p:clrMapOvr>
-    <a:masterClrMapping/>
-  </p:clrMapOvr>
-  <p:timing>
-    <p:tnLst>
-      <p:par>
-        <p:cTn id="1" dur="indefinite" restart="never" nodeType="tmRoot"/>
-      </p:par>
-    </p:tnLst>
-  </p:timing>
 </p:sld>
 </file>
 
@@ -4376,6 +4746,65 @@
       </p:grpSpPr>
       <p:sp>
         <p:nvSpPr>
+          <p:cNvPr id="6" name="Title 5"/>
+          <p:cNvSpPr>
+            <a:spLocks noGrp="1"/>
+          </p:cNvSpPr>
+          <p:nvPr>
+            <p:ph type="title"/>
+          </p:nvPr>
+        </p:nvSpPr>
+        <p:spPr>
+          <a:xfrm>
+            <a:off x="838200" y="365125"/>
+            <a:ext cx="10515600" cy="5663886"/>
+          </a:xfrm>
+        </p:spPr>
+        <p:txBody>
+          <a:bodyPr/>
+          <a:lstStyle/>
+          <a:p>
+            <a:pPr algn="ctr"/>
+            <a:r>
+              <a:rPr lang="en-US"/>
+              <a:t>DEMO</a:t>
+            </a:r>
+            <a:endParaRPr lang="en-US" dirty="0"/>
+          </a:p>
+        </p:txBody>
+      </p:sp>
+    </p:spTree>
+    <p:extLst>
+      <p:ext uri="{BB962C8B-B14F-4D97-AF65-F5344CB8AC3E}">
+        <p14:creationId xmlns:p14="http://schemas.microsoft.com/office/powerpoint/2010/main" val="4160979080"/>
+      </p:ext>
+    </p:extLst>
+  </p:cSld>
+  <p:clrMapOvr>
+    <a:masterClrMapping/>
+  </p:clrMapOvr>
+</p:sld>
+</file>
+
+<file path=ppt/slides/slide15.xml><?xml version="1.0" encoding="utf-8"?>
+<p:sld xmlns:a="http://schemas.openxmlformats.org/drawingml/2006/main" xmlns:r="http://schemas.openxmlformats.org/officeDocument/2006/relationships" xmlns:p="http://schemas.openxmlformats.org/presentationml/2006/main">
+  <p:cSld>
+    <p:spTree>
+      <p:nvGrpSpPr>
+        <p:cNvPr id="1" name=""/>
+        <p:cNvGrpSpPr/>
+        <p:nvPr/>
+      </p:nvGrpSpPr>
+      <p:grpSpPr>
+        <a:xfrm>
+          <a:off x="0" y="0"/>
+          <a:ext cx="0" cy="0"/>
+          <a:chOff x="0" y="0"/>
+          <a:chExt cx="0" cy="0"/>
+        </a:xfrm>
+      </p:grpSpPr>
+      <p:sp>
+        <p:nvSpPr>
           <p:cNvPr id="2" name="Title 1"/>
           <p:cNvSpPr>
             <a:spLocks noGrp="1"/>
@@ -4391,10 +4820,9 @@
           <a:p>
             <a:pPr algn="ctr"/>
             <a:r>
-              <a:rPr lang="en-US" dirty="0" smtClean="0"/>
+              <a:rPr lang="en-US" dirty="0"/>
               <a:t>Future Work</a:t>
             </a:r>
-            <a:endParaRPr lang="en-US" dirty="0"/>
           </a:p>
         </p:txBody>
       </p:sp>
@@ -4427,13 +4855,6 @@
   <p:clrMapOvr>
     <a:masterClrMapping/>
   </p:clrMapOvr>
-  <p:timing>
-    <p:tnLst>
-      <p:par>
-        <p:cTn id="1" dur="indefinite" restart="never" nodeType="tmRoot"/>
-      </p:par>
-    </p:tnLst>
-  </p:timing>
 </p:sld>
 </file>
 
@@ -4459,7 +4880,7 @@
           <p:cNvPr id="2" name="Title 1">
             <a:extLst>
               <a:ext uri="{FF2B5EF4-FFF2-40B4-BE49-F238E27FC236}">
-                <a16:creationId xmlns:a16="http://schemas.microsoft.com/office/drawing/2014/main" xmlns="" id="{BDC5B3F6-D021-43C8-B57F-075FB0C69BAA}"/>
+                <a16:creationId xmlns:a16="http://schemas.microsoft.com/office/drawing/2014/main" id="{BDC5B3F6-D021-43C8-B57F-075FB0C69BAA}"/>
               </a:ext>
             </a:extLst>
           </p:cNvPr>
@@ -4477,10 +4898,9 @@
           <a:p>
             <a:pPr algn="ctr"/>
             <a:r>
-              <a:rPr lang="en-US" dirty="0" smtClean="0"/>
+              <a:rPr lang="en-US" dirty="0"/>
               <a:t>What is it?</a:t>
             </a:r>
-            <a:endParaRPr lang="en-US" dirty="0"/>
           </a:p>
         </p:txBody>
       </p:sp>
@@ -4489,7 +4909,7 @@
           <p:cNvPr id="3" name="Content Placeholder 2">
             <a:extLst>
               <a:ext uri="{FF2B5EF4-FFF2-40B4-BE49-F238E27FC236}">
-                <a16:creationId xmlns:a16="http://schemas.microsoft.com/office/drawing/2014/main" xmlns="" id="{70E2E14D-469D-42A3-83E1-C42B51320693}"/>
+                <a16:creationId xmlns:a16="http://schemas.microsoft.com/office/drawing/2014/main" id="{70E2E14D-469D-42A3-83E1-C42B51320693}"/>
               </a:ext>
             </a:extLst>
           </p:cNvPr>
@@ -4512,47 +4932,99 @@
               <a:t>A website that </a:t>
             </a:r>
             <a:r>
-              <a:rPr lang="en-US" dirty="0" smtClean="0"/>
-              <a:t>monitors a list </a:t>
+              <a:rPr lang="en-US" dirty="0">
+                <a:solidFill>
+                  <a:schemeClr val="accent2">
+                    <a:lumMod val="60000"/>
+                    <a:lumOff val="40000"/>
+                  </a:schemeClr>
+                </a:solidFill>
+              </a:rPr>
+              <a:t>monitors</a:t>
             </a:r>
             <a:r>
               <a:rPr lang="en-US" dirty="0"/>
-              <a:t>of </a:t>
-            </a:r>
-            <a:r>
-              <a:rPr lang="en-US" dirty="0" smtClean="0"/>
-              <a:t>websites that you provide.</a:t>
-            </a:r>
-            <a:endParaRPr lang="en-US" dirty="0"/>
-          </a:p>
-          <a:p>
-            <a:r>
-              <a:rPr lang="en-US" dirty="0" smtClean="0"/>
-              <a:t>Sends an email when it discovers that one of the websites have updated.</a:t>
-            </a:r>
-            <a:endParaRPr lang="en-US" dirty="0"/>
-          </a:p>
-          <a:p>
-            <a:r>
-              <a:rPr lang="en-US" dirty="0" smtClean="0"/>
-              <a:t>User Accounts with personalized lists of websites.</a:t>
-            </a:r>
-            <a:endParaRPr lang="en-US" dirty="0"/>
-          </a:p>
-          <a:p>
-            <a:r>
-              <a:rPr lang="en-US" dirty="0" smtClean="0"/>
-              <a:t>Password Optional.</a:t>
-            </a:r>
-          </a:p>
-          <a:p>
-            <a:r>
-              <a:rPr lang="en-US" dirty="0" smtClean="0"/>
-              <a:t>Caveat</a:t>
-            </a:r>
+              <a:t> a list of websites that you provide.</a:t>
+            </a:r>
+          </a:p>
+          <a:p>
             <a:r>
               <a:rPr lang="en-US" dirty="0"/>
-              <a:t>: Only </a:t>
+              <a:t>Sends an </a:t>
+            </a:r>
+            <a:r>
+              <a:rPr lang="en-US" dirty="0">
+                <a:solidFill>
+                  <a:schemeClr val="accent2">
+                    <a:lumMod val="60000"/>
+                    <a:lumOff val="40000"/>
+                  </a:schemeClr>
+                </a:solidFill>
+              </a:rPr>
+              <a:t>email</a:t>
+            </a:r>
+            <a:r>
+              <a:rPr lang="en-US" dirty="0"/>
+              <a:t> when it discovers that one of the websites have </a:t>
+            </a:r>
+            <a:r>
+              <a:rPr lang="en-US" dirty="0">
+                <a:solidFill>
+                  <a:schemeClr val="accent2">
+                    <a:lumMod val="60000"/>
+                    <a:lumOff val="40000"/>
+                  </a:schemeClr>
+                </a:solidFill>
+              </a:rPr>
+              <a:t>updated</a:t>
+            </a:r>
+            <a:r>
+              <a:rPr lang="en-US" dirty="0"/>
+              <a:t>.</a:t>
+            </a:r>
+          </a:p>
+          <a:p>
+            <a:r>
+              <a:rPr lang="en-US" dirty="0">
+                <a:solidFill>
+                  <a:schemeClr val="accent2">
+                    <a:lumMod val="60000"/>
+                    <a:lumOff val="40000"/>
+                  </a:schemeClr>
+                </a:solidFill>
+              </a:rPr>
+              <a:t>User Accounts </a:t>
+            </a:r>
+            <a:r>
+              <a:rPr lang="en-US" dirty="0"/>
+              <a:t>with personalized lists of websites.</a:t>
+            </a:r>
+          </a:p>
+          <a:p>
+            <a:r>
+              <a:rPr lang="en-US" dirty="0"/>
+              <a:t>Password	 </a:t>
+            </a:r>
+            <a:r>
+              <a:rPr lang="en-US" dirty="0">
+                <a:solidFill>
+                  <a:schemeClr val="accent2">
+                    <a:lumMod val="60000"/>
+                    <a:lumOff val="40000"/>
+                  </a:schemeClr>
+                </a:solidFill>
+              </a:rPr>
+              <a:t>Optional</a:t>
+            </a:r>
+            <a:r>
+              <a:rPr lang="en-US" dirty="0"/>
+              <a:t>.</a:t>
+            </a:r>
+          </a:p>
+          <a:p>
+            <a:r>
+              <a:rPr lang="en-US" dirty="0"/>
+              <a:t>Caveat: Only </a:t>
             </a:r>
             <a:r>
               <a:rPr lang="en-US" dirty="0" err="1"/>
@@ -4560,7 +5032,22 @@
             </a:r>
             <a:r>
               <a:rPr lang="en-US" dirty="0"/>
-              <a:t> or Last-Modified Allowed.</a:t>
+              <a:t>  </a:t>
+            </a:r>
+            <a:r>
+              <a:rPr lang="en-US" dirty="0">
+                <a:solidFill>
+                  <a:schemeClr val="accent2">
+                    <a:lumMod val="60000"/>
+                    <a:lumOff val="40000"/>
+                  </a:schemeClr>
+                </a:solidFill>
+              </a:rPr>
+              <a:t>or</a:t>
+            </a:r>
+            <a:r>
+              <a:rPr lang="en-US" dirty="0"/>
+              <a:t> Last-Modified Allowed.</a:t>
             </a:r>
           </a:p>
           <a:p>
@@ -4581,13 +5068,6 @@
   <p:clrMapOvr>
     <a:masterClrMapping/>
   </p:clrMapOvr>
-  <p:timing>
-    <p:tnLst>
-      <p:par>
-        <p:cTn id="1" dur="indefinite" restart="never" nodeType="tmRoot"/>
-      </p:par>
-    </p:tnLst>
-  </p:timing>
 </p:sld>
 </file>
 
@@ -4613,7 +5093,7 @@
           <p:cNvPr id="2" name="Title 1">
             <a:extLst>
               <a:ext uri="{FF2B5EF4-FFF2-40B4-BE49-F238E27FC236}">
-                <a16:creationId xmlns:a16="http://schemas.microsoft.com/office/drawing/2014/main" xmlns="" id="{259D0B7C-1D18-4B9B-9686-41CD01222471}"/>
+                <a16:creationId xmlns:a16="http://schemas.microsoft.com/office/drawing/2014/main" id="{259D0B7C-1D18-4B9B-9686-41CD01222471}"/>
               </a:ext>
             </a:extLst>
           </p:cNvPr>
@@ -4631,10 +5111,9 @@
           <a:p>
             <a:pPr algn="ctr"/>
             <a:r>
-              <a:rPr lang="en-US" dirty="0" smtClean="0"/>
+              <a:rPr lang="en-US" dirty="0"/>
               <a:t>How do we do it?</a:t>
             </a:r>
-            <a:endParaRPr lang="en-US" dirty="0"/>
           </a:p>
         </p:txBody>
       </p:sp>
@@ -4643,7 +5122,7 @@
           <p:cNvPr id="3" name="Content Placeholder 2">
             <a:extLst>
               <a:ext uri="{FF2B5EF4-FFF2-40B4-BE49-F238E27FC236}">
-                <a16:creationId xmlns:a16="http://schemas.microsoft.com/office/drawing/2014/main" xmlns="" id="{7171011C-A762-4A01-8962-0A7436AA633E}"/>
+                <a16:creationId xmlns:a16="http://schemas.microsoft.com/office/drawing/2014/main" id="{7171011C-A762-4A01-8962-0A7436AA633E}"/>
               </a:ext>
             </a:extLst>
           </p:cNvPr>
@@ -4660,52 +5139,124 @@
           <a:lstStyle/>
           <a:p>
             <a:r>
+              <a:rPr lang="en-US" dirty="0">
+                <a:solidFill>
+                  <a:schemeClr val="accent2">
+                    <a:lumMod val="60000"/>
+                    <a:lumOff val="40000"/>
+                  </a:schemeClr>
+                </a:solidFill>
+              </a:rPr>
+              <a:t>Database</a:t>
+            </a:r>
+            <a:r>
               <a:rPr lang="en-US" dirty="0"/>
-              <a:t>Database Design</a:t>
+              <a:t> Design</a:t>
             </a:r>
           </a:p>
           <a:p>
             <a:r>
               <a:rPr lang="en-US" dirty="0"/>
-              <a:t>Account </a:t>
-            </a:r>
-            <a:r>
-              <a:rPr lang="en-US" dirty="0" smtClean="0"/>
-              <a:t>Creation, Logging In, and Logging Out</a:t>
-            </a:r>
-            <a:endParaRPr lang="en-US" dirty="0" smtClean="0"/>
-          </a:p>
-          <a:p>
-            <a:r>
-              <a:rPr lang="en-US" dirty="0" smtClean="0"/>
-              <a:t>Changing Password and </a:t>
-            </a:r>
-            <a:r>
-              <a:rPr lang="en-US" dirty="0" smtClean="0"/>
-              <a:t>Account Recovery</a:t>
-            </a:r>
-            <a:endParaRPr lang="en-US" dirty="0"/>
-          </a:p>
-          <a:p>
-            <a:r>
-              <a:rPr lang="en-US" dirty="0" smtClean="0"/>
-              <a:t>Adding, Editing, and Deleting URLs</a:t>
-            </a:r>
-            <a:endParaRPr lang="en-US" dirty="0"/>
-          </a:p>
-          <a:p>
-            <a:r>
-              <a:rPr lang="en-US" dirty="0" smtClean="0"/>
-              <a:t>Searching for Updates</a:t>
-            </a:r>
-            <a:endParaRPr lang="en-US" dirty="0"/>
-          </a:p>
-          <a:p>
-            <a:r>
-              <a:rPr lang="en-US" dirty="0" smtClean="0"/>
-              <a:t>Updating the Database and Sending Emails</a:t>
-            </a:r>
-            <a:endParaRPr lang="en-US" dirty="0"/>
+              <a:t>Account Creation, Logging </a:t>
+            </a:r>
+            <a:r>
+              <a:rPr lang="en-US" dirty="0">
+                <a:solidFill>
+                  <a:schemeClr val="accent2">
+                    <a:lumMod val="60000"/>
+                    <a:lumOff val="40000"/>
+                  </a:schemeClr>
+                </a:solidFill>
+              </a:rPr>
+              <a:t>In</a:t>
+            </a:r>
+            <a:r>
+              <a:rPr lang="en-US" dirty="0"/>
+              <a:t>, and Logging </a:t>
+            </a:r>
+            <a:r>
+              <a:rPr lang="en-US" dirty="0">
+                <a:solidFill>
+                  <a:schemeClr val="accent2">
+                    <a:lumMod val="60000"/>
+                    <a:lumOff val="40000"/>
+                  </a:schemeClr>
+                </a:solidFill>
+              </a:rPr>
+              <a:t>Out</a:t>
+            </a:r>
+          </a:p>
+          <a:p>
+            <a:r>
+              <a:rPr lang="en-US" dirty="0"/>
+              <a:t>Changing </a:t>
+            </a:r>
+            <a:r>
+              <a:rPr lang="en-US" dirty="0">
+                <a:solidFill>
+                  <a:schemeClr val="accent2">
+                    <a:lumMod val="60000"/>
+                    <a:lumOff val="40000"/>
+                  </a:schemeClr>
+                </a:solidFill>
+              </a:rPr>
+              <a:t>Password</a:t>
+            </a:r>
+            <a:r>
+              <a:rPr lang="en-US" dirty="0"/>
+              <a:t> and Account Recovery</a:t>
+            </a:r>
+          </a:p>
+          <a:p>
+            <a:r>
+              <a:rPr lang="en-US" dirty="0"/>
+              <a:t>Adding, Editing, and Deleting </a:t>
+            </a:r>
+            <a:r>
+              <a:rPr lang="en-US" dirty="0">
+                <a:solidFill>
+                  <a:schemeClr val="accent2">
+                    <a:lumMod val="60000"/>
+                    <a:lumOff val="40000"/>
+                  </a:schemeClr>
+                </a:solidFill>
+              </a:rPr>
+              <a:t>URLs</a:t>
+            </a:r>
+          </a:p>
+          <a:p>
+            <a:r>
+              <a:rPr lang="en-US" dirty="0">
+                <a:solidFill>
+                  <a:schemeClr val="accent2">
+                    <a:lumMod val="60000"/>
+                    <a:lumOff val="40000"/>
+                  </a:schemeClr>
+                </a:solidFill>
+              </a:rPr>
+              <a:t>Searching</a:t>
+            </a:r>
+            <a:r>
+              <a:rPr lang="en-US" dirty="0"/>
+              <a:t> for Updates</a:t>
+            </a:r>
+          </a:p>
+          <a:p>
+            <a:r>
+              <a:rPr lang="en-US" dirty="0"/>
+              <a:t>Updating the Database and Sending </a:t>
+            </a:r>
+            <a:r>
+              <a:rPr lang="en-US" dirty="0">
+                <a:solidFill>
+                  <a:schemeClr val="accent2">
+                    <a:lumMod val="60000"/>
+                    <a:lumOff val="40000"/>
+                  </a:schemeClr>
+                </a:solidFill>
+              </a:rPr>
+              <a:t>Emails</a:t>
+            </a:r>
           </a:p>
         </p:txBody>
       </p:sp>
@@ -4719,13 +5270,6 @@
   <p:clrMapOvr>
     <a:masterClrMapping/>
   </p:clrMapOvr>
-  <p:timing>
-    <p:tnLst>
-      <p:par>
-        <p:cTn id="1" dur="indefinite" restart="never" nodeType="tmRoot"/>
-      </p:par>
-    </p:tnLst>
-  </p:timing>
 </p:sld>
 </file>
 
@@ -4751,7 +5295,7 @@
           <p:cNvPr id="2" name="Title 1">
             <a:extLst>
               <a:ext uri="{FF2B5EF4-FFF2-40B4-BE49-F238E27FC236}">
-                <a16:creationId xmlns:a16="http://schemas.microsoft.com/office/drawing/2014/main" xmlns="" id="{259D0B7C-1D18-4B9B-9686-41CD01222471}"/>
+                <a16:creationId xmlns:a16="http://schemas.microsoft.com/office/drawing/2014/main" id="{259D0B7C-1D18-4B9B-9686-41CD01222471}"/>
               </a:ext>
             </a:extLst>
           </p:cNvPr>
@@ -4772,7 +5316,6 @@
               <a:rPr lang="en-US" dirty="0"/>
               <a:t>How do we do it?</a:t>
             </a:r>
-            <a:endParaRPr lang="en-US" dirty="0"/>
           </a:p>
         </p:txBody>
       </p:sp>
@@ -4781,7 +5324,7 @@
           <p:cNvPr id="3" name="Content Placeholder 2">
             <a:extLst>
               <a:ext uri="{FF2B5EF4-FFF2-40B4-BE49-F238E27FC236}">
-                <a16:creationId xmlns:a16="http://schemas.microsoft.com/office/drawing/2014/main" xmlns="" id="{7171011C-A762-4A01-8962-0A7436AA633E}"/>
+                <a16:creationId xmlns:a16="http://schemas.microsoft.com/office/drawing/2014/main" id="{7171011C-A762-4A01-8962-0A7436AA633E}"/>
               </a:ext>
             </a:extLst>
           </p:cNvPr>
@@ -4798,248 +5341,52 @@
           <a:lstStyle/>
           <a:p>
             <a:r>
-              <a:rPr lang="en-US" dirty="0" smtClean="0"/>
+              <a:rPr lang="en-US" dirty="0"/>
               <a:t>To let the user create an account.</a:t>
             </a:r>
           </a:p>
           <a:p>
             <a:r>
-              <a:rPr lang="en-US" dirty="0" smtClean="0">
-                <a:solidFill>
-                  <a:schemeClr val="bg2"/>
-                </a:solidFill>
-              </a:rPr>
+              <a:rPr lang="en-US" dirty="0"/>
               <a:t>To let user enter , delete or/and edit a URL .</a:t>
             </a:r>
           </a:p>
           <a:p>
             <a:r>
-              <a:rPr lang="en-US" dirty="0" smtClean="0">
-                <a:solidFill>
-                  <a:schemeClr val="bg2"/>
-                </a:solidFill>
-              </a:rPr>
+              <a:rPr lang="en-US" dirty="0"/>
               <a:t>Create a relational view of the database , with proper key – table relation to store user details and the URL details.</a:t>
             </a:r>
           </a:p>
           <a:p>
             <a:r>
-              <a:rPr lang="en-US" dirty="0" smtClean="0">
-                <a:solidFill>
-                  <a:schemeClr val="bg2"/>
-                </a:solidFill>
-              </a:rPr>
+              <a:rPr lang="en-US" dirty="0"/>
               <a:t>Scan through the saved Websites.</a:t>
             </a:r>
           </a:p>
           <a:p>
             <a:r>
-              <a:rPr lang="en-US" dirty="0" smtClean="0">
-                <a:solidFill>
-                  <a:schemeClr val="bg2"/>
-                </a:solidFill>
-              </a:rPr>
+              <a:rPr lang="en-US" dirty="0"/>
               <a:t>For the identified websites, update the database.</a:t>
             </a:r>
           </a:p>
           <a:p>
             <a:r>
-              <a:rPr lang="en-US" dirty="0" smtClean="0">
-                <a:solidFill>
-                  <a:schemeClr val="bg2"/>
-                </a:solidFill>
-              </a:rPr>
+              <a:rPr lang="en-US" dirty="0"/>
               <a:t>Send the email to the user , without spamming them.</a:t>
             </a:r>
-            <a:endParaRPr lang="en-US" dirty="0">
-              <a:solidFill>
-                <a:schemeClr val="bg2"/>
-              </a:solidFill>
-            </a:endParaRPr>
-          </a:p>
-        </p:txBody>
-      </p:sp>
-      <p:sp>
-        <p:nvSpPr>
-          <p:cNvPr id="5" name="TextBox 4">
-            <a:extLst>
-              <a:ext uri="{FF2B5EF4-FFF2-40B4-BE49-F238E27FC236}">
-                <a16:creationId xmlns:a16="http://schemas.microsoft.com/office/drawing/2014/main" xmlns="" id="{712723B3-7A70-4AD7-BACB-1675F66D5820}"/>
-              </a:ext>
-            </a:extLst>
-          </p:cNvPr>
-          <p:cNvSpPr txBox="1"/>
-          <p:nvPr/>
-        </p:nvSpPr>
-        <p:spPr>
-          <a:xfrm>
-            <a:off x="5863472" y="2102177"/>
-            <a:ext cx="6061435" cy="4247317"/>
-          </a:xfrm>
-          <a:prstGeom prst="rect">
-            <a:avLst/>
-          </a:prstGeom>
-          <a:solidFill>
-            <a:schemeClr val="accent3">
-              <a:alpha val="46000"/>
-            </a:schemeClr>
-          </a:solidFill>
-          <a:effectLst>
-            <a:outerShdw blurRad="50800" dist="38100" dir="18900000" algn="bl" rotWithShape="0">
-              <a:prstClr val="black">
-                <a:alpha val="0"/>
-              </a:prstClr>
-            </a:outerShdw>
-          </a:effectLst>
-        </p:spPr>
-        <p:txBody>
-          <a:bodyPr wrap="square" rtlCol="0">
-            <a:spAutoFit/>
-          </a:bodyPr>
-          <a:lstStyle/>
-          <a:p>
-            <a:r>
-              <a:rPr lang="en-US" dirty="0">
-                <a:solidFill>
-                  <a:schemeClr val="accent2"/>
-                </a:solidFill>
-              </a:rPr>
-              <a:t>Use of </a:t>
-            </a:r>
-            <a:r>
-              <a:rPr lang="en-US" dirty="0" err="1">
-                <a:solidFill>
-                  <a:schemeClr val="accent2"/>
-                </a:solidFill>
-              </a:rPr>
-              <a:t>php</a:t>
-            </a:r>
-            <a:r>
-              <a:rPr lang="en-US" dirty="0">
-                <a:solidFill>
-                  <a:schemeClr val="accent2"/>
-                </a:solidFill>
-              </a:rPr>
-              <a:t>.</a:t>
-            </a:r>
-          </a:p>
-          <a:p>
-            <a:endParaRPr lang="en-US" dirty="0">
-              <a:solidFill>
-                <a:schemeClr val="accent2"/>
-              </a:solidFill>
-            </a:endParaRPr>
-          </a:p>
-          <a:p>
-            <a:endParaRPr lang="en-US" dirty="0">
-              <a:solidFill>
-                <a:schemeClr val="accent2"/>
-              </a:solidFill>
-            </a:endParaRPr>
-          </a:p>
-          <a:p>
-            <a:endParaRPr lang="en-US" dirty="0">
-              <a:solidFill>
-                <a:schemeClr val="accent2"/>
-              </a:solidFill>
-            </a:endParaRPr>
-          </a:p>
-          <a:p>
-            <a:endParaRPr lang="en-US" dirty="0">
-              <a:solidFill>
-                <a:schemeClr val="accent2"/>
-              </a:solidFill>
-            </a:endParaRPr>
-          </a:p>
-          <a:p>
-            <a:endParaRPr lang="en-US" dirty="0">
-              <a:solidFill>
-                <a:schemeClr val="accent2"/>
-              </a:solidFill>
-            </a:endParaRPr>
-          </a:p>
-          <a:p>
-            <a:endParaRPr lang="en-US" dirty="0">
-              <a:solidFill>
-                <a:schemeClr val="accent2"/>
-              </a:solidFill>
-            </a:endParaRPr>
-          </a:p>
-          <a:p>
-            <a:endParaRPr lang="en-US" dirty="0">
-              <a:solidFill>
-                <a:schemeClr val="accent2"/>
-              </a:solidFill>
-            </a:endParaRPr>
-          </a:p>
-          <a:p>
-            <a:endParaRPr lang="en-US" dirty="0">
-              <a:solidFill>
-                <a:schemeClr val="accent2"/>
-              </a:solidFill>
-            </a:endParaRPr>
-          </a:p>
-          <a:p>
-            <a:endParaRPr lang="en-US" dirty="0">
-              <a:solidFill>
-                <a:schemeClr val="accent2"/>
-              </a:solidFill>
-            </a:endParaRPr>
-          </a:p>
-          <a:p>
-            <a:endParaRPr lang="en-US" dirty="0">
-              <a:solidFill>
-                <a:schemeClr val="accent2"/>
-              </a:solidFill>
-            </a:endParaRPr>
-          </a:p>
-          <a:p>
-            <a:endParaRPr lang="en-US" dirty="0">
-              <a:solidFill>
-                <a:schemeClr val="accent2"/>
-              </a:solidFill>
-            </a:endParaRPr>
-          </a:p>
-          <a:p>
-            <a:endParaRPr lang="en-US" dirty="0">
-              <a:solidFill>
-                <a:schemeClr val="accent2"/>
-              </a:solidFill>
-            </a:endParaRPr>
-          </a:p>
-          <a:p>
-            <a:endParaRPr lang="en-US" dirty="0">
-              <a:solidFill>
-                <a:schemeClr val="accent2"/>
-              </a:solidFill>
-            </a:endParaRPr>
-          </a:p>
-          <a:p>
-            <a:endParaRPr lang="en-US" dirty="0">
-              <a:solidFill>
-                <a:schemeClr val="accent2"/>
-              </a:solidFill>
-            </a:endParaRPr>
           </a:p>
         </p:txBody>
       </p:sp>
     </p:spTree>
     <p:extLst>
       <p:ext uri="{BB962C8B-B14F-4D97-AF65-F5344CB8AC3E}">
-        <p14:creationId xmlns:p14="http://schemas.microsoft.com/office/powerpoint/2010/main" val="2611299180"/>
+        <p14:creationId xmlns:p14="http://schemas.microsoft.com/office/powerpoint/2010/main" val="18999463"/>
       </p:ext>
     </p:extLst>
   </p:cSld>
   <p:clrMapOvr>
     <a:masterClrMapping/>
   </p:clrMapOvr>
-  <p:timing>
-    <p:tnLst>
-      <p:par>
-        <p:cTn id="1" dur="indefinite" restart="never" nodeType="tmRoot"/>
-      </p:par>
-    </p:tnLst>
-  </p:timing>
 </p:sld>
 </file>
 
@@ -5065,7 +5412,7 @@
           <p:cNvPr id="2" name="Title 1">
             <a:extLst>
               <a:ext uri="{FF2B5EF4-FFF2-40B4-BE49-F238E27FC236}">
-                <a16:creationId xmlns:a16="http://schemas.microsoft.com/office/drawing/2014/main" xmlns="" id="{259D0B7C-1D18-4B9B-9686-41CD01222471}"/>
+                <a16:creationId xmlns:a16="http://schemas.microsoft.com/office/drawing/2014/main" id="{259D0B7C-1D18-4B9B-9686-41CD01222471}"/>
               </a:ext>
             </a:extLst>
           </p:cNvPr>
@@ -5086,7 +5433,6 @@
               <a:rPr lang="en-US" dirty="0"/>
               <a:t>How do we do it?</a:t>
             </a:r>
-            <a:endParaRPr lang="en-US" dirty="0"/>
           </a:p>
         </p:txBody>
       </p:sp>
@@ -5095,7 +5441,7 @@
           <p:cNvPr id="3" name="Content Placeholder 2">
             <a:extLst>
               <a:ext uri="{FF2B5EF4-FFF2-40B4-BE49-F238E27FC236}">
-                <a16:creationId xmlns:a16="http://schemas.microsoft.com/office/drawing/2014/main" xmlns="" id="{7171011C-A762-4A01-8962-0A7436AA633E}"/>
+                <a16:creationId xmlns:a16="http://schemas.microsoft.com/office/drawing/2014/main" id="{7171011C-A762-4A01-8962-0A7436AA633E}"/>
               </a:ext>
             </a:extLst>
           </p:cNvPr>
@@ -5112,17 +5458,20 @@
           <a:lstStyle/>
           <a:p>
             <a:r>
+              <a:rPr lang="en-US" dirty="0"/>
+              <a:t>To let the user create an account.</a:t>
+            </a:r>
+          </a:p>
+          <a:p>
+            <a:r>
               <a:rPr lang="en-US" dirty="0">
                 <a:solidFill>
-                  <a:schemeClr val="bg2"/>
-                </a:solidFill>
-              </a:rPr>
-              <a:t>To let the user create an account.</a:t>
-            </a:r>
-          </a:p>
-          <a:p>
-            <a:r>
-              <a:rPr lang="en-US" dirty="0"/>
+                  <a:schemeClr val="accent6">
+                    <a:lumMod val="40000"/>
+                    <a:lumOff val="60000"/>
+                  </a:schemeClr>
+                </a:solidFill>
+              </a:rPr>
               <a:t>To let user enter , delete or/and edit a URL .</a:t>
             </a:r>
           </a:p>
@@ -5130,7 +5479,10 @@
             <a:r>
               <a:rPr lang="en-US" dirty="0">
                 <a:solidFill>
-                  <a:schemeClr val="bg2"/>
+                  <a:schemeClr val="accent6">
+                    <a:lumMod val="40000"/>
+                    <a:lumOff val="60000"/>
+                  </a:schemeClr>
                 </a:solidFill>
               </a:rPr>
               <a:t>Create a relational view of the database , with proper key – table relation to store user details and the URL details.</a:t>
@@ -5140,7 +5492,10 @@
             <a:r>
               <a:rPr lang="en-US" dirty="0">
                 <a:solidFill>
-                  <a:schemeClr val="bg2"/>
+                  <a:schemeClr val="accent6">
+                    <a:lumMod val="40000"/>
+                    <a:lumOff val="60000"/>
+                  </a:schemeClr>
                 </a:solidFill>
               </a:rPr>
               <a:t>Scan through the saved Websites.</a:t>
@@ -5150,7 +5505,10 @@
             <a:r>
               <a:rPr lang="en-US" dirty="0">
                 <a:solidFill>
-                  <a:schemeClr val="bg2"/>
+                  <a:schemeClr val="accent6">
+                    <a:lumMod val="40000"/>
+                    <a:lumOff val="60000"/>
+                  </a:schemeClr>
                 </a:solidFill>
               </a:rPr>
               <a:t>For the identified websites, update the database.</a:t>
@@ -5160,31 +5518,226 @@
             <a:r>
               <a:rPr lang="en-US" dirty="0">
                 <a:solidFill>
-                  <a:schemeClr val="bg2"/>
+                  <a:schemeClr val="accent6">
+                    <a:lumMod val="40000"/>
+                    <a:lumOff val="60000"/>
+                  </a:schemeClr>
                 </a:solidFill>
               </a:rPr>
               <a:t>Send the email to the user , without spamming them.</a:t>
             </a:r>
+          </a:p>
+        </p:txBody>
+      </p:sp>
+      <p:sp>
+        <p:nvSpPr>
+          <p:cNvPr id="4" name="TextBox 3">
+            <a:extLst>
+              <a:ext uri="{FF2B5EF4-FFF2-40B4-BE49-F238E27FC236}">
+                <a16:creationId xmlns:a16="http://schemas.microsoft.com/office/drawing/2014/main" id="{E2F75D3C-4D6C-495B-95A6-C10D8C2C0CFB}"/>
+              </a:ext>
+            </a:extLst>
+          </p:cNvPr>
+          <p:cNvSpPr txBox="1"/>
+          <p:nvPr/>
+        </p:nvSpPr>
+        <p:spPr>
+          <a:xfrm>
+            <a:off x="7403184" y="1489435"/>
+            <a:ext cx="4788816" cy="1754326"/>
+          </a:xfrm>
+          <a:prstGeom prst="rect">
+            <a:avLst/>
+          </a:prstGeom>
+          <a:solidFill>
+            <a:schemeClr val="accent1">
+              <a:lumMod val="50000"/>
+            </a:schemeClr>
+          </a:solidFill>
+          <a:ln>
+            <a:solidFill>
+              <a:schemeClr val="accent2">
+                <a:lumMod val="75000"/>
+              </a:schemeClr>
+            </a:solidFill>
+          </a:ln>
+        </p:spPr>
+        <p:txBody>
+          <a:bodyPr wrap="square" rtlCol="0">
+            <a:spAutoFit/>
+          </a:bodyPr>
+          <a:lstStyle/>
+          <a:p>
+            <a:pPr>
+              <a:lnSpc>
+                <a:spcPct val="200000"/>
+              </a:lnSpc>
+            </a:pPr>
+            <a:r>
+              <a:rPr lang="en-US" dirty="0" err="1">
+                <a:solidFill>
+                  <a:schemeClr val="bg1"/>
+                </a:solidFill>
+              </a:rPr>
+              <a:t>Php</a:t>
+            </a:r>
+            <a:r>
+              <a:rPr lang="en-US" dirty="0">
+                <a:solidFill>
+                  <a:schemeClr val="bg1"/>
+                </a:solidFill>
+              </a:rPr>
+              <a:t>  - Front End handling</a:t>
+            </a:r>
+          </a:p>
+          <a:p>
+            <a:pPr>
+              <a:lnSpc>
+                <a:spcPct val="200000"/>
+              </a:lnSpc>
+            </a:pPr>
+            <a:r>
+              <a:rPr lang="en-US" dirty="0" err="1">
+                <a:solidFill>
+                  <a:schemeClr val="bg1"/>
+                </a:solidFill>
+              </a:rPr>
+              <a:t>MySql</a:t>
+            </a:r>
+            <a:r>
+              <a:rPr lang="en-US" dirty="0">
+                <a:solidFill>
+                  <a:schemeClr val="bg1"/>
+                </a:solidFill>
+              </a:rPr>
+              <a:t> – To store the user details</a:t>
+            </a:r>
+          </a:p>
+          <a:p>
+            <a:pPr>
+              <a:lnSpc>
+                <a:spcPct val="200000"/>
+              </a:lnSpc>
+            </a:pPr>
+            <a:r>
+              <a:rPr lang="en-US" dirty="0" err="1">
+                <a:solidFill>
+                  <a:schemeClr val="bg1"/>
+                </a:solidFill>
+              </a:rPr>
+              <a:t>phpMyadmin</a:t>
+            </a:r>
+            <a:r>
+              <a:rPr lang="en-US" dirty="0">
+                <a:solidFill>
+                  <a:schemeClr val="bg1"/>
+                </a:solidFill>
+              </a:rPr>
+              <a:t>- Connect </a:t>
+            </a:r>
+            <a:r>
+              <a:rPr lang="en-US" dirty="0" err="1">
+                <a:solidFill>
+                  <a:schemeClr val="bg1"/>
+                </a:solidFill>
+              </a:rPr>
+              <a:t>Php</a:t>
+            </a:r>
+            <a:r>
+              <a:rPr lang="en-US" dirty="0">
+                <a:solidFill>
+                  <a:schemeClr val="bg1"/>
+                </a:solidFill>
+              </a:rPr>
+              <a:t> and </a:t>
+            </a:r>
+            <a:r>
+              <a:rPr lang="en-US" dirty="0" err="1">
+                <a:solidFill>
+                  <a:schemeClr val="bg1"/>
+                </a:solidFill>
+              </a:rPr>
+              <a:t>Mysql</a:t>
+            </a:r>
+            <a:r>
+              <a:rPr lang="en-US" dirty="0">
+                <a:solidFill>
+                  <a:schemeClr val="bg1"/>
+                </a:solidFill>
+              </a:rPr>
+              <a:t>.</a:t>
+            </a:r>
+          </a:p>
+        </p:txBody>
+      </p:sp>
+      <p:sp>
+        <p:nvSpPr>
+          <p:cNvPr id="7" name="Arrow: Right 6">
+            <a:extLst>
+              <a:ext uri="{FF2B5EF4-FFF2-40B4-BE49-F238E27FC236}">
+                <a16:creationId xmlns:a16="http://schemas.microsoft.com/office/drawing/2014/main" id="{ABB21E1D-F2BF-4F8C-8173-97A5DCF81312}"/>
+              </a:ext>
+            </a:extLst>
+          </p:cNvPr>
+          <p:cNvSpPr/>
+          <p:nvPr/>
+        </p:nvSpPr>
+        <p:spPr>
+          <a:xfrm>
+            <a:off x="6777872" y="1825625"/>
+            <a:ext cx="480767" cy="314375"/>
+          </a:xfrm>
+          <a:prstGeom prst="rightArrow">
+            <a:avLst/>
+          </a:prstGeom>
+          <a:solidFill>
+            <a:schemeClr val="accent2">
+              <a:lumMod val="50000"/>
+            </a:schemeClr>
+          </a:solidFill>
+          <a:ln>
+            <a:solidFill>
+              <a:schemeClr val="accent2">
+                <a:lumMod val="75000"/>
+              </a:schemeClr>
+            </a:solidFill>
+          </a:ln>
+        </p:spPr>
+        <p:style>
+          <a:lnRef idx="2">
+            <a:schemeClr val="accent1">
+              <a:shade val="50000"/>
+            </a:schemeClr>
+          </a:lnRef>
+          <a:fillRef idx="1">
+            <a:schemeClr val="accent1"/>
+          </a:fillRef>
+          <a:effectRef idx="0">
+            <a:schemeClr val="accent1"/>
+          </a:effectRef>
+          <a:fontRef idx="minor">
+            <a:schemeClr val="lt1"/>
+          </a:fontRef>
+        </p:style>
+        <p:txBody>
+          <a:bodyPr rtlCol="0" anchor="ctr"/>
+          <a:lstStyle/>
+          <a:p>
+            <a:pPr algn="ctr"/>
+            <a:endParaRPr lang="en-US"/>
           </a:p>
         </p:txBody>
       </p:sp>
     </p:spTree>
     <p:extLst>
       <p:ext uri="{BB962C8B-B14F-4D97-AF65-F5344CB8AC3E}">
-        <p14:creationId xmlns:p14="http://schemas.microsoft.com/office/powerpoint/2010/main" val="65087415"/>
+        <p14:creationId xmlns:p14="http://schemas.microsoft.com/office/powerpoint/2010/main" val="2611299180"/>
       </p:ext>
     </p:extLst>
   </p:cSld>
   <p:clrMapOvr>
     <a:masterClrMapping/>
   </p:clrMapOvr>
-  <p:timing>
-    <p:tnLst>
-      <p:par>
-        <p:cTn id="1" dur="indefinite" restart="never" nodeType="tmRoot"/>
-      </p:par>
-    </p:tnLst>
-  </p:timing>
 </p:sld>
 </file>
 
@@ -5210,7 +5763,7 @@
           <p:cNvPr id="2" name="Title 1">
             <a:extLst>
               <a:ext uri="{FF2B5EF4-FFF2-40B4-BE49-F238E27FC236}">
-                <a16:creationId xmlns:a16="http://schemas.microsoft.com/office/drawing/2014/main" xmlns="" id="{259D0B7C-1D18-4B9B-9686-41CD01222471}"/>
+                <a16:creationId xmlns:a16="http://schemas.microsoft.com/office/drawing/2014/main" id="{259D0B7C-1D18-4B9B-9686-41CD01222471}"/>
               </a:ext>
             </a:extLst>
           </p:cNvPr>
@@ -5231,7 +5784,6 @@
               <a:rPr lang="en-US" dirty="0"/>
               <a:t>How do we do it?</a:t>
             </a:r>
-            <a:endParaRPr lang="en-US" dirty="0"/>
           </a:p>
         </p:txBody>
       </p:sp>
@@ -5240,7 +5792,7 @@
           <p:cNvPr id="3" name="Content Placeholder 2">
             <a:extLst>
               <a:ext uri="{FF2B5EF4-FFF2-40B4-BE49-F238E27FC236}">
-                <a16:creationId xmlns:a16="http://schemas.microsoft.com/office/drawing/2014/main" xmlns="" id="{7171011C-A762-4A01-8962-0A7436AA633E}"/>
+                <a16:creationId xmlns:a16="http://schemas.microsoft.com/office/drawing/2014/main" id="{7171011C-A762-4A01-8962-0A7436AA633E}"/>
               </a:ext>
             </a:extLst>
           </p:cNvPr>
@@ -5251,7 +5803,12 @@
             <p:ph idx="1"/>
           </p:nvPr>
         </p:nvSpPr>
-        <p:spPr/>
+        <p:spPr>
+          <a:xfrm>
+            <a:off x="838200" y="1816198"/>
+            <a:ext cx="10515600" cy="4351338"/>
+          </a:xfrm>
+        </p:spPr>
         <p:txBody>
           <a:bodyPr/>
           <a:lstStyle/>
@@ -5259,7 +5816,10 @@
             <a:r>
               <a:rPr lang="en-US" dirty="0">
                 <a:solidFill>
-                  <a:schemeClr val="bg2"/>
+                  <a:schemeClr val="accent6">
+                    <a:lumMod val="40000"/>
+                    <a:lumOff val="60000"/>
+                  </a:schemeClr>
                 </a:solidFill>
               </a:rPr>
               <a:t>To let the user create an account.</a:t>
@@ -5267,17 +5827,20 @@
           </a:p>
           <a:p>
             <a:r>
+              <a:rPr lang="en-US" dirty="0"/>
+              <a:t>To let user enter , delete and edit a URL .</a:t>
+            </a:r>
+          </a:p>
+          <a:p>
+            <a:r>
               <a:rPr lang="en-US" dirty="0">
                 <a:solidFill>
-                  <a:schemeClr val="bg2"/>
-                </a:solidFill>
-              </a:rPr>
-              <a:t>To let user enter , delete or/and edit a URL .</a:t>
-            </a:r>
-          </a:p>
-          <a:p>
-            <a:r>
-              <a:rPr lang="en-US" dirty="0"/>
+                  <a:schemeClr val="accent6">
+                    <a:lumMod val="40000"/>
+                    <a:lumOff val="60000"/>
+                  </a:schemeClr>
+                </a:solidFill>
+              </a:rPr>
               <a:t>Create a relational view of the database , with proper key – table relation to store user details and the URL details.</a:t>
             </a:r>
           </a:p>
@@ -5285,7 +5848,10 @@
             <a:r>
               <a:rPr lang="en-US" dirty="0">
                 <a:solidFill>
-                  <a:schemeClr val="bg2"/>
+                  <a:schemeClr val="accent6">
+                    <a:lumMod val="40000"/>
+                    <a:lumOff val="60000"/>
+                  </a:schemeClr>
                 </a:solidFill>
               </a:rPr>
               <a:t>Scan through the saved Websites.</a:t>
@@ -5295,7 +5861,10 @@
             <a:r>
               <a:rPr lang="en-US" dirty="0">
                 <a:solidFill>
-                  <a:schemeClr val="bg2"/>
+                  <a:schemeClr val="accent6">
+                    <a:lumMod val="40000"/>
+                    <a:lumOff val="60000"/>
+                  </a:schemeClr>
                 </a:solidFill>
               </a:rPr>
               <a:t>For the identified websites, update the database.</a:t>
@@ -5305,10 +5874,212 @@
             <a:r>
               <a:rPr lang="en-US" dirty="0">
                 <a:solidFill>
-                  <a:schemeClr val="bg2"/>
+                  <a:schemeClr val="accent6">
+                    <a:lumMod val="40000"/>
+                    <a:lumOff val="60000"/>
+                  </a:schemeClr>
                 </a:solidFill>
               </a:rPr>
               <a:t>Send the email to the user , without spamming them.</a:t>
+            </a:r>
+          </a:p>
+        </p:txBody>
+      </p:sp>
+      <p:sp>
+        <p:nvSpPr>
+          <p:cNvPr id="7" name="Arrow: Right 6">
+            <a:extLst>
+              <a:ext uri="{FF2B5EF4-FFF2-40B4-BE49-F238E27FC236}">
+                <a16:creationId xmlns:a16="http://schemas.microsoft.com/office/drawing/2014/main" id="{D28B34BC-6C11-4BED-B52A-B634C9F50A76}"/>
+              </a:ext>
+            </a:extLst>
+          </p:cNvPr>
+          <p:cNvSpPr/>
+          <p:nvPr/>
+        </p:nvSpPr>
+        <p:spPr>
+          <a:xfrm>
+            <a:off x="7702484" y="2366929"/>
+            <a:ext cx="480767" cy="314375"/>
+          </a:xfrm>
+          <a:prstGeom prst="rightArrow">
+            <a:avLst/>
+          </a:prstGeom>
+          <a:solidFill>
+            <a:schemeClr val="accent2">
+              <a:lumMod val="50000"/>
+            </a:schemeClr>
+          </a:solidFill>
+          <a:ln>
+            <a:solidFill>
+              <a:schemeClr val="accent2">
+                <a:lumMod val="75000"/>
+              </a:schemeClr>
+            </a:solidFill>
+          </a:ln>
+        </p:spPr>
+        <p:style>
+          <a:lnRef idx="2">
+            <a:schemeClr val="accent1">
+              <a:shade val="50000"/>
+            </a:schemeClr>
+          </a:lnRef>
+          <a:fillRef idx="1">
+            <a:schemeClr val="accent1"/>
+          </a:fillRef>
+          <a:effectRef idx="0">
+            <a:schemeClr val="accent1"/>
+          </a:effectRef>
+          <a:fontRef idx="minor">
+            <a:schemeClr val="lt1"/>
+          </a:fontRef>
+        </p:style>
+        <p:txBody>
+          <a:bodyPr rtlCol="0" anchor="ctr"/>
+          <a:lstStyle/>
+          <a:p>
+            <a:pPr algn="ctr"/>
+            <a:endParaRPr lang="en-US"/>
+          </a:p>
+        </p:txBody>
+      </p:sp>
+      <p:sp>
+        <p:nvSpPr>
+          <p:cNvPr id="8" name="TextBox 7">
+            <a:extLst>
+              <a:ext uri="{FF2B5EF4-FFF2-40B4-BE49-F238E27FC236}">
+                <a16:creationId xmlns:a16="http://schemas.microsoft.com/office/drawing/2014/main" id="{1E0310CB-37C2-4ED0-A57A-2E42410619B9}"/>
+              </a:ext>
+            </a:extLst>
+          </p:cNvPr>
+          <p:cNvSpPr txBox="1"/>
+          <p:nvPr/>
+        </p:nvSpPr>
+        <p:spPr>
+          <a:xfrm>
+            <a:off x="8276734" y="1527142"/>
+            <a:ext cx="3915266" cy="1754326"/>
+          </a:xfrm>
+          <a:prstGeom prst="rect">
+            <a:avLst/>
+          </a:prstGeom>
+          <a:solidFill>
+            <a:schemeClr val="accent1">
+              <a:lumMod val="50000"/>
+            </a:schemeClr>
+          </a:solidFill>
+          <a:ln>
+            <a:solidFill>
+              <a:schemeClr val="accent2">
+                <a:lumMod val="75000"/>
+              </a:schemeClr>
+            </a:solidFill>
+          </a:ln>
+        </p:spPr>
+        <p:txBody>
+          <a:bodyPr wrap="square" rtlCol="0">
+            <a:spAutoFit/>
+          </a:bodyPr>
+          <a:lstStyle/>
+          <a:p>
+            <a:pPr>
+              <a:lnSpc>
+                <a:spcPct val="200000"/>
+              </a:lnSpc>
+            </a:pPr>
+            <a:r>
+              <a:rPr lang="en-US" dirty="0" err="1">
+                <a:solidFill>
+                  <a:schemeClr val="bg1"/>
+                </a:solidFill>
+              </a:rPr>
+              <a:t>Php</a:t>
+            </a:r>
+            <a:r>
+              <a:rPr lang="en-US" dirty="0">
+                <a:solidFill>
+                  <a:schemeClr val="bg1"/>
+                </a:solidFill>
+              </a:rPr>
+              <a:t>  - Front End handling</a:t>
+            </a:r>
+          </a:p>
+          <a:p>
+            <a:pPr>
+              <a:lnSpc>
+                <a:spcPct val="200000"/>
+              </a:lnSpc>
+            </a:pPr>
+            <a:r>
+              <a:rPr lang="en-US" dirty="0" err="1">
+                <a:solidFill>
+                  <a:schemeClr val="bg1"/>
+                </a:solidFill>
+              </a:rPr>
+              <a:t>MySql</a:t>
+            </a:r>
+            <a:r>
+              <a:rPr lang="en-US" dirty="0">
+                <a:solidFill>
+                  <a:schemeClr val="bg1"/>
+                </a:solidFill>
+              </a:rPr>
+              <a:t> – To store the user details</a:t>
+            </a:r>
+          </a:p>
+          <a:p>
+            <a:pPr>
+              <a:lnSpc>
+                <a:spcPct val="200000"/>
+              </a:lnSpc>
+            </a:pPr>
+            <a:r>
+              <a:rPr lang="en-US" dirty="0" err="1">
+                <a:solidFill>
+                  <a:schemeClr val="bg1"/>
+                </a:solidFill>
+              </a:rPr>
+              <a:t>phpMyadmin</a:t>
+            </a:r>
+            <a:r>
+              <a:rPr lang="en-US" dirty="0">
+                <a:solidFill>
+                  <a:schemeClr val="bg1"/>
+                </a:solidFill>
+              </a:rPr>
+              <a:t>- Connect </a:t>
+            </a:r>
+            <a:r>
+              <a:rPr lang="en-US" dirty="0" err="1">
+                <a:solidFill>
+                  <a:schemeClr val="bg1"/>
+                </a:solidFill>
+              </a:rPr>
+              <a:t>Php</a:t>
+            </a:r>
+            <a:r>
+              <a:rPr lang="en-US" dirty="0">
+                <a:solidFill>
+                  <a:schemeClr val="bg1"/>
+                </a:solidFill>
+              </a:rPr>
+              <a:t> and </a:t>
+            </a:r>
+            <a:r>
+              <a:rPr lang="en-US" dirty="0" err="1">
+                <a:solidFill>
+                  <a:schemeClr val="bg1"/>
+                </a:solidFill>
+              </a:rPr>
+              <a:t>Mysql</a:t>
+            </a:r>
+            <a:r>
+              <a:rPr lang="en-US" dirty="0">
+                <a:solidFill>
+                  <a:schemeClr val="bg1"/>
+                </a:solidFill>
+              </a:rPr>
+              <a:t>.</a:t>
             </a:r>
           </a:p>
         </p:txBody>
@@ -5316,20 +6087,13 @@
     </p:spTree>
     <p:extLst>
       <p:ext uri="{BB962C8B-B14F-4D97-AF65-F5344CB8AC3E}">
-        <p14:creationId xmlns:p14="http://schemas.microsoft.com/office/powerpoint/2010/main" val="3234712775"/>
+        <p14:creationId xmlns:p14="http://schemas.microsoft.com/office/powerpoint/2010/main" val="65087415"/>
       </p:ext>
     </p:extLst>
   </p:cSld>
   <p:clrMapOvr>
     <a:masterClrMapping/>
   </p:clrMapOvr>
-  <p:timing>
-    <p:tnLst>
-      <p:par>
-        <p:cTn id="1" dur="indefinite" restart="never" nodeType="tmRoot"/>
-      </p:par>
-    </p:tnLst>
-  </p:timing>
 </p:sld>
 </file>
 
@@ -5355,7 +6119,7 @@
           <p:cNvPr id="2" name="Title 1">
             <a:extLst>
               <a:ext uri="{FF2B5EF4-FFF2-40B4-BE49-F238E27FC236}">
-                <a16:creationId xmlns:a16="http://schemas.microsoft.com/office/drawing/2014/main" xmlns="" id="{259D0B7C-1D18-4B9B-9686-41CD01222471}"/>
+                <a16:creationId xmlns:a16="http://schemas.microsoft.com/office/drawing/2014/main" id="{259D0B7C-1D18-4B9B-9686-41CD01222471}"/>
               </a:ext>
             </a:extLst>
           </p:cNvPr>
@@ -5376,7 +6140,6 @@
               <a:rPr lang="en-US" dirty="0"/>
               <a:t>How do we do it?</a:t>
             </a:r>
-            <a:endParaRPr lang="en-US" dirty="0"/>
           </a:p>
         </p:txBody>
       </p:sp>
@@ -5385,7 +6148,7 @@
           <p:cNvPr id="3" name="Content Placeholder 2">
             <a:extLst>
               <a:ext uri="{FF2B5EF4-FFF2-40B4-BE49-F238E27FC236}">
-                <a16:creationId xmlns:a16="http://schemas.microsoft.com/office/drawing/2014/main" xmlns="" id="{7171011C-A762-4A01-8962-0A7436AA633E}"/>
+                <a16:creationId xmlns:a16="http://schemas.microsoft.com/office/drawing/2014/main" id="{7171011C-A762-4A01-8962-0A7436AA633E}"/>
               </a:ext>
             </a:extLst>
           </p:cNvPr>
@@ -5404,7 +6167,10 @@
             <a:r>
               <a:rPr lang="en-US" dirty="0">
                 <a:solidFill>
-                  <a:schemeClr val="bg2"/>
+                  <a:schemeClr val="accent6">
+                    <a:lumMod val="40000"/>
+                    <a:lumOff val="60000"/>
+                  </a:schemeClr>
                 </a:solidFill>
               </a:rPr>
               <a:t>To let the user create an account.</a:t>
@@ -5414,7 +6180,10 @@
             <a:r>
               <a:rPr lang="en-US" dirty="0">
                 <a:solidFill>
-                  <a:schemeClr val="bg2"/>
+                  <a:schemeClr val="accent6">
+                    <a:lumMod val="40000"/>
+                    <a:lumOff val="60000"/>
+                  </a:schemeClr>
                 </a:solidFill>
               </a:rPr>
               <a:t>To let user enter , delete or/and edit a URL .</a:t>
@@ -5422,17 +6191,20 @@
           </a:p>
           <a:p>
             <a:r>
+              <a:rPr lang="en-US" dirty="0"/>
+              <a:t>Create a relational view of the database , with proper key – table relation to store user details and the URL details.</a:t>
+            </a:r>
+          </a:p>
+          <a:p>
+            <a:r>
               <a:rPr lang="en-US" dirty="0">
                 <a:solidFill>
-                  <a:schemeClr val="bg2"/>
-                </a:solidFill>
-              </a:rPr>
-              <a:t>Create a relational view of the database , with proper key – table relation to store user details and the URL details.</a:t>
-            </a:r>
-          </a:p>
-          <a:p>
-            <a:r>
-              <a:rPr lang="en-US" dirty="0"/>
+                  <a:schemeClr val="accent6">
+                    <a:lumMod val="40000"/>
+                    <a:lumOff val="60000"/>
+                  </a:schemeClr>
+                </a:solidFill>
+              </a:rPr>
               <a:t>Scan through the saved Websites.</a:t>
             </a:r>
           </a:p>
@@ -5440,7 +6212,10 @@
             <a:r>
               <a:rPr lang="en-US" dirty="0">
                 <a:solidFill>
-                  <a:schemeClr val="bg2"/>
+                  <a:schemeClr val="accent6">
+                    <a:lumMod val="40000"/>
+                    <a:lumOff val="60000"/>
+                  </a:schemeClr>
                 </a:solidFill>
               </a:rPr>
               <a:t>For the identified websites, update the database.</a:t>
@@ -5450,13 +6225,172 @@
             <a:r>
               <a:rPr lang="en-US" dirty="0">
                 <a:solidFill>
-                  <a:schemeClr val="bg2"/>
-                </a:solidFill>
-              </a:rPr>
-              <a:t>Send the email to the user , without spamming them</a:t>
-            </a:r>
-            <a:r>
-              <a:rPr lang="en-US" dirty="0"/>
+                  <a:schemeClr val="accent6">
+                    <a:lumMod val="40000"/>
+                    <a:lumOff val="60000"/>
+                  </a:schemeClr>
+                </a:solidFill>
+              </a:rPr>
+              <a:t>Send the email to the user , without spamming them.</a:t>
+            </a:r>
+          </a:p>
+        </p:txBody>
+      </p:sp>
+      <p:sp>
+        <p:nvSpPr>
+          <p:cNvPr id="5" name="Arrow: Down 4">
+            <a:extLst>
+              <a:ext uri="{FF2B5EF4-FFF2-40B4-BE49-F238E27FC236}">
+                <a16:creationId xmlns:a16="http://schemas.microsoft.com/office/drawing/2014/main" id="{67486C9C-BFD3-4510-A684-3175152D0637}"/>
+              </a:ext>
+            </a:extLst>
+          </p:cNvPr>
+          <p:cNvSpPr/>
+          <p:nvPr/>
+        </p:nvSpPr>
+        <p:spPr>
+          <a:xfrm>
+            <a:off x="10020693" y="3308808"/>
+            <a:ext cx="395926" cy="556182"/>
+          </a:xfrm>
+          <a:prstGeom prst="downArrow">
+            <a:avLst/>
+          </a:prstGeom>
+          <a:solidFill>
+            <a:schemeClr val="accent2">
+              <a:lumMod val="50000"/>
+            </a:schemeClr>
+          </a:solidFill>
+          <a:ln>
+            <a:solidFill>
+              <a:schemeClr val="accent2">
+                <a:lumMod val="75000"/>
+              </a:schemeClr>
+            </a:solidFill>
+          </a:ln>
+        </p:spPr>
+        <p:style>
+          <a:lnRef idx="2">
+            <a:schemeClr val="accent1">
+              <a:shade val="50000"/>
+            </a:schemeClr>
+          </a:lnRef>
+          <a:fillRef idx="1">
+            <a:schemeClr val="accent1"/>
+          </a:fillRef>
+          <a:effectRef idx="0">
+            <a:schemeClr val="accent1"/>
+          </a:effectRef>
+          <a:fontRef idx="minor">
+            <a:schemeClr val="lt1"/>
+          </a:fontRef>
+        </p:style>
+        <p:txBody>
+          <a:bodyPr rtlCol="0" anchor="ctr"/>
+          <a:lstStyle/>
+          <a:p>
+            <a:pPr algn="ctr"/>
+            <a:endParaRPr lang="en-US"/>
+          </a:p>
+        </p:txBody>
+      </p:sp>
+      <p:sp>
+        <p:nvSpPr>
+          <p:cNvPr id="7" name="TextBox 6">
+            <a:extLst>
+              <a:ext uri="{FF2B5EF4-FFF2-40B4-BE49-F238E27FC236}">
+                <a16:creationId xmlns:a16="http://schemas.microsoft.com/office/drawing/2014/main" id="{7B536BA5-86EE-4A7D-B3FD-316BCD9E4B71}"/>
+              </a:ext>
+            </a:extLst>
+          </p:cNvPr>
+          <p:cNvSpPr txBox="1"/>
+          <p:nvPr/>
+        </p:nvSpPr>
+        <p:spPr>
+          <a:xfrm>
+            <a:off x="7692272" y="3864990"/>
+            <a:ext cx="3915266" cy="1200329"/>
+          </a:xfrm>
+          <a:prstGeom prst="rect">
+            <a:avLst/>
+          </a:prstGeom>
+          <a:solidFill>
+            <a:schemeClr val="accent1">
+              <a:lumMod val="50000"/>
+            </a:schemeClr>
+          </a:solidFill>
+          <a:ln>
+            <a:solidFill>
+              <a:schemeClr val="accent2">
+                <a:lumMod val="75000"/>
+              </a:schemeClr>
+            </a:solidFill>
+          </a:ln>
+        </p:spPr>
+        <p:txBody>
+          <a:bodyPr wrap="square" rtlCol="0">
+            <a:spAutoFit/>
+          </a:bodyPr>
+          <a:lstStyle/>
+          <a:p>
+            <a:pPr>
+              <a:lnSpc>
+                <a:spcPct val="200000"/>
+              </a:lnSpc>
+            </a:pPr>
+            <a:r>
+              <a:rPr lang="en-US" dirty="0" err="1">
+                <a:solidFill>
+                  <a:schemeClr val="bg1"/>
+                </a:solidFill>
+              </a:rPr>
+              <a:t>MySql</a:t>
+            </a:r>
+            <a:r>
+              <a:rPr lang="en-US" dirty="0">
+                <a:solidFill>
+                  <a:schemeClr val="bg1"/>
+                </a:solidFill>
+              </a:rPr>
+              <a:t> – To store the user details</a:t>
+            </a:r>
+          </a:p>
+          <a:p>
+            <a:pPr>
+              <a:lnSpc>
+                <a:spcPct val="200000"/>
+              </a:lnSpc>
+            </a:pPr>
+            <a:r>
+              <a:rPr lang="en-US" dirty="0" err="1">
+                <a:solidFill>
+                  <a:schemeClr val="bg1"/>
+                </a:solidFill>
+              </a:rPr>
+              <a:t>phpMyadmin</a:t>
+            </a:r>
+            <a:r>
+              <a:rPr lang="en-US" dirty="0">
+                <a:solidFill>
+                  <a:schemeClr val="bg1"/>
+                </a:solidFill>
+              </a:rPr>
+              <a:t>- Use </a:t>
+            </a:r>
+            <a:r>
+              <a:rPr lang="en-US" dirty="0" err="1">
+                <a:solidFill>
+                  <a:schemeClr val="bg1"/>
+                </a:solidFill>
+              </a:rPr>
+              <a:t>Mysql</a:t>
+            </a:r>
+            <a:r>
+              <a:rPr lang="en-US" dirty="0">
+                <a:solidFill>
+                  <a:schemeClr val="bg1"/>
+                </a:solidFill>
+              </a:rPr>
               <a:t>.</a:t>
             </a:r>
           </a:p>
@@ -5465,20 +6399,13 @@
     </p:spTree>
     <p:extLst>
       <p:ext uri="{BB962C8B-B14F-4D97-AF65-F5344CB8AC3E}">
-        <p14:creationId xmlns:p14="http://schemas.microsoft.com/office/powerpoint/2010/main" val="2520450206"/>
+        <p14:creationId xmlns:p14="http://schemas.microsoft.com/office/powerpoint/2010/main" val="3234712775"/>
       </p:ext>
     </p:extLst>
   </p:cSld>
   <p:clrMapOvr>
     <a:masterClrMapping/>
   </p:clrMapOvr>
-  <p:timing>
-    <p:tnLst>
-      <p:par>
-        <p:cTn id="1" dur="indefinite" restart="never" nodeType="tmRoot"/>
-      </p:par>
-    </p:tnLst>
-  </p:timing>
 </p:sld>
 </file>
 
@@ -5504,7 +6431,7 @@
           <p:cNvPr id="2" name="Title 1">
             <a:extLst>
               <a:ext uri="{FF2B5EF4-FFF2-40B4-BE49-F238E27FC236}">
-                <a16:creationId xmlns:a16="http://schemas.microsoft.com/office/drawing/2014/main" xmlns="" id="{259D0B7C-1D18-4B9B-9686-41CD01222471}"/>
+                <a16:creationId xmlns:a16="http://schemas.microsoft.com/office/drawing/2014/main" id="{259D0B7C-1D18-4B9B-9686-41CD01222471}"/>
               </a:ext>
             </a:extLst>
           </p:cNvPr>
@@ -5525,7 +6452,6 @@
               <a:rPr lang="en-US" dirty="0"/>
               <a:t>How do we do it?</a:t>
             </a:r>
-            <a:endParaRPr lang="en-US" dirty="0"/>
           </a:p>
         </p:txBody>
       </p:sp>
@@ -5534,7 +6460,7 @@
           <p:cNvPr id="3" name="Content Placeholder 2">
             <a:extLst>
               <a:ext uri="{FF2B5EF4-FFF2-40B4-BE49-F238E27FC236}">
-                <a16:creationId xmlns:a16="http://schemas.microsoft.com/office/drawing/2014/main" xmlns="" id="{7171011C-A762-4A01-8962-0A7436AA633E}"/>
+                <a16:creationId xmlns:a16="http://schemas.microsoft.com/office/drawing/2014/main" id="{7171011C-A762-4A01-8962-0A7436AA633E}"/>
               </a:ext>
             </a:extLst>
           </p:cNvPr>
@@ -5553,7 +6479,10 @@
             <a:r>
               <a:rPr lang="en-US" dirty="0">
                 <a:solidFill>
-                  <a:schemeClr val="bg2"/>
+                  <a:schemeClr val="accent6">
+                    <a:lumMod val="40000"/>
+                    <a:lumOff val="60000"/>
+                  </a:schemeClr>
                 </a:solidFill>
               </a:rPr>
               <a:t>To let the user create an account.</a:t>
@@ -5563,7 +6492,10 @@
             <a:r>
               <a:rPr lang="en-US" dirty="0">
                 <a:solidFill>
-                  <a:schemeClr val="bg2"/>
+                  <a:schemeClr val="accent6">
+                    <a:lumMod val="40000"/>
+                    <a:lumOff val="60000"/>
+                  </a:schemeClr>
                 </a:solidFill>
               </a:rPr>
               <a:t>To let user enter , delete or/and edit a URL .</a:t>
@@ -5573,7 +6505,10 @@
             <a:r>
               <a:rPr lang="en-US" dirty="0">
                 <a:solidFill>
-                  <a:schemeClr val="bg2"/>
+                  <a:schemeClr val="accent6">
+                    <a:lumMod val="40000"/>
+                    <a:lumOff val="60000"/>
+                  </a:schemeClr>
                 </a:solidFill>
               </a:rPr>
               <a:t>Create a relational view of the database , with proper key – table relation to store user details and the URL details.</a:t>
@@ -5581,17 +6516,20 @@
           </a:p>
           <a:p>
             <a:r>
+              <a:rPr lang="en-US" dirty="0"/>
+              <a:t>Scan through the saved Websites.</a:t>
+            </a:r>
+          </a:p>
+          <a:p>
+            <a:r>
               <a:rPr lang="en-US" dirty="0">
                 <a:solidFill>
-                  <a:schemeClr val="bg2"/>
-                </a:solidFill>
-              </a:rPr>
-              <a:t>Scan through the saved Websites.</a:t>
-            </a:r>
-          </a:p>
-          <a:p>
-            <a:r>
-              <a:rPr lang="en-US" dirty="0"/>
+                  <a:schemeClr val="accent6">
+                    <a:lumMod val="40000"/>
+                    <a:lumOff val="60000"/>
+                  </a:schemeClr>
+                </a:solidFill>
+              </a:rPr>
               <a:t>For the identified websites, update the database.</a:t>
             </a:r>
           </a:p>
@@ -5599,31 +6537,160 @@
             <a:r>
               <a:rPr lang="en-US" dirty="0">
                 <a:solidFill>
-                  <a:schemeClr val="bg2"/>
+                  <a:schemeClr val="accent6">
+                    <a:lumMod val="40000"/>
+                    <a:lumOff val="60000"/>
+                  </a:schemeClr>
                 </a:solidFill>
               </a:rPr>
               <a:t>Send the email to the user , without spamming them.</a:t>
             </a:r>
+          </a:p>
+        </p:txBody>
+      </p:sp>
+      <p:sp>
+        <p:nvSpPr>
+          <p:cNvPr id="4" name="Arrow: Right 3">
+            <a:extLst>
+              <a:ext uri="{FF2B5EF4-FFF2-40B4-BE49-F238E27FC236}">
+                <a16:creationId xmlns:a16="http://schemas.microsoft.com/office/drawing/2014/main" id="{07EE4AEE-250A-44AD-BA47-BEAF9C644140}"/>
+              </a:ext>
+            </a:extLst>
+          </p:cNvPr>
+          <p:cNvSpPr/>
+          <p:nvPr/>
+        </p:nvSpPr>
+        <p:spPr>
+          <a:xfrm>
+            <a:off x="6579909" y="3902697"/>
+            <a:ext cx="452487" cy="273377"/>
+          </a:xfrm>
+          <a:prstGeom prst="rightArrow">
+            <a:avLst/>
+          </a:prstGeom>
+          <a:solidFill>
+            <a:schemeClr val="accent2">
+              <a:lumMod val="50000"/>
+            </a:schemeClr>
+          </a:solidFill>
+          <a:ln>
+            <a:solidFill>
+              <a:schemeClr val="accent2">
+                <a:lumMod val="75000"/>
+              </a:schemeClr>
+            </a:solidFill>
+          </a:ln>
+        </p:spPr>
+        <p:style>
+          <a:lnRef idx="2">
+            <a:schemeClr val="accent1">
+              <a:shade val="50000"/>
+            </a:schemeClr>
+          </a:lnRef>
+          <a:fillRef idx="1">
+            <a:schemeClr val="accent1"/>
+          </a:fillRef>
+          <a:effectRef idx="0">
+            <a:schemeClr val="accent1"/>
+          </a:effectRef>
+          <a:fontRef idx="minor">
+            <a:schemeClr val="lt1"/>
+          </a:fontRef>
+        </p:style>
+        <p:txBody>
+          <a:bodyPr rtlCol="0" anchor="ctr"/>
+          <a:lstStyle/>
+          <a:p>
+            <a:pPr algn="ctr"/>
+            <a:endParaRPr lang="en-US"/>
+          </a:p>
+        </p:txBody>
+      </p:sp>
+      <p:sp>
+        <p:nvSpPr>
+          <p:cNvPr id="5" name="TextBox 4">
+            <a:extLst>
+              <a:ext uri="{FF2B5EF4-FFF2-40B4-BE49-F238E27FC236}">
+                <a16:creationId xmlns:a16="http://schemas.microsoft.com/office/drawing/2014/main" id="{EEA224CB-FEA4-407C-B271-0366A3AFCC40}"/>
+              </a:ext>
+            </a:extLst>
+          </p:cNvPr>
+          <p:cNvSpPr txBox="1"/>
+          <p:nvPr/>
+        </p:nvSpPr>
+        <p:spPr>
+          <a:xfrm>
+            <a:off x="7032396" y="3485561"/>
+            <a:ext cx="4321404" cy="1122743"/>
+          </a:xfrm>
+          <a:prstGeom prst="rect">
+            <a:avLst/>
+          </a:prstGeom>
+          <a:solidFill>
+            <a:schemeClr val="accent1">
+              <a:lumMod val="50000"/>
+            </a:schemeClr>
+          </a:solidFill>
+          <a:ln>
+            <a:solidFill>
+              <a:schemeClr val="accent2">
+                <a:lumMod val="75000"/>
+              </a:schemeClr>
+            </a:solidFill>
+          </a:ln>
+        </p:spPr>
+        <p:txBody>
+          <a:bodyPr wrap="square" rtlCol="0">
+            <a:spAutoFit/>
+          </a:bodyPr>
+          <a:lstStyle/>
+          <a:p>
+            <a:pPr>
+              <a:lnSpc>
+                <a:spcPct val="200000"/>
+              </a:lnSpc>
+            </a:pPr>
+            <a:r>
+              <a:rPr lang="en-US" dirty="0" err="1">
+                <a:solidFill>
+                  <a:schemeClr val="bg1"/>
+                </a:solidFill>
+              </a:rPr>
+              <a:t>Php</a:t>
+            </a:r>
+            <a:r>
+              <a:rPr lang="en-US" dirty="0">
+                <a:solidFill>
+                  <a:schemeClr val="bg1"/>
+                </a:solidFill>
+              </a:rPr>
+              <a:t>  - Front End handling.</a:t>
+            </a:r>
+          </a:p>
+          <a:p>
+            <a:pPr>
+              <a:lnSpc>
+                <a:spcPct val="200000"/>
+              </a:lnSpc>
+            </a:pPr>
+            <a:endParaRPr lang="en-US" dirty="0">
+              <a:solidFill>
+                <a:schemeClr val="bg1"/>
+              </a:solidFill>
+            </a:endParaRPr>
           </a:p>
         </p:txBody>
       </p:sp>
     </p:spTree>
     <p:extLst>
       <p:ext uri="{BB962C8B-B14F-4D97-AF65-F5344CB8AC3E}">
-        <p14:creationId xmlns:p14="http://schemas.microsoft.com/office/powerpoint/2010/main" val="2241334342"/>
+        <p14:creationId xmlns:p14="http://schemas.microsoft.com/office/powerpoint/2010/main" val="2520450206"/>
       </p:ext>
     </p:extLst>
   </p:cSld>
   <p:clrMapOvr>
     <a:masterClrMapping/>
   </p:clrMapOvr>
-  <p:timing>
-    <p:tnLst>
-      <p:par>
-        <p:cTn id="1" dur="indefinite" restart="never" nodeType="tmRoot"/>
-      </p:par>
-    </p:tnLst>
-  </p:timing>
 </p:sld>
 </file>
 
@@ -5649,7 +6716,7 @@
           <p:cNvPr id="2" name="Title 1">
             <a:extLst>
               <a:ext uri="{FF2B5EF4-FFF2-40B4-BE49-F238E27FC236}">
-                <a16:creationId xmlns:a16="http://schemas.microsoft.com/office/drawing/2014/main" xmlns="" id="{259D0B7C-1D18-4B9B-9686-41CD01222471}"/>
+                <a16:creationId xmlns:a16="http://schemas.microsoft.com/office/drawing/2014/main" id="{259D0B7C-1D18-4B9B-9686-41CD01222471}"/>
               </a:ext>
             </a:extLst>
           </p:cNvPr>
@@ -5670,7 +6737,6 @@
               <a:rPr lang="en-US" dirty="0"/>
               <a:t>How do we do it?</a:t>
             </a:r>
-            <a:endParaRPr lang="en-US" dirty="0"/>
           </a:p>
         </p:txBody>
       </p:sp>
@@ -5679,7 +6745,7 @@
           <p:cNvPr id="3" name="Content Placeholder 2">
             <a:extLst>
               <a:ext uri="{FF2B5EF4-FFF2-40B4-BE49-F238E27FC236}">
-                <a16:creationId xmlns:a16="http://schemas.microsoft.com/office/drawing/2014/main" xmlns="" id="{7171011C-A762-4A01-8962-0A7436AA633E}"/>
+                <a16:creationId xmlns:a16="http://schemas.microsoft.com/office/drawing/2014/main" id="{7171011C-A762-4A01-8962-0A7436AA633E}"/>
               </a:ext>
             </a:extLst>
           </p:cNvPr>
@@ -5698,7 +6764,10 @@
             <a:r>
               <a:rPr lang="en-US" dirty="0">
                 <a:solidFill>
-                  <a:schemeClr val="bg2"/>
+                  <a:schemeClr val="accent6">
+                    <a:lumMod val="40000"/>
+                    <a:lumOff val="60000"/>
+                  </a:schemeClr>
                 </a:solidFill>
               </a:rPr>
               <a:t>To let the user create an account.</a:t>
@@ -5708,7 +6777,10 @@
             <a:r>
               <a:rPr lang="en-US" dirty="0">
                 <a:solidFill>
-                  <a:schemeClr val="bg2"/>
+                  <a:schemeClr val="accent6">
+                    <a:lumMod val="40000"/>
+                    <a:lumOff val="60000"/>
+                  </a:schemeClr>
                 </a:solidFill>
               </a:rPr>
               <a:t>To let user enter , delete or/and edit a URL .</a:t>
@@ -5718,7 +6790,10 @@
             <a:r>
               <a:rPr lang="en-US" dirty="0">
                 <a:solidFill>
-                  <a:schemeClr val="bg2"/>
+                  <a:schemeClr val="accent6">
+                    <a:lumMod val="40000"/>
+                    <a:lumOff val="60000"/>
+                  </a:schemeClr>
                 </a:solidFill>
               </a:rPr>
               <a:t>Create a relational view of the database , with proper key – table relation to store user details and the URL details.</a:t>
@@ -5728,7 +6803,10 @@
             <a:r>
               <a:rPr lang="en-US" dirty="0">
                 <a:solidFill>
-                  <a:schemeClr val="bg2"/>
+                  <a:schemeClr val="accent6">
+                    <a:lumMod val="40000"/>
+                    <a:lumOff val="60000"/>
+                  </a:schemeClr>
                 </a:solidFill>
               </a:rPr>
               <a:t>Scan through the saved Websites.</a:t>
@@ -5736,18 +6814,220 @@
           </a:p>
           <a:p>
             <a:r>
+              <a:rPr lang="en-US" dirty="0"/>
+              <a:t>For the identified websites, update the database.</a:t>
+            </a:r>
+          </a:p>
+          <a:p>
+            <a:r>
               <a:rPr lang="en-US" dirty="0">
                 <a:solidFill>
-                  <a:schemeClr val="bg2"/>
-                </a:solidFill>
-              </a:rPr>
-              <a:t>For the identified websites, update the database.</a:t>
-            </a:r>
-          </a:p>
-          <a:p>
-            <a:r>
-              <a:rPr lang="en-US" dirty="0"/>
+                  <a:schemeClr val="accent6">
+                    <a:lumMod val="40000"/>
+                    <a:lumOff val="60000"/>
+                  </a:schemeClr>
+                </a:solidFill>
+              </a:rPr>
               <a:t>Send the email to the user , without spamming them.</a:t>
+            </a:r>
+          </a:p>
+        </p:txBody>
+      </p:sp>
+      <p:sp>
+        <p:nvSpPr>
+          <p:cNvPr id="4" name="Arrow: Up 3">
+            <a:extLst>
+              <a:ext uri="{FF2B5EF4-FFF2-40B4-BE49-F238E27FC236}">
+                <a16:creationId xmlns:a16="http://schemas.microsoft.com/office/drawing/2014/main" id="{098C1A4F-4DB8-4F96-80F7-6FA8D6A9DF44}"/>
+              </a:ext>
+            </a:extLst>
+          </p:cNvPr>
+          <p:cNvSpPr/>
+          <p:nvPr/>
+        </p:nvSpPr>
+        <p:spPr>
+          <a:xfrm>
+            <a:off x="8314441" y="3949831"/>
+            <a:ext cx="273378" cy="320511"/>
+          </a:xfrm>
+          <a:prstGeom prst="upArrow">
+            <a:avLst/>
+          </a:prstGeom>
+          <a:solidFill>
+            <a:schemeClr val="accent2">
+              <a:lumMod val="50000"/>
+            </a:schemeClr>
+          </a:solidFill>
+          <a:ln>
+            <a:solidFill>
+              <a:schemeClr val="accent2">
+                <a:lumMod val="75000"/>
+              </a:schemeClr>
+            </a:solidFill>
+          </a:ln>
+        </p:spPr>
+        <p:style>
+          <a:lnRef idx="2">
+            <a:schemeClr val="accent1">
+              <a:shade val="50000"/>
+            </a:schemeClr>
+          </a:lnRef>
+          <a:fillRef idx="1">
+            <a:schemeClr val="accent1"/>
+          </a:fillRef>
+          <a:effectRef idx="0">
+            <a:schemeClr val="accent1"/>
+          </a:effectRef>
+          <a:fontRef idx="minor">
+            <a:schemeClr val="lt1"/>
+          </a:fontRef>
+        </p:style>
+        <p:txBody>
+          <a:bodyPr rtlCol="0" anchor="ctr"/>
+          <a:lstStyle/>
+          <a:p>
+            <a:pPr algn="ctr"/>
+            <a:endParaRPr lang="en-US"/>
+          </a:p>
+        </p:txBody>
+      </p:sp>
+      <p:sp>
+        <p:nvSpPr>
+          <p:cNvPr id="5" name="TextBox 4">
+            <a:extLst>
+              <a:ext uri="{FF2B5EF4-FFF2-40B4-BE49-F238E27FC236}">
+                <a16:creationId xmlns:a16="http://schemas.microsoft.com/office/drawing/2014/main" id="{D4BC38DA-CAEF-485E-8A1F-7F4AB70A0BD9}"/>
+              </a:ext>
+            </a:extLst>
+          </p:cNvPr>
+          <p:cNvSpPr txBox="1"/>
+          <p:nvPr/>
+        </p:nvSpPr>
+        <p:spPr>
+          <a:xfrm>
+            <a:off x="6825006" y="2195505"/>
+            <a:ext cx="4321404" cy="1754326"/>
+          </a:xfrm>
+          <a:prstGeom prst="rect">
+            <a:avLst/>
+          </a:prstGeom>
+          <a:solidFill>
+            <a:schemeClr val="accent1">
+              <a:lumMod val="50000"/>
+            </a:schemeClr>
+          </a:solidFill>
+          <a:ln>
+            <a:solidFill>
+              <a:schemeClr val="accent2">
+                <a:lumMod val="75000"/>
+              </a:schemeClr>
+            </a:solidFill>
+          </a:ln>
+        </p:spPr>
+        <p:txBody>
+          <a:bodyPr wrap="square" rtlCol="0">
+            <a:spAutoFit/>
+          </a:bodyPr>
+          <a:lstStyle/>
+          <a:p>
+            <a:pPr>
+              <a:lnSpc>
+                <a:spcPct val="200000"/>
+              </a:lnSpc>
+            </a:pPr>
+            <a:r>
+              <a:rPr lang="en-US" dirty="0" err="1">
+                <a:solidFill>
+                  <a:schemeClr val="bg1"/>
+                </a:solidFill>
+              </a:rPr>
+              <a:t>Php</a:t>
+            </a:r>
+            <a:r>
+              <a:rPr lang="en-US" dirty="0">
+                <a:solidFill>
+                  <a:schemeClr val="bg1"/>
+                </a:solidFill>
+              </a:rPr>
+              <a:t>  - Front End handling</a:t>
+            </a:r>
+          </a:p>
+          <a:p>
+            <a:pPr>
+              <a:lnSpc>
+                <a:spcPct val="200000"/>
+              </a:lnSpc>
+            </a:pPr>
+            <a:r>
+              <a:rPr lang="en-US" dirty="0" err="1">
+                <a:solidFill>
+                  <a:schemeClr val="bg1"/>
+                </a:solidFill>
+              </a:rPr>
+              <a:t>MySql</a:t>
+            </a:r>
+            <a:r>
+              <a:rPr lang="en-US" dirty="0">
+                <a:solidFill>
+                  <a:schemeClr val="bg1"/>
+                </a:solidFill>
+              </a:rPr>
+              <a:t> – To store the user details</a:t>
+            </a:r>
+          </a:p>
+          <a:p>
+            <a:pPr>
+              <a:lnSpc>
+                <a:spcPct val="200000"/>
+              </a:lnSpc>
+            </a:pPr>
+            <a:r>
+              <a:rPr lang="en-US" dirty="0" err="1">
+                <a:solidFill>
+                  <a:schemeClr val="bg1"/>
+                </a:solidFill>
+              </a:rPr>
+              <a:t>phpMyadmin</a:t>
+            </a:r>
+            <a:r>
+              <a:rPr lang="en-US" dirty="0">
+                <a:solidFill>
+                  <a:schemeClr val="bg1"/>
+                </a:solidFill>
+              </a:rPr>
+              <a:t>- Connect </a:t>
+            </a:r>
+            <a:r>
+              <a:rPr lang="en-US" dirty="0" err="1">
+                <a:solidFill>
+                  <a:schemeClr val="bg1"/>
+                </a:solidFill>
+              </a:rPr>
+              <a:t>Php</a:t>
+            </a:r>
+            <a:r>
+              <a:rPr lang="en-US" dirty="0">
+                <a:solidFill>
+                  <a:schemeClr val="bg1"/>
+                </a:solidFill>
+              </a:rPr>
+              <a:t> and </a:t>
+            </a:r>
+            <a:r>
+              <a:rPr lang="en-US" dirty="0" err="1">
+                <a:solidFill>
+                  <a:schemeClr val="bg1"/>
+                </a:solidFill>
+              </a:rPr>
+              <a:t>Mysql</a:t>
+            </a:r>
+            <a:r>
+              <a:rPr lang="en-US" dirty="0">
+                <a:solidFill>
+                  <a:schemeClr val="bg1"/>
+                </a:solidFill>
+              </a:rPr>
+              <a:t>.</a:t>
             </a:r>
           </a:p>
         </p:txBody>
@@ -5755,20 +7035,13 @@
     </p:spTree>
     <p:extLst>
       <p:ext uri="{BB962C8B-B14F-4D97-AF65-F5344CB8AC3E}">
-        <p14:creationId xmlns:p14="http://schemas.microsoft.com/office/powerpoint/2010/main" val="794895920"/>
+        <p14:creationId xmlns:p14="http://schemas.microsoft.com/office/powerpoint/2010/main" val="2241334342"/>
       </p:ext>
     </p:extLst>
   </p:cSld>
   <p:clrMapOvr>
     <a:masterClrMapping/>
   </p:clrMapOvr>
-  <p:timing>
-    <p:tnLst>
-      <p:par>
-        <p:cTn id="1" dur="indefinite" restart="never" nodeType="tmRoot"/>
-      </p:par>
-    </p:tnLst>
-  </p:timing>
 </p:sld>
 </file>
 

--- a/NotifyMe.pptx
+++ b/NotifyMe.pptx
@@ -7,19 +7,33 @@
   <p:sldIdLst>
     <p:sldId id="256" r:id="rId2"/>
     <p:sldId id="257" r:id="rId3"/>
-    <p:sldId id="262" r:id="rId4"/>
-    <p:sldId id="277" r:id="rId5"/>
-    <p:sldId id="268" r:id="rId6"/>
-    <p:sldId id="270" r:id="rId7"/>
-    <p:sldId id="271" r:id="rId8"/>
-    <p:sldId id="272" r:id="rId9"/>
-    <p:sldId id="273" r:id="rId10"/>
-    <p:sldId id="274" r:id="rId11"/>
-    <p:sldId id="259" r:id="rId12"/>
-    <p:sldId id="261" r:id="rId13"/>
-    <p:sldId id="260" r:id="rId14"/>
-    <p:sldId id="275" r:id="rId15"/>
-    <p:sldId id="276" r:id="rId16"/>
+    <p:sldId id="277" r:id="rId4"/>
+    <p:sldId id="278" r:id="rId5"/>
+    <p:sldId id="287" r:id="rId6"/>
+    <p:sldId id="279" r:id="rId7"/>
+    <p:sldId id="288" r:id="rId8"/>
+    <p:sldId id="298" r:id="rId9"/>
+    <p:sldId id="289" r:id="rId10"/>
+    <p:sldId id="297" r:id="rId11"/>
+    <p:sldId id="280" r:id="rId12"/>
+    <p:sldId id="290" r:id="rId13"/>
+    <p:sldId id="296" r:id="rId14"/>
+    <p:sldId id="299" r:id="rId15"/>
+    <p:sldId id="281" r:id="rId16"/>
+    <p:sldId id="291" r:id="rId17"/>
+    <p:sldId id="282" r:id="rId18"/>
+    <p:sldId id="292" r:id="rId19"/>
+    <p:sldId id="283" r:id="rId20"/>
+    <p:sldId id="293" r:id="rId21"/>
+    <p:sldId id="284" r:id="rId22"/>
+    <p:sldId id="294" r:id="rId23"/>
+    <p:sldId id="285" r:id="rId24"/>
+    <p:sldId id="295" r:id="rId25"/>
+    <p:sldId id="259" r:id="rId26"/>
+    <p:sldId id="261" r:id="rId27"/>
+    <p:sldId id="260" r:id="rId28"/>
+    <p:sldId id="275" r:id="rId29"/>
+    <p:sldId id="276" r:id="rId30"/>
   </p:sldIdLst>
   <p:sldSz cx="12192000" cy="6858000"/>
   <p:notesSz cx="6858000" cy="9144000"/>
@@ -152,7 +166,7 @@
           <p:cNvPr id="2" name="Title 1">
             <a:extLst>
               <a:ext uri="{FF2B5EF4-FFF2-40B4-BE49-F238E27FC236}">
-                <a16:creationId xmlns:a16="http://schemas.microsoft.com/office/drawing/2014/main" id="{A121670B-39D9-4A13-A117-73C6549A36A7}"/>
+                <a16:creationId xmlns:a16="http://schemas.microsoft.com/office/drawing/2014/main" xmlns="" id="{A121670B-39D9-4A13-A117-73C6549A36A7}"/>
               </a:ext>
             </a:extLst>
           </p:cNvPr>
@@ -189,7 +203,7 @@
           <p:cNvPr id="3" name="Subtitle 2">
             <a:extLst>
               <a:ext uri="{FF2B5EF4-FFF2-40B4-BE49-F238E27FC236}">
-                <a16:creationId xmlns:a16="http://schemas.microsoft.com/office/drawing/2014/main" id="{4F0A4617-72EC-4342-9E3B-7C6DB7671CE2}"/>
+                <a16:creationId xmlns:a16="http://schemas.microsoft.com/office/drawing/2014/main" xmlns="" id="{4F0A4617-72EC-4342-9E3B-7C6DB7671CE2}"/>
               </a:ext>
             </a:extLst>
           </p:cNvPr>
@@ -259,7 +273,7 @@
           <p:cNvPr id="4" name="Date Placeholder 3">
             <a:extLst>
               <a:ext uri="{FF2B5EF4-FFF2-40B4-BE49-F238E27FC236}">
-                <a16:creationId xmlns:a16="http://schemas.microsoft.com/office/drawing/2014/main" id="{843BC3CE-7F4E-4615-A889-4E624C4E6ED7}"/>
+                <a16:creationId xmlns:a16="http://schemas.microsoft.com/office/drawing/2014/main" xmlns="" id="{843BC3CE-7F4E-4615-A889-4E624C4E6ED7}"/>
               </a:ext>
             </a:extLst>
           </p:cNvPr>
@@ -277,7 +291,7 @@
           <a:p>
             <a:fld id="{8E423C67-9D6A-4F85-BFC6-5090D8CF0AB4}" type="datetimeFigureOut">
               <a:rPr lang="en-US" smtClean="0"/>
-              <a:t>12/6/2017</a:t>
+              <a:t>2017-12-07</a:t>
             </a:fld>
             <a:endParaRPr lang="en-US"/>
           </a:p>
@@ -288,7 +302,7 @@
           <p:cNvPr id="5" name="Footer Placeholder 4">
             <a:extLst>
               <a:ext uri="{FF2B5EF4-FFF2-40B4-BE49-F238E27FC236}">
-                <a16:creationId xmlns:a16="http://schemas.microsoft.com/office/drawing/2014/main" id="{81DFEBD2-190E-452B-9006-EFD22F033623}"/>
+                <a16:creationId xmlns:a16="http://schemas.microsoft.com/office/drawing/2014/main" xmlns="" id="{81DFEBD2-190E-452B-9006-EFD22F033623}"/>
               </a:ext>
             </a:extLst>
           </p:cNvPr>
@@ -313,7 +327,7 @@
           <p:cNvPr id="6" name="Slide Number Placeholder 5">
             <a:extLst>
               <a:ext uri="{FF2B5EF4-FFF2-40B4-BE49-F238E27FC236}">
-                <a16:creationId xmlns:a16="http://schemas.microsoft.com/office/drawing/2014/main" id="{9BF2AEAB-9CD9-4C11-B369-6FF89494160A}"/>
+                <a16:creationId xmlns:a16="http://schemas.microsoft.com/office/drawing/2014/main" xmlns="" id="{9BF2AEAB-9CD9-4C11-B369-6FF89494160A}"/>
               </a:ext>
             </a:extLst>
           </p:cNvPr>
@@ -372,7 +386,7 @@
           <p:cNvPr id="2" name="Title 1">
             <a:extLst>
               <a:ext uri="{FF2B5EF4-FFF2-40B4-BE49-F238E27FC236}">
-                <a16:creationId xmlns:a16="http://schemas.microsoft.com/office/drawing/2014/main" id="{81A937BE-06FE-4C9F-A708-5D343192BEF3}"/>
+                <a16:creationId xmlns:a16="http://schemas.microsoft.com/office/drawing/2014/main" xmlns="" id="{81A937BE-06FE-4C9F-A708-5D343192BEF3}"/>
               </a:ext>
             </a:extLst>
           </p:cNvPr>
@@ -400,7 +414,7 @@
           <p:cNvPr id="3" name="Vertical Text Placeholder 2">
             <a:extLst>
               <a:ext uri="{FF2B5EF4-FFF2-40B4-BE49-F238E27FC236}">
-                <a16:creationId xmlns:a16="http://schemas.microsoft.com/office/drawing/2014/main" id="{85372E3E-C976-4E70-8D8A-091233C9A49F}"/>
+                <a16:creationId xmlns:a16="http://schemas.microsoft.com/office/drawing/2014/main" xmlns="" id="{85372E3E-C976-4E70-8D8A-091233C9A49F}"/>
               </a:ext>
             </a:extLst>
           </p:cNvPr>
@@ -457,7 +471,7 @@
           <p:cNvPr id="4" name="Date Placeholder 3">
             <a:extLst>
               <a:ext uri="{FF2B5EF4-FFF2-40B4-BE49-F238E27FC236}">
-                <a16:creationId xmlns:a16="http://schemas.microsoft.com/office/drawing/2014/main" id="{3029C7F0-3383-4836-BF51-AF0F1BC78E6B}"/>
+                <a16:creationId xmlns:a16="http://schemas.microsoft.com/office/drawing/2014/main" xmlns="" id="{3029C7F0-3383-4836-BF51-AF0F1BC78E6B}"/>
               </a:ext>
             </a:extLst>
           </p:cNvPr>
@@ -475,7 +489,7 @@
           <a:p>
             <a:fld id="{8E423C67-9D6A-4F85-BFC6-5090D8CF0AB4}" type="datetimeFigureOut">
               <a:rPr lang="en-US" smtClean="0"/>
-              <a:t>12/6/2017</a:t>
+              <a:t>2017-12-07</a:t>
             </a:fld>
             <a:endParaRPr lang="en-US"/>
           </a:p>
@@ -486,7 +500,7 @@
           <p:cNvPr id="5" name="Footer Placeholder 4">
             <a:extLst>
               <a:ext uri="{FF2B5EF4-FFF2-40B4-BE49-F238E27FC236}">
-                <a16:creationId xmlns:a16="http://schemas.microsoft.com/office/drawing/2014/main" id="{34D72F3A-0354-422A-B244-BBA17F440987}"/>
+                <a16:creationId xmlns:a16="http://schemas.microsoft.com/office/drawing/2014/main" xmlns="" id="{34D72F3A-0354-422A-B244-BBA17F440987}"/>
               </a:ext>
             </a:extLst>
           </p:cNvPr>
@@ -511,7 +525,7 @@
           <p:cNvPr id="6" name="Slide Number Placeholder 5">
             <a:extLst>
               <a:ext uri="{FF2B5EF4-FFF2-40B4-BE49-F238E27FC236}">
-                <a16:creationId xmlns:a16="http://schemas.microsoft.com/office/drawing/2014/main" id="{A25F886E-A4A5-40AD-85DF-AFF0A44982E8}"/>
+                <a16:creationId xmlns:a16="http://schemas.microsoft.com/office/drawing/2014/main" xmlns="" id="{A25F886E-A4A5-40AD-85DF-AFF0A44982E8}"/>
               </a:ext>
             </a:extLst>
           </p:cNvPr>
@@ -570,7 +584,7 @@
           <p:cNvPr id="2" name="Vertical Title 1">
             <a:extLst>
               <a:ext uri="{FF2B5EF4-FFF2-40B4-BE49-F238E27FC236}">
-                <a16:creationId xmlns:a16="http://schemas.microsoft.com/office/drawing/2014/main" id="{9448314F-80B0-40C7-81BF-07588212961B}"/>
+                <a16:creationId xmlns:a16="http://schemas.microsoft.com/office/drawing/2014/main" xmlns="" id="{9448314F-80B0-40C7-81BF-07588212961B}"/>
               </a:ext>
             </a:extLst>
           </p:cNvPr>
@@ -603,7 +617,7 @@
           <p:cNvPr id="3" name="Vertical Text Placeholder 2">
             <a:extLst>
               <a:ext uri="{FF2B5EF4-FFF2-40B4-BE49-F238E27FC236}">
-                <a16:creationId xmlns:a16="http://schemas.microsoft.com/office/drawing/2014/main" id="{DD399EFE-F0A1-4F14-96B4-066A494A8C7A}"/>
+                <a16:creationId xmlns:a16="http://schemas.microsoft.com/office/drawing/2014/main" xmlns="" id="{DD399EFE-F0A1-4F14-96B4-066A494A8C7A}"/>
               </a:ext>
             </a:extLst>
           </p:cNvPr>
@@ -665,7 +679,7 @@
           <p:cNvPr id="4" name="Date Placeholder 3">
             <a:extLst>
               <a:ext uri="{FF2B5EF4-FFF2-40B4-BE49-F238E27FC236}">
-                <a16:creationId xmlns:a16="http://schemas.microsoft.com/office/drawing/2014/main" id="{F5220A0C-90E3-4701-9050-8DB71E747DBE}"/>
+                <a16:creationId xmlns:a16="http://schemas.microsoft.com/office/drawing/2014/main" xmlns="" id="{F5220A0C-90E3-4701-9050-8DB71E747DBE}"/>
               </a:ext>
             </a:extLst>
           </p:cNvPr>
@@ -683,7 +697,7 @@
           <a:p>
             <a:fld id="{8E423C67-9D6A-4F85-BFC6-5090D8CF0AB4}" type="datetimeFigureOut">
               <a:rPr lang="en-US" smtClean="0"/>
-              <a:t>12/6/2017</a:t>
+              <a:t>2017-12-07</a:t>
             </a:fld>
             <a:endParaRPr lang="en-US"/>
           </a:p>
@@ -694,7 +708,7 @@
           <p:cNvPr id="5" name="Footer Placeholder 4">
             <a:extLst>
               <a:ext uri="{FF2B5EF4-FFF2-40B4-BE49-F238E27FC236}">
-                <a16:creationId xmlns:a16="http://schemas.microsoft.com/office/drawing/2014/main" id="{EA032DB9-427E-41E0-A3D4-B923EB1C8401}"/>
+                <a16:creationId xmlns:a16="http://schemas.microsoft.com/office/drawing/2014/main" xmlns="" id="{EA032DB9-427E-41E0-A3D4-B923EB1C8401}"/>
               </a:ext>
             </a:extLst>
           </p:cNvPr>
@@ -719,7 +733,7 @@
           <p:cNvPr id="6" name="Slide Number Placeholder 5">
             <a:extLst>
               <a:ext uri="{FF2B5EF4-FFF2-40B4-BE49-F238E27FC236}">
-                <a16:creationId xmlns:a16="http://schemas.microsoft.com/office/drawing/2014/main" id="{1E7E3958-F67B-4081-AD68-3D47AEDBE6BD}"/>
+                <a16:creationId xmlns:a16="http://schemas.microsoft.com/office/drawing/2014/main" xmlns="" id="{1E7E3958-F67B-4081-AD68-3D47AEDBE6BD}"/>
               </a:ext>
             </a:extLst>
           </p:cNvPr>
@@ -778,7 +792,7 @@
           <p:cNvPr id="2" name="Title 1">
             <a:extLst>
               <a:ext uri="{FF2B5EF4-FFF2-40B4-BE49-F238E27FC236}">
-                <a16:creationId xmlns:a16="http://schemas.microsoft.com/office/drawing/2014/main" id="{6A043D6D-738D-466C-9F80-3AB6838094C3}"/>
+                <a16:creationId xmlns:a16="http://schemas.microsoft.com/office/drawing/2014/main" xmlns="" id="{6A043D6D-738D-466C-9F80-3AB6838094C3}"/>
               </a:ext>
             </a:extLst>
           </p:cNvPr>
@@ -806,7 +820,7 @@
           <p:cNvPr id="3" name="Content Placeholder 2">
             <a:extLst>
               <a:ext uri="{FF2B5EF4-FFF2-40B4-BE49-F238E27FC236}">
-                <a16:creationId xmlns:a16="http://schemas.microsoft.com/office/drawing/2014/main" id="{62FB617F-BC4F-4AAB-81E7-FECE5AA04FC3}"/>
+                <a16:creationId xmlns:a16="http://schemas.microsoft.com/office/drawing/2014/main" xmlns="" id="{62FB617F-BC4F-4AAB-81E7-FECE5AA04FC3}"/>
               </a:ext>
             </a:extLst>
           </p:cNvPr>
@@ -863,7 +877,7 @@
           <p:cNvPr id="4" name="Date Placeholder 3">
             <a:extLst>
               <a:ext uri="{FF2B5EF4-FFF2-40B4-BE49-F238E27FC236}">
-                <a16:creationId xmlns:a16="http://schemas.microsoft.com/office/drawing/2014/main" id="{F544F1D4-EEC8-4FD1-85E0-7684576FC0E3}"/>
+                <a16:creationId xmlns:a16="http://schemas.microsoft.com/office/drawing/2014/main" xmlns="" id="{F544F1D4-EEC8-4FD1-85E0-7684576FC0E3}"/>
               </a:ext>
             </a:extLst>
           </p:cNvPr>
@@ -881,7 +895,7 @@
           <a:p>
             <a:fld id="{8E423C67-9D6A-4F85-BFC6-5090D8CF0AB4}" type="datetimeFigureOut">
               <a:rPr lang="en-US" smtClean="0"/>
-              <a:t>12/6/2017</a:t>
+              <a:t>2017-12-07</a:t>
             </a:fld>
             <a:endParaRPr lang="en-US"/>
           </a:p>
@@ -892,7 +906,7 @@
           <p:cNvPr id="5" name="Footer Placeholder 4">
             <a:extLst>
               <a:ext uri="{FF2B5EF4-FFF2-40B4-BE49-F238E27FC236}">
-                <a16:creationId xmlns:a16="http://schemas.microsoft.com/office/drawing/2014/main" id="{B56E2608-E959-48EC-A71C-783218FC97D7}"/>
+                <a16:creationId xmlns:a16="http://schemas.microsoft.com/office/drawing/2014/main" xmlns="" id="{B56E2608-E959-48EC-A71C-783218FC97D7}"/>
               </a:ext>
             </a:extLst>
           </p:cNvPr>
@@ -917,7 +931,7 @@
           <p:cNvPr id="6" name="Slide Number Placeholder 5">
             <a:extLst>
               <a:ext uri="{FF2B5EF4-FFF2-40B4-BE49-F238E27FC236}">
-                <a16:creationId xmlns:a16="http://schemas.microsoft.com/office/drawing/2014/main" id="{6D1FB63B-0996-4311-9E74-50D1827F74B4}"/>
+                <a16:creationId xmlns:a16="http://schemas.microsoft.com/office/drawing/2014/main" xmlns="" id="{6D1FB63B-0996-4311-9E74-50D1827F74B4}"/>
               </a:ext>
             </a:extLst>
           </p:cNvPr>
@@ -976,7 +990,7 @@
           <p:cNvPr id="2" name="Title 1">
             <a:extLst>
               <a:ext uri="{FF2B5EF4-FFF2-40B4-BE49-F238E27FC236}">
-                <a16:creationId xmlns:a16="http://schemas.microsoft.com/office/drawing/2014/main" id="{2B937C0D-25FD-4767-8700-C539CF044294}"/>
+                <a16:creationId xmlns:a16="http://schemas.microsoft.com/office/drawing/2014/main" xmlns="" id="{2B937C0D-25FD-4767-8700-C539CF044294}"/>
               </a:ext>
             </a:extLst>
           </p:cNvPr>
@@ -1013,7 +1027,7 @@
           <p:cNvPr id="3" name="Text Placeholder 2">
             <a:extLst>
               <a:ext uri="{FF2B5EF4-FFF2-40B4-BE49-F238E27FC236}">
-                <a16:creationId xmlns:a16="http://schemas.microsoft.com/office/drawing/2014/main" id="{67AB3DE6-22C7-4844-815B-043026A3AB81}"/>
+                <a16:creationId xmlns:a16="http://schemas.microsoft.com/office/drawing/2014/main" xmlns="" id="{67AB3DE6-22C7-4844-815B-043026A3AB81}"/>
               </a:ext>
             </a:extLst>
           </p:cNvPr>
@@ -1138,7 +1152,7 @@
           <p:cNvPr id="4" name="Date Placeholder 3">
             <a:extLst>
               <a:ext uri="{FF2B5EF4-FFF2-40B4-BE49-F238E27FC236}">
-                <a16:creationId xmlns:a16="http://schemas.microsoft.com/office/drawing/2014/main" id="{2279578C-B1CE-43B5-9B07-D3758262DEC8}"/>
+                <a16:creationId xmlns:a16="http://schemas.microsoft.com/office/drawing/2014/main" xmlns="" id="{2279578C-B1CE-43B5-9B07-D3758262DEC8}"/>
               </a:ext>
             </a:extLst>
           </p:cNvPr>
@@ -1156,7 +1170,7 @@
           <a:p>
             <a:fld id="{8E423C67-9D6A-4F85-BFC6-5090D8CF0AB4}" type="datetimeFigureOut">
               <a:rPr lang="en-US" smtClean="0"/>
-              <a:t>12/6/2017</a:t>
+              <a:t>2017-12-07</a:t>
             </a:fld>
             <a:endParaRPr lang="en-US"/>
           </a:p>
@@ -1167,7 +1181,7 @@
           <p:cNvPr id="5" name="Footer Placeholder 4">
             <a:extLst>
               <a:ext uri="{FF2B5EF4-FFF2-40B4-BE49-F238E27FC236}">
-                <a16:creationId xmlns:a16="http://schemas.microsoft.com/office/drawing/2014/main" id="{068D9F9E-8FF9-4B41-809C-C1C9B76C845C}"/>
+                <a16:creationId xmlns:a16="http://schemas.microsoft.com/office/drawing/2014/main" xmlns="" id="{068D9F9E-8FF9-4B41-809C-C1C9B76C845C}"/>
               </a:ext>
             </a:extLst>
           </p:cNvPr>
@@ -1192,7 +1206,7 @@
           <p:cNvPr id="6" name="Slide Number Placeholder 5">
             <a:extLst>
               <a:ext uri="{FF2B5EF4-FFF2-40B4-BE49-F238E27FC236}">
-                <a16:creationId xmlns:a16="http://schemas.microsoft.com/office/drawing/2014/main" id="{9C2A9C60-8FC5-47B9-9DA4-E828B5C3D411}"/>
+                <a16:creationId xmlns:a16="http://schemas.microsoft.com/office/drawing/2014/main" xmlns="" id="{9C2A9C60-8FC5-47B9-9DA4-E828B5C3D411}"/>
               </a:ext>
             </a:extLst>
           </p:cNvPr>
@@ -1251,7 +1265,7 @@
           <p:cNvPr id="2" name="Title 1">
             <a:extLst>
               <a:ext uri="{FF2B5EF4-FFF2-40B4-BE49-F238E27FC236}">
-                <a16:creationId xmlns:a16="http://schemas.microsoft.com/office/drawing/2014/main" id="{10ED49E6-F673-451D-892D-52B8D49DAB14}"/>
+                <a16:creationId xmlns:a16="http://schemas.microsoft.com/office/drawing/2014/main" xmlns="" id="{10ED49E6-F673-451D-892D-52B8D49DAB14}"/>
               </a:ext>
             </a:extLst>
           </p:cNvPr>
@@ -1279,7 +1293,7 @@
           <p:cNvPr id="3" name="Content Placeholder 2">
             <a:extLst>
               <a:ext uri="{FF2B5EF4-FFF2-40B4-BE49-F238E27FC236}">
-                <a16:creationId xmlns:a16="http://schemas.microsoft.com/office/drawing/2014/main" id="{76BC5C3B-ACFE-4482-A832-03AC581249B1}"/>
+                <a16:creationId xmlns:a16="http://schemas.microsoft.com/office/drawing/2014/main" xmlns="" id="{76BC5C3B-ACFE-4482-A832-03AC581249B1}"/>
               </a:ext>
             </a:extLst>
           </p:cNvPr>
@@ -1341,7 +1355,7 @@
           <p:cNvPr id="4" name="Content Placeholder 3">
             <a:extLst>
               <a:ext uri="{FF2B5EF4-FFF2-40B4-BE49-F238E27FC236}">
-                <a16:creationId xmlns:a16="http://schemas.microsoft.com/office/drawing/2014/main" id="{40A231FA-65B5-4230-B64A-B88BCEF670B4}"/>
+                <a16:creationId xmlns:a16="http://schemas.microsoft.com/office/drawing/2014/main" xmlns="" id="{40A231FA-65B5-4230-B64A-B88BCEF670B4}"/>
               </a:ext>
             </a:extLst>
           </p:cNvPr>
@@ -1403,7 +1417,7 @@
           <p:cNvPr id="5" name="Date Placeholder 4">
             <a:extLst>
               <a:ext uri="{FF2B5EF4-FFF2-40B4-BE49-F238E27FC236}">
-                <a16:creationId xmlns:a16="http://schemas.microsoft.com/office/drawing/2014/main" id="{67F72277-8ECF-4CB3-A8E4-6B1DC779BB60}"/>
+                <a16:creationId xmlns:a16="http://schemas.microsoft.com/office/drawing/2014/main" xmlns="" id="{67F72277-8ECF-4CB3-A8E4-6B1DC779BB60}"/>
               </a:ext>
             </a:extLst>
           </p:cNvPr>
@@ -1421,7 +1435,7 @@
           <a:p>
             <a:fld id="{8E423C67-9D6A-4F85-BFC6-5090D8CF0AB4}" type="datetimeFigureOut">
               <a:rPr lang="en-US" smtClean="0"/>
-              <a:t>12/6/2017</a:t>
+              <a:t>2017-12-07</a:t>
             </a:fld>
             <a:endParaRPr lang="en-US"/>
           </a:p>
@@ -1432,7 +1446,7 @@
           <p:cNvPr id="6" name="Footer Placeholder 5">
             <a:extLst>
               <a:ext uri="{FF2B5EF4-FFF2-40B4-BE49-F238E27FC236}">
-                <a16:creationId xmlns:a16="http://schemas.microsoft.com/office/drawing/2014/main" id="{DFD75405-06A3-4BB0-9072-41B4D1281F15}"/>
+                <a16:creationId xmlns:a16="http://schemas.microsoft.com/office/drawing/2014/main" xmlns="" id="{DFD75405-06A3-4BB0-9072-41B4D1281F15}"/>
               </a:ext>
             </a:extLst>
           </p:cNvPr>
@@ -1457,7 +1471,7 @@
           <p:cNvPr id="7" name="Slide Number Placeholder 6">
             <a:extLst>
               <a:ext uri="{FF2B5EF4-FFF2-40B4-BE49-F238E27FC236}">
-                <a16:creationId xmlns:a16="http://schemas.microsoft.com/office/drawing/2014/main" id="{B5B4B9AD-6AA0-4991-B07F-C13C79D75731}"/>
+                <a16:creationId xmlns:a16="http://schemas.microsoft.com/office/drawing/2014/main" xmlns="" id="{B5B4B9AD-6AA0-4991-B07F-C13C79D75731}"/>
               </a:ext>
             </a:extLst>
           </p:cNvPr>
@@ -1516,7 +1530,7 @@
           <p:cNvPr id="2" name="Title 1">
             <a:extLst>
               <a:ext uri="{FF2B5EF4-FFF2-40B4-BE49-F238E27FC236}">
-                <a16:creationId xmlns:a16="http://schemas.microsoft.com/office/drawing/2014/main" id="{DDF948DF-1DD2-4386-90B2-DB68C1D07E2D}"/>
+                <a16:creationId xmlns:a16="http://schemas.microsoft.com/office/drawing/2014/main" xmlns="" id="{DDF948DF-1DD2-4386-90B2-DB68C1D07E2D}"/>
               </a:ext>
             </a:extLst>
           </p:cNvPr>
@@ -1549,7 +1563,7 @@
           <p:cNvPr id="3" name="Text Placeholder 2">
             <a:extLst>
               <a:ext uri="{FF2B5EF4-FFF2-40B4-BE49-F238E27FC236}">
-                <a16:creationId xmlns:a16="http://schemas.microsoft.com/office/drawing/2014/main" id="{9EE6267F-4B2F-4A00-8BF4-79752C1B7494}"/>
+                <a16:creationId xmlns:a16="http://schemas.microsoft.com/office/drawing/2014/main" xmlns="" id="{9EE6267F-4B2F-4A00-8BF4-79752C1B7494}"/>
               </a:ext>
             </a:extLst>
           </p:cNvPr>
@@ -1620,7 +1634,7 @@
           <p:cNvPr id="4" name="Content Placeholder 3">
             <a:extLst>
               <a:ext uri="{FF2B5EF4-FFF2-40B4-BE49-F238E27FC236}">
-                <a16:creationId xmlns:a16="http://schemas.microsoft.com/office/drawing/2014/main" id="{3ABD9567-59B7-4E59-8589-D8F9496DBFE6}"/>
+                <a16:creationId xmlns:a16="http://schemas.microsoft.com/office/drawing/2014/main" xmlns="" id="{3ABD9567-59B7-4E59-8589-D8F9496DBFE6}"/>
               </a:ext>
             </a:extLst>
           </p:cNvPr>
@@ -1682,7 +1696,7 @@
           <p:cNvPr id="5" name="Text Placeholder 4">
             <a:extLst>
               <a:ext uri="{FF2B5EF4-FFF2-40B4-BE49-F238E27FC236}">
-                <a16:creationId xmlns:a16="http://schemas.microsoft.com/office/drawing/2014/main" id="{753B1704-496C-4556-ACE7-875F4B371852}"/>
+                <a16:creationId xmlns:a16="http://schemas.microsoft.com/office/drawing/2014/main" xmlns="" id="{753B1704-496C-4556-ACE7-875F4B371852}"/>
               </a:ext>
             </a:extLst>
           </p:cNvPr>
@@ -1753,7 +1767,7 @@
           <p:cNvPr id="6" name="Content Placeholder 5">
             <a:extLst>
               <a:ext uri="{FF2B5EF4-FFF2-40B4-BE49-F238E27FC236}">
-                <a16:creationId xmlns:a16="http://schemas.microsoft.com/office/drawing/2014/main" id="{C0EC14B4-3E8A-4FB6-9C50-C5B54CA04880}"/>
+                <a16:creationId xmlns:a16="http://schemas.microsoft.com/office/drawing/2014/main" xmlns="" id="{C0EC14B4-3E8A-4FB6-9C50-C5B54CA04880}"/>
               </a:ext>
             </a:extLst>
           </p:cNvPr>
@@ -1815,7 +1829,7 @@
           <p:cNvPr id="7" name="Date Placeholder 6">
             <a:extLst>
               <a:ext uri="{FF2B5EF4-FFF2-40B4-BE49-F238E27FC236}">
-                <a16:creationId xmlns:a16="http://schemas.microsoft.com/office/drawing/2014/main" id="{6FE91A59-D6B8-46D1-96D6-E03F9C08BE95}"/>
+                <a16:creationId xmlns:a16="http://schemas.microsoft.com/office/drawing/2014/main" xmlns="" id="{6FE91A59-D6B8-46D1-96D6-E03F9C08BE95}"/>
               </a:ext>
             </a:extLst>
           </p:cNvPr>
@@ -1833,7 +1847,7 @@
           <a:p>
             <a:fld id="{8E423C67-9D6A-4F85-BFC6-5090D8CF0AB4}" type="datetimeFigureOut">
               <a:rPr lang="en-US" smtClean="0"/>
-              <a:t>12/6/2017</a:t>
+              <a:t>2017-12-07</a:t>
             </a:fld>
             <a:endParaRPr lang="en-US"/>
           </a:p>
@@ -1844,7 +1858,7 @@
           <p:cNvPr id="8" name="Footer Placeholder 7">
             <a:extLst>
               <a:ext uri="{FF2B5EF4-FFF2-40B4-BE49-F238E27FC236}">
-                <a16:creationId xmlns:a16="http://schemas.microsoft.com/office/drawing/2014/main" id="{63E8F402-F253-4598-9290-8DD314902561}"/>
+                <a16:creationId xmlns:a16="http://schemas.microsoft.com/office/drawing/2014/main" xmlns="" id="{63E8F402-F253-4598-9290-8DD314902561}"/>
               </a:ext>
             </a:extLst>
           </p:cNvPr>
@@ -1869,7 +1883,7 @@
           <p:cNvPr id="9" name="Slide Number Placeholder 8">
             <a:extLst>
               <a:ext uri="{FF2B5EF4-FFF2-40B4-BE49-F238E27FC236}">
-                <a16:creationId xmlns:a16="http://schemas.microsoft.com/office/drawing/2014/main" id="{C135391B-B762-4149-B674-68400B60C4CA}"/>
+                <a16:creationId xmlns:a16="http://schemas.microsoft.com/office/drawing/2014/main" xmlns="" id="{C135391B-B762-4149-B674-68400B60C4CA}"/>
               </a:ext>
             </a:extLst>
           </p:cNvPr>
@@ -1928,7 +1942,7 @@
           <p:cNvPr id="2" name="Title 1">
             <a:extLst>
               <a:ext uri="{FF2B5EF4-FFF2-40B4-BE49-F238E27FC236}">
-                <a16:creationId xmlns:a16="http://schemas.microsoft.com/office/drawing/2014/main" id="{FDCF8A4F-C9CB-46AD-BEA5-F3E02EF83621}"/>
+                <a16:creationId xmlns:a16="http://schemas.microsoft.com/office/drawing/2014/main" xmlns="" id="{FDCF8A4F-C9CB-46AD-BEA5-F3E02EF83621}"/>
               </a:ext>
             </a:extLst>
           </p:cNvPr>
@@ -1956,7 +1970,7 @@
           <p:cNvPr id="3" name="Date Placeholder 2">
             <a:extLst>
               <a:ext uri="{FF2B5EF4-FFF2-40B4-BE49-F238E27FC236}">
-                <a16:creationId xmlns:a16="http://schemas.microsoft.com/office/drawing/2014/main" id="{05105858-46BE-4B4B-AC76-1DE884F4261D}"/>
+                <a16:creationId xmlns:a16="http://schemas.microsoft.com/office/drawing/2014/main" xmlns="" id="{05105858-46BE-4B4B-AC76-1DE884F4261D}"/>
               </a:ext>
             </a:extLst>
           </p:cNvPr>
@@ -1974,7 +1988,7 @@
           <a:p>
             <a:fld id="{8E423C67-9D6A-4F85-BFC6-5090D8CF0AB4}" type="datetimeFigureOut">
               <a:rPr lang="en-US" smtClean="0"/>
-              <a:t>12/6/2017</a:t>
+              <a:t>2017-12-07</a:t>
             </a:fld>
             <a:endParaRPr lang="en-US"/>
           </a:p>
@@ -1985,7 +1999,7 @@
           <p:cNvPr id="4" name="Footer Placeholder 3">
             <a:extLst>
               <a:ext uri="{FF2B5EF4-FFF2-40B4-BE49-F238E27FC236}">
-                <a16:creationId xmlns:a16="http://schemas.microsoft.com/office/drawing/2014/main" id="{81209C3A-40B3-447C-898C-0C4F7537036B}"/>
+                <a16:creationId xmlns:a16="http://schemas.microsoft.com/office/drawing/2014/main" xmlns="" id="{81209C3A-40B3-447C-898C-0C4F7537036B}"/>
               </a:ext>
             </a:extLst>
           </p:cNvPr>
@@ -2010,7 +2024,7 @@
           <p:cNvPr id="5" name="Slide Number Placeholder 4">
             <a:extLst>
               <a:ext uri="{FF2B5EF4-FFF2-40B4-BE49-F238E27FC236}">
-                <a16:creationId xmlns:a16="http://schemas.microsoft.com/office/drawing/2014/main" id="{E66D6103-6FAC-44FE-AFAC-35DCA54A5841}"/>
+                <a16:creationId xmlns:a16="http://schemas.microsoft.com/office/drawing/2014/main" xmlns="" id="{E66D6103-6FAC-44FE-AFAC-35DCA54A5841}"/>
               </a:ext>
             </a:extLst>
           </p:cNvPr>
@@ -2069,7 +2083,7 @@
           <p:cNvPr id="2" name="Date Placeholder 1">
             <a:extLst>
               <a:ext uri="{FF2B5EF4-FFF2-40B4-BE49-F238E27FC236}">
-                <a16:creationId xmlns:a16="http://schemas.microsoft.com/office/drawing/2014/main" id="{484A2280-0F1E-4438-B0D1-87FD5872FA23}"/>
+                <a16:creationId xmlns:a16="http://schemas.microsoft.com/office/drawing/2014/main" xmlns="" id="{484A2280-0F1E-4438-B0D1-87FD5872FA23}"/>
               </a:ext>
             </a:extLst>
           </p:cNvPr>
@@ -2087,7 +2101,7 @@
           <a:p>
             <a:fld id="{8E423C67-9D6A-4F85-BFC6-5090D8CF0AB4}" type="datetimeFigureOut">
               <a:rPr lang="en-US" smtClean="0"/>
-              <a:t>12/6/2017</a:t>
+              <a:t>2017-12-07</a:t>
             </a:fld>
             <a:endParaRPr lang="en-US"/>
           </a:p>
@@ -2098,7 +2112,7 @@
           <p:cNvPr id="3" name="Footer Placeholder 2">
             <a:extLst>
               <a:ext uri="{FF2B5EF4-FFF2-40B4-BE49-F238E27FC236}">
-                <a16:creationId xmlns:a16="http://schemas.microsoft.com/office/drawing/2014/main" id="{85054AD8-7FEF-49D9-A2DE-A9C7C3ECCA5F}"/>
+                <a16:creationId xmlns:a16="http://schemas.microsoft.com/office/drawing/2014/main" xmlns="" id="{85054AD8-7FEF-49D9-A2DE-A9C7C3ECCA5F}"/>
               </a:ext>
             </a:extLst>
           </p:cNvPr>
@@ -2123,7 +2137,7 @@
           <p:cNvPr id="4" name="Slide Number Placeholder 3">
             <a:extLst>
               <a:ext uri="{FF2B5EF4-FFF2-40B4-BE49-F238E27FC236}">
-                <a16:creationId xmlns:a16="http://schemas.microsoft.com/office/drawing/2014/main" id="{0B86E405-A339-4A02-AC4C-7EA2A1561C3B}"/>
+                <a16:creationId xmlns:a16="http://schemas.microsoft.com/office/drawing/2014/main" xmlns="" id="{0B86E405-A339-4A02-AC4C-7EA2A1561C3B}"/>
               </a:ext>
             </a:extLst>
           </p:cNvPr>
@@ -2182,7 +2196,7 @@
           <p:cNvPr id="2" name="Title 1">
             <a:extLst>
               <a:ext uri="{FF2B5EF4-FFF2-40B4-BE49-F238E27FC236}">
-                <a16:creationId xmlns:a16="http://schemas.microsoft.com/office/drawing/2014/main" id="{09A9CBF2-3028-467D-9303-C06F7A0D5655}"/>
+                <a16:creationId xmlns:a16="http://schemas.microsoft.com/office/drawing/2014/main" xmlns="" id="{09A9CBF2-3028-467D-9303-C06F7A0D5655}"/>
               </a:ext>
             </a:extLst>
           </p:cNvPr>
@@ -2219,7 +2233,7 @@
           <p:cNvPr id="3" name="Content Placeholder 2">
             <a:extLst>
               <a:ext uri="{FF2B5EF4-FFF2-40B4-BE49-F238E27FC236}">
-                <a16:creationId xmlns:a16="http://schemas.microsoft.com/office/drawing/2014/main" id="{B6918BF1-0F45-4A97-AA9E-A6B36E09FF9A}"/>
+                <a16:creationId xmlns:a16="http://schemas.microsoft.com/office/drawing/2014/main" xmlns="" id="{B6918BF1-0F45-4A97-AA9E-A6B36E09FF9A}"/>
               </a:ext>
             </a:extLst>
           </p:cNvPr>
@@ -2309,7 +2323,7 @@
           <p:cNvPr id="4" name="Text Placeholder 3">
             <a:extLst>
               <a:ext uri="{FF2B5EF4-FFF2-40B4-BE49-F238E27FC236}">
-                <a16:creationId xmlns:a16="http://schemas.microsoft.com/office/drawing/2014/main" id="{356FB0A4-9494-4382-A0FD-07C795DA06C8}"/>
+                <a16:creationId xmlns:a16="http://schemas.microsoft.com/office/drawing/2014/main" xmlns="" id="{356FB0A4-9494-4382-A0FD-07C795DA06C8}"/>
               </a:ext>
             </a:extLst>
           </p:cNvPr>
@@ -2380,7 +2394,7 @@
           <p:cNvPr id="5" name="Date Placeholder 4">
             <a:extLst>
               <a:ext uri="{FF2B5EF4-FFF2-40B4-BE49-F238E27FC236}">
-                <a16:creationId xmlns:a16="http://schemas.microsoft.com/office/drawing/2014/main" id="{B7282179-4D0B-4BEA-AEF3-0C82FFAF64C8}"/>
+                <a16:creationId xmlns:a16="http://schemas.microsoft.com/office/drawing/2014/main" xmlns="" id="{B7282179-4D0B-4BEA-AEF3-0C82FFAF64C8}"/>
               </a:ext>
             </a:extLst>
           </p:cNvPr>
@@ -2398,7 +2412,7 @@
           <a:p>
             <a:fld id="{8E423C67-9D6A-4F85-BFC6-5090D8CF0AB4}" type="datetimeFigureOut">
               <a:rPr lang="en-US" smtClean="0"/>
-              <a:t>12/6/2017</a:t>
+              <a:t>2017-12-07</a:t>
             </a:fld>
             <a:endParaRPr lang="en-US"/>
           </a:p>
@@ -2409,7 +2423,7 @@
           <p:cNvPr id="6" name="Footer Placeholder 5">
             <a:extLst>
               <a:ext uri="{FF2B5EF4-FFF2-40B4-BE49-F238E27FC236}">
-                <a16:creationId xmlns:a16="http://schemas.microsoft.com/office/drawing/2014/main" id="{46E4F919-BC65-4B8C-B6A4-6B75D65BAED8}"/>
+                <a16:creationId xmlns:a16="http://schemas.microsoft.com/office/drawing/2014/main" xmlns="" id="{46E4F919-BC65-4B8C-B6A4-6B75D65BAED8}"/>
               </a:ext>
             </a:extLst>
           </p:cNvPr>
@@ -2434,7 +2448,7 @@
           <p:cNvPr id="7" name="Slide Number Placeholder 6">
             <a:extLst>
               <a:ext uri="{FF2B5EF4-FFF2-40B4-BE49-F238E27FC236}">
-                <a16:creationId xmlns:a16="http://schemas.microsoft.com/office/drawing/2014/main" id="{CE4FA66B-0CC2-43E6-AB35-73A52D826B4E}"/>
+                <a16:creationId xmlns:a16="http://schemas.microsoft.com/office/drawing/2014/main" xmlns="" id="{CE4FA66B-0CC2-43E6-AB35-73A52D826B4E}"/>
               </a:ext>
             </a:extLst>
           </p:cNvPr>
@@ -2493,7 +2507,7 @@
           <p:cNvPr id="2" name="Title 1">
             <a:extLst>
               <a:ext uri="{FF2B5EF4-FFF2-40B4-BE49-F238E27FC236}">
-                <a16:creationId xmlns:a16="http://schemas.microsoft.com/office/drawing/2014/main" id="{949C5467-9872-42A4-9D20-EE8539A5EFB8}"/>
+                <a16:creationId xmlns:a16="http://schemas.microsoft.com/office/drawing/2014/main" xmlns="" id="{949C5467-9872-42A4-9D20-EE8539A5EFB8}"/>
               </a:ext>
             </a:extLst>
           </p:cNvPr>
@@ -2530,7 +2544,7 @@
           <p:cNvPr id="3" name="Picture Placeholder 2">
             <a:extLst>
               <a:ext uri="{FF2B5EF4-FFF2-40B4-BE49-F238E27FC236}">
-                <a16:creationId xmlns:a16="http://schemas.microsoft.com/office/drawing/2014/main" id="{CD2BD776-EB44-4D47-B39F-0246DE1B595B}"/>
+                <a16:creationId xmlns:a16="http://schemas.microsoft.com/office/drawing/2014/main" xmlns="" id="{CD2BD776-EB44-4D47-B39F-0246DE1B595B}"/>
               </a:ext>
             </a:extLst>
           </p:cNvPr>
@@ -2597,7 +2611,7 @@
           <p:cNvPr id="4" name="Text Placeholder 3">
             <a:extLst>
               <a:ext uri="{FF2B5EF4-FFF2-40B4-BE49-F238E27FC236}">
-                <a16:creationId xmlns:a16="http://schemas.microsoft.com/office/drawing/2014/main" id="{59ECD3CF-02E8-4D20-865E-02BA42A49532}"/>
+                <a16:creationId xmlns:a16="http://schemas.microsoft.com/office/drawing/2014/main" xmlns="" id="{59ECD3CF-02E8-4D20-865E-02BA42A49532}"/>
               </a:ext>
             </a:extLst>
           </p:cNvPr>
@@ -2668,7 +2682,7 @@
           <p:cNvPr id="5" name="Date Placeholder 4">
             <a:extLst>
               <a:ext uri="{FF2B5EF4-FFF2-40B4-BE49-F238E27FC236}">
-                <a16:creationId xmlns:a16="http://schemas.microsoft.com/office/drawing/2014/main" id="{E6B2109E-2F31-4DE3-8CEA-DE3C86F9A38C}"/>
+                <a16:creationId xmlns:a16="http://schemas.microsoft.com/office/drawing/2014/main" xmlns="" id="{E6B2109E-2F31-4DE3-8CEA-DE3C86F9A38C}"/>
               </a:ext>
             </a:extLst>
           </p:cNvPr>
@@ -2686,7 +2700,7 @@
           <a:p>
             <a:fld id="{8E423C67-9D6A-4F85-BFC6-5090D8CF0AB4}" type="datetimeFigureOut">
               <a:rPr lang="en-US" smtClean="0"/>
-              <a:t>12/6/2017</a:t>
+              <a:t>2017-12-07</a:t>
             </a:fld>
             <a:endParaRPr lang="en-US"/>
           </a:p>
@@ -2697,7 +2711,7 @@
           <p:cNvPr id="6" name="Footer Placeholder 5">
             <a:extLst>
               <a:ext uri="{FF2B5EF4-FFF2-40B4-BE49-F238E27FC236}">
-                <a16:creationId xmlns:a16="http://schemas.microsoft.com/office/drawing/2014/main" id="{8B5CA5A2-D2B8-4ED5-9640-9392D1A7AA70}"/>
+                <a16:creationId xmlns:a16="http://schemas.microsoft.com/office/drawing/2014/main" xmlns="" id="{8B5CA5A2-D2B8-4ED5-9640-9392D1A7AA70}"/>
               </a:ext>
             </a:extLst>
           </p:cNvPr>
@@ -2722,7 +2736,7 @@
           <p:cNvPr id="7" name="Slide Number Placeholder 6">
             <a:extLst>
               <a:ext uri="{FF2B5EF4-FFF2-40B4-BE49-F238E27FC236}">
-                <a16:creationId xmlns:a16="http://schemas.microsoft.com/office/drawing/2014/main" id="{43ED3C46-81E8-41F2-9834-F18A983176A0}"/>
+                <a16:creationId xmlns:a16="http://schemas.microsoft.com/office/drawing/2014/main" xmlns="" id="{43ED3C46-81E8-41F2-9834-F18A983176A0}"/>
               </a:ext>
             </a:extLst>
           </p:cNvPr>
@@ -2789,7 +2803,7 @@
           <p:cNvPr id="2" name="Title Placeholder 1">
             <a:extLst>
               <a:ext uri="{FF2B5EF4-FFF2-40B4-BE49-F238E27FC236}">
-                <a16:creationId xmlns:a16="http://schemas.microsoft.com/office/drawing/2014/main" id="{C7AAF08E-4D85-40AA-9CBA-7DBD9AB4E5FB}"/>
+                <a16:creationId xmlns:a16="http://schemas.microsoft.com/office/drawing/2014/main" xmlns="" id="{C7AAF08E-4D85-40AA-9CBA-7DBD9AB4E5FB}"/>
               </a:ext>
             </a:extLst>
           </p:cNvPr>
@@ -2827,7 +2841,7 @@
           <p:cNvPr id="3" name="Text Placeholder 2">
             <a:extLst>
               <a:ext uri="{FF2B5EF4-FFF2-40B4-BE49-F238E27FC236}">
-                <a16:creationId xmlns:a16="http://schemas.microsoft.com/office/drawing/2014/main" id="{C4C3D882-D2F6-4D90-961B-1743A27FEFF9}"/>
+                <a16:creationId xmlns:a16="http://schemas.microsoft.com/office/drawing/2014/main" xmlns="" id="{C4C3D882-D2F6-4D90-961B-1743A27FEFF9}"/>
               </a:ext>
             </a:extLst>
           </p:cNvPr>
@@ -2894,7 +2908,7 @@
           <p:cNvPr id="4" name="Date Placeholder 3">
             <a:extLst>
               <a:ext uri="{FF2B5EF4-FFF2-40B4-BE49-F238E27FC236}">
-                <a16:creationId xmlns:a16="http://schemas.microsoft.com/office/drawing/2014/main" id="{52C7BF11-732D-490D-B016-B70BC5215D7F}"/>
+                <a16:creationId xmlns:a16="http://schemas.microsoft.com/office/drawing/2014/main" xmlns="" id="{52C7BF11-732D-490D-B016-B70BC5215D7F}"/>
               </a:ext>
             </a:extLst>
           </p:cNvPr>
@@ -2930,7 +2944,7 @@
           <a:p>
             <a:fld id="{8E423C67-9D6A-4F85-BFC6-5090D8CF0AB4}" type="datetimeFigureOut">
               <a:rPr lang="en-US" smtClean="0"/>
-              <a:t>12/6/2017</a:t>
+              <a:t>2017-12-07</a:t>
             </a:fld>
             <a:endParaRPr lang="en-US"/>
           </a:p>
@@ -2941,7 +2955,7 @@
           <p:cNvPr id="5" name="Footer Placeholder 4">
             <a:extLst>
               <a:ext uri="{FF2B5EF4-FFF2-40B4-BE49-F238E27FC236}">
-                <a16:creationId xmlns:a16="http://schemas.microsoft.com/office/drawing/2014/main" id="{90F6EE10-A6BA-4959-8406-FFA61D7A2FD4}"/>
+                <a16:creationId xmlns:a16="http://schemas.microsoft.com/office/drawing/2014/main" xmlns="" id="{90F6EE10-A6BA-4959-8406-FFA61D7A2FD4}"/>
               </a:ext>
             </a:extLst>
           </p:cNvPr>
@@ -2984,7 +2998,7 @@
           <p:cNvPr id="6" name="Slide Number Placeholder 5">
             <a:extLst>
               <a:ext uri="{FF2B5EF4-FFF2-40B4-BE49-F238E27FC236}">
-                <a16:creationId xmlns:a16="http://schemas.microsoft.com/office/drawing/2014/main" id="{E9E7E0F3-F268-4405-929D-FE16B32E5849}"/>
+                <a16:creationId xmlns:a16="http://schemas.microsoft.com/office/drawing/2014/main" xmlns="" id="{E9E7E0F3-F268-4405-929D-FE16B32E5849}"/>
               </a:ext>
             </a:extLst>
           </p:cNvPr>
@@ -3352,7 +3366,7 @@
           <p:cNvPr id="2" name="Title 1">
             <a:extLst>
               <a:ext uri="{FF2B5EF4-FFF2-40B4-BE49-F238E27FC236}">
-                <a16:creationId xmlns:a16="http://schemas.microsoft.com/office/drawing/2014/main" id="{1126EA88-A9E3-4871-8DDA-4EE8195A9D29}"/>
+                <a16:creationId xmlns:a16="http://schemas.microsoft.com/office/drawing/2014/main" xmlns="" id="{1126EA88-A9E3-4871-8DDA-4EE8195A9D29}"/>
               </a:ext>
             </a:extLst>
           </p:cNvPr>
@@ -3365,7 +3379,7 @@
         </p:nvSpPr>
         <p:spPr>
           <a:xfrm>
-            <a:off x="3262184" y="2544890"/>
+            <a:off x="3262184" y="1562528"/>
             <a:ext cx="5667632" cy="1600844"/>
           </a:xfrm>
           <a:solidFill>
@@ -3392,7 +3406,7 @@
           <p:cNvPr id="3" name="Subtitle 2">
             <a:extLst>
               <a:ext uri="{FF2B5EF4-FFF2-40B4-BE49-F238E27FC236}">
-                <a16:creationId xmlns:a16="http://schemas.microsoft.com/office/drawing/2014/main" id="{EF3D0F4F-0963-4211-A80D-97B3ABEE1F01}"/>
+                <a16:creationId xmlns:a16="http://schemas.microsoft.com/office/drawing/2014/main" xmlns="" id="{EF3D0F4F-0963-4211-A80D-97B3ABEE1F01}"/>
               </a:ext>
             </a:extLst>
           </p:cNvPr>
@@ -3405,7 +3419,7 @@
         </p:nvSpPr>
         <p:spPr>
           <a:xfrm>
-            <a:off x="2755557" y="4386691"/>
+            <a:off x="2755557" y="4040701"/>
             <a:ext cx="6680886" cy="556011"/>
           </a:xfrm>
           <a:noFill/>
@@ -3456,6 +3470,13 @@
   <p:clrMapOvr>
     <a:masterClrMapping/>
   </p:clrMapOvr>
+  <p:timing>
+    <p:tnLst>
+      <p:par>
+        <p:cTn id="1" dur="indefinite" restart="never" nodeType="tmRoot"/>
+      </p:par>
+    </p:tnLst>
+  </p:timing>
 </p:sld>
 </file>
 
@@ -3478,13 +3499,7 @@
       </p:grpSpPr>
       <p:sp>
         <p:nvSpPr>
-          <p:cNvPr id="2" name="Title 1">
-            <a:extLst>
-              <a:ext uri="{FF2B5EF4-FFF2-40B4-BE49-F238E27FC236}">
-                <a16:creationId xmlns:a16="http://schemas.microsoft.com/office/drawing/2014/main" id="{259D0B7C-1D18-4B9B-9686-41CD01222471}"/>
-              </a:ext>
-            </a:extLst>
-          </p:cNvPr>
+          <p:cNvPr id="2" name="Title 1"/>
           <p:cNvSpPr>
             <a:spLocks noGrp="1"/>
           </p:cNvSpPr>
@@ -3500,360 +3515,70 @@
             <a:pPr algn="ctr"/>
             <a:r>
               <a:rPr lang="en-US" dirty="0"/>
-              <a:t>How do we do it?</a:t>
-            </a:r>
-          </a:p>
-        </p:txBody>
-      </p:sp>
-      <p:sp>
-        <p:nvSpPr>
-          <p:cNvPr id="3" name="Content Placeholder 2">
-            <a:extLst>
-              <a:ext uri="{FF2B5EF4-FFF2-40B4-BE49-F238E27FC236}">
-                <a16:creationId xmlns:a16="http://schemas.microsoft.com/office/drawing/2014/main" id="{7171011C-A762-4A01-8962-0A7436AA633E}"/>
-              </a:ext>
-            </a:extLst>
-          </p:cNvPr>
-          <p:cNvSpPr>
-            <a:spLocks noGrp="1"/>
-          </p:cNvSpPr>
+              <a:t>Logging </a:t>
+            </a:r>
+            <a:r>
+              <a:rPr lang="en-US" dirty="0">
+                <a:solidFill>
+                  <a:srgbClr val="F5F5F5"/>
+                </a:solidFill>
+              </a:rPr>
+              <a:t>In</a:t>
+            </a:r>
+          </a:p>
+        </p:txBody>
+      </p:sp>
+      <p:pic>
+        <p:nvPicPr>
+          <p:cNvPr id="7" name="Content Placeholder 6"/>
+          <p:cNvPicPr>
+            <a:picLocks noGrp="1" noChangeAspect="1"/>
+          </p:cNvPicPr>
           <p:nvPr>
             <p:ph idx="1"/>
           </p:nvPr>
-        </p:nvSpPr>
-        <p:spPr/>
-        <p:txBody>
-          <a:bodyPr/>
-          <a:lstStyle/>
-          <a:p>
-            <a:r>
-              <a:rPr lang="en-US" dirty="0">
-                <a:solidFill>
-                  <a:schemeClr val="accent6">
-                    <a:lumMod val="40000"/>
-                    <a:lumOff val="60000"/>
-                  </a:schemeClr>
-                </a:solidFill>
-              </a:rPr>
-              <a:t>To let the user create an account.</a:t>
-            </a:r>
-          </a:p>
-          <a:p>
-            <a:r>
-              <a:rPr lang="en-US" dirty="0">
-                <a:solidFill>
-                  <a:schemeClr val="accent6">
-                    <a:lumMod val="40000"/>
-                    <a:lumOff val="60000"/>
-                  </a:schemeClr>
-                </a:solidFill>
-              </a:rPr>
-              <a:t>To let user enter , delete or/and edit a URL .</a:t>
-            </a:r>
-          </a:p>
-          <a:p>
-            <a:r>
-              <a:rPr lang="en-US" dirty="0">
-                <a:solidFill>
-                  <a:schemeClr val="accent6">
-                    <a:lumMod val="40000"/>
-                    <a:lumOff val="60000"/>
-                  </a:schemeClr>
-                </a:solidFill>
-              </a:rPr>
-              <a:t>Create a relational view of the database , with proper key – table relation to store user details and the URL details.</a:t>
-            </a:r>
-          </a:p>
-          <a:p>
-            <a:r>
-              <a:rPr lang="en-US" dirty="0">
-                <a:solidFill>
-                  <a:schemeClr val="accent6">
-                    <a:lumMod val="40000"/>
-                    <a:lumOff val="60000"/>
-                  </a:schemeClr>
-                </a:solidFill>
-              </a:rPr>
-              <a:t>Scan through the saved Websites.</a:t>
-            </a:r>
-          </a:p>
-          <a:p>
-            <a:r>
-              <a:rPr lang="en-US" dirty="0">
-                <a:solidFill>
-                  <a:schemeClr val="accent6">
-                    <a:lumMod val="40000"/>
-                    <a:lumOff val="60000"/>
-                  </a:schemeClr>
-                </a:solidFill>
-              </a:rPr>
-              <a:t>For the identified websites, update the database.</a:t>
-            </a:r>
-          </a:p>
-          <a:p>
-            <a:r>
-              <a:rPr lang="en-US" dirty="0"/>
-              <a:t>Send the email to the user , without spamming them.</a:t>
-            </a:r>
-          </a:p>
-        </p:txBody>
-      </p:sp>
-      <p:sp>
-        <p:nvSpPr>
-          <p:cNvPr id="4" name="Arrow: Up 3">
-            <a:extLst>
-              <a:ext uri="{FF2B5EF4-FFF2-40B4-BE49-F238E27FC236}">
-                <a16:creationId xmlns:a16="http://schemas.microsoft.com/office/drawing/2014/main" id="{36B77D85-8DA5-4877-9B27-773E46D5E5D6}"/>
-              </a:ext>
-            </a:extLst>
-          </p:cNvPr>
-          <p:cNvSpPr/>
-          <p:nvPr/>
-        </p:nvSpPr>
+        </p:nvPicPr>
+        <p:blipFill>
+          <a:blip r:embed="rId2" cstate="print">
+            <a:extLst>
+              <a:ext uri="{28A0092B-C50C-407E-A947-70E740481C1C}">
+                <a14:useLocalDpi xmlns:a14="http://schemas.microsoft.com/office/drawing/2010/main" val="0"/>
+              </a:ext>
+            </a:extLst>
+          </a:blip>
+          <a:stretch>
+            <a:fillRect/>
+          </a:stretch>
+        </p:blipFill>
         <p:spPr>
           <a:xfrm>
-            <a:off x="8314441" y="4562573"/>
-            <a:ext cx="443060" cy="320511"/>
+            <a:off x="1551522" y="1825625"/>
+            <a:ext cx="9088956" cy="4351338"/>
           </a:xfrm>
-          <a:prstGeom prst="upArrow">
-            <a:avLst/>
-          </a:prstGeom>
-          <a:solidFill>
-            <a:schemeClr val="accent2">
-              <a:lumMod val="50000"/>
-            </a:schemeClr>
-          </a:solidFill>
-          <a:ln>
+          <a:ln w="38100">
             <a:solidFill>
-              <a:schemeClr val="accent2">
-                <a:lumMod val="75000"/>
-              </a:schemeClr>
+              <a:srgbClr val="F5F5F5"/>
             </a:solidFill>
           </a:ln>
         </p:spPr>
-        <p:style>
-          <a:lnRef idx="2">
-            <a:schemeClr val="accent1">
-              <a:shade val="50000"/>
-            </a:schemeClr>
-          </a:lnRef>
-          <a:fillRef idx="1">
-            <a:schemeClr val="accent1"/>
-          </a:fillRef>
-          <a:effectRef idx="0">
-            <a:schemeClr val="accent1"/>
-          </a:effectRef>
-          <a:fontRef idx="minor">
-            <a:schemeClr val="lt1"/>
-          </a:fontRef>
-        </p:style>
-        <p:txBody>
-          <a:bodyPr rtlCol="0" anchor="ctr"/>
-          <a:lstStyle/>
-          <a:p>
-            <a:pPr algn="ctr"/>
-            <a:endParaRPr lang="en-US"/>
-          </a:p>
-        </p:txBody>
-      </p:sp>
-      <p:sp>
-        <p:nvSpPr>
-          <p:cNvPr id="5" name="TextBox 4">
-            <a:extLst>
-              <a:ext uri="{FF2B5EF4-FFF2-40B4-BE49-F238E27FC236}">
-                <a16:creationId xmlns:a16="http://schemas.microsoft.com/office/drawing/2014/main" id="{37C9B049-D327-49FB-ABAF-40FFF43D1858}"/>
-              </a:ext>
-            </a:extLst>
-          </p:cNvPr>
-          <p:cNvSpPr txBox="1"/>
-          <p:nvPr/>
-        </p:nvSpPr>
-        <p:spPr>
-          <a:xfrm>
-            <a:off x="6096000" y="1700251"/>
-            <a:ext cx="5828044" cy="2862322"/>
-          </a:xfrm>
-          <a:prstGeom prst="rect">
-            <a:avLst/>
-          </a:prstGeom>
-          <a:solidFill>
-            <a:schemeClr val="accent1">
-              <a:lumMod val="50000"/>
-            </a:schemeClr>
-          </a:solidFill>
-          <a:ln>
-            <a:solidFill>
-              <a:schemeClr val="accent2">
-                <a:lumMod val="75000"/>
-              </a:schemeClr>
-            </a:solidFill>
-          </a:ln>
-        </p:spPr>
-        <p:txBody>
-          <a:bodyPr wrap="square" rtlCol="0">
-            <a:spAutoFit/>
-          </a:bodyPr>
-          <a:lstStyle/>
-          <a:p>
-            <a:pPr>
-              <a:lnSpc>
-                <a:spcPct val="200000"/>
-              </a:lnSpc>
-            </a:pPr>
-            <a:r>
-              <a:rPr lang="en-US" dirty="0" err="1">
-                <a:solidFill>
-                  <a:schemeClr val="bg1"/>
-                </a:solidFill>
-              </a:rPr>
-              <a:t>Php</a:t>
-            </a:r>
-            <a:r>
-              <a:rPr lang="en-US" dirty="0">
-                <a:solidFill>
-                  <a:schemeClr val="bg1"/>
-                </a:solidFill>
-              </a:rPr>
-              <a:t>  - Front End handling</a:t>
-            </a:r>
-          </a:p>
-          <a:p>
-            <a:pPr>
-              <a:lnSpc>
-                <a:spcPct val="200000"/>
-              </a:lnSpc>
-            </a:pPr>
-            <a:r>
-              <a:rPr lang="en-US" dirty="0" err="1">
-                <a:solidFill>
-                  <a:schemeClr val="bg1"/>
-                </a:solidFill>
-              </a:rPr>
-              <a:t>MySql</a:t>
-            </a:r>
-            <a:r>
-              <a:rPr lang="en-US" dirty="0">
-                <a:solidFill>
-                  <a:schemeClr val="bg1"/>
-                </a:solidFill>
-              </a:rPr>
-              <a:t> – To store the user details</a:t>
-            </a:r>
-          </a:p>
-          <a:p>
-            <a:pPr>
-              <a:lnSpc>
-                <a:spcPct val="200000"/>
-              </a:lnSpc>
-            </a:pPr>
-            <a:r>
-              <a:rPr lang="en-US" dirty="0" err="1">
-                <a:solidFill>
-                  <a:schemeClr val="bg1"/>
-                </a:solidFill>
-              </a:rPr>
-              <a:t>phpMyadmin</a:t>
-            </a:r>
-            <a:r>
-              <a:rPr lang="en-US" dirty="0">
-                <a:solidFill>
-                  <a:schemeClr val="bg1"/>
-                </a:solidFill>
-              </a:rPr>
-              <a:t>- Connect </a:t>
-            </a:r>
-            <a:r>
-              <a:rPr lang="en-US" dirty="0" err="1">
-                <a:solidFill>
-                  <a:schemeClr val="bg1"/>
-                </a:solidFill>
-              </a:rPr>
-              <a:t>Php</a:t>
-            </a:r>
-            <a:r>
-              <a:rPr lang="en-US" dirty="0">
-                <a:solidFill>
-                  <a:schemeClr val="bg1"/>
-                </a:solidFill>
-              </a:rPr>
-              <a:t> and </a:t>
-            </a:r>
-            <a:r>
-              <a:rPr lang="en-US" dirty="0" err="1">
-                <a:solidFill>
-                  <a:schemeClr val="bg1"/>
-                </a:solidFill>
-              </a:rPr>
-              <a:t>Mysql</a:t>
-            </a:r>
-            <a:r>
-              <a:rPr lang="en-US" dirty="0">
-                <a:solidFill>
-                  <a:schemeClr val="bg1"/>
-                </a:solidFill>
-              </a:rPr>
-              <a:t>.</a:t>
-            </a:r>
-          </a:p>
-          <a:p>
-            <a:pPr>
-              <a:lnSpc>
-                <a:spcPct val="200000"/>
-              </a:lnSpc>
-            </a:pPr>
-            <a:r>
-              <a:rPr lang="en-US" dirty="0">
-                <a:solidFill>
-                  <a:schemeClr val="bg1"/>
-                </a:solidFill>
-              </a:rPr>
-              <a:t>Windows Task </a:t>
-            </a:r>
-            <a:r>
-              <a:rPr lang="en-US" dirty="0" err="1">
-                <a:solidFill>
-                  <a:schemeClr val="bg1"/>
-                </a:solidFill>
-              </a:rPr>
-              <a:t>Scheduler,Crons</a:t>
-            </a:r>
-            <a:r>
-              <a:rPr lang="en-US" dirty="0">
-                <a:solidFill>
-                  <a:schemeClr val="bg1"/>
-                </a:solidFill>
-              </a:rPr>
-              <a:t> – Read the </a:t>
-            </a:r>
-            <a:r>
-              <a:rPr lang="en-US" dirty="0" err="1">
-                <a:solidFill>
-                  <a:schemeClr val="bg1"/>
-                </a:solidFill>
-              </a:rPr>
-              <a:t>php</a:t>
-            </a:r>
-            <a:r>
-              <a:rPr lang="en-US" dirty="0">
-                <a:solidFill>
-                  <a:schemeClr val="bg1"/>
-                </a:solidFill>
-              </a:rPr>
-              <a:t> to send email on the basis of identified URL</a:t>
-            </a:r>
-          </a:p>
-        </p:txBody>
-      </p:sp>
+      </p:pic>
     </p:spTree>
     <p:extLst>
       <p:ext uri="{BB962C8B-B14F-4D97-AF65-F5344CB8AC3E}">
-        <p14:creationId xmlns:p14="http://schemas.microsoft.com/office/powerpoint/2010/main" val="794895920"/>
+        <p14:creationId xmlns:p14="http://schemas.microsoft.com/office/powerpoint/2010/main" val="1385937608"/>
       </p:ext>
     </p:extLst>
   </p:cSld>
   <p:clrMapOvr>
     <a:masterClrMapping/>
   </p:clrMapOvr>
+  <p:timing>
+    <p:tnLst>
+      <p:par>
+        <p:cTn id="1" dur="indefinite" restart="never" nodeType="tmRoot"/>
+      </p:par>
+    </p:tnLst>
+  </p:timing>
 </p:sld>
 </file>
 
@@ -3879,7 +3604,7 @@
           <p:cNvPr id="2" name="Title 1">
             <a:extLst>
               <a:ext uri="{FF2B5EF4-FFF2-40B4-BE49-F238E27FC236}">
-                <a16:creationId xmlns:a16="http://schemas.microsoft.com/office/drawing/2014/main" id="{A0EFC9D0-35F5-483E-86FE-4B2083D4CCE8}"/>
+                <a16:creationId xmlns:a16="http://schemas.microsoft.com/office/drawing/2014/main" xmlns="" id="{259D0B7C-1D18-4B9B-9686-41CD01222471}"/>
               </a:ext>
             </a:extLst>
           </p:cNvPr>
@@ -3898,7 +3623,7 @@
             <a:pPr algn="ctr"/>
             <a:r>
               <a:rPr lang="en-US" dirty="0"/>
-              <a:t>The Tools We Used</a:t>
+              <a:t>How do we do it?</a:t>
             </a:r>
           </a:p>
         </p:txBody>
@@ -3908,7 +3633,7 @@
           <p:cNvPr id="3" name="Content Placeholder 2">
             <a:extLst>
               <a:ext uri="{FF2B5EF4-FFF2-40B4-BE49-F238E27FC236}">
-                <a16:creationId xmlns:a16="http://schemas.microsoft.com/office/drawing/2014/main" id="{323EF7F1-8AC4-4144-AEE5-821E1DE879E1}"/>
+                <a16:creationId xmlns:a16="http://schemas.microsoft.com/office/drawing/2014/main" xmlns="" id="{7171011C-A762-4A01-8962-0A7436AA633E}"/>
               </a:ext>
             </a:extLst>
           </p:cNvPr>
@@ -3925,64 +3650,318 @@
           <a:lstStyle/>
           <a:p>
             <a:r>
+              <a:rPr lang="en-US" dirty="0" smtClean="0">
+                <a:solidFill>
+                  <a:srgbClr val="824040">
+                    <a:alpha val="50000"/>
+                  </a:srgbClr>
+                </a:solidFill>
+              </a:rPr>
+              <a:t> </a:t>
+            </a:r>
+            <a:r>
+              <a:rPr lang="en-US" dirty="0" smtClean="0">
+                <a:solidFill>
+                  <a:srgbClr val="F5F5F5">
+                    <a:alpha val="50000"/>
+                  </a:srgbClr>
+                </a:solidFill>
+              </a:rPr>
+              <a:t>Database</a:t>
+            </a:r>
+            <a:r>
+              <a:rPr lang="en-US" dirty="0" smtClean="0">
+                <a:solidFill>
+                  <a:srgbClr val="824040">
+                    <a:alpha val="50000"/>
+                  </a:srgbClr>
+                </a:solidFill>
+              </a:rPr>
+              <a:t> Design</a:t>
+            </a:r>
+            <a:endParaRPr lang="en-US" dirty="0" smtClean="0">
+              <a:solidFill>
+                <a:srgbClr val="824040">
+                  <a:alpha val="50000"/>
+                </a:srgbClr>
+              </a:solidFill>
+            </a:endParaRPr>
+          </a:p>
+          <a:p>
+            <a:r>
+              <a:rPr lang="en-US" dirty="0" smtClean="0">
+                <a:solidFill>
+                  <a:srgbClr val="824040">
+                    <a:alpha val="50000"/>
+                  </a:srgbClr>
+                </a:solidFill>
+              </a:rPr>
+              <a:t> Account </a:t>
+            </a:r>
+            <a:r>
+              <a:rPr lang="en-US" dirty="0">
+                <a:solidFill>
+                  <a:srgbClr val="F5F5F5">
+                    <a:alpha val="50000"/>
+                  </a:srgbClr>
+                </a:solidFill>
+              </a:rPr>
+              <a:t>Creation</a:t>
+            </a:r>
+            <a:r>
+              <a:rPr lang="en-US" dirty="0">
+                <a:solidFill>
+                  <a:srgbClr val="824040">
+                    <a:alpha val="50000"/>
+                  </a:srgbClr>
+                </a:solidFill>
+              </a:rPr>
+              <a:t>, Logging </a:t>
+            </a:r>
+            <a:r>
+              <a:rPr lang="en-US" dirty="0">
+                <a:solidFill>
+                  <a:srgbClr val="F5F5F5">
+                    <a:alpha val="50000"/>
+                  </a:srgbClr>
+                </a:solidFill>
+              </a:rPr>
+              <a:t>In</a:t>
+            </a:r>
+            <a:r>
+              <a:rPr lang="en-US" dirty="0">
+                <a:solidFill>
+                  <a:srgbClr val="824040">
+                    <a:alpha val="50000"/>
+                  </a:srgbClr>
+                </a:solidFill>
+              </a:rPr>
+              <a:t>, and Logging </a:t>
+            </a:r>
+            <a:r>
+              <a:rPr lang="en-US" dirty="0" smtClean="0">
+                <a:solidFill>
+                  <a:srgbClr val="F5F5F5">
+                    <a:alpha val="50000"/>
+                  </a:srgbClr>
+                </a:solidFill>
+              </a:rPr>
+              <a:t>Out</a:t>
+            </a:r>
+          </a:p>
+          <a:p>
+            <a:r>
+              <a:rPr lang="en-US" dirty="0" smtClean="0"/>
+              <a:t> </a:t>
+            </a:r>
+            <a:r>
+              <a:rPr lang="en-US" dirty="0">
+                <a:solidFill>
+                  <a:srgbClr val="F5F5F5"/>
+                </a:solidFill>
+              </a:rPr>
+              <a:t>Changing</a:t>
+            </a:r>
+            <a:r>
               <a:rPr lang="en-US" dirty="0"/>
-              <a:t>XAMPP (Cross-platform, Apache, </a:t>
-            </a:r>
-            <a:r>
-              <a:rPr lang="en-US" dirty="0" err="1"/>
-              <a:t>MariaDB</a:t>
-            </a:r>
-            <a:r>
-              <a:rPr lang="en-US" dirty="0"/>
-              <a:t>, PHP, and Perl)</a:t>
-            </a:r>
-          </a:p>
-          <a:p>
-            <a:endParaRPr lang="en-US" dirty="0"/>
-          </a:p>
-          <a:p>
-            <a:r>
-              <a:rPr lang="en-US" dirty="0"/>
-              <a:t>Apache for Server</a:t>
-            </a:r>
-          </a:p>
-          <a:p>
-            <a:endParaRPr lang="en-US" dirty="0"/>
-          </a:p>
-          <a:p>
-            <a:r>
-              <a:rPr lang="en-US" dirty="0"/>
-              <a:t>HTML, MySQL, PHP, and CSS for the Website</a:t>
-            </a:r>
-          </a:p>
-          <a:p>
-            <a:endParaRPr lang="en-US" dirty="0"/>
-          </a:p>
-          <a:p>
-            <a:r>
-              <a:rPr lang="en-US" dirty="0" err="1"/>
-              <a:t>PHPMyAdmin</a:t>
-            </a:r>
-            <a:r>
-              <a:rPr lang="en-US" dirty="0"/>
-              <a:t> for Front-End Database GUI</a:t>
-            </a:r>
-          </a:p>
-          <a:p>
-            <a:endParaRPr lang="en-US" dirty="0"/>
+              <a:t> Password</a:t>
+            </a:r>
+            <a:r>
+              <a:rPr lang="en-US" dirty="0" smtClean="0">
+                <a:solidFill>
+                  <a:srgbClr val="824040">
+                    <a:alpha val="50000"/>
+                  </a:srgbClr>
+                </a:solidFill>
+              </a:rPr>
+              <a:t> </a:t>
+            </a:r>
+            <a:r>
+              <a:rPr lang="en-US" dirty="0">
+                <a:solidFill>
+                  <a:srgbClr val="824040">
+                    <a:alpha val="50000"/>
+                  </a:srgbClr>
+                </a:solidFill>
+              </a:rPr>
+              <a:t>and Account </a:t>
+            </a:r>
+            <a:r>
+              <a:rPr lang="en-US" dirty="0">
+                <a:solidFill>
+                  <a:srgbClr val="F5F5F5">
+                    <a:alpha val="50000"/>
+                  </a:srgbClr>
+                </a:solidFill>
+              </a:rPr>
+              <a:t>Recovery</a:t>
+            </a:r>
+          </a:p>
+          <a:p>
+            <a:r>
+              <a:rPr lang="en-US" dirty="0" smtClean="0">
+                <a:solidFill>
+                  <a:srgbClr val="824040">
+                    <a:alpha val="50000"/>
+                  </a:srgbClr>
+                </a:solidFill>
+              </a:rPr>
+              <a:t> Adding</a:t>
+            </a:r>
+            <a:r>
+              <a:rPr lang="en-US" dirty="0">
+                <a:solidFill>
+                  <a:srgbClr val="824040">
+                    <a:alpha val="50000"/>
+                  </a:srgbClr>
+                </a:solidFill>
+              </a:rPr>
+              <a:t>, Editing, and Deleting </a:t>
+            </a:r>
+            <a:r>
+              <a:rPr lang="en-US" dirty="0" smtClean="0">
+                <a:solidFill>
+                  <a:srgbClr val="F5F5F5">
+                    <a:alpha val="50000"/>
+                  </a:srgbClr>
+                </a:solidFill>
+              </a:rPr>
+              <a:t>URLs</a:t>
+            </a:r>
+          </a:p>
+          <a:p>
+            <a:r>
+              <a:rPr lang="en-US" dirty="0" smtClean="0">
+                <a:solidFill>
+                  <a:srgbClr val="824040">
+                    <a:alpha val="50000"/>
+                  </a:srgbClr>
+                </a:solidFill>
+              </a:rPr>
+              <a:t> </a:t>
+            </a:r>
+            <a:r>
+              <a:rPr lang="en-US" dirty="0" smtClean="0">
+                <a:solidFill>
+                  <a:srgbClr val="F5F5F5">
+                    <a:alpha val="50000"/>
+                  </a:srgbClr>
+                </a:solidFill>
+              </a:rPr>
+              <a:t>Searching</a:t>
+            </a:r>
+            <a:r>
+              <a:rPr lang="en-US" dirty="0" smtClean="0">
+                <a:solidFill>
+                  <a:srgbClr val="824040">
+                    <a:alpha val="50000"/>
+                  </a:srgbClr>
+                </a:solidFill>
+              </a:rPr>
+              <a:t> </a:t>
+            </a:r>
+            <a:r>
+              <a:rPr lang="en-US" dirty="0">
+                <a:solidFill>
+                  <a:srgbClr val="824040">
+                    <a:alpha val="50000"/>
+                  </a:srgbClr>
+                </a:solidFill>
+              </a:rPr>
+              <a:t>for </a:t>
+            </a:r>
+            <a:r>
+              <a:rPr lang="en-US" dirty="0" smtClean="0">
+                <a:solidFill>
+                  <a:srgbClr val="824040">
+                    <a:alpha val="50000"/>
+                  </a:srgbClr>
+                </a:solidFill>
+              </a:rPr>
+              <a:t>Updates</a:t>
+            </a:r>
+          </a:p>
+          <a:p>
+            <a:r>
+              <a:rPr lang="en-US" dirty="0" smtClean="0">
+                <a:solidFill>
+                  <a:srgbClr val="824040">
+                    <a:alpha val="50000"/>
+                  </a:srgbClr>
+                </a:solidFill>
+              </a:rPr>
+              <a:t> </a:t>
+            </a:r>
+            <a:r>
+              <a:rPr lang="en-US" dirty="0" smtClean="0">
+                <a:solidFill>
+                  <a:srgbClr val="F5F5F5">
+                    <a:alpha val="50000"/>
+                  </a:srgbClr>
+                </a:solidFill>
+              </a:rPr>
+              <a:t>Updating</a:t>
+            </a:r>
+            <a:r>
+              <a:rPr lang="en-US" dirty="0" smtClean="0">
+                <a:solidFill>
+                  <a:srgbClr val="824040">
+                    <a:alpha val="50000"/>
+                  </a:srgbClr>
+                </a:solidFill>
+              </a:rPr>
+              <a:t> </a:t>
+            </a:r>
+            <a:r>
+              <a:rPr lang="en-US" dirty="0">
+                <a:solidFill>
+                  <a:srgbClr val="824040">
+                    <a:alpha val="50000"/>
+                  </a:srgbClr>
+                </a:solidFill>
+              </a:rPr>
+              <a:t>the Database and </a:t>
+            </a:r>
+            <a:r>
+              <a:rPr lang="en-US" dirty="0">
+                <a:solidFill>
+                  <a:srgbClr val="F5F5F5">
+                    <a:alpha val="50000"/>
+                  </a:srgbClr>
+                </a:solidFill>
+              </a:rPr>
+              <a:t>Sending</a:t>
+            </a:r>
+            <a:r>
+              <a:rPr lang="en-US" dirty="0">
+                <a:solidFill>
+                  <a:srgbClr val="824040">
+                    <a:alpha val="50000"/>
+                  </a:srgbClr>
+                </a:solidFill>
+              </a:rPr>
+              <a:t> Emails</a:t>
+            </a:r>
           </a:p>
         </p:txBody>
       </p:sp>
     </p:spTree>
     <p:extLst>
       <p:ext uri="{BB962C8B-B14F-4D97-AF65-F5344CB8AC3E}">
-        <p14:creationId xmlns:p14="http://schemas.microsoft.com/office/powerpoint/2010/main" val="1621738832"/>
+        <p14:creationId xmlns:p14="http://schemas.microsoft.com/office/powerpoint/2010/main" val="1247438257"/>
       </p:ext>
     </p:extLst>
   </p:cSld>
   <p:clrMapOvr>
     <a:masterClrMapping/>
   </p:clrMapOvr>
+  <p:timing>
+    <p:tnLst>
+      <p:par>
+        <p:cTn id="1" dur="indefinite" restart="never" nodeType="tmRoot"/>
+      </p:par>
+    </p:tnLst>
+  </p:timing>
 </p:sld>
 </file>
 
@@ -4005,10 +3984,3099 @@
       </p:grpSpPr>
       <p:sp>
         <p:nvSpPr>
+          <p:cNvPr id="2" name="Title 1"/>
+          <p:cNvSpPr>
+            <a:spLocks noGrp="1"/>
+          </p:cNvSpPr>
+          <p:nvPr>
+            <p:ph type="title"/>
+          </p:nvPr>
+        </p:nvSpPr>
+        <p:spPr/>
+        <p:txBody>
+          <a:bodyPr/>
+          <a:lstStyle/>
+          <a:p>
+            <a:pPr algn="ctr"/>
+            <a:r>
+              <a:rPr lang="en-US" dirty="0">
+                <a:solidFill>
+                  <a:srgbClr val="F5F5F5"/>
+                </a:solidFill>
+              </a:rPr>
+              <a:t>Changing</a:t>
+            </a:r>
+            <a:r>
+              <a:rPr lang="en-US" dirty="0"/>
+              <a:t> Password</a:t>
+            </a:r>
+          </a:p>
+        </p:txBody>
+      </p:sp>
+      <p:pic>
+        <p:nvPicPr>
+          <p:cNvPr id="6" name="Content Placeholder 5"/>
+          <p:cNvPicPr>
+            <a:picLocks noGrp="1" noChangeAspect="1"/>
+          </p:cNvPicPr>
+          <p:nvPr>
+            <p:ph idx="1"/>
+          </p:nvPr>
+        </p:nvPicPr>
+        <p:blipFill>
+          <a:blip r:embed="rId2" cstate="print">
+            <a:extLst>
+              <a:ext uri="{28A0092B-C50C-407E-A947-70E740481C1C}">
+                <a14:useLocalDpi xmlns:a14="http://schemas.microsoft.com/office/drawing/2010/main" val="0"/>
+              </a:ext>
+            </a:extLst>
+          </a:blip>
+          <a:stretch>
+            <a:fillRect/>
+          </a:stretch>
+        </p:blipFill>
+        <p:spPr>
+          <a:xfrm>
+            <a:off x="1551522" y="1825625"/>
+            <a:ext cx="9088956" cy="4351338"/>
+          </a:xfrm>
+          <a:ln w="38100">
+            <a:solidFill>
+              <a:srgbClr val="F5F5F5"/>
+            </a:solidFill>
+          </a:ln>
+        </p:spPr>
+      </p:pic>
+    </p:spTree>
+    <p:extLst>
+      <p:ext uri="{BB962C8B-B14F-4D97-AF65-F5344CB8AC3E}">
+        <p14:creationId xmlns:p14="http://schemas.microsoft.com/office/powerpoint/2010/main" val="3162793902"/>
+      </p:ext>
+    </p:extLst>
+  </p:cSld>
+  <p:clrMapOvr>
+    <a:masterClrMapping/>
+  </p:clrMapOvr>
+  <p:timing>
+    <p:tnLst>
+      <p:par>
+        <p:cTn id="1" dur="indefinite" restart="never" nodeType="tmRoot"/>
+      </p:par>
+    </p:tnLst>
+  </p:timing>
+</p:sld>
+</file>
+
+<file path=ppt/slides/slide13.xml><?xml version="1.0" encoding="utf-8"?>
+<p:sld xmlns:a="http://schemas.openxmlformats.org/drawingml/2006/main" xmlns:r="http://schemas.openxmlformats.org/officeDocument/2006/relationships" xmlns:p="http://schemas.openxmlformats.org/presentationml/2006/main">
+  <p:cSld>
+    <p:spTree>
+      <p:nvGrpSpPr>
+        <p:cNvPr id="1" name=""/>
+        <p:cNvGrpSpPr/>
+        <p:nvPr/>
+      </p:nvGrpSpPr>
+      <p:grpSpPr>
+        <a:xfrm>
+          <a:off x="0" y="0"/>
+          <a:ext cx="0" cy="0"/>
+          <a:chOff x="0" y="0"/>
+          <a:chExt cx="0" cy="0"/>
+        </a:xfrm>
+      </p:grpSpPr>
+      <p:sp>
+        <p:nvSpPr>
+          <p:cNvPr id="2" name="Title 1"/>
+          <p:cNvSpPr>
+            <a:spLocks noGrp="1"/>
+          </p:cNvSpPr>
+          <p:nvPr>
+            <p:ph type="title"/>
+          </p:nvPr>
+        </p:nvSpPr>
+        <p:spPr/>
+        <p:txBody>
+          <a:bodyPr/>
+          <a:lstStyle/>
+          <a:p>
+            <a:pPr algn="ctr"/>
+            <a:r>
+              <a:rPr lang="en-US" dirty="0">
+                <a:solidFill>
+                  <a:srgbClr val="F5F5F5"/>
+                </a:solidFill>
+              </a:rPr>
+              <a:t>Changing</a:t>
+            </a:r>
+            <a:r>
+              <a:rPr lang="en-US" dirty="0"/>
+              <a:t> Password</a:t>
+            </a:r>
+          </a:p>
+        </p:txBody>
+      </p:sp>
+      <p:pic>
+        <p:nvPicPr>
+          <p:cNvPr id="7" name="Content Placeholder 6"/>
+          <p:cNvPicPr>
+            <a:picLocks noGrp="1" noChangeAspect="1"/>
+          </p:cNvPicPr>
+          <p:nvPr>
+            <p:ph idx="1"/>
+          </p:nvPr>
+        </p:nvPicPr>
+        <p:blipFill>
+          <a:blip r:embed="rId2" cstate="print">
+            <a:extLst>
+              <a:ext uri="{28A0092B-C50C-407E-A947-70E740481C1C}">
+                <a14:useLocalDpi xmlns:a14="http://schemas.microsoft.com/office/drawing/2010/main" val="0"/>
+              </a:ext>
+            </a:extLst>
+          </a:blip>
+          <a:stretch>
+            <a:fillRect/>
+          </a:stretch>
+        </p:blipFill>
+        <p:spPr>
+          <a:xfrm>
+            <a:off x="1551522" y="1825625"/>
+            <a:ext cx="9088956" cy="4351338"/>
+          </a:xfrm>
+          <a:ln w="38100">
+            <a:solidFill>
+              <a:srgbClr val="F5F5F5"/>
+            </a:solidFill>
+          </a:ln>
+        </p:spPr>
+      </p:pic>
+    </p:spTree>
+    <p:extLst>
+      <p:ext uri="{BB962C8B-B14F-4D97-AF65-F5344CB8AC3E}">
+        <p14:creationId xmlns:p14="http://schemas.microsoft.com/office/powerpoint/2010/main" val="1471557920"/>
+      </p:ext>
+    </p:extLst>
+  </p:cSld>
+  <p:clrMapOvr>
+    <a:masterClrMapping/>
+  </p:clrMapOvr>
+  <p:timing>
+    <p:tnLst>
+      <p:par>
+        <p:cTn id="1" dur="indefinite" restart="never" nodeType="tmRoot"/>
+      </p:par>
+    </p:tnLst>
+  </p:timing>
+</p:sld>
+</file>
+
+<file path=ppt/slides/slide14.xml><?xml version="1.0" encoding="utf-8"?>
+<p:sld xmlns:a="http://schemas.openxmlformats.org/drawingml/2006/main" xmlns:r="http://schemas.openxmlformats.org/officeDocument/2006/relationships" xmlns:p="http://schemas.openxmlformats.org/presentationml/2006/main">
+  <p:cSld>
+    <p:spTree>
+      <p:nvGrpSpPr>
+        <p:cNvPr id="1" name=""/>
+        <p:cNvGrpSpPr/>
+        <p:nvPr/>
+      </p:nvGrpSpPr>
+      <p:grpSpPr>
+        <a:xfrm>
+          <a:off x="0" y="0"/>
+          <a:ext cx="0" cy="0"/>
+          <a:chOff x="0" y="0"/>
+          <a:chExt cx="0" cy="0"/>
+        </a:xfrm>
+      </p:grpSpPr>
+      <p:sp>
+        <p:nvSpPr>
+          <p:cNvPr id="2" name="Title 1"/>
+          <p:cNvSpPr>
+            <a:spLocks noGrp="1"/>
+          </p:cNvSpPr>
+          <p:nvPr>
+            <p:ph type="title"/>
+          </p:nvPr>
+        </p:nvSpPr>
+        <p:spPr/>
+        <p:txBody>
+          <a:bodyPr/>
+          <a:lstStyle/>
+          <a:p>
+            <a:pPr algn="ctr"/>
+            <a:r>
+              <a:rPr lang="en-US" dirty="0">
+                <a:solidFill>
+                  <a:srgbClr val="F5F5F5"/>
+                </a:solidFill>
+              </a:rPr>
+              <a:t>Changing</a:t>
+            </a:r>
+            <a:r>
+              <a:rPr lang="en-US" dirty="0"/>
+              <a:t> Password</a:t>
+            </a:r>
+          </a:p>
+        </p:txBody>
+      </p:sp>
+      <p:pic>
+        <p:nvPicPr>
+          <p:cNvPr id="3" name="Content Placeholder 2"/>
+          <p:cNvPicPr>
+            <a:picLocks noGrp="1" noChangeAspect="1"/>
+          </p:cNvPicPr>
+          <p:nvPr>
+            <p:ph idx="1"/>
+          </p:nvPr>
+        </p:nvPicPr>
+        <p:blipFill>
+          <a:blip r:embed="rId2" cstate="print">
+            <a:extLst>
+              <a:ext uri="{28A0092B-C50C-407E-A947-70E740481C1C}">
+                <a14:useLocalDpi xmlns:a14="http://schemas.microsoft.com/office/drawing/2010/main" val="0"/>
+              </a:ext>
+            </a:extLst>
+          </a:blip>
+          <a:stretch>
+            <a:fillRect/>
+          </a:stretch>
+        </p:blipFill>
+        <p:spPr>
+          <a:xfrm>
+            <a:off x="1551522" y="1825625"/>
+            <a:ext cx="9088956" cy="4351338"/>
+          </a:xfrm>
+          <a:ln w="38100">
+            <a:solidFill>
+              <a:srgbClr val="F5F5F5"/>
+            </a:solidFill>
+          </a:ln>
+        </p:spPr>
+      </p:pic>
+    </p:spTree>
+    <p:extLst>
+      <p:ext uri="{BB962C8B-B14F-4D97-AF65-F5344CB8AC3E}">
+        <p14:creationId xmlns:p14="http://schemas.microsoft.com/office/powerpoint/2010/main" val="853656674"/>
+      </p:ext>
+    </p:extLst>
+  </p:cSld>
+  <p:clrMapOvr>
+    <a:masterClrMapping/>
+  </p:clrMapOvr>
+  <p:timing>
+    <p:tnLst>
+      <p:par>
+        <p:cTn id="1" dur="indefinite" restart="never" nodeType="tmRoot"/>
+      </p:par>
+    </p:tnLst>
+  </p:timing>
+</p:sld>
+</file>
+
+<file path=ppt/slides/slide15.xml><?xml version="1.0" encoding="utf-8"?>
+<p:sld xmlns:a="http://schemas.openxmlformats.org/drawingml/2006/main" xmlns:r="http://schemas.openxmlformats.org/officeDocument/2006/relationships" xmlns:p="http://schemas.openxmlformats.org/presentationml/2006/main">
+  <p:cSld>
+    <p:spTree>
+      <p:nvGrpSpPr>
+        <p:cNvPr id="1" name=""/>
+        <p:cNvGrpSpPr/>
+        <p:nvPr/>
+      </p:nvGrpSpPr>
+      <p:grpSpPr>
+        <a:xfrm>
+          <a:off x="0" y="0"/>
+          <a:ext cx="0" cy="0"/>
+          <a:chOff x="0" y="0"/>
+          <a:chExt cx="0" cy="0"/>
+        </a:xfrm>
+      </p:grpSpPr>
+      <p:sp>
+        <p:nvSpPr>
+          <p:cNvPr id="2" name="Title 1">
+            <a:extLst>
+              <a:ext uri="{FF2B5EF4-FFF2-40B4-BE49-F238E27FC236}">
+                <a16:creationId xmlns:a16="http://schemas.microsoft.com/office/drawing/2014/main" xmlns="" id="{259D0B7C-1D18-4B9B-9686-41CD01222471}"/>
+              </a:ext>
+            </a:extLst>
+          </p:cNvPr>
+          <p:cNvSpPr>
+            <a:spLocks noGrp="1"/>
+          </p:cNvSpPr>
+          <p:nvPr>
+            <p:ph type="title"/>
+          </p:nvPr>
+        </p:nvSpPr>
+        <p:spPr/>
+        <p:txBody>
+          <a:bodyPr/>
+          <a:lstStyle/>
+          <a:p>
+            <a:pPr algn="ctr"/>
+            <a:r>
+              <a:rPr lang="en-US" dirty="0"/>
+              <a:t>How do we do it?</a:t>
+            </a:r>
+          </a:p>
+        </p:txBody>
+      </p:sp>
+      <p:sp>
+        <p:nvSpPr>
+          <p:cNvPr id="3" name="Content Placeholder 2">
+            <a:extLst>
+              <a:ext uri="{FF2B5EF4-FFF2-40B4-BE49-F238E27FC236}">
+                <a16:creationId xmlns:a16="http://schemas.microsoft.com/office/drawing/2014/main" xmlns="" id="{7171011C-A762-4A01-8962-0A7436AA633E}"/>
+              </a:ext>
+            </a:extLst>
+          </p:cNvPr>
+          <p:cNvSpPr>
+            <a:spLocks noGrp="1"/>
+          </p:cNvSpPr>
+          <p:nvPr>
+            <p:ph idx="1"/>
+          </p:nvPr>
+        </p:nvSpPr>
+        <p:spPr/>
+        <p:txBody>
+          <a:bodyPr/>
+          <a:lstStyle/>
+          <a:p>
+            <a:r>
+              <a:rPr lang="en-US" dirty="0" smtClean="0">
+                <a:solidFill>
+                  <a:srgbClr val="824040">
+                    <a:alpha val="50000"/>
+                  </a:srgbClr>
+                </a:solidFill>
+              </a:rPr>
+              <a:t> </a:t>
+            </a:r>
+            <a:r>
+              <a:rPr lang="en-US" dirty="0" smtClean="0">
+                <a:solidFill>
+                  <a:srgbClr val="F5F5F5">
+                    <a:alpha val="50000"/>
+                  </a:srgbClr>
+                </a:solidFill>
+              </a:rPr>
+              <a:t>Database</a:t>
+            </a:r>
+            <a:r>
+              <a:rPr lang="en-US" dirty="0" smtClean="0">
+                <a:solidFill>
+                  <a:srgbClr val="824040">
+                    <a:alpha val="50000"/>
+                  </a:srgbClr>
+                </a:solidFill>
+              </a:rPr>
+              <a:t> Design</a:t>
+            </a:r>
+            <a:endParaRPr lang="en-US" dirty="0" smtClean="0">
+              <a:solidFill>
+                <a:srgbClr val="824040">
+                  <a:alpha val="50000"/>
+                </a:srgbClr>
+              </a:solidFill>
+            </a:endParaRPr>
+          </a:p>
+          <a:p>
+            <a:r>
+              <a:rPr lang="en-US" dirty="0" smtClean="0">
+                <a:solidFill>
+                  <a:srgbClr val="824040">
+                    <a:alpha val="50000"/>
+                  </a:srgbClr>
+                </a:solidFill>
+              </a:rPr>
+              <a:t> Account </a:t>
+            </a:r>
+            <a:r>
+              <a:rPr lang="en-US" dirty="0">
+                <a:solidFill>
+                  <a:srgbClr val="F5F5F5">
+                    <a:alpha val="50000"/>
+                  </a:srgbClr>
+                </a:solidFill>
+              </a:rPr>
+              <a:t>Creation</a:t>
+            </a:r>
+            <a:r>
+              <a:rPr lang="en-US" dirty="0">
+                <a:solidFill>
+                  <a:srgbClr val="824040">
+                    <a:alpha val="50000"/>
+                  </a:srgbClr>
+                </a:solidFill>
+              </a:rPr>
+              <a:t>, Logging </a:t>
+            </a:r>
+            <a:r>
+              <a:rPr lang="en-US" dirty="0">
+                <a:solidFill>
+                  <a:srgbClr val="F5F5F5">
+                    <a:alpha val="50000"/>
+                  </a:srgbClr>
+                </a:solidFill>
+              </a:rPr>
+              <a:t>In</a:t>
+            </a:r>
+            <a:r>
+              <a:rPr lang="en-US" dirty="0">
+                <a:solidFill>
+                  <a:srgbClr val="824040">
+                    <a:alpha val="50000"/>
+                  </a:srgbClr>
+                </a:solidFill>
+              </a:rPr>
+              <a:t>, and Logging </a:t>
+            </a:r>
+            <a:r>
+              <a:rPr lang="en-US" dirty="0" smtClean="0">
+                <a:solidFill>
+                  <a:srgbClr val="F5F5F5">
+                    <a:alpha val="50000"/>
+                  </a:srgbClr>
+                </a:solidFill>
+              </a:rPr>
+              <a:t>Out</a:t>
+            </a:r>
+          </a:p>
+          <a:p>
+            <a:r>
+              <a:rPr lang="en-US" dirty="0">
+                <a:solidFill>
+                  <a:srgbClr val="824040">
+                    <a:alpha val="50000"/>
+                  </a:srgbClr>
+                </a:solidFill>
+              </a:rPr>
+              <a:t> </a:t>
+            </a:r>
+            <a:r>
+              <a:rPr lang="en-US" dirty="0" smtClean="0">
+                <a:solidFill>
+                  <a:srgbClr val="F5F5F5">
+                    <a:alpha val="50000"/>
+                  </a:srgbClr>
+                </a:solidFill>
+              </a:rPr>
+              <a:t>Changing</a:t>
+            </a:r>
+            <a:r>
+              <a:rPr lang="en-US" dirty="0" smtClean="0">
+                <a:solidFill>
+                  <a:srgbClr val="824040">
+                    <a:alpha val="50000"/>
+                  </a:srgbClr>
+                </a:solidFill>
+              </a:rPr>
+              <a:t> </a:t>
+            </a:r>
+            <a:r>
+              <a:rPr lang="en-US" dirty="0">
+                <a:solidFill>
+                  <a:srgbClr val="824040">
+                    <a:alpha val="50000"/>
+                  </a:srgbClr>
+                </a:solidFill>
+              </a:rPr>
+              <a:t>Password and </a:t>
+            </a:r>
+            <a:r>
+              <a:rPr lang="en-US" dirty="0"/>
+              <a:t>Account </a:t>
+            </a:r>
+            <a:r>
+              <a:rPr lang="en-US" dirty="0">
+                <a:solidFill>
+                  <a:srgbClr val="F5F5F5"/>
+                </a:solidFill>
+              </a:rPr>
+              <a:t>Recovery</a:t>
+            </a:r>
+            <a:endParaRPr lang="en-US" dirty="0">
+              <a:solidFill>
+                <a:srgbClr val="F5F5F5">
+                  <a:alpha val="50000"/>
+                </a:srgbClr>
+              </a:solidFill>
+            </a:endParaRPr>
+          </a:p>
+          <a:p>
+            <a:r>
+              <a:rPr lang="en-US" dirty="0" smtClean="0">
+                <a:solidFill>
+                  <a:srgbClr val="824040">
+                    <a:alpha val="50000"/>
+                  </a:srgbClr>
+                </a:solidFill>
+              </a:rPr>
+              <a:t> Adding</a:t>
+            </a:r>
+            <a:r>
+              <a:rPr lang="en-US" dirty="0">
+                <a:solidFill>
+                  <a:srgbClr val="824040">
+                    <a:alpha val="50000"/>
+                  </a:srgbClr>
+                </a:solidFill>
+              </a:rPr>
+              <a:t>, Editing, and Deleting </a:t>
+            </a:r>
+            <a:r>
+              <a:rPr lang="en-US" dirty="0" smtClean="0">
+                <a:solidFill>
+                  <a:srgbClr val="F5F5F5">
+                    <a:alpha val="50000"/>
+                  </a:srgbClr>
+                </a:solidFill>
+              </a:rPr>
+              <a:t>URLs</a:t>
+            </a:r>
+          </a:p>
+          <a:p>
+            <a:r>
+              <a:rPr lang="en-US" dirty="0" smtClean="0">
+                <a:solidFill>
+                  <a:srgbClr val="824040">
+                    <a:alpha val="50000"/>
+                  </a:srgbClr>
+                </a:solidFill>
+              </a:rPr>
+              <a:t> </a:t>
+            </a:r>
+            <a:r>
+              <a:rPr lang="en-US" dirty="0" smtClean="0">
+                <a:solidFill>
+                  <a:srgbClr val="F5F5F5">
+                    <a:alpha val="50000"/>
+                  </a:srgbClr>
+                </a:solidFill>
+              </a:rPr>
+              <a:t>Searching</a:t>
+            </a:r>
+            <a:r>
+              <a:rPr lang="en-US" dirty="0" smtClean="0">
+                <a:solidFill>
+                  <a:srgbClr val="824040">
+                    <a:alpha val="50000"/>
+                  </a:srgbClr>
+                </a:solidFill>
+              </a:rPr>
+              <a:t> </a:t>
+            </a:r>
+            <a:r>
+              <a:rPr lang="en-US" dirty="0">
+                <a:solidFill>
+                  <a:srgbClr val="824040">
+                    <a:alpha val="50000"/>
+                  </a:srgbClr>
+                </a:solidFill>
+              </a:rPr>
+              <a:t>for </a:t>
+            </a:r>
+            <a:r>
+              <a:rPr lang="en-US" dirty="0" smtClean="0">
+                <a:solidFill>
+                  <a:srgbClr val="824040">
+                    <a:alpha val="50000"/>
+                  </a:srgbClr>
+                </a:solidFill>
+              </a:rPr>
+              <a:t>Updates</a:t>
+            </a:r>
+          </a:p>
+          <a:p>
+            <a:r>
+              <a:rPr lang="en-US" dirty="0" smtClean="0">
+                <a:solidFill>
+                  <a:srgbClr val="824040">
+                    <a:alpha val="50000"/>
+                  </a:srgbClr>
+                </a:solidFill>
+              </a:rPr>
+              <a:t> </a:t>
+            </a:r>
+            <a:r>
+              <a:rPr lang="en-US" dirty="0" smtClean="0">
+                <a:solidFill>
+                  <a:srgbClr val="F5F5F5">
+                    <a:alpha val="50000"/>
+                  </a:srgbClr>
+                </a:solidFill>
+              </a:rPr>
+              <a:t>Updating</a:t>
+            </a:r>
+            <a:r>
+              <a:rPr lang="en-US" dirty="0" smtClean="0">
+                <a:solidFill>
+                  <a:srgbClr val="824040">
+                    <a:alpha val="50000"/>
+                  </a:srgbClr>
+                </a:solidFill>
+              </a:rPr>
+              <a:t> </a:t>
+            </a:r>
+            <a:r>
+              <a:rPr lang="en-US" dirty="0">
+                <a:solidFill>
+                  <a:srgbClr val="824040">
+                    <a:alpha val="50000"/>
+                  </a:srgbClr>
+                </a:solidFill>
+              </a:rPr>
+              <a:t>the Database and </a:t>
+            </a:r>
+            <a:r>
+              <a:rPr lang="en-US" dirty="0">
+                <a:solidFill>
+                  <a:srgbClr val="F5F5F5">
+                    <a:alpha val="50000"/>
+                  </a:srgbClr>
+                </a:solidFill>
+              </a:rPr>
+              <a:t>Sending</a:t>
+            </a:r>
+            <a:r>
+              <a:rPr lang="en-US" dirty="0">
+                <a:solidFill>
+                  <a:srgbClr val="824040">
+                    <a:alpha val="50000"/>
+                  </a:srgbClr>
+                </a:solidFill>
+              </a:rPr>
+              <a:t> Emails</a:t>
+            </a:r>
+          </a:p>
+        </p:txBody>
+      </p:sp>
+    </p:spTree>
+    <p:extLst>
+      <p:ext uri="{BB962C8B-B14F-4D97-AF65-F5344CB8AC3E}">
+        <p14:creationId xmlns:p14="http://schemas.microsoft.com/office/powerpoint/2010/main" val="2553848542"/>
+      </p:ext>
+    </p:extLst>
+  </p:cSld>
+  <p:clrMapOvr>
+    <a:masterClrMapping/>
+  </p:clrMapOvr>
+  <p:timing>
+    <p:tnLst>
+      <p:par>
+        <p:cTn id="1" dur="indefinite" restart="never" nodeType="tmRoot"/>
+      </p:par>
+    </p:tnLst>
+  </p:timing>
+</p:sld>
+</file>
+
+<file path=ppt/slides/slide16.xml><?xml version="1.0" encoding="utf-8"?>
+<p:sld xmlns:a="http://schemas.openxmlformats.org/drawingml/2006/main" xmlns:r="http://schemas.openxmlformats.org/officeDocument/2006/relationships" xmlns:p="http://schemas.openxmlformats.org/presentationml/2006/main">
+  <p:cSld>
+    <p:spTree>
+      <p:nvGrpSpPr>
+        <p:cNvPr id="1" name=""/>
+        <p:cNvGrpSpPr/>
+        <p:nvPr/>
+      </p:nvGrpSpPr>
+      <p:grpSpPr>
+        <a:xfrm>
+          <a:off x="0" y="0"/>
+          <a:ext cx="0" cy="0"/>
+          <a:chOff x="0" y="0"/>
+          <a:chExt cx="0" cy="0"/>
+        </a:xfrm>
+      </p:grpSpPr>
+      <p:sp>
+        <p:nvSpPr>
+          <p:cNvPr id="2" name="Title 1"/>
+          <p:cNvSpPr>
+            <a:spLocks noGrp="1"/>
+          </p:cNvSpPr>
+          <p:nvPr>
+            <p:ph type="title"/>
+          </p:nvPr>
+        </p:nvSpPr>
+        <p:spPr/>
+        <p:txBody>
+          <a:bodyPr/>
+          <a:lstStyle/>
+          <a:p>
+            <a:pPr algn="ctr"/>
+            <a:r>
+              <a:rPr lang="en-US" dirty="0"/>
+              <a:t>Account </a:t>
+            </a:r>
+            <a:r>
+              <a:rPr lang="en-US" dirty="0">
+                <a:solidFill>
+                  <a:srgbClr val="F5F5F5"/>
+                </a:solidFill>
+              </a:rPr>
+              <a:t>Recovery</a:t>
+            </a:r>
+            <a:endParaRPr lang="en-US" dirty="0"/>
+          </a:p>
+        </p:txBody>
+      </p:sp>
+      <p:sp>
+        <p:nvSpPr>
+          <p:cNvPr id="7" name="Content Placeholder 6"/>
+          <p:cNvSpPr>
+            <a:spLocks noGrp="1"/>
+          </p:cNvSpPr>
+          <p:nvPr>
+            <p:ph idx="1"/>
+          </p:nvPr>
+        </p:nvSpPr>
+        <p:spPr/>
+        <p:txBody>
+          <a:bodyPr/>
+          <a:lstStyle/>
+          <a:p>
+            <a:endParaRPr lang="en-US"/>
+          </a:p>
+        </p:txBody>
+      </p:sp>
+    </p:spTree>
+    <p:extLst>
+      <p:ext uri="{BB962C8B-B14F-4D97-AF65-F5344CB8AC3E}">
+        <p14:creationId xmlns:p14="http://schemas.microsoft.com/office/powerpoint/2010/main" val="2539947104"/>
+      </p:ext>
+    </p:extLst>
+  </p:cSld>
+  <p:clrMapOvr>
+    <a:masterClrMapping/>
+  </p:clrMapOvr>
+  <p:timing>
+    <p:tnLst>
+      <p:par>
+        <p:cTn id="1" dur="indefinite" restart="never" nodeType="tmRoot"/>
+      </p:par>
+    </p:tnLst>
+  </p:timing>
+</p:sld>
+</file>
+
+<file path=ppt/slides/slide17.xml><?xml version="1.0" encoding="utf-8"?>
+<p:sld xmlns:a="http://schemas.openxmlformats.org/drawingml/2006/main" xmlns:r="http://schemas.openxmlformats.org/officeDocument/2006/relationships" xmlns:p="http://schemas.openxmlformats.org/presentationml/2006/main">
+  <p:cSld>
+    <p:spTree>
+      <p:nvGrpSpPr>
+        <p:cNvPr id="1" name=""/>
+        <p:cNvGrpSpPr/>
+        <p:nvPr/>
+      </p:nvGrpSpPr>
+      <p:grpSpPr>
+        <a:xfrm>
+          <a:off x="0" y="0"/>
+          <a:ext cx="0" cy="0"/>
+          <a:chOff x="0" y="0"/>
+          <a:chExt cx="0" cy="0"/>
+        </a:xfrm>
+      </p:grpSpPr>
+      <p:sp>
+        <p:nvSpPr>
+          <p:cNvPr id="2" name="Title 1">
+            <a:extLst>
+              <a:ext uri="{FF2B5EF4-FFF2-40B4-BE49-F238E27FC236}">
+                <a16:creationId xmlns:a16="http://schemas.microsoft.com/office/drawing/2014/main" xmlns="" id="{259D0B7C-1D18-4B9B-9686-41CD01222471}"/>
+              </a:ext>
+            </a:extLst>
+          </p:cNvPr>
+          <p:cNvSpPr>
+            <a:spLocks noGrp="1"/>
+          </p:cNvSpPr>
+          <p:nvPr>
+            <p:ph type="title"/>
+          </p:nvPr>
+        </p:nvSpPr>
+        <p:spPr/>
+        <p:txBody>
+          <a:bodyPr/>
+          <a:lstStyle/>
+          <a:p>
+            <a:pPr algn="ctr"/>
+            <a:r>
+              <a:rPr lang="en-US" dirty="0"/>
+              <a:t>How do we do it?</a:t>
+            </a:r>
+          </a:p>
+        </p:txBody>
+      </p:sp>
+      <p:sp>
+        <p:nvSpPr>
+          <p:cNvPr id="3" name="Content Placeholder 2">
+            <a:extLst>
+              <a:ext uri="{FF2B5EF4-FFF2-40B4-BE49-F238E27FC236}">
+                <a16:creationId xmlns:a16="http://schemas.microsoft.com/office/drawing/2014/main" xmlns="" id="{7171011C-A762-4A01-8962-0A7436AA633E}"/>
+              </a:ext>
+            </a:extLst>
+          </p:cNvPr>
+          <p:cNvSpPr>
+            <a:spLocks noGrp="1"/>
+          </p:cNvSpPr>
+          <p:nvPr>
+            <p:ph idx="1"/>
+          </p:nvPr>
+        </p:nvSpPr>
+        <p:spPr/>
+        <p:txBody>
+          <a:bodyPr/>
+          <a:lstStyle/>
+          <a:p>
+            <a:r>
+              <a:rPr lang="en-US" dirty="0" smtClean="0">
+                <a:solidFill>
+                  <a:srgbClr val="824040">
+                    <a:alpha val="50000"/>
+                  </a:srgbClr>
+                </a:solidFill>
+              </a:rPr>
+              <a:t> </a:t>
+            </a:r>
+            <a:r>
+              <a:rPr lang="en-US" dirty="0" smtClean="0">
+                <a:solidFill>
+                  <a:srgbClr val="F5F5F5">
+                    <a:alpha val="50000"/>
+                  </a:srgbClr>
+                </a:solidFill>
+              </a:rPr>
+              <a:t>Database</a:t>
+            </a:r>
+            <a:r>
+              <a:rPr lang="en-US" dirty="0" smtClean="0">
+                <a:solidFill>
+                  <a:srgbClr val="824040">
+                    <a:alpha val="50000"/>
+                  </a:srgbClr>
+                </a:solidFill>
+              </a:rPr>
+              <a:t> Design</a:t>
+            </a:r>
+            <a:endParaRPr lang="en-US" dirty="0" smtClean="0">
+              <a:solidFill>
+                <a:srgbClr val="824040">
+                  <a:alpha val="50000"/>
+                </a:srgbClr>
+              </a:solidFill>
+            </a:endParaRPr>
+          </a:p>
+          <a:p>
+            <a:r>
+              <a:rPr lang="en-US" dirty="0" smtClean="0">
+                <a:solidFill>
+                  <a:srgbClr val="824040">
+                    <a:alpha val="50000"/>
+                  </a:srgbClr>
+                </a:solidFill>
+              </a:rPr>
+              <a:t> Account </a:t>
+            </a:r>
+            <a:r>
+              <a:rPr lang="en-US" dirty="0">
+                <a:solidFill>
+                  <a:srgbClr val="F5F5F5">
+                    <a:alpha val="50000"/>
+                  </a:srgbClr>
+                </a:solidFill>
+              </a:rPr>
+              <a:t>Creation</a:t>
+            </a:r>
+            <a:r>
+              <a:rPr lang="en-US" dirty="0">
+                <a:solidFill>
+                  <a:srgbClr val="824040">
+                    <a:alpha val="50000"/>
+                  </a:srgbClr>
+                </a:solidFill>
+              </a:rPr>
+              <a:t>, Logging </a:t>
+            </a:r>
+            <a:r>
+              <a:rPr lang="en-US" dirty="0">
+                <a:solidFill>
+                  <a:srgbClr val="F5F5F5">
+                    <a:alpha val="50000"/>
+                  </a:srgbClr>
+                </a:solidFill>
+              </a:rPr>
+              <a:t>In</a:t>
+            </a:r>
+            <a:r>
+              <a:rPr lang="en-US" dirty="0">
+                <a:solidFill>
+                  <a:srgbClr val="824040">
+                    <a:alpha val="50000"/>
+                  </a:srgbClr>
+                </a:solidFill>
+              </a:rPr>
+              <a:t>, and Logging </a:t>
+            </a:r>
+            <a:r>
+              <a:rPr lang="en-US" dirty="0" smtClean="0">
+                <a:solidFill>
+                  <a:srgbClr val="F5F5F5">
+                    <a:alpha val="50000"/>
+                  </a:srgbClr>
+                </a:solidFill>
+              </a:rPr>
+              <a:t>Out</a:t>
+            </a:r>
+          </a:p>
+          <a:p>
+            <a:r>
+              <a:rPr lang="en-US" dirty="0">
+                <a:solidFill>
+                  <a:srgbClr val="824040">
+                    <a:alpha val="50000"/>
+                  </a:srgbClr>
+                </a:solidFill>
+              </a:rPr>
+              <a:t> </a:t>
+            </a:r>
+            <a:r>
+              <a:rPr lang="en-US" dirty="0" smtClean="0">
+                <a:solidFill>
+                  <a:srgbClr val="F5F5F5">
+                    <a:alpha val="50000"/>
+                  </a:srgbClr>
+                </a:solidFill>
+              </a:rPr>
+              <a:t>Changing</a:t>
+            </a:r>
+            <a:r>
+              <a:rPr lang="en-US" dirty="0" smtClean="0">
+                <a:solidFill>
+                  <a:srgbClr val="824040">
+                    <a:alpha val="50000"/>
+                  </a:srgbClr>
+                </a:solidFill>
+              </a:rPr>
+              <a:t> </a:t>
+            </a:r>
+            <a:r>
+              <a:rPr lang="en-US" dirty="0">
+                <a:solidFill>
+                  <a:srgbClr val="824040">
+                    <a:alpha val="50000"/>
+                  </a:srgbClr>
+                </a:solidFill>
+              </a:rPr>
+              <a:t>Password and Account </a:t>
+            </a:r>
+            <a:r>
+              <a:rPr lang="en-US" dirty="0">
+                <a:solidFill>
+                  <a:srgbClr val="F5F5F5">
+                    <a:alpha val="50000"/>
+                  </a:srgbClr>
+                </a:solidFill>
+              </a:rPr>
+              <a:t>Recovery</a:t>
+            </a:r>
+          </a:p>
+          <a:p>
+            <a:r>
+              <a:rPr lang="en-US" dirty="0" smtClean="0">
+                <a:solidFill>
+                  <a:srgbClr val="824040">
+                    <a:alpha val="50000"/>
+                  </a:srgbClr>
+                </a:solidFill>
+              </a:rPr>
+              <a:t> </a:t>
+            </a:r>
+            <a:r>
+              <a:rPr lang="en-US" dirty="0"/>
+              <a:t>Adding, Editing, and Deleting </a:t>
+            </a:r>
+            <a:r>
+              <a:rPr lang="en-US" dirty="0">
+                <a:solidFill>
+                  <a:srgbClr val="F5F5F5"/>
+                </a:solidFill>
+              </a:rPr>
+              <a:t>URLs</a:t>
+            </a:r>
+            <a:endParaRPr lang="en-US" dirty="0" smtClean="0">
+              <a:solidFill>
+                <a:srgbClr val="F5F5F5">
+                  <a:alpha val="50000"/>
+                </a:srgbClr>
+              </a:solidFill>
+            </a:endParaRPr>
+          </a:p>
+          <a:p>
+            <a:r>
+              <a:rPr lang="en-US" dirty="0" smtClean="0">
+                <a:solidFill>
+                  <a:srgbClr val="824040">
+                    <a:alpha val="50000"/>
+                  </a:srgbClr>
+                </a:solidFill>
+              </a:rPr>
+              <a:t> </a:t>
+            </a:r>
+            <a:r>
+              <a:rPr lang="en-US" dirty="0" smtClean="0">
+                <a:solidFill>
+                  <a:srgbClr val="F5F5F5">
+                    <a:alpha val="50000"/>
+                  </a:srgbClr>
+                </a:solidFill>
+              </a:rPr>
+              <a:t>Searching</a:t>
+            </a:r>
+            <a:r>
+              <a:rPr lang="en-US" dirty="0" smtClean="0">
+                <a:solidFill>
+                  <a:srgbClr val="824040">
+                    <a:alpha val="50000"/>
+                  </a:srgbClr>
+                </a:solidFill>
+              </a:rPr>
+              <a:t> </a:t>
+            </a:r>
+            <a:r>
+              <a:rPr lang="en-US" dirty="0">
+                <a:solidFill>
+                  <a:srgbClr val="824040">
+                    <a:alpha val="50000"/>
+                  </a:srgbClr>
+                </a:solidFill>
+              </a:rPr>
+              <a:t>for </a:t>
+            </a:r>
+            <a:r>
+              <a:rPr lang="en-US" dirty="0" smtClean="0">
+                <a:solidFill>
+                  <a:srgbClr val="824040">
+                    <a:alpha val="50000"/>
+                  </a:srgbClr>
+                </a:solidFill>
+              </a:rPr>
+              <a:t>Updates</a:t>
+            </a:r>
+          </a:p>
+          <a:p>
+            <a:r>
+              <a:rPr lang="en-US" dirty="0" smtClean="0">
+                <a:solidFill>
+                  <a:srgbClr val="824040">
+                    <a:alpha val="50000"/>
+                  </a:srgbClr>
+                </a:solidFill>
+              </a:rPr>
+              <a:t> </a:t>
+            </a:r>
+            <a:r>
+              <a:rPr lang="en-US" dirty="0" smtClean="0">
+                <a:solidFill>
+                  <a:srgbClr val="F5F5F5">
+                    <a:alpha val="50000"/>
+                  </a:srgbClr>
+                </a:solidFill>
+              </a:rPr>
+              <a:t>Updating</a:t>
+            </a:r>
+            <a:r>
+              <a:rPr lang="en-US" dirty="0" smtClean="0">
+                <a:solidFill>
+                  <a:srgbClr val="824040">
+                    <a:alpha val="50000"/>
+                  </a:srgbClr>
+                </a:solidFill>
+              </a:rPr>
+              <a:t> </a:t>
+            </a:r>
+            <a:r>
+              <a:rPr lang="en-US" dirty="0">
+                <a:solidFill>
+                  <a:srgbClr val="824040">
+                    <a:alpha val="50000"/>
+                  </a:srgbClr>
+                </a:solidFill>
+              </a:rPr>
+              <a:t>the Database and </a:t>
+            </a:r>
+            <a:r>
+              <a:rPr lang="en-US" dirty="0">
+                <a:solidFill>
+                  <a:srgbClr val="F5F5F5">
+                    <a:alpha val="50000"/>
+                  </a:srgbClr>
+                </a:solidFill>
+              </a:rPr>
+              <a:t>Sending</a:t>
+            </a:r>
+            <a:r>
+              <a:rPr lang="en-US" dirty="0">
+                <a:solidFill>
+                  <a:srgbClr val="824040">
+                    <a:alpha val="50000"/>
+                  </a:srgbClr>
+                </a:solidFill>
+              </a:rPr>
+              <a:t> Emails</a:t>
+            </a:r>
+          </a:p>
+        </p:txBody>
+      </p:sp>
+    </p:spTree>
+    <p:extLst>
+      <p:ext uri="{BB962C8B-B14F-4D97-AF65-F5344CB8AC3E}">
+        <p14:creationId xmlns:p14="http://schemas.microsoft.com/office/powerpoint/2010/main" val="3229780768"/>
+      </p:ext>
+    </p:extLst>
+  </p:cSld>
+  <p:clrMapOvr>
+    <a:masterClrMapping/>
+  </p:clrMapOvr>
+  <p:timing>
+    <p:tnLst>
+      <p:par>
+        <p:cTn id="1" dur="indefinite" restart="never" nodeType="tmRoot"/>
+      </p:par>
+    </p:tnLst>
+  </p:timing>
+</p:sld>
+</file>
+
+<file path=ppt/slides/slide18.xml><?xml version="1.0" encoding="utf-8"?>
+<p:sld xmlns:a="http://schemas.openxmlformats.org/drawingml/2006/main" xmlns:r="http://schemas.openxmlformats.org/officeDocument/2006/relationships" xmlns:p="http://schemas.openxmlformats.org/presentationml/2006/main">
+  <p:cSld>
+    <p:spTree>
+      <p:nvGrpSpPr>
+        <p:cNvPr id="1" name=""/>
+        <p:cNvGrpSpPr/>
+        <p:nvPr/>
+      </p:nvGrpSpPr>
+      <p:grpSpPr>
+        <a:xfrm>
+          <a:off x="0" y="0"/>
+          <a:ext cx="0" cy="0"/>
+          <a:chOff x="0" y="0"/>
+          <a:chExt cx="0" cy="0"/>
+        </a:xfrm>
+      </p:grpSpPr>
+      <p:sp>
+        <p:nvSpPr>
+          <p:cNvPr id="2" name="Title 1"/>
+          <p:cNvSpPr>
+            <a:spLocks noGrp="1"/>
+          </p:cNvSpPr>
+          <p:nvPr>
+            <p:ph type="title"/>
+          </p:nvPr>
+        </p:nvSpPr>
+        <p:spPr/>
+        <p:txBody>
+          <a:bodyPr/>
+          <a:lstStyle/>
+          <a:p>
+            <a:pPr algn="ctr"/>
+            <a:r>
+              <a:rPr lang="en-US" dirty="0"/>
+              <a:t>Adding, Editing, and Deleting </a:t>
+            </a:r>
+            <a:r>
+              <a:rPr lang="en-US" dirty="0">
+                <a:solidFill>
+                  <a:srgbClr val="F5F5F5"/>
+                </a:solidFill>
+              </a:rPr>
+              <a:t>URLs</a:t>
+            </a:r>
+            <a:endParaRPr lang="en-US" dirty="0"/>
+          </a:p>
+        </p:txBody>
+      </p:sp>
+      <p:sp>
+        <p:nvSpPr>
+          <p:cNvPr id="3" name="Content Placeholder 2"/>
+          <p:cNvSpPr>
+            <a:spLocks noGrp="1"/>
+          </p:cNvSpPr>
+          <p:nvPr>
+            <p:ph idx="1"/>
+          </p:nvPr>
+        </p:nvSpPr>
+        <p:spPr/>
+        <p:txBody>
+          <a:bodyPr/>
+          <a:lstStyle/>
+          <a:p>
+            <a:endParaRPr lang="en-US"/>
+          </a:p>
+        </p:txBody>
+      </p:sp>
+    </p:spTree>
+    <p:extLst>
+      <p:ext uri="{BB962C8B-B14F-4D97-AF65-F5344CB8AC3E}">
+        <p14:creationId xmlns:p14="http://schemas.microsoft.com/office/powerpoint/2010/main" val="3379108181"/>
+      </p:ext>
+    </p:extLst>
+  </p:cSld>
+  <p:clrMapOvr>
+    <a:masterClrMapping/>
+  </p:clrMapOvr>
+  <p:timing>
+    <p:tnLst>
+      <p:par>
+        <p:cTn id="1" dur="indefinite" restart="never" nodeType="tmRoot"/>
+      </p:par>
+    </p:tnLst>
+  </p:timing>
+</p:sld>
+</file>
+
+<file path=ppt/slides/slide19.xml><?xml version="1.0" encoding="utf-8"?>
+<p:sld xmlns:a="http://schemas.openxmlformats.org/drawingml/2006/main" xmlns:r="http://schemas.openxmlformats.org/officeDocument/2006/relationships" xmlns:p="http://schemas.openxmlformats.org/presentationml/2006/main">
+  <p:cSld>
+    <p:spTree>
+      <p:nvGrpSpPr>
+        <p:cNvPr id="1" name=""/>
+        <p:cNvGrpSpPr/>
+        <p:nvPr/>
+      </p:nvGrpSpPr>
+      <p:grpSpPr>
+        <a:xfrm>
+          <a:off x="0" y="0"/>
+          <a:ext cx="0" cy="0"/>
+          <a:chOff x="0" y="0"/>
+          <a:chExt cx="0" cy="0"/>
+        </a:xfrm>
+      </p:grpSpPr>
+      <p:sp>
+        <p:nvSpPr>
+          <p:cNvPr id="2" name="Title 1">
+            <a:extLst>
+              <a:ext uri="{FF2B5EF4-FFF2-40B4-BE49-F238E27FC236}">
+                <a16:creationId xmlns:a16="http://schemas.microsoft.com/office/drawing/2014/main" xmlns="" id="{259D0B7C-1D18-4B9B-9686-41CD01222471}"/>
+              </a:ext>
+            </a:extLst>
+          </p:cNvPr>
+          <p:cNvSpPr>
+            <a:spLocks noGrp="1"/>
+          </p:cNvSpPr>
+          <p:nvPr>
+            <p:ph type="title"/>
+          </p:nvPr>
+        </p:nvSpPr>
+        <p:spPr/>
+        <p:txBody>
+          <a:bodyPr/>
+          <a:lstStyle/>
+          <a:p>
+            <a:pPr algn="ctr"/>
+            <a:r>
+              <a:rPr lang="en-US" dirty="0"/>
+              <a:t>How do we do it?</a:t>
+            </a:r>
+          </a:p>
+        </p:txBody>
+      </p:sp>
+      <p:sp>
+        <p:nvSpPr>
+          <p:cNvPr id="3" name="Content Placeholder 2">
+            <a:extLst>
+              <a:ext uri="{FF2B5EF4-FFF2-40B4-BE49-F238E27FC236}">
+                <a16:creationId xmlns:a16="http://schemas.microsoft.com/office/drawing/2014/main" xmlns="" id="{7171011C-A762-4A01-8962-0A7436AA633E}"/>
+              </a:ext>
+            </a:extLst>
+          </p:cNvPr>
+          <p:cNvSpPr>
+            <a:spLocks noGrp="1"/>
+          </p:cNvSpPr>
+          <p:nvPr>
+            <p:ph idx="1"/>
+          </p:nvPr>
+        </p:nvSpPr>
+        <p:spPr/>
+        <p:txBody>
+          <a:bodyPr/>
+          <a:lstStyle/>
+          <a:p>
+            <a:r>
+              <a:rPr lang="en-US" dirty="0" smtClean="0">
+                <a:solidFill>
+                  <a:srgbClr val="824040">
+                    <a:alpha val="50000"/>
+                  </a:srgbClr>
+                </a:solidFill>
+              </a:rPr>
+              <a:t> </a:t>
+            </a:r>
+            <a:r>
+              <a:rPr lang="en-US" dirty="0" smtClean="0">
+                <a:solidFill>
+                  <a:srgbClr val="F5F5F5">
+                    <a:alpha val="50000"/>
+                  </a:srgbClr>
+                </a:solidFill>
+              </a:rPr>
+              <a:t>Database</a:t>
+            </a:r>
+            <a:r>
+              <a:rPr lang="en-US" dirty="0" smtClean="0">
+                <a:solidFill>
+                  <a:srgbClr val="824040">
+                    <a:alpha val="50000"/>
+                  </a:srgbClr>
+                </a:solidFill>
+              </a:rPr>
+              <a:t> Design</a:t>
+            </a:r>
+            <a:endParaRPr lang="en-US" dirty="0" smtClean="0">
+              <a:solidFill>
+                <a:srgbClr val="824040">
+                  <a:alpha val="50000"/>
+                </a:srgbClr>
+              </a:solidFill>
+            </a:endParaRPr>
+          </a:p>
+          <a:p>
+            <a:r>
+              <a:rPr lang="en-US" dirty="0" smtClean="0">
+                <a:solidFill>
+                  <a:srgbClr val="824040">
+                    <a:alpha val="50000"/>
+                  </a:srgbClr>
+                </a:solidFill>
+              </a:rPr>
+              <a:t> Account </a:t>
+            </a:r>
+            <a:r>
+              <a:rPr lang="en-US" dirty="0">
+                <a:solidFill>
+                  <a:srgbClr val="F5F5F5">
+                    <a:alpha val="50000"/>
+                  </a:srgbClr>
+                </a:solidFill>
+              </a:rPr>
+              <a:t>Creation</a:t>
+            </a:r>
+            <a:r>
+              <a:rPr lang="en-US" dirty="0">
+                <a:solidFill>
+                  <a:srgbClr val="824040">
+                    <a:alpha val="50000"/>
+                  </a:srgbClr>
+                </a:solidFill>
+              </a:rPr>
+              <a:t>, Logging </a:t>
+            </a:r>
+            <a:r>
+              <a:rPr lang="en-US" dirty="0">
+                <a:solidFill>
+                  <a:srgbClr val="F5F5F5">
+                    <a:alpha val="50000"/>
+                  </a:srgbClr>
+                </a:solidFill>
+              </a:rPr>
+              <a:t>In</a:t>
+            </a:r>
+            <a:r>
+              <a:rPr lang="en-US" dirty="0">
+                <a:solidFill>
+                  <a:srgbClr val="824040">
+                    <a:alpha val="50000"/>
+                  </a:srgbClr>
+                </a:solidFill>
+              </a:rPr>
+              <a:t>, and Logging </a:t>
+            </a:r>
+            <a:r>
+              <a:rPr lang="en-US" dirty="0" smtClean="0">
+                <a:solidFill>
+                  <a:srgbClr val="F5F5F5">
+                    <a:alpha val="50000"/>
+                  </a:srgbClr>
+                </a:solidFill>
+              </a:rPr>
+              <a:t>Out</a:t>
+            </a:r>
+          </a:p>
+          <a:p>
+            <a:r>
+              <a:rPr lang="en-US" dirty="0">
+                <a:solidFill>
+                  <a:srgbClr val="824040">
+                    <a:alpha val="50000"/>
+                  </a:srgbClr>
+                </a:solidFill>
+              </a:rPr>
+              <a:t> </a:t>
+            </a:r>
+            <a:r>
+              <a:rPr lang="en-US" dirty="0" smtClean="0">
+                <a:solidFill>
+                  <a:srgbClr val="F5F5F5">
+                    <a:alpha val="50000"/>
+                  </a:srgbClr>
+                </a:solidFill>
+              </a:rPr>
+              <a:t>Changing</a:t>
+            </a:r>
+            <a:r>
+              <a:rPr lang="en-US" dirty="0" smtClean="0">
+                <a:solidFill>
+                  <a:srgbClr val="824040">
+                    <a:alpha val="50000"/>
+                  </a:srgbClr>
+                </a:solidFill>
+              </a:rPr>
+              <a:t> </a:t>
+            </a:r>
+            <a:r>
+              <a:rPr lang="en-US" dirty="0">
+                <a:solidFill>
+                  <a:srgbClr val="824040">
+                    <a:alpha val="50000"/>
+                  </a:srgbClr>
+                </a:solidFill>
+              </a:rPr>
+              <a:t>Password and Account </a:t>
+            </a:r>
+            <a:r>
+              <a:rPr lang="en-US" dirty="0">
+                <a:solidFill>
+                  <a:srgbClr val="F5F5F5">
+                    <a:alpha val="50000"/>
+                  </a:srgbClr>
+                </a:solidFill>
+              </a:rPr>
+              <a:t>Recovery</a:t>
+            </a:r>
+          </a:p>
+          <a:p>
+            <a:r>
+              <a:rPr lang="en-US" dirty="0" smtClean="0">
+                <a:solidFill>
+                  <a:srgbClr val="824040">
+                    <a:alpha val="50000"/>
+                  </a:srgbClr>
+                </a:solidFill>
+              </a:rPr>
+              <a:t> Adding</a:t>
+            </a:r>
+            <a:r>
+              <a:rPr lang="en-US" dirty="0">
+                <a:solidFill>
+                  <a:srgbClr val="824040">
+                    <a:alpha val="50000"/>
+                  </a:srgbClr>
+                </a:solidFill>
+              </a:rPr>
+              <a:t>, Editing, and Deleting </a:t>
+            </a:r>
+            <a:r>
+              <a:rPr lang="en-US" dirty="0" smtClean="0">
+                <a:solidFill>
+                  <a:srgbClr val="F5F5F5">
+                    <a:alpha val="50000"/>
+                  </a:srgbClr>
+                </a:solidFill>
+              </a:rPr>
+              <a:t>URLs</a:t>
+            </a:r>
+          </a:p>
+          <a:p>
+            <a:r>
+              <a:rPr lang="en-US" dirty="0" smtClean="0">
+                <a:solidFill>
+                  <a:srgbClr val="824040">
+                    <a:alpha val="50000"/>
+                  </a:srgbClr>
+                </a:solidFill>
+              </a:rPr>
+              <a:t> </a:t>
+            </a:r>
+            <a:r>
+              <a:rPr lang="en-US" dirty="0">
+                <a:solidFill>
+                  <a:srgbClr val="F5F5F5"/>
+                </a:solidFill>
+              </a:rPr>
+              <a:t>Searching</a:t>
+            </a:r>
+            <a:r>
+              <a:rPr lang="en-US" dirty="0"/>
+              <a:t> for </a:t>
+            </a:r>
+            <a:r>
+              <a:rPr lang="en-US" dirty="0" smtClean="0"/>
+              <a:t>Updates</a:t>
+            </a:r>
+          </a:p>
+          <a:p>
+            <a:r>
+              <a:rPr lang="en-US" dirty="0" smtClean="0">
+                <a:solidFill>
+                  <a:srgbClr val="824040">
+                    <a:alpha val="50000"/>
+                  </a:srgbClr>
+                </a:solidFill>
+              </a:rPr>
+              <a:t> </a:t>
+            </a:r>
+            <a:r>
+              <a:rPr lang="en-US" dirty="0" smtClean="0">
+                <a:solidFill>
+                  <a:srgbClr val="F5F5F5">
+                    <a:alpha val="50000"/>
+                  </a:srgbClr>
+                </a:solidFill>
+              </a:rPr>
+              <a:t>Updating</a:t>
+            </a:r>
+            <a:r>
+              <a:rPr lang="en-US" dirty="0" smtClean="0">
+                <a:solidFill>
+                  <a:srgbClr val="824040">
+                    <a:alpha val="50000"/>
+                  </a:srgbClr>
+                </a:solidFill>
+              </a:rPr>
+              <a:t> </a:t>
+            </a:r>
+            <a:r>
+              <a:rPr lang="en-US" dirty="0">
+                <a:solidFill>
+                  <a:srgbClr val="824040">
+                    <a:alpha val="50000"/>
+                  </a:srgbClr>
+                </a:solidFill>
+              </a:rPr>
+              <a:t>the Database and </a:t>
+            </a:r>
+            <a:r>
+              <a:rPr lang="en-US" dirty="0">
+                <a:solidFill>
+                  <a:srgbClr val="F5F5F5">
+                    <a:alpha val="50000"/>
+                  </a:srgbClr>
+                </a:solidFill>
+              </a:rPr>
+              <a:t>Sending</a:t>
+            </a:r>
+            <a:r>
+              <a:rPr lang="en-US" dirty="0">
+                <a:solidFill>
+                  <a:srgbClr val="824040">
+                    <a:alpha val="50000"/>
+                  </a:srgbClr>
+                </a:solidFill>
+              </a:rPr>
+              <a:t> Emails</a:t>
+            </a:r>
+          </a:p>
+        </p:txBody>
+      </p:sp>
+    </p:spTree>
+    <p:extLst>
+      <p:ext uri="{BB962C8B-B14F-4D97-AF65-F5344CB8AC3E}">
+        <p14:creationId xmlns:p14="http://schemas.microsoft.com/office/powerpoint/2010/main" val="4060571339"/>
+      </p:ext>
+    </p:extLst>
+  </p:cSld>
+  <p:clrMapOvr>
+    <a:masterClrMapping/>
+  </p:clrMapOvr>
+  <p:timing>
+    <p:tnLst>
+      <p:par>
+        <p:cTn id="1" dur="indefinite" restart="never" nodeType="tmRoot"/>
+      </p:par>
+    </p:tnLst>
+  </p:timing>
+</p:sld>
+</file>
+
+<file path=ppt/slides/slide2.xml><?xml version="1.0" encoding="utf-8"?>
+<p:sld xmlns:a="http://schemas.openxmlformats.org/drawingml/2006/main" xmlns:r="http://schemas.openxmlformats.org/officeDocument/2006/relationships" xmlns:p="http://schemas.openxmlformats.org/presentationml/2006/main">
+  <p:cSld>
+    <p:spTree>
+      <p:nvGrpSpPr>
+        <p:cNvPr id="1" name=""/>
+        <p:cNvGrpSpPr/>
+        <p:nvPr/>
+      </p:nvGrpSpPr>
+      <p:grpSpPr>
+        <a:xfrm>
+          <a:off x="0" y="0"/>
+          <a:ext cx="0" cy="0"/>
+          <a:chOff x="0" y="0"/>
+          <a:chExt cx="0" cy="0"/>
+        </a:xfrm>
+      </p:grpSpPr>
+      <p:sp>
+        <p:nvSpPr>
+          <p:cNvPr id="2" name="Title 1">
+            <a:extLst>
+              <a:ext uri="{FF2B5EF4-FFF2-40B4-BE49-F238E27FC236}">
+                <a16:creationId xmlns:a16="http://schemas.microsoft.com/office/drawing/2014/main" xmlns="" id="{BDC5B3F6-D021-43C8-B57F-075FB0C69BAA}"/>
+              </a:ext>
+            </a:extLst>
+          </p:cNvPr>
+          <p:cNvSpPr>
+            <a:spLocks noGrp="1"/>
+          </p:cNvSpPr>
+          <p:nvPr>
+            <p:ph type="title"/>
+          </p:nvPr>
+        </p:nvSpPr>
+        <p:spPr/>
+        <p:txBody>
+          <a:bodyPr/>
+          <a:lstStyle/>
+          <a:p>
+            <a:pPr algn="ctr"/>
+            <a:r>
+              <a:rPr lang="en-US" dirty="0"/>
+              <a:t>What is it?</a:t>
+            </a:r>
+          </a:p>
+        </p:txBody>
+      </p:sp>
+      <p:sp>
+        <p:nvSpPr>
+          <p:cNvPr id="3" name="Content Placeholder 2">
+            <a:extLst>
+              <a:ext uri="{FF2B5EF4-FFF2-40B4-BE49-F238E27FC236}">
+                <a16:creationId xmlns:a16="http://schemas.microsoft.com/office/drawing/2014/main" xmlns="" id="{70E2E14D-469D-42A3-83E1-C42B51320693}"/>
+              </a:ext>
+            </a:extLst>
+          </p:cNvPr>
+          <p:cNvSpPr>
+            <a:spLocks noGrp="1"/>
+          </p:cNvSpPr>
+          <p:nvPr>
+            <p:ph idx="1"/>
+          </p:nvPr>
+        </p:nvSpPr>
+        <p:spPr/>
+        <p:txBody>
+          <a:bodyPr>
+            <a:normAutofit/>
+          </a:bodyPr>
+          <a:lstStyle/>
+          <a:p>
+            <a:r>
+              <a:rPr lang="en-US" dirty="0"/>
+              <a:t>A website that </a:t>
+            </a:r>
+            <a:r>
+              <a:rPr lang="en-US" dirty="0">
+                <a:solidFill>
+                  <a:srgbClr val="F5F5F5"/>
+                </a:solidFill>
+              </a:rPr>
+              <a:t>monitors</a:t>
+            </a:r>
+            <a:r>
+              <a:rPr lang="en-US" dirty="0"/>
+              <a:t> a list of websites that you provide.</a:t>
+            </a:r>
+          </a:p>
+          <a:p>
+            <a:r>
+              <a:rPr lang="en-US" dirty="0"/>
+              <a:t>Sends an </a:t>
+            </a:r>
+            <a:r>
+              <a:rPr lang="en-US" dirty="0">
+                <a:solidFill>
+                  <a:srgbClr val="F5F5F5"/>
+                </a:solidFill>
+              </a:rPr>
+              <a:t>email</a:t>
+            </a:r>
+            <a:r>
+              <a:rPr lang="en-US" dirty="0"/>
+              <a:t> when it discovers that one of the websites have </a:t>
+            </a:r>
+            <a:r>
+              <a:rPr lang="en-US" dirty="0" smtClean="0">
+                <a:solidFill>
+                  <a:srgbClr val="F5F5F5"/>
+                </a:solidFill>
+              </a:rPr>
+              <a:t>updated</a:t>
+            </a:r>
+            <a:r>
+              <a:rPr lang="en-US" dirty="0" smtClean="0"/>
+              <a:t>.</a:t>
+            </a:r>
+          </a:p>
+          <a:p>
+            <a:pPr>
+              <a:buClr>
+                <a:srgbClr val="824040"/>
+              </a:buClr>
+            </a:pPr>
+            <a:r>
+              <a:rPr lang="en-US" dirty="0" smtClean="0">
+                <a:solidFill>
+                  <a:srgbClr val="F5F5F5"/>
+                </a:solidFill>
+              </a:rPr>
+              <a:t>User </a:t>
+            </a:r>
+            <a:r>
+              <a:rPr lang="en-US" dirty="0">
+                <a:solidFill>
+                  <a:srgbClr val="F5F5F5"/>
+                </a:solidFill>
+              </a:rPr>
+              <a:t>Accounts</a:t>
+            </a:r>
+            <a:r>
+              <a:rPr lang="en-US" dirty="0">
+                <a:solidFill>
+                  <a:schemeClr val="accent2">
+                    <a:lumMod val="60000"/>
+                    <a:lumOff val="40000"/>
+                  </a:schemeClr>
+                </a:solidFill>
+              </a:rPr>
+              <a:t> </a:t>
+            </a:r>
+            <a:r>
+              <a:rPr lang="en-US" dirty="0"/>
+              <a:t>with personalized lists of websites.</a:t>
+            </a:r>
+          </a:p>
+          <a:p>
+            <a:r>
+              <a:rPr lang="en-US" dirty="0"/>
+              <a:t>Password	 </a:t>
+            </a:r>
+            <a:r>
+              <a:rPr lang="en-US" dirty="0">
+                <a:solidFill>
+                  <a:srgbClr val="F5F5F5"/>
+                </a:solidFill>
+              </a:rPr>
+              <a:t>Optional</a:t>
+            </a:r>
+            <a:r>
+              <a:rPr lang="en-US" dirty="0"/>
+              <a:t>.</a:t>
+            </a:r>
+          </a:p>
+          <a:p>
+            <a:r>
+              <a:rPr lang="en-US" dirty="0"/>
+              <a:t>Caveat: Only </a:t>
+            </a:r>
+            <a:r>
+              <a:rPr lang="en-US" dirty="0" err="1">
+                <a:solidFill>
+                  <a:srgbClr val="F5F5F5"/>
+                </a:solidFill>
+              </a:rPr>
+              <a:t>ETag</a:t>
+            </a:r>
+            <a:r>
+              <a:rPr lang="en-US" dirty="0"/>
+              <a:t> </a:t>
+            </a:r>
+            <a:r>
+              <a:rPr lang="en-US" dirty="0" smtClean="0"/>
+              <a:t>or </a:t>
+            </a:r>
+            <a:r>
+              <a:rPr lang="en-US" dirty="0">
+                <a:solidFill>
+                  <a:srgbClr val="F5F5F5"/>
+                </a:solidFill>
+              </a:rPr>
+              <a:t>Last-Modified</a:t>
+            </a:r>
+            <a:r>
+              <a:rPr lang="en-US" dirty="0"/>
+              <a:t> Allowed.</a:t>
+            </a:r>
+          </a:p>
+          <a:p>
+            <a:pPr marL="0" indent="0">
+              <a:buNone/>
+            </a:pPr>
+            <a:endParaRPr lang="en-US" dirty="0"/>
+          </a:p>
+        </p:txBody>
+      </p:sp>
+    </p:spTree>
+    <p:extLst>
+      <p:ext uri="{BB962C8B-B14F-4D97-AF65-F5344CB8AC3E}">
+        <p14:creationId xmlns:p14="http://schemas.microsoft.com/office/powerpoint/2010/main" val="189535136"/>
+      </p:ext>
+    </p:extLst>
+  </p:cSld>
+  <p:clrMapOvr>
+    <a:masterClrMapping/>
+  </p:clrMapOvr>
+  <p:timing>
+    <p:tnLst>
+      <p:par>
+        <p:cTn id="1" dur="indefinite" restart="never" nodeType="tmRoot"/>
+      </p:par>
+    </p:tnLst>
+  </p:timing>
+</p:sld>
+</file>
+
+<file path=ppt/slides/slide20.xml><?xml version="1.0" encoding="utf-8"?>
+<p:sld xmlns:a="http://schemas.openxmlformats.org/drawingml/2006/main" xmlns:r="http://schemas.openxmlformats.org/officeDocument/2006/relationships" xmlns:p="http://schemas.openxmlformats.org/presentationml/2006/main">
+  <p:cSld>
+    <p:spTree>
+      <p:nvGrpSpPr>
+        <p:cNvPr id="1" name=""/>
+        <p:cNvGrpSpPr/>
+        <p:nvPr/>
+      </p:nvGrpSpPr>
+      <p:grpSpPr>
+        <a:xfrm>
+          <a:off x="0" y="0"/>
+          <a:ext cx="0" cy="0"/>
+          <a:chOff x="0" y="0"/>
+          <a:chExt cx="0" cy="0"/>
+        </a:xfrm>
+      </p:grpSpPr>
+      <p:sp>
+        <p:nvSpPr>
+          <p:cNvPr id="2" name="Title 1"/>
+          <p:cNvSpPr>
+            <a:spLocks noGrp="1"/>
+          </p:cNvSpPr>
+          <p:nvPr>
+            <p:ph type="title"/>
+          </p:nvPr>
+        </p:nvSpPr>
+        <p:spPr/>
+        <p:txBody>
+          <a:bodyPr/>
+          <a:lstStyle/>
+          <a:p>
+            <a:pPr algn="ctr"/>
+            <a:r>
+              <a:rPr lang="en-US" dirty="0">
+                <a:solidFill>
+                  <a:srgbClr val="F5F5F5"/>
+                </a:solidFill>
+              </a:rPr>
+              <a:t>Searching</a:t>
+            </a:r>
+            <a:r>
+              <a:rPr lang="en-US" dirty="0"/>
+              <a:t> for Updates</a:t>
+            </a:r>
+          </a:p>
+        </p:txBody>
+      </p:sp>
+      <p:sp>
+        <p:nvSpPr>
+          <p:cNvPr id="3" name="Content Placeholder 2"/>
+          <p:cNvSpPr>
+            <a:spLocks noGrp="1"/>
+          </p:cNvSpPr>
+          <p:nvPr>
+            <p:ph idx="1"/>
+          </p:nvPr>
+        </p:nvSpPr>
+        <p:spPr/>
+        <p:txBody>
+          <a:bodyPr/>
+          <a:lstStyle/>
+          <a:p>
+            <a:endParaRPr lang="en-US" dirty="0"/>
+          </a:p>
+        </p:txBody>
+      </p:sp>
+    </p:spTree>
+    <p:extLst>
+      <p:ext uri="{BB962C8B-B14F-4D97-AF65-F5344CB8AC3E}">
+        <p14:creationId xmlns:p14="http://schemas.microsoft.com/office/powerpoint/2010/main" val="2754910591"/>
+      </p:ext>
+    </p:extLst>
+  </p:cSld>
+  <p:clrMapOvr>
+    <a:masterClrMapping/>
+  </p:clrMapOvr>
+  <p:timing>
+    <p:tnLst>
+      <p:par>
+        <p:cTn id="1" dur="indefinite" restart="never" nodeType="tmRoot"/>
+      </p:par>
+    </p:tnLst>
+  </p:timing>
+</p:sld>
+</file>
+
+<file path=ppt/slides/slide21.xml><?xml version="1.0" encoding="utf-8"?>
+<p:sld xmlns:a="http://schemas.openxmlformats.org/drawingml/2006/main" xmlns:r="http://schemas.openxmlformats.org/officeDocument/2006/relationships" xmlns:p="http://schemas.openxmlformats.org/presentationml/2006/main">
+  <p:cSld>
+    <p:spTree>
+      <p:nvGrpSpPr>
+        <p:cNvPr id="1" name=""/>
+        <p:cNvGrpSpPr/>
+        <p:nvPr/>
+      </p:nvGrpSpPr>
+      <p:grpSpPr>
+        <a:xfrm>
+          <a:off x="0" y="0"/>
+          <a:ext cx="0" cy="0"/>
+          <a:chOff x="0" y="0"/>
+          <a:chExt cx="0" cy="0"/>
+        </a:xfrm>
+      </p:grpSpPr>
+      <p:sp>
+        <p:nvSpPr>
+          <p:cNvPr id="2" name="Title 1">
+            <a:extLst>
+              <a:ext uri="{FF2B5EF4-FFF2-40B4-BE49-F238E27FC236}">
+                <a16:creationId xmlns:a16="http://schemas.microsoft.com/office/drawing/2014/main" xmlns="" id="{259D0B7C-1D18-4B9B-9686-41CD01222471}"/>
+              </a:ext>
+            </a:extLst>
+          </p:cNvPr>
+          <p:cNvSpPr>
+            <a:spLocks noGrp="1"/>
+          </p:cNvSpPr>
+          <p:nvPr>
+            <p:ph type="title"/>
+          </p:nvPr>
+        </p:nvSpPr>
+        <p:spPr/>
+        <p:txBody>
+          <a:bodyPr/>
+          <a:lstStyle/>
+          <a:p>
+            <a:pPr algn="ctr"/>
+            <a:r>
+              <a:rPr lang="en-US" dirty="0"/>
+              <a:t>How do we do it?</a:t>
+            </a:r>
+          </a:p>
+        </p:txBody>
+      </p:sp>
+      <p:sp>
+        <p:nvSpPr>
+          <p:cNvPr id="3" name="Content Placeholder 2">
+            <a:extLst>
+              <a:ext uri="{FF2B5EF4-FFF2-40B4-BE49-F238E27FC236}">
+                <a16:creationId xmlns:a16="http://schemas.microsoft.com/office/drawing/2014/main" xmlns="" id="{7171011C-A762-4A01-8962-0A7436AA633E}"/>
+              </a:ext>
+            </a:extLst>
+          </p:cNvPr>
+          <p:cNvSpPr>
+            <a:spLocks noGrp="1"/>
+          </p:cNvSpPr>
+          <p:nvPr>
+            <p:ph idx="1"/>
+          </p:nvPr>
+        </p:nvSpPr>
+        <p:spPr/>
+        <p:txBody>
+          <a:bodyPr/>
+          <a:lstStyle/>
+          <a:p>
+            <a:r>
+              <a:rPr lang="en-US" dirty="0" smtClean="0">
+                <a:solidFill>
+                  <a:srgbClr val="824040">
+                    <a:alpha val="50000"/>
+                  </a:srgbClr>
+                </a:solidFill>
+              </a:rPr>
+              <a:t> </a:t>
+            </a:r>
+            <a:r>
+              <a:rPr lang="en-US" dirty="0" smtClean="0">
+                <a:solidFill>
+                  <a:srgbClr val="F5F5F5">
+                    <a:alpha val="50000"/>
+                  </a:srgbClr>
+                </a:solidFill>
+              </a:rPr>
+              <a:t>Database</a:t>
+            </a:r>
+            <a:r>
+              <a:rPr lang="en-US" dirty="0" smtClean="0">
+                <a:solidFill>
+                  <a:srgbClr val="824040">
+                    <a:alpha val="50000"/>
+                  </a:srgbClr>
+                </a:solidFill>
+              </a:rPr>
+              <a:t> Design</a:t>
+            </a:r>
+            <a:endParaRPr lang="en-US" dirty="0" smtClean="0">
+              <a:solidFill>
+                <a:srgbClr val="824040">
+                  <a:alpha val="50000"/>
+                </a:srgbClr>
+              </a:solidFill>
+            </a:endParaRPr>
+          </a:p>
+          <a:p>
+            <a:r>
+              <a:rPr lang="en-US" dirty="0" smtClean="0">
+                <a:solidFill>
+                  <a:srgbClr val="824040">
+                    <a:alpha val="50000"/>
+                  </a:srgbClr>
+                </a:solidFill>
+              </a:rPr>
+              <a:t> Account </a:t>
+            </a:r>
+            <a:r>
+              <a:rPr lang="en-US" dirty="0">
+                <a:solidFill>
+                  <a:srgbClr val="F5F5F5">
+                    <a:alpha val="50000"/>
+                  </a:srgbClr>
+                </a:solidFill>
+              </a:rPr>
+              <a:t>Creation</a:t>
+            </a:r>
+            <a:r>
+              <a:rPr lang="en-US" dirty="0">
+                <a:solidFill>
+                  <a:srgbClr val="824040">
+                    <a:alpha val="50000"/>
+                  </a:srgbClr>
+                </a:solidFill>
+              </a:rPr>
+              <a:t>, Logging </a:t>
+            </a:r>
+            <a:r>
+              <a:rPr lang="en-US" dirty="0">
+                <a:solidFill>
+                  <a:srgbClr val="F5F5F5">
+                    <a:alpha val="50000"/>
+                  </a:srgbClr>
+                </a:solidFill>
+              </a:rPr>
+              <a:t>In</a:t>
+            </a:r>
+            <a:r>
+              <a:rPr lang="en-US" dirty="0">
+                <a:solidFill>
+                  <a:srgbClr val="824040">
+                    <a:alpha val="50000"/>
+                  </a:srgbClr>
+                </a:solidFill>
+              </a:rPr>
+              <a:t>, and Logging </a:t>
+            </a:r>
+            <a:r>
+              <a:rPr lang="en-US" dirty="0" smtClean="0">
+                <a:solidFill>
+                  <a:srgbClr val="F5F5F5">
+                    <a:alpha val="50000"/>
+                  </a:srgbClr>
+                </a:solidFill>
+              </a:rPr>
+              <a:t>Out</a:t>
+            </a:r>
+          </a:p>
+          <a:p>
+            <a:r>
+              <a:rPr lang="en-US" dirty="0">
+                <a:solidFill>
+                  <a:srgbClr val="824040">
+                    <a:alpha val="50000"/>
+                  </a:srgbClr>
+                </a:solidFill>
+              </a:rPr>
+              <a:t> </a:t>
+            </a:r>
+            <a:r>
+              <a:rPr lang="en-US" dirty="0" smtClean="0">
+                <a:solidFill>
+                  <a:srgbClr val="F5F5F5">
+                    <a:alpha val="50000"/>
+                  </a:srgbClr>
+                </a:solidFill>
+              </a:rPr>
+              <a:t>Changing</a:t>
+            </a:r>
+            <a:r>
+              <a:rPr lang="en-US" dirty="0" smtClean="0">
+                <a:solidFill>
+                  <a:srgbClr val="824040">
+                    <a:alpha val="50000"/>
+                  </a:srgbClr>
+                </a:solidFill>
+              </a:rPr>
+              <a:t> </a:t>
+            </a:r>
+            <a:r>
+              <a:rPr lang="en-US" dirty="0">
+                <a:solidFill>
+                  <a:srgbClr val="824040">
+                    <a:alpha val="50000"/>
+                  </a:srgbClr>
+                </a:solidFill>
+              </a:rPr>
+              <a:t>Password and Account </a:t>
+            </a:r>
+            <a:r>
+              <a:rPr lang="en-US" dirty="0">
+                <a:solidFill>
+                  <a:srgbClr val="F5F5F5">
+                    <a:alpha val="50000"/>
+                  </a:srgbClr>
+                </a:solidFill>
+              </a:rPr>
+              <a:t>Recovery</a:t>
+            </a:r>
+          </a:p>
+          <a:p>
+            <a:r>
+              <a:rPr lang="en-US" dirty="0" smtClean="0">
+                <a:solidFill>
+                  <a:srgbClr val="824040">
+                    <a:alpha val="50000"/>
+                  </a:srgbClr>
+                </a:solidFill>
+              </a:rPr>
+              <a:t> Adding</a:t>
+            </a:r>
+            <a:r>
+              <a:rPr lang="en-US" dirty="0">
+                <a:solidFill>
+                  <a:srgbClr val="824040">
+                    <a:alpha val="50000"/>
+                  </a:srgbClr>
+                </a:solidFill>
+              </a:rPr>
+              <a:t>, Editing, and Deleting </a:t>
+            </a:r>
+            <a:r>
+              <a:rPr lang="en-US" dirty="0" smtClean="0">
+                <a:solidFill>
+                  <a:srgbClr val="F5F5F5">
+                    <a:alpha val="50000"/>
+                  </a:srgbClr>
+                </a:solidFill>
+              </a:rPr>
+              <a:t>URLs</a:t>
+            </a:r>
+          </a:p>
+          <a:p>
+            <a:r>
+              <a:rPr lang="en-US" dirty="0" smtClean="0">
+                <a:solidFill>
+                  <a:srgbClr val="824040">
+                    <a:alpha val="50000"/>
+                  </a:srgbClr>
+                </a:solidFill>
+              </a:rPr>
+              <a:t> </a:t>
+            </a:r>
+            <a:r>
+              <a:rPr lang="en-US" dirty="0" smtClean="0">
+                <a:solidFill>
+                  <a:srgbClr val="F5F5F5">
+                    <a:alpha val="50000"/>
+                  </a:srgbClr>
+                </a:solidFill>
+              </a:rPr>
+              <a:t>Searching</a:t>
+            </a:r>
+            <a:r>
+              <a:rPr lang="en-US" dirty="0" smtClean="0">
+                <a:solidFill>
+                  <a:srgbClr val="824040">
+                    <a:alpha val="50000"/>
+                  </a:srgbClr>
+                </a:solidFill>
+              </a:rPr>
+              <a:t> </a:t>
+            </a:r>
+            <a:r>
+              <a:rPr lang="en-US" dirty="0">
+                <a:solidFill>
+                  <a:srgbClr val="824040">
+                    <a:alpha val="50000"/>
+                  </a:srgbClr>
+                </a:solidFill>
+              </a:rPr>
+              <a:t>for </a:t>
+            </a:r>
+            <a:r>
+              <a:rPr lang="en-US" dirty="0" smtClean="0">
+                <a:solidFill>
+                  <a:srgbClr val="824040">
+                    <a:alpha val="50000"/>
+                  </a:srgbClr>
+                </a:solidFill>
+              </a:rPr>
+              <a:t>Updates</a:t>
+            </a:r>
+          </a:p>
+          <a:p>
+            <a:r>
+              <a:rPr lang="en-US" dirty="0" smtClean="0">
+                <a:solidFill>
+                  <a:srgbClr val="824040">
+                    <a:alpha val="50000"/>
+                  </a:srgbClr>
+                </a:solidFill>
+              </a:rPr>
+              <a:t> </a:t>
+            </a:r>
+            <a:r>
+              <a:rPr lang="en-US" dirty="0">
+                <a:solidFill>
+                  <a:srgbClr val="F5F5F5"/>
+                </a:solidFill>
+              </a:rPr>
+              <a:t>Updating</a:t>
+            </a:r>
+            <a:r>
+              <a:rPr lang="en-US" dirty="0"/>
+              <a:t> the Database</a:t>
+            </a:r>
+            <a:r>
+              <a:rPr lang="en-US" dirty="0" smtClean="0">
+                <a:solidFill>
+                  <a:srgbClr val="824040">
+                    <a:alpha val="50000"/>
+                  </a:srgbClr>
+                </a:solidFill>
+              </a:rPr>
+              <a:t> </a:t>
+            </a:r>
+            <a:r>
+              <a:rPr lang="en-US" dirty="0">
+                <a:solidFill>
+                  <a:srgbClr val="824040">
+                    <a:alpha val="50000"/>
+                  </a:srgbClr>
+                </a:solidFill>
+              </a:rPr>
+              <a:t>and </a:t>
+            </a:r>
+            <a:r>
+              <a:rPr lang="en-US" dirty="0">
+                <a:solidFill>
+                  <a:srgbClr val="F5F5F5">
+                    <a:alpha val="50000"/>
+                  </a:srgbClr>
+                </a:solidFill>
+              </a:rPr>
+              <a:t>Sending</a:t>
+            </a:r>
+            <a:r>
+              <a:rPr lang="en-US" dirty="0">
+                <a:solidFill>
+                  <a:srgbClr val="824040">
+                    <a:alpha val="50000"/>
+                  </a:srgbClr>
+                </a:solidFill>
+              </a:rPr>
+              <a:t> Emails</a:t>
+            </a:r>
+          </a:p>
+        </p:txBody>
+      </p:sp>
+    </p:spTree>
+    <p:extLst>
+      <p:ext uri="{BB962C8B-B14F-4D97-AF65-F5344CB8AC3E}">
+        <p14:creationId xmlns:p14="http://schemas.microsoft.com/office/powerpoint/2010/main" val="3987627475"/>
+      </p:ext>
+    </p:extLst>
+  </p:cSld>
+  <p:clrMapOvr>
+    <a:masterClrMapping/>
+  </p:clrMapOvr>
+  <p:timing>
+    <p:tnLst>
+      <p:par>
+        <p:cTn id="1" dur="indefinite" restart="never" nodeType="tmRoot"/>
+      </p:par>
+    </p:tnLst>
+  </p:timing>
+</p:sld>
+</file>
+
+<file path=ppt/slides/slide22.xml><?xml version="1.0" encoding="utf-8"?>
+<p:sld xmlns:a="http://schemas.openxmlformats.org/drawingml/2006/main" xmlns:r="http://schemas.openxmlformats.org/officeDocument/2006/relationships" xmlns:p="http://schemas.openxmlformats.org/presentationml/2006/main">
+  <p:cSld>
+    <p:spTree>
+      <p:nvGrpSpPr>
+        <p:cNvPr id="1" name=""/>
+        <p:cNvGrpSpPr/>
+        <p:nvPr/>
+      </p:nvGrpSpPr>
+      <p:grpSpPr>
+        <a:xfrm>
+          <a:off x="0" y="0"/>
+          <a:ext cx="0" cy="0"/>
+          <a:chOff x="0" y="0"/>
+          <a:chExt cx="0" cy="0"/>
+        </a:xfrm>
+      </p:grpSpPr>
+      <p:sp>
+        <p:nvSpPr>
+          <p:cNvPr id="2" name="Title 1"/>
+          <p:cNvSpPr>
+            <a:spLocks noGrp="1"/>
+          </p:cNvSpPr>
+          <p:nvPr>
+            <p:ph type="title"/>
+          </p:nvPr>
+        </p:nvSpPr>
+        <p:spPr/>
+        <p:txBody>
+          <a:bodyPr/>
+          <a:lstStyle/>
+          <a:p>
+            <a:pPr algn="ctr"/>
+            <a:r>
+              <a:rPr lang="en-US" dirty="0">
+                <a:solidFill>
+                  <a:srgbClr val="F5F5F5"/>
+                </a:solidFill>
+              </a:rPr>
+              <a:t>Updating</a:t>
+            </a:r>
+            <a:r>
+              <a:rPr lang="en-US" dirty="0"/>
+              <a:t> the Database</a:t>
+            </a:r>
+          </a:p>
+        </p:txBody>
+      </p:sp>
+      <p:sp>
+        <p:nvSpPr>
+          <p:cNvPr id="3" name="Content Placeholder 2"/>
+          <p:cNvSpPr>
+            <a:spLocks noGrp="1"/>
+          </p:cNvSpPr>
+          <p:nvPr>
+            <p:ph idx="1"/>
+          </p:nvPr>
+        </p:nvSpPr>
+        <p:spPr/>
+        <p:txBody>
+          <a:bodyPr/>
+          <a:lstStyle/>
+          <a:p>
+            <a:endParaRPr lang="en-US"/>
+          </a:p>
+        </p:txBody>
+      </p:sp>
+    </p:spTree>
+    <p:extLst>
+      <p:ext uri="{BB962C8B-B14F-4D97-AF65-F5344CB8AC3E}">
+        <p14:creationId xmlns:p14="http://schemas.microsoft.com/office/powerpoint/2010/main" val="2748990136"/>
+      </p:ext>
+    </p:extLst>
+  </p:cSld>
+  <p:clrMapOvr>
+    <a:masterClrMapping/>
+  </p:clrMapOvr>
+  <p:timing>
+    <p:tnLst>
+      <p:par>
+        <p:cTn id="1" dur="indefinite" restart="never" nodeType="tmRoot"/>
+      </p:par>
+    </p:tnLst>
+  </p:timing>
+</p:sld>
+</file>
+
+<file path=ppt/slides/slide23.xml><?xml version="1.0" encoding="utf-8"?>
+<p:sld xmlns:a="http://schemas.openxmlformats.org/drawingml/2006/main" xmlns:r="http://schemas.openxmlformats.org/officeDocument/2006/relationships" xmlns:p="http://schemas.openxmlformats.org/presentationml/2006/main">
+  <p:cSld>
+    <p:spTree>
+      <p:nvGrpSpPr>
+        <p:cNvPr id="1" name=""/>
+        <p:cNvGrpSpPr/>
+        <p:nvPr/>
+      </p:nvGrpSpPr>
+      <p:grpSpPr>
+        <a:xfrm>
+          <a:off x="0" y="0"/>
+          <a:ext cx="0" cy="0"/>
+          <a:chOff x="0" y="0"/>
+          <a:chExt cx="0" cy="0"/>
+        </a:xfrm>
+      </p:grpSpPr>
+      <p:sp>
+        <p:nvSpPr>
+          <p:cNvPr id="2" name="Title 1">
+            <a:extLst>
+              <a:ext uri="{FF2B5EF4-FFF2-40B4-BE49-F238E27FC236}">
+                <a16:creationId xmlns:a16="http://schemas.microsoft.com/office/drawing/2014/main" xmlns="" id="{259D0B7C-1D18-4B9B-9686-41CD01222471}"/>
+              </a:ext>
+            </a:extLst>
+          </p:cNvPr>
+          <p:cNvSpPr>
+            <a:spLocks noGrp="1"/>
+          </p:cNvSpPr>
+          <p:nvPr>
+            <p:ph type="title"/>
+          </p:nvPr>
+        </p:nvSpPr>
+        <p:spPr/>
+        <p:txBody>
+          <a:bodyPr/>
+          <a:lstStyle/>
+          <a:p>
+            <a:pPr algn="ctr"/>
+            <a:r>
+              <a:rPr lang="en-US" dirty="0"/>
+              <a:t>How do we do it?</a:t>
+            </a:r>
+          </a:p>
+        </p:txBody>
+      </p:sp>
+      <p:sp>
+        <p:nvSpPr>
+          <p:cNvPr id="3" name="Content Placeholder 2">
+            <a:extLst>
+              <a:ext uri="{FF2B5EF4-FFF2-40B4-BE49-F238E27FC236}">
+                <a16:creationId xmlns:a16="http://schemas.microsoft.com/office/drawing/2014/main" xmlns="" id="{7171011C-A762-4A01-8962-0A7436AA633E}"/>
+              </a:ext>
+            </a:extLst>
+          </p:cNvPr>
+          <p:cNvSpPr>
+            <a:spLocks noGrp="1"/>
+          </p:cNvSpPr>
+          <p:nvPr>
+            <p:ph idx="1"/>
+          </p:nvPr>
+        </p:nvSpPr>
+        <p:spPr/>
+        <p:txBody>
+          <a:bodyPr/>
+          <a:lstStyle/>
+          <a:p>
+            <a:r>
+              <a:rPr lang="en-US" dirty="0" smtClean="0">
+                <a:solidFill>
+                  <a:srgbClr val="824040">
+                    <a:alpha val="50000"/>
+                  </a:srgbClr>
+                </a:solidFill>
+              </a:rPr>
+              <a:t> </a:t>
+            </a:r>
+            <a:r>
+              <a:rPr lang="en-US" dirty="0" smtClean="0">
+                <a:solidFill>
+                  <a:srgbClr val="F5F5F5">
+                    <a:alpha val="50000"/>
+                  </a:srgbClr>
+                </a:solidFill>
+              </a:rPr>
+              <a:t>Database</a:t>
+            </a:r>
+            <a:r>
+              <a:rPr lang="en-US" dirty="0" smtClean="0">
+                <a:solidFill>
+                  <a:srgbClr val="824040">
+                    <a:alpha val="50000"/>
+                  </a:srgbClr>
+                </a:solidFill>
+              </a:rPr>
+              <a:t> Design</a:t>
+            </a:r>
+            <a:endParaRPr lang="en-US" dirty="0" smtClean="0">
+              <a:solidFill>
+                <a:srgbClr val="824040">
+                  <a:alpha val="50000"/>
+                </a:srgbClr>
+              </a:solidFill>
+            </a:endParaRPr>
+          </a:p>
+          <a:p>
+            <a:r>
+              <a:rPr lang="en-US" dirty="0" smtClean="0">
+                <a:solidFill>
+                  <a:srgbClr val="824040">
+                    <a:alpha val="50000"/>
+                  </a:srgbClr>
+                </a:solidFill>
+              </a:rPr>
+              <a:t> Account </a:t>
+            </a:r>
+            <a:r>
+              <a:rPr lang="en-US" dirty="0">
+                <a:solidFill>
+                  <a:srgbClr val="F5F5F5">
+                    <a:alpha val="50000"/>
+                  </a:srgbClr>
+                </a:solidFill>
+              </a:rPr>
+              <a:t>Creation</a:t>
+            </a:r>
+            <a:r>
+              <a:rPr lang="en-US" dirty="0">
+                <a:solidFill>
+                  <a:srgbClr val="824040">
+                    <a:alpha val="50000"/>
+                  </a:srgbClr>
+                </a:solidFill>
+              </a:rPr>
+              <a:t>, Logging </a:t>
+            </a:r>
+            <a:r>
+              <a:rPr lang="en-US" dirty="0">
+                <a:solidFill>
+                  <a:srgbClr val="F5F5F5">
+                    <a:alpha val="50000"/>
+                  </a:srgbClr>
+                </a:solidFill>
+              </a:rPr>
+              <a:t>In</a:t>
+            </a:r>
+            <a:r>
+              <a:rPr lang="en-US" dirty="0">
+                <a:solidFill>
+                  <a:srgbClr val="824040">
+                    <a:alpha val="50000"/>
+                  </a:srgbClr>
+                </a:solidFill>
+              </a:rPr>
+              <a:t>, and Logging </a:t>
+            </a:r>
+            <a:r>
+              <a:rPr lang="en-US" dirty="0" smtClean="0">
+                <a:solidFill>
+                  <a:srgbClr val="F5F5F5">
+                    <a:alpha val="50000"/>
+                  </a:srgbClr>
+                </a:solidFill>
+              </a:rPr>
+              <a:t>Out</a:t>
+            </a:r>
+          </a:p>
+          <a:p>
+            <a:r>
+              <a:rPr lang="en-US" dirty="0">
+                <a:solidFill>
+                  <a:srgbClr val="824040">
+                    <a:alpha val="50000"/>
+                  </a:srgbClr>
+                </a:solidFill>
+              </a:rPr>
+              <a:t> </a:t>
+            </a:r>
+            <a:r>
+              <a:rPr lang="en-US" dirty="0" smtClean="0">
+                <a:solidFill>
+                  <a:srgbClr val="F5F5F5">
+                    <a:alpha val="50000"/>
+                  </a:srgbClr>
+                </a:solidFill>
+              </a:rPr>
+              <a:t>Changing</a:t>
+            </a:r>
+            <a:r>
+              <a:rPr lang="en-US" dirty="0" smtClean="0">
+                <a:solidFill>
+                  <a:srgbClr val="824040">
+                    <a:alpha val="50000"/>
+                  </a:srgbClr>
+                </a:solidFill>
+              </a:rPr>
+              <a:t> </a:t>
+            </a:r>
+            <a:r>
+              <a:rPr lang="en-US" dirty="0">
+                <a:solidFill>
+                  <a:srgbClr val="824040">
+                    <a:alpha val="50000"/>
+                  </a:srgbClr>
+                </a:solidFill>
+              </a:rPr>
+              <a:t>Password and Account </a:t>
+            </a:r>
+            <a:r>
+              <a:rPr lang="en-US" dirty="0">
+                <a:solidFill>
+                  <a:srgbClr val="F5F5F5">
+                    <a:alpha val="50000"/>
+                  </a:srgbClr>
+                </a:solidFill>
+              </a:rPr>
+              <a:t>Recovery</a:t>
+            </a:r>
+          </a:p>
+          <a:p>
+            <a:r>
+              <a:rPr lang="en-US" dirty="0" smtClean="0">
+                <a:solidFill>
+                  <a:srgbClr val="824040">
+                    <a:alpha val="50000"/>
+                  </a:srgbClr>
+                </a:solidFill>
+              </a:rPr>
+              <a:t> Adding</a:t>
+            </a:r>
+            <a:r>
+              <a:rPr lang="en-US" dirty="0">
+                <a:solidFill>
+                  <a:srgbClr val="824040">
+                    <a:alpha val="50000"/>
+                  </a:srgbClr>
+                </a:solidFill>
+              </a:rPr>
+              <a:t>, Editing, and Deleting </a:t>
+            </a:r>
+            <a:r>
+              <a:rPr lang="en-US" dirty="0" smtClean="0">
+                <a:solidFill>
+                  <a:srgbClr val="F5F5F5">
+                    <a:alpha val="50000"/>
+                  </a:srgbClr>
+                </a:solidFill>
+              </a:rPr>
+              <a:t>URLs</a:t>
+            </a:r>
+          </a:p>
+          <a:p>
+            <a:r>
+              <a:rPr lang="en-US" dirty="0" smtClean="0">
+                <a:solidFill>
+                  <a:srgbClr val="824040">
+                    <a:alpha val="50000"/>
+                  </a:srgbClr>
+                </a:solidFill>
+              </a:rPr>
+              <a:t> </a:t>
+            </a:r>
+            <a:r>
+              <a:rPr lang="en-US" dirty="0" smtClean="0">
+                <a:solidFill>
+                  <a:srgbClr val="F5F5F5">
+                    <a:alpha val="50000"/>
+                  </a:srgbClr>
+                </a:solidFill>
+              </a:rPr>
+              <a:t>Searching</a:t>
+            </a:r>
+            <a:r>
+              <a:rPr lang="en-US" dirty="0" smtClean="0">
+                <a:solidFill>
+                  <a:srgbClr val="824040">
+                    <a:alpha val="50000"/>
+                  </a:srgbClr>
+                </a:solidFill>
+              </a:rPr>
+              <a:t> </a:t>
+            </a:r>
+            <a:r>
+              <a:rPr lang="en-US" dirty="0">
+                <a:solidFill>
+                  <a:srgbClr val="824040">
+                    <a:alpha val="50000"/>
+                  </a:srgbClr>
+                </a:solidFill>
+              </a:rPr>
+              <a:t>for </a:t>
+            </a:r>
+            <a:r>
+              <a:rPr lang="en-US" dirty="0" smtClean="0">
+                <a:solidFill>
+                  <a:srgbClr val="824040">
+                    <a:alpha val="50000"/>
+                  </a:srgbClr>
+                </a:solidFill>
+              </a:rPr>
+              <a:t>Updates</a:t>
+            </a:r>
+          </a:p>
+          <a:p>
+            <a:r>
+              <a:rPr lang="en-US" dirty="0" smtClean="0">
+                <a:solidFill>
+                  <a:srgbClr val="824040">
+                    <a:alpha val="50000"/>
+                  </a:srgbClr>
+                </a:solidFill>
+              </a:rPr>
+              <a:t> </a:t>
+            </a:r>
+            <a:r>
+              <a:rPr lang="en-US" dirty="0" smtClean="0">
+                <a:solidFill>
+                  <a:srgbClr val="F5F5F5">
+                    <a:alpha val="50000"/>
+                  </a:srgbClr>
+                </a:solidFill>
+              </a:rPr>
+              <a:t>Updating</a:t>
+            </a:r>
+            <a:r>
+              <a:rPr lang="en-US" dirty="0" smtClean="0">
+                <a:solidFill>
+                  <a:srgbClr val="824040">
+                    <a:alpha val="50000"/>
+                  </a:srgbClr>
+                </a:solidFill>
+              </a:rPr>
+              <a:t> </a:t>
+            </a:r>
+            <a:r>
+              <a:rPr lang="en-US" dirty="0">
+                <a:solidFill>
+                  <a:srgbClr val="824040">
+                    <a:alpha val="50000"/>
+                  </a:srgbClr>
+                </a:solidFill>
+              </a:rPr>
+              <a:t>the Database and </a:t>
+            </a:r>
+            <a:r>
+              <a:rPr lang="en-US" dirty="0">
+                <a:solidFill>
+                  <a:srgbClr val="F5F5F5"/>
+                </a:solidFill>
+              </a:rPr>
+              <a:t>Sending</a:t>
+            </a:r>
+            <a:r>
+              <a:rPr lang="en-US" dirty="0"/>
+              <a:t> Emails</a:t>
+            </a:r>
+            <a:endParaRPr lang="en-US" dirty="0">
+              <a:solidFill>
+                <a:srgbClr val="824040">
+                  <a:alpha val="50000"/>
+                </a:srgbClr>
+              </a:solidFill>
+            </a:endParaRPr>
+          </a:p>
+        </p:txBody>
+      </p:sp>
+    </p:spTree>
+    <p:extLst>
+      <p:ext uri="{BB962C8B-B14F-4D97-AF65-F5344CB8AC3E}">
+        <p14:creationId xmlns:p14="http://schemas.microsoft.com/office/powerpoint/2010/main" val="2737484372"/>
+      </p:ext>
+    </p:extLst>
+  </p:cSld>
+  <p:clrMapOvr>
+    <a:masterClrMapping/>
+  </p:clrMapOvr>
+  <p:timing>
+    <p:tnLst>
+      <p:par>
+        <p:cTn id="1" dur="indefinite" restart="never" nodeType="tmRoot"/>
+      </p:par>
+    </p:tnLst>
+  </p:timing>
+</p:sld>
+</file>
+
+<file path=ppt/slides/slide24.xml><?xml version="1.0" encoding="utf-8"?>
+<p:sld xmlns:a="http://schemas.openxmlformats.org/drawingml/2006/main" xmlns:r="http://schemas.openxmlformats.org/officeDocument/2006/relationships" xmlns:p="http://schemas.openxmlformats.org/presentationml/2006/main">
+  <p:cSld>
+    <p:spTree>
+      <p:nvGrpSpPr>
+        <p:cNvPr id="1" name=""/>
+        <p:cNvGrpSpPr/>
+        <p:nvPr/>
+      </p:nvGrpSpPr>
+      <p:grpSpPr>
+        <a:xfrm>
+          <a:off x="0" y="0"/>
+          <a:ext cx="0" cy="0"/>
+          <a:chOff x="0" y="0"/>
+          <a:chExt cx="0" cy="0"/>
+        </a:xfrm>
+      </p:grpSpPr>
+      <p:sp>
+        <p:nvSpPr>
+          <p:cNvPr id="2" name="Title 1"/>
+          <p:cNvSpPr>
+            <a:spLocks noGrp="1"/>
+          </p:cNvSpPr>
+          <p:nvPr>
+            <p:ph type="title"/>
+          </p:nvPr>
+        </p:nvSpPr>
+        <p:spPr/>
+        <p:txBody>
+          <a:bodyPr/>
+          <a:lstStyle/>
+          <a:p>
+            <a:pPr algn="ctr"/>
+            <a:r>
+              <a:rPr lang="en-US" dirty="0">
+                <a:solidFill>
+                  <a:srgbClr val="F5F5F5"/>
+                </a:solidFill>
+              </a:rPr>
+              <a:t>Sending</a:t>
+            </a:r>
+            <a:r>
+              <a:rPr lang="en-US" dirty="0"/>
+              <a:t> Emails</a:t>
+            </a:r>
+          </a:p>
+        </p:txBody>
+      </p:sp>
+      <p:sp>
+        <p:nvSpPr>
+          <p:cNvPr id="3" name="Content Placeholder 2"/>
+          <p:cNvSpPr>
+            <a:spLocks noGrp="1"/>
+          </p:cNvSpPr>
+          <p:nvPr>
+            <p:ph idx="1"/>
+          </p:nvPr>
+        </p:nvSpPr>
+        <p:spPr/>
+        <p:txBody>
+          <a:bodyPr/>
+          <a:lstStyle/>
+          <a:p>
+            <a:endParaRPr lang="en-US"/>
+          </a:p>
+        </p:txBody>
+      </p:sp>
+    </p:spTree>
+    <p:extLst>
+      <p:ext uri="{BB962C8B-B14F-4D97-AF65-F5344CB8AC3E}">
+        <p14:creationId xmlns:p14="http://schemas.microsoft.com/office/powerpoint/2010/main" val="148493754"/>
+      </p:ext>
+    </p:extLst>
+  </p:cSld>
+  <p:clrMapOvr>
+    <a:masterClrMapping/>
+  </p:clrMapOvr>
+  <p:timing>
+    <p:tnLst>
+      <p:par>
+        <p:cTn id="1" dur="indefinite" restart="never" nodeType="tmRoot"/>
+      </p:par>
+    </p:tnLst>
+  </p:timing>
+</p:sld>
+</file>
+
+<file path=ppt/slides/slide25.xml><?xml version="1.0" encoding="utf-8"?>
+<p:sld xmlns:a="http://schemas.openxmlformats.org/drawingml/2006/main" xmlns:r="http://schemas.openxmlformats.org/officeDocument/2006/relationships" xmlns:p="http://schemas.openxmlformats.org/presentationml/2006/main">
+  <p:cSld>
+    <p:spTree>
+      <p:nvGrpSpPr>
+        <p:cNvPr id="1" name=""/>
+        <p:cNvGrpSpPr/>
+        <p:nvPr/>
+      </p:nvGrpSpPr>
+      <p:grpSpPr>
+        <a:xfrm>
+          <a:off x="0" y="0"/>
+          <a:ext cx="0" cy="0"/>
+          <a:chOff x="0" y="0"/>
+          <a:chExt cx="0" cy="0"/>
+        </a:xfrm>
+      </p:grpSpPr>
+      <p:sp>
+        <p:nvSpPr>
+          <p:cNvPr id="2" name="Title 1">
+            <a:extLst>
+              <a:ext uri="{FF2B5EF4-FFF2-40B4-BE49-F238E27FC236}">
+                <a16:creationId xmlns:a16="http://schemas.microsoft.com/office/drawing/2014/main" xmlns="" id="{A0EFC9D0-35F5-483E-86FE-4B2083D4CCE8}"/>
+              </a:ext>
+            </a:extLst>
+          </p:cNvPr>
+          <p:cNvSpPr>
+            <a:spLocks noGrp="1"/>
+          </p:cNvSpPr>
+          <p:nvPr>
+            <p:ph type="title"/>
+          </p:nvPr>
+        </p:nvSpPr>
+        <p:spPr/>
+        <p:txBody>
+          <a:bodyPr/>
+          <a:lstStyle/>
+          <a:p>
+            <a:pPr algn="ctr"/>
+            <a:r>
+              <a:rPr lang="en-US" dirty="0"/>
+              <a:t>The Tools We Used</a:t>
+            </a:r>
+          </a:p>
+        </p:txBody>
+      </p:sp>
+      <p:sp>
+        <p:nvSpPr>
+          <p:cNvPr id="3" name="Content Placeholder 2">
+            <a:extLst>
+              <a:ext uri="{FF2B5EF4-FFF2-40B4-BE49-F238E27FC236}">
+                <a16:creationId xmlns:a16="http://schemas.microsoft.com/office/drawing/2014/main" xmlns="" id="{323EF7F1-8AC4-4144-AEE5-821E1DE879E1}"/>
+              </a:ext>
+            </a:extLst>
+          </p:cNvPr>
+          <p:cNvSpPr>
+            <a:spLocks noGrp="1"/>
+          </p:cNvSpPr>
+          <p:nvPr>
+            <p:ph idx="1"/>
+          </p:nvPr>
+        </p:nvSpPr>
+        <p:spPr/>
+        <p:txBody>
+          <a:bodyPr/>
+          <a:lstStyle/>
+          <a:p>
+            <a:r>
+              <a:rPr lang="en-US" dirty="0" smtClean="0"/>
+              <a:t> </a:t>
+            </a:r>
+            <a:r>
+              <a:rPr lang="en-US" dirty="0" smtClean="0">
+                <a:solidFill>
+                  <a:srgbClr val="F5F5F5"/>
+                </a:solidFill>
+              </a:rPr>
+              <a:t>XAMPP</a:t>
+            </a:r>
+            <a:r>
+              <a:rPr lang="en-US" dirty="0" smtClean="0"/>
+              <a:t> </a:t>
+            </a:r>
+            <a:r>
+              <a:rPr lang="en-US" dirty="0"/>
+              <a:t>(Cross-platform, Apache, </a:t>
+            </a:r>
+            <a:r>
+              <a:rPr lang="en-US" dirty="0" err="1"/>
+              <a:t>MariaDB</a:t>
+            </a:r>
+            <a:r>
+              <a:rPr lang="en-US" dirty="0"/>
+              <a:t>, PHP, and Perl)</a:t>
+            </a:r>
+          </a:p>
+          <a:p>
+            <a:endParaRPr lang="en-US" dirty="0"/>
+          </a:p>
+          <a:p>
+            <a:r>
+              <a:rPr lang="en-US" dirty="0" smtClean="0"/>
+              <a:t> Apache </a:t>
+            </a:r>
+            <a:r>
+              <a:rPr lang="en-US" dirty="0"/>
+              <a:t>for </a:t>
+            </a:r>
+            <a:r>
+              <a:rPr lang="en-US" dirty="0">
+                <a:solidFill>
+                  <a:srgbClr val="F5F5F5"/>
+                </a:solidFill>
+              </a:rPr>
+              <a:t>Server</a:t>
+            </a:r>
+          </a:p>
+          <a:p>
+            <a:endParaRPr lang="en-US" dirty="0"/>
+          </a:p>
+          <a:p>
+            <a:r>
+              <a:rPr lang="en-US" dirty="0" smtClean="0"/>
+              <a:t> HTML</a:t>
+            </a:r>
+            <a:r>
+              <a:rPr lang="en-US" dirty="0"/>
+              <a:t>, MySQL, PHP, and CSS for the </a:t>
+            </a:r>
+            <a:r>
+              <a:rPr lang="en-US" dirty="0">
+                <a:solidFill>
+                  <a:srgbClr val="F5F5F5"/>
+                </a:solidFill>
+              </a:rPr>
+              <a:t>Website</a:t>
+            </a:r>
+          </a:p>
+          <a:p>
+            <a:endParaRPr lang="en-US" dirty="0"/>
+          </a:p>
+          <a:p>
+            <a:r>
+              <a:rPr lang="en-US" dirty="0" smtClean="0"/>
+              <a:t> </a:t>
+            </a:r>
+            <a:r>
+              <a:rPr lang="en-US" dirty="0" err="1" smtClean="0"/>
+              <a:t>PHPMyAdmin</a:t>
+            </a:r>
+            <a:r>
+              <a:rPr lang="en-US" dirty="0" smtClean="0"/>
+              <a:t> </a:t>
+            </a:r>
+            <a:r>
+              <a:rPr lang="en-US" dirty="0"/>
+              <a:t>for Front-End </a:t>
+            </a:r>
+            <a:r>
+              <a:rPr lang="en-US" dirty="0">
+                <a:solidFill>
+                  <a:srgbClr val="F5F5F5"/>
+                </a:solidFill>
+              </a:rPr>
+              <a:t>Database GUI</a:t>
+            </a:r>
+          </a:p>
+          <a:p>
+            <a:endParaRPr lang="en-US" dirty="0"/>
+          </a:p>
+        </p:txBody>
+      </p:sp>
+    </p:spTree>
+    <p:extLst>
+      <p:ext uri="{BB962C8B-B14F-4D97-AF65-F5344CB8AC3E}">
+        <p14:creationId xmlns:p14="http://schemas.microsoft.com/office/powerpoint/2010/main" val="1621738832"/>
+      </p:ext>
+    </p:extLst>
+  </p:cSld>
+  <p:clrMapOvr>
+    <a:masterClrMapping/>
+  </p:clrMapOvr>
+  <p:timing>
+    <p:tnLst>
+      <p:par>
+        <p:cTn id="1" dur="indefinite" restart="never" nodeType="tmRoot"/>
+      </p:par>
+    </p:tnLst>
+  </p:timing>
+</p:sld>
+</file>
+
+<file path=ppt/slides/slide26.xml><?xml version="1.0" encoding="utf-8"?>
+<p:sld xmlns:a="http://schemas.openxmlformats.org/drawingml/2006/main" xmlns:r="http://schemas.openxmlformats.org/officeDocument/2006/relationships" xmlns:p="http://schemas.openxmlformats.org/presentationml/2006/main">
+  <p:cSld>
+    <p:spTree>
+      <p:nvGrpSpPr>
+        <p:cNvPr id="1" name=""/>
+        <p:cNvGrpSpPr/>
+        <p:nvPr/>
+      </p:nvGrpSpPr>
+      <p:grpSpPr>
+        <a:xfrm>
+          <a:off x="0" y="0"/>
+          <a:ext cx="0" cy="0"/>
+          <a:chOff x="0" y="0"/>
+          <a:chExt cx="0" cy="0"/>
+        </a:xfrm>
+      </p:grpSpPr>
+      <p:sp>
+        <p:nvSpPr>
           <p:cNvPr id="9" name="Rectangle 8">
             <a:extLst>
               <a:ext uri="{FF2B5EF4-FFF2-40B4-BE49-F238E27FC236}">
-                <a16:creationId xmlns:a16="http://schemas.microsoft.com/office/drawing/2014/main" id="{A4AC5506-6312-4701-8D3C-40187889A947}"/>
+                <a16:creationId xmlns:a16="http://schemas.microsoft.com/office/drawing/2014/main" xmlns="" id="{A4AC5506-6312-4701-8D3C-40187889A947}"/>
               </a:ext>
             </a:extLst>
           </p:cNvPr>
@@ -4018,7 +7086,7 @@
           <p:nvPr>
             <p:extLst>
               <p:ext uri="{386F3935-93C4-4BCD-93E2-E3B085C9AB24}">
-                <p16:designElem xmlns:p16="http://schemas.microsoft.com/office/powerpoint/2015/main" val="1"/>
+                <p16:designElem xmlns:p16="http://schemas.microsoft.com/office/powerpoint/2015/main" xmlns="" val="1"/>
               </p:ext>
             </p:extLst>
           </p:nvPr>
@@ -4070,7 +7138,7 @@
           <p:cNvPr id="4" name="Content Placeholder 3">
             <a:extLst>
               <a:ext uri="{FF2B5EF4-FFF2-40B4-BE49-F238E27FC236}">
-                <a16:creationId xmlns:a16="http://schemas.microsoft.com/office/drawing/2014/main" id="{8DB778F2-E62C-431C-AB5C-C95A5E966A35}"/>
+                <a16:creationId xmlns:a16="http://schemas.microsoft.com/office/drawing/2014/main" xmlns="" id="{8DB778F2-E62C-431C-AB5C-C95A5E966A35}"/>
               </a:ext>
             </a:extLst>
           </p:cNvPr>
@@ -4102,7 +7170,7 @@
           <p:cNvPr id="2" name="Title 1">
             <a:extLst>
               <a:ext uri="{FF2B5EF4-FFF2-40B4-BE49-F238E27FC236}">
-                <a16:creationId xmlns:a16="http://schemas.microsoft.com/office/drawing/2014/main" id="{99C8C8EE-289C-4B9D-AE46-EAE4F3CEB2EE}"/>
+                <a16:creationId xmlns:a16="http://schemas.microsoft.com/office/drawing/2014/main" xmlns="" id="{99C8C8EE-289C-4B9D-AE46-EAE4F3CEB2EE}"/>
               </a:ext>
             </a:extLst>
           </p:cNvPr>
@@ -4164,7 +7232,7 @@
           <p:cNvPr id="7" name="Straight Arrow Connector 6">
             <a:extLst>
               <a:ext uri="{FF2B5EF4-FFF2-40B4-BE49-F238E27FC236}">
-                <a16:creationId xmlns:a16="http://schemas.microsoft.com/office/drawing/2014/main" id="{32652254-0F18-49F4-97E2-7E449140EE5C}"/>
+                <a16:creationId xmlns:a16="http://schemas.microsoft.com/office/drawing/2014/main" xmlns="" id="{32652254-0F18-49F4-97E2-7E449140EE5C}"/>
               </a:ext>
             </a:extLst>
           </p:cNvPr>
@@ -4205,7 +7273,7 @@
           <p:cNvPr id="10" name="Straight Arrow Connector 9">
             <a:extLst>
               <a:ext uri="{FF2B5EF4-FFF2-40B4-BE49-F238E27FC236}">
-                <a16:creationId xmlns:a16="http://schemas.microsoft.com/office/drawing/2014/main" id="{56724CE6-E70B-4E1B-B8A3-8AB76323C576}"/>
+                <a16:creationId xmlns:a16="http://schemas.microsoft.com/office/drawing/2014/main" xmlns="" id="{56724CE6-E70B-4E1B-B8A3-8AB76323C576}"/>
               </a:ext>
             </a:extLst>
           </p:cNvPr>
@@ -4246,7 +7314,7 @@
           <p:cNvPr id="13" name="Straight Arrow Connector 12">
             <a:extLst>
               <a:ext uri="{FF2B5EF4-FFF2-40B4-BE49-F238E27FC236}">
-                <a16:creationId xmlns:a16="http://schemas.microsoft.com/office/drawing/2014/main" id="{26E3BA7C-8B5C-483D-A705-96552F0BEE06}"/>
+                <a16:creationId xmlns:a16="http://schemas.microsoft.com/office/drawing/2014/main" xmlns="" id="{26E3BA7C-8B5C-483D-A705-96552F0BEE06}"/>
               </a:ext>
             </a:extLst>
           </p:cNvPr>
@@ -4290,7 +7358,7 @@
           <p:cNvPr id="15" name="Straight Arrow Connector 14">
             <a:extLst>
               <a:ext uri="{FF2B5EF4-FFF2-40B4-BE49-F238E27FC236}">
-                <a16:creationId xmlns:a16="http://schemas.microsoft.com/office/drawing/2014/main" id="{05C11018-9C22-4371-BEDE-2B0C0B415095}"/>
+                <a16:creationId xmlns:a16="http://schemas.microsoft.com/office/drawing/2014/main" xmlns="" id="{05C11018-9C22-4371-BEDE-2B0C0B415095}"/>
               </a:ext>
             </a:extLst>
           </p:cNvPr>
@@ -4334,7 +7402,7 @@
           <p:cNvPr id="26" name="Straight Arrow Connector 25">
             <a:extLst>
               <a:ext uri="{FF2B5EF4-FFF2-40B4-BE49-F238E27FC236}">
-                <a16:creationId xmlns:a16="http://schemas.microsoft.com/office/drawing/2014/main" id="{B51B42E7-DA54-4898-A1E8-71D8E36299FE}"/>
+                <a16:creationId xmlns:a16="http://schemas.microsoft.com/office/drawing/2014/main" xmlns="" id="{B51B42E7-DA54-4898-A1E8-71D8E36299FE}"/>
               </a:ext>
             </a:extLst>
           </p:cNvPr>
@@ -4373,7 +7441,7 @@
           <p:cNvPr id="27" name="Straight Arrow Connector 26">
             <a:extLst>
               <a:ext uri="{FF2B5EF4-FFF2-40B4-BE49-F238E27FC236}">
-                <a16:creationId xmlns:a16="http://schemas.microsoft.com/office/drawing/2014/main" id="{369BE940-CEE1-4F65-A4F2-717A58F882CE}"/>
+                <a16:creationId xmlns:a16="http://schemas.microsoft.com/office/drawing/2014/main" xmlns="" id="{369BE940-CEE1-4F65-A4F2-717A58F882CE}"/>
               </a:ext>
             </a:extLst>
           </p:cNvPr>
@@ -4412,7 +7480,7 @@
           <p:cNvPr id="6" name="TextBox 5">
             <a:extLst>
               <a:ext uri="{FF2B5EF4-FFF2-40B4-BE49-F238E27FC236}">
-                <a16:creationId xmlns:a16="http://schemas.microsoft.com/office/drawing/2014/main" id="{9436A662-B673-4E9A-93B8-BDBCE97C5F2C}"/>
+                <a16:creationId xmlns:a16="http://schemas.microsoft.com/office/drawing/2014/main" xmlns="" id="{9436A662-B673-4E9A-93B8-BDBCE97C5F2C}"/>
               </a:ext>
             </a:extLst>
           </p:cNvPr>
@@ -4447,7 +7515,7 @@
           <p:cNvPr id="14" name="TextBox 13">
             <a:extLst>
               <a:ext uri="{FF2B5EF4-FFF2-40B4-BE49-F238E27FC236}">
-                <a16:creationId xmlns:a16="http://schemas.microsoft.com/office/drawing/2014/main" id="{9269C72C-7E8D-412D-8321-37820CD99C6E}"/>
+                <a16:creationId xmlns:a16="http://schemas.microsoft.com/office/drawing/2014/main" xmlns="" id="{9269C72C-7E8D-412D-8321-37820CD99C6E}"/>
               </a:ext>
             </a:extLst>
           </p:cNvPr>
@@ -4487,10 +7555,17 @@
   <p:clrMapOvr>
     <a:masterClrMapping/>
   </p:clrMapOvr>
+  <p:timing>
+    <p:tnLst>
+      <p:par>
+        <p:cTn id="1" dur="indefinite" restart="never" nodeType="tmRoot"/>
+      </p:par>
+    </p:tnLst>
+  </p:timing>
 </p:sld>
 </file>
 
-<file path=ppt/slides/slide13.xml><?xml version="1.0" encoding="utf-8"?>
+<file path=ppt/slides/slide27.xml><?xml version="1.0" encoding="utf-8"?>
 <p:sld xmlns:a="http://schemas.openxmlformats.org/drawingml/2006/main" xmlns:r="http://schemas.openxmlformats.org/officeDocument/2006/relationships" xmlns:p="http://schemas.openxmlformats.org/presentationml/2006/main">
   <p:cSld>
     <p:spTree>
@@ -4512,7 +7587,7 @@
           <p:cNvPr id="4" name="Picture 3">
             <a:extLst>
               <a:ext uri="{FF2B5EF4-FFF2-40B4-BE49-F238E27FC236}">
-                <a16:creationId xmlns:a16="http://schemas.microsoft.com/office/drawing/2014/main" id="{D63519C0-C8D9-4341-ADE9-3CD28E6E648E}"/>
+                <a16:creationId xmlns:a16="http://schemas.microsoft.com/office/drawing/2014/main" xmlns="" id="{D63519C0-C8D9-4341-ADE9-3CD28E6E648E}"/>
               </a:ext>
             </a:extLst>
           </p:cNvPr>
@@ -4542,7 +7617,7 @@
           <p:cNvPr id="2" name="Title 1">
             <a:extLst>
               <a:ext uri="{FF2B5EF4-FFF2-40B4-BE49-F238E27FC236}">
-                <a16:creationId xmlns:a16="http://schemas.microsoft.com/office/drawing/2014/main" id="{0394369D-565A-471B-B3F3-561CF390DFF5}"/>
+                <a16:creationId xmlns:a16="http://schemas.microsoft.com/office/drawing/2014/main" xmlns="" id="{0394369D-565A-471B-B3F3-561CF390DFF5}"/>
               </a:ext>
             </a:extLst>
           </p:cNvPr>
@@ -4574,7 +7649,7 @@
           <p:cNvPr id="3" name="Content Placeholder 2">
             <a:extLst>
               <a:ext uri="{FF2B5EF4-FFF2-40B4-BE49-F238E27FC236}">
-                <a16:creationId xmlns:a16="http://schemas.microsoft.com/office/drawing/2014/main" id="{5EAFF9BB-23B6-4817-86BB-F6DA8A9676FA}"/>
+                <a16:creationId xmlns:a16="http://schemas.microsoft.com/office/drawing/2014/main" xmlns="" id="{5EAFF9BB-23B6-4817-86BB-F6DA8A9676FA}"/>
               </a:ext>
             </a:extLst>
           </p:cNvPr>
@@ -4597,15 +7672,31 @@
           </a:bodyPr>
           <a:lstStyle/>
           <a:p>
+            <a:r>
+              <a:rPr lang="en-US" sz="1800" dirty="0"/>
+              <a:t/>
+            </a:r>
             <a:br>
               <a:rPr lang="en-US" sz="1800" dirty="0"/>
             </a:br>
+            <a:r>
+              <a:rPr lang="en-US" sz="1800" dirty="0"/>
+              <a:t/>
+            </a:r>
             <a:br>
               <a:rPr lang="en-US" sz="1800" dirty="0"/>
             </a:br>
+            <a:r>
+              <a:rPr lang="en-US" sz="1800" dirty="0"/>
+              <a:t/>
+            </a:r>
             <a:br>
               <a:rPr lang="en-US" sz="1800" dirty="0"/>
             </a:br>
+            <a:r>
+              <a:rPr lang="en-US" sz="1800" dirty="0"/>
+              <a:t/>
+            </a:r>
             <a:br>
               <a:rPr lang="en-US" sz="1800" dirty="0"/>
             </a:br>
@@ -4616,9 +7707,17 @@
             <a:br>
               <a:rPr lang="en-US" sz="1800" dirty="0"/>
             </a:br>
+            <a:r>
+              <a:rPr lang="en-US" sz="1800" dirty="0"/>
+              <a:t/>
+            </a:r>
             <a:br>
               <a:rPr lang="en-US" sz="1800" dirty="0"/>
             </a:br>
+            <a:r>
+              <a:rPr lang="en-US" sz="1800" dirty="0"/>
+              <a:t/>
+            </a:r>
             <a:br>
               <a:rPr lang="en-US" sz="1800" dirty="0"/>
             </a:br>
@@ -4637,7 +7736,7 @@
           <p:cNvPr id="6" name="Straight Arrow Connector 5">
             <a:extLst>
               <a:ext uri="{FF2B5EF4-FFF2-40B4-BE49-F238E27FC236}">
-                <a16:creationId xmlns:a16="http://schemas.microsoft.com/office/drawing/2014/main" id="{25D029F9-3DC8-4672-9001-1D3D9D0E8785}"/>
+                <a16:creationId xmlns:a16="http://schemas.microsoft.com/office/drawing/2014/main" xmlns="" id="{25D029F9-3DC8-4672-9001-1D3D9D0E8785}"/>
               </a:ext>
             </a:extLst>
           </p:cNvPr>
@@ -4678,7 +7777,7 @@
           <p:cNvPr id="9" name="Straight Arrow Connector 8">
             <a:extLst>
               <a:ext uri="{FF2B5EF4-FFF2-40B4-BE49-F238E27FC236}">
-                <a16:creationId xmlns:a16="http://schemas.microsoft.com/office/drawing/2014/main" id="{BCB2D5B4-0996-4437-834A-3AC37C185079}"/>
+                <a16:creationId xmlns:a16="http://schemas.microsoft.com/office/drawing/2014/main" xmlns="" id="{BCB2D5B4-0996-4437-834A-3AC37C185079}"/>
               </a:ext>
             </a:extLst>
           </p:cNvPr>
@@ -4724,10 +7823,17 @@
   <p:clrMapOvr>
     <a:masterClrMapping/>
   </p:clrMapOvr>
+  <p:timing>
+    <p:tnLst>
+      <p:par>
+        <p:cTn id="1" dur="indefinite" restart="never" nodeType="tmRoot"/>
+      </p:par>
+    </p:tnLst>
+  </p:timing>
 </p:sld>
 </file>
 
-<file path=ppt/slides/slide14.xml><?xml version="1.0" encoding="utf-8"?>
+<file path=ppt/slides/slide28.xml><?xml version="1.0" encoding="utf-8"?>
 <p:sld xmlns:a="http://schemas.openxmlformats.org/drawingml/2006/main" xmlns:r="http://schemas.openxmlformats.org/officeDocument/2006/relationships" xmlns:p="http://schemas.openxmlformats.org/presentationml/2006/main">
   <p:cSld>
     <p:spTree>
@@ -4783,10 +7889,17 @@
   <p:clrMapOvr>
     <a:masterClrMapping/>
   </p:clrMapOvr>
+  <p:timing>
+    <p:tnLst>
+      <p:par>
+        <p:cTn id="1" dur="indefinite" restart="never" nodeType="tmRoot"/>
+      </p:par>
+    </p:tnLst>
+  </p:timing>
 </p:sld>
 </file>
 
-<file path=ppt/slides/slide15.xml><?xml version="1.0" encoding="utf-8"?>
+<file path=ppt/slides/slide29.xml><?xml version="1.0" encoding="utf-8"?>
 <p:sld xmlns:a="http://schemas.openxmlformats.org/drawingml/2006/main" xmlns:r="http://schemas.openxmlformats.org/officeDocument/2006/relationships" xmlns:p="http://schemas.openxmlformats.org/presentationml/2006/main">
   <p:cSld>
     <p:spTree>
@@ -4855,219 +7968,13 @@
   <p:clrMapOvr>
     <a:masterClrMapping/>
   </p:clrMapOvr>
-</p:sld>
-</file>
-
-<file path=ppt/slides/slide2.xml><?xml version="1.0" encoding="utf-8"?>
-<p:sld xmlns:a="http://schemas.openxmlformats.org/drawingml/2006/main" xmlns:r="http://schemas.openxmlformats.org/officeDocument/2006/relationships" xmlns:p="http://schemas.openxmlformats.org/presentationml/2006/main">
-  <p:cSld>
-    <p:spTree>
-      <p:nvGrpSpPr>
-        <p:cNvPr id="1" name=""/>
-        <p:cNvGrpSpPr/>
-        <p:nvPr/>
-      </p:nvGrpSpPr>
-      <p:grpSpPr>
-        <a:xfrm>
-          <a:off x="0" y="0"/>
-          <a:ext cx="0" cy="0"/>
-          <a:chOff x="0" y="0"/>
-          <a:chExt cx="0" cy="0"/>
-        </a:xfrm>
-      </p:grpSpPr>
-      <p:sp>
-        <p:nvSpPr>
-          <p:cNvPr id="2" name="Title 1">
-            <a:extLst>
-              <a:ext uri="{FF2B5EF4-FFF2-40B4-BE49-F238E27FC236}">
-                <a16:creationId xmlns:a16="http://schemas.microsoft.com/office/drawing/2014/main" id="{BDC5B3F6-D021-43C8-B57F-075FB0C69BAA}"/>
-              </a:ext>
-            </a:extLst>
-          </p:cNvPr>
-          <p:cNvSpPr>
-            <a:spLocks noGrp="1"/>
-          </p:cNvSpPr>
-          <p:nvPr>
-            <p:ph type="title"/>
-          </p:nvPr>
-        </p:nvSpPr>
-        <p:spPr/>
-        <p:txBody>
-          <a:bodyPr/>
-          <a:lstStyle/>
-          <a:p>
-            <a:pPr algn="ctr"/>
-            <a:r>
-              <a:rPr lang="en-US" dirty="0"/>
-              <a:t>What is it?</a:t>
-            </a:r>
-          </a:p>
-        </p:txBody>
-      </p:sp>
-      <p:sp>
-        <p:nvSpPr>
-          <p:cNvPr id="3" name="Content Placeholder 2">
-            <a:extLst>
-              <a:ext uri="{FF2B5EF4-FFF2-40B4-BE49-F238E27FC236}">
-                <a16:creationId xmlns:a16="http://schemas.microsoft.com/office/drawing/2014/main" id="{70E2E14D-469D-42A3-83E1-C42B51320693}"/>
-              </a:ext>
-            </a:extLst>
-          </p:cNvPr>
-          <p:cNvSpPr>
-            <a:spLocks noGrp="1"/>
-          </p:cNvSpPr>
-          <p:nvPr>
-            <p:ph idx="1"/>
-          </p:nvPr>
-        </p:nvSpPr>
-        <p:spPr/>
-        <p:txBody>
-          <a:bodyPr>
-            <a:normAutofit/>
-          </a:bodyPr>
-          <a:lstStyle/>
-          <a:p>
-            <a:r>
-              <a:rPr lang="en-US" dirty="0"/>
-              <a:t>A website that </a:t>
-            </a:r>
-            <a:r>
-              <a:rPr lang="en-US" dirty="0">
-                <a:solidFill>
-                  <a:schemeClr val="accent2">
-                    <a:lumMod val="60000"/>
-                    <a:lumOff val="40000"/>
-                  </a:schemeClr>
-                </a:solidFill>
-              </a:rPr>
-              <a:t>monitors</a:t>
-            </a:r>
-            <a:r>
-              <a:rPr lang="en-US" dirty="0"/>
-              <a:t> a list of websites that you provide.</a:t>
-            </a:r>
-          </a:p>
-          <a:p>
-            <a:r>
-              <a:rPr lang="en-US" dirty="0"/>
-              <a:t>Sends an </a:t>
-            </a:r>
-            <a:r>
-              <a:rPr lang="en-US" dirty="0">
-                <a:solidFill>
-                  <a:schemeClr val="accent2">
-                    <a:lumMod val="60000"/>
-                    <a:lumOff val="40000"/>
-                  </a:schemeClr>
-                </a:solidFill>
-              </a:rPr>
-              <a:t>email</a:t>
-            </a:r>
-            <a:r>
-              <a:rPr lang="en-US" dirty="0"/>
-              <a:t> when it discovers that one of the websites have </a:t>
-            </a:r>
-            <a:r>
-              <a:rPr lang="en-US" dirty="0">
-                <a:solidFill>
-                  <a:schemeClr val="accent2">
-                    <a:lumMod val="60000"/>
-                    <a:lumOff val="40000"/>
-                  </a:schemeClr>
-                </a:solidFill>
-              </a:rPr>
-              <a:t>updated</a:t>
-            </a:r>
-            <a:r>
-              <a:rPr lang="en-US" dirty="0"/>
-              <a:t>.</a:t>
-            </a:r>
-          </a:p>
-          <a:p>
-            <a:r>
-              <a:rPr lang="en-US" dirty="0">
-                <a:solidFill>
-                  <a:schemeClr val="accent2">
-                    <a:lumMod val="60000"/>
-                    <a:lumOff val="40000"/>
-                  </a:schemeClr>
-                </a:solidFill>
-              </a:rPr>
-              <a:t>User Accounts </a:t>
-            </a:r>
-            <a:r>
-              <a:rPr lang="en-US" dirty="0"/>
-              <a:t>with personalized lists of websites.</a:t>
-            </a:r>
-          </a:p>
-          <a:p>
-            <a:r>
-              <a:rPr lang="en-US" dirty="0"/>
-              <a:t>Password	 </a:t>
-            </a:r>
-            <a:r>
-              <a:rPr lang="en-US" dirty="0">
-                <a:solidFill>
-                  <a:schemeClr val="accent2">
-                    <a:lumMod val="60000"/>
-                    <a:lumOff val="40000"/>
-                  </a:schemeClr>
-                </a:solidFill>
-              </a:rPr>
-              <a:t>Optional</a:t>
-            </a:r>
-            <a:r>
-              <a:rPr lang="en-US" dirty="0"/>
-              <a:t>.</a:t>
-            </a:r>
-          </a:p>
-          <a:p>
-            <a:r>
-              <a:rPr lang="en-US" dirty="0"/>
-              <a:t>Caveat: Only </a:t>
-            </a:r>
-            <a:r>
-              <a:rPr lang="en-US" dirty="0" err="1"/>
-              <a:t>ETag</a:t>
-            </a:r>
-            <a:r>
-              <a:rPr lang="en-US" dirty="0"/>
-              <a:t>  </a:t>
-            </a:r>
-            <a:r>
-              <a:rPr lang="en-US" dirty="0">
-                <a:solidFill>
-                  <a:schemeClr val="accent2">
-                    <a:lumMod val="60000"/>
-                    <a:lumOff val="40000"/>
-                  </a:schemeClr>
-                </a:solidFill>
-              </a:rPr>
-              <a:t>or</a:t>
-            </a:r>
-            <a:r>
-              <a:rPr lang="en-US" dirty="0"/>
-              <a:t> Last-Modified Allowed.</a:t>
-            </a:r>
-          </a:p>
-          <a:p>
-            <a:pPr marL="0" indent="0">
-              <a:buNone/>
-            </a:pPr>
-            <a:endParaRPr lang="en-US" dirty="0"/>
-          </a:p>
-        </p:txBody>
-      </p:sp>
-    </p:spTree>
-    <p:extLst>
-      <p:ext uri="{BB962C8B-B14F-4D97-AF65-F5344CB8AC3E}">
-        <p14:creationId xmlns:p14="http://schemas.microsoft.com/office/powerpoint/2010/main" val="189535136"/>
-      </p:ext>
-    </p:extLst>
-  </p:cSld>
-  <p:clrMapOvr>
-    <a:masterClrMapping/>
-  </p:clrMapOvr>
+  <p:timing>
+    <p:tnLst>
+      <p:par>
+        <p:cTn id="1" dur="indefinite" restart="never" nodeType="tmRoot"/>
+      </p:par>
+    </p:tnLst>
+  </p:timing>
 </p:sld>
 </file>
 
@@ -5093,7 +8000,7 @@
           <p:cNvPr id="2" name="Title 1">
             <a:extLst>
               <a:ext uri="{FF2B5EF4-FFF2-40B4-BE49-F238E27FC236}">
-                <a16:creationId xmlns:a16="http://schemas.microsoft.com/office/drawing/2014/main" id="{259D0B7C-1D18-4B9B-9686-41CD01222471}"/>
+                <a16:creationId xmlns:a16="http://schemas.microsoft.com/office/drawing/2014/main" xmlns="" id="{259D0B7C-1D18-4B9B-9686-41CD01222471}"/>
               </a:ext>
             </a:extLst>
           </p:cNvPr>
@@ -5122,7 +8029,7 @@
           <p:cNvPr id="3" name="Content Placeholder 2">
             <a:extLst>
               <a:ext uri="{FF2B5EF4-FFF2-40B4-BE49-F238E27FC236}">
-                <a16:creationId xmlns:a16="http://schemas.microsoft.com/office/drawing/2014/main" id="{7171011C-A762-4A01-8962-0A7436AA633E}"/>
+                <a16:creationId xmlns:a16="http://schemas.microsoft.com/office/drawing/2014/main" xmlns="" id="{7171011C-A762-4A01-8962-0A7436AA633E}"/>
               </a:ext>
             </a:extLst>
           </p:cNvPr>
@@ -5139,33 +8046,44 @@
           <a:lstStyle/>
           <a:p>
             <a:r>
-              <a:rPr lang="en-US" dirty="0">
-                <a:solidFill>
-                  <a:schemeClr val="accent2">
-                    <a:lumMod val="60000"/>
-                    <a:lumOff val="40000"/>
-                  </a:schemeClr>
+              <a:rPr lang="en-US" dirty="0" smtClean="0"/>
+              <a:t> </a:t>
+            </a:r>
+            <a:r>
+              <a:rPr lang="en-US" dirty="0" smtClean="0">
+                <a:solidFill>
+                  <a:srgbClr val="F5F5F5"/>
                 </a:solidFill>
               </a:rPr>
               <a:t>Database</a:t>
             </a:r>
             <a:r>
+              <a:rPr lang="en-US" dirty="0" smtClean="0"/>
+              <a:t> Design</a:t>
+            </a:r>
+            <a:endParaRPr lang="en-US" dirty="0" smtClean="0"/>
+          </a:p>
+          <a:p>
+            <a:r>
+              <a:rPr lang="en-US" dirty="0" smtClean="0"/>
+              <a:t> Account </a:t>
+            </a:r>
+            <a:r>
+              <a:rPr lang="en-US" dirty="0">
+                <a:solidFill>
+                  <a:srgbClr val="F5F5F5"/>
+                </a:solidFill>
+              </a:rPr>
+              <a:t>Creation</a:t>
+            </a:r>
+            <a:r>
               <a:rPr lang="en-US" dirty="0"/>
-              <a:t> Design</a:t>
-            </a:r>
-          </a:p>
-          <a:p>
-            <a:r>
-              <a:rPr lang="en-US" dirty="0"/>
-              <a:t>Account Creation, Logging </a:t>
-            </a:r>
-            <a:r>
-              <a:rPr lang="en-US" dirty="0">
-                <a:solidFill>
-                  <a:schemeClr val="accent2">
-                    <a:lumMod val="60000"/>
-                    <a:lumOff val="40000"/>
-                  </a:schemeClr>
+              <a:t>, Logging </a:t>
+            </a:r>
+            <a:r>
+              <a:rPr lang="en-US" dirty="0">
+                <a:solidFill>
+                  <a:srgbClr val="F5F5F5"/>
                 </a:solidFill>
               </a:rPr>
               <a:t>In</a:t>
@@ -5175,12 +8093,9 @@
               <a:t>, and Logging </a:t>
             </a:r>
             <a:r>
-              <a:rPr lang="en-US" dirty="0">
-                <a:solidFill>
-                  <a:schemeClr val="accent2">
-                    <a:lumMod val="60000"/>
-                    <a:lumOff val="40000"/>
-                  </a:schemeClr>
+              <a:rPr lang="en-US" dirty="0" smtClean="0">
+                <a:solidFill>
+                  <a:srgbClr val="F5F5F5"/>
                 </a:solidFill>
               </a:rPr>
               <a:t>Out</a:t>
@@ -5189,36 +8104,46 @@
           <a:p>
             <a:r>
               <a:rPr lang="en-US" dirty="0"/>
-              <a:t>Changing </a:t>
-            </a:r>
-            <a:r>
-              <a:rPr lang="en-US" dirty="0">
-                <a:solidFill>
-                  <a:schemeClr val="accent2">
-                    <a:lumMod val="60000"/>
-                    <a:lumOff val="40000"/>
-                  </a:schemeClr>
-                </a:solidFill>
-              </a:rPr>
-              <a:t>Password</a:t>
+              <a:t> </a:t>
+            </a:r>
+            <a:r>
+              <a:rPr lang="en-US" dirty="0" smtClean="0">
+                <a:solidFill>
+                  <a:srgbClr val="F5F5F5"/>
+                </a:solidFill>
+              </a:rPr>
+              <a:t>Changing</a:t>
+            </a:r>
+            <a:r>
+              <a:rPr lang="en-US" dirty="0" smtClean="0"/>
+              <a:t> </a:t>
             </a:r>
             <a:r>
               <a:rPr lang="en-US" dirty="0"/>
-              <a:t> and Account Recovery</a:t>
-            </a:r>
-          </a:p>
-          <a:p>
+              <a:t>Password and Account </a:t>
+            </a:r>
+            <a:r>
+              <a:rPr lang="en-US" dirty="0">
+                <a:solidFill>
+                  <a:srgbClr val="F5F5F5"/>
+                </a:solidFill>
+              </a:rPr>
+              <a:t>Recovery</a:t>
+            </a:r>
+          </a:p>
+          <a:p>
+            <a:r>
+              <a:rPr lang="en-US" dirty="0" smtClean="0"/>
+              <a:t> Adding</a:t>
+            </a:r>
             <a:r>
               <a:rPr lang="en-US" dirty="0"/>
-              <a:t>Adding, Editing, and Deleting </a:t>
-            </a:r>
-            <a:r>
-              <a:rPr lang="en-US" dirty="0">
-                <a:solidFill>
-                  <a:schemeClr val="accent2">
-                    <a:lumMod val="60000"/>
-                    <a:lumOff val="40000"/>
-                  </a:schemeClr>
+              <a:t>, Editing, and Deleting </a:t>
+            </a:r>
+            <a:r>
+              <a:rPr lang="en-US" dirty="0" smtClean="0">
+                <a:solidFill>
+                  <a:srgbClr val="F5F5F5"/>
                 </a:solidFill>
               </a:rPr>
               <a:t>URLs</a:t>
@@ -5226,36 +8151,62 @@
           </a:p>
           <a:p>
             <a:r>
-              <a:rPr lang="en-US" dirty="0">
-                <a:solidFill>
-                  <a:schemeClr val="accent2">
-                    <a:lumMod val="60000"/>
-                    <a:lumOff val="40000"/>
-                  </a:schemeClr>
+              <a:rPr lang="en-US" dirty="0" smtClean="0"/>
+              <a:t> </a:t>
+            </a:r>
+            <a:r>
+              <a:rPr lang="en-US" dirty="0" smtClean="0">
+                <a:solidFill>
+                  <a:srgbClr val="F5F5F5"/>
                 </a:solidFill>
               </a:rPr>
               <a:t>Searching</a:t>
             </a:r>
             <a:r>
+              <a:rPr lang="en-US" dirty="0" smtClean="0"/>
+              <a:t> </a:t>
+            </a:r>
+            <a:r>
               <a:rPr lang="en-US" dirty="0"/>
-              <a:t> for Updates</a:t>
-            </a:r>
-          </a:p>
-          <a:p>
+              <a:t>for </a:t>
+            </a:r>
+            <a:r>
+              <a:rPr lang="en-US" dirty="0" smtClean="0"/>
+              <a:t>Updates</a:t>
+            </a:r>
+          </a:p>
+          <a:p>
+            <a:r>
+              <a:rPr lang="en-US" dirty="0" smtClean="0"/>
+              <a:t> </a:t>
+            </a:r>
+            <a:r>
+              <a:rPr lang="en-US" dirty="0" smtClean="0">
+                <a:solidFill>
+                  <a:srgbClr val="F5F5F5"/>
+                </a:solidFill>
+              </a:rPr>
+              <a:t>Updating</a:t>
+            </a:r>
+            <a:r>
+              <a:rPr lang="en-US" dirty="0" smtClean="0"/>
+              <a:t> </a:t>
+            </a:r>
             <a:r>
               <a:rPr lang="en-US" dirty="0"/>
-              <a:t>Updating the Database and Sending </a:t>
-            </a:r>
-            <a:r>
-              <a:rPr lang="en-US" dirty="0">
-                <a:solidFill>
-                  <a:schemeClr val="accent2">
-                    <a:lumMod val="60000"/>
-                    <a:lumOff val="40000"/>
-                  </a:schemeClr>
-                </a:solidFill>
-              </a:rPr>
-              <a:t>Emails</a:t>
+              <a:t>the Database and </a:t>
+            </a:r>
+            <a:r>
+              <a:rPr lang="en-US" dirty="0">
+                <a:solidFill>
+                  <a:srgbClr val="F5F5F5"/>
+                </a:solidFill>
+              </a:rPr>
+              <a:t>Sending</a:t>
+            </a:r>
+            <a:r>
+              <a:rPr lang="en-US" dirty="0"/>
+              <a:t> Emails</a:t>
             </a:r>
           </a:p>
         </p:txBody>
@@ -5263,13 +8214,20 @@
     </p:spTree>
     <p:extLst>
       <p:ext uri="{BB962C8B-B14F-4D97-AF65-F5344CB8AC3E}">
-        <p14:creationId xmlns:p14="http://schemas.microsoft.com/office/powerpoint/2010/main" val="1513195777"/>
+        <p14:creationId xmlns:p14="http://schemas.microsoft.com/office/powerpoint/2010/main" val="651296514"/>
       </p:ext>
     </p:extLst>
   </p:cSld>
   <p:clrMapOvr>
     <a:masterClrMapping/>
   </p:clrMapOvr>
+  <p:timing>
+    <p:tnLst>
+      <p:par>
+        <p:cTn id="1" dur="indefinite" restart="never" nodeType="tmRoot"/>
+      </p:par>
+    </p:tnLst>
+  </p:timing>
 </p:sld>
 </file>
 
@@ -5295,7 +8253,7 @@
           <p:cNvPr id="2" name="Title 1">
             <a:extLst>
               <a:ext uri="{FF2B5EF4-FFF2-40B4-BE49-F238E27FC236}">
-                <a16:creationId xmlns:a16="http://schemas.microsoft.com/office/drawing/2014/main" id="{259D0B7C-1D18-4B9B-9686-41CD01222471}"/>
+                <a16:creationId xmlns:a16="http://schemas.microsoft.com/office/drawing/2014/main" xmlns="" id="{259D0B7C-1D18-4B9B-9686-41CD01222471}"/>
               </a:ext>
             </a:extLst>
           </p:cNvPr>
@@ -5324,7 +8282,7 @@
           <p:cNvPr id="3" name="Content Placeholder 2">
             <a:extLst>
               <a:ext uri="{FF2B5EF4-FFF2-40B4-BE49-F238E27FC236}">
-                <a16:creationId xmlns:a16="http://schemas.microsoft.com/office/drawing/2014/main" id="{7171011C-A762-4A01-8962-0A7436AA633E}"/>
+                <a16:creationId xmlns:a16="http://schemas.microsoft.com/office/drawing/2014/main" xmlns="" id="{7171011C-A762-4A01-8962-0A7436AA633E}"/>
               </a:ext>
             </a:extLst>
           </p:cNvPr>
@@ -5342,37 +8300,279 @@
           <a:p>
             <a:r>
               <a:rPr lang="en-US" dirty="0"/>
-              <a:t>To let the user create an account.</a:t>
-            </a:r>
-          </a:p>
-          <a:p>
+              <a:t> </a:t>
+            </a:r>
+            <a:r>
+              <a:rPr lang="en-US" dirty="0">
+                <a:solidFill>
+                  <a:srgbClr val="F5F5F5"/>
+                </a:solidFill>
+              </a:rPr>
+              <a:t>Database</a:t>
+            </a:r>
             <a:r>
               <a:rPr lang="en-US" dirty="0"/>
-              <a:t>To let user enter , delete or/and edit a URL .</a:t>
-            </a:r>
-          </a:p>
-          <a:p>
-            <a:r>
-              <a:rPr lang="en-US" dirty="0"/>
-              <a:t>Create a relational view of the database , with proper key – table relation to store user details and the URL details.</a:t>
-            </a:r>
-          </a:p>
-          <a:p>
-            <a:r>
-              <a:rPr lang="en-US" dirty="0"/>
-              <a:t>Scan through the saved Websites.</a:t>
-            </a:r>
-          </a:p>
-          <a:p>
-            <a:r>
-              <a:rPr lang="en-US" dirty="0"/>
-              <a:t>For the identified websites, update the database.</a:t>
-            </a:r>
-          </a:p>
-          <a:p>
-            <a:r>
-              <a:rPr lang="en-US" dirty="0"/>
-              <a:t>Send the email to the user , without spamming them.</a:t>
+              <a:t> Design</a:t>
+            </a:r>
+          </a:p>
+          <a:p>
+            <a:r>
+              <a:rPr lang="en-US" dirty="0" smtClean="0">
+                <a:solidFill>
+                  <a:srgbClr val="824040">
+                    <a:alpha val="50000"/>
+                  </a:srgbClr>
+                </a:solidFill>
+              </a:rPr>
+              <a:t> Account </a:t>
+            </a:r>
+            <a:r>
+              <a:rPr lang="en-US" dirty="0">
+                <a:solidFill>
+                  <a:srgbClr val="F5F5F5">
+                    <a:alpha val="50000"/>
+                  </a:srgbClr>
+                </a:solidFill>
+              </a:rPr>
+              <a:t>Creation</a:t>
+            </a:r>
+            <a:r>
+              <a:rPr lang="en-US" dirty="0">
+                <a:solidFill>
+                  <a:srgbClr val="824040">
+                    <a:alpha val="50000"/>
+                  </a:srgbClr>
+                </a:solidFill>
+              </a:rPr>
+              <a:t>, Logging </a:t>
+            </a:r>
+            <a:r>
+              <a:rPr lang="en-US" dirty="0">
+                <a:solidFill>
+                  <a:srgbClr val="F5F5F5">
+                    <a:alpha val="50000"/>
+                  </a:srgbClr>
+                </a:solidFill>
+              </a:rPr>
+              <a:t>In</a:t>
+            </a:r>
+            <a:r>
+              <a:rPr lang="en-US" dirty="0">
+                <a:solidFill>
+                  <a:srgbClr val="824040">
+                    <a:alpha val="50000"/>
+                  </a:srgbClr>
+                </a:solidFill>
+              </a:rPr>
+              <a:t>, and Logging </a:t>
+            </a:r>
+            <a:r>
+              <a:rPr lang="en-US" dirty="0" smtClean="0">
+                <a:solidFill>
+                  <a:srgbClr val="F5F5F5">
+                    <a:alpha val="50000"/>
+                  </a:srgbClr>
+                </a:solidFill>
+              </a:rPr>
+              <a:t>Out</a:t>
+            </a:r>
+          </a:p>
+          <a:p>
+            <a:r>
+              <a:rPr lang="en-US" dirty="0">
+                <a:solidFill>
+                  <a:srgbClr val="824040">
+                    <a:alpha val="50000"/>
+                  </a:srgbClr>
+                </a:solidFill>
+              </a:rPr>
+              <a:t> </a:t>
+            </a:r>
+            <a:r>
+              <a:rPr lang="en-US" dirty="0" smtClean="0">
+                <a:solidFill>
+                  <a:srgbClr val="F5F5F5">
+                    <a:alpha val="50000"/>
+                  </a:srgbClr>
+                </a:solidFill>
+              </a:rPr>
+              <a:t>Changing</a:t>
+            </a:r>
+            <a:r>
+              <a:rPr lang="en-US" dirty="0" smtClean="0">
+                <a:solidFill>
+                  <a:srgbClr val="824040">
+                    <a:alpha val="50000"/>
+                  </a:srgbClr>
+                </a:solidFill>
+              </a:rPr>
+              <a:t> </a:t>
+            </a:r>
+            <a:r>
+              <a:rPr lang="en-US" dirty="0">
+                <a:solidFill>
+                  <a:srgbClr val="824040">
+                    <a:alpha val="50000"/>
+                  </a:srgbClr>
+                </a:solidFill>
+              </a:rPr>
+              <a:t>Password and Account </a:t>
+            </a:r>
+            <a:r>
+              <a:rPr lang="en-US" dirty="0">
+                <a:solidFill>
+                  <a:srgbClr val="F5F5F5">
+                    <a:alpha val="50000"/>
+                  </a:srgbClr>
+                </a:solidFill>
+              </a:rPr>
+              <a:t>Recovery</a:t>
+            </a:r>
+          </a:p>
+          <a:p>
+            <a:r>
+              <a:rPr lang="en-US" dirty="0" smtClean="0">
+                <a:solidFill>
+                  <a:srgbClr val="824040">
+                    <a:alpha val="50000"/>
+                  </a:srgbClr>
+                </a:solidFill>
+              </a:rPr>
+              <a:t> Adding</a:t>
+            </a:r>
+            <a:r>
+              <a:rPr lang="en-US" dirty="0">
+                <a:solidFill>
+                  <a:srgbClr val="824040">
+                    <a:alpha val="50000"/>
+                  </a:srgbClr>
+                </a:solidFill>
+              </a:rPr>
+              <a:t>, Editing, and Deleting </a:t>
+            </a:r>
+            <a:r>
+              <a:rPr lang="en-US" dirty="0" smtClean="0">
+                <a:solidFill>
+                  <a:srgbClr val="F5F5F5">
+                    <a:alpha val="50000"/>
+                  </a:srgbClr>
+                </a:solidFill>
+              </a:rPr>
+              <a:t>URLs</a:t>
+            </a:r>
+          </a:p>
+          <a:p>
+            <a:r>
+              <a:rPr lang="en-US" dirty="0" smtClean="0">
+                <a:solidFill>
+                  <a:srgbClr val="824040">
+                    <a:alpha val="50000"/>
+                  </a:srgbClr>
+                </a:solidFill>
+              </a:rPr>
+              <a:t> </a:t>
+            </a:r>
+            <a:r>
+              <a:rPr lang="en-US" dirty="0" smtClean="0">
+                <a:solidFill>
+                  <a:srgbClr val="F5F5F5">
+                    <a:alpha val="50000"/>
+                  </a:srgbClr>
+                </a:solidFill>
+              </a:rPr>
+              <a:t>Searching</a:t>
+            </a:r>
+            <a:r>
+              <a:rPr lang="en-US" dirty="0" smtClean="0">
+                <a:solidFill>
+                  <a:srgbClr val="824040">
+                    <a:alpha val="50000"/>
+                  </a:srgbClr>
+                </a:solidFill>
+              </a:rPr>
+              <a:t> </a:t>
+            </a:r>
+            <a:r>
+              <a:rPr lang="en-US" dirty="0">
+                <a:solidFill>
+                  <a:srgbClr val="824040">
+                    <a:alpha val="50000"/>
+                  </a:srgbClr>
+                </a:solidFill>
+              </a:rPr>
+              <a:t>for </a:t>
+            </a:r>
+            <a:r>
+              <a:rPr lang="en-US" dirty="0" smtClean="0">
+                <a:solidFill>
+                  <a:srgbClr val="824040">
+                    <a:alpha val="50000"/>
+                  </a:srgbClr>
+                </a:solidFill>
+              </a:rPr>
+              <a:t>Updates</a:t>
+            </a:r>
+          </a:p>
+          <a:p>
+            <a:r>
+              <a:rPr lang="en-US" dirty="0" smtClean="0">
+                <a:solidFill>
+                  <a:srgbClr val="824040">
+                    <a:alpha val="50000"/>
+                  </a:srgbClr>
+                </a:solidFill>
+              </a:rPr>
+              <a:t> </a:t>
+            </a:r>
+            <a:r>
+              <a:rPr lang="en-US" dirty="0" smtClean="0">
+                <a:solidFill>
+                  <a:srgbClr val="F5F5F5">
+                    <a:alpha val="50000"/>
+                  </a:srgbClr>
+                </a:solidFill>
+              </a:rPr>
+              <a:t>Updating</a:t>
+            </a:r>
+            <a:r>
+              <a:rPr lang="en-US" dirty="0" smtClean="0">
+                <a:solidFill>
+                  <a:srgbClr val="824040">
+                    <a:alpha val="50000"/>
+                  </a:srgbClr>
+                </a:solidFill>
+              </a:rPr>
+              <a:t> </a:t>
+            </a:r>
+            <a:r>
+              <a:rPr lang="en-US" dirty="0">
+                <a:solidFill>
+                  <a:srgbClr val="824040">
+                    <a:alpha val="50000"/>
+                  </a:srgbClr>
+                </a:solidFill>
+              </a:rPr>
+              <a:t>the Database and </a:t>
+            </a:r>
+            <a:r>
+              <a:rPr lang="en-US" dirty="0">
+                <a:solidFill>
+                  <a:srgbClr val="F5F5F5">
+                    <a:alpha val="50000"/>
+                  </a:srgbClr>
+                </a:solidFill>
+              </a:rPr>
+              <a:t>Sending</a:t>
+            </a:r>
+            <a:r>
+              <a:rPr lang="en-US" dirty="0">
+                <a:solidFill>
+                  <a:srgbClr val="824040">
+                    <a:alpha val="50000"/>
+                  </a:srgbClr>
+                </a:solidFill>
+              </a:rPr>
+              <a:t> Emails</a:t>
             </a:r>
           </a:p>
         </p:txBody>
@@ -5380,13 +8580,20 @@
     </p:spTree>
     <p:extLst>
       <p:ext uri="{BB962C8B-B14F-4D97-AF65-F5344CB8AC3E}">
-        <p14:creationId xmlns:p14="http://schemas.microsoft.com/office/powerpoint/2010/main" val="18999463"/>
+        <p14:creationId xmlns:p14="http://schemas.microsoft.com/office/powerpoint/2010/main" val="1240165579"/>
       </p:ext>
     </p:extLst>
   </p:cSld>
   <p:clrMapOvr>
     <a:masterClrMapping/>
   </p:clrMapOvr>
+  <p:timing>
+    <p:tnLst>
+      <p:par>
+        <p:cTn id="1" dur="indefinite" restart="never" nodeType="tmRoot"/>
+      </p:par>
+    </p:tnLst>
+  </p:timing>
 </p:sld>
 </file>
 
@@ -5409,13 +8616,7 @@
       </p:grpSpPr>
       <p:sp>
         <p:nvSpPr>
-          <p:cNvPr id="2" name="Title 1">
-            <a:extLst>
-              <a:ext uri="{FF2B5EF4-FFF2-40B4-BE49-F238E27FC236}">
-                <a16:creationId xmlns:a16="http://schemas.microsoft.com/office/drawing/2014/main" id="{259D0B7C-1D18-4B9B-9686-41CD01222471}"/>
-              </a:ext>
-            </a:extLst>
-          </p:cNvPr>
+          <p:cNvPr id="2" name="Title 1"/>
           <p:cNvSpPr>
             <a:spLocks noGrp="1"/>
           </p:cNvSpPr>
@@ -5430,314 +8631,217 @@
           <a:p>
             <a:pPr algn="ctr"/>
             <a:r>
+              <a:rPr lang="en-US" dirty="0">
+                <a:solidFill>
+                  <a:srgbClr val="F5F5F5"/>
+                </a:solidFill>
+              </a:rPr>
+              <a:t>Database</a:t>
+            </a:r>
+            <a:r>
               <a:rPr lang="en-US" dirty="0"/>
-              <a:t>How do we do it?</a:t>
-            </a:r>
-          </a:p>
-        </p:txBody>
-      </p:sp>
-      <p:sp>
-        <p:nvSpPr>
-          <p:cNvPr id="3" name="Content Placeholder 2">
-            <a:extLst>
-              <a:ext uri="{FF2B5EF4-FFF2-40B4-BE49-F238E27FC236}">
-                <a16:creationId xmlns:a16="http://schemas.microsoft.com/office/drawing/2014/main" id="{7171011C-A762-4A01-8962-0A7436AA633E}"/>
-              </a:ext>
-            </a:extLst>
-          </p:cNvPr>
+              <a:t> Design</a:t>
+            </a:r>
+          </a:p>
+        </p:txBody>
+      </p:sp>
+      <p:sp>
+        <p:nvSpPr>
+          <p:cNvPr id="3" name="Content Placeholder 2"/>
           <p:cNvSpPr>
             <a:spLocks noGrp="1"/>
           </p:cNvSpPr>
           <p:nvPr>
             <p:ph idx="1"/>
           </p:nvPr>
-        </p:nvSpPr>
-        <p:spPr/>
-        <p:txBody>
-          <a:bodyPr/>
-          <a:lstStyle/>
-          <a:p>
-            <a:r>
-              <a:rPr lang="en-US" dirty="0"/>
-              <a:t>To let the user create an account.</a:t>
-            </a:r>
-          </a:p>
-          <a:p>
-            <a:r>
-              <a:rPr lang="en-US" dirty="0">
-                <a:solidFill>
-                  <a:schemeClr val="accent6">
-                    <a:lumMod val="40000"/>
-                    <a:lumOff val="60000"/>
-                  </a:schemeClr>
-                </a:solidFill>
-              </a:rPr>
-              <a:t>To let user enter , delete or/and edit a URL .</a:t>
-            </a:r>
-          </a:p>
-          <a:p>
-            <a:r>
-              <a:rPr lang="en-US" dirty="0">
-                <a:solidFill>
-                  <a:schemeClr val="accent6">
-                    <a:lumMod val="40000"/>
-                    <a:lumOff val="60000"/>
-                  </a:schemeClr>
-                </a:solidFill>
-              </a:rPr>
-              <a:t>Create a relational view of the database , with proper key – table relation to store user details and the URL details.</a:t>
-            </a:r>
-          </a:p>
-          <a:p>
-            <a:r>
-              <a:rPr lang="en-US" dirty="0">
-                <a:solidFill>
-                  <a:schemeClr val="accent6">
-                    <a:lumMod val="40000"/>
-                    <a:lumOff val="60000"/>
-                  </a:schemeClr>
-                </a:solidFill>
-              </a:rPr>
-              <a:t>Scan through the saved Websites.</a:t>
-            </a:r>
-          </a:p>
-          <a:p>
-            <a:r>
-              <a:rPr lang="en-US" dirty="0">
-                <a:solidFill>
-                  <a:schemeClr val="accent6">
-                    <a:lumMod val="40000"/>
-                    <a:lumOff val="60000"/>
-                  </a:schemeClr>
-                </a:solidFill>
-              </a:rPr>
-              <a:t>For the identified websites, update the database.</a:t>
-            </a:r>
-          </a:p>
-          <a:p>
-            <a:r>
-              <a:rPr lang="en-US" dirty="0">
-                <a:solidFill>
-                  <a:schemeClr val="accent6">
-                    <a:lumMod val="40000"/>
-                    <a:lumOff val="60000"/>
-                  </a:schemeClr>
-                </a:solidFill>
-              </a:rPr>
-              <a:t>Send the email to the user , without spamming them.</a:t>
-            </a:r>
-          </a:p>
-        </p:txBody>
-      </p:sp>
-      <p:sp>
-        <p:nvSpPr>
-          <p:cNvPr id="4" name="TextBox 3">
-            <a:extLst>
-              <a:ext uri="{FF2B5EF4-FFF2-40B4-BE49-F238E27FC236}">
-                <a16:creationId xmlns:a16="http://schemas.microsoft.com/office/drawing/2014/main" id="{E2F75D3C-4D6C-495B-95A6-C10D8C2C0CFB}"/>
-              </a:ext>
-            </a:extLst>
-          </p:cNvPr>
-          <p:cNvSpPr txBox="1"/>
-          <p:nvPr/>
         </p:nvSpPr>
         <p:spPr>
           <a:xfrm>
-            <a:off x="7403184" y="1489435"/>
-            <a:ext cx="4788816" cy="1754326"/>
+            <a:off x="838200" y="1825624"/>
+            <a:ext cx="10515600" cy="4784726"/>
           </a:xfrm>
-          <a:prstGeom prst="rect">
-            <a:avLst/>
-          </a:prstGeom>
-          <a:solidFill>
-            <a:schemeClr val="accent1">
-              <a:lumMod val="50000"/>
-            </a:schemeClr>
-          </a:solidFill>
-          <a:ln>
-            <a:solidFill>
-              <a:schemeClr val="accent2">
-                <a:lumMod val="75000"/>
-              </a:schemeClr>
-            </a:solidFill>
-          </a:ln>
         </p:spPr>
         <p:txBody>
-          <a:bodyPr wrap="square" rtlCol="0">
-            <a:spAutoFit/>
-          </a:bodyPr>
-          <a:lstStyle/>
-          <a:p>
-            <a:pPr>
-              <a:lnSpc>
-                <a:spcPct val="200000"/>
-              </a:lnSpc>
-            </a:pPr>
-            <a:r>
-              <a:rPr lang="en-US" dirty="0" err="1">
-                <a:solidFill>
-                  <a:schemeClr val="bg1"/>
-                </a:solidFill>
-              </a:rPr>
-              <a:t>Php</a:t>
-            </a:r>
-            <a:r>
-              <a:rPr lang="en-US" dirty="0">
-                <a:solidFill>
-                  <a:schemeClr val="bg1"/>
-                </a:solidFill>
-              </a:rPr>
-              <a:t>  - Front End handling</a:t>
-            </a:r>
-          </a:p>
-          <a:p>
-            <a:pPr>
-              <a:lnSpc>
-                <a:spcPct val="200000"/>
-              </a:lnSpc>
-            </a:pPr>
-            <a:r>
-              <a:rPr lang="en-US" dirty="0" err="1">
-                <a:solidFill>
-                  <a:schemeClr val="bg1"/>
-                </a:solidFill>
-              </a:rPr>
-              <a:t>MySql</a:t>
-            </a:r>
-            <a:r>
-              <a:rPr lang="en-US" dirty="0">
-                <a:solidFill>
-                  <a:schemeClr val="bg1"/>
-                </a:solidFill>
-              </a:rPr>
-              <a:t> – To store the user details</a:t>
-            </a:r>
-          </a:p>
-          <a:p>
-            <a:pPr>
-              <a:lnSpc>
-                <a:spcPct val="200000"/>
-              </a:lnSpc>
-            </a:pPr>
-            <a:r>
-              <a:rPr lang="en-US" dirty="0" err="1">
-                <a:solidFill>
-                  <a:schemeClr val="bg1"/>
-                </a:solidFill>
-              </a:rPr>
-              <a:t>phpMyadmin</a:t>
-            </a:r>
-            <a:r>
-              <a:rPr lang="en-US" dirty="0">
-                <a:solidFill>
-                  <a:schemeClr val="bg1"/>
-                </a:solidFill>
-              </a:rPr>
-              <a:t>- Connect </a:t>
-            </a:r>
-            <a:r>
-              <a:rPr lang="en-US" dirty="0" err="1">
-                <a:solidFill>
-                  <a:schemeClr val="bg1"/>
-                </a:solidFill>
-              </a:rPr>
-              <a:t>Php</a:t>
-            </a:r>
-            <a:r>
-              <a:rPr lang="en-US" dirty="0">
-                <a:solidFill>
-                  <a:schemeClr val="bg1"/>
-                </a:solidFill>
-              </a:rPr>
-              <a:t> and </a:t>
-            </a:r>
-            <a:r>
-              <a:rPr lang="en-US" dirty="0" err="1">
-                <a:solidFill>
-                  <a:schemeClr val="bg1"/>
-                </a:solidFill>
-              </a:rPr>
-              <a:t>Mysql</a:t>
-            </a:r>
-            <a:r>
-              <a:rPr lang="en-US" dirty="0">
-                <a:solidFill>
-                  <a:schemeClr val="bg1"/>
-                </a:solidFill>
-              </a:rPr>
-              <a:t>.</a:t>
-            </a:r>
-          </a:p>
-        </p:txBody>
-      </p:sp>
-      <p:sp>
-        <p:nvSpPr>
-          <p:cNvPr id="7" name="Arrow: Right 6">
-            <a:extLst>
-              <a:ext uri="{FF2B5EF4-FFF2-40B4-BE49-F238E27FC236}">
-                <a16:creationId xmlns:a16="http://schemas.microsoft.com/office/drawing/2014/main" id="{ABB21E1D-F2BF-4F8C-8173-97A5DCF81312}"/>
-              </a:ext>
-            </a:extLst>
-          </p:cNvPr>
-          <p:cNvSpPr/>
-          <p:nvPr/>
-        </p:nvSpPr>
-        <p:spPr>
-          <a:xfrm>
-            <a:off x="6777872" y="1825625"/>
-            <a:ext cx="480767" cy="314375"/>
-          </a:xfrm>
-          <a:prstGeom prst="rightArrow">
-            <a:avLst/>
-          </a:prstGeom>
-          <a:solidFill>
-            <a:schemeClr val="accent2">
-              <a:lumMod val="50000"/>
-            </a:schemeClr>
-          </a:solidFill>
-          <a:ln>
-            <a:solidFill>
-              <a:schemeClr val="accent2">
-                <a:lumMod val="75000"/>
-              </a:schemeClr>
-            </a:solidFill>
-          </a:ln>
-        </p:spPr>
-        <p:style>
-          <a:lnRef idx="2">
-            <a:schemeClr val="accent1">
-              <a:shade val="50000"/>
-            </a:schemeClr>
-          </a:lnRef>
-          <a:fillRef idx="1">
-            <a:schemeClr val="accent1"/>
-          </a:fillRef>
-          <a:effectRef idx="0">
-            <a:schemeClr val="accent1"/>
-          </a:effectRef>
-          <a:fontRef idx="minor">
-            <a:schemeClr val="lt1"/>
-          </a:fontRef>
-        </p:style>
-        <p:txBody>
-          <a:bodyPr rtlCol="0" anchor="ctr"/>
-          <a:lstStyle/>
-          <a:p>
-            <a:pPr algn="ctr"/>
-            <a:endParaRPr lang="en-US"/>
+          <a:bodyPr numCol="2"/>
+          <a:lstStyle/>
+          <a:p>
+            <a:r>
+              <a:rPr lang="en-US" dirty="0" smtClean="0"/>
+              <a:t> </a:t>
+            </a:r>
+            <a:r>
+              <a:rPr lang="en-US" dirty="0" smtClean="0">
+                <a:solidFill>
+                  <a:srgbClr val="F5F5F5"/>
+                </a:solidFill>
+              </a:rPr>
+              <a:t>3</a:t>
+            </a:r>
+            <a:r>
+              <a:rPr lang="en-US" dirty="0" smtClean="0"/>
+              <a:t> Tables: URLs, </a:t>
+            </a:r>
+            <a:r>
+              <a:rPr lang="en-US" dirty="0"/>
+              <a:t>Users, </a:t>
+            </a:r>
+            <a:r>
+              <a:rPr lang="en-US" dirty="0" smtClean="0"/>
+              <a:t>and </a:t>
+            </a:r>
+            <a:r>
+              <a:rPr lang="en-US" dirty="0" err="1" smtClean="0"/>
+              <a:t>User_URL_List</a:t>
+            </a:r>
+            <a:endParaRPr lang="en-US" dirty="0" smtClean="0"/>
+          </a:p>
+          <a:p>
+            <a:r>
+              <a:rPr lang="en-US" dirty="0"/>
+              <a:t> </a:t>
+            </a:r>
+            <a:r>
+              <a:rPr lang="en-US" dirty="0">
+                <a:solidFill>
+                  <a:srgbClr val="F5F5F5"/>
+                </a:solidFill>
+              </a:rPr>
+              <a:t>URLs</a:t>
+            </a:r>
+            <a:r>
+              <a:rPr lang="en-US" dirty="0"/>
+              <a:t>:</a:t>
+            </a:r>
+          </a:p>
+          <a:p>
+            <a:pPr lvl="1"/>
+            <a:r>
+              <a:rPr lang="en-US" dirty="0"/>
+              <a:t>URL</a:t>
+            </a:r>
+          </a:p>
+          <a:p>
+            <a:pPr lvl="1"/>
+            <a:r>
+              <a:rPr lang="en-US" dirty="0"/>
+              <a:t>Last-modified</a:t>
+            </a:r>
+          </a:p>
+          <a:p>
+            <a:pPr lvl="1"/>
+            <a:r>
+              <a:rPr lang="en-US" dirty="0" err="1"/>
+              <a:t>Etag</a:t>
+            </a:r>
+            <a:endParaRPr lang="en-US" dirty="0"/>
+          </a:p>
+          <a:p>
+            <a:pPr lvl="1"/>
+            <a:r>
+              <a:rPr lang="en-US" dirty="0" smtClean="0"/>
+              <a:t>Updated</a:t>
+            </a:r>
+          </a:p>
+          <a:p>
+            <a:endParaRPr lang="en-US" dirty="0"/>
+          </a:p>
+          <a:p>
+            <a:endParaRPr lang="en-US" dirty="0" smtClean="0"/>
+          </a:p>
+          <a:p>
+            <a:endParaRPr lang="en-US" dirty="0" smtClean="0"/>
+          </a:p>
+          <a:p>
+            <a:r>
+              <a:rPr lang="en-US" dirty="0" smtClean="0"/>
+              <a:t> </a:t>
+            </a:r>
+            <a:r>
+              <a:rPr lang="en-US" dirty="0" smtClean="0">
+                <a:solidFill>
+                  <a:srgbClr val="F5F5F5"/>
+                </a:solidFill>
+              </a:rPr>
+              <a:t>Users</a:t>
+            </a:r>
+            <a:r>
+              <a:rPr lang="en-US" dirty="0"/>
+              <a:t>:</a:t>
+            </a:r>
+          </a:p>
+          <a:p>
+            <a:pPr lvl="1"/>
+            <a:r>
+              <a:rPr lang="en-US" dirty="0"/>
+              <a:t>Email</a:t>
+            </a:r>
+          </a:p>
+          <a:p>
+            <a:pPr lvl="1"/>
+            <a:r>
+              <a:rPr lang="en-US" dirty="0"/>
+              <a:t>Username</a:t>
+            </a:r>
+          </a:p>
+          <a:p>
+            <a:pPr lvl="1"/>
+            <a:r>
+              <a:rPr lang="en-US" dirty="0"/>
+              <a:t>Password</a:t>
+            </a:r>
+          </a:p>
+          <a:p>
+            <a:r>
+              <a:rPr lang="en-US" dirty="0" smtClean="0"/>
+              <a:t> </a:t>
+            </a:r>
+            <a:r>
+              <a:rPr lang="en-US" dirty="0" err="1" smtClean="0">
+                <a:solidFill>
+                  <a:srgbClr val="F5F5F5"/>
+                </a:solidFill>
+              </a:rPr>
+              <a:t>User_URL_List</a:t>
+            </a:r>
+            <a:r>
+              <a:rPr lang="en-US" dirty="0" smtClean="0"/>
+              <a:t>:</a:t>
+            </a:r>
+          </a:p>
+          <a:p>
+            <a:pPr lvl="1"/>
+            <a:r>
+              <a:rPr lang="en-US" dirty="0" smtClean="0"/>
+              <a:t>Email</a:t>
+            </a:r>
+          </a:p>
+          <a:p>
+            <a:pPr lvl="1"/>
+            <a:r>
+              <a:rPr lang="en-US" dirty="0" smtClean="0"/>
+              <a:t>URL</a:t>
+            </a:r>
+            <a:endParaRPr lang="en-US" dirty="0"/>
           </a:p>
         </p:txBody>
       </p:sp>
     </p:spTree>
     <p:extLst>
       <p:ext uri="{BB962C8B-B14F-4D97-AF65-F5344CB8AC3E}">
-        <p14:creationId xmlns:p14="http://schemas.microsoft.com/office/powerpoint/2010/main" val="2611299180"/>
+        <p14:creationId xmlns:p14="http://schemas.microsoft.com/office/powerpoint/2010/main" val="38569425"/>
       </p:ext>
     </p:extLst>
   </p:cSld>
   <p:clrMapOvr>
     <a:masterClrMapping/>
   </p:clrMapOvr>
+  <p:timing>
+    <p:tnLst>
+      <p:par>
+        <p:cTn id="1" dur="indefinite" restart="never" nodeType="tmRoot"/>
+      </p:par>
+    </p:tnLst>
+  </p:timing>
 </p:sld>
 </file>
 
@@ -5763,7 +8867,7 @@
           <p:cNvPr id="2" name="Title 1">
             <a:extLst>
               <a:ext uri="{FF2B5EF4-FFF2-40B4-BE49-F238E27FC236}">
-                <a16:creationId xmlns:a16="http://schemas.microsoft.com/office/drawing/2014/main" id="{259D0B7C-1D18-4B9B-9686-41CD01222471}"/>
+                <a16:creationId xmlns:a16="http://schemas.microsoft.com/office/drawing/2014/main" xmlns="" id="{259D0B7C-1D18-4B9B-9686-41CD01222471}"/>
               </a:ext>
             </a:extLst>
           </p:cNvPr>
@@ -5792,7 +8896,7 @@
           <p:cNvPr id="3" name="Content Placeholder 2">
             <a:extLst>
               <a:ext uri="{FF2B5EF4-FFF2-40B4-BE49-F238E27FC236}">
-                <a16:creationId xmlns:a16="http://schemas.microsoft.com/office/drawing/2014/main" id="{7171011C-A762-4A01-8962-0A7436AA633E}"/>
+                <a16:creationId xmlns:a16="http://schemas.microsoft.com/office/drawing/2014/main" xmlns="" id="{7171011C-A762-4A01-8962-0A7436AA633E}"/>
               </a:ext>
             </a:extLst>
           </p:cNvPr>
@@ -5803,283 +8907,290 @@
             <p:ph idx="1"/>
           </p:nvPr>
         </p:nvSpPr>
-        <p:spPr>
-          <a:xfrm>
-            <a:off x="838200" y="1816198"/>
-            <a:ext cx="10515600" cy="4351338"/>
-          </a:xfrm>
-        </p:spPr>
+        <p:spPr/>
         <p:txBody>
           <a:bodyPr/>
           <a:lstStyle/>
           <a:p>
             <a:r>
-              <a:rPr lang="en-US" dirty="0">
-                <a:solidFill>
-                  <a:schemeClr val="accent6">
-                    <a:lumMod val="40000"/>
-                    <a:lumOff val="60000"/>
-                  </a:schemeClr>
-                </a:solidFill>
-              </a:rPr>
-              <a:t>To let the user create an account.</a:t>
-            </a:r>
+              <a:rPr lang="en-US" dirty="0" smtClean="0">
+                <a:solidFill>
+                  <a:srgbClr val="824040">
+                    <a:alpha val="50000"/>
+                  </a:srgbClr>
+                </a:solidFill>
+              </a:rPr>
+              <a:t> </a:t>
+            </a:r>
+            <a:r>
+              <a:rPr lang="en-US" dirty="0" smtClean="0">
+                <a:solidFill>
+                  <a:srgbClr val="F5F5F5">
+                    <a:alpha val="50000"/>
+                  </a:srgbClr>
+                </a:solidFill>
+              </a:rPr>
+              <a:t>Database</a:t>
+            </a:r>
+            <a:r>
+              <a:rPr lang="en-US" dirty="0" smtClean="0">
+                <a:solidFill>
+                  <a:srgbClr val="824040">
+                    <a:alpha val="50000"/>
+                  </a:srgbClr>
+                </a:solidFill>
+              </a:rPr>
+              <a:t> Design</a:t>
+            </a:r>
+            <a:endParaRPr lang="en-US" dirty="0" smtClean="0">
+              <a:solidFill>
+                <a:srgbClr val="824040">
+                  <a:alpha val="50000"/>
+                </a:srgbClr>
+              </a:solidFill>
+            </a:endParaRPr>
           </a:p>
           <a:p>
             <a:r>
               <a:rPr lang="en-US" dirty="0"/>
-              <a:t>To let user enter , delete and edit a URL .</a:t>
-            </a:r>
-          </a:p>
-          <a:p>
-            <a:r>
-              <a:rPr lang="en-US" dirty="0">
-                <a:solidFill>
-                  <a:schemeClr val="accent6">
-                    <a:lumMod val="40000"/>
-                    <a:lumOff val="60000"/>
-                  </a:schemeClr>
-                </a:solidFill>
-              </a:rPr>
-              <a:t>Create a relational view of the database , with proper key – table relation to store user details and the URL details.</a:t>
-            </a:r>
-          </a:p>
-          <a:p>
-            <a:r>
-              <a:rPr lang="en-US" dirty="0">
-                <a:solidFill>
-                  <a:schemeClr val="accent6">
-                    <a:lumMod val="40000"/>
-                    <a:lumOff val="60000"/>
-                  </a:schemeClr>
-                </a:solidFill>
-              </a:rPr>
-              <a:t>Scan through the saved Websites.</a:t>
-            </a:r>
-          </a:p>
-          <a:p>
-            <a:r>
-              <a:rPr lang="en-US" dirty="0">
-                <a:solidFill>
-                  <a:schemeClr val="accent6">
-                    <a:lumMod val="40000"/>
-                    <a:lumOff val="60000"/>
-                  </a:schemeClr>
-                </a:solidFill>
-              </a:rPr>
-              <a:t>For the identified websites, update the database.</a:t>
-            </a:r>
-          </a:p>
-          <a:p>
-            <a:r>
-              <a:rPr lang="en-US" dirty="0">
-                <a:solidFill>
-                  <a:schemeClr val="accent6">
-                    <a:lumMod val="40000"/>
-                    <a:lumOff val="60000"/>
-                  </a:schemeClr>
-                </a:solidFill>
-              </a:rPr>
-              <a:t>Send the email to the user , without spamming them.</a:t>
-            </a:r>
-          </a:p>
-        </p:txBody>
-      </p:sp>
-      <p:sp>
-        <p:nvSpPr>
-          <p:cNvPr id="7" name="Arrow: Right 6">
-            <a:extLst>
-              <a:ext uri="{FF2B5EF4-FFF2-40B4-BE49-F238E27FC236}">
-                <a16:creationId xmlns:a16="http://schemas.microsoft.com/office/drawing/2014/main" id="{D28B34BC-6C11-4BED-B52A-B634C9F50A76}"/>
-              </a:ext>
-            </a:extLst>
-          </p:cNvPr>
-          <p:cNvSpPr/>
-          <p:nvPr/>
-        </p:nvSpPr>
-        <p:spPr>
-          <a:xfrm>
-            <a:off x="7702484" y="2366929"/>
-            <a:ext cx="480767" cy="314375"/>
-          </a:xfrm>
-          <a:prstGeom prst="rightArrow">
-            <a:avLst/>
-          </a:prstGeom>
-          <a:solidFill>
-            <a:schemeClr val="accent2">
-              <a:lumMod val="50000"/>
-            </a:schemeClr>
-          </a:solidFill>
-          <a:ln>
-            <a:solidFill>
-              <a:schemeClr val="accent2">
-                <a:lumMod val="75000"/>
-              </a:schemeClr>
-            </a:solidFill>
-          </a:ln>
-        </p:spPr>
-        <p:style>
-          <a:lnRef idx="2">
-            <a:schemeClr val="accent1">
-              <a:shade val="50000"/>
-            </a:schemeClr>
-          </a:lnRef>
-          <a:fillRef idx="1">
-            <a:schemeClr val="accent1"/>
-          </a:fillRef>
-          <a:effectRef idx="0">
-            <a:schemeClr val="accent1"/>
-          </a:effectRef>
-          <a:fontRef idx="minor">
-            <a:schemeClr val="lt1"/>
-          </a:fontRef>
-        </p:style>
-        <p:txBody>
-          <a:bodyPr rtlCol="0" anchor="ctr"/>
-          <a:lstStyle/>
-          <a:p>
-            <a:pPr algn="ctr"/>
-            <a:endParaRPr lang="en-US"/>
-          </a:p>
-        </p:txBody>
-      </p:sp>
-      <p:sp>
-        <p:nvSpPr>
-          <p:cNvPr id="8" name="TextBox 7">
-            <a:extLst>
-              <a:ext uri="{FF2B5EF4-FFF2-40B4-BE49-F238E27FC236}">
-                <a16:creationId xmlns:a16="http://schemas.microsoft.com/office/drawing/2014/main" id="{1E0310CB-37C2-4ED0-A57A-2E42410619B9}"/>
-              </a:ext>
-            </a:extLst>
-          </p:cNvPr>
-          <p:cNvSpPr txBox="1"/>
-          <p:nvPr/>
-        </p:nvSpPr>
-        <p:spPr>
-          <a:xfrm>
-            <a:off x="8276734" y="1527142"/>
-            <a:ext cx="3915266" cy="1754326"/>
-          </a:xfrm>
-          <a:prstGeom prst="rect">
-            <a:avLst/>
-          </a:prstGeom>
-          <a:solidFill>
-            <a:schemeClr val="accent1">
-              <a:lumMod val="50000"/>
-            </a:schemeClr>
-          </a:solidFill>
-          <a:ln>
-            <a:solidFill>
-              <a:schemeClr val="accent2">
-                <a:lumMod val="75000"/>
-              </a:schemeClr>
-            </a:solidFill>
-          </a:ln>
-        </p:spPr>
-        <p:txBody>
-          <a:bodyPr wrap="square" rtlCol="0">
-            <a:spAutoFit/>
-          </a:bodyPr>
-          <a:lstStyle/>
-          <a:p>
-            <a:pPr>
-              <a:lnSpc>
-                <a:spcPct val="200000"/>
-              </a:lnSpc>
-            </a:pPr>
-            <a:r>
-              <a:rPr lang="en-US" dirty="0" err="1">
-                <a:solidFill>
-                  <a:schemeClr val="bg1"/>
-                </a:solidFill>
-              </a:rPr>
-              <a:t>Php</a:t>
-            </a:r>
-            <a:r>
-              <a:rPr lang="en-US" dirty="0">
-                <a:solidFill>
-                  <a:schemeClr val="bg1"/>
-                </a:solidFill>
-              </a:rPr>
-              <a:t>  - Front End handling</a:t>
-            </a:r>
-          </a:p>
-          <a:p>
-            <a:pPr>
-              <a:lnSpc>
-                <a:spcPct val="200000"/>
-              </a:lnSpc>
-            </a:pPr>
-            <a:r>
-              <a:rPr lang="en-US" dirty="0" err="1">
-                <a:solidFill>
-                  <a:schemeClr val="bg1"/>
-                </a:solidFill>
-              </a:rPr>
-              <a:t>MySql</a:t>
-            </a:r>
-            <a:r>
-              <a:rPr lang="en-US" dirty="0">
-                <a:solidFill>
-                  <a:schemeClr val="bg1"/>
-                </a:solidFill>
-              </a:rPr>
-              <a:t> – To store the user details</a:t>
-            </a:r>
-          </a:p>
-          <a:p>
-            <a:pPr>
-              <a:lnSpc>
-                <a:spcPct val="200000"/>
-              </a:lnSpc>
-            </a:pPr>
-            <a:r>
-              <a:rPr lang="en-US" dirty="0" err="1">
-                <a:solidFill>
-                  <a:schemeClr val="bg1"/>
-                </a:solidFill>
-              </a:rPr>
-              <a:t>phpMyadmin</a:t>
-            </a:r>
-            <a:r>
-              <a:rPr lang="en-US" dirty="0">
-                <a:solidFill>
-                  <a:schemeClr val="bg1"/>
-                </a:solidFill>
-              </a:rPr>
-              <a:t>- Connect </a:t>
-            </a:r>
-            <a:r>
-              <a:rPr lang="en-US" dirty="0" err="1">
-                <a:solidFill>
-                  <a:schemeClr val="bg1"/>
-                </a:solidFill>
-              </a:rPr>
-              <a:t>Php</a:t>
-            </a:r>
-            <a:r>
-              <a:rPr lang="en-US" dirty="0">
-                <a:solidFill>
-                  <a:schemeClr val="bg1"/>
-                </a:solidFill>
-              </a:rPr>
-              <a:t> and </a:t>
-            </a:r>
-            <a:r>
-              <a:rPr lang="en-US" dirty="0" err="1">
-                <a:solidFill>
-                  <a:schemeClr val="bg1"/>
-                </a:solidFill>
-              </a:rPr>
-              <a:t>Mysql</a:t>
-            </a:r>
-            <a:r>
-              <a:rPr lang="en-US" dirty="0">
-                <a:solidFill>
-                  <a:schemeClr val="bg1"/>
-                </a:solidFill>
-              </a:rPr>
-              <a:t>.</a:t>
+              <a:t> Account </a:t>
+            </a:r>
+            <a:r>
+              <a:rPr lang="en-US" dirty="0">
+                <a:solidFill>
+                  <a:srgbClr val="F5F5F5"/>
+                </a:solidFill>
+              </a:rPr>
+              <a:t>Creation</a:t>
+            </a:r>
+            <a:r>
+              <a:rPr lang="en-US" dirty="0"/>
+              <a:t>, Logging </a:t>
+            </a:r>
+            <a:r>
+              <a:rPr lang="en-US" dirty="0">
+                <a:solidFill>
+                  <a:srgbClr val="F5F5F5"/>
+                </a:solidFill>
+              </a:rPr>
+              <a:t>In</a:t>
+            </a:r>
+            <a:r>
+              <a:rPr lang="en-US" dirty="0"/>
+              <a:t>, and Logging </a:t>
+            </a:r>
+            <a:r>
+              <a:rPr lang="en-US" dirty="0">
+                <a:solidFill>
+                  <a:srgbClr val="F5F5F5"/>
+                </a:solidFill>
+              </a:rPr>
+              <a:t>Out</a:t>
+            </a:r>
+            <a:endParaRPr lang="en-US" dirty="0" smtClean="0">
+              <a:solidFill>
+                <a:srgbClr val="F5F5F5">
+                  <a:alpha val="50000"/>
+                </a:srgbClr>
+              </a:solidFill>
+            </a:endParaRPr>
+          </a:p>
+          <a:p>
+            <a:r>
+              <a:rPr lang="en-US" dirty="0">
+                <a:solidFill>
+                  <a:srgbClr val="824040">
+                    <a:alpha val="50000"/>
+                  </a:srgbClr>
+                </a:solidFill>
+              </a:rPr>
+              <a:t> </a:t>
+            </a:r>
+            <a:r>
+              <a:rPr lang="en-US" dirty="0" smtClean="0">
+                <a:solidFill>
+                  <a:srgbClr val="F5F5F5">
+                    <a:alpha val="50000"/>
+                  </a:srgbClr>
+                </a:solidFill>
+              </a:rPr>
+              <a:t>Changing</a:t>
+            </a:r>
+            <a:r>
+              <a:rPr lang="en-US" dirty="0" smtClean="0">
+                <a:solidFill>
+                  <a:srgbClr val="824040">
+                    <a:alpha val="50000"/>
+                  </a:srgbClr>
+                </a:solidFill>
+              </a:rPr>
+              <a:t> </a:t>
+            </a:r>
+            <a:r>
+              <a:rPr lang="en-US" dirty="0">
+                <a:solidFill>
+                  <a:srgbClr val="824040">
+                    <a:alpha val="50000"/>
+                  </a:srgbClr>
+                </a:solidFill>
+              </a:rPr>
+              <a:t>Password and Account </a:t>
+            </a:r>
+            <a:r>
+              <a:rPr lang="en-US" dirty="0">
+                <a:solidFill>
+                  <a:srgbClr val="F5F5F5">
+                    <a:alpha val="50000"/>
+                  </a:srgbClr>
+                </a:solidFill>
+              </a:rPr>
+              <a:t>Recovery</a:t>
+            </a:r>
+          </a:p>
+          <a:p>
+            <a:r>
+              <a:rPr lang="en-US" dirty="0" smtClean="0">
+                <a:solidFill>
+                  <a:srgbClr val="824040">
+                    <a:alpha val="50000"/>
+                  </a:srgbClr>
+                </a:solidFill>
+              </a:rPr>
+              <a:t> Adding</a:t>
+            </a:r>
+            <a:r>
+              <a:rPr lang="en-US" dirty="0">
+                <a:solidFill>
+                  <a:srgbClr val="824040">
+                    <a:alpha val="50000"/>
+                  </a:srgbClr>
+                </a:solidFill>
+              </a:rPr>
+              <a:t>, Editing, and Deleting </a:t>
+            </a:r>
+            <a:r>
+              <a:rPr lang="en-US" dirty="0" smtClean="0">
+                <a:solidFill>
+                  <a:srgbClr val="F5F5F5">
+                    <a:alpha val="50000"/>
+                  </a:srgbClr>
+                </a:solidFill>
+              </a:rPr>
+              <a:t>URLs</a:t>
+            </a:r>
+          </a:p>
+          <a:p>
+            <a:r>
+              <a:rPr lang="en-US" dirty="0" smtClean="0">
+                <a:solidFill>
+                  <a:srgbClr val="824040">
+                    <a:alpha val="50000"/>
+                  </a:srgbClr>
+                </a:solidFill>
+              </a:rPr>
+              <a:t> </a:t>
+            </a:r>
+            <a:r>
+              <a:rPr lang="en-US" dirty="0" smtClean="0">
+                <a:solidFill>
+                  <a:srgbClr val="F5F5F5">
+                    <a:alpha val="50000"/>
+                  </a:srgbClr>
+                </a:solidFill>
+              </a:rPr>
+              <a:t>Searching</a:t>
+            </a:r>
+            <a:r>
+              <a:rPr lang="en-US" dirty="0" smtClean="0">
+                <a:solidFill>
+                  <a:srgbClr val="824040">
+                    <a:alpha val="50000"/>
+                  </a:srgbClr>
+                </a:solidFill>
+              </a:rPr>
+              <a:t> </a:t>
+            </a:r>
+            <a:r>
+              <a:rPr lang="en-US" dirty="0">
+                <a:solidFill>
+                  <a:srgbClr val="824040">
+                    <a:alpha val="50000"/>
+                  </a:srgbClr>
+                </a:solidFill>
+              </a:rPr>
+              <a:t>for </a:t>
+            </a:r>
+            <a:r>
+              <a:rPr lang="en-US" dirty="0" smtClean="0">
+                <a:solidFill>
+                  <a:srgbClr val="824040">
+                    <a:alpha val="50000"/>
+                  </a:srgbClr>
+                </a:solidFill>
+              </a:rPr>
+              <a:t>Updates</a:t>
+            </a:r>
+          </a:p>
+          <a:p>
+            <a:r>
+              <a:rPr lang="en-US" dirty="0" smtClean="0">
+                <a:solidFill>
+                  <a:srgbClr val="824040">
+                    <a:alpha val="50000"/>
+                  </a:srgbClr>
+                </a:solidFill>
+              </a:rPr>
+              <a:t> </a:t>
+            </a:r>
+            <a:r>
+              <a:rPr lang="en-US" dirty="0" smtClean="0">
+                <a:solidFill>
+                  <a:srgbClr val="F5F5F5">
+                    <a:alpha val="50000"/>
+                  </a:srgbClr>
+                </a:solidFill>
+              </a:rPr>
+              <a:t>Updating</a:t>
+            </a:r>
+            <a:r>
+              <a:rPr lang="en-US" dirty="0" smtClean="0">
+                <a:solidFill>
+                  <a:srgbClr val="824040">
+                    <a:alpha val="50000"/>
+                  </a:srgbClr>
+                </a:solidFill>
+              </a:rPr>
+              <a:t> </a:t>
+            </a:r>
+            <a:r>
+              <a:rPr lang="en-US" dirty="0">
+                <a:solidFill>
+                  <a:srgbClr val="824040">
+                    <a:alpha val="50000"/>
+                  </a:srgbClr>
+                </a:solidFill>
+              </a:rPr>
+              <a:t>the Database and </a:t>
+            </a:r>
+            <a:r>
+              <a:rPr lang="en-US" dirty="0">
+                <a:solidFill>
+                  <a:srgbClr val="F5F5F5">
+                    <a:alpha val="50000"/>
+                  </a:srgbClr>
+                </a:solidFill>
+              </a:rPr>
+              <a:t>Sending</a:t>
+            </a:r>
+            <a:r>
+              <a:rPr lang="en-US" dirty="0">
+                <a:solidFill>
+                  <a:srgbClr val="824040">
+                    <a:alpha val="50000"/>
+                  </a:srgbClr>
+                </a:solidFill>
+              </a:rPr>
+              <a:t> Emails</a:t>
             </a:r>
           </a:p>
         </p:txBody>
@@ -6087,13 +9198,20 @@
     </p:spTree>
     <p:extLst>
       <p:ext uri="{BB962C8B-B14F-4D97-AF65-F5344CB8AC3E}">
-        <p14:creationId xmlns:p14="http://schemas.microsoft.com/office/powerpoint/2010/main" val="65087415"/>
+        <p14:creationId xmlns:p14="http://schemas.microsoft.com/office/powerpoint/2010/main" val="2218681568"/>
       </p:ext>
     </p:extLst>
   </p:cSld>
   <p:clrMapOvr>
     <a:masterClrMapping/>
   </p:clrMapOvr>
+  <p:timing>
+    <p:tnLst>
+      <p:par>
+        <p:cTn id="1" dur="indefinite" restart="never" nodeType="tmRoot"/>
+      </p:par>
+    </p:tnLst>
+  </p:timing>
 </p:sld>
 </file>
 
@@ -6116,13 +9234,7 @@
       </p:grpSpPr>
       <p:sp>
         <p:nvSpPr>
-          <p:cNvPr id="2" name="Title 1">
-            <a:extLst>
-              <a:ext uri="{FF2B5EF4-FFF2-40B4-BE49-F238E27FC236}">
-                <a16:creationId xmlns:a16="http://schemas.microsoft.com/office/drawing/2014/main" id="{259D0B7C-1D18-4B9B-9686-41CD01222471}"/>
-              </a:ext>
-            </a:extLst>
-          </p:cNvPr>
+          <p:cNvPr id="2" name="Title 1"/>
           <p:cNvSpPr>
             <a:spLocks noGrp="1"/>
           </p:cNvSpPr>
@@ -6138,274 +9250,70 @@
             <a:pPr algn="ctr"/>
             <a:r>
               <a:rPr lang="en-US" dirty="0"/>
-              <a:t>How do we do it?</a:t>
-            </a:r>
-          </a:p>
-        </p:txBody>
-      </p:sp>
-      <p:sp>
-        <p:nvSpPr>
-          <p:cNvPr id="3" name="Content Placeholder 2">
-            <a:extLst>
-              <a:ext uri="{FF2B5EF4-FFF2-40B4-BE49-F238E27FC236}">
-                <a16:creationId xmlns:a16="http://schemas.microsoft.com/office/drawing/2014/main" id="{7171011C-A762-4A01-8962-0A7436AA633E}"/>
-              </a:ext>
-            </a:extLst>
-          </p:cNvPr>
-          <p:cNvSpPr>
-            <a:spLocks noGrp="1"/>
-          </p:cNvSpPr>
+              <a:t>Account </a:t>
+            </a:r>
+            <a:r>
+              <a:rPr lang="en-US" dirty="0">
+                <a:solidFill>
+                  <a:srgbClr val="F5F5F5"/>
+                </a:solidFill>
+              </a:rPr>
+              <a:t>Creation</a:t>
+            </a:r>
+          </a:p>
+        </p:txBody>
+      </p:sp>
+      <p:pic>
+        <p:nvPicPr>
+          <p:cNvPr id="10" name="Content Placeholder 9"/>
+          <p:cNvPicPr>
+            <a:picLocks noGrp="1" noChangeAspect="1"/>
+          </p:cNvPicPr>
           <p:nvPr>
             <p:ph idx="1"/>
           </p:nvPr>
-        </p:nvSpPr>
-        <p:spPr/>
-        <p:txBody>
-          <a:bodyPr/>
-          <a:lstStyle/>
-          <a:p>
-            <a:r>
-              <a:rPr lang="en-US" dirty="0">
-                <a:solidFill>
-                  <a:schemeClr val="accent6">
-                    <a:lumMod val="40000"/>
-                    <a:lumOff val="60000"/>
-                  </a:schemeClr>
-                </a:solidFill>
-              </a:rPr>
-              <a:t>To let the user create an account.</a:t>
-            </a:r>
-          </a:p>
-          <a:p>
-            <a:r>
-              <a:rPr lang="en-US" dirty="0">
-                <a:solidFill>
-                  <a:schemeClr val="accent6">
-                    <a:lumMod val="40000"/>
-                    <a:lumOff val="60000"/>
-                  </a:schemeClr>
-                </a:solidFill>
-              </a:rPr>
-              <a:t>To let user enter , delete or/and edit a URL .</a:t>
-            </a:r>
-          </a:p>
-          <a:p>
-            <a:r>
-              <a:rPr lang="en-US" dirty="0"/>
-              <a:t>Create a relational view of the database , with proper key – table relation to store user details and the URL details.</a:t>
-            </a:r>
-          </a:p>
-          <a:p>
-            <a:r>
-              <a:rPr lang="en-US" dirty="0">
-                <a:solidFill>
-                  <a:schemeClr val="accent6">
-                    <a:lumMod val="40000"/>
-                    <a:lumOff val="60000"/>
-                  </a:schemeClr>
-                </a:solidFill>
-              </a:rPr>
-              <a:t>Scan through the saved Websites.</a:t>
-            </a:r>
-          </a:p>
-          <a:p>
-            <a:r>
-              <a:rPr lang="en-US" dirty="0">
-                <a:solidFill>
-                  <a:schemeClr val="accent6">
-                    <a:lumMod val="40000"/>
-                    <a:lumOff val="60000"/>
-                  </a:schemeClr>
-                </a:solidFill>
-              </a:rPr>
-              <a:t>For the identified websites, update the database.</a:t>
-            </a:r>
-          </a:p>
-          <a:p>
-            <a:r>
-              <a:rPr lang="en-US" dirty="0">
-                <a:solidFill>
-                  <a:schemeClr val="accent6">
-                    <a:lumMod val="40000"/>
-                    <a:lumOff val="60000"/>
-                  </a:schemeClr>
-                </a:solidFill>
-              </a:rPr>
-              <a:t>Send the email to the user , without spamming them.</a:t>
-            </a:r>
-          </a:p>
-        </p:txBody>
-      </p:sp>
-      <p:sp>
-        <p:nvSpPr>
-          <p:cNvPr id="5" name="Arrow: Down 4">
-            <a:extLst>
-              <a:ext uri="{FF2B5EF4-FFF2-40B4-BE49-F238E27FC236}">
-                <a16:creationId xmlns:a16="http://schemas.microsoft.com/office/drawing/2014/main" id="{67486C9C-BFD3-4510-A684-3175152D0637}"/>
-              </a:ext>
-            </a:extLst>
-          </p:cNvPr>
-          <p:cNvSpPr/>
-          <p:nvPr/>
-        </p:nvSpPr>
+        </p:nvPicPr>
+        <p:blipFill>
+          <a:blip r:embed="rId2" cstate="print">
+            <a:extLst>
+              <a:ext uri="{28A0092B-C50C-407E-A947-70E740481C1C}">
+                <a14:useLocalDpi xmlns:a14="http://schemas.microsoft.com/office/drawing/2010/main" val="0"/>
+              </a:ext>
+            </a:extLst>
+          </a:blip>
+          <a:stretch>
+            <a:fillRect/>
+          </a:stretch>
+        </p:blipFill>
         <p:spPr>
           <a:xfrm>
-            <a:off x="10020693" y="3308808"/>
-            <a:ext cx="395926" cy="556182"/>
+            <a:off x="1551522" y="1825625"/>
+            <a:ext cx="9088956" cy="4351338"/>
           </a:xfrm>
-          <a:prstGeom prst="downArrow">
-            <a:avLst/>
-          </a:prstGeom>
-          <a:solidFill>
-            <a:schemeClr val="accent2">
-              <a:lumMod val="50000"/>
-            </a:schemeClr>
-          </a:solidFill>
-          <a:ln>
+          <a:ln w="38100">
             <a:solidFill>
-              <a:schemeClr val="accent2">
-                <a:lumMod val="75000"/>
-              </a:schemeClr>
+              <a:srgbClr val="F5F5F5"/>
             </a:solidFill>
           </a:ln>
         </p:spPr>
-        <p:style>
-          <a:lnRef idx="2">
-            <a:schemeClr val="accent1">
-              <a:shade val="50000"/>
-            </a:schemeClr>
-          </a:lnRef>
-          <a:fillRef idx="1">
-            <a:schemeClr val="accent1"/>
-          </a:fillRef>
-          <a:effectRef idx="0">
-            <a:schemeClr val="accent1"/>
-          </a:effectRef>
-          <a:fontRef idx="minor">
-            <a:schemeClr val="lt1"/>
-          </a:fontRef>
-        </p:style>
-        <p:txBody>
-          <a:bodyPr rtlCol="0" anchor="ctr"/>
-          <a:lstStyle/>
-          <a:p>
-            <a:pPr algn="ctr"/>
-            <a:endParaRPr lang="en-US"/>
-          </a:p>
-        </p:txBody>
-      </p:sp>
-      <p:sp>
-        <p:nvSpPr>
-          <p:cNvPr id="7" name="TextBox 6">
-            <a:extLst>
-              <a:ext uri="{FF2B5EF4-FFF2-40B4-BE49-F238E27FC236}">
-                <a16:creationId xmlns:a16="http://schemas.microsoft.com/office/drawing/2014/main" id="{7B536BA5-86EE-4A7D-B3FD-316BCD9E4B71}"/>
-              </a:ext>
-            </a:extLst>
-          </p:cNvPr>
-          <p:cNvSpPr txBox="1"/>
-          <p:nvPr/>
-        </p:nvSpPr>
-        <p:spPr>
-          <a:xfrm>
-            <a:off x="7692272" y="3864990"/>
-            <a:ext cx="3915266" cy="1200329"/>
-          </a:xfrm>
-          <a:prstGeom prst="rect">
-            <a:avLst/>
-          </a:prstGeom>
-          <a:solidFill>
-            <a:schemeClr val="accent1">
-              <a:lumMod val="50000"/>
-            </a:schemeClr>
-          </a:solidFill>
-          <a:ln>
-            <a:solidFill>
-              <a:schemeClr val="accent2">
-                <a:lumMod val="75000"/>
-              </a:schemeClr>
-            </a:solidFill>
-          </a:ln>
-        </p:spPr>
-        <p:txBody>
-          <a:bodyPr wrap="square" rtlCol="0">
-            <a:spAutoFit/>
-          </a:bodyPr>
-          <a:lstStyle/>
-          <a:p>
-            <a:pPr>
-              <a:lnSpc>
-                <a:spcPct val="200000"/>
-              </a:lnSpc>
-            </a:pPr>
-            <a:r>
-              <a:rPr lang="en-US" dirty="0" err="1">
-                <a:solidFill>
-                  <a:schemeClr val="bg1"/>
-                </a:solidFill>
-              </a:rPr>
-              <a:t>MySql</a:t>
-            </a:r>
-            <a:r>
-              <a:rPr lang="en-US" dirty="0">
-                <a:solidFill>
-                  <a:schemeClr val="bg1"/>
-                </a:solidFill>
-              </a:rPr>
-              <a:t> – To store the user details</a:t>
-            </a:r>
-          </a:p>
-          <a:p>
-            <a:pPr>
-              <a:lnSpc>
-                <a:spcPct val="200000"/>
-              </a:lnSpc>
-            </a:pPr>
-            <a:r>
-              <a:rPr lang="en-US" dirty="0" err="1">
-                <a:solidFill>
-                  <a:schemeClr val="bg1"/>
-                </a:solidFill>
-              </a:rPr>
-              <a:t>phpMyadmin</a:t>
-            </a:r>
-            <a:r>
-              <a:rPr lang="en-US" dirty="0">
-                <a:solidFill>
-                  <a:schemeClr val="bg1"/>
-                </a:solidFill>
-              </a:rPr>
-              <a:t>- Use </a:t>
-            </a:r>
-            <a:r>
-              <a:rPr lang="en-US" dirty="0" err="1">
-                <a:solidFill>
-                  <a:schemeClr val="bg1"/>
-                </a:solidFill>
-              </a:rPr>
-              <a:t>Mysql</a:t>
-            </a:r>
-            <a:r>
-              <a:rPr lang="en-US" dirty="0">
-                <a:solidFill>
-                  <a:schemeClr val="bg1"/>
-                </a:solidFill>
-              </a:rPr>
-              <a:t>.</a:t>
-            </a:r>
-          </a:p>
-        </p:txBody>
-      </p:sp>
+      </p:pic>
     </p:spTree>
     <p:extLst>
       <p:ext uri="{BB962C8B-B14F-4D97-AF65-F5344CB8AC3E}">
-        <p14:creationId xmlns:p14="http://schemas.microsoft.com/office/powerpoint/2010/main" val="3234712775"/>
+        <p14:creationId xmlns:p14="http://schemas.microsoft.com/office/powerpoint/2010/main" val="4163603388"/>
       </p:ext>
     </p:extLst>
   </p:cSld>
   <p:clrMapOvr>
     <a:masterClrMapping/>
   </p:clrMapOvr>
+  <p:timing>
+    <p:tnLst>
+      <p:par>
+        <p:cTn id="1" dur="indefinite" restart="never" nodeType="tmRoot"/>
+      </p:par>
+    </p:tnLst>
+  </p:timing>
 </p:sld>
 </file>
 
@@ -6428,13 +9336,7 @@
       </p:grpSpPr>
       <p:sp>
         <p:nvSpPr>
-          <p:cNvPr id="2" name="Title 1">
-            <a:extLst>
-              <a:ext uri="{FF2B5EF4-FFF2-40B4-BE49-F238E27FC236}">
-                <a16:creationId xmlns:a16="http://schemas.microsoft.com/office/drawing/2014/main" id="{259D0B7C-1D18-4B9B-9686-41CD01222471}"/>
-              </a:ext>
-            </a:extLst>
-          </p:cNvPr>
+          <p:cNvPr id="2" name="Title 1"/>
           <p:cNvSpPr>
             <a:spLocks noGrp="1"/>
           </p:cNvSpPr>
@@ -6450,247 +9352,70 @@
             <a:pPr algn="ctr"/>
             <a:r>
               <a:rPr lang="en-US" dirty="0"/>
-              <a:t>How do we do it?</a:t>
-            </a:r>
-          </a:p>
-        </p:txBody>
-      </p:sp>
-      <p:sp>
-        <p:nvSpPr>
-          <p:cNvPr id="3" name="Content Placeholder 2">
-            <a:extLst>
-              <a:ext uri="{FF2B5EF4-FFF2-40B4-BE49-F238E27FC236}">
-                <a16:creationId xmlns:a16="http://schemas.microsoft.com/office/drawing/2014/main" id="{7171011C-A762-4A01-8962-0A7436AA633E}"/>
-              </a:ext>
-            </a:extLst>
-          </p:cNvPr>
-          <p:cNvSpPr>
-            <a:spLocks noGrp="1"/>
-          </p:cNvSpPr>
+              <a:t>Account </a:t>
+            </a:r>
+            <a:r>
+              <a:rPr lang="en-US" dirty="0">
+                <a:solidFill>
+                  <a:srgbClr val="F5F5F5"/>
+                </a:solidFill>
+              </a:rPr>
+              <a:t>Creation</a:t>
+            </a:r>
+          </a:p>
+        </p:txBody>
+      </p:sp>
+      <p:pic>
+        <p:nvPicPr>
+          <p:cNvPr id="6" name="Content Placeholder 5"/>
+          <p:cNvPicPr>
+            <a:picLocks noGrp="1" noChangeAspect="1"/>
+          </p:cNvPicPr>
           <p:nvPr>
             <p:ph idx="1"/>
           </p:nvPr>
-        </p:nvSpPr>
-        <p:spPr/>
-        <p:txBody>
-          <a:bodyPr/>
-          <a:lstStyle/>
-          <a:p>
-            <a:r>
-              <a:rPr lang="en-US" dirty="0">
-                <a:solidFill>
-                  <a:schemeClr val="accent6">
-                    <a:lumMod val="40000"/>
-                    <a:lumOff val="60000"/>
-                  </a:schemeClr>
-                </a:solidFill>
-              </a:rPr>
-              <a:t>To let the user create an account.</a:t>
-            </a:r>
-          </a:p>
-          <a:p>
-            <a:r>
-              <a:rPr lang="en-US" dirty="0">
-                <a:solidFill>
-                  <a:schemeClr val="accent6">
-                    <a:lumMod val="40000"/>
-                    <a:lumOff val="60000"/>
-                  </a:schemeClr>
-                </a:solidFill>
-              </a:rPr>
-              <a:t>To let user enter , delete or/and edit a URL .</a:t>
-            </a:r>
-          </a:p>
-          <a:p>
-            <a:r>
-              <a:rPr lang="en-US" dirty="0">
-                <a:solidFill>
-                  <a:schemeClr val="accent6">
-                    <a:lumMod val="40000"/>
-                    <a:lumOff val="60000"/>
-                  </a:schemeClr>
-                </a:solidFill>
-              </a:rPr>
-              <a:t>Create a relational view of the database , with proper key – table relation to store user details and the URL details.</a:t>
-            </a:r>
-          </a:p>
-          <a:p>
-            <a:r>
-              <a:rPr lang="en-US" dirty="0"/>
-              <a:t>Scan through the saved Websites.</a:t>
-            </a:r>
-          </a:p>
-          <a:p>
-            <a:r>
-              <a:rPr lang="en-US" dirty="0">
-                <a:solidFill>
-                  <a:schemeClr val="accent6">
-                    <a:lumMod val="40000"/>
-                    <a:lumOff val="60000"/>
-                  </a:schemeClr>
-                </a:solidFill>
-              </a:rPr>
-              <a:t>For the identified websites, update the database.</a:t>
-            </a:r>
-          </a:p>
-          <a:p>
-            <a:r>
-              <a:rPr lang="en-US" dirty="0">
-                <a:solidFill>
-                  <a:schemeClr val="accent6">
-                    <a:lumMod val="40000"/>
-                    <a:lumOff val="60000"/>
-                  </a:schemeClr>
-                </a:solidFill>
-              </a:rPr>
-              <a:t>Send the email to the user , without spamming them.</a:t>
-            </a:r>
-          </a:p>
-        </p:txBody>
-      </p:sp>
-      <p:sp>
-        <p:nvSpPr>
-          <p:cNvPr id="4" name="Arrow: Right 3">
-            <a:extLst>
-              <a:ext uri="{FF2B5EF4-FFF2-40B4-BE49-F238E27FC236}">
-                <a16:creationId xmlns:a16="http://schemas.microsoft.com/office/drawing/2014/main" id="{07EE4AEE-250A-44AD-BA47-BEAF9C644140}"/>
-              </a:ext>
-            </a:extLst>
-          </p:cNvPr>
-          <p:cNvSpPr/>
-          <p:nvPr/>
-        </p:nvSpPr>
+        </p:nvPicPr>
+        <p:blipFill>
+          <a:blip r:embed="rId2" cstate="print">
+            <a:extLst>
+              <a:ext uri="{28A0092B-C50C-407E-A947-70E740481C1C}">
+                <a14:useLocalDpi xmlns:a14="http://schemas.microsoft.com/office/drawing/2010/main" val="0"/>
+              </a:ext>
+            </a:extLst>
+          </a:blip>
+          <a:stretch>
+            <a:fillRect/>
+          </a:stretch>
+        </p:blipFill>
         <p:spPr>
           <a:xfrm>
-            <a:off x="6579909" y="3902697"/>
-            <a:ext cx="452487" cy="273377"/>
+            <a:off x="1551522" y="1825625"/>
+            <a:ext cx="9088956" cy="4351338"/>
           </a:xfrm>
-          <a:prstGeom prst="rightArrow">
-            <a:avLst/>
-          </a:prstGeom>
-          <a:solidFill>
-            <a:schemeClr val="accent2">
-              <a:lumMod val="50000"/>
-            </a:schemeClr>
-          </a:solidFill>
-          <a:ln>
+          <a:ln w="38100">
             <a:solidFill>
-              <a:schemeClr val="accent2">
-                <a:lumMod val="75000"/>
-              </a:schemeClr>
+              <a:srgbClr val="F5F5F5"/>
             </a:solidFill>
           </a:ln>
         </p:spPr>
-        <p:style>
-          <a:lnRef idx="2">
-            <a:schemeClr val="accent1">
-              <a:shade val="50000"/>
-            </a:schemeClr>
-          </a:lnRef>
-          <a:fillRef idx="1">
-            <a:schemeClr val="accent1"/>
-          </a:fillRef>
-          <a:effectRef idx="0">
-            <a:schemeClr val="accent1"/>
-          </a:effectRef>
-          <a:fontRef idx="minor">
-            <a:schemeClr val="lt1"/>
-          </a:fontRef>
-        </p:style>
-        <p:txBody>
-          <a:bodyPr rtlCol="0" anchor="ctr"/>
-          <a:lstStyle/>
-          <a:p>
-            <a:pPr algn="ctr"/>
-            <a:endParaRPr lang="en-US"/>
-          </a:p>
-        </p:txBody>
-      </p:sp>
-      <p:sp>
-        <p:nvSpPr>
-          <p:cNvPr id="5" name="TextBox 4">
-            <a:extLst>
-              <a:ext uri="{FF2B5EF4-FFF2-40B4-BE49-F238E27FC236}">
-                <a16:creationId xmlns:a16="http://schemas.microsoft.com/office/drawing/2014/main" id="{EEA224CB-FEA4-407C-B271-0366A3AFCC40}"/>
-              </a:ext>
-            </a:extLst>
-          </p:cNvPr>
-          <p:cNvSpPr txBox="1"/>
-          <p:nvPr/>
-        </p:nvSpPr>
-        <p:spPr>
-          <a:xfrm>
-            <a:off x="7032396" y="3485561"/>
-            <a:ext cx="4321404" cy="1122743"/>
-          </a:xfrm>
-          <a:prstGeom prst="rect">
-            <a:avLst/>
-          </a:prstGeom>
-          <a:solidFill>
-            <a:schemeClr val="accent1">
-              <a:lumMod val="50000"/>
-            </a:schemeClr>
-          </a:solidFill>
-          <a:ln>
-            <a:solidFill>
-              <a:schemeClr val="accent2">
-                <a:lumMod val="75000"/>
-              </a:schemeClr>
-            </a:solidFill>
-          </a:ln>
-        </p:spPr>
-        <p:txBody>
-          <a:bodyPr wrap="square" rtlCol="0">
-            <a:spAutoFit/>
-          </a:bodyPr>
-          <a:lstStyle/>
-          <a:p>
-            <a:pPr>
-              <a:lnSpc>
-                <a:spcPct val="200000"/>
-              </a:lnSpc>
-            </a:pPr>
-            <a:r>
-              <a:rPr lang="en-US" dirty="0" err="1">
-                <a:solidFill>
-                  <a:schemeClr val="bg1"/>
-                </a:solidFill>
-              </a:rPr>
-              <a:t>Php</a:t>
-            </a:r>
-            <a:r>
-              <a:rPr lang="en-US" dirty="0">
-                <a:solidFill>
-                  <a:schemeClr val="bg1"/>
-                </a:solidFill>
-              </a:rPr>
-              <a:t>  - Front End handling.</a:t>
-            </a:r>
-          </a:p>
-          <a:p>
-            <a:pPr>
-              <a:lnSpc>
-                <a:spcPct val="200000"/>
-              </a:lnSpc>
-            </a:pPr>
-            <a:endParaRPr lang="en-US" dirty="0">
-              <a:solidFill>
-                <a:schemeClr val="bg1"/>
-              </a:solidFill>
-            </a:endParaRPr>
-          </a:p>
-        </p:txBody>
-      </p:sp>
+      </p:pic>
     </p:spTree>
     <p:extLst>
       <p:ext uri="{BB962C8B-B14F-4D97-AF65-F5344CB8AC3E}">
-        <p14:creationId xmlns:p14="http://schemas.microsoft.com/office/powerpoint/2010/main" val="2520450206"/>
+        <p14:creationId xmlns:p14="http://schemas.microsoft.com/office/powerpoint/2010/main" val="1867931010"/>
       </p:ext>
     </p:extLst>
   </p:cSld>
   <p:clrMapOvr>
     <a:masterClrMapping/>
   </p:clrMapOvr>
+  <p:timing>
+    <p:tnLst>
+      <p:par>
+        <p:cTn id="1" dur="indefinite" restart="never" nodeType="tmRoot"/>
+      </p:par>
+    </p:tnLst>
+  </p:timing>
 </p:sld>
 </file>
 
@@ -6713,13 +9438,7 @@
       </p:grpSpPr>
       <p:sp>
         <p:nvSpPr>
-          <p:cNvPr id="2" name="Title 1">
-            <a:extLst>
-              <a:ext uri="{FF2B5EF4-FFF2-40B4-BE49-F238E27FC236}">
-                <a16:creationId xmlns:a16="http://schemas.microsoft.com/office/drawing/2014/main" id="{259D0B7C-1D18-4B9B-9686-41CD01222471}"/>
-              </a:ext>
-            </a:extLst>
-          </p:cNvPr>
+          <p:cNvPr id="2" name="Title 1"/>
           <p:cNvSpPr>
             <a:spLocks noGrp="1"/>
           </p:cNvSpPr>
@@ -6735,313 +9454,70 @@
             <a:pPr algn="ctr"/>
             <a:r>
               <a:rPr lang="en-US" dirty="0"/>
-              <a:t>How do we do it?</a:t>
-            </a:r>
-          </a:p>
-        </p:txBody>
-      </p:sp>
-      <p:sp>
-        <p:nvSpPr>
-          <p:cNvPr id="3" name="Content Placeholder 2">
-            <a:extLst>
-              <a:ext uri="{FF2B5EF4-FFF2-40B4-BE49-F238E27FC236}">
-                <a16:creationId xmlns:a16="http://schemas.microsoft.com/office/drawing/2014/main" id="{7171011C-A762-4A01-8962-0A7436AA633E}"/>
-              </a:ext>
-            </a:extLst>
-          </p:cNvPr>
-          <p:cNvSpPr>
-            <a:spLocks noGrp="1"/>
-          </p:cNvSpPr>
+              <a:t>Logging </a:t>
+            </a:r>
+            <a:r>
+              <a:rPr lang="en-US" dirty="0">
+                <a:solidFill>
+                  <a:srgbClr val="F5F5F5"/>
+                </a:solidFill>
+              </a:rPr>
+              <a:t>In</a:t>
+            </a:r>
+          </a:p>
+        </p:txBody>
+      </p:sp>
+      <p:pic>
+        <p:nvPicPr>
+          <p:cNvPr id="6" name="Content Placeholder 5"/>
+          <p:cNvPicPr>
+            <a:picLocks noGrp="1" noChangeAspect="1"/>
+          </p:cNvPicPr>
           <p:nvPr>
             <p:ph idx="1"/>
           </p:nvPr>
-        </p:nvSpPr>
-        <p:spPr/>
-        <p:txBody>
-          <a:bodyPr/>
-          <a:lstStyle/>
-          <a:p>
-            <a:r>
-              <a:rPr lang="en-US" dirty="0">
-                <a:solidFill>
-                  <a:schemeClr val="accent6">
-                    <a:lumMod val="40000"/>
-                    <a:lumOff val="60000"/>
-                  </a:schemeClr>
-                </a:solidFill>
-              </a:rPr>
-              <a:t>To let the user create an account.</a:t>
-            </a:r>
-          </a:p>
-          <a:p>
-            <a:r>
-              <a:rPr lang="en-US" dirty="0">
-                <a:solidFill>
-                  <a:schemeClr val="accent6">
-                    <a:lumMod val="40000"/>
-                    <a:lumOff val="60000"/>
-                  </a:schemeClr>
-                </a:solidFill>
-              </a:rPr>
-              <a:t>To let user enter , delete or/and edit a URL .</a:t>
-            </a:r>
-          </a:p>
-          <a:p>
-            <a:r>
-              <a:rPr lang="en-US" dirty="0">
-                <a:solidFill>
-                  <a:schemeClr val="accent6">
-                    <a:lumMod val="40000"/>
-                    <a:lumOff val="60000"/>
-                  </a:schemeClr>
-                </a:solidFill>
-              </a:rPr>
-              <a:t>Create a relational view of the database , with proper key – table relation to store user details and the URL details.</a:t>
-            </a:r>
-          </a:p>
-          <a:p>
-            <a:r>
-              <a:rPr lang="en-US" dirty="0">
-                <a:solidFill>
-                  <a:schemeClr val="accent6">
-                    <a:lumMod val="40000"/>
-                    <a:lumOff val="60000"/>
-                  </a:schemeClr>
-                </a:solidFill>
-              </a:rPr>
-              <a:t>Scan through the saved Websites.</a:t>
-            </a:r>
-          </a:p>
-          <a:p>
-            <a:r>
-              <a:rPr lang="en-US" dirty="0"/>
-              <a:t>For the identified websites, update the database.</a:t>
-            </a:r>
-          </a:p>
-          <a:p>
-            <a:r>
-              <a:rPr lang="en-US" dirty="0">
-                <a:solidFill>
-                  <a:schemeClr val="accent6">
-                    <a:lumMod val="40000"/>
-                    <a:lumOff val="60000"/>
-                  </a:schemeClr>
-                </a:solidFill>
-              </a:rPr>
-              <a:t>Send the email to the user , without spamming them.</a:t>
-            </a:r>
-          </a:p>
-        </p:txBody>
-      </p:sp>
-      <p:sp>
-        <p:nvSpPr>
-          <p:cNvPr id="4" name="Arrow: Up 3">
-            <a:extLst>
-              <a:ext uri="{FF2B5EF4-FFF2-40B4-BE49-F238E27FC236}">
-                <a16:creationId xmlns:a16="http://schemas.microsoft.com/office/drawing/2014/main" id="{098C1A4F-4DB8-4F96-80F7-6FA8D6A9DF44}"/>
-              </a:ext>
-            </a:extLst>
-          </p:cNvPr>
-          <p:cNvSpPr/>
-          <p:nvPr/>
-        </p:nvSpPr>
+        </p:nvPicPr>
+        <p:blipFill>
+          <a:blip r:embed="rId2" cstate="print">
+            <a:extLst>
+              <a:ext uri="{28A0092B-C50C-407E-A947-70E740481C1C}">
+                <a14:useLocalDpi xmlns:a14="http://schemas.microsoft.com/office/drawing/2010/main" val="0"/>
+              </a:ext>
+            </a:extLst>
+          </a:blip>
+          <a:stretch>
+            <a:fillRect/>
+          </a:stretch>
+        </p:blipFill>
         <p:spPr>
           <a:xfrm>
-            <a:off x="8314441" y="3949831"/>
-            <a:ext cx="273378" cy="320511"/>
+            <a:off x="1551522" y="1825625"/>
+            <a:ext cx="9088956" cy="4351338"/>
           </a:xfrm>
-          <a:prstGeom prst="upArrow">
-            <a:avLst/>
-          </a:prstGeom>
-          <a:solidFill>
-            <a:schemeClr val="accent2">
-              <a:lumMod val="50000"/>
-            </a:schemeClr>
-          </a:solidFill>
-          <a:ln>
+          <a:ln w="38100">
             <a:solidFill>
-              <a:schemeClr val="accent2">
-                <a:lumMod val="75000"/>
-              </a:schemeClr>
+              <a:srgbClr val="F5F5F5"/>
             </a:solidFill>
           </a:ln>
         </p:spPr>
-        <p:style>
-          <a:lnRef idx="2">
-            <a:schemeClr val="accent1">
-              <a:shade val="50000"/>
-            </a:schemeClr>
-          </a:lnRef>
-          <a:fillRef idx="1">
-            <a:schemeClr val="accent1"/>
-          </a:fillRef>
-          <a:effectRef idx="0">
-            <a:schemeClr val="accent1"/>
-          </a:effectRef>
-          <a:fontRef idx="minor">
-            <a:schemeClr val="lt1"/>
-          </a:fontRef>
-        </p:style>
-        <p:txBody>
-          <a:bodyPr rtlCol="0" anchor="ctr"/>
-          <a:lstStyle/>
-          <a:p>
-            <a:pPr algn="ctr"/>
-            <a:endParaRPr lang="en-US"/>
-          </a:p>
-        </p:txBody>
-      </p:sp>
-      <p:sp>
-        <p:nvSpPr>
-          <p:cNvPr id="5" name="TextBox 4">
-            <a:extLst>
-              <a:ext uri="{FF2B5EF4-FFF2-40B4-BE49-F238E27FC236}">
-                <a16:creationId xmlns:a16="http://schemas.microsoft.com/office/drawing/2014/main" id="{D4BC38DA-CAEF-485E-8A1F-7F4AB70A0BD9}"/>
-              </a:ext>
-            </a:extLst>
-          </p:cNvPr>
-          <p:cNvSpPr txBox="1"/>
-          <p:nvPr/>
-        </p:nvSpPr>
-        <p:spPr>
-          <a:xfrm>
-            <a:off x="6825006" y="2195505"/>
-            <a:ext cx="4321404" cy="1754326"/>
-          </a:xfrm>
-          <a:prstGeom prst="rect">
-            <a:avLst/>
-          </a:prstGeom>
-          <a:solidFill>
-            <a:schemeClr val="accent1">
-              <a:lumMod val="50000"/>
-            </a:schemeClr>
-          </a:solidFill>
-          <a:ln>
-            <a:solidFill>
-              <a:schemeClr val="accent2">
-                <a:lumMod val="75000"/>
-              </a:schemeClr>
-            </a:solidFill>
-          </a:ln>
-        </p:spPr>
-        <p:txBody>
-          <a:bodyPr wrap="square" rtlCol="0">
-            <a:spAutoFit/>
-          </a:bodyPr>
-          <a:lstStyle/>
-          <a:p>
-            <a:pPr>
-              <a:lnSpc>
-                <a:spcPct val="200000"/>
-              </a:lnSpc>
-            </a:pPr>
-            <a:r>
-              <a:rPr lang="en-US" dirty="0" err="1">
-                <a:solidFill>
-                  <a:schemeClr val="bg1"/>
-                </a:solidFill>
-              </a:rPr>
-              <a:t>Php</a:t>
-            </a:r>
-            <a:r>
-              <a:rPr lang="en-US" dirty="0">
-                <a:solidFill>
-                  <a:schemeClr val="bg1"/>
-                </a:solidFill>
-              </a:rPr>
-              <a:t>  - Front End handling</a:t>
-            </a:r>
-          </a:p>
-          <a:p>
-            <a:pPr>
-              <a:lnSpc>
-                <a:spcPct val="200000"/>
-              </a:lnSpc>
-            </a:pPr>
-            <a:r>
-              <a:rPr lang="en-US" dirty="0" err="1">
-                <a:solidFill>
-                  <a:schemeClr val="bg1"/>
-                </a:solidFill>
-              </a:rPr>
-              <a:t>MySql</a:t>
-            </a:r>
-            <a:r>
-              <a:rPr lang="en-US" dirty="0">
-                <a:solidFill>
-                  <a:schemeClr val="bg1"/>
-                </a:solidFill>
-              </a:rPr>
-              <a:t> – To store the user details</a:t>
-            </a:r>
-          </a:p>
-          <a:p>
-            <a:pPr>
-              <a:lnSpc>
-                <a:spcPct val="200000"/>
-              </a:lnSpc>
-            </a:pPr>
-            <a:r>
-              <a:rPr lang="en-US" dirty="0" err="1">
-                <a:solidFill>
-                  <a:schemeClr val="bg1"/>
-                </a:solidFill>
-              </a:rPr>
-              <a:t>phpMyadmin</a:t>
-            </a:r>
-            <a:r>
-              <a:rPr lang="en-US" dirty="0">
-                <a:solidFill>
-                  <a:schemeClr val="bg1"/>
-                </a:solidFill>
-              </a:rPr>
-              <a:t>- Connect </a:t>
-            </a:r>
-            <a:r>
-              <a:rPr lang="en-US" dirty="0" err="1">
-                <a:solidFill>
-                  <a:schemeClr val="bg1"/>
-                </a:solidFill>
-              </a:rPr>
-              <a:t>Php</a:t>
-            </a:r>
-            <a:r>
-              <a:rPr lang="en-US" dirty="0">
-                <a:solidFill>
-                  <a:schemeClr val="bg1"/>
-                </a:solidFill>
-              </a:rPr>
-              <a:t> and </a:t>
-            </a:r>
-            <a:r>
-              <a:rPr lang="en-US" dirty="0" err="1">
-                <a:solidFill>
-                  <a:schemeClr val="bg1"/>
-                </a:solidFill>
-              </a:rPr>
-              <a:t>Mysql</a:t>
-            </a:r>
-            <a:r>
-              <a:rPr lang="en-US" dirty="0">
-                <a:solidFill>
-                  <a:schemeClr val="bg1"/>
-                </a:solidFill>
-              </a:rPr>
-              <a:t>.</a:t>
-            </a:r>
-          </a:p>
-        </p:txBody>
-      </p:sp>
+      </p:pic>
     </p:spTree>
     <p:extLst>
       <p:ext uri="{BB962C8B-B14F-4D97-AF65-F5344CB8AC3E}">
-        <p14:creationId xmlns:p14="http://schemas.microsoft.com/office/powerpoint/2010/main" val="2241334342"/>
+        <p14:creationId xmlns:p14="http://schemas.microsoft.com/office/powerpoint/2010/main" val="3913536819"/>
       </p:ext>
     </p:extLst>
   </p:cSld>
   <p:clrMapOvr>
     <a:masterClrMapping/>
   </p:clrMapOvr>
+  <p:timing>
+    <p:tnLst>
+      <p:par>
+        <p:cTn id="1" dur="indefinite" restart="never" nodeType="tmRoot"/>
+      </p:par>
+    </p:tnLst>
+  </p:timing>
 </p:sld>
 </file>
 

--- a/NotifyMe.pptx
+++ b/NotifyMe.pptx
@@ -23,17 +23,18 @@
     <p:sldId id="291" r:id="rId17"/>
     <p:sldId id="282" r:id="rId18"/>
     <p:sldId id="292" r:id="rId19"/>
-    <p:sldId id="283" r:id="rId20"/>
-    <p:sldId id="293" r:id="rId21"/>
-    <p:sldId id="284" r:id="rId22"/>
-    <p:sldId id="294" r:id="rId23"/>
-    <p:sldId id="285" r:id="rId24"/>
-    <p:sldId id="295" r:id="rId25"/>
-    <p:sldId id="259" r:id="rId26"/>
-    <p:sldId id="261" r:id="rId27"/>
-    <p:sldId id="260" r:id="rId28"/>
-    <p:sldId id="275" r:id="rId29"/>
-    <p:sldId id="276" r:id="rId30"/>
+    <p:sldId id="300" r:id="rId20"/>
+    <p:sldId id="283" r:id="rId21"/>
+    <p:sldId id="293" r:id="rId22"/>
+    <p:sldId id="284" r:id="rId23"/>
+    <p:sldId id="294" r:id="rId24"/>
+    <p:sldId id="285" r:id="rId25"/>
+    <p:sldId id="295" r:id="rId26"/>
+    <p:sldId id="259" r:id="rId27"/>
+    <p:sldId id="261" r:id="rId28"/>
+    <p:sldId id="260" r:id="rId29"/>
+    <p:sldId id="275" r:id="rId30"/>
+    <p:sldId id="276" r:id="rId31"/>
   </p:sldIdLst>
   <p:sldSz cx="12192000" cy="6858000"/>
   <p:notesSz cx="6858000" cy="9144000"/>
@@ -4716,25 +4717,40 @@
           </a:p>
         </p:txBody>
       </p:sp>
-      <p:sp>
-        <p:nvSpPr>
-          <p:cNvPr id="7" name="Content Placeholder 6"/>
-          <p:cNvSpPr>
-            <a:spLocks noGrp="1"/>
-          </p:cNvSpPr>
+      <p:pic>
+        <p:nvPicPr>
+          <p:cNvPr id="8" name="Content Placeholder 7"/>
+          <p:cNvPicPr>
+            <a:picLocks noGrp="1" noChangeAspect="1"/>
+          </p:cNvPicPr>
           <p:nvPr>
             <p:ph idx="1"/>
           </p:nvPr>
-        </p:nvSpPr>
-        <p:spPr/>
-        <p:txBody>
-          <a:bodyPr/>
-          <a:lstStyle/>
-          <a:p>
-            <a:endParaRPr lang="en-US"/>
-          </a:p>
-        </p:txBody>
-      </p:sp>
+        </p:nvPicPr>
+        <p:blipFill>
+          <a:blip r:embed="rId2" cstate="print">
+            <a:extLst>
+              <a:ext uri="{28A0092B-C50C-407E-A947-70E740481C1C}">
+                <a14:useLocalDpi xmlns:a14="http://schemas.microsoft.com/office/drawing/2010/main" val="0"/>
+              </a:ext>
+            </a:extLst>
+          </a:blip>
+          <a:stretch>
+            <a:fillRect/>
+          </a:stretch>
+        </p:blipFill>
+        <p:spPr>
+          <a:xfrm>
+            <a:off x="1551522" y="1825625"/>
+            <a:ext cx="9088956" cy="4351338"/>
+          </a:xfrm>
+          <a:ln w="38100">
+            <a:solidFill>
+              <a:srgbClr val="F5F5F5"/>
+            </a:solidFill>
+          </a:ln>
+        </p:spPr>
+      </p:pic>
     </p:spTree>
     <p:extLst>
       <p:ext uri="{BB962C8B-B14F-4D97-AF65-F5344CB8AC3E}">
@@ -5190,25 +5206,40 @@
           </a:p>
         </p:txBody>
       </p:sp>
-      <p:sp>
-        <p:nvSpPr>
-          <p:cNvPr id="3" name="Content Placeholder 2"/>
-          <p:cNvSpPr>
-            <a:spLocks noGrp="1"/>
-          </p:cNvSpPr>
+      <p:pic>
+        <p:nvPicPr>
+          <p:cNvPr id="4" name="Content Placeholder 3"/>
+          <p:cNvPicPr>
+            <a:picLocks noGrp="1" noChangeAspect="1"/>
+          </p:cNvPicPr>
           <p:nvPr>
             <p:ph idx="1"/>
           </p:nvPr>
-        </p:nvSpPr>
-        <p:spPr/>
-        <p:txBody>
-          <a:bodyPr/>
-          <a:lstStyle/>
-          <a:p>
-            <a:endParaRPr lang="en-US"/>
-          </a:p>
-        </p:txBody>
-      </p:sp>
+        </p:nvPicPr>
+        <p:blipFill>
+          <a:blip r:embed="rId2" cstate="print">
+            <a:extLst>
+              <a:ext uri="{28A0092B-C50C-407E-A947-70E740481C1C}">
+                <a14:useLocalDpi xmlns:a14="http://schemas.microsoft.com/office/drawing/2010/main" val="0"/>
+              </a:ext>
+            </a:extLst>
+          </a:blip>
+          <a:stretch>
+            <a:fillRect/>
+          </a:stretch>
+        </p:blipFill>
+        <p:spPr>
+          <a:xfrm>
+            <a:off x="2237243" y="1825625"/>
+            <a:ext cx="7717513" cy="4351338"/>
+          </a:xfrm>
+          <a:ln w="38100">
+            <a:solidFill>
+              <a:srgbClr val="F5F5F5"/>
+            </a:solidFill>
+          </a:ln>
+        </p:spPr>
+      </p:pic>
     </p:spTree>
     <p:extLst>
       <p:ext uri="{BB962C8B-B14F-4D97-AF65-F5344CB8AC3E}">
@@ -5248,13 +5279,7 @@
       </p:grpSpPr>
       <p:sp>
         <p:nvSpPr>
-          <p:cNvPr id="2" name="Title 1">
-            <a:extLst>
-              <a:ext uri="{FF2B5EF4-FFF2-40B4-BE49-F238E27FC236}">
-                <a16:creationId xmlns:a16="http://schemas.microsoft.com/office/drawing/2014/main" xmlns="" id="{259D0B7C-1D18-4B9B-9686-41CD01222471}"/>
-              </a:ext>
-            </a:extLst>
-          </p:cNvPr>
+          <p:cNvPr id="2" name="Title 1"/>
           <p:cNvSpPr>
             <a:spLocks noGrp="1"/>
           </p:cNvSpPr>
@@ -5270,312 +5295,58 @@
             <a:pPr algn="ctr"/>
             <a:r>
               <a:rPr lang="en-US" dirty="0"/>
-              <a:t>How do we do it?</a:t>
-            </a:r>
-          </a:p>
-        </p:txBody>
-      </p:sp>
-      <p:sp>
-        <p:nvSpPr>
-          <p:cNvPr id="3" name="Content Placeholder 2">
-            <a:extLst>
-              <a:ext uri="{FF2B5EF4-FFF2-40B4-BE49-F238E27FC236}">
-                <a16:creationId xmlns:a16="http://schemas.microsoft.com/office/drawing/2014/main" xmlns="" id="{7171011C-A762-4A01-8962-0A7436AA633E}"/>
-              </a:ext>
-            </a:extLst>
-          </p:cNvPr>
-          <p:cNvSpPr>
-            <a:spLocks noGrp="1"/>
-          </p:cNvSpPr>
+              <a:t>Adding, Editing, and Deleting </a:t>
+            </a:r>
+            <a:r>
+              <a:rPr lang="en-US" dirty="0">
+                <a:solidFill>
+                  <a:srgbClr val="F5F5F5"/>
+                </a:solidFill>
+              </a:rPr>
+              <a:t>URLs</a:t>
+            </a:r>
+            <a:endParaRPr lang="en-US" dirty="0"/>
+          </a:p>
+        </p:txBody>
+      </p:sp>
+      <p:pic>
+        <p:nvPicPr>
+          <p:cNvPr id="5" name="Content Placeholder 4"/>
+          <p:cNvPicPr>
+            <a:picLocks noGrp="1" noChangeAspect="1"/>
+          </p:cNvPicPr>
           <p:nvPr>
             <p:ph idx="1"/>
           </p:nvPr>
-        </p:nvSpPr>
-        <p:spPr/>
-        <p:txBody>
-          <a:bodyPr/>
-          <a:lstStyle/>
-          <a:p>
-            <a:r>
-              <a:rPr lang="en-US" dirty="0" smtClean="0">
-                <a:solidFill>
-                  <a:srgbClr val="824040">
-                    <a:alpha val="50000"/>
-                  </a:srgbClr>
-                </a:solidFill>
-              </a:rPr>
-              <a:t> </a:t>
-            </a:r>
-            <a:r>
-              <a:rPr lang="en-US" dirty="0" smtClean="0">
-                <a:solidFill>
-                  <a:srgbClr val="F5F5F5">
-                    <a:alpha val="50000"/>
-                  </a:srgbClr>
-                </a:solidFill>
-              </a:rPr>
-              <a:t>Database</a:t>
-            </a:r>
-            <a:r>
-              <a:rPr lang="en-US" dirty="0" smtClean="0">
-                <a:solidFill>
-                  <a:srgbClr val="824040">
-                    <a:alpha val="50000"/>
-                  </a:srgbClr>
-                </a:solidFill>
-              </a:rPr>
-              <a:t> Design</a:t>
-            </a:r>
-            <a:endParaRPr lang="en-US" dirty="0" smtClean="0">
-              <a:solidFill>
-                <a:srgbClr val="824040">
-                  <a:alpha val="50000"/>
-                </a:srgbClr>
-              </a:solidFill>
-            </a:endParaRPr>
-          </a:p>
-          <a:p>
-            <a:r>
-              <a:rPr lang="en-US" dirty="0" smtClean="0">
-                <a:solidFill>
-                  <a:srgbClr val="824040">
-                    <a:alpha val="50000"/>
-                  </a:srgbClr>
-                </a:solidFill>
-              </a:rPr>
-              <a:t> Account </a:t>
-            </a:r>
-            <a:r>
-              <a:rPr lang="en-US" dirty="0">
-                <a:solidFill>
-                  <a:srgbClr val="F5F5F5">
-                    <a:alpha val="50000"/>
-                  </a:srgbClr>
-                </a:solidFill>
-              </a:rPr>
-              <a:t>Creation</a:t>
-            </a:r>
-            <a:r>
-              <a:rPr lang="en-US" dirty="0">
-                <a:solidFill>
-                  <a:srgbClr val="824040">
-                    <a:alpha val="50000"/>
-                  </a:srgbClr>
-                </a:solidFill>
-              </a:rPr>
-              <a:t>, Logging </a:t>
-            </a:r>
-            <a:r>
-              <a:rPr lang="en-US" dirty="0">
-                <a:solidFill>
-                  <a:srgbClr val="F5F5F5">
-                    <a:alpha val="50000"/>
-                  </a:srgbClr>
-                </a:solidFill>
-              </a:rPr>
-              <a:t>In</a:t>
-            </a:r>
-            <a:r>
-              <a:rPr lang="en-US" dirty="0">
-                <a:solidFill>
-                  <a:srgbClr val="824040">
-                    <a:alpha val="50000"/>
-                  </a:srgbClr>
-                </a:solidFill>
-              </a:rPr>
-              <a:t>, and Logging </a:t>
-            </a:r>
-            <a:r>
-              <a:rPr lang="en-US" dirty="0" smtClean="0">
-                <a:solidFill>
-                  <a:srgbClr val="F5F5F5">
-                    <a:alpha val="50000"/>
-                  </a:srgbClr>
-                </a:solidFill>
-              </a:rPr>
-              <a:t>Out</a:t>
-            </a:r>
-          </a:p>
-          <a:p>
-            <a:r>
-              <a:rPr lang="en-US" dirty="0">
-                <a:solidFill>
-                  <a:srgbClr val="824040">
-                    <a:alpha val="50000"/>
-                  </a:srgbClr>
-                </a:solidFill>
-              </a:rPr>
-              <a:t> </a:t>
-            </a:r>
-            <a:r>
-              <a:rPr lang="en-US" dirty="0" smtClean="0">
-                <a:solidFill>
-                  <a:srgbClr val="F5F5F5">
-                    <a:alpha val="50000"/>
-                  </a:srgbClr>
-                </a:solidFill>
-              </a:rPr>
-              <a:t>Changing</a:t>
-            </a:r>
-            <a:r>
-              <a:rPr lang="en-US" dirty="0" smtClean="0">
-                <a:solidFill>
-                  <a:srgbClr val="824040">
-                    <a:alpha val="50000"/>
-                  </a:srgbClr>
-                </a:solidFill>
-              </a:rPr>
-              <a:t> </a:t>
-            </a:r>
-            <a:r>
-              <a:rPr lang="en-US" dirty="0">
-                <a:solidFill>
-                  <a:srgbClr val="824040">
-                    <a:alpha val="50000"/>
-                  </a:srgbClr>
-                </a:solidFill>
-              </a:rPr>
-              <a:t>Password and Account </a:t>
-            </a:r>
-            <a:r>
-              <a:rPr lang="en-US" dirty="0">
-                <a:solidFill>
-                  <a:srgbClr val="F5F5F5">
-                    <a:alpha val="50000"/>
-                  </a:srgbClr>
-                </a:solidFill>
-              </a:rPr>
-              <a:t>Recovery</a:t>
-            </a:r>
-          </a:p>
-          <a:p>
-            <a:r>
-              <a:rPr lang="en-US" dirty="0" smtClean="0">
-                <a:solidFill>
-                  <a:srgbClr val="824040">
-                    <a:alpha val="50000"/>
-                  </a:srgbClr>
-                </a:solidFill>
-              </a:rPr>
-              <a:t> Adding</a:t>
-            </a:r>
-            <a:r>
-              <a:rPr lang="en-US" dirty="0">
-                <a:solidFill>
-                  <a:srgbClr val="824040">
-                    <a:alpha val="50000"/>
-                  </a:srgbClr>
-                </a:solidFill>
-              </a:rPr>
-              <a:t>, Editing, and Deleting </a:t>
-            </a:r>
-            <a:r>
-              <a:rPr lang="en-US" dirty="0" smtClean="0">
-                <a:solidFill>
-                  <a:srgbClr val="F5F5F5">
-                    <a:alpha val="50000"/>
-                  </a:srgbClr>
-                </a:solidFill>
-              </a:rPr>
-              <a:t>URLs</a:t>
-            </a:r>
-          </a:p>
-          <a:p>
-            <a:r>
-              <a:rPr lang="en-US" dirty="0" smtClean="0">
-                <a:solidFill>
-                  <a:srgbClr val="824040">
-                    <a:alpha val="50000"/>
-                  </a:srgbClr>
-                </a:solidFill>
-              </a:rPr>
-              <a:t> </a:t>
-            </a:r>
-            <a:r>
-              <a:rPr lang="en-US" dirty="0">
-                <a:solidFill>
-                  <a:srgbClr val="F5F5F5"/>
-                </a:solidFill>
-              </a:rPr>
-              <a:t>Searching</a:t>
-            </a:r>
-            <a:r>
-              <a:rPr lang="en-US" dirty="0"/>
-              <a:t> for </a:t>
-            </a:r>
-            <a:r>
-              <a:rPr lang="en-US" dirty="0" smtClean="0"/>
-              <a:t>Updates</a:t>
-            </a:r>
-          </a:p>
-          <a:p>
-            <a:r>
-              <a:rPr lang="en-US" dirty="0" smtClean="0">
-                <a:solidFill>
-                  <a:srgbClr val="824040">
-                    <a:alpha val="50000"/>
-                  </a:srgbClr>
-                </a:solidFill>
-              </a:rPr>
-              <a:t> </a:t>
-            </a:r>
-            <a:r>
-              <a:rPr lang="en-US" dirty="0" smtClean="0">
-                <a:solidFill>
-                  <a:srgbClr val="F5F5F5">
-                    <a:alpha val="50000"/>
-                  </a:srgbClr>
-                </a:solidFill>
-              </a:rPr>
-              <a:t>Updating</a:t>
-            </a:r>
-            <a:r>
-              <a:rPr lang="en-US" dirty="0" smtClean="0">
-                <a:solidFill>
-                  <a:srgbClr val="824040">
-                    <a:alpha val="50000"/>
-                  </a:srgbClr>
-                </a:solidFill>
-              </a:rPr>
-              <a:t> </a:t>
-            </a:r>
-            <a:r>
-              <a:rPr lang="en-US" dirty="0">
-                <a:solidFill>
-                  <a:srgbClr val="824040">
-                    <a:alpha val="50000"/>
-                  </a:srgbClr>
-                </a:solidFill>
-              </a:rPr>
-              <a:t>the Database and </a:t>
-            </a:r>
-            <a:r>
-              <a:rPr lang="en-US" dirty="0">
-                <a:solidFill>
-                  <a:srgbClr val="F5F5F5">
-                    <a:alpha val="50000"/>
-                  </a:srgbClr>
-                </a:solidFill>
-              </a:rPr>
-              <a:t>Sending</a:t>
-            </a:r>
-            <a:r>
-              <a:rPr lang="en-US" dirty="0">
-                <a:solidFill>
-                  <a:srgbClr val="824040">
-                    <a:alpha val="50000"/>
-                  </a:srgbClr>
-                </a:solidFill>
-              </a:rPr>
-              <a:t> Emails</a:t>
-            </a:r>
-          </a:p>
-        </p:txBody>
-      </p:sp>
+        </p:nvPicPr>
+        <p:blipFill>
+          <a:blip r:embed="rId2" cstate="print">
+            <a:extLst>
+              <a:ext uri="{28A0092B-C50C-407E-A947-70E740481C1C}">
+                <a14:useLocalDpi xmlns:a14="http://schemas.microsoft.com/office/drawing/2010/main" val="0"/>
+              </a:ext>
+            </a:extLst>
+          </a:blip>
+          <a:stretch>
+            <a:fillRect/>
+          </a:stretch>
+        </p:blipFill>
+        <p:spPr>
+          <a:xfrm>
+            <a:off x="1551522" y="1825625"/>
+            <a:ext cx="9088956" cy="4351338"/>
+          </a:xfrm>
+          <a:ln w="38100">
+            <a:solidFill>
+              <a:srgbClr val="F5F5F5"/>
+            </a:solidFill>
+          </a:ln>
+        </p:spPr>
+      </p:pic>
     </p:spTree>
     <p:extLst>
       <p:ext uri="{BB962C8B-B14F-4D97-AF65-F5344CB8AC3E}">
-        <p14:creationId xmlns:p14="http://schemas.microsoft.com/office/powerpoint/2010/main" val="4060571339"/>
+        <p14:creationId xmlns:p14="http://schemas.microsoft.com/office/powerpoint/2010/main" val="910697956"/>
       </p:ext>
     </p:extLst>
   </p:cSld>
@@ -5845,7 +5616,13 @@
       </p:grpSpPr>
       <p:sp>
         <p:nvSpPr>
-          <p:cNvPr id="2" name="Title 1"/>
+          <p:cNvPr id="2" name="Title 1">
+            <a:extLst>
+              <a:ext uri="{FF2B5EF4-FFF2-40B4-BE49-F238E27FC236}">
+                <a16:creationId xmlns:a16="http://schemas.microsoft.com/office/drawing/2014/main" xmlns="" id="{259D0B7C-1D18-4B9B-9686-41CD01222471}"/>
+              </a:ext>
+            </a:extLst>
+          </p:cNvPr>
           <p:cNvSpPr>
             <a:spLocks noGrp="1"/>
           </p:cNvSpPr>
@@ -5860,23 +5637,21 @@
           <a:p>
             <a:pPr algn="ctr"/>
             <a:r>
-              <a:rPr lang="en-US" dirty="0">
-                <a:solidFill>
-                  <a:srgbClr val="F5F5F5"/>
-                </a:solidFill>
-              </a:rPr>
-              <a:t>Searching</a:t>
-            </a:r>
-            <a:r>
               <a:rPr lang="en-US" dirty="0"/>
-              <a:t> for Updates</a:t>
-            </a:r>
-          </a:p>
-        </p:txBody>
-      </p:sp>
-      <p:sp>
-        <p:nvSpPr>
-          <p:cNvPr id="3" name="Content Placeholder 2"/>
+              <a:t>How do we do it?</a:t>
+            </a:r>
+          </a:p>
+        </p:txBody>
+      </p:sp>
+      <p:sp>
+        <p:nvSpPr>
+          <p:cNvPr id="3" name="Content Placeholder 2">
+            <a:extLst>
+              <a:ext uri="{FF2B5EF4-FFF2-40B4-BE49-F238E27FC236}">
+                <a16:creationId xmlns:a16="http://schemas.microsoft.com/office/drawing/2014/main" xmlns="" id="{7171011C-A762-4A01-8962-0A7436AA633E}"/>
+              </a:ext>
+            </a:extLst>
+          </p:cNvPr>
           <p:cNvSpPr>
             <a:spLocks noGrp="1"/>
           </p:cNvSpPr>
@@ -5889,14 +5664,286 @@
           <a:bodyPr/>
           <a:lstStyle/>
           <a:p>
-            <a:endParaRPr lang="en-US" dirty="0"/>
+            <a:r>
+              <a:rPr lang="en-US" dirty="0" smtClean="0">
+                <a:solidFill>
+                  <a:srgbClr val="824040">
+                    <a:alpha val="50000"/>
+                  </a:srgbClr>
+                </a:solidFill>
+              </a:rPr>
+              <a:t> </a:t>
+            </a:r>
+            <a:r>
+              <a:rPr lang="en-US" dirty="0" smtClean="0">
+                <a:solidFill>
+                  <a:srgbClr val="F5F5F5">
+                    <a:alpha val="50000"/>
+                  </a:srgbClr>
+                </a:solidFill>
+              </a:rPr>
+              <a:t>Database</a:t>
+            </a:r>
+            <a:r>
+              <a:rPr lang="en-US" dirty="0" smtClean="0">
+                <a:solidFill>
+                  <a:srgbClr val="824040">
+                    <a:alpha val="50000"/>
+                  </a:srgbClr>
+                </a:solidFill>
+              </a:rPr>
+              <a:t> Design</a:t>
+            </a:r>
+            <a:endParaRPr lang="en-US" dirty="0" smtClean="0">
+              <a:solidFill>
+                <a:srgbClr val="824040">
+                  <a:alpha val="50000"/>
+                </a:srgbClr>
+              </a:solidFill>
+            </a:endParaRPr>
+          </a:p>
+          <a:p>
+            <a:r>
+              <a:rPr lang="en-US" dirty="0" smtClean="0">
+                <a:solidFill>
+                  <a:srgbClr val="824040">
+                    <a:alpha val="50000"/>
+                  </a:srgbClr>
+                </a:solidFill>
+              </a:rPr>
+              <a:t> Account </a:t>
+            </a:r>
+            <a:r>
+              <a:rPr lang="en-US" dirty="0">
+                <a:solidFill>
+                  <a:srgbClr val="F5F5F5">
+                    <a:alpha val="50000"/>
+                  </a:srgbClr>
+                </a:solidFill>
+              </a:rPr>
+              <a:t>Creation</a:t>
+            </a:r>
+            <a:r>
+              <a:rPr lang="en-US" dirty="0">
+                <a:solidFill>
+                  <a:srgbClr val="824040">
+                    <a:alpha val="50000"/>
+                  </a:srgbClr>
+                </a:solidFill>
+              </a:rPr>
+              <a:t>, Logging </a:t>
+            </a:r>
+            <a:r>
+              <a:rPr lang="en-US" dirty="0">
+                <a:solidFill>
+                  <a:srgbClr val="F5F5F5">
+                    <a:alpha val="50000"/>
+                  </a:srgbClr>
+                </a:solidFill>
+              </a:rPr>
+              <a:t>In</a:t>
+            </a:r>
+            <a:r>
+              <a:rPr lang="en-US" dirty="0">
+                <a:solidFill>
+                  <a:srgbClr val="824040">
+                    <a:alpha val="50000"/>
+                  </a:srgbClr>
+                </a:solidFill>
+              </a:rPr>
+              <a:t>, and Logging </a:t>
+            </a:r>
+            <a:r>
+              <a:rPr lang="en-US" dirty="0" smtClean="0">
+                <a:solidFill>
+                  <a:srgbClr val="F5F5F5">
+                    <a:alpha val="50000"/>
+                  </a:srgbClr>
+                </a:solidFill>
+              </a:rPr>
+              <a:t>Out</a:t>
+            </a:r>
+          </a:p>
+          <a:p>
+            <a:r>
+              <a:rPr lang="en-US" dirty="0">
+                <a:solidFill>
+                  <a:srgbClr val="824040">
+                    <a:alpha val="50000"/>
+                  </a:srgbClr>
+                </a:solidFill>
+              </a:rPr>
+              <a:t> </a:t>
+            </a:r>
+            <a:r>
+              <a:rPr lang="en-US" dirty="0" smtClean="0">
+                <a:solidFill>
+                  <a:srgbClr val="F5F5F5">
+                    <a:alpha val="50000"/>
+                  </a:srgbClr>
+                </a:solidFill>
+              </a:rPr>
+              <a:t>Changing</a:t>
+            </a:r>
+            <a:r>
+              <a:rPr lang="en-US" dirty="0" smtClean="0">
+                <a:solidFill>
+                  <a:srgbClr val="824040">
+                    <a:alpha val="50000"/>
+                  </a:srgbClr>
+                </a:solidFill>
+              </a:rPr>
+              <a:t> </a:t>
+            </a:r>
+            <a:r>
+              <a:rPr lang="en-US" dirty="0">
+                <a:solidFill>
+                  <a:srgbClr val="824040">
+                    <a:alpha val="50000"/>
+                  </a:srgbClr>
+                </a:solidFill>
+              </a:rPr>
+              <a:t>Password and Account </a:t>
+            </a:r>
+            <a:r>
+              <a:rPr lang="en-US" dirty="0">
+                <a:solidFill>
+                  <a:srgbClr val="F5F5F5">
+                    <a:alpha val="50000"/>
+                  </a:srgbClr>
+                </a:solidFill>
+              </a:rPr>
+              <a:t>Recovery</a:t>
+            </a:r>
+          </a:p>
+          <a:p>
+            <a:r>
+              <a:rPr lang="en-US" dirty="0" smtClean="0">
+                <a:solidFill>
+                  <a:srgbClr val="824040">
+                    <a:alpha val="50000"/>
+                  </a:srgbClr>
+                </a:solidFill>
+              </a:rPr>
+              <a:t> Adding</a:t>
+            </a:r>
+            <a:r>
+              <a:rPr lang="en-US" dirty="0">
+                <a:solidFill>
+                  <a:srgbClr val="824040">
+                    <a:alpha val="50000"/>
+                  </a:srgbClr>
+                </a:solidFill>
+              </a:rPr>
+              <a:t>, Editing, and Deleting </a:t>
+            </a:r>
+            <a:r>
+              <a:rPr lang="en-US" dirty="0" smtClean="0">
+                <a:solidFill>
+                  <a:srgbClr val="F5F5F5">
+                    <a:alpha val="50000"/>
+                  </a:srgbClr>
+                </a:solidFill>
+              </a:rPr>
+              <a:t>URLs</a:t>
+            </a:r>
+          </a:p>
+          <a:p>
+            <a:r>
+              <a:rPr lang="en-US" dirty="0" smtClean="0">
+                <a:solidFill>
+                  <a:srgbClr val="824040">
+                    <a:alpha val="50000"/>
+                  </a:srgbClr>
+                </a:solidFill>
+              </a:rPr>
+              <a:t> </a:t>
+            </a:r>
+            <a:r>
+              <a:rPr lang="en-US" dirty="0">
+                <a:solidFill>
+                  <a:srgbClr val="F5F5F5"/>
+                </a:solidFill>
+              </a:rPr>
+              <a:t>Searching</a:t>
+            </a:r>
+            <a:r>
+              <a:rPr lang="en-US" dirty="0"/>
+              <a:t> for </a:t>
+            </a:r>
+            <a:r>
+              <a:rPr lang="en-US" dirty="0" smtClean="0"/>
+              <a:t>Updates</a:t>
+            </a:r>
+          </a:p>
+          <a:p>
+            <a:r>
+              <a:rPr lang="en-US" dirty="0" smtClean="0">
+                <a:solidFill>
+                  <a:srgbClr val="824040">
+                    <a:alpha val="50000"/>
+                  </a:srgbClr>
+                </a:solidFill>
+              </a:rPr>
+              <a:t> </a:t>
+            </a:r>
+            <a:r>
+              <a:rPr lang="en-US" dirty="0" smtClean="0">
+                <a:solidFill>
+                  <a:srgbClr val="F5F5F5">
+                    <a:alpha val="50000"/>
+                  </a:srgbClr>
+                </a:solidFill>
+              </a:rPr>
+              <a:t>Updating</a:t>
+            </a:r>
+            <a:r>
+              <a:rPr lang="en-US" dirty="0" smtClean="0">
+                <a:solidFill>
+                  <a:srgbClr val="824040">
+                    <a:alpha val="50000"/>
+                  </a:srgbClr>
+                </a:solidFill>
+              </a:rPr>
+              <a:t> </a:t>
+            </a:r>
+            <a:r>
+              <a:rPr lang="en-US" dirty="0">
+                <a:solidFill>
+                  <a:srgbClr val="824040">
+                    <a:alpha val="50000"/>
+                  </a:srgbClr>
+                </a:solidFill>
+              </a:rPr>
+              <a:t>the Database and </a:t>
+            </a:r>
+            <a:r>
+              <a:rPr lang="en-US" dirty="0">
+                <a:solidFill>
+                  <a:srgbClr val="F5F5F5">
+                    <a:alpha val="50000"/>
+                  </a:srgbClr>
+                </a:solidFill>
+              </a:rPr>
+              <a:t>Sending</a:t>
+            </a:r>
+            <a:r>
+              <a:rPr lang="en-US" dirty="0">
+                <a:solidFill>
+                  <a:srgbClr val="824040">
+                    <a:alpha val="50000"/>
+                  </a:srgbClr>
+                </a:solidFill>
+              </a:rPr>
+              <a:t> Emails</a:t>
+            </a:r>
           </a:p>
         </p:txBody>
       </p:sp>
     </p:spTree>
     <p:extLst>
       <p:ext uri="{BB962C8B-B14F-4D97-AF65-F5344CB8AC3E}">
-        <p14:creationId xmlns:p14="http://schemas.microsoft.com/office/powerpoint/2010/main" val="2754910591"/>
+        <p14:creationId xmlns:p14="http://schemas.microsoft.com/office/powerpoint/2010/main" val="4060571339"/>
       </p:ext>
     </p:extLst>
   </p:cSld>
@@ -5932,13 +5979,7 @@
       </p:grpSpPr>
       <p:sp>
         <p:nvSpPr>
-          <p:cNvPr id="2" name="Title 1">
-            <a:extLst>
-              <a:ext uri="{FF2B5EF4-FFF2-40B4-BE49-F238E27FC236}">
-                <a16:creationId xmlns:a16="http://schemas.microsoft.com/office/drawing/2014/main" xmlns="" id="{259D0B7C-1D18-4B9B-9686-41CD01222471}"/>
-              </a:ext>
-            </a:extLst>
-          </p:cNvPr>
+          <p:cNvPr id="2" name="Title 1"/>
           <p:cNvSpPr>
             <a:spLocks noGrp="1"/>
           </p:cNvSpPr>
@@ -5953,21 +5994,23 @@
           <a:p>
             <a:pPr algn="ctr"/>
             <a:r>
+              <a:rPr lang="en-US" dirty="0">
+                <a:solidFill>
+                  <a:srgbClr val="F5F5F5"/>
+                </a:solidFill>
+              </a:rPr>
+              <a:t>Searching</a:t>
+            </a:r>
+            <a:r>
               <a:rPr lang="en-US" dirty="0"/>
-              <a:t>How do we do it?</a:t>
-            </a:r>
-          </a:p>
-        </p:txBody>
-      </p:sp>
-      <p:sp>
-        <p:nvSpPr>
-          <p:cNvPr id="3" name="Content Placeholder 2">
-            <a:extLst>
-              <a:ext uri="{FF2B5EF4-FFF2-40B4-BE49-F238E27FC236}">
-                <a16:creationId xmlns:a16="http://schemas.microsoft.com/office/drawing/2014/main" xmlns="" id="{7171011C-A762-4A01-8962-0A7436AA633E}"/>
-              </a:ext>
-            </a:extLst>
-          </p:cNvPr>
+              <a:t> for Updates</a:t>
+            </a:r>
+          </a:p>
+        </p:txBody>
+      </p:sp>
+      <p:sp>
+        <p:nvSpPr>
+          <p:cNvPr id="3" name="Content Placeholder 2"/>
           <p:cNvSpPr>
             <a:spLocks noGrp="1"/>
           </p:cNvSpPr>
@@ -5980,312 +6023,14 @@
           <a:bodyPr/>
           <a:lstStyle/>
           <a:p>
-            <a:r>
-              <a:rPr lang="en-US" dirty="0" smtClean="0">
-                <a:solidFill>
-                  <a:srgbClr val="824040">
-                    <a:alpha val="50000"/>
-                  </a:srgbClr>
-                </a:solidFill>
-              </a:rPr>
-              <a:t> </a:t>
-            </a:r>
-            <a:r>
-              <a:rPr lang="en-US" dirty="0" smtClean="0">
-                <a:solidFill>
-                  <a:srgbClr val="F5F5F5">
-                    <a:alpha val="50000"/>
-                  </a:srgbClr>
-                </a:solidFill>
-              </a:rPr>
-              <a:t>Database</a:t>
-            </a:r>
-            <a:r>
-              <a:rPr lang="en-US" dirty="0" smtClean="0">
-                <a:solidFill>
-                  <a:srgbClr val="824040">
-                    <a:alpha val="50000"/>
-                  </a:srgbClr>
-                </a:solidFill>
-              </a:rPr>
-              <a:t> Design</a:t>
-            </a:r>
-            <a:endParaRPr lang="en-US" dirty="0" smtClean="0">
-              <a:solidFill>
-                <a:srgbClr val="824040">
-                  <a:alpha val="50000"/>
-                </a:srgbClr>
-              </a:solidFill>
-            </a:endParaRPr>
-          </a:p>
-          <a:p>
-            <a:r>
-              <a:rPr lang="en-US" dirty="0" smtClean="0">
-                <a:solidFill>
-                  <a:srgbClr val="824040">
-                    <a:alpha val="50000"/>
-                  </a:srgbClr>
-                </a:solidFill>
-              </a:rPr>
-              <a:t> Account </a:t>
-            </a:r>
-            <a:r>
-              <a:rPr lang="en-US" dirty="0">
-                <a:solidFill>
-                  <a:srgbClr val="F5F5F5">
-                    <a:alpha val="50000"/>
-                  </a:srgbClr>
-                </a:solidFill>
-              </a:rPr>
-              <a:t>Creation</a:t>
-            </a:r>
-            <a:r>
-              <a:rPr lang="en-US" dirty="0">
-                <a:solidFill>
-                  <a:srgbClr val="824040">
-                    <a:alpha val="50000"/>
-                  </a:srgbClr>
-                </a:solidFill>
-              </a:rPr>
-              <a:t>, Logging </a:t>
-            </a:r>
-            <a:r>
-              <a:rPr lang="en-US" dirty="0">
-                <a:solidFill>
-                  <a:srgbClr val="F5F5F5">
-                    <a:alpha val="50000"/>
-                  </a:srgbClr>
-                </a:solidFill>
-              </a:rPr>
-              <a:t>In</a:t>
-            </a:r>
-            <a:r>
-              <a:rPr lang="en-US" dirty="0">
-                <a:solidFill>
-                  <a:srgbClr val="824040">
-                    <a:alpha val="50000"/>
-                  </a:srgbClr>
-                </a:solidFill>
-              </a:rPr>
-              <a:t>, and Logging </a:t>
-            </a:r>
-            <a:r>
-              <a:rPr lang="en-US" dirty="0" smtClean="0">
-                <a:solidFill>
-                  <a:srgbClr val="F5F5F5">
-                    <a:alpha val="50000"/>
-                  </a:srgbClr>
-                </a:solidFill>
-              </a:rPr>
-              <a:t>Out</a:t>
-            </a:r>
-          </a:p>
-          <a:p>
-            <a:r>
-              <a:rPr lang="en-US" dirty="0">
-                <a:solidFill>
-                  <a:srgbClr val="824040">
-                    <a:alpha val="50000"/>
-                  </a:srgbClr>
-                </a:solidFill>
-              </a:rPr>
-              <a:t> </a:t>
-            </a:r>
-            <a:r>
-              <a:rPr lang="en-US" dirty="0" smtClean="0">
-                <a:solidFill>
-                  <a:srgbClr val="F5F5F5">
-                    <a:alpha val="50000"/>
-                  </a:srgbClr>
-                </a:solidFill>
-              </a:rPr>
-              <a:t>Changing</a:t>
-            </a:r>
-            <a:r>
-              <a:rPr lang="en-US" dirty="0" smtClean="0">
-                <a:solidFill>
-                  <a:srgbClr val="824040">
-                    <a:alpha val="50000"/>
-                  </a:srgbClr>
-                </a:solidFill>
-              </a:rPr>
-              <a:t> </a:t>
-            </a:r>
-            <a:r>
-              <a:rPr lang="en-US" dirty="0">
-                <a:solidFill>
-                  <a:srgbClr val="824040">
-                    <a:alpha val="50000"/>
-                  </a:srgbClr>
-                </a:solidFill>
-              </a:rPr>
-              <a:t>Password and Account </a:t>
-            </a:r>
-            <a:r>
-              <a:rPr lang="en-US" dirty="0">
-                <a:solidFill>
-                  <a:srgbClr val="F5F5F5">
-                    <a:alpha val="50000"/>
-                  </a:srgbClr>
-                </a:solidFill>
-              </a:rPr>
-              <a:t>Recovery</a:t>
-            </a:r>
-          </a:p>
-          <a:p>
-            <a:r>
-              <a:rPr lang="en-US" dirty="0" smtClean="0">
-                <a:solidFill>
-                  <a:srgbClr val="824040">
-                    <a:alpha val="50000"/>
-                  </a:srgbClr>
-                </a:solidFill>
-              </a:rPr>
-              <a:t> Adding</a:t>
-            </a:r>
-            <a:r>
-              <a:rPr lang="en-US" dirty="0">
-                <a:solidFill>
-                  <a:srgbClr val="824040">
-                    <a:alpha val="50000"/>
-                  </a:srgbClr>
-                </a:solidFill>
-              </a:rPr>
-              <a:t>, Editing, and Deleting </a:t>
-            </a:r>
-            <a:r>
-              <a:rPr lang="en-US" dirty="0" smtClean="0">
-                <a:solidFill>
-                  <a:srgbClr val="F5F5F5">
-                    <a:alpha val="50000"/>
-                  </a:srgbClr>
-                </a:solidFill>
-              </a:rPr>
-              <a:t>URLs</a:t>
-            </a:r>
-          </a:p>
-          <a:p>
-            <a:r>
-              <a:rPr lang="en-US" dirty="0" smtClean="0">
-                <a:solidFill>
-                  <a:srgbClr val="824040">
-                    <a:alpha val="50000"/>
-                  </a:srgbClr>
-                </a:solidFill>
-              </a:rPr>
-              <a:t> </a:t>
-            </a:r>
-            <a:r>
-              <a:rPr lang="en-US" dirty="0" smtClean="0">
-                <a:solidFill>
-                  <a:srgbClr val="F5F5F5">
-                    <a:alpha val="50000"/>
-                  </a:srgbClr>
-                </a:solidFill>
-              </a:rPr>
-              <a:t>Searching</a:t>
-            </a:r>
-            <a:r>
-              <a:rPr lang="en-US" dirty="0" smtClean="0">
-                <a:solidFill>
-                  <a:srgbClr val="824040">
-                    <a:alpha val="50000"/>
-                  </a:srgbClr>
-                </a:solidFill>
-              </a:rPr>
-              <a:t> </a:t>
-            </a:r>
-            <a:r>
-              <a:rPr lang="en-US" dirty="0">
-                <a:solidFill>
-                  <a:srgbClr val="824040">
-                    <a:alpha val="50000"/>
-                  </a:srgbClr>
-                </a:solidFill>
-              </a:rPr>
-              <a:t>for </a:t>
-            </a:r>
-            <a:r>
-              <a:rPr lang="en-US" dirty="0" smtClean="0">
-                <a:solidFill>
-                  <a:srgbClr val="824040">
-                    <a:alpha val="50000"/>
-                  </a:srgbClr>
-                </a:solidFill>
-              </a:rPr>
-              <a:t>Updates</a:t>
-            </a:r>
-          </a:p>
-          <a:p>
-            <a:r>
-              <a:rPr lang="en-US" dirty="0" smtClean="0">
-                <a:solidFill>
-                  <a:srgbClr val="824040">
-                    <a:alpha val="50000"/>
-                  </a:srgbClr>
-                </a:solidFill>
-              </a:rPr>
-              <a:t> </a:t>
-            </a:r>
-            <a:r>
-              <a:rPr lang="en-US" dirty="0">
-                <a:solidFill>
-                  <a:srgbClr val="F5F5F5"/>
-                </a:solidFill>
-              </a:rPr>
-              <a:t>Updating</a:t>
-            </a:r>
-            <a:r>
-              <a:rPr lang="en-US" dirty="0"/>
-              <a:t> the Database</a:t>
-            </a:r>
-            <a:r>
-              <a:rPr lang="en-US" dirty="0" smtClean="0">
-                <a:solidFill>
-                  <a:srgbClr val="824040">
-                    <a:alpha val="50000"/>
-                  </a:srgbClr>
-                </a:solidFill>
-              </a:rPr>
-              <a:t> </a:t>
-            </a:r>
-            <a:r>
-              <a:rPr lang="en-US" dirty="0">
-                <a:solidFill>
-                  <a:srgbClr val="824040">
-                    <a:alpha val="50000"/>
-                  </a:srgbClr>
-                </a:solidFill>
-              </a:rPr>
-              <a:t>and </a:t>
-            </a:r>
-            <a:r>
-              <a:rPr lang="en-US" dirty="0">
-                <a:solidFill>
-                  <a:srgbClr val="F5F5F5">
-                    <a:alpha val="50000"/>
-                  </a:srgbClr>
-                </a:solidFill>
-              </a:rPr>
-              <a:t>Sending</a:t>
-            </a:r>
-            <a:r>
-              <a:rPr lang="en-US" dirty="0">
-                <a:solidFill>
-                  <a:srgbClr val="824040">
-                    <a:alpha val="50000"/>
-                  </a:srgbClr>
-                </a:solidFill>
-              </a:rPr>
-              <a:t> Emails</a:t>
-            </a:r>
+            <a:endParaRPr lang="en-US" dirty="0"/>
           </a:p>
         </p:txBody>
       </p:sp>
     </p:spTree>
     <p:extLst>
       <p:ext uri="{BB962C8B-B14F-4D97-AF65-F5344CB8AC3E}">
-        <p14:creationId xmlns:p14="http://schemas.microsoft.com/office/powerpoint/2010/main" val="3987627475"/>
+        <p14:creationId xmlns:p14="http://schemas.microsoft.com/office/powerpoint/2010/main" val="2754910591"/>
       </p:ext>
     </p:extLst>
   </p:cSld>
@@ -6321,7 +6066,13 @@
       </p:grpSpPr>
       <p:sp>
         <p:nvSpPr>
-          <p:cNvPr id="2" name="Title 1"/>
+          <p:cNvPr id="2" name="Title 1">
+            <a:extLst>
+              <a:ext uri="{FF2B5EF4-FFF2-40B4-BE49-F238E27FC236}">
+                <a16:creationId xmlns:a16="http://schemas.microsoft.com/office/drawing/2014/main" xmlns="" id="{259D0B7C-1D18-4B9B-9686-41CD01222471}"/>
+              </a:ext>
+            </a:extLst>
+          </p:cNvPr>
           <p:cNvSpPr>
             <a:spLocks noGrp="1"/>
           </p:cNvSpPr>
@@ -6336,6 +6087,281 @@
           <a:p>
             <a:pPr algn="ctr"/>
             <a:r>
+              <a:rPr lang="en-US" dirty="0"/>
+              <a:t>How do we do it?</a:t>
+            </a:r>
+          </a:p>
+        </p:txBody>
+      </p:sp>
+      <p:sp>
+        <p:nvSpPr>
+          <p:cNvPr id="3" name="Content Placeholder 2">
+            <a:extLst>
+              <a:ext uri="{FF2B5EF4-FFF2-40B4-BE49-F238E27FC236}">
+                <a16:creationId xmlns:a16="http://schemas.microsoft.com/office/drawing/2014/main" xmlns="" id="{7171011C-A762-4A01-8962-0A7436AA633E}"/>
+              </a:ext>
+            </a:extLst>
+          </p:cNvPr>
+          <p:cNvSpPr>
+            <a:spLocks noGrp="1"/>
+          </p:cNvSpPr>
+          <p:nvPr>
+            <p:ph idx="1"/>
+          </p:nvPr>
+        </p:nvSpPr>
+        <p:spPr/>
+        <p:txBody>
+          <a:bodyPr/>
+          <a:lstStyle/>
+          <a:p>
+            <a:r>
+              <a:rPr lang="en-US" dirty="0" smtClean="0">
+                <a:solidFill>
+                  <a:srgbClr val="824040">
+                    <a:alpha val="50000"/>
+                  </a:srgbClr>
+                </a:solidFill>
+              </a:rPr>
+              <a:t> </a:t>
+            </a:r>
+            <a:r>
+              <a:rPr lang="en-US" dirty="0" smtClean="0">
+                <a:solidFill>
+                  <a:srgbClr val="F5F5F5">
+                    <a:alpha val="50000"/>
+                  </a:srgbClr>
+                </a:solidFill>
+              </a:rPr>
+              <a:t>Database</a:t>
+            </a:r>
+            <a:r>
+              <a:rPr lang="en-US" dirty="0" smtClean="0">
+                <a:solidFill>
+                  <a:srgbClr val="824040">
+                    <a:alpha val="50000"/>
+                  </a:srgbClr>
+                </a:solidFill>
+              </a:rPr>
+              <a:t> Design</a:t>
+            </a:r>
+            <a:endParaRPr lang="en-US" dirty="0" smtClean="0">
+              <a:solidFill>
+                <a:srgbClr val="824040">
+                  <a:alpha val="50000"/>
+                </a:srgbClr>
+              </a:solidFill>
+            </a:endParaRPr>
+          </a:p>
+          <a:p>
+            <a:r>
+              <a:rPr lang="en-US" dirty="0" smtClean="0">
+                <a:solidFill>
+                  <a:srgbClr val="824040">
+                    <a:alpha val="50000"/>
+                  </a:srgbClr>
+                </a:solidFill>
+              </a:rPr>
+              <a:t> Account </a:t>
+            </a:r>
+            <a:r>
+              <a:rPr lang="en-US" dirty="0">
+                <a:solidFill>
+                  <a:srgbClr val="F5F5F5">
+                    <a:alpha val="50000"/>
+                  </a:srgbClr>
+                </a:solidFill>
+              </a:rPr>
+              <a:t>Creation</a:t>
+            </a:r>
+            <a:r>
+              <a:rPr lang="en-US" dirty="0">
+                <a:solidFill>
+                  <a:srgbClr val="824040">
+                    <a:alpha val="50000"/>
+                  </a:srgbClr>
+                </a:solidFill>
+              </a:rPr>
+              <a:t>, Logging </a:t>
+            </a:r>
+            <a:r>
+              <a:rPr lang="en-US" dirty="0">
+                <a:solidFill>
+                  <a:srgbClr val="F5F5F5">
+                    <a:alpha val="50000"/>
+                  </a:srgbClr>
+                </a:solidFill>
+              </a:rPr>
+              <a:t>In</a:t>
+            </a:r>
+            <a:r>
+              <a:rPr lang="en-US" dirty="0">
+                <a:solidFill>
+                  <a:srgbClr val="824040">
+                    <a:alpha val="50000"/>
+                  </a:srgbClr>
+                </a:solidFill>
+              </a:rPr>
+              <a:t>, and Logging </a:t>
+            </a:r>
+            <a:r>
+              <a:rPr lang="en-US" dirty="0" smtClean="0">
+                <a:solidFill>
+                  <a:srgbClr val="F5F5F5">
+                    <a:alpha val="50000"/>
+                  </a:srgbClr>
+                </a:solidFill>
+              </a:rPr>
+              <a:t>Out</a:t>
+            </a:r>
+          </a:p>
+          <a:p>
+            <a:r>
+              <a:rPr lang="en-US" dirty="0">
+                <a:solidFill>
+                  <a:srgbClr val="824040">
+                    <a:alpha val="50000"/>
+                  </a:srgbClr>
+                </a:solidFill>
+              </a:rPr>
+              <a:t> </a:t>
+            </a:r>
+            <a:r>
+              <a:rPr lang="en-US" dirty="0" smtClean="0">
+                <a:solidFill>
+                  <a:srgbClr val="F5F5F5">
+                    <a:alpha val="50000"/>
+                  </a:srgbClr>
+                </a:solidFill>
+              </a:rPr>
+              <a:t>Changing</a:t>
+            </a:r>
+            <a:r>
+              <a:rPr lang="en-US" dirty="0" smtClean="0">
+                <a:solidFill>
+                  <a:srgbClr val="824040">
+                    <a:alpha val="50000"/>
+                  </a:srgbClr>
+                </a:solidFill>
+              </a:rPr>
+              <a:t> </a:t>
+            </a:r>
+            <a:r>
+              <a:rPr lang="en-US" dirty="0">
+                <a:solidFill>
+                  <a:srgbClr val="824040">
+                    <a:alpha val="50000"/>
+                  </a:srgbClr>
+                </a:solidFill>
+              </a:rPr>
+              <a:t>Password and Account </a:t>
+            </a:r>
+            <a:r>
+              <a:rPr lang="en-US" dirty="0">
+                <a:solidFill>
+                  <a:srgbClr val="F5F5F5">
+                    <a:alpha val="50000"/>
+                  </a:srgbClr>
+                </a:solidFill>
+              </a:rPr>
+              <a:t>Recovery</a:t>
+            </a:r>
+          </a:p>
+          <a:p>
+            <a:r>
+              <a:rPr lang="en-US" dirty="0" smtClean="0">
+                <a:solidFill>
+                  <a:srgbClr val="824040">
+                    <a:alpha val="50000"/>
+                  </a:srgbClr>
+                </a:solidFill>
+              </a:rPr>
+              <a:t> Adding</a:t>
+            </a:r>
+            <a:r>
+              <a:rPr lang="en-US" dirty="0">
+                <a:solidFill>
+                  <a:srgbClr val="824040">
+                    <a:alpha val="50000"/>
+                  </a:srgbClr>
+                </a:solidFill>
+              </a:rPr>
+              <a:t>, Editing, and Deleting </a:t>
+            </a:r>
+            <a:r>
+              <a:rPr lang="en-US" dirty="0" smtClean="0">
+                <a:solidFill>
+                  <a:srgbClr val="F5F5F5">
+                    <a:alpha val="50000"/>
+                  </a:srgbClr>
+                </a:solidFill>
+              </a:rPr>
+              <a:t>URLs</a:t>
+            </a:r>
+          </a:p>
+          <a:p>
+            <a:r>
+              <a:rPr lang="en-US" dirty="0" smtClean="0">
+                <a:solidFill>
+                  <a:srgbClr val="824040">
+                    <a:alpha val="50000"/>
+                  </a:srgbClr>
+                </a:solidFill>
+              </a:rPr>
+              <a:t> </a:t>
+            </a:r>
+            <a:r>
+              <a:rPr lang="en-US" dirty="0" smtClean="0">
+                <a:solidFill>
+                  <a:srgbClr val="F5F5F5">
+                    <a:alpha val="50000"/>
+                  </a:srgbClr>
+                </a:solidFill>
+              </a:rPr>
+              <a:t>Searching</a:t>
+            </a:r>
+            <a:r>
+              <a:rPr lang="en-US" dirty="0" smtClean="0">
+                <a:solidFill>
+                  <a:srgbClr val="824040">
+                    <a:alpha val="50000"/>
+                  </a:srgbClr>
+                </a:solidFill>
+              </a:rPr>
+              <a:t> </a:t>
+            </a:r>
+            <a:r>
+              <a:rPr lang="en-US" dirty="0">
+                <a:solidFill>
+                  <a:srgbClr val="824040">
+                    <a:alpha val="50000"/>
+                  </a:srgbClr>
+                </a:solidFill>
+              </a:rPr>
+              <a:t>for </a:t>
+            </a:r>
+            <a:r>
+              <a:rPr lang="en-US" dirty="0" smtClean="0">
+                <a:solidFill>
+                  <a:srgbClr val="824040">
+                    <a:alpha val="50000"/>
+                  </a:srgbClr>
+                </a:solidFill>
+              </a:rPr>
+              <a:t>Updates</a:t>
+            </a:r>
+          </a:p>
+          <a:p>
+            <a:r>
+              <a:rPr lang="en-US" dirty="0" smtClean="0">
+                <a:solidFill>
+                  <a:srgbClr val="824040">
+                    <a:alpha val="50000"/>
+                  </a:srgbClr>
+                </a:solidFill>
+              </a:rPr>
+              <a:t> </a:t>
+            </a:r>
+            <a:r>
               <a:rPr lang="en-US" dirty="0">
                 <a:solidFill>
                   <a:srgbClr val="F5F5F5"/>
@@ -6347,32 +6373,53 @@
               <a:rPr lang="en-US" dirty="0"/>
               <a:t> the Database</a:t>
             </a:r>
-          </a:p>
-        </p:txBody>
-      </p:sp>
-      <p:sp>
-        <p:nvSpPr>
-          <p:cNvPr id="3" name="Content Placeholder 2"/>
-          <p:cNvSpPr>
-            <a:spLocks noGrp="1"/>
-          </p:cNvSpPr>
-          <p:nvPr>
-            <p:ph idx="1"/>
-          </p:nvPr>
-        </p:nvSpPr>
-        <p:spPr/>
-        <p:txBody>
-          <a:bodyPr/>
-          <a:lstStyle/>
-          <a:p>
-            <a:endParaRPr lang="en-US"/>
+            <a:r>
+              <a:rPr lang="en-US" dirty="0" smtClean="0">
+                <a:solidFill>
+                  <a:srgbClr val="824040">
+                    <a:alpha val="50000"/>
+                  </a:srgbClr>
+                </a:solidFill>
+              </a:rPr>
+              <a:t> </a:t>
+            </a:r>
+            <a:r>
+              <a:rPr lang="en-US" dirty="0">
+                <a:solidFill>
+                  <a:srgbClr val="824040">
+                    <a:alpha val="50000"/>
+                  </a:srgbClr>
+                </a:solidFill>
+              </a:rPr>
+              <a:t>and </a:t>
+            </a:r>
+            <a:r>
+              <a:rPr lang="en-US" dirty="0">
+                <a:solidFill>
+                  <a:srgbClr val="F5F5F5">
+                    <a:alpha val="50000"/>
+                  </a:srgbClr>
+                </a:solidFill>
+              </a:rPr>
+              <a:t>Sending</a:t>
+            </a:r>
+            <a:r>
+              <a:rPr lang="en-US" dirty="0">
+                <a:solidFill>
+                  <a:srgbClr val="824040">
+                    <a:alpha val="50000"/>
+                  </a:srgbClr>
+                </a:solidFill>
+              </a:rPr>
+              <a:t> Emails</a:t>
+            </a:r>
           </a:p>
         </p:txBody>
       </p:sp>
     </p:spTree>
     <p:extLst>
       <p:ext uri="{BB962C8B-B14F-4D97-AF65-F5344CB8AC3E}">
-        <p14:creationId xmlns:p14="http://schemas.microsoft.com/office/powerpoint/2010/main" val="2748990136"/>
+        <p14:creationId xmlns:p14="http://schemas.microsoft.com/office/powerpoint/2010/main" val="3987627475"/>
       </p:ext>
     </p:extLst>
   </p:cSld>
@@ -6408,13 +6455,7 @@
       </p:grpSpPr>
       <p:sp>
         <p:nvSpPr>
-          <p:cNvPr id="2" name="Title 1">
-            <a:extLst>
-              <a:ext uri="{FF2B5EF4-FFF2-40B4-BE49-F238E27FC236}">
-                <a16:creationId xmlns:a16="http://schemas.microsoft.com/office/drawing/2014/main" xmlns="" id="{259D0B7C-1D18-4B9B-9686-41CD01222471}"/>
-              </a:ext>
-            </a:extLst>
-          </p:cNvPr>
+          <p:cNvPr id="2" name="Title 1"/>
           <p:cNvSpPr>
             <a:spLocks noGrp="1"/>
           </p:cNvSpPr>
@@ -6429,21 +6470,23 @@
           <a:p>
             <a:pPr algn="ctr"/>
             <a:r>
+              <a:rPr lang="en-US" dirty="0">
+                <a:solidFill>
+                  <a:srgbClr val="F5F5F5"/>
+                </a:solidFill>
+              </a:rPr>
+              <a:t>Updating</a:t>
+            </a:r>
+            <a:r>
               <a:rPr lang="en-US" dirty="0"/>
-              <a:t>How do we do it?</a:t>
-            </a:r>
-          </a:p>
-        </p:txBody>
-      </p:sp>
-      <p:sp>
-        <p:nvSpPr>
-          <p:cNvPr id="3" name="Content Placeholder 2">
-            <a:extLst>
-              <a:ext uri="{FF2B5EF4-FFF2-40B4-BE49-F238E27FC236}">
-                <a16:creationId xmlns:a16="http://schemas.microsoft.com/office/drawing/2014/main" xmlns="" id="{7171011C-A762-4A01-8962-0A7436AA633E}"/>
-              </a:ext>
-            </a:extLst>
-          </p:cNvPr>
+              <a:t> the Database</a:t>
+            </a:r>
+          </a:p>
+        </p:txBody>
+      </p:sp>
+      <p:sp>
+        <p:nvSpPr>
+          <p:cNvPr id="3" name="Content Placeholder 2"/>
           <p:cNvSpPr>
             <a:spLocks noGrp="1"/>
           </p:cNvSpPr>
@@ -6456,309 +6499,14 @@
           <a:bodyPr/>
           <a:lstStyle/>
           <a:p>
-            <a:r>
-              <a:rPr lang="en-US" dirty="0" smtClean="0">
-                <a:solidFill>
-                  <a:srgbClr val="824040">
-                    <a:alpha val="50000"/>
-                  </a:srgbClr>
-                </a:solidFill>
-              </a:rPr>
-              <a:t> </a:t>
-            </a:r>
-            <a:r>
-              <a:rPr lang="en-US" dirty="0" smtClean="0">
-                <a:solidFill>
-                  <a:srgbClr val="F5F5F5">
-                    <a:alpha val="50000"/>
-                  </a:srgbClr>
-                </a:solidFill>
-              </a:rPr>
-              <a:t>Database</a:t>
-            </a:r>
-            <a:r>
-              <a:rPr lang="en-US" dirty="0" smtClean="0">
-                <a:solidFill>
-                  <a:srgbClr val="824040">
-                    <a:alpha val="50000"/>
-                  </a:srgbClr>
-                </a:solidFill>
-              </a:rPr>
-              <a:t> Design</a:t>
-            </a:r>
-            <a:endParaRPr lang="en-US" dirty="0" smtClean="0">
-              <a:solidFill>
-                <a:srgbClr val="824040">
-                  <a:alpha val="50000"/>
-                </a:srgbClr>
-              </a:solidFill>
-            </a:endParaRPr>
-          </a:p>
-          <a:p>
-            <a:r>
-              <a:rPr lang="en-US" dirty="0" smtClean="0">
-                <a:solidFill>
-                  <a:srgbClr val="824040">
-                    <a:alpha val="50000"/>
-                  </a:srgbClr>
-                </a:solidFill>
-              </a:rPr>
-              <a:t> Account </a:t>
-            </a:r>
-            <a:r>
-              <a:rPr lang="en-US" dirty="0">
-                <a:solidFill>
-                  <a:srgbClr val="F5F5F5">
-                    <a:alpha val="50000"/>
-                  </a:srgbClr>
-                </a:solidFill>
-              </a:rPr>
-              <a:t>Creation</a:t>
-            </a:r>
-            <a:r>
-              <a:rPr lang="en-US" dirty="0">
-                <a:solidFill>
-                  <a:srgbClr val="824040">
-                    <a:alpha val="50000"/>
-                  </a:srgbClr>
-                </a:solidFill>
-              </a:rPr>
-              <a:t>, Logging </a:t>
-            </a:r>
-            <a:r>
-              <a:rPr lang="en-US" dirty="0">
-                <a:solidFill>
-                  <a:srgbClr val="F5F5F5">
-                    <a:alpha val="50000"/>
-                  </a:srgbClr>
-                </a:solidFill>
-              </a:rPr>
-              <a:t>In</a:t>
-            </a:r>
-            <a:r>
-              <a:rPr lang="en-US" dirty="0">
-                <a:solidFill>
-                  <a:srgbClr val="824040">
-                    <a:alpha val="50000"/>
-                  </a:srgbClr>
-                </a:solidFill>
-              </a:rPr>
-              <a:t>, and Logging </a:t>
-            </a:r>
-            <a:r>
-              <a:rPr lang="en-US" dirty="0" smtClean="0">
-                <a:solidFill>
-                  <a:srgbClr val="F5F5F5">
-                    <a:alpha val="50000"/>
-                  </a:srgbClr>
-                </a:solidFill>
-              </a:rPr>
-              <a:t>Out</a:t>
-            </a:r>
-          </a:p>
-          <a:p>
-            <a:r>
-              <a:rPr lang="en-US" dirty="0">
-                <a:solidFill>
-                  <a:srgbClr val="824040">
-                    <a:alpha val="50000"/>
-                  </a:srgbClr>
-                </a:solidFill>
-              </a:rPr>
-              <a:t> </a:t>
-            </a:r>
-            <a:r>
-              <a:rPr lang="en-US" dirty="0" smtClean="0">
-                <a:solidFill>
-                  <a:srgbClr val="F5F5F5">
-                    <a:alpha val="50000"/>
-                  </a:srgbClr>
-                </a:solidFill>
-              </a:rPr>
-              <a:t>Changing</a:t>
-            </a:r>
-            <a:r>
-              <a:rPr lang="en-US" dirty="0" smtClean="0">
-                <a:solidFill>
-                  <a:srgbClr val="824040">
-                    <a:alpha val="50000"/>
-                  </a:srgbClr>
-                </a:solidFill>
-              </a:rPr>
-              <a:t> </a:t>
-            </a:r>
-            <a:r>
-              <a:rPr lang="en-US" dirty="0">
-                <a:solidFill>
-                  <a:srgbClr val="824040">
-                    <a:alpha val="50000"/>
-                  </a:srgbClr>
-                </a:solidFill>
-              </a:rPr>
-              <a:t>Password and Account </a:t>
-            </a:r>
-            <a:r>
-              <a:rPr lang="en-US" dirty="0">
-                <a:solidFill>
-                  <a:srgbClr val="F5F5F5">
-                    <a:alpha val="50000"/>
-                  </a:srgbClr>
-                </a:solidFill>
-              </a:rPr>
-              <a:t>Recovery</a:t>
-            </a:r>
-          </a:p>
-          <a:p>
-            <a:r>
-              <a:rPr lang="en-US" dirty="0" smtClean="0">
-                <a:solidFill>
-                  <a:srgbClr val="824040">
-                    <a:alpha val="50000"/>
-                  </a:srgbClr>
-                </a:solidFill>
-              </a:rPr>
-              <a:t> Adding</a:t>
-            </a:r>
-            <a:r>
-              <a:rPr lang="en-US" dirty="0">
-                <a:solidFill>
-                  <a:srgbClr val="824040">
-                    <a:alpha val="50000"/>
-                  </a:srgbClr>
-                </a:solidFill>
-              </a:rPr>
-              <a:t>, Editing, and Deleting </a:t>
-            </a:r>
-            <a:r>
-              <a:rPr lang="en-US" dirty="0" smtClean="0">
-                <a:solidFill>
-                  <a:srgbClr val="F5F5F5">
-                    <a:alpha val="50000"/>
-                  </a:srgbClr>
-                </a:solidFill>
-              </a:rPr>
-              <a:t>URLs</a:t>
-            </a:r>
-          </a:p>
-          <a:p>
-            <a:r>
-              <a:rPr lang="en-US" dirty="0" smtClean="0">
-                <a:solidFill>
-                  <a:srgbClr val="824040">
-                    <a:alpha val="50000"/>
-                  </a:srgbClr>
-                </a:solidFill>
-              </a:rPr>
-              <a:t> </a:t>
-            </a:r>
-            <a:r>
-              <a:rPr lang="en-US" dirty="0" smtClean="0">
-                <a:solidFill>
-                  <a:srgbClr val="F5F5F5">
-                    <a:alpha val="50000"/>
-                  </a:srgbClr>
-                </a:solidFill>
-              </a:rPr>
-              <a:t>Searching</a:t>
-            </a:r>
-            <a:r>
-              <a:rPr lang="en-US" dirty="0" smtClean="0">
-                <a:solidFill>
-                  <a:srgbClr val="824040">
-                    <a:alpha val="50000"/>
-                  </a:srgbClr>
-                </a:solidFill>
-              </a:rPr>
-              <a:t> </a:t>
-            </a:r>
-            <a:r>
-              <a:rPr lang="en-US" dirty="0">
-                <a:solidFill>
-                  <a:srgbClr val="824040">
-                    <a:alpha val="50000"/>
-                  </a:srgbClr>
-                </a:solidFill>
-              </a:rPr>
-              <a:t>for </a:t>
-            </a:r>
-            <a:r>
-              <a:rPr lang="en-US" dirty="0" smtClean="0">
-                <a:solidFill>
-                  <a:srgbClr val="824040">
-                    <a:alpha val="50000"/>
-                  </a:srgbClr>
-                </a:solidFill>
-              </a:rPr>
-              <a:t>Updates</a:t>
-            </a:r>
-          </a:p>
-          <a:p>
-            <a:r>
-              <a:rPr lang="en-US" dirty="0" smtClean="0">
-                <a:solidFill>
-                  <a:srgbClr val="824040">
-                    <a:alpha val="50000"/>
-                  </a:srgbClr>
-                </a:solidFill>
-              </a:rPr>
-              <a:t> </a:t>
-            </a:r>
-            <a:r>
-              <a:rPr lang="en-US" dirty="0" smtClean="0">
-                <a:solidFill>
-                  <a:srgbClr val="F5F5F5">
-                    <a:alpha val="50000"/>
-                  </a:srgbClr>
-                </a:solidFill>
-              </a:rPr>
-              <a:t>Updating</a:t>
-            </a:r>
-            <a:r>
-              <a:rPr lang="en-US" dirty="0" smtClean="0">
-                <a:solidFill>
-                  <a:srgbClr val="824040">
-                    <a:alpha val="50000"/>
-                  </a:srgbClr>
-                </a:solidFill>
-              </a:rPr>
-              <a:t> </a:t>
-            </a:r>
-            <a:r>
-              <a:rPr lang="en-US" dirty="0">
-                <a:solidFill>
-                  <a:srgbClr val="824040">
-                    <a:alpha val="50000"/>
-                  </a:srgbClr>
-                </a:solidFill>
-              </a:rPr>
-              <a:t>the Database and </a:t>
-            </a:r>
-            <a:r>
-              <a:rPr lang="en-US" dirty="0">
-                <a:solidFill>
-                  <a:srgbClr val="F5F5F5"/>
-                </a:solidFill>
-              </a:rPr>
-              <a:t>Sending</a:t>
-            </a:r>
-            <a:r>
-              <a:rPr lang="en-US" dirty="0"/>
-              <a:t> Emails</a:t>
-            </a:r>
-            <a:endParaRPr lang="en-US" dirty="0">
-              <a:solidFill>
-                <a:srgbClr val="824040">
-                  <a:alpha val="50000"/>
-                </a:srgbClr>
-              </a:solidFill>
-            </a:endParaRPr>
+            <a:endParaRPr lang="en-US"/>
           </a:p>
         </p:txBody>
       </p:sp>
     </p:spTree>
     <p:extLst>
       <p:ext uri="{BB962C8B-B14F-4D97-AF65-F5344CB8AC3E}">
-        <p14:creationId xmlns:p14="http://schemas.microsoft.com/office/powerpoint/2010/main" val="2737484372"/>
+        <p14:creationId xmlns:p14="http://schemas.microsoft.com/office/powerpoint/2010/main" val="2748990136"/>
       </p:ext>
     </p:extLst>
   </p:cSld>
@@ -6794,7 +6542,13 @@
       </p:grpSpPr>
       <p:sp>
         <p:nvSpPr>
-          <p:cNvPr id="2" name="Title 1"/>
+          <p:cNvPr id="2" name="Title 1">
+            <a:extLst>
+              <a:ext uri="{FF2B5EF4-FFF2-40B4-BE49-F238E27FC236}">
+                <a16:creationId xmlns:a16="http://schemas.microsoft.com/office/drawing/2014/main" xmlns="" id="{259D0B7C-1D18-4B9B-9686-41CD01222471}"/>
+              </a:ext>
+            </a:extLst>
+          </p:cNvPr>
           <p:cNvSpPr>
             <a:spLocks noGrp="1"/>
           </p:cNvSpPr>
@@ -6809,6 +6563,311 @@
           <a:p>
             <a:pPr algn="ctr"/>
             <a:r>
+              <a:rPr lang="en-US" dirty="0"/>
+              <a:t>How do we do it?</a:t>
+            </a:r>
+          </a:p>
+        </p:txBody>
+      </p:sp>
+      <p:sp>
+        <p:nvSpPr>
+          <p:cNvPr id="3" name="Content Placeholder 2">
+            <a:extLst>
+              <a:ext uri="{FF2B5EF4-FFF2-40B4-BE49-F238E27FC236}">
+                <a16:creationId xmlns:a16="http://schemas.microsoft.com/office/drawing/2014/main" xmlns="" id="{7171011C-A762-4A01-8962-0A7436AA633E}"/>
+              </a:ext>
+            </a:extLst>
+          </p:cNvPr>
+          <p:cNvSpPr>
+            <a:spLocks noGrp="1"/>
+          </p:cNvSpPr>
+          <p:nvPr>
+            <p:ph idx="1"/>
+          </p:nvPr>
+        </p:nvSpPr>
+        <p:spPr/>
+        <p:txBody>
+          <a:bodyPr/>
+          <a:lstStyle/>
+          <a:p>
+            <a:r>
+              <a:rPr lang="en-US" dirty="0" smtClean="0">
+                <a:solidFill>
+                  <a:srgbClr val="824040">
+                    <a:alpha val="50000"/>
+                  </a:srgbClr>
+                </a:solidFill>
+              </a:rPr>
+              <a:t> </a:t>
+            </a:r>
+            <a:r>
+              <a:rPr lang="en-US" dirty="0" smtClean="0">
+                <a:solidFill>
+                  <a:srgbClr val="F5F5F5">
+                    <a:alpha val="50000"/>
+                  </a:srgbClr>
+                </a:solidFill>
+              </a:rPr>
+              <a:t>Database</a:t>
+            </a:r>
+            <a:r>
+              <a:rPr lang="en-US" dirty="0" smtClean="0">
+                <a:solidFill>
+                  <a:srgbClr val="824040">
+                    <a:alpha val="50000"/>
+                  </a:srgbClr>
+                </a:solidFill>
+              </a:rPr>
+              <a:t> Design</a:t>
+            </a:r>
+            <a:endParaRPr lang="en-US" dirty="0" smtClean="0">
+              <a:solidFill>
+                <a:srgbClr val="824040">
+                  <a:alpha val="50000"/>
+                </a:srgbClr>
+              </a:solidFill>
+            </a:endParaRPr>
+          </a:p>
+          <a:p>
+            <a:r>
+              <a:rPr lang="en-US" dirty="0" smtClean="0">
+                <a:solidFill>
+                  <a:srgbClr val="824040">
+                    <a:alpha val="50000"/>
+                  </a:srgbClr>
+                </a:solidFill>
+              </a:rPr>
+              <a:t> Account </a:t>
+            </a:r>
+            <a:r>
+              <a:rPr lang="en-US" dirty="0">
+                <a:solidFill>
+                  <a:srgbClr val="F5F5F5">
+                    <a:alpha val="50000"/>
+                  </a:srgbClr>
+                </a:solidFill>
+              </a:rPr>
+              <a:t>Creation</a:t>
+            </a:r>
+            <a:r>
+              <a:rPr lang="en-US" dirty="0">
+                <a:solidFill>
+                  <a:srgbClr val="824040">
+                    <a:alpha val="50000"/>
+                  </a:srgbClr>
+                </a:solidFill>
+              </a:rPr>
+              <a:t>, Logging </a:t>
+            </a:r>
+            <a:r>
+              <a:rPr lang="en-US" dirty="0">
+                <a:solidFill>
+                  <a:srgbClr val="F5F5F5">
+                    <a:alpha val="50000"/>
+                  </a:srgbClr>
+                </a:solidFill>
+              </a:rPr>
+              <a:t>In</a:t>
+            </a:r>
+            <a:r>
+              <a:rPr lang="en-US" dirty="0">
+                <a:solidFill>
+                  <a:srgbClr val="824040">
+                    <a:alpha val="50000"/>
+                  </a:srgbClr>
+                </a:solidFill>
+              </a:rPr>
+              <a:t>, and Logging </a:t>
+            </a:r>
+            <a:r>
+              <a:rPr lang="en-US" dirty="0" smtClean="0">
+                <a:solidFill>
+                  <a:srgbClr val="F5F5F5">
+                    <a:alpha val="50000"/>
+                  </a:srgbClr>
+                </a:solidFill>
+              </a:rPr>
+              <a:t>Out</a:t>
+            </a:r>
+          </a:p>
+          <a:p>
+            <a:r>
+              <a:rPr lang="en-US" dirty="0">
+                <a:solidFill>
+                  <a:srgbClr val="824040">
+                    <a:alpha val="50000"/>
+                  </a:srgbClr>
+                </a:solidFill>
+              </a:rPr>
+              <a:t> </a:t>
+            </a:r>
+            <a:r>
+              <a:rPr lang="en-US" dirty="0" smtClean="0">
+                <a:solidFill>
+                  <a:srgbClr val="F5F5F5">
+                    <a:alpha val="50000"/>
+                  </a:srgbClr>
+                </a:solidFill>
+              </a:rPr>
+              <a:t>Changing</a:t>
+            </a:r>
+            <a:r>
+              <a:rPr lang="en-US" dirty="0" smtClean="0">
+                <a:solidFill>
+                  <a:srgbClr val="824040">
+                    <a:alpha val="50000"/>
+                  </a:srgbClr>
+                </a:solidFill>
+              </a:rPr>
+              <a:t> </a:t>
+            </a:r>
+            <a:r>
+              <a:rPr lang="en-US" dirty="0">
+                <a:solidFill>
+                  <a:srgbClr val="824040">
+                    <a:alpha val="50000"/>
+                  </a:srgbClr>
+                </a:solidFill>
+              </a:rPr>
+              <a:t>Password and Account </a:t>
+            </a:r>
+            <a:r>
+              <a:rPr lang="en-US" dirty="0">
+                <a:solidFill>
+                  <a:srgbClr val="F5F5F5">
+                    <a:alpha val="50000"/>
+                  </a:srgbClr>
+                </a:solidFill>
+              </a:rPr>
+              <a:t>Recovery</a:t>
+            </a:r>
+          </a:p>
+          <a:p>
+            <a:r>
+              <a:rPr lang="en-US" dirty="0" smtClean="0">
+                <a:solidFill>
+                  <a:srgbClr val="824040">
+                    <a:alpha val="50000"/>
+                  </a:srgbClr>
+                </a:solidFill>
+              </a:rPr>
+              <a:t> Adding</a:t>
+            </a:r>
+            <a:r>
+              <a:rPr lang="en-US" dirty="0">
+                <a:solidFill>
+                  <a:srgbClr val="824040">
+                    <a:alpha val="50000"/>
+                  </a:srgbClr>
+                </a:solidFill>
+              </a:rPr>
+              <a:t>, Editing, and Deleting </a:t>
+            </a:r>
+            <a:r>
+              <a:rPr lang="en-US" dirty="0" smtClean="0">
+                <a:solidFill>
+                  <a:srgbClr val="F5F5F5">
+                    <a:alpha val="50000"/>
+                  </a:srgbClr>
+                </a:solidFill>
+              </a:rPr>
+              <a:t>URLs</a:t>
+            </a:r>
+          </a:p>
+          <a:p>
+            <a:r>
+              <a:rPr lang="en-US" dirty="0" smtClean="0">
+                <a:solidFill>
+                  <a:srgbClr val="824040">
+                    <a:alpha val="50000"/>
+                  </a:srgbClr>
+                </a:solidFill>
+              </a:rPr>
+              <a:t> </a:t>
+            </a:r>
+            <a:r>
+              <a:rPr lang="en-US" dirty="0" smtClean="0">
+                <a:solidFill>
+                  <a:srgbClr val="F5F5F5">
+                    <a:alpha val="50000"/>
+                  </a:srgbClr>
+                </a:solidFill>
+              </a:rPr>
+              <a:t>Searching</a:t>
+            </a:r>
+            <a:r>
+              <a:rPr lang="en-US" dirty="0" smtClean="0">
+                <a:solidFill>
+                  <a:srgbClr val="824040">
+                    <a:alpha val="50000"/>
+                  </a:srgbClr>
+                </a:solidFill>
+              </a:rPr>
+              <a:t> </a:t>
+            </a:r>
+            <a:r>
+              <a:rPr lang="en-US" dirty="0">
+                <a:solidFill>
+                  <a:srgbClr val="824040">
+                    <a:alpha val="50000"/>
+                  </a:srgbClr>
+                </a:solidFill>
+              </a:rPr>
+              <a:t>for </a:t>
+            </a:r>
+            <a:r>
+              <a:rPr lang="en-US" dirty="0" smtClean="0">
+                <a:solidFill>
+                  <a:srgbClr val="824040">
+                    <a:alpha val="50000"/>
+                  </a:srgbClr>
+                </a:solidFill>
+              </a:rPr>
+              <a:t>Updates</a:t>
+            </a:r>
+          </a:p>
+          <a:p>
+            <a:r>
+              <a:rPr lang="en-US" dirty="0" smtClean="0">
+                <a:solidFill>
+                  <a:srgbClr val="824040">
+                    <a:alpha val="50000"/>
+                  </a:srgbClr>
+                </a:solidFill>
+              </a:rPr>
+              <a:t> </a:t>
+            </a:r>
+            <a:r>
+              <a:rPr lang="en-US" dirty="0" smtClean="0">
+                <a:solidFill>
+                  <a:srgbClr val="F5F5F5">
+                    <a:alpha val="50000"/>
+                  </a:srgbClr>
+                </a:solidFill>
+              </a:rPr>
+              <a:t>Updating</a:t>
+            </a:r>
+            <a:r>
+              <a:rPr lang="en-US" dirty="0" smtClean="0">
+                <a:solidFill>
+                  <a:srgbClr val="824040">
+                    <a:alpha val="50000"/>
+                  </a:srgbClr>
+                </a:solidFill>
+              </a:rPr>
+              <a:t> </a:t>
+            </a:r>
+            <a:r>
+              <a:rPr lang="en-US" dirty="0">
+                <a:solidFill>
+                  <a:srgbClr val="824040">
+                    <a:alpha val="50000"/>
+                  </a:srgbClr>
+                </a:solidFill>
+              </a:rPr>
+              <a:t>the Database and </a:t>
+            </a:r>
+            <a:r>
               <a:rPr lang="en-US" dirty="0">
                 <a:solidFill>
                   <a:srgbClr val="F5F5F5"/>
@@ -6820,32 +6879,20 @@
               <a:rPr lang="en-US" dirty="0"/>
               <a:t> Emails</a:t>
             </a:r>
-          </a:p>
-        </p:txBody>
-      </p:sp>
-      <p:sp>
-        <p:nvSpPr>
-          <p:cNvPr id="3" name="Content Placeholder 2"/>
-          <p:cNvSpPr>
-            <a:spLocks noGrp="1"/>
-          </p:cNvSpPr>
-          <p:nvPr>
-            <p:ph idx="1"/>
-          </p:nvPr>
-        </p:nvSpPr>
-        <p:spPr/>
-        <p:txBody>
-          <a:bodyPr/>
-          <a:lstStyle/>
-          <a:p>
-            <a:endParaRPr lang="en-US"/>
+            <a:endParaRPr lang="en-US" dirty="0">
+              <a:solidFill>
+                <a:srgbClr val="824040">
+                  <a:alpha val="50000"/>
+                </a:srgbClr>
+              </a:solidFill>
+            </a:endParaRPr>
           </a:p>
         </p:txBody>
       </p:sp>
     </p:spTree>
     <p:extLst>
       <p:ext uri="{BB962C8B-B14F-4D97-AF65-F5344CB8AC3E}">
-        <p14:creationId xmlns:p14="http://schemas.microsoft.com/office/powerpoint/2010/main" val="148493754"/>
+        <p14:creationId xmlns:p14="http://schemas.microsoft.com/office/powerpoint/2010/main" val="2737484372"/>
       </p:ext>
     </p:extLst>
   </p:cSld>
@@ -6881,6 +6928,93 @@
       </p:grpSpPr>
       <p:sp>
         <p:nvSpPr>
+          <p:cNvPr id="2" name="Title 1"/>
+          <p:cNvSpPr>
+            <a:spLocks noGrp="1"/>
+          </p:cNvSpPr>
+          <p:nvPr>
+            <p:ph type="title"/>
+          </p:nvPr>
+        </p:nvSpPr>
+        <p:spPr/>
+        <p:txBody>
+          <a:bodyPr/>
+          <a:lstStyle/>
+          <a:p>
+            <a:pPr algn="ctr"/>
+            <a:r>
+              <a:rPr lang="en-US" dirty="0">
+                <a:solidFill>
+                  <a:srgbClr val="F5F5F5"/>
+                </a:solidFill>
+              </a:rPr>
+              <a:t>Sending</a:t>
+            </a:r>
+            <a:r>
+              <a:rPr lang="en-US" dirty="0"/>
+              <a:t> Emails</a:t>
+            </a:r>
+          </a:p>
+        </p:txBody>
+      </p:sp>
+      <p:sp>
+        <p:nvSpPr>
+          <p:cNvPr id="3" name="Content Placeholder 2"/>
+          <p:cNvSpPr>
+            <a:spLocks noGrp="1"/>
+          </p:cNvSpPr>
+          <p:nvPr>
+            <p:ph idx="1"/>
+          </p:nvPr>
+        </p:nvSpPr>
+        <p:spPr/>
+        <p:txBody>
+          <a:bodyPr/>
+          <a:lstStyle/>
+          <a:p>
+            <a:endParaRPr lang="en-US"/>
+          </a:p>
+        </p:txBody>
+      </p:sp>
+    </p:spTree>
+    <p:extLst>
+      <p:ext uri="{BB962C8B-B14F-4D97-AF65-F5344CB8AC3E}">
+        <p14:creationId xmlns:p14="http://schemas.microsoft.com/office/powerpoint/2010/main" val="148493754"/>
+      </p:ext>
+    </p:extLst>
+  </p:cSld>
+  <p:clrMapOvr>
+    <a:masterClrMapping/>
+  </p:clrMapOvr>
+  <p:timing>
+    <p:tnLst>
+      <p:par>
+        <p:cTn id="1" dur="indefinite" restart="never" nodeType="tmRoot"/>
+      </p:par>
+    </p:tnLst>
+  </p:timing>
+</p:sld>
+</file>
+
+<file path=ppt/slides/slide26.xml><?xml version="1.0" encoding="utf-8"?>
+<p:sld xmlns:a="http://schemas.openxmlformats.org/drawingml/2006/main" xmlns:r="http://schemas.openxmlformats.org/officeDocument/2006/relationships" xmlns:p="http://schemas.openxmlformats.org/presentationml/2006/main">
+  <p:cSld>
+    <p:spTree>
+      <p:nvGrpSpPr>
+        <p:cNvPr id="1" name=""/>
+        <p:cNvGrpSpPr/>
+        <p:nvPr/>
+      </p:nvGrpSpPr>
+      <p:grpSpPr>
+        <a:xfrm>
+          <a:off x="0" y="0"/>
+          <a:ext cx="0" cy="0"/>
+          <a:chOff x="0" y="0"/>
+          <a:chExt cx="0" cy="0"/>
+        </a:xfrm>
+      </p:grpSpPr>
+      <p:sp>
+        <p:nvSpPr>
           <p:cNvPr id="2" name="Title 1">
             <a:extLst>
               <a:ext uri="{FF2B5EF4-FFF2-40B4-BE49-F238E27FC236}">
@@ -7054,7 +7188,7 @@
 </p:sld>
 </file>
 
-<file path=ppt/slides/slide26.xml><?xml version="1.0" encoding="utf-8"?>
+<file path=ppt/slides/slide27.xml><?xml version="1.0" encoding="utf-8"?>
 <p:sld xmlns:a="http://schemas.openxmlformats.org/drawingml/2006/main" xmlns:r="http://schemas.openxmlformats.org/officeDocument/2006/relationships" xmlns:p="http://schemas.openxmlformats.org/presentationml/2006/main">
   <p:cSld>
     <p:spTree>
@@ -7565,7 +7699,7 @@
 </p:sld>
 </file>
 
-<file path=ppt/slides/slide27.xml><?xml version="1.0" encoding="utf-8"?>
+<file path=ppt/slides/slide28.xml><?xml version="1.0" encoding="utf-8"?>
 <p:sld xmlns:a="http://schemas.openxmlformats.org/drawingml/2006/main" xmlns:r="http://schemas.openxmlformats.org/officeDocument/2006/relationships" xmlns:p="http://schemas.openxmlformats.org/presentationml/2006/main">
   <p:cSld>
     <p:spTree>
@@ -7833,72 +7967,6 @@
 </p:sld>
 </file>
 
-<file path=ppt/slides/slide28.xml><?xml version="1.0" encoding="utf-8"?>
-<p:sld xmlns:a="http://schemas.openxmlformats.org/drawingml/2006/main" xmlns:r="http://schemas.openxmlformats.org/officeDocument/2006/relationships" xmlns:p="http://schemas.openxmlformats.org/presentationml/2006/main">
-  <p:cSld>
-    <p:spTree>
-      <p:nvGrpSpPr>
-        <p:cNvPr id="1" name=""/>
-        <p:cNvGrpSpPr/>
-        <p:nvPr/>
-      </p:nvGrpSpPr>
-      <p:grpSpPr>
-        <a:xfrm>
-          <a:off x="0" y="0"/>
-          <a:ext cx="0" cy="0"/>
-          <a:chOff x="0" y="0"/>
-          <a:chExt cx="0" cy="0"/>
-        </a:xfrm>
-      </p:grpSpPr>
-      <p:sp>
-        <p:nvSpPr>
-          <p:cNvPr id="6" name="Title 5"/>
-          <p:cNvSpPr>
-            <a:spLocks noGrp="1"/>
-          </p:cNvSpPr>
-          <p:nvPr>
-            <p:ph type="title"/>
-          </p:nvPr>
-        </p:nvSpPr>
-        <p:spPr>
-          <a:xfrm>
-            <a:off x="838200" y="365125"/>
-            <a:ext cx="10515600" cy="5663886"/>
-          </a:xfrm>
-        </p:spPr>
-        <p:txBody>
-          <a:bodyPr/>
-          <a:lstStyle/>
-          <a:p>
-            <a:pPr algn="ctr"/>
-            <a:r>
-              <a:rPr lang="en-US"/>
-              <a:t>DEMO</a:t>
-            </a:r>
-            <a:endParaRPr lang="en-US" dirty="0"/>
-          </a:p>
-        </p:txBody>
-      </p:sp>
-    </p:spTree>
-    <p:extLst>
-      <p:ext uri="{BB962C8B-B14F-4D97-AF65-F5344CB8AC3E}">
-        <p14:creationId xmlns:p14="http://schemas.microsoft.com/office/powerpoint/2010/main" val="4160979080"/>
-      </p:ext>
-    </p:extLst>
-  </p:cSld>
-  <p:clrMapOvr>
-    <a:masterClrMapping/>
-  </p:clrMapOvr>
-  <p:timing>
-    <p:tnLst>
-      <p:par>
-        <p:cTn id="1" dur="indefinite" restart="never" nodeType="tmRoot"/>
-      </p:par>
-    </p:tnLst>
-  </p:timing>
-</p:sld>
-</file>
-
 <file path=ppt/slides/slide29.xml><?xml version="1.0" encoding="utf-8"?>
 <p:sld xmlns:a="http://schemas.openxmlformats.org/drawingml/2006/main" xmlns:r="http://schemas.openxmlformats.org/officeDocument/2006/relationships" xmlns:p="http://schemas.openxmlformats.org/presentationml/2006/main">
   <p:cSld>
@@ -7918,7 +7986,7 @@
       </p:grpSpPr>
       <p:sp>
         <p:nvSpPr>
-          <p:cNvPr id="2" name="Title 1"/>
+          <p:cNvPr id="6" name="Title 5"/>
           <p:cNvSpPr>
             <a:spLocks noGrp="1"/>
           </p:cNvSpPr>
@@ -7926,34 +7994,21 @@
             <p:ph type="title"/>
           </p:nvPr>
         </p:nvSpPr>
-        <p:spPr/>
+        <p:spPr>
+          <a:xfrm>
+            <a:off x="838200" y="365125"/>
+            <a:ext cx="10515600" cy="5663886"/>
+          </a:xfrm>
+        </p:spPr>
         <p:txBody>
           <a:bodyPr/>
           <a:lstStyle/>
           <a:p>
             <a:pPr algn="ctr"/>
             <a:r>
-              <a:rPr lang="en-US" dirty="0"/>
-              <a:t>Future Work</a:t>
-            </a:r>
-          </a:p>
-        </p:txBody>
-      </p:sp>
-      <p:sp>
-        <p:nvSpPr>
-          <p:cNvPr id="3" name="Content Placeholder 2"/>
-          <p:cNvSpPr>
-            <a:spLocks noGrp="1"/>
-          </p:cNvSpPr>
-          <p:nvPr>
-            <p:ph idx="1"/>
-          </p:nvPr>
-        </p:nvSpPr>
-        <p:spPr/>
-        <p:txBody>
-          <a:bodyPr/>
-          <a:lstStyle/>
-          <a:p>
+              <a:rPr lang="en-US"/>
+              <a:t>DEMO</a:t>
+            </a:r>
             <a:endParaRPr lang="en-US" dirty="0"/>
           </a:p>
         </p:txBody>
@@ -7961,7 +8016,7 @@
     </p:spTree>
     <p:extLst>
       <p:ext uri="{BB962C8B-B14F-4D97-AF65-F5344CB8AC3E}">
-        <p14:creationId xmlns:p14="http://schemas.microsoft.com/office/powerpoint/2010/main" val="3722781001"/>
+        <p14:creationId xmlns:p14="http://schemas.microsoft.com/office/powerpoint/2010/main" val="4160979080"/>
       </p:ext>
     </p:extLst>
   </p:cSld>
@@ -8215,6 +8270,85 @@
     <p:extLst>
       <p:ext uri="{BB962C8B-B14F-4D97-AF65-F5344CB8AC3E}">
         <p14:creationId xmlns:p14="http://schemas.microsoft.com/office/powerpoint/2010/main" val="651296514"/>
+      </p:ext>
+    </p:extLst>
+  </p:cSld>
+  <p:clrMapOvr>
+    <a:masterClrMapping/>
+  </p:clrMapOvr>
+  <p:timing>
+    <p:tnLst>
+      <p:par>
+        <p:cTn id="1" dur="indefinite" restart="never" nodeType="tmRoot"/>
+      </p:par>
+    </p:tnLst>
+  </p:timing>
+</p:sld>
+</file>
+
+<file path=ppt/slides/slide30.xml><?xml version="1.0" encoding="utf-8"?>
+<p:sld xmlns:a="http://schemas.openxmlformats.org/drawingml/2006/main" xmlns:r="http://schemas.openxmlformats.org/officeDocument/2006/relationships" xmlns:p="http://schemas.openxmlformats.org/presentationml/2006/main">
+  <p:cSld>
+    <p:spTree>
+      <p:nvGrpSpPr>
+        <p:cNvPr id="1" name=""/>
+        <p:cNvGrpSpPr/>
+        <p:nvPr/>
+      </p:nvGrpSpPr>
+      <p:grpSpPr>
+        <a:xfrm>
+          <a:off x="0" y="0"/>
+          <a:ext cx="0" cy="0"/>
+          <a:chOff x="0" y="0"/>
+          <a:chExt cx="0" cy="0"/>
+        </a:xfrm>
+      </p:grpSpPr>
+      <p:sp>
+        <p:nvSpPr>
+          <p:cNvPr id="2" name="Title 1"/>
+          <p:cNvSpPr>
+            <a:spLocks noGrp="1"/>
+          </p:cNvSpPr>
+          <p:nvPr>
+            <p:ph type="title"/>
+          </p:nvPr>
+        </p:nvSpPr>
+        <p:spPr/>
+        <p:txBody>
+          <a:bodyPr/>
+          <a:lstStyle/>
+          <a:p>
+            <a:pPr algn="ctr"/>
+            <a:r>
+              <a:rPr lang="en-US" dirty="0"/>
+              <a:t>Future Work</a:t>
+            </a:r>
+          </a:p>
+        </p:txBody>
+      </p:sp>
+      <p:sp>
+        <p:nvSpPr>
+          <p:cNvPr id="3" name="Content Placeholder 2"/>
+          <p:cNvSpPr>
+            <a:spLocks noGrp="1"/>
+          </p:cNvSpPr>
+          <p:nvPr>
+            <p:ph idx="1"/>
+          </p:nvPr>
+        </p:nvSpPr>
+        <p:spPr/>
+        <p:txBody>
+          <a:bodyPr/>
+          <a:lstStyle/>
+          <a:p>
+            <a:endParaRPr lang="en-US" dirty="0"/>
+          </a:p>
+        </p:txBody>
+      </p:sp>
+    </p:spTree>
+    <p:extLst>
+      <p:ext uri="{BB962C8B-B14F-4D97-AF65-F5344CB8AC3E}">
+        <p14:creationId xmlns:p14="http://schemas.microsoft.com/office/powerpoint/2010/main" val="3722781001"/>
       </p:ext>
     </p:extLst>
   </p:cSld>

--- a/NotifyMe.pptx
+++ b/NotifyMe.pptx
@@ -6008,25 +6008,35 @@
           </a:p>
         </p:txBody>
       </p:sp>
-      <p:sp>
-        <p:nvSpPr>
-          <p:cNvPr id="3" name="Content Placeholder 2"/>
-          <p:cNvSpPr>
-            <a:spLocks noGrp="1"/>
-          </p:cNvSpPr>
+      <p:pic>
+        <p:nvPicPr>
+          <p:cNvPr id="4" name="Content Placeholder 3"/>
+          <p:cNvPicPr>
+            <a:picLocks noGrp="1" noChangeAspect="1"/>
+          </p:cNvPicPr>
           <p:nvPr>
             <p:ph idx="1"/>
           </p:nvPr>
-        </p:nvSpPr>
-        <p:spPr/>
-        <p:txBody>
-          <a:bodyPr/>
-          <a:lstStyle/>
-          <a:p>
-            <a:endParaRPr lang="en-US" dirty="0"/>
-          </a:p>
-        </p:txBody>
-      </p:sp>
+        </p:nvPicPr>
+        <p:blipFill>
+          <a:blip r:embed="rId2" cstate="print">
+            <a:extLst>
+              <a:ext uri="{28A0092B-C50C-407E-A947-70E740481C1C}">
+                <a14:useLocalDpi xmlns:a14="http://schemas.microsoft.com/office/drawing/2010/main" val="0"/>
+              </a:ext>
+            </a:extLst>
+          </a:blip>
+          <a:stretch>
+            <a:fillRect/>
+          </a:stretch>
+        </p:blipFill>
+        <p:spPr>
+          <a:xfrm>
+            <a:off x="3054456" y="1825625"/>
+            <a:ext cx="6083088" cy="4351338"/>
+          </a:xfrm>
+        </p:spPr>
+      </p:pic>
     </p:spTree>
     <p:extLst>
       <p:ext uri="{BB962C8B-B14F-4D97-AF65-F5344CB8AC3E}">
@@ -6484,25 +6494,35 @@
           </a:p>
         </p:txBody>
       </p:sp>
-      <p:sp>
-        <p:nvSpPr>
-          <p:cNvPr id="3" name="Content Placeholder 2"/>
-          <p:cNvSpPr>
-            <a:spLocks noGrp="1"/>
-          </p:cNvSpPr>
+      <p:pic>
+        <p:nvPicPr>
+          <p:cNvPr id="4" name="Content Placeholder 3"/>
+          <p:cNvPicPr>
+            <a:picLocks noGrp="1" noChangeAspect="1"/>
+          </p:cNvPicPr>
           <p:nvPr>
             <p:ph idx="1"/>
           </p:nvPr>
-        </p:nvSpPr>
-        <p:spPr/>
-        <p:txBody>
-          <a:bodyPr/>
-          <a:lstStyle/>
-          <a:p>
-            <a:endParaRPr lang="en-US"/>
-          </a:p>
-        </p:txBody>
-      </p:sp>
+        </p:nvPicPr>
+        <p:blipFill>
+          <a:blip r:embed="rId2" cstate="print">
+            <a:extLst>
+              <a:ext uri="{28A0092B-C50C-407E-A947-70E740481C1C}">
+                <a14:useLocalDpi xmlns:a14="http://schemas.microsoft.com/office/drawing/2010/main" val="0"/>
+              </a:ext>
+            </a:extLst>
+          </a:blip>
+          <a:stretch>
+            <a:fillRect/>
+          </a:stretch>
+        </p:blipFill>
+        <p:spPr>
+          <a:xfrm>
+            <a:off x="3054456" y="1825625"/>
+            <a:ext cx="6083088" cy="4351338"/>
+          </a:xfrm>
+        </p:spPr>
+      </p:pic>
     </p:spTree>
     <p:extLst>
       <p:ext uri="{BB962C8B-B14F-4D97-AF65-F5344CB8AC3E}">
@@ -6957,25 +6977,35 @@
           </a:p>
         </p:txBody>
       </p:sp>
-      <p:sp>
-        <p:nvSpPr>
-          <p:cNvPr id="3" name="Content Placeholder 2"/>
-          <p:cNvSpPr>
-            <a:spLocks noGrp="1"/>
-          </p:cNvSpPr>
+      <p:pic>
+        <p:nvPicPr>
+          <p:cNvPr id="4" name="Content Placeholder 3"/>
+          <p:cNvPicPr>
+            <a:picLocks noGrp="1" noChangeAspect="1"/>
+          </p:cNvPicPr>
           <p:nvPr>
             <p:ph idx="1"/>
           </p:nvPr>
-        </p:nvSpPr>
-        <p:spPr/>
-        <p:txBody>
-          <a:bodyPr/>
-          <a:lstStyle/>
-          <a:p>
-            <a:endParaRPr lang="en-US"/>
-          </a:p>
-        </p:txBody>
-      </p:sp>
+        </p:nvPicPr>
+        <p:blipFill>
+          <a:blip r:embed="rId2" cstate="print">
+            <a:extLst>
+              <a:ext uri="{28A0092B-C50C-407E-A947-70E740481C1C}">
+                <a14:useLocalDpi xmlns:a14="http://schemas.microsoft.com/office/drawing/2010/main" val="0"/>
+              </a:ext>
+            </a:extLst>
+          </a:blip>
+          <a:stretch>
+            <a:fillRect/>
+          </a:stretch>
+        </p:blipFill>
+        <p:spPr>
+          <a:xfrm>
+            <a:off x="2965813" y="2328559"/>
+            <a:ext cx="6260373" cy="3345470"/>
+          </a:xfrm>
+        </p:spPr>
+      </p:pic>
     </p:spTree>
     <p:extLst>
       <p:ext uri="{BB962C8B-B14F-4D97-AF65-F5344CB8AC3E}">
@@ -7205,68 +7235,6 @@
           <a:chExt cx="0" cy="0"/>
         </a:xfrm>
       </p:grpSpPr>
-      <p:sp>
-        <p:nvSpPr>
-          <p:cNvPr id="9" name="Rectangle 8">
-            <a:extLst>
-              <a:ext uri="{FF2B5EF4-FFF2-40B4-BE49-F238E27FC236}">
-                <a16:creationId xmlns:a16="http://schemas.microsoft.com/office/drawing/2014/main" xmlns="" id="{A4AC5506-6312-4701-8D3C-40187889A947}"/>
-              </a:ext>
-            </a:extLst>
-          </p:cNvPr>
-          <p:cNvSpPr>
-            <a:spLocks noGrp="1" noRot="1" noChangeAspect="1" noMove="1" noResize="1" noEditPoints="1" noAdjustHandles="1" noChangeArrowheads="1" noChangeShapeType="1" noTextEdit="1"/>
-          </p:cNvSpPr>
-          <p:nvPr>
-            <p:extLst>
-              <p:ext uri="{386F3935-93C4-4BCD-93E2-E3B085C9AB24}">
-                <p16:designElem xmlns:p16="http://schemas.microsoft.com/office/powerpoint/2015/main" xmlns="" val="1"/>
-              </p:ext>
-            </p:extLst>
-          </p:nvPr>
-        </p:nvSpPr>
-        <p:spPr>
-          <a:xfrm>
-            <a:off x="0" y="651752"/>
-            <a:ext cx="12192000" cy="736551"/>
-          </a:xfrm>
-          <a:prstGeom prst="rect">
-            <a:avLst/>
-          </a:prstGeom>
-          <a:solidFill>
-            <a:schemeClr val="tx1">
-              <a:alpha val="75000"/>
-            </a:schemeClr>
-          </a:solidFill>
-          <a:ln>
-            <a:noFill/>
-          </a:ln>
-        </p:spPr>
-        <p:style>
-          <a:lnRef idx="2">
-            <a:schemeClr val="accent1">
-              <a:shade val="50000"/>
-            </a:schemeClr>
-          </a:lnRef>
-          <a:fillRef idx="1">
-            <a:schemeClr val="accent1"/>
-          </a:fillRef>
-          <a:effectRef idx="0">
-            <a:schemeClr val="accent1"/>
-          </a:effectRef>
-          <a:fontRef idx="minor">
-            <a:schemeClr val="lt1"/>
-          </a:fontRef>
-        </p:style>
-        <p:txBody>
-          <a:bodyPr rtlCol="0" anchor="ctr"/>
-          <a:lstStyle/>
-          <a:p>
-            <a:pPr algn="ctr"/>
-            <a:endParaRPr lang="en-US"/>
-          </a:p>
-        </p:txBody>
-      </p:sp>
       <p:pic>
         <p:nvPicPr>
           <p:cNvPr id="4" name="Content Placeholder 3">
@@ -7329,35 +7297,10 @@
           <a:p>
             <a:pPr algn="ctr"/>
             <a:r>
-              <a:rPr lang="en-US" sz="3200" kern="1200" dirty="0">
-                <a:solidFill>
-                  <a:schemeClr val="bg1"/>
-                </a:solidFill>
-                <a:latin typeface="+mj-lt"/>
-                <a:ea typeface="+mj-ea"/>
-                <a:cs typeface="+mj-cs"/>
-              </a:rPr>
-              <a:t>Layout of </a:t>
-            </a:r>
-            <a:r>
-              <a:rPr lang="en-US" sz="3200" kern="1200" dirty="0" err="1">
-                <a:solidFill>
-                  <a:schemeClr val="bg1"/>
-                </a:solidFill>
-                <a:latin typeface="+mj-lt"/>
-                <a:ea typeface="+mj-ea"/>
-                <a:cs typeface="+mj-cs"/>
-              </a:rPr>
-              <a:t>phpMyAdmin</a:t>
-            </a:r>
-            <a:endParaRPr lang="en-US" sz="3200" kern="1200" dirty="0">
-              <a:solidFill>
-                <a:schemeClr val="bg1"/>
-              </a:solidFill>
-              <a:latin typeface="+mj-lt"/>
-              <a:ea typeface="+mj-ea"/>
-              <a:cs typeface="+mj-cs"/>
-            </a:endParaRPr>
+              <a:rPr lang="en-US" kern="1200" dirty="0" err="1" smtClean="0"/>
+              <a:t>PhpMyAdmin</a:t>
+            </a:r>
+            <a:endParaRPr lang="en-US" kern="1200" dirty="0"/>
           </a:p>
         </p:txBody>
       </p:sp>
@@ -7638,7 +7581,11 @@
           <a:lstStyle/>
           <a:p>
             <a:r>
-              <a:rPr lang="en-US" dirty="0"/>
+              <a:rPr lang="en-US" dirty="0">
+                <a:solidFill>
+                  <a:srgbClr val="824040"/>
+                </a:solidFill>
+              </a:rPr>
               <a:t>2 separate Database maintained </a:t>
             </a:r>
           </a:p>
@@ -7673,7 +7620,11 @@
           <a:lstStyle/>
           <a:p>
             <a:r>
-              <a:rPr lang="en-US" dirty="0"/>
+              <a:rPr lang="en-US" dirty="0">
+                <a:solidFill>
+                  <a:srgbClr val="824040"/>
+                </a:solidFill>
+              </a:rPr>
               <a:t>Tables in the Database</a:t>
             </a:r>
           </a:p>
@@ -8340,6 +8291,67 @@
         <p:txBody>
           <a:bodyPr/>
           <a:lstStyle/>
+          <a:p>
+            <a:r>
+              <a:rPr lang="en-US" dirty="0" smtClean="0"/>
+              <a:t> Set </a:t>
+            </a:r>
+            <a:r>
+              <a:rPr lang="en-US" dirty="0" smtClean="0">
+                <a:solidFill>
+                  <a:srgbClr val="F5F5F5"/>
+                </a:solidFill>
+              </a:rPr>
+              <a:t>frequency </a:t>
+            </a:r>
+            <a:r>
+              <a:rPr lang="en-US" dirty="0" smtClean="0"/>
+              <a:t>with which the user is updated</a:t>
+            </a:r>
+          </a:p>
+          <a:p>
+            <a:endParaRPr lang="en-US" dirty="0" smtClean="0"/>
+          </a:p>
+          <a:p>
+            <a:r>
+              <a:rPr lang="en-US" dirty="0" smtClean="0"/>
+              <a:t> List </a:t>
+            </a:r>
+            <a:r>
+              <a:rPr lang="en-US" dirty="0" smtClean="0">
+                <a:solidFill>
+                  <a:srgbClr val="F5F5F5"/>
+                </a:solidFill>
+              </a:rPr>
+              <a:t>sharing</a:t>
+            </a:r>
+          </a:p>
+          <a:p>
+            <a:endParaRPr lang="en-US" dirty="0">
+              <a:solidFill>
+                <a:srgbClr val="F5F5F5"/>
+              </a:solidFill>
+            </a:endParaRPr>
+          </a:p>
+          <a:p>
+            <a:r>
+              <a:rPr lang="en-US" dirty="0" smtClean="0"/>
+              <a:t> Better </a:t>
+            </a:r>
+            <a:r>
+              <a:rPr lang="en-US" smtClean="0">
+                <a:solidFill>
+                  <a:srgbClr val="F5F5F5"/>
+                </a:solidFill>
+              </a:rPr>
+              <a:t>security</a:t>
+            </a:r>
+            <a:r>
+              <a:rPr lang="en-US" smtClean="0"/>
+              <a:t> </a:t>
+            </a:r>
+            <a:endParaRPr lang="en-US" dirty="0" smtClean="0"/>
+          </a:p>
           <a:p>
             <a:endParaRPr lang="en-US" dirty="0"/>
           </a:p>

--- a/NotifyMe.pptx
+++ b/NotifyMe.pptx
@@ -18,23 +18,22 @@
     <p:sldId id="280" r:id="rId12"/>
     <p:sldId id="290" r:id="rId13"/>
     <p:sldId id="296" r:id="rId14"/>
-    <p:sldId id="299" r:id="rId15"/>
-    <p:sldId id="281" r:id="rId16"/>
-    <p:sldId id="291" r:id="rId17"/>
-    <p:sldId id="282" r:id="rId18"/>
-    <p:sldId id="292" r:id="rId19"/>
-    <p:sldId id="300" r:id="rId20"/>
-    <p:sldId id="283" r:id="rId21"/>
-    <p:sldId id="293" r:id="rId22"/>
-    <p:sldId id="284" r:id="rId23"/>
-    <p:sldId id="294" r:id="rId24"/>
-    <p:sldId id="285" r:id="rId25"/>
-    <p:sldId id="295" r:id="rId26"/>
-    <p:sldId id="259" r:id="rId27"/>
-    <p:sldId id="261" r:id="rId28"/>
-    <p:sldId id="260" r:id="rId29"/>
-    <p:sldId id="275" r:id="rId30"/>
-    <p:sldId id="276" r:id="rId31"/>
+    <p:sldId id="281" r:id="rId15"/>
+    <p:sldId id="291" r:id="rId16"/>
+    <p:sldId id="282" r:id="rId17"/>
+    <p:sldId id="292" r:id="rId18"/>
+    <p:sldId id="300" r:id="rId19"/>
+    <p:sldId id="283" r:id="rId20"/>
+    <p:sldId id="293" r:id="rId21"/>
+    <p:sldId id="284" r:id="rId22"/>
+    <p:sldId id="294" r:id="rId23"/>
+    <p:sldId id="285" r:id="rId24"/>
+    <p:sldId id="295" r:id="rId25"/>
+    <p:sldId id="259" r:id="rId26"/>
+    <p:sldId id="261" r:id="rId27"/>
+    <p:sldId id="260" r:id="rId28"/>
+    <p:sldId id="275" r:id="rId29"/>
+    <p:sldId id="276" r:id="rId30"/>
   </p:sldIdLst>
   <p:sldSz cx="12192000" cy="6858000"/>
   <p:notesSz cx="6858000" cy="9144000"/>
@@ -167,7 +166,7 @@
           <p:cNvPr id="2" name="Title 1">
             <a:extLst>
               <a:ext uri="{FF2B5EF4-FFF2-40B4-BE49-F238E27FC236}">
-                <a16:creationId xmlns:a16="http://schemas.microsoft.com/office/drawing/2014/main" xmlns="" id="{A121670B-39D9-4A13-A117-73C6549A36A7}"/>
+                <a16:creationId xmlns:a16="http://schemas.microsoft.com/office/drawing/2014/main" id="{A121670B-39D9-4A13-A117-73C6549A36A7}"/>
               </a:ext>
             </a:extLst>
           </p:cNvPr>
@@ -204,7 +203,7 @@
           <p:cNvPr id="3" name="Subtitle 2">
             <a:extLst>
               <a:ext uri="{FF2B5EF4-FFF2-40B4-BE49-F238E27FC236}">
-                <a16:creationId xmlns:a16="http://schemas.microsoft.com/office/drawing/2014/main" xmlns="" id="{4F0A4617-72EC-4342-9E3B-7C6DB7671CE2}"/>
+                <a16:creationId xmlns:a16="http://schemas.microsoft.com/office/drawing/2014/main" id="{4F0A4617-72EC-4342-9E3B-7C6DB7671CE2}"/>
               </a:ext>
             </a:extLst>
           </p:cNvPr>
@@ -274,7 +273,7 @@
           <p:cNvPr id="4" name="Date Placeholder 3">
             <a:extLst>
               <a:ext uri="{FF2B5EF4-FFF2-40B4-BE49-F238E27FC236}">
-                <a16:creationId xmlns:a16="http://schemas.microsoft.com/office/drawing/2014/main" xmlns="" id="{843BC3CE-7F4E-4615-A889-4E624C4E6ED7}"/>
+                <a16:creationId xmlns:a16="http://schemas.microsoft.com/office/drawing/2014/main" id="{843BC3CE-7F4E-4615-A889-4E624C4E6ED7}"/>
               </a:ext>
             </a:extLst>
           </p:cNvPr>
@@ -292,7 +291,7 @@
           <a:p>
             <a:fld id="{8E423C67-9D6A-4F85-BFC6-5090D8CF0AB4}" type="datetimeFigureOut">
               <a:rPr lang="en-US" smtClean="0"/>
-              <a:t>2017-12-07</a:t>
+              <a:t>12/7/2017</a:t>
             </a:fld>
             <a:endParaRPr lang="en-US"/>
           </a:p>
@@ -303,7 +302,7 @@
           <p:cNvPr id="5" name="Footer Placeholder 4">
             <a:extLst>
               <a:ext uri="{FF2B5EF4-FFF2-40B4-BE49-F238E27FC236}">
-                <a16:creationId xmlns:a16="http://schemas.microsoft.com/office/drawing/2014/main" xmlns="" id="{81DFEBD2-190E-452B-9006-EFD22F033623}"/>
+                <a16:creationId xmlns:a16="http://schemas.microsoft.com/office/drawing/2014/main" id="{81DFEBD2-190E-452B-9006-EFD22F033623}"/>
               </a:ext>
             </a:extLst>
           </p:cNvPr>
@@ -328,7 +327,7 @@
           <p:cNvPr id="6" name="Slide Number Placeholder 5">
             <a:extLst>
               <a:ext uri="{FF2B5EF4-FFF2-40B4-BE49-F238E27FC236}">
-                <a16:creationId xmlns:a16="http://schemas.microsoft.com/office/drawing/2014/main" xmlns="" id="{9BF2AEAB-9CD9-4C11-B369-6FF89494160A}"/>
+                <a16:creationId xmlns:a16="http://schemas.microsoft.com/office/drawing/2014/main" id="{9BF2AEAB-9CD9-4C11-B369-6FF89494160A}"/>
               </a:ext>
             </a:extLst>
           </p:cNvPr>
@@ -387,7 +386,7 @@
           <p:cNvPr id="2" name="Title 1">
             <a:extLst>
               <a:ext uri="{FF2B5EF4-FFF2-40B4-BE49-F238E27FC236}">
-                <a16:creationId xmlns:a16="http://schemas.microsoft.com/office/drawing/2014/main" xmlns="" id="{81A937BE-06FE-4C9F-A708-5D343192BEF3}"/>
+                <a16:creationId xmlns:a16="http://schemas.microsoft.com/office/drawing/2014/main" id="{81A937BE-06FE-4C9F-A708-5D343192BEF3}"/>
               </a:ext>
             </a:extLst>
           </p:cNvPr>
@@ -415,7 +414,7 @@
           <p:cNvPr id="3" name="Vertical Text Placeholder 2">
             <a:extLst>
               <a:ext uri="{FF2B5EF4-FFF2-40B4-BE49-F238E27FC236}">
-                <a16:creationId xmlns:a16="http://schemas.microsoft.com/office/drawing/2014/main" xmlns="" id="{85372E3E-C976-4E70-8D8A-091233C9A49F}"/>
+                <a16:creationId xmlns:a16="http://schemas.microsoft.com/office/drawing/2014/main" id="{85372E3E-C976-4E70-8D8A-091233C9A49F}"/>
               </a:ext>
             </a:extLst>
           </p:cNvPr>
@@ -472,7 +471,7 @@
           <p:cNvPr id="4" name="Date Placeholder 3">
             <a:extLst>
               <a:ext uri="{FF2B5EF4-FFF2-40B4-BE49-F238E27FC236}">
-                <a16:creationId xmlns:a16="http://schemas.microsoft.com/office/drawing/2014/main" xmlns="" id="{3029C7F0-3383-4836-BF51-AF0F1BC78E6B}"/>
+                <a16:creationId xmlns:a16="http://schemas.microsoft.com/office/drawing/2014/main" id="{3029C7F0-3383-4836-BF51-AF0F1BC78E6B}"/>
               </a:ext>
             </a:extLst>
           </p:cNvPr>
@@ -490,7 +489,7 @@
           <a:p>
             <a:fld id="{8E423C67-9D6A-4F85-BFC6-5090D8CF0AB4}" type="datetimeFigureOut">
               <a:rPr lang="en-US" smtClean="0"/>
-              <a:t>2017-12-07</a:t>
+              <a:t>12/7/2017</a:t>
             </a:fld>
             <a:endParaRPr lang="en-US"/>
           </a:p>
@@ -501,7 +500,7 @@
           <p:cNvPr id="5" name="Footer Placeholder 4">
             <a:extLst>
               <a:ext uri="{FF2B5EF4-FFF2-40B4-BE49-F238E27FC236}">
-                <a16:creationId xmlns:a16="http://schemas.microsoft.com/office/drawing/2014/main" xmlns="" id="{34D72F3A-0354-422A-B244-BBA17F440987}"/>
+                <a16:creationId xmlns:a16="http://schemas.microsoft.com/office/drawing/2014/main" id="{34D72F3A-0354-422A-B244-BBA17F440987}"/>
               </a:ext>
             </a:extLst>
           </p:cNvPr>
@@ -526,7 +525,7 @@
           <p:cNvPr id="6" name="Slide Number Placeholder 5">
             <a:extLst>
               <a:ext uri="{FF2B5EF4-FFF2-40B4-BE49-F238E27FC236}">
-                <a16:creationId xmlns:a16="http://schemas.microsoft.com/office/drawing/2014/main" xmlns="" id="{A25F886E-A4A5-40AD-85DF-AFF0A44982E8}"/>
+                <a16:creationId xmlns:a16="http://schemas.microsoft.com/office/drawing/2014/main" id="{A25F886E-A4A5-40AD-85DF-AFF0A44982E8}"/>
               </a:ext>
             </a:extLst>
           </p:cNvPr>
@@ -585,7 +584,7 @@
           <p:cNvPr id="2" name="Vertical Title 1">
             <a:extLst>
               <a:ext uri="{FF2B5EF4-FFF2-40B4-BE49-F238E27FC236}">
-                <a16:creationId xmlns:a16="http://schemas.microsoft.com/office/drawing/2014/main" xmlns="" id="{9448314F-80B0-40C7-81BF-07588212961B}"/>
+                <a16:creationId xmlns:a16="http://schemas.microsoft.com/office/drawing/2014/main" id="{9448314F-80B0-40C7-81BF-07588212961B}"/>
               </a:ext>
             </a:extLst>
           </p:cNvPr>
@@ -618,7 +617,7 @@
           <p:cNvPr id="3" name="Vertical Text Placeholder 2">
             <a:extLst>
               <a:ext uri="{FF2B5EF4-FFF2-40B4-BE49-F238E27FC236}">
-                <a16:creationId xmlns:a16="http://schemas.microsoft.com/office/drawing/2014/main" xmlns="" id="{DD399EFE-F0A1-4F14-96B4-066A494A8C7A}"/>
+                <a16:creationId xmlns:a16="http://schemas.microsoft.com/office/drawing/2014/main" id="{DD399EFE-F0A1-4F14-96B4-066A494A8C7A}"/>
               </a:ext>
             </a:extLst>
           </p:cNvPr>
@@ -680,7 +679,7 @@
           <p:cNvPr id="4" name="Date Placeholder 3">
             <a:extLst>
               <a:ext uri="{FF2B5EF4-FFF2-40B4-BE49-F238E27FC236}">
-                <a16:creationId xmlns:a16="http://schemas.microsoft.com/office/drawing/2014/main" xmlns="" id="{F5220A0C-90E3-4701-9050-8DB71E747DBE}"/>
+                <a16:creationId xmlns:a16="http://schemas.microsoft.com/office/drawing/2014/main" id="{F5220A0C-90E3-4701-9050-8DB71E747DBE}"/>
               </a:ext>
             </a:extLst>
           </p:cNvPr>
@@ -698,7 +697,7 @@
           <a:p>
             <a:fld id="{8E423C67-9D6A-4F85-BFC6-5090D8CF0AB4}" type="datetimeFigureOut">
               <a:rPr lang="en-US" smtClean="0"/>
-              <a:t>2017-12-07</a:t>
+              <a:t>12/7/2017</a:t>
             </a:fld>
             <a:endParaRPr lang="en-US"/>
           </a:p>
@@ -709,7 +708,7 @@
           <p:cNvPr id="5" name="Footer Placeholder 4">
             <a:extLst>
               <a:ext uri="{FF2B5EF4-FFF2-40B4-BE49-F238E27FC236}">
-                <a16:creationId xmlns:a16="http://schemas.microsoft.com/office/drawing/2014/main" xmlns="" id="{EA032DB9-427E-41E0-A3D4-B923EB1C8401}"/>
+                <a16:creationId xmlns:a16="http://schemas.microsoft.com/office/drawing/2014/main" id="{EA032DB9-427E-41E0-A3D4-B923EB1C8401}"/>
               </a:ext>
             </a:extLst>
           </p:cNvPr>
@@ -734,7 +733,7 @@
           <p:cNvPr id="6" name="Slide Number Placeholder 5">
             <a:extLst>
               <a:ext uri="{FF2B5EF4-FFF2-40B4-BE49-F238E27FC236}">
-                <a16:creationId xmlns:a16="http://schemas.microsoft.com/office/drawing/2014/main" xmlns="" id="{1E7E3958-F67B-4081-AD68-3D47AEDBE6BD}"/>
+                <a16:creationId xmlns:a16="http://schemas.microsoft.com/office/drawing/2014/main" id="{1E7E3958-F67B-4081-AD68-3D47AEDBE6BD}"/>
               </a:ext>
             </a:extLst>
           </p:cNvPr>
@@ -793,7 +792,7 @@
           <p:cNvPr id="2" name="Title 1">
             <a:extLst>
               <a:ext uri="{FF2B5EF4-FFF2-40B4-BE49-F238E27FC236}">
-                <a16:creationId xmlns:a16="http://schemas.microsoft.com/office/drawing/2014/main" xmlns="" id="{6A043D6D-738D-466C-9F80-3AB6838094C3}"/>
+                <a16:creationId xmlns:a16="http://schemas.microsoft.com/office/drawing/2014/main" id="{6A043D6D-738D-466C-9F80-3AB6838094C3}"/>
               </a:ext>
             </a:extLst>
           </p:cNvPr>
@@ -821,7 +820,7 @@
           <p:cNvPr id="3" name="Content Placeholder 2">
             <a:extLst>
               <a:ext uri="{FF2B5EF4-FFF2-40B4-BE49-F238E27FC236}">
-                <a16:creationId xmlns:a16="http://schemas.microsoft.com/office/drawing/2014/main" xmlns="" id="{62FB617F-BC4F-4AAB-81E7-FECE5AA04FC3}"/>
+                <a16:creationId xmlns:a16="http://schemas.microsoft.com/office/drawing/2014/main" id="{62FB617F-BC4F-4AAB-81E7-FECE5AA04FC3}"/>
               </a:ext>
             </a:extLst>
           </p:cNvPr>
@@ -878,7 +877,7 @@
           <p:cNvPr id="4" name="Date Placeholder 3">
             <a:extLst>
               <a:ext uri="{FF2B5EF4-FFF2-40B4-BE49-F238E27FC236}">
-                <a16:creationId xmlns:a16="http://schemas.microsoft.com/office/drawing/2014/main" xmlns="" id="{F544F1D4-EEC8-4FD1-85E0-7684576FC0E3}"/>
+                <a16:creationId xmlns:a16="http://schemas.microsoft.com/office/drawing/2014/main" id="{F544F1D4-EEC8-4FD1-85E0-7684576FC0E3}"/>
               </a:ext>
             </a:extLst>
           </p:cNvPr>
@@ -896,7 +895,7 @@
           <a:p>
             <a:fld id="{8E423C67-9D6A-4F85-BFC6-5090D8CF0AB4}" type="datetimeFigureOut">
               <a:rPr lang="en-US" smtClean="0"/>
-              <a:t>2017-12-07</a:t>
+              <a:t>12/7/2017</a:t>
             </a:fld>
             <a:endParaRPr lang="en-US"/>
           </a:p>
@@ -907,7 +906,7 @@
           <p:cNvPr id="5" name="Footer Placeholder 4">
             <a:extLst>
               <a:ext uri="{FF2B5EF4-FFF2-40B4-BE49-F238E27FC236}">
-                <a16:creationId xmlns:a16="http://schemas.microsoft.com/office/drawing/2014/main" xmlns="" id="{B56E2608-E959-48EC-A71C-783218FC97D7}"/>
+                <a16:creationId xmlns:a16="http://schemas.microsoft.com/office/drawing/2014/main" id="{B56E2608-E959-48EC-A71C-783218FC97D7}"/>
               </a:ext>
             </a:extLst>
           </p:cNvPr>
@@ -932,7 +931,7 @@
           <p:cNvPr id="6" name="Slide Number Placeholder 5">
             <a:extLst>
               <a:ext uri="{FF2B5EF4-FFF2-40B4-BE49-F238E27FC236}">
-                <a16:creationId xmlns:a16="http://schemas.microsoft.com/office/drawing/2014/main" xmlns="" id="{6D1FB63B-0996-4311-9E74-50D1827F74B4}"/>
+                <a16:creationId xmlns:a16="http://schemas.microsoft.com/office/drawing/2014/main" id="{6D1FB63B-0996-4311-9E74-50D1827F74B4}"/>
               </a:ext>
             </a:extLst>
           </p:cNvPr>
@@ -991,7 +990,7 @@
           <p:cNvPr id="2" name="Title 1">
             <a:extLst>
               <a:ext uri="{FF2B5EF4-FFF2-40B4-BE49-F238E27FC236}">
-                <a16:creationId xmlns:a16="http://schemas.microsoft.com/office/drawing/2014/main" xmlns="" id="{2B937C0D-25FD-4767-8700-C539CF044294}"/>
+                <a16:creationId xmlns:a16="http://schemas.microsoft.com/office/drawing/2014/main" id="{2B937C0D-25FD-4767-8700-C539CF044294}"/>
               </a:ext>
             </a:extLst>
           </p:cNvPr>
@@ -1028,7 +1027,7 @@
           <p:cNvPr id="3" name="Text Placeholder 2">
             <a:extLst>
               <a:ext uri="{FF2B5EF4-FFF2-40B4-BE49-F238E27FC236}">
-                <a16:creationId xmlns:a16="http://schemas.microsoft.com/office/drawing/2014/main" xmlns="" id="{67AB3DE6-22C7-4844-815B-043026A3AB81}"/>
+                <a16:creationId xmlns:a16="http://schemas.microsoft.com/office/drawing/2014/main" id="{67AB3DE6-22C7-4844-815B-043026A3AB81}"/>
               </a:ext>
             </a:extLst>
           </p:cNvPr>
@@ -1153,7 +1152,7 @@
           <p:cNvPr id="4" name="Date Placeholder 3">
             <a:extLst>
               <a:ext uri="{FF2B5EF4-FFF2-40B4-BE49-F238E27FC236}">
-                <a16:creationId xmlns:a16="http://schemas.microsoft.com/office/drawing/2014/main" xmlns="" id="{2279578C-B1CE-43B5-9B07-D3758262DEC8}"/>
+                <a16:creationId xmlns:a16="http://schemas.microsoft.com/office/drawing/2014/main" id="{2279578C-B1CE-43B5-9B07-D3758262DEC8}"/>
               </a:ext>
             </a:extLst>
           </p:cNvPr>
@@ -1171,7 +1170,7 @@
           <a:p>
             <a:fld id="{8E423C67-9D6A-4F85-BFC6-5090D8CF0AB4}" type="datetimeFigureOut">
               <a:rPr lang="en-US" smtClean="0"/>
-              <a:t>2017-12-07</a:t>
+              <a:t>12/7/2017</a:t>
             </a:fld>
             <a:endParaRPr lang="en-US"/>
           </a:p>
@@ -1182,7 +1181,7 @@
           <p:cNvPr id="5" name="Footer Placeholder 4">
             <a:extLst>
               <a:ext uri="{FF2B5EF4-FFF2-40B4-BE49-F238E27FC236}">
-                <a16:creationId xmlns:a16="http://schemas.microsoft.com/office/drawing/2014/main" xmlns="" id="{068D9F9E-8FF9-4B41-809C-C1C9B76C845C}"/>
+                <a16:creationId xmlns:a16="http://schemas.microsoft.com/office/drawing/2014/main" id="{068D9F9E-8FF9-4B41-809C-C1C9B76C845C}"/>
               </a:ext>
             </a:extLst>
           </p:cNvPr>
@@ -1207,7 +1206,7 @@
           <p:cNvPr id="6" name="Slide Number Placeholder 5">
             <a:extLst>
               <a:ext uri="{FF2B5EF4-FFF2-40B4-BE49-F238E27FC236}">
-                <a16:creationId xmlns:a16="http://schemas.microsoft.com/office/drawing/2014/main" xmlns="" id="{9C2A9C60-8FC5-47B9-9DA4-E828B5C3D411}"/>
+                <a16:creationId xmlns:a16="http://schemas.microsoft.com/office/drawing/2014/main" id="{9C2A9C60-8FC5-47B9-9DA4-E828B5C3D411}"/>
               </a:ext>
             </a:extLst>
           </p:cNvPr>
@@ -1266,7 +1265,7 @@
           <p:cNvPr id="2" name="Title 1">
             <a:extLst>
               <a:ext uri="{FF2B5EF4-FFF2-40B4-BE49-F238E27FC236}">
-                <a16:creationId xmlns:a16="http://schemas.microsoft.com/office/drawing/2014/main" xmlns="" id="{10ED49E6-F673-451D-892D-52B8D49DAB14}"/>
+                <a16:creationId xmlns:a16="http://schemas.microsoft.com/office/drawing/2014/main" id="{10ED49E6-F673-451D-892D-52B8D49DAB14}"/>
               </a:ext>
             </a:extLst>
           </p:cNvPr>
@@ -1294,7 +1293,7 @@
           <p:cNvPr id="3" name="Content Placeholder 2">
             <a:extLst>
               <a:ext uri="{FF2B5EF4-FFF2-40B4-BE49-F238E27FC236}">
-                <a16:creationId xmlns:a16="http://schemas.microsoft.com/office/drawing/2014/main" xmlns="" id="{76BC5C3B-ACFE-4482-A832-03AC581249B1}"/>
+                <a16:creationId xmlns:a16="http://schemas.microsoft.com/office/drawing/2014/main" id="{76BC5C3B-ACFE-4482-A832-03AC581249B1}"/>
               </a:ext>
             </a:extLst>
           </p:cNvPr>
@@ -1356,7 +1355,7 @@
           <p:cNvPr id="4" name="Content Placeholder 3">
             <a:extLst>
               <a:ext uri="{FF2B5EF4-FFF2-40B4-BE49-F238E27FC236}">
-                <a16:creationId xmlns:a16="http://schemas.microsoft.com/office/drawing/2014/main" xmlns="" id="{40A231FA-65B5-4230-B64A-B88BCEF670B4}"/>
+                <a16:creationId xmlns:a16="http://schemas.microsoft.com/office/drawing/2014/main" id="{40A231FA-65B5-4230-B64A-B88BCEF670B4}"/>
               </a:ext>
             </a:extLst>
           </p:cNvPr>
@@ -1418,7 +1417,7 @@
           <p:cNvPr id="5" name="Date Placeholder 4">
             <a:extLst>
               <a:ext uri="{FF2B5EF4-FFF2-40B4-BE49-F238E27FC236}">
-                <a16:creationId xmlns:a16="http://schemas.microsoft.com/office/drawing/2014/main" xmlns="" id="{67F72277-8ECF-4CB3-A8E4-6B1DC779BB60}"/>
+                <a16:creationId xmlns:a16="http://schemas.microsoft.com/office/drawing/2014/main" id="{67F72277-8ECF-4CB3-A8E4-6B1DC779BB60}"/>
               </a:ext>
             </a:extLst>
           </p:cNvPr>
@@ -1436,7 +1435,7 @@
           <a:p>
             <a:fld id="{8E423C67-9D6A-4F85-BFC6-5090D8CF0AB4}" type="datetimeFigureOut">
               <a:rPr lang="en-US" smtClean="0"/>
-              <a:t>2017-12-07</a:t>
+              <a:t>12/7/2017</a:t>
             </a:fld>
             <a:endParaRPr lang="en-US"/>
           </a:p>
@@ -1447,7 +1446,7 @@
           <p:cNvPr id="6" name="Footer Placeholder 5">
             <a:extLst>
               <a:ext uri="{FF2B5EF4-FFF2-40B4-BE49-F238E27FC236}">
-                <a16:creationId xmlns:a16="http://schemas.microsoft.com/office/drawing/2014/main" xmlns="" id="{DFD75405-06A3-4BB0-9072-41B4D1281F15}"/>
+                <a16:creationId xmlns:a16="http://schemas.microsoft.com/office/drawing/2014/main" id="{DFD75405-06A3-4BB0-9072-41B4D1281F15}"/>
               </a:ext>
             </a:extLst>
           </p:cNvPr>
@@ -1472,7 +1471,7 @@
           <p:cNvPr id="7" name="Slide Number Placeholder 6">
             <a:extLst>
               <a:ext uri="{FF2B5EF4-FFF2-40B4-BE49-F238E27FC236}">
-                <a16:creationId xmlns:a16="http://schemas.microsoft.com/office/drawing/2014/main" xmlns="" id="{B5B4B9AD-6AA0-4991-B07F-C13C79D75731}"/>
+                <a16:creationId xmlns:a16="http://schemas.microsoft.com/office/drawing/2014/main" id="{B5B4B9AD-6AA0-4991-B07F-C13C79D75731}"/>
               </a:ext>
             </a:extLst>
           </p:cNvPr>
@@ -1531,7 +1530,7 @@
           <p:cNvPr id="2" name="Title 1">
             <a:extLst>
               <a:ext uri="{FF2B5EF4-FFF2-40B4-BE49-F238E27FC236}">
-                <a16:creationId xmlns:a16="http://schemas.microsoft.com/office/drawing/2014/main" xmlns="" id="{DDF948DF-1DD2-4386-90B2-DB68C1D07E2D}"/>
+                <a16:creationId xmlns:a16="http://schemas.microsoft.com/office/drawing/2014/main" id="{DDF948DF-1DD2-4386-90B2-DB68C1D07E2D}"/>
               </a:ext>
             </a:extLst>
           </p:cNvPr>
@@ -1564,7 +1563,7 @@
           <p:cNvPr id="3" name="Text Placeholder 2">
             <a:extLst>
               <a:ext uri="{FF2B5EF4-FFF2-40B4-BE49-F238E27FC236}">
-                <a16:creationId xmlns:a16="http://schemas.microsoft.com/office/drawing/2014/main" xmlns="" id="{9EE6267F-4B2F-4A00-8BF4-79752C1B7494}"/>
+                <a16:creationId xmlns:a16="http://schemas.microsoft.com/office/drawing/2014/main" id="{9EE6267F-4B2F-4A00-8BF4-79752C1B7494}"/>
               </a:ext>
             </a:extLst>
           </p:cNvPr>
@@ -1635,7 +1634,7 @@
           <p:cNvPr id="4" name="Content Placeholder 3">
             <a:extLst>
               <a:ext uri="{FF2B5EF4-FFF2-40B4-BE49-F238E27FC236}">
-                <a16:creationId xmlns:a16="http://schemas.microsoft.com/office/drawing/2014/main" xmlns="" id="{3ABD9567-59B7-4E59-8589-D8F9496DBFE6}"/>
+                <a16:creationId xmlns:a16="http://schemas.microsoft.com/office/drawing/2014/main" id="{3ABD9567-59B7-4E59-8589-D8F9496DBFE6}"/>
               </a:ext>
             </a:extLst>
           </p:cNvPr>
@@ -1697,7 +1696,7 @@
           <p:cNvPr id="5" name="Text Placeholder 4">
             <a:extLst>
               <a:ext uri="{FF2B5EF4-FFF2-40B4-BE49-F238E27FC236}">
-                <a16:creationId xmlns:a16="http://schemas.microsoft.com/office/drawing/2014/main" xmlns="" id="{753B1704-496C-4556-ACE7-875F4B371852}"/>
+                <a16:creationId xmlns:a16="http://schemas.microsoft.com/office/drawing/2014/main" id="{753B1704-496C-4556-ACE7-875F4B371852}"/>
               </a:ext>
             </a:extLst>
           </p:cNvPr>
@@ -1768,7 +1767,7 @@
           <p:cNvPr id="6" name="Content Placeholder 5">
             <a:extLst>
               <a:ext uri="{FF2B5EF4-FFF2-40B4-BE49-F238E27FC236}">
-                <a16:creationId xmlns:a16="http://schemas.microsoft.com/office/drawing/2014/main" xmlns="" id="{C0EC14B4-3E8A-4FB6-9C50-C5B54CA04880}"/>
+                <a16:creationId xmlns:a16="http://schemas.microsoft.com/office/drawing/2014/main" id="{C0EC14B4-3E8A-4FB6-9C50-C5B54CA04880}"/>
               </a:ext>
             </a:extLst>
           </p:cNvPr>
@@ -1830,7 +1829,7 @@
           <p:cNvPr id="7" name="Date Placeholder 6">
             <a:extLst>
               <a:ext uri="{FF2B5EF4-FFF2-40B4-BE49-F238E27FC236}">
-                <a16:creationId xmlns:a16="http://schemas.microsoft.com/office/drawing/2014/main" xmlns="" id="{6FE91A59-D6B8-46D1-96D6-E03F9C08BE95}"/>
+                <a16:creationId xmlns:a16="http://schemas.microsoft.com/office/drawing/2014/main" id="{6FE91A59-D6B8-46D1-96D6-E03F9C08BE95}"/>
               </a:ext>
             </a:extLst>
           </p:cNvPr>
@@ -1848,7 +1847,7 @@
           <a:p>
             <a:fld id="{8E423C67-9D6A-4F85-BFC6-5090D8CF0AB4}" type="datetimeFigureOut">
               <a:rPr lang="en-US" smtClean="0"/>
-              <a:t>2017-12-07</a:t>
+              <a:t>12/7/2017</a:t>
             </a:fld>
             <a:endParaRPr lang="en-US"/>
           </a:p>
@@ -1859,7 +1858,7 @@
           <p:cNvPr id="8" name="Footer Placeholder 7">
             <a:extLst>
               <a:ext uri="{FF2B5EF4-FFF2-40B4-BE49-F238E27FC236}">
-                <a16:creationId xmlns:a16="http://schemas.microsoft.com/office/drawing/2014/main" xmlns="" id="{63E8F402-F253-4598-9290-8DD314902561}"/>
+                <a16:creationId xmlns:a16="http://schemas.microsoft.com/office/drawing/2014/main" id="{63E8F402-F253-4598-9290-8DD314902561}"/>
               </a:ext>
             </a:extLst>
           </p:cNvPr>
@@ -1884,7 +1883,7 @@
           <p:cNvPr id="9" name="Slide Number Placeholder 8">
             <a:extLst>
               <a:ext uri="{FF2B5EF4-FFF2-40B4-BE49-F238E27FC236}">
-                <a16:creationId xmlns:a16="http://schemas.microsoft.com/office/drawing/2014/main" xmlns="" id="{C135391B-B762-4149-B674-68400B60C4CA}"/>
+                <a16:creationId xmlns:a16="http://schemas.microsoft.com/office/drawing/2014/main" id="{C135391B-B762-4149-B674-68400B60C4CA}"/>
               </a:ext>
             </a:extLst>
           </p:cNvPr>
@@ -1943,7 +1942,7 @@
           <p:cNvPr id="2" name="Title 1">
             <a:extLst>
               <a:ext uri="{FF2B5EF4-FFF2-40B4-BE49-F238E27FC236}">
-                <a16:creationId xmlns:a16="http://schemas.microsoft.com/office/drawing/2014/main" xmlns="" id="{FDCF8A4F-C9CB-46AD-BEA5-F3E02EF83621}"/>
+                <a16:creationId xmlns:a16="http://schemas.microsoft.com/office/drawing/2014/main" id="{FDCF8A4F-C9CB-46AD-BEA5-F3E02EF83621}"/>
               </a:ext>
             </a:extLst>
           </p:cNvPr>
@@ -1971,7 +1970,7 @@
           <p:cNvPr id="3" name="Date Placeholder 2">
             <a:extLst>
               <a:ext uri="{FF2B5EF4-FFF2-40B4-BE49-F238E27FC236}">
-                <a16:creationId xmlns:a16="http://schemas.microsoft.com/office/drawing/2014/main" xmlns="" id="{05105858-46BE-4B4B-AC76-1DE884F4261D}"/>
+                <a16:creationId xmlns:a16="http://schemas.microsoft.com/office/drawing/2014/main" id="{05105858-46BE-4B4B-AC76-1DE884F4261D}"/>
               </a:ext>
             </a:extLst>
           </p:cNvPr>
@@ -1989,7 +1988,7 @@
           <a:p>
             <a:fld id="{8E423C67-9D6A-4F85-BFC6-5090D8CF0AB4}" type="datetimeFigureOut">
               <a:rPr lang="en-US" smtClean="0"/>
-              <a:t>2017-12-07</a:t>
+              <a:t>12/7/2017</a:t>
             </a:fld>
             <a:endParaRPr lang="en-US"/>
           </a:p>
@@ -2000,7 +1999,7 @@
           <p:cNvPr id="4" name="Footer Placeholder 3">
             <a:extLst>
               <a:ext uri="{FF2B5EF4-FFF2-40B4-BE49-F238E27FC236}">
-                <a16:creationId xmlns:a16="http://schemas.microsoft.com/office/drawing/2014/main" xmlns="" id="{81209C3A-40B3-447C-898C-0C4F7537036B}"/>
+                <a16:creationId xmlns:a16="http://schemas.microsoft.com/office/drawing/2014/main" id="{81209C3A-40B3-447C-898C-0C4F7537036B}"/>
               </a:ext>
             </a:extLst>
           </p:cNvPr>
@@ -2025,7 +2024,7 @@
           <p:cNvPr id="5" name="Slide Number Placeholder 4">
             <a:extLst>
               <a:ext uri="{FF2B5EF4-FFF2-40B4-BE49-F238E27FC236}">
-                <a16:creationId xmlns:a16="http://schemas.microsoft.com/office/drawing/2014/main" xmlns="" id="{E66D6103-6FAC-44FE-AFAC-35DCA54A5841}"/>
+                <a16:creationId xmlns:a16="http://schemas.microsoft.com/office/drawing/2014/main" id="{E66D6103-6FAC-44FE-AFAC-35DCA54A5841}"/>
               </a:ext>
             </a:extLst>
           </p:cNvPr>
@@ -2084,7 +2083,7 @@
           <p:cNvPr id="2" name="Date Placeholder 1">
             <a:extLst>
               <a:ext uri="{FF2B5EF4-FFF2-40B4-BE49-F238E27FC236}">
-                <a16:creationId xmlns:a16="http://schemas.microsoft.com/office/drawing/2014/main" xmlns="" id="{484A2280-0F1E-4438-B0D1-87FD5872FA23}"/>
+                <a16:creationId xmlns:a16="http://schemas.microsoft.com/office/drawing/2014/main" id="{484A2280-0F1E-4438-B0D1-87FD5872FA23}"/>
               </a:ext>
             </a:extLst>
           </p:cNvPr>
@@ -2102,7 +2101,7 @@
           <a:p>
             <a:fld id="{8E423C67-9D6A-4F85-BFC6-5090D8CF0AB4}" type="datetimeFigureOut">
               <a:rPr lang="en-US" smtClean="0"/>
-              <a:t>2017-12-07</a:t>
+              <a:t>12/7/2017</a:t>
             </a:fld>
             <a:endParaRPr lang="en-US"/>
           </a:p>
@@ -2113,7 +2112,7 @@
           <p:cNvPr id="3" name="Footer Placeholder 2">
             <a:extLst>
               <a:ext uri="{FF2B5EF4-FFF2-40B4-BE49-F238E27FC236}">
-                <a16:creationId xmlns:a16="http://schemas.microsoft.com/office/drawing/2014/main" xmlns="" id="{85054AD8-7FEF-49D9-A2DE-A9C7C3ECCA5F}"/>
+                <a16:creationId xmlns:a16="http://schemas.microsoft.com/office/drawing/2014/main" id="{85054AD8-7FEF-49D9-A2DE-A9C7C3ECCA5F}"/>
               </a:ext>
             </a:extLst>
           </p:cNvPr>
@@ -2138,7 +2137,7 @@
           <p:cNvPr id="4" name="Slide Number Placeholder 3">
             <a:extLst>
               <a:ext uri="{FF2B5EF4-FFF2-40B4-BE49-F238E27FC236}">
-                <a16:creationId xmlns:a16="http://schemas.microsoft.com/office/drawing/2014/main" xmlns="" id="{0B86E405-A339-4A02-AC4C-7EA2A1561C3B}"/>
+                <a16:creationId xmlns:a16="http://schemas.microsoft.com/office/drawing/2014/main" id="{0B86E405-A339-4A02-AC4C-7EA2A1561C3B}"/>
               </a:ext>
             </a:extLst>
           </p:cNvPr>
@@ -2197,7 +2196,7 @@
           <p:cNvPr id="2" name="Title 1">
             <a:extLst>
               <a:ext uri="{FF2B5EF4-FFF2-40B4-BE49-F238E27FC236}">
-                <a16:creationId xmlns:a16="http://schemas.microsoft.com/office/drawing/2014/main" xmlns="" id="{09A9CBF2-3028-467D-9303-C06F7A0D5655}"/>
+                <a16:creationId xmlns:a16="http://schemas.microsoft.com/office/drawing/2014/main" id="{09A9CBF2-3028-467D-9303-C06F7A0D5655}"/>
               </a:ext>
             </a:extLst>
           </p:cNvPr>
@@ -2234,7 +2233,7 @@
           <p:cNvPr id="3" name="Content Placeholder 2">
             <a:extLst>
               <a:ext uri="{FF2B5EF4-FFF2-40B4-BE49-F238E27FC236}">
-                <a16:creationId xmlns:a16="http://schemas.microsoft.com/office/drawing/2014/main" xmlns="" id="{B6918BF1-0F45-4A97-AA9E-A6B36E09FF9A}"/>
+                <a16:creationId xmlns:a16="http://schemas.microsoft.com/office/drawing/2014/main" id="{B6918BF1-0F45-4A97-AA9E-A6B36E09FF9A}"/>
               </a:ext>
             </a:extLst>
           </p:cNvPr>
@@ -2324,7 +2323,7 @@
           <p:cNvPr id="4" name="Text Placeholder 3">
             <a:extLst>
               <a:ext uri="{FF2B5EF4-FFF2-40B4-BE49-F238E27FC236}">
-                <a16:creationId xmlns:a16="http://schemas.microsoft.com/office/drawing/2014/main" xmlns="" id="{356FB0A4-9494-4382-A0FD-07C795DA06C8}"/>
+                <a16:creationId xmlns:a16="http://schemas.microsoft.com/office/drawing/2014/main" id="{356FB0A4-9494-4382-A0FD-07C795DA06C8}"/>
               </a:ext>
             </a:extLst>
           </p:cNvPr>
@@ -2395,7 +2394,7 @@
           <p:cNvPr id="5" name="Date Placeholder 4">
             <a:extLst>
               <a:ext uri="{FF2B5EF4-FFF2-40B4-BE49-F238E27FC236}">
-                <a16:creationId xmlns:a16="http://schemas.microsoft.com/office/drawing/2014/main" xmlns="" id="{B7282179-4D0B-4BEA-AEF3-0C82FFAF64C8}"/>
+                <a16:creationId xmlns:a16="http://schemas.microsoft.com/office/drawing/2014/main" id="{B7282179-4D0B-4BEA-AEF3-0C82FFAF64C8}"/>
               </a:ext>
             </a:extLst>
           </p:cNvPr>
@@ -2413,7 +2412,7 @@
           <a:p>
             <a:fld id="{8E423C67-9D6A-4F85-BFC6-5090D8CF0AB4}" type="datetimeFigureOut">
               <a:rPr lang="en-US" smtClean="0"/>
-              <a:t>2017-12-07</a:t>
+              <a:t>12/7/2017</a:t>
             </a:fld>
             <a:endParaRPr lang="en-US"/>
           </a:p>
@@ -2424,7 +2423,7 @@
           <p:cNvPr id="6" name="Footer Placeholder 5">
             <a:extLst>
               <a:ext uri="{FF2B5EF4-FFF2-40B4-BE49-F238E27FC236}">
-                <a16:creationId xmlns:a16="http://schemas.microsoft.com/office/drawing/2014/main" xmlns="" id="{46E4F919-BC65-4B8C-B6A4-6B75D65BAED8}"/>
+                <a16:creationId xmlns:a16="http://schemas.microsoft.com/office/drawing/2014/main" id="{46E4F919-BC65-4B8C-B6A4-6B75D65BAED8}"/>
               </a:ext>
             </a:extLst>
           </p:cNvPr>
@@ -2449,7 +2448,7 @@
           <p:cNvPr id="7" name="Slide Number Placeholder 6">
             <a:extLst>
               <a:ext uri="{FF2B5EF4-FFF2-40B4-BE49-F238E27FC236}">
-                <a16:creationId xmlns:a16="http://schemas.microsoft.com/office/drawing/2014/main" xmlns="" id="{CE4FA66B-0CC2-43E6-AB35-73A52D826B4E}"/>
+                <a16:creationId xmlns:a16="http://schemas.microsoft.com/office/drawing/2014/main" id="{CE4FA66B-0CC2-43E6-AB35-73A52D826B4E}"/>
               </a:ext>
             </a:extLst>
           </p:cNvPr>
@@ -2508,7 +2507,7 @@
           <p:cNvPr id="2" name="Title 1">
             <a:extLst>
               <a:ext uri="{FF2B5EF4-FFF2-40B4-BE49-F238E27FC236}">
-                <a16:creationId xmlns:a16="http://schemas.microsoft.com/office/drawing/2014/main" xmlns="" id="{949C5467-9872-42A4-9D20-EE8539A5EFB8}"/>
+                <a16:creationId xmlns:a16="http://schemas.microsoft.com/office/drawing/2014/main" id="{949C5467-9872-42A4-9D20-EE8539A5EFB8}"/>
               </a:ext>
             </a:extLst>
           </p:cNvPr>
@@ -2545,7 +2544,7 @@
           <p:cNvPr id="3" name="Picture Placeholder 2">
             <a:extLst>
               <a:ext uri="{FF2B5EF4-FFF2-40B4-BE49-F238E27FC236}">
-                <a16:creationId xmlns:a16="http://schemas.microsoft.com/office/drawing/2014/main" xmlns="" id="{CD2BD776-EB44-4D47-B39F-0246DE1B595B}"/>
+                <a16:creationId xmlns:a16="http://schemas.microsoft.com/office/drawing/2014/main" id="{CD2BD776-EB44-4D47-B39F-0246DE1B595B}"/>
               </a:ext>
             </a:extLst>
           </p:cNvPr>
@@ -2612,7 +2611,7 @@
           <p:cNvPr id="4" name="Text Placeholder 3">
             <a:extLst>
               <a:ext uri="{FF2B5EF4-FFF2-40B4-BE49-F238E27FC236}">
-                <a16:creationId xmlns:a16="http://schemas.microsoft.com/office/drawing/2014/main" xmlns="" id="{59ECD3CF-02E8-4D20-865E-02BA42A49532}"/>
+                <a16:creationId xmlns:a16="http://schemas.microsoft.com/office/drawing/2014/main" id="{59ECD3CF-02E8-4D20-865E-02BA42A49532}"/>
               </a:ext>
             </a:extLst>
           </p:cNvPr>
@@ -2683,7 +2682,7 @@
           <p:cNvPr id="5" name="Date Placeholder 4">
             <a:extLst>
               <a:ext uri="{FF2B5EF4-FFF2-40B4-BE49-F238E27FC236}">
-                <a16:creationId xmlns:a16="http://schemas.microsoft.com/office/drawing/2014/main" xmlns="" id="{E6B2109E-2F31-4DE3-8CEA-DE3C86F9A38C}"/>
+                <a16:creationId xmlns:a16="http://schemas.microsoft.com/office/drawing/2014/main" id="{E6B2109E-2F31-4DE3-8CEA-DE3C86F9A38C}"/>
               </a:ext>
             </a:extLst>
           </p:cNvPr>
@@ -2701,7 +2700,7 @@
           <a:p>
             <a:fld id="{8E423C67-9D6A-4F85-BFC6-5090D8CF0AB4}" type="datetimeFigureOut">
               <a:rPr lang="en-US" smtClean="0"/>
-              <a:t>2017-12-07</a:t>
+              <a:t>12/7/2017</a:t>
             </a:fld>
             <a:endParaRPr lang="en-US"/>
           </a:p>
@@ -2712,7 +2711,7 @@
           <p:cNvPr id="6" name="Footer Placeholder 5">
             <a:extLst>
               <a:ext uri="{FF2B5EF4-FFF2-40B4-BE49-F238E27FC236}">
-                <a16:creationId xmlns:a16="http://schemas.microsoft.com/office/drawing/2014/main" xmlns="" id="{8B5CA5A2-D2B8-4ED5-9640-9392D1A7AA70}"/>
+                <a16:creationId xmlns:a16="http://schemas.microsoft.com/office/drawing/2014/main" id="{8B5CA5A2-D2B8-4ED5-9640-9392D1A7AA70}"/>
               </a:ext>
             </a:extLst>
           </p:cNvPr>
@@ -2737,7 +2736,7 @@
           <p:cNvPr id="7" name="Slide Number Placeholder 6">
             <a:extLst>
               <a:ext uri="{FF2B5EF4-FFF2-40B4-BE49-F238E27FC236}">
-                <a16:creationId xmlns:a16="http://schemas.microsoft.com/office/drawing/2014/main" xmlns="" id="{43ED3C46-81E8-41F2-9834-F18A983176A0}"/>
+                <a16:creationId xmlns:a16="http://schemas.microsoft.com/office/drawing/2014/main" id="{43ED3C46-81E8-41F2-9834-F18A983176A0}"/>
               </a:ext>
             </a:extLst>
           </p:cNvPr>
@@ -2804,7 +2803,7 @@
           <p:cNvPr id="2" name="Title Placeholder 1">
             <a:extLst>
               <a:ext uri="{FF2B5EF4-FFF2-40B4-BE49-F238E27FC236}">
-                <a16:creationId xmlns:a16="http://schemas.microsoft.com/office/drawing/2014/main" xmlns="" id="{C7AAF08E-4D85-40AA-9CBA-7DBD9AB4E5FB}"/>
+                <a16:creationId xmlns:a16="http://schemas.microsoft.com/office/drawing/2014/main" id="{C7AAF08E-4D85-40AA-9CBA-7DBD9AB4E5FB}"/>
               </a:ext>
             </a:extLst>
           </p:cNvPr>
@@ -2842,7 +2841,7 @@
           <p:cNvPr id="3" name="Text Placeholder 2">
             <a:extLst>
               <a:ext uri="{FF2B5EF4-FFF2-40B4-BE49-F238E27FC236}">
-                <a16:creationId xmlns:a16="http://schemas.microsoft.com/office/drawing/2014/main" xmlns="" id="{C4C3D882-D2F6-4D90-961B-1743A27FEFF9}"/>
+                <a16:creationId xmlns:a16="http://schemas.microsoft.com/office/drawing/2014/main" id="{C4C3D882-D2F6-4D90-961B-1743A27FEFF9}"/>
               </a:ext>
             </a:extLst>
           </p:cNvPr>
@@ -2909,7 +2908,7 @@
           <p:cNvPr id="4" name="Date Placeholder 3">
             <a:extLst>
               <a:ext uri="{FF2B5EF4-FFF2-40B4-BE49-F238E27FC236}">
-                <a16:creationId xmlns:a16="http://schemas.microsoft.com/office/drawing/2014/main" xmlns="" id="{52C7BF11-732D-490D-B016-B70BC5215D7F}"/>
+                <a16:creationId xmlns:a16="http://schemas.microsoft.com/office/drawing/2014/main" id="{52C7BF11-732D-490D-B016-B70BC5215D7F}"/>
               </a:ext>
             </a:extLst>
           </p:cNvPr>
@@ -2945,7 +2944,7 @@
           <a:p>
             <a:fld id="{8E423C67-9D6A-4F85-BFC6-5090D8CF0AB4}" type="datetimeFigureOut">
               <a:rPr lang="en-US" smtClean="0"/>
-              <a:t>2017-12-07</a:t>
+              <a:t>12/7/2017</a:t>
             </a:fld>
             <a:endParaRPr lang="en-US"/>
           </a:p>
@@ -2956,7 +2955,7 @@
           <p:cNvPr id="5" name="Footer Placeholder 4">
             <a:extLst>
               <a:ext uri="{FF2B5EF4-FFF2-40B4-BE49-F238E27FC236}">
-                <a16:creationId xmlns:a16="http://schemas.microsoft.com/office/drawing/2014/main" xmlns="" id="{90F6EE10-A6BA-4959-8406-FFA61D7A2FD4}"/>
+                <a16:creationId xmlns:a16="http://schemas.microsoft.com/office/drawing/2014/main" id="{90F6EE10-A6BA-4959-8406-FFA61D7A2FD4}"/>
               </a:ext>
             </a:extLst>
           </p:cNvPr>
@@ -2999,7 +2998,7 @@
           <p:cNvPr id="6" name="Slide Number Placeholder 5">
             <a:extLst>
               <a:ext uri="{FF2B5EF4-FFF2-40B4-BE49-F238E27FC236}">
-                <a16:creationId xmlns:a16="http://schemas.microsoft.com/office/drawing/2014/main" xmlns="" id="{E9E7E0F3-F268-4405-929D-FE16B32E5849}"/>
+                <a16:creationId xmlns:a16="http://schemas.microsoft.com/office/drawing/2014/main" id="{E9E7E0F3-F268-4405-929D-FE16B32E5849}"/>
               </a:ext>
             </a:extLst>
           </p:cNvPr>
@@ -3367,7 +3366,7 @@
           <p:cNvPr id="2" name="Title 1">
             <a:extLst>
               <a:ext uri="{FF2B5EF4-FFF2-40B4-BE49-F238E27FC236}">
-                <a16:creationId xmlns:a16="http://schemas.microsoft.com/office/drawing/2014/main" xmlns="" id="{1126EA88-A9E3-4871-8DDA-4EE8195A9D29}"/>
+                <a16:creationId xmlns:a16="http://schemas.microsoft.com/office/drawing/2014/main" id="{1126EA88-A9E3-4871-8DDA-4EE8195A9D29}"/>
               </a:ext>
             </a:extLst>
           </p:cNvPr>
@@ -3407,7 +3406,7 @@
           <p:cNvPr id="3" name="Subtitle 2">
             <a:extLst>
               <a:ext uri="{FF2B5EF4-FFF2-40B4-BE49-F238E27FC236}">
-                <a16:creationId xmlns:a16="http://schemas.microsoft.com/office/drawing/2014/main" xmlns="" id="{EF3D0F4F-0963-4211-A80D-97B3ABEE1F01}"/>
+                <a16:creationId xmlns:a16="http://schemas.microsoft.com/office/drawing/2014/main" id="{EF3D0F4F-0963-4211-A80D-97B3ABEE1F01}"/>
               </a:ext>
             </a:extLst>
           </p:cNvPr>
@@ -3471,13 +3470,6 @@
   <p:clrMapOvr>
     <a:masterClrMapping/>
   </p:clrMapOvr>
-  <p:timing>
-    <p:tnLst>
-      <p:par>
-        <p:cTn id="1" dur="indefinite" restart="never" nodeType="tmRoot"/>
-      </p:par>
-    </p:tnLst>
-  </p:timing>
 </p:sld>
 </file>
 
@@ -3573,13 +3565,6 @@
   <p:clrMapOvr>
     <a:masterClrMapping/>
   </p:clrMapOvr>
-  <p:timing>
-    <p:tnLst>
-      <p:par>
-        <p:cTn id="1" dur="indefinite" restart="never" nodeType="tmRoot"/>
-      </p:par>
-    </p:tnLst>
-  </p:timing>
 </p:sld>
 </file>
 
@@ -3605,7 +3590,7 @@
           <p:cNvPr id="2" name="Title 1">
             <a:extLst>
               <a:ext uri="{FF2B5EF4-FFF2-40B4-BE49-F238E27FC236}">
-                <a16:creationId xmlns:a16="http://schemas.microsoft.com/office/drawing/2014/main" xmlns="" id="{259D0B7C-1D18-4B9B-9686-41CD01222471}"/>
+                <a16:creationId xmlns:a16="http://schemas.microsoft.com/office/drawing/2014/main" id="{259D0B7C-1D18-4B9B-9686-41CD01222471}"/>
               </a:ext>
             </a:extLst>
           </p:cNvPr>
@@ -3634,7 +3619,7 @@
           <p:cNvPr id="3" name="Content Placeholder 2">
             <a:extLst>
               <a:ext uri="{FF2B5EF4-FFF2-40B4-BE49-F238E27FC236}">
-                <a16:creationId xmlns:a16="http://schemas.microsoft.com/office/drawing/2014/main" xmlns="" id="{7171011C-A762-4A01-8962-0A7436AA633E}"/>
+                <a16:creationId xmlns:a16="http://schemas.microsoft.com/office/drawing/2014/main" id="{7171011C-A762-4A01-8962-0A7436AA633E}"/>
               </a:ext>
             </a:extLst>
           </p:cNvPr>
@@ -3651,7 +3636,7 @@
           <a:lstStyle/>
           <a:p>
             <a:r>
-              <a:rPr lang="en-US" dirty="0" smtClean="0">
+              <a:rPr lang="en-US" dirty="0">
                 <a:solidFill>
                   <a:srgbClr val="824040">
                     <a:alpha val="50000"/>
@@ -3661,7 +3646,7 @@
               <a:t> </a:t>
             </a:r>
             <a:r>
-              <a:rPr lang="en-US" dirty="0" smtClean="0">
+              <a:rPr lang="en-US" dirty="0">
                 <a:solidFill>
                   <a:srgbClr val="F5F5F5">
                     <a:alpha val="50000"/>
@@ -3671,7 +3656,7 @@
               <a:t>Database</a:t>
             </a:r>
             <a:r>
-              <a:rPr lang="en-US" dirty="0" smtClean="0">
+              <a:rPr lang="en-US" dirty="0">
                 <a:solidFill>
                   <a:srgbClr val="824040">
                     <a:alpha val="50000"/>
@@ -3680,17 +3665,10 @@
               </a:rPr>
               <a:t> Design</a:t>
             </a:r>
-            <a:endParaRPr lang="en-US" dirty="0" smtClean="0">
-              <a:solidFill>
-                <a:srgbClr val="824040">
-                  <a:alpha val="50000"/>
-                </a:srgbClr>
-              </a:solidFill>
-            </a:endParaRPr>
-          </a:p>
-          <a:p>
-            <a:r>
-              <a:rPr lang="en-US" dirty="0" smtClean="0">
+          </a:p>
+          <a:p>
+            <a:r>
+              <a:rPr lang="en-US" dirty="0">
                 <a:solidFill>
                   <a:srgbClr val="824040">
                     <a:alpha val="50000"/>
@@ -3740,7 +3718,7 @@
               <a:t>, and Logging </a:t>
             </a:r>
             <a:r>
-              <a:rPr lang="en-US" dirty="0" smtClean="0">
+              <a:rPr lang="en-US" dirty="0">
                 <a:solidFill>
                   <a:srgbClr val="F5F5F5">
                     <a:alpha val="50000"/>
@@ -3752,11 +3730,11 @@
           </a:p>
           <a:p>
             <a:r>
-              <a:rPr lang="en-US" dirty="0" smtClean="0"/>
+              <a:rPr lang="en-US" dirty="0"/>
               <a:t> </a:t>
             </a:r>
             <a:r>
-              <a:rPr lang="en-US" dirty="0">
+              <a:rPr lang="en-US" sz="3600" dirty="0">
                 <a:solidFill>
                   <a:srgbClr val="F5F5F5"/>
                 </a:solidFill>
@@ -3764,11 +3742,11 @@
               <a:t>Changing</a:t>
             </a:r>
             <a:r>
-              <a:rPr lang="en-US" dirty="0"/>
+              <a:rPr lang="en-US" sz="3600" dirty="0"/>
               <a:t> Password</a:t>
             </a:r>
             <a:r>
-              <a:rPr lang="en-US" dirty="0" smtClean="0">
+              <a:rPr lang="en-US" sz="3600" dirty="0">
                 <a:solidFill>
                   <a:srgbClr val="824040">
                     <a:alpha val="50000"/>
@@ -3800,27 +3778,17 @@
           </a:p>
           <a:p>
             <a:r>
-              <a:rPr lang="en-US" dirty="0" smtClean="0">
-                <a:solidFill>
-                  <a:srgbClr val="824040">
-                    <a:alpha val="50000"/>
-                  </a:srgbClr>
-                </a:solidFill>
-              </a:rPr>
-              <a:t> Adding</a:t>
-            </a:r>
-            <a:r>
-              <a:rPr lang="en-US" dirty="0">
-                <a:solidFill>
-                  <a:srgbClr val="824040">
-                    <a:alpha val="50000"/>
-                  </a:srgbClr>
-                </a:solidFill>
-              </a:rPr>
-              <a:t>, Editing, and Deleting </a:t>
-            </a:r>
-            <a:r>
-              <a:rPr lang="en-US" dirty="0" smtClean="0">
+              <a:rPr lang="en-US" dirty="0">
+                <a:solidFill>
+                  <a:srgbClr val="824040">
+                    <a:alpha val="50000"/>
+                  </a:srgbClr>
+                </a:solidFill>
+              </a:rPr>
+              <a:t> Adding, Editing, and Deleting </a:t>
+            </a:r>
+            <a:r>
+              <a:rPr lang="en-US" dirty="0">
                 <a:solidFill>
                   <a:srgbClr val="F5F5F5">
                     <a:alpha val="50000"/>
@@ -3832,7 +3800,7 @@
           </a:p>
           <a:p>
             <a:r>
-              <a:rPr lang="en-US" dirty="0" smtClean="0">
+              <a:rPr lang="en-US" dirty="0">
                 <a:solidFill>
                   <a:srgbClr val="824040">
                     <a:alpha val="50000"/>
@@ -3842,7 +3810,7 @@
               <a:t> </a:t>
             </a:r>
             <a:r>
-              <a:rPr lang="en-US" dirty="0" smtClean="0">
+              <a:rPr lang="en-US" dirty="0">
                 <a:solidFill>
                   <a:srgbClr val="F5F5F5">
                     <a:alpha val="50000"/>
@@ -3852,7 +3820,19 @@
               <a:t>Searching</a:t>
             </a:r>
             <a:r>
-              <a:rPr lang="en-US" dirty="0" smtClean="0">
+              <a:rPr lang="en-US" dirty="0">
+                <a:solidFill>
+                  <a:srgbClr val="824040">
+                    <a:alpha val="50000"/>
+                  </a:srgbClr>
+                </a:solidFill>
+              </a:rPr>
+              <a:t> for Updates</a:t>
+            </a:r>
+          </a:p>
+          <a:p>
+            <a:r>
+              <a:rPr lang="en-US" dirty="0">
                 <a:solidFill>
                   <a:srgbClr val="824040">
                     <a:alpha val="50000"/>
@@ -3864,38 +3844,6 @@
             <a:r>
               <a:rPr lang="en-US" dirty="0">
                 <a:solidFill>
-                  <a:srgbClr val="824040">
-                    <a:alpha val="50000"/>
-                  </a:srgbClr>
-                </a:solidFill>
-              </a:rPr>
-              <a:t>for </a:t>
-            </a:r>
-            <a:r>
-              <a:rPr lang="en-US" dirty="0" smtClean="0">
-                <a:solidFill>
-                  <a:srgbClr val="824040">
-                    <a:alpha val="50000"/>
-                  </a:srgbClr>
-                </a:solidFill>
-              </a:rPr>
-              <a:t>Updates</a:t>
-            </a:r>
-          </a:p>
-          <a:p>
-            <a:r>
-              <a:rPr lang="en-US" dirty="0" smtClean="0">
-                <a:solidFill>
-                  <a:srgbClr val="824040">
-                    <a:alpha val="50000"/>
-                  </a:srgbClr>
-                </a:solidFill>
-              </a:rPr>
-              <a:t> </a:t>
-            </a:r>
-            <a:r>
-              <a:rPr lang="en-US" dirty="0" smtClean="0">
-                <a:solidFill>
                   <a:srgbClr val="F5F5F5">
                     <a:alpha val="50000"/>
                   </a:srgbClr>
@@ -3904,24 +3852,14 @@
               <a:t>Updating</a:t>
             </a:r>
             <a:r>
-              <a:rPr lang="en-US" dirty="0" smtClean="0">
-                <a:solidFill>
-                  <a:srgbClr val="824040">
-                    <a:alpha val="50000"/>
-                  </a:srgbClr>
-                </a:solidFill>
-              </a:rPr>
-              <a:t> </a:t>
-            </a:r>
-            <a:r>
-              <a:rPr lang="en-US" dirty="0">
-                <a:solidFill>
-                  <a:srgbClr val="824040">
-                    <a:alpha val="50000"/>
-                  </a:srgbClr>
-                </a:solidFill>
-              </a:rPr>
-              <a:t>the Database and </a:t>
+              <a:rPr lang="en-US" dirty="0">
+                <a:solidFill>
+                  <a:srgbClr val="824040">
+                    <a:alpha val="50000"/>
+                  </a:srgbClr>
+                </a:solidFill>
+              </a:rPr>
+              <a:t> the Database and </a:t>
             </a:r>
             <a:r>
               <a:rPr lang="en-US" dirty="0">
@@ -3956,13 +3894,6 @@
   <p:clrMapOvr>
     <a:masterClrMapping/>
   </p:clrMapOvr>
-  <p:timing>
-    <p:tnLst>
-      <p:par>
-        <p:cTn id="1" dur="indefinite" restart="never" nodeType="tmRoot"/>
-      </p:par>
-    </p:tnLst>
-  </p:timing>
 </p:sld>
 </file>
 
@@ -4058,13 +3989,6 @@
   <p:clrMapOvr>
     <a:masterClrMapping/>
   </p:clrMapOvr>
-  <p:timing>
-    <p:tnLst>
-      <p:par>
-        <p:cTn id="1" dur="indefinite" restart="never" nodeType="tmRoot"/>
-      </p:par>
-    </p:tnLst>
-  </p:timing>
 </p:sld>
 </file>
 
@@ -4160,13 +4084,6 @@
   <p:clrMapOvr>
     <a:masterClrMapping/>
   </p:clrMapOvr>
-  <p:timing>
-    <p:tnLst>
-      <p:par>
-        <p:cTn id="1" dur="indefinite" restart="never" nodeType="tmRoot"/>
-      </p:par>
-    </p:tnLst>
-  </p:timing>
 </p:sld>
 </file>
 
@@ -4189,112 +4106,10 @@
       </p:grpSpPr>
       <p:sp>
         <p:nvSpPr>
-          <p:cNvPr id="2" name="Title 1"/>
-          <p:cNvSpPr>
-            <a:spLocks noGrp="1"/>
-          </p:cNvSpPr>
-          <p:nvPr>
-            <p:ph type="title"/>
-          </p:nvPr>
-        </p:nvSpPr>
-        <p:spPr/>
-        <p:txBody>
-          <a:bodyPr/>
-          <a:lstStyle/>
-          <a:p>
-            <a:pPr algn="ctr"/>
-            <a:r>
-              <a:rPr lang="en-US" dirty="0">
-                <a:solidFill>
-                  <a:srgbClr val="F5F5F5"/>
-                </a:solidFill>
-              </a:rPr>
-              <a:t>Changing</a:t>
-            </a:r>
-            <a:r>
-              <a:rPr lang="en-US" dirty="0"/>
-              <a:t> Password</a:t>
-            </a:r>
-          </a:p>
-        </p:txBody>
-      </p:sp>
-      <p:pic>
-        <p:nvPicPr>
-          <p:cNvPr id="3" name="Content Placeholder 2"/>
-          <p:cNvPicPr>
-            <a:picLocks noGrp="1" noChangeAspect="1"/>
-          </p:cNvPicPr>
-          <p:nvPr>
-            <p:ph idx="1"/>
-          </p:nvPr>
-        </p:nvPicPr>
-        <p:blipFill>
-          <a:blip r:embed="rId2" cstate="print">
-            <a:extLst>
-              <a:ext uri="{28A0092B-C50C-407E-A947-70E740481C1C}">
-                <a14:useLocalDpi xmlns:a14="http://schemas.microsoft.com/office/drawing/2010/main" val="0"/>
-              </a:ext>
-            </a:extLst>
-          </a:blip>
-          <a:stretch>
-            <a:fillRect/>
-          </a:stretch>
-        </p:blipFill>
-        <p:spPr>
-          <a:xfrm>
-            <a:off x="1551522" y="1825625"/>
-            <a:ext cx="9088956" cy="4351338"/>
-          </a:xfrm>
-          <a:ln w="38100">
-            <a:solidFill>
-              <a:srgbClr val="F5F5F5"/>
-            </a:solidFill>
-          </a:ln>
-        </p:spPr>
-      </p:pic>
-    </p:spTree>
-    <p:extLst>
-      <p:ext uri="{BB962C8B-B14F-4D97-AF65-F5344CB8AC3E}">
-        <p14:creationId xmlns:p14="http://schemas.microsoft.com/office/powerpoint/2010/main" val="853656674"/>
-      </p:ext>
-    </p:extLst>
-  </p:cSld>
-  <p:clrMapOvr>
-    <a:masterClrMapping/>
-  </p:clrMapOvr>
-  <p:timing>
-    <p:tnLst>
-      <p:par>
-        <p:cTn id="1" dur="indefinite" restart="never" nodeType="tmRoot"/>
-      </p:par>
-    </p:tnLst>
-  </p:timing>
-</p:sld>
-</file>
-
-<file path=ppt/slides/slide15.xml><?xml version="1.0" encoding="utf-8"?>
-<p:sld xmlns:a="http://schemas.openxmlformats.org/drawingml/2006/main" xmlns:r="http://schemas.openxmlformats.org/officeDocument/2006/relationships" xmlns:p="http://schemas.openxmlformats.org/presentationml/2006/main">
-  <p:cSld>
-    <p:spTree>
-      <p:nvGrpSpPr>
-        <p:cNvPr id="1" name=""/>
-        <p:cNvGrpSpPr/>
-        <p:nvPr/>
-      </p:nvGrpSpPr>
-      <p:grpSpPr>
-        <a:xfrm>
-          <a:off x="0" y="0"/>
-          <a:ext cx="0" cy="0"/>
-          <a:chOff x="0" y="0"/>
-          <a:chExt cx="0" cy="0"/>
-        </a:xfrm>
-      </p:grpSpPr>
-      <p:sp>
-        <p:nvSpPr>
           <p:cNvPr id="2" name="Title 1">
             <a:extLst>
               <a:ext uri="{FF2B5EF4-FFF2-40B4-BE49-F238E27FC236}">
-                <a16:creationId xmlns:a16="http://schemas.microsoft.com/office/drawing/2014/main" xmlns="" id="{259D0B7C-1D18-4B9B-9686-41CD01222471}"/>
+                <a16:creationId xmlns:a16="http://schemas.microsoft.com/office/drawing/2014/main" id="{259D0B7C-1D18-4B9B-9686-41CD01222471}"/>
               </a:ext>
             </a:extLst>
           </p:cNvPr>
@@ -4323,7 +4138,7 @@
           <p:cNvPr id="3" name="Content Placeholder 2">
             <a:extLst>
               <a:ext uri="{FF2B5EF4-FFF2-40B4-BE49-F238E27FC236}">
-                <a16:creationId xmlns:a16="http://schemas.microsoft.com/office/drawing/2014/main" xmlns="" id="{7171011C-A762-4A01-8962-0A7436AA633E}"/>
+                <a16:creationId xmlns:a16="http://schemas.microsoft.com/office/drawing/2014/main" id="{7171011C-A762-4A01-8962-0A7436AA633E}"/>
               </a:ext>
             </a:extLst>
           </p:cNvPr>
@@ -4340,7 +4155,7 @@
           <a:lstStyle/>
           <a:p>
             <a:r>
-              <a:rPr lang="en-US" dirty="0" smtClean="0">
+              <a:rPr lang="en-US" dirty="0">
                 <a:solidFill>
                   <a:srgbClr val="824040">
                     <a:alpha val="50000"/>
@@ -4350,7 +4165,7 @@
               <a:t> </a:t>
             </a:r>
             <a:r>
-              <a:rPr lang="en-US" dirty="0" smtClean="0">
+              <a:rPr lang="en-US" dirty="0">
                 <a:solidFill>
                   <a:srgbClr val="F5F5F5">
                     <a:alpha val="50000"/>
@@ -4360,7 +4175,7 @@
               <a:t>Database</a:t>
             </a:r>
             <a:r>
-              <a:rPr lang="en-US" dirty="0" smtClean="0">
+              <a:rPr lang="en-US" dirty="0">
                 <a:solidFill>
                   <a:srgbClr val="824040">
                     <a:alpha val="50000"/>
@@ -4369,17 +4184,10 @@
               </a:rPr>
               <a:t> Design</a:t>
             </a:r>
-            <a:endParaRPr lang="en-US" dirty="0" smtClean="0">
-              <a:solidFill>
-                <a:srgbClr val="824040">
-                  <a:alpha val="50000"/>
-                </a:srgbClr>
-              </a:solidFill>
-            </a:endParaRPr>
-          </a:p>
-          <a:p>
-            <a:r>
-              <a:rPr lang="en-US" dirty="0" smtClean="0">
+          </a:p>
+          <a:p>
+            <a:r>
+              <a:rPr lang="en-US" dirty="0">
                 <a:solidFill>
                   <a:srgbClr val="824040">
                     <a:alpha val="50000"/>
@@ -4429,7 +4237,7 @@
               <a:t>, and Logging </a:t>
             </a:r>
             <a:r>
-              <a:rPr lang="en-US" dirty="0" smtClean="0">
+              <a:rPr lang="en-US" dirty="0">
                 <a:solidFill>
                   <a:srgbClr val="F5F5F5">
                     <a:alpha val="50000"/>
@@ -4451,7 +4259,7 @@
               <a:t> </a:t>
             </a:r>
             <a:r>
-              <a:rPr lang="en-US" dirty="0" smtClean="0">
+              <a:rPr lang="en-US" dirty="0">
                 <a:solidFill>
                   <a:srgbClr val="F5F5F5">
                     <a:alpha val="50000"/>
@@ -4461,31 +4269,21 @@
               <a:t>Changing</a:t>
             </a:r>
             <a:r>
-              <a:rPr lang="en-US" dirty="0" smtClean="0">
-                <a:solidFill>
-                  <a:srgbClr val="824040">
-                    <a:alpha val="50000"/>
-                  </a:srgbClr>
-                </a:solidFill>
-              </a:rPr>
-              <a:t> </a:t>
-            </a:r>
-            <a:r>
-              <a:rPr lang="en-US" dirty="0">
-                <a:solidFill>
-                  <a:srgbClr val="824040">
-                    <a:alpha val="50000"/>
-                  </a:srgbClr>
-                </a:solidFill>
-              </a:rPr>
-              <a:t>Password and </a:t>
-            </a:r>
-            <a:r>
-              <a:rPr lang="en-US" dirty="0"/>
+              <a:rPr lang="en-US" dirty="0">
+                <a:solidFill>
+                  <a:srgbClr val="824040">
+                    <a:alpha val="50000"/>
+                  </a:srgbClr>
+                </a:solidFill>
+              </a:rPr>
+              <a:t> Password and </a:t>
+            </a:r>
+            <a:r>
+              <a:rPr lang="en-US" sz="3600" dirty="0"/>
               <a:t>Account </a:t>
             </a:r>
             <a:r>
-              <a:rPr lang="en-US" dirty="0">
+              <a:rPr lang="en-US" sz="3600" dirty="0">
                 <a:solidFill>
                   <a:srgbClr val="F5F5F5"/>
                 </a:solidFill>
@@ -4502,27 +4300,17 @@
           </a:p>
           <a:p>
             <a:r>
-              <a:rPr lang="en-US" dirty="0" smtClean="0">
-                <a:solidFill>
-                  <a:srgbClr val="824040">
-                    <a:alpha val="50000"/>
-                  </a:srgbClr>
-                </a:solidFill>
-              </a:rPr>
-              <a:t> Adding</a:t>
-            </a:r>
-            <a:r>
-              <a:rPr lang="en-US" dirty="0">
-                <a:solidFill>
-                  <a:srgbClr val="824040">
-                    <a:alpha val="50000"/>
-                  </a:srgbClr>
-                </a:solidFill>
-              </a:rPr>
-              <a:t>, Editing, and Deleting </a:t>
-            </a:r>
-            <a:r>
-              <a:rPr lang="en-US" dirty="0" smtClean="0">
+              <a:rPr lang="en-US" dirty="0">
+                <a:solidFill>
+                  <a:srgbClr val="824040">
+                    <a:alpha val="50000"/>
+                  </a:srgbClr>
+                </a:solidFill>
+              </a:rPr>
+              <a:t> Adding, Editing, and Deleting </a:t>
+            </a:r>
+            <a:r>
+              <a:rPr lang="en-US" dirty="0">
                 <a:solidFill>
                   <a:srgbClr val="F5F5F5">
                     <a:alpha val="50000"/>
@@ -4534,7 +4322,7 @@
           </a:p>
           <a:p>
             <a:r>
-              <a:rPr lang="en-US" dirty="0" smtClean="0">
+              <a:rPr lang="en-US" dirty="0">
                 <a:solidFill>
                   <a:srgbClr val="824040">
                     <a:alpha val="50000"/>
@@ -4544,7 +4332,7 @@
               <a:t> </a:t>
             </a:r>
             <a:r>
-              <a:rPr lang="en-US" dirty="0" smtClean="0">
+              <a:rPr lang="en-US" dirty="0">
                 <a:solidFill>
                   <a:srgbClr val="F5F5F5">
                     <a:alpha val="50000"/>
@@ -4554,7 +4342,19 @@
               <a:t>Searching</a:t>
             </a:r>
             <a:r>
-              <a:rPr lang="en-US" dirty="0" smtClean="0">
+              <a:rPr lang="en-US" dirty="0">
+                <a:solidFill>
+                  <a:srgbClr val="824040">
+                    <a:alpha val="50000"/>
+                  </a:srgbClr>
+                </a:solidFill>
+              </a:rPr>
+              <a:t> for Updates</a:t>
+            </a:r>
+          </a:p>
+          <a:p>
+            <a:r>
+              <a:rPr lang="en-US" dirty="0">
                 <a:solidFill>
                   <a:srgbClr val="824040">
                     <a:alpha val="50000"/>
@@ -4566,38 +4366,6 @@
             <a:r>
               <a:rPr lang="en-US" dirty="0">
                 <a:solidFill>
-                  <a:srgbClr val="824040">
-                    <a:alpha val="50000"/>
-                  </a:srgbClr>
-                </a:solidFill>
-              </a:rPr>
-              <a:t>for </a:t>
-            </a:r>
-            <a:r>
-              <a:rPr lang="en-US" dirty="0" smtClean="0">
-                <a:solidFill>
-                  <a:srgbClr val="824040">
-                    <a:alpha val="50000"/>
-                  </a:srgbClr>
-                </a:solidFill>
-              </a:rPr>
-              <a:t>Updates</a:t>
-            </a:r>
-          </a:p>
-          <a:p>
-            <a:r>
-              <a:rPr lang="en-US" dirty="0" smtClean="0">
-                <a:solidFill>
-                  <a:srgbClr val="824040">
-                    <a:alpha val="50000"/>
-                  </a:srgbClr>
-                </a:solidFill>
-              </a:rPr>
-              <a:t> </a:t>
-            </a:r>
-            <a:r>
-              <a:rPr lang="en-US" dirty="0" smtClean="0">
-                <a:solidFill>
                   <a:srgbClr val="F5F5F5">
                     <a:alpha val="50000"/>
                   </a:srgbClr>
@@ -4606,24 +4374,14 @@
               <a:t>Updating</a:t>
             </a:r>
             <a:r>
-              <a:rPr lang="en-US" dirty="0" smtClean="0">
-                <a:solidFill>
-                  <a:srgbClr val="824040">
-                    <a:alpha val="50000"/>
-                  </a:srgbClr>
-                </a:solidFill>
-              </a:rPr>
-              <a:t> </a:t>
-            </a:r>
-            <a:r>
-              <a:rPr lang="en-US" dirty="0">
-                <a:solidFill>
-                  <a:srgbClr val="824040">
-                    <a:alpha val="50000"/>
-                  </a:srgbClr>
-                </a:solidFill>
-              </a:rPr>
-              <a:t>the Database and </a:t>
+              <a:rPr lang="en-US" dirty="0">
+                <a:solidFill>
+                  <a:srgbClr val="824040">
+                    <a:alpha val="50000"/>
+                  </a:srgbClr>
+                </a:solidFill>
+              </a:rPr>
+              <a:t> the Database and </a:t>
             </a:r>
             <a:r>
               <a:rPr lang="en-US" dirty="0">
@@ -4658,17 +4416,10 @@
   <p:clrMapOvr>
     <a:masterClrMapping/>
   </p:clrMapOvr>
-  <p:timing>
-    <p:tnLst>
-      <p:par>
-        <p:cTn id="1" dur="indefinite" restart="never" nodeType="tmRoot"/>
-      </p:par>
-    </p:tnLst>
-  </p:timing>
 </p:sld>
 </file>
 
-<file path=ppt/slides/slide16.xml><?xml version="1.0" encoding="utf-8"?>
+<file path=ppt/slides/slide15.xml><?xml version="1.0" encoding="utf-8"?>
 <p:sld xmlns:a="http://schemas.openxmlformats.org/drawingml/2006/main" xmlns:r="http://schemas.openxmlformats.org/officeDocument/2006/relationships" xmlns:p="http://schemas.openxmlformats.org/presentationml/2006/main">
   <p:cSld>
     <p:spTree>
@@ -4761,17 +4512,10 @@
   <p:clrMapOvr>
     <a:masterClrMapping/>
   </p:clrMapOvr>
-  <p:timing>
-    <p:tnLst>
-      <p:par>
-        <p:cTn id="1" dur="indefinite" restart="never" nodeType="tmRoot"/>
-      </p:par>
-    </p:tnLst>
-  </p:timing>
 </p:sld>
 </file>
 
-<file path=ppt/slides/slide17.xml><?xml version="1.0" encoding="utf-8"?>
+<file path=ppt/slides/slide16.xml><?xml version="1.0" encoding="utf-8"?>
 <p:sld xmlns:a="http://schemas.openxmlformats.org/drawingml/2006/main" xmlns:r="http://schemas.openxmlformats.org/officeDocument/2006/relationships" xmlns:p="http://schemas.openxmlformats.org/presentationml/2006/main">
   <p:cSld>
     <p:spTree>
@@ -4793,7 +4537,7 @@
           <p:cNvPr id="2" name="Title 1">
             <a:extLst>
               <a:ext uri="{FF2B5EF4-FFF2-40B4-BE49-F238E27FC236}">
-                <a16:creationId xmlns:a16="http://schemas.microsoft.com/office/drawing/2014/main" xmlns="" id="{259D0B7C-1D18-4B9B-9686-41CD01222471}"/>
+                <a16:creationId xmlns:a16="http://schemas.microsoft.com/office/drawing/2014/main" id="{259D0B7C-1D18-4B9B-9686-41CD01222471}"/>
               </a:ext>
             </a:extLst>
           </p:cNvPr>
@@ -4822,7 +4566,7 @@
           <p:cNvPr id="3" name="Content Placeholder 2">
             <a:extLst>
               <a:ext uri="{FF2B5EF4-FFF2-40B4-BE49-F238E27FC236}">
-                <a16:creationId xmlns:a16="http://schemas.microsoft.com/office/drawing/2014/main" xmlns="" id="{7171011C-A762-4A01-8962-0A7436AA633E}"/>
+                <a16:creationId xmlns:a16="http://schemas.microsoft.com/office/drawing/2014/main" id="{7171011C-A762-4A01-8962-0A7436AA633E}"/>
               </a:ext>
             </a:extLst>
           </p:cNvPr>
@@ -4839,7 +4583,7 @@
           <a:lstStyle/>
           <a:p>
             <a:r>
-              <a:rPr lang="en-US" dirty="0" smtClean="0">
+              <a:rPr lang="en-US" dirty="0">
                 <a:solidFill>
                   <a:srgbClr val="824040">
                     <a:alpha val="50000"/>
@@ -4849,7 +4593,7 @@
               <a:t> </a:t>
             </a:r>
             <a:r>
-              <a:rPr lang="en-US" dirty="0" smtClean="0">
+              <a:rPr lang="en-US" dirty="0">
                 <a:solidFill>
                   <a:srgbClr val="F5F5F5">
                     <a:alpha val="50000"/>
@@ -4859,7 +4603,7 @@
               <a:t>Database</a:t>
             </a:r>
             <a:r>
-              <a:rPr lang="en-US" dirty="0" smtClean="0">
+              <a:rPr lang="en-US" dirty="0">
                 <a:solidFill>
                   <a:srgbClr val="824040">
                     <a:alpha val="50000"/>
@@ -4868,17 +4612,10 @@
               </a:rPr>
               <a:t> Design</a:t>
             </a:r>
-            <a:endParaRPr lang="en-US" dirty="0" smtClean="0">
-              <a:solidFill>
-                <a:srgbClr val="824040">
-                  <a:alpha val="50000"/>
-                </a:srgbClr>
-              </a:solidFill>
-            </a:endParaRPr>
-          </a:p>
-          <a:p>
-            <a:r>
-              <a:rPr lang="en-US" dirty="0" smtClean="0">
+          </a:p>
+          <a:p>
+            <a:r>
+              <a:rPr lang="en-US" dirty="0">
                 <a:solidFill>
                   <a:srgbClr val="824040">
                     <a:alpha val="50000"/>
@@ -4928,7 +4665,7 @@
               <a:t>, and Logging </a:t>
             </a:r>
             <a:r>
-              <a:rPr lang="en-US" dirty="0" smtClean="0">
+              <a:rPr lang="en-US" dirty="0">
                 <a:solidFill>
                   <a:srgbClr val="F5F5F5">
                     <a:alpha val="50000"/>
@@ -4950,7 +4687,7 @@
               <a:t> </a:t>
             </a:r>
             <a:r>
-              <a:rPr lang="en-US" dirty="0" smtClean="0">
+              <a:rPr lang="en-US" dirty="0">
                 <a:solidFill>
                   <a:srgbClr val="F5F5F5">
                     <a:alpha val="50000"/>
@@ -4960,7 +4697,29 @@
               <a:t>Changing</a:t>
             </a:r>
             <a:r>
-              <a:rPr lang="en-US" dirty="0" smtClean="0">
+              <a:rPr lang="en-US" dirty="0">
+                <a:solidFill>
+                  <a:srgbClr val="824040">
+                    <a:alpha val="50000"/>
+                  </a:srgbClr>
+                </a:solidFill>
+              </a:rPr>
+              <a:t> Password and Account </a:t>
+            </a:r>
+            <a:r>
+              <a:rPr lang="en-US" dirty="0">
+                <a:solidFill>
+                  <a:srgbClr val="F5F5F5">
+                    <a:alpha val="50000"/>
+                  </a:srgbClr>
+                </a:solidFill>
+              </a:rPr>
+              <a:t>Recovery</a:t>
+            </a:r>
+          </a:p>
+          <a:p>
+            <a:r>
+              <a:rPr lang="en-US" dirty="0">
                 <a:solidFill>
                   <a:srgbClr val="824040">
                     <a:alpha val="50000"/>
@@ -4970,50 +4729,18 @@
               <a:t> </a:t>
             </a:r>
             <a:r>
-              <a:rPr lang="en-US" dirty="0">
-                <a:solidFill>
-                  <a:srgbClr val="824040">
-                    <a:alpha val="50000"/>
-                  </a:srgbClr>
-                </a:solidFill>
-              </a:rPr>
-              <a:t>Password and Account </a:t>
-            </a:r>
-            <a:r>
-              <a:rPr lang="en-US" dirty="0">
-                <a:solidFill>
-                  <a:srgbClr val="F5F5F5">
-                    <a:alpha val="50000"/>
-                  </a:srgbClr>
-                </a:solidFill>
-              </a:rPr>
-              <a:t>Recovery</a:t>
-            </a:r>
-          </a:p>
-          <a:p>
-            <a:r>
-              <a:rPr lang="en-US" dirty="0" smtClean="0">
-                <a:solidFill>
-                  <a:srgbClr val="824040">
-                    <a:alpha val="50000"/>
-                  </a:srgbClr>
-                </a:solidFill>
-              </a:rPr>
-              <a:t> </a:t>
-            </a:r>
-            <a:r>
-              <a:rPr lang="en-US" dirty="0"/>
+              <a:rPr lang="en-US" sz="3600" dirty="0"/>
               <a:t>Adding, Editing, and Deleting </a:t>
             </a:r>
             <a:r>
-              <a:rPr lang="en-US" dirty="0">
+              <a:rPr lang="en-US" sz="3600" dirty="0">
                 <a:solidFill>
                   <a:srgbClr val="F5F5F5"/>
                 </a:solidFill>
               </a:rPr>
               <a:t>URLs</a:t>
             </a:r>
-            <a:endParaRPr lang="en-US" dirty="0" smtClean="0">
+            <a:endParaRPr lang="en-US" sz="3600" dirty="0">
               <a:solidFill>
                 <a:srgbClr val="F5F5F5">
                   <a:alpha val="50000"/>
@@ -5023,7 +4750,7 @@
           </a:p>
           <a:p>
             <a:r>
-              <a:rPr lang="en-US" dirty="0" smtClean="0">
+              <a:rPr lang="en-US" dirty="0">
                 <a:solidFill>
                   <a:srgbClr val="824040">
                     <a:alpha val="50000"/>
@@ -5033,7 +4760,7 @@
               <a:t> </a:t>
             </a:r>
             <a:r>
-              <a:rPr lang="en-US" dirty="0" smtClean="0">
+              <a:rPr lang="en-US" dirty="0">
                 <a:solidFill>
                   <a:srgbClr val="F5F5F5">
                     <a:alpha val="50000"/>
@@ -5043,7 +4770,19 @@
               <a:t>Searching</a:t>
             </a:r>
             <a:r>
-              <a:rPr lang="en-US" dirty="0" smtClean="0">
+              <a:rPr lang="en-US" dirty="0">
+                <a:solidFill>
+                  <a:srgbClr val="824040">
+                    <a:alpha val="50000"/>
+                  </a:srgbClr>
+                </a:solidFill>
+              </a:rPr>
+              <a:t> for Updates</a:t>
+            </a:r>
+          </a:p>
+          <a:p>
+            <a:r>
+              <a:rPr lang="en-US" dirty="0">
                 <a:solidFill>
                   <a:srgbClr val="824040">
                     <a:alpha val="50000"/>
@@ -5055,38 +4794,6 @@
             <a:r>
               <a:rPr lang="en-US" dirty="0">
                 <a:solidFill>
-                  <a:srgbClr val="824040">
-                    <a:alpha val="50000"/>
-                  </a:srgbClr>
-                </a:solidFill>
-              </a:rPr>
-              <a:t>for </a:t>
-            </a:r>
-            <a:r>
-              <a:rPr lang="en-US" dirty="0" smtClean="0">
-                <a:solidFill>
-                  <a:srgbClr val="824040">
-                    <a:alpha val="50000"/>
-                  </a:srgbClr>
-                </a:solidFill>
-              </a:rPr>
-              <a:t>Updates</a:t>
-            </a:r>
-          </a:p>
-          <a:p>
-            <a:r>
-              <a:rPr lang="en-US" dirty="0" smtClean="0">
-                <a:solidFill>
-                  <a:srgbClr val="824040">
-                    <a:alpha val="50000"/>
-                  </a:srgbClr>
-                </a:solidFill>
-              </a:rPr>
-              <a:t> </a:t>
-            </a:r>
-            <a:r>
-              <a:rPr lang="en-US" dirty="0" smtClean="0">
-                <a:solidFill>
                   <a:srgbClr val="F5F5F5">
                     <a:alpha val="50000"/>
                   </a:srgbClr>
@@ -5095,24 +4802,14 @@
               <a:t>Updating</a:t>
             </a:r>
             <a:r>
-              <a:rPr lang="en-US" dirty="0" smtClean="0">
-                <a:solidFill>
-                  <a:srgbClr val="824040">
-                    <a:alpha val="50000"/>
-                  </a:srgbClr>
-                </a:solidFill>
-              </a:rPr>
-              <a:t> </a:t>
-            </a:r>
-            <a:r>
-              <a:rPr lang="en-US" dirty="0">
-                <a:solidFill>
-                  <a:srgbClr val="824040">
-                    <a:alpha val="50000"/>
-                  </a:srgbClr>
-                </a:solidFill>
-              </a:rPr>
-              <a:t>the Database and </a:t>
+              <a:rPr lang="en-US" dirty="0">
+                <a:solidFill>
+                  <a:srgbClr val="824040">
+                    <a:alpha val="50000"/>
+                  </a:srgbClr>
+                </a:solidFill>
+              </a:rPr>
+              <a:t> the Database and </a:t>
             </a:r>
             <a:r>
               <a:rPr lang="en-US" dirty="0">
@@ -5147,17 +4844,10 @@
   <p:clrMapOvr>
     <a:masterClrMapping/>
   </p:clrMapOvr>
-  <p:timing>
-    <p:tnLst>
-      <p:par>
-        <p:cTn id="1" dur="indefinite" restart="never" nodeType="tmRoot"/>
-      </p:par>
-    </p:tnLst>
-  </p:timing>
 </p:sld>
 </file>
 
-<file path=ppt/slides/slide18.xml><?xml version="1.0" encoding="utf-8"?>
+<file path=ppt/slides/slide17.xml><?xml version="1.0" encoding="utf-8"?>
 <p:sld xmlns:a="http://schemas.openxmlformats.org/drawingml/2006/main" xmlns:r="http://schemas.openxmlformats.org/officeDocument/2006/relationships" xmlns:p="http://schemas.openxmlformats.org/presentationml/2006/main">
   <p:cSld>
     <p:spTree>
@@ -5250,17 +4940,10 @@
   <p:clrMapOvr>
     <a:masterClrMapping/>
   </p:clrMapOvr>
-  <p:timing>
-    <p:tnLst>
-      <p:par>
-        <p:cTn id="1" dur="indefinite" restart="never" nodeType="tmRoot"/>
-      </p:par>
-    </p:tnLst>
-  </p:timing>
 </p:sld>
 </file>
 
-<file path=ppt/slides/slide19.xml><?xml version="1.0" encoding="utf-8"?>
+<file path=ppt/slides/slide18.xml><?xml version="1.0" encoding="utf-8"?>
 <p:sld xmlns:a="http://schemas.openxmlformats.org/drawingml/2006/main" xmlns:r="http://schemas.openxmlformats.org/officeDocument/2006/relationships" xmlns:p="http://schemas.openxmlformats.org/presentationml/2006/main">
   <p:cSld>
     <p:spTree>
@@ -5353,13 +5036,321 @@
   <p:clrMapOvr>
     <a:masterClrMapping/>
   </p:clrMapOvr>
-  <p:timing>
-    <p:tnLst>
-      <p:par>
-        <p:cTn id="1" dur="indefinite" restart="never" nodeType="tmRoot"/>
-      </p:par>
-    </p:tnLst>
-  </p:timing>
+</p:sld>
+</file>
+
+<file path=ppt/slides/slide19.xml><?xml version="1.0" encoding="utf-8"?>
+<p:sld xmlns:a="http://schemas.openxmlformats.org/drawingml/2006/main" xmlns:r="http://schemas.openxmlformats.org/officeDocument/2006/relationships" xmlns:p="http://schemas.openxmlformats.org/presentationml/2006/main">
+  <p:cSld>
+    <p:spTree>
+      <p:nvGrpSpPr>
+        <p:cNvPr id="1" name=""/>
+        <p:cNvGrpSpPr/>
+        <p:nvPr/>
+      </p:nvGrpSpPr>
+      <p:grpSpPr>
+        <a:xfrm>
+          <a:off x="0" y="0"/>
+          <a:ext cx="0" cy="0"/>
+          <a:chOff x="0" y="0"/>
+          <a:chExt cx="0" cy="0"/>
+        </a:xfrm>
+      </p:grpSpPr>
+      <p:sp>
+        <p:nvSpPr>
+          <p:cNvPr id="2" name="Title 1">
+            <a:extLst>
+              <a:ext uri="{FF2B5EF4-FFF2-40B4-BE49-F238E27FC236}">
+                <a16:creationId xmlns:a16="http://schemas.microsoft.com/office/drawing/2014/main" id="{259D0B7C-1D18-4B9B-9686-41CD01222471}"/>
+              </a:ext>
+            </a:extLst>
+          </p:cNvPr>
+          <p:cNvSpPr>
+            <a:spLocks noGrp="1"/>
+          </p:cNvSpPr>
+          <p:nvPr>
+            <p:ph type="title"/>
+          </p:nvPr>
+        </p:nvSpPr>
+        <p:spPr/>
+        <p:txBody>
+          <a:bodyPr/>
+          <a:lstStyle/>
+          <a:p>
+            <a:pPr algn="ctr"/>
+            <a:r>
+              <a:rPr lang="en-US" dirty="0"/>
+              <a:t>How do we do it?</a:t>
+            </a:r>
+          </a:p>
+        </p:txBody>
+      </p:sp>
+      <p:sp>
+        <p:nvSpPr>
+          <p:cNvPr id="3" name="Content Placeholder 2">
+            <a:extLst>
+              <a:ext uri="{FF2B5EF4-FFF2-40B4-BE49-F238E27FC236}">
+                <a16:creationId xmlns:a16="http://schemas.microsoft.com/office/drawing/2014/main" id="{7171011C-A762-4A01-8962-0A7436AA633E}"/>
+              </a:ext>
+            </a:extLst>
+          </p:cNvPr>
+          <p:cNvSpPr>
+            <a:spLocks noGrp="1"/>
+          </p:cNvSpPr>
+          <p:nvPr>
+            <p:ph idx="1"/>
+          </p:nvPr>
+        </p:nvSpPr>
+        <p:spPr/>
+        <p:txBody>
+          <a:bodyPr/>
+          <a:lstStyle/>
+          <a:p>
+            <a:r>
+              <a:rPr lang="en-US" dirty="0">
+                <a:solidFill>
+                  <a:srgbClr val="824040">
+                    <a:alpha val="50000"/>
+                  </a:srgbClr>
+                </a:solidFill>
+              </a:rPr>
+              <a:t> </a:t>
+            </a:r>
+            <a:r>
+              <a:rPr lang="en-US" dirty="0">
+                <a:solidFill>
+                  <a:srgbClr val="F5F5F5">
+                    <a:alpha val="50000"/>
+                  </a:srgbClr>
+                </a:solidFill>
+              </a:rPr>
+              <a:t>Database</a:t>
+            </a:r>
+            <a:r>
+              <a:rPr lang="en-US" dirty="0">
+                <a:solidFill>
+                  <a:srgbClr val="824040">
+                    <a:alpha val="50000"/>
+                  </a:srgbClr>
+                </a:solidFill>
+              </a:rPr>
+              <a:t> Design</a:t>
+            </a:r>
+          </a:p>
+          <a:p>
+            <a:r>
+              <a:rPr lang="en-US" dirty="0">
+                <a:solidFill>
+                  <a:srgbClr val="824040">
+                    <a:alpha val="50000"/>
+                  </a:srgbClr>
+                </a:solidFill>
+              </a:rPr>
+              <a:t> Account </a:t>
+            </a:r>
+            <a:r>
+              <a:rPr lang="en-US" dirty="0">
+                <a:solidFill>
+                  <a:srgbClr val="F5F5F5">
+                    <a:alpha val="50000"/>
+                  </a:srgbClr>
+                </a:solidFill>
+              </a:rPr>
+              <a:t>Creation</a:t>
+            </a:r>
+            <a:r>
+              <a:rPr lang="en-US" dirty="0">
+                <a:solidFill>
+                  <a:srgbClr val="824040">
+                    <a:alpha val="50000"/>
+                  </a:srgbClr>
+                </a:solidFill>
+              </a:rPr>
+              <a:t>, Logging </a:t>
+            </a:r>
+            <a:r>
+              <a:rPr lang="en-US" dirty="0">
+                <a:solidFill>
+                  <a:srgbClr val="F5F5F5">
+                    <a:alpha val="50000"/>
+                  </a:srgbClr>
+                </a:solidFill>
+              </a:rPr>
+              <a:t>In</a:t>
+            </a:r>
+            <a:r>
+              <a:rPr lang="en-US" dirty="0">
+                <a:solidFill>
+                  <a:srgbClr val="824040">
+                    <a:alpha val="50000"/>
+                  </a:srgbClr>
+                </a:solidFill>
+              </a:rPr>
+              <a:t>, and Logging </a:t>
+            </a:r>
+            <a:r>
+              <a:rPr lang="en-US" dirty="0">
+                <a:solidFill>
+                  <a:srgbClr val="F5F5F5">
+                    <a:alpha val="50000"/>
+                  </a:srgbClr>
+                </a:solidFill>
+              </a:rPr>
+              <a:t>Out</a:t>
+            </a:r>
+          </a:p>
+          <a:p>
+            <a:r>
+              <a:rPr lang="en-US" dirty="0">
+                <a:solidFill>
+                  <a:srgbClr val="824040">
+                    <a:alpha val="50000"/>
+                  </a:srgbClr>
+                </a:solidFill>
+              </a:rPr>
+              <a:t> </a:t>
+            </a:r>
+            <a:r>
+              <a:rPr lang="en-US" dirty="0">
+                <a:solidFill>
+                  <a:srgbClr val="F5F5F5">
+                    <a:alpha val="50000"/>
+                  </a:srgbClr>
+                </a:solidFill>
+              </a:rPr>
+              <a:t>Changing</a:t>
+            </a:r>
+            <a:r>
+              <a:rPr lang="en-US" dirty="0">
+                <a:solidFill>
+                  <a:srgbClr val="824040">
+                    <a:alpha val="50000"/>
+                  </a:srgbClr>
+                </a:solidFill>
+              </a:rPr>
+              <a:t> Password and Account </a:t>
+            </a:r>
+            <a:r>
+              <a:rPr lang="en-US" dirty="0">
+                <a:solidFill>
+                  <a:srgbClr val="F5F5F5">
+                    <a:alpha val="50000"/>
+                  </a:srgbClr>
+                </a:solidFill>
+              </a:rPr>
+              <a:t>Recovery</a:t>
+            </a:r>
+          </a:p>
+          <a:p>
+            <a:r>
+              <a:rPr lang="en-US" dirty="0">
+                <a:solidFill>
+                  <a:srgbClr val="824040">
+                    <a:alpha val="50000"/>
+                  </a:srgbClr>
+                </a:solidFill>
+              </a:rPr>
+              <a:t> Adding, Editing, and Deleting </a:t>
+            </a:r>
+            <a:r>
+              <a:rPr lang="en-US" dirty="0">
+                <a:solidFill>
+                  <a:srgbClr val="F5F5F5">
+                    <a:alpha val="50000"/>
+                  </a:srgbClr>
+                </a:solidFill>
+              </a:rPr>
+              <a:t>URLs</a:t>
+            </a:r>
+          </a:p>
+          <a:p>
+            <a:r>
+              <a:rPr lang="en-US" dirty="0">
+                <a:solidFill>
+                  <a:srgbClr val="824040">
+                    <a:alpha val="50000"/>
+                  </a:srgbClr>
+                </a:solidFill>
+              </a:rPr>
+              <a:t> </a:t>
+            </a:r>
+            <a:r>
+              <a:rPr lang="en-US" sz="3600" dirty="0">
+                <a:solidFill>
+                  <a:srgbClr val="F5F5F5"/>
+                </a:solidFill>
+              </a:rPr>
+              <a:t>Searching</a:t>
+            </a:r>
+            <a:r>
+              <a:rPr lang="en-US" sz="3600" dirty="0"/>
+              <a:t> for Updates</a:t>
+            </a:r>
+          </a:p>
+          <a:p>
+            <a:r>
+              <a:rPr lang="en-US" dirty="0">
+                <a:solidFill>
+                  <a:srgbClr val="824040">
+                    <a:alpha val="50000"/>
+                  </a:srgbClr>
+                </a:solidFill>
+              </a:rPr>
+              <a:t> </a:t>
+            </a:r>
+            <a:r>
+              <a:rPr lang="en-US" dirty="0">
+                <a:solidFill>
+                  <a:srgbClr val="F5F5F5">
+                    <a:alpha val="50000"/>
+                  </a:srgbClr>
+                </a:solidFill>
+              </a:rPr>
+              <a:t>Updating</a:t>
+            </a:r>
+            <a:r>
+              <a:rPr lang="en-US" dirty="0">
+                <a:solidFill>
+                  <a:srgbClr val="824040">
+                    <a:alpha val="50000"/>
+                  </a:srgbClr>
+                </a:solidFill>
+              </a:rPr>
+              <a:t> the Database and </a:t>
+            </a:r>
+            <a:r>
+              <a:rPr lang="en-US" dirty="0">
+                <a:solidFill>
+                  <a:srgbClr val="F5F5F5">
+                    <a:alpha val="50000"/>
+                  </a:srgbClr>
+                </a:solidFill>
+              </a:rPr>
+              <a:t>Sending</a:t>
+            </a:r>
+            <a:r>
+              <a:rPr lang="en-US" dirty="0">
+                <a:solidFill>
+                  <a:srgbClr val="824040">
+                    <a:alpha val="50000"/>
+                  </a:srgbClr>
+                </a:solidFill>
+              </a:rPr>
+              <a:t> Emails</a:t>
+            </a:r>
+          </a:p>
+        </p:txBody>
+      </p:sp>
+    </p:spTree>
+    <p:extLst>
+      <p:ext uri="{BB962C8B-B14F-4D97-AF65-F5344CB8AC3E}">
+        <p14:creationId xmlns:p14="http://schemas.microsoft.com/office/powerpoint/2010/main" val="4060571339"/>
+      </p:ext>
+    </p:extLst>
+  </p:cSld>
+  <p:clrMapOvr>
+    <a:masterClrMapping/>
+  </p:clrMapOvr>
 </p:sld>
 </file>
 
@@ -5385,7 +5376,7 @@
           <p:cNvPr id="2" name="Title 1">
             <a:extLst>
               <a:ext uri="{FF2B5EF4-FFF2-40B4-BE49-F238E27FC236}">
-                <a16:creationId xmlns:a16="http://schemas.microsoft.com/office/drawing/2014/main" xmlns="" id="{BDC5B3F6-D021-43C8-B57F-075FB0C69BAA}"/>
+                <a16:creationId xmlns:a16="http://schemas.microsoft.com/office/drawing/2014/main" id="{BDC5B3F6-D021-43C8-B57F-075FB0C69BAA}"/>
               </a:ext>
             </a:extLst>
           </p:cNvPr>
@@ -5414,7 +5405,7 @@
           <p:cNvPr id="3" name="Content Placeholder 2">
             <a:extLst>
               <a:ext uri="{FF2B5EF4-FFF2-40B4-BE49-F238E27FC236}">
-                <a16:creationId xmlns:a16="http://schemas.microsoft.com/office/drawing/2014/main" xmlns="" id="{70E2E14D-469D-42A3-83E1-C42B51320693}"/>
+                <a16:creationId xmlns:a16="http://schemas.microsoft.com/office/drawing/2014/main" id="{70E2E14D-469D-42A3-83E1-C42B51320693}"/>
               </a:ext>
             </a:extLst>
           </p:cNvPr>
@@ -5467,7 +5458,7 @@
               <a:t> when it discovers that one of the websites have </a:t>
             </a:r>
             <a:r>
-              <a:rPr lang="en-US" dirty="0" smtClean="0">
+              <a:rPr lang="en-US" dirty="0">
                 <a:solidFill>
                   <a:srgbClr val="F5F5F5"/>
                 </a:solidFill>
@@ -5475,7 +5466,7 @@
               <a:t>updated</a:t>
             </a:r>
             <a:r>
-              <a:rPr lang="en-US" dirty="0" smtClean="0"/>
+              <a:rPr lang="en-US" dirty="0"/>
               <a:t>.</a:t>
             </a:r>
           </a:p>
@@ -5486,20 +5477,12 @@
               </a:buClr>
             </a:pPr>
             <a:r>
-              <a:rPr lang="en-US" dirty="0" smtClean="0">
+              <a:rPr lang="en-US" dirty="0">
                 <a:solidFill>
                   <a:srgbClr val="F5F5F5"/>
                 </a:solidFill>
               </a:rPr>
-              <a:t>User </a:t>
-            </a:r>
-            <a:r>
-              <a:rPr lang="en-US" dirty="0">
-                <a:solidFill>
-                  <a:srgbClr val="F5F5F5"/>
-                </a:solidFill>
-              </a:rPr>
-              <a:t>Accounts</a:t>
+              <a:t>User Accounts</a:t>
             </a:r>
             <a:r>
               <a:rPr lang="en-US" dirty="0">
@@ -5550,11 +5533,7 @@
             </a:r>
             <a:r>
               <a:rPr lang="en-US" dirty="0"/>
-              <a:t> </a:t>
-            </a:r>
-            <a:r>
-              <a:rPr lang="en-US" dirty="0" smtClean="0"/>
-              <a:t>or </a:t>
+              <a:t> or </a:t>
             </a:r>
             <a:r>
               <a:rPr lang="en-US" dirty="0">
@@ -5587,380 +5566,10 @@
   <p:clrMapOvr>
     <a:masterClrMapping/>
   </p:clrMapOvr>
-  <p:timing>
-    <p:tnLst>
-      <p:par>
-        <p:cTn id="1" dur="indefinite" restart="never" nodeType="tmRoot"/>
-      </p:par>
-    </p:tnLst>
-  </p:timing>
 </p:sld>
 </file>
 
 <file path=ppt/slides/slide20.xml><?xml version="1.0" encoding="utf-8"?>
-<p:sld xmlns:a="http://schemas.openxmlformats.org/drawingml/2006/main" xmlns:r="http://schemas.openxmlformats.org/officeDocument/2006/relationships" xmlns:p="http://schemas.openxmlformats.org/presentationml/2006/main">
-  <p:cSld>
-    <p:spTree>
-      <p:nvGrpSpPr>
-        <p:cNvPr id="1" name=""/>
-        <p:cNvGrpSpPr/>
-        <p:nvPr/>
-      </p:nvGrpSpPr>
-      <p:grpSpPr>
-        <a:xfrm>
-          <a:off x="0" y="0"/>
-          <a:ext cx="0" cy="0"/>
-          <a:chOff x="0" y="0"/>
-          <a:chExt cx="0" cy="0"/>
-        </a:xfrm>
-      </p:grpSpPr>
-      <p:sp>
-        <p:nvSpPr>
-          <p:cNvPr id="2" name="Title 1">
-            <a:extLst>
-              <a:ext uri="{FF2B5EF4-FFF2-40B4-BE49-F238E27FC236}">
-                <a16:creationId xmlns:a16="http://schemas.microsoft.com/office/drawing/2014/main" xmlns="" id="{259D0B7C-1D18-4B9B-9686-41CD01222471}"/>
-              </a:ext>
-            </a:extLst>
-          </p:cNvPr>
-          <p:cNvSpPr>
-            <a:spLocks noGrp="1"/>
-          </p:cNvSpPr>
-          <p:nvPr>
-            <p:ph type="title"/>
-          </p:nvPr>
-        </p:nvSpPr>
-        <p:spPr/>
-        <p:txBody>
-          <a:bodyPr/>
-          <a:lstStyle/>
-          <a:p>
-            <a:pPr algn="ctr"/>
-            <a:r>
-              <a:rPr lang="en-US" dirty="0"/>
-              <a:t>How do we do it?</a:t>
-            </a:r>
-          </a:p>
-        </p:txBody>
-      </p:sp>
-      <p:sp>
-        <p:nvSpPr>
-          <p:cNvPr id="3" name="Content Placeholder 2">
-            <a:extLst>
-              <a:ext uri="{FF2B5EF4-FFF2-40B4-BE49-F238E27FC236}">
-                <a16:creationId xmlns:a16="http://schemas.microsoft.com/office/drawing/2014/main" xmlns="" id="{7171011C-A762-4A01-8962-0A7436AA633E}"/>
-              </a:ext>
-            </a:extLst>
-          </p:cNvPr>
-          <p:cNvSpPr>
-            <a:spLocks noGrp="1"/>
-          </p:cNvSpPr>
-          <p:nvPr>
-            <p:ph idx="1"/>
-          </p:nvPr>
-        </p:nvSpPr>
-        <p:spPr/>
-        <p:txBody>
-          <a:bodyPr/>
-          <a:lstStyle/>
-          <a:p>
-            <a:r>
-              <a:rPr lang="en-US" dirty="0" smtClean="0">
-                <a:solidFill>
-                  <a:srgbClr val="824040">
-                    <a:alpha val="50000"/>
-                  </a:srgbClr>
-                </a:solidFill>
-              </a:rPr>
-              <a:t> </a:t>
-            </a:r>
-            <a:r>
-              <a:rPr lang="en-US" dirty="0" smtClean="0">
-                <a:solidFill>
-                  <a:srgbClr val="F5F5F5">
-                    <a:alpha val="50000"/>
-                  </a:srgbClr>
-                </a:solidFill>
-              </a:rPr>
-              <a:t>Database</a:t>
-            </a:r>
-            <a:r>
-              <a:rPr lang="en-US" dirty="0" smtClean="0">
-                <a:solidFill>
-                  <a:srgbClr val="824040">
-                    <a:alpha val="50000"/>
-                  </a:srgbClr>
-                </a:solidFill>
-              </a:rPr>
-              <a:t> Design</a:t>
-            </a:r>
-            <a:endParaRPr lang="en-US" dirty="0" smtClean="0">
-              <a:solidFill>
-                <a:srgbClr val="824040">
-                  <a:alpha val="50000"/>
-                </a:srgbClr>
-              </a:solidFill>
-            </a:endParaRPr>
-          </a:p>
-          <a:p>
-            <a:r>
-              <a:rPr lang="en-US" dirty="0" smtClean="0">
-                <a:solidFill>
-                  <a:srgbClr val="824040">
-                    <a:alpha val="50000"/>
-                  </a:srgbClr>
-                </a:solidFill>
-              </a:rPr>
-              <a:t> Account </a:t>
-            </a:r>
-            <a:r>
-              <a:rPr lang="en-US" dirty="0">
-                <a:solidFill>
-                  <a:srgbClr val="F5F5F5">
-                    <a:alpha val="50000"/>
-                  </a:srgbClr>
-                </a:solidFill>
-              </a:rPr>
-              <a:t>Creation</a:t>
-            </a:r>
-            <a:r>
-              <a:rPr lang="en-US" dirty="0">
-                <a:solidFill>
-                  <a:srgbClr val="824040">
-                    <a:alpha val="50000"/>
-                  </a:srgbClr>
-                </a:solidFill>
-              </a:rPr>
-              <a:t>, Logging </a:t>
-            </a:r>
-            <a:r>
-              <a:rPr lang="en-US" dirty="0">
-                <a:solidFill>
-                  <a:srgbClr val="F5F5F5">
-                    <a:alpha val="50000"/>
-                  </a:srgbClr>
-                </a:solidFill>
-              </a:rPr>
-              <a:t>In</a:t>
-            </a:r>
-            <a:r>
-              <a:rPr lang="en-US" dirty="0">
-                <a:solidFill>
-                  <a:srgbClr val="824040">
-                    <a:alpha val="50000"/>
-                  </a:srgbClr>
-                </a:solidFill>
-              </a:rPr>
-              <a:t>, and Logging </a:t>
-            </a:r>
-            <a:r>
-              <a:rPr lang="en-US" dirty="0" smtClean="0">
-                <a:solidFill>
-                  <a:srgbClr val="F5F5F5">
-                    <a:alpha val="50000"/>
-                  </a:srgbClr>
-                </a:solidFill>
-              </a:rPr>
-              <a:t>Out</a:t>
-            </a:r>
-          </a:p>
-          <a:p>
-            <a:r>
-              <a:rPr lang="en-US" dirty="0">
-                <a:solidFill>
-                  <a:srgbClr val="824040">
-                    <a:alpha val="50000"/>
-                  </a:srgbClr>
-                </a:solidFill>
-              </a:rPr>
-              <a:t> </a:t>
-            </a:r>
-            <a:r>
-              <a:rPr lang="en-US" dirty="0" smtClean="0">
-                <a:solidFill>
-                  <a:srgbClr val="F5F5F5">
-                    <a:alpha val="50000"/>
-                  </a:srgbClr>
-                </a:solidFill>
-              </a:rPr>
-              <a:t>Changing</a:t>
-            </a:r>
-            <a:r>
-              <a:rPr lang="en-US" dirty="0" smtClean="0">
-                <a:solidFill>
-                  <a:srgbClr val="824040">
-                    <a:alpha val="50000"/>
-                  </a:srgbClr>
-                </a:solidFill>
-              </a:rPr>
-              <a:t> </a:t>
-            </a:r>
-            <a:r>
-              <a:rPr lang="en-US" dirty="0">
-                <a:solidFill>
-                  <a:srgbClr val="824040">
-                    <a:alpha val="50000"/>
-                  </a:srgbClr>
-                </a:solidFill>
-              </a:rPr>
-              <a:t>Password and Account </a:t>
-            </a:r>
-            <a:r>
-              <a:rPr lang="en-US" dirty="0">
-                <a:solidFill>
-                  <a:srgbClr val="F5F5F5">
-                    <a:alpha val="50000"/>
-                  </a:srgbClr>
-                </a:solidFill>
-              </a:rPr>
-              <a:t>Recovery</a:t>
-            </a:r>
-          </a:p>
-          <a:p>
-            <a:r>
-              <a:rPr lang="en-US" dirty="0" smtClean="0">
-                <a:solidFill>
-                  <a:srgbClr val="824040">
-                    <a:alpha val="50000"/>
-                  </a:srgbClr>
-                </a:solidFill>
-              </a:rPr>
-              <a:t> Adding</a:t>
-            </a:r>
-            <a:r>
-              <a:rPr lang="en-US" dirty="0">
-                <a:solidFill>
-                  <a:srgbClr val="824040">
-                    <a:alpha val="50000"/>
-                  </a:srgbClr>
-                </a:solidFill>
-              </a:rPr>
-              <a:t>, Editing, and Deleting </a:t>
-            </a:r>
-            <a:r>
-              <a:rPr lang="en-US" dirty="0" smtClean="0">
-                <a:solidFill>
-                  <a:srgbClr val="F5F5F5">
-                    <a:alpha val="50000"/>
-                  </a:srgbClr>
-                </a:solidFill>
-              </a:rPr>
-              <a:t>URLs</a:t>
-            </a:r>
-          </a:p>
-          <a:p>
-            <a:r>
-              <a:rPr lang="en-US" dirty="0" smtClean="0">
-                <a:solidFill>
-                  <a:srgbClr val="824040">
-                    <a:alpha val="50000"/>
-                  </a:srgbClr>
-                </a:solidFill>
-              </a:rPr>
-              <a:t> </a:t>
-            </a:r>
-            <a:r>
-              <a:rPr lang="en-US" dirty="0">
-                <a:solidFill>
-                  <a:srgbClr val="F5F5F5"/>
-                </a:solidFill>
-              </a:rPr>
-              <a:t>Searching</a:t>
-            </a:r>
-            <a:r>
-              <a:rPr lang="en-US" dirty="0"/>
-              <a:t> for </a:t>
-            </a:r>
-            <a:r>
-              <a:rPr lang="en-US" dirty="0" smtClean="0"/>
-              <a:t>Updates</a:t>
-            </a:r>
-          </a:p>
-          <a:p>
-            <a:r>
-              <a:rPr lang="en-US" dirty="0" smtClean="0">
-                <a:solidFill>
-                  <a:srgbClr val="824040">
-                    <a:alpha val="50000"/>
-                  </a:srgbClr>
-                </a:solidFill>
-              </a:rPr>
-              <a:t> </a:t>
-            </a:r>
-            <a:r>
-              <a:rPr lang="en-US" dirty="0" smtClean="0">
-                <a:solidFill>
-                  <a:srgbClr val="F5F5F5">
-                    <a:alpha val="50000"/>
-                  </a:srgbClr>
-                </a:solidFill>
-              </a:rPr>
-              <a:t>Updating</a:t>
-            </a:r>
-            <a:r>
-              <a:rPr lang="en-US" dirty="0" smtClean="0">
-                <a:solidFill>
-                  <a:srgbClr val="824040">
-                    <a:alpha val="50000"/>
-                  </a:srgbClr>
-                </a:solidFill>
-              </a:rPr>
-              <a:t> </a:t>
-            </a:r>
-            <a:r>
-              <a:rPr lang="en-US" dirty="0">
-                <a:solidFill>
-                  <a:srgbClr val="824040">
-                    <a:alpha val="50000"/>
-                  </a:srgbClr>
-                </a:solidFill>
-              </a:rPr>
-              <a:t>the Database and </a:t>
-            </a:r>
-            <a:r>
-              <a:rPr lang="en-US" dirty="0">
-                <a:solidFill>
-                  <a:srgbClr val="F5F5F5">
-                    <a:alpha val="50000"/>
-                  </a:srgbClr>
-                </a:solidFill>
-              </a:rPr>
-              <a:t>Sending</a:t>
-            </a:r>
-            <a:r>
-              <a:rPr lang="en-US" dirty="0">
-                <a:solidFill>
-                  <a:srgbClr val="824040">
-                    <a:alpha val="50000"/>
-                  </a:srgbClr>
-                </a:solidFill>
-              </a:rPr>
-              <a:t> Emails</a:t>
-            </a:r>
-          </a:p>
-        </p:txBody>
-      </p:sp>
-    </p:spTree>
-    <p:extLst>
-      <p:ext uri="{BB962C8B-B14F-4D97-AF65-F5344CB8AC3E}">
-        <p14:creationId xmlns:p14="http://schemas.microsoft.com/office/powerpoint/2010/main" val="4060571339"/>
-      </p:ext>
-    </p:extLst>
-  </p:cSld>
-  <p:clrMapOvr>
-    <a:masterClrMapping/>
-  </p:clrMapOvr>
-  <p:timing>
-    <p:tnLst>
-      <p:par>
-        <p:cTn id="1" dur="indefinite" restart="never" nodeType="tmRoot"/>
-      </p:par>
-    </p:tnLst>
-  </p:timing>
-</p:sld>
-</file>
-
-<file path=ppt/slides/slide21.xml><?xml version="1.0" encoding="utf-8"?>
 <p:sld xmlns:a="http://schemas.openxmlformats.org/drawingml/2006/main" xmlns:r="http://schemas.openxmlformats.org/officeDocument/2006/relationships" xmlns:p="http://schemas.openxmlformats.org/presentationml/2006/main">
   <p:cSld>
     <p:spTree>
@@ -6047,17 +5656,10 @@
   <p:clrMapOvr>
     <a:masterClrMapping/>
   </p:clrMapOvr>
-  <p:timing>
-    <p:tnLst>
-      <p:par>
-        <p:cTn id="1" dur="indefinite" restart="never" nodeType="tmRoot"/>
-      </p:par>
-    </p:tnLst>
-  </p:timing>
 </p:sld>
 </file>
 
-<file path=ppt/slides/slide22.xml><?xml version="1.0" encoding="utf-8"?>
+<file path=ppt/slides/slide21.xml><?xml version="1.0" encoding="utf-8"?>
 <p:sld xmlns:a="http://schemas.openxmlformats.org/drawingml/2006/main" xmlns:r="http://schemas.openxmlformats.org/officeDocument/2006/relationships" xmlns:p="http://schemas.openxmlformats.org/presentationml/2006/main">
   <p:cSld>
     <p:spTree>
@@ -6079,7 +5681,7 @@
           <p:cNvPr id="2" name="Title 1">
             <a:extLst>
               <a:ext uri="{FF2B5EF4-FFF2-40B4-BE49-F238E27FC236}">
-                <a16:creationId xmlns:a16="http://schemas.microsoft.com/office/drawing/2014/main" xmlns="" id="{259D0B7C-1D18-4B9B-9686-41CD01222471}"/>
+                <a16:creationId xmlns:a16="http://schemas.microsoft.com/office/drawing/2014/main" id="{259D0B7C-1D18-4B9B-9686-41CD01222471}"/>
               </a:ext>
             </a:extLst>
           </p:cNvPr>
@@ -6108,7 +5710,7 @@
           <p:cNvPr id="3" name="Content Placeholder 2">
             <a:extLst>
               <a:ext uri="{FF2B5EF4-FFF2-40B4-BE49-F238E27FC236}">
-                <a16:creationId xmlns:a16="http://schemas.microsoft.com/office/drawing/2014/main" xmlns="" id="{7171011C-A762-4A01-8962-0A7436AA633E}"/>
+                <a16:creationId xmlns:a16="http://schemas.microsoft.com/office/drawing/2014/main" id="{7171011C-A762-4A01-8962-0A7436AA633E}"/>
               </a:ext>
             </a:extLst>
           </p:cNvPr>
@@ -6125,7 +5727,7 @@
           <a:lstStyle/>
           <a:p>
             <a:r>
-              <a:rPr lang="en-US" dirty="0" smtClean="0">
+              <a:rPr lang="en-US" dirty="0">
                 <a:solidFill>
                   <a:srgbClr val="824040">
                     <a:alpha val="50000"/>
@@ -6135,7 +5737,7 @@
               <a:t> </a:t>
             </a:r>
             <a:r>
-              <a:rPr lang="en-US" dirty="0" smtClean="0">
+              <a:rPr lang="en-US" dirty="0">
                 <a:solidFill>
                   <a:srgbClr val="F5F5F5">
                     <a:alpha val="50000"/>
@@ -6145,7 +5747,7 @@
               <a:t>Database</a:t>
             </a:r>
             <a:r>
-              <a:rPr lang="en-US" dirty="0" smtClean="0">
+              <a:rPr lang="en-US" dirty="0">
                 <a:solidFill>
                   <a:srgbClr val="824040">
                     <a:alpha val="50000"/>
@@ -6154,17 +5756,10 @@
               </a:rPr>
               <a:t> Design</a:t>
             </a:r>
-            <a:endParaRPr lang="en-US" dirty="0" smtClean="0">
-              <a:solidFill>
-                <a:srgbClr val="824040">
-                  <a:alpha val="50000"/>
-                </a:srgbClr>
-              </a:solidFill>
-            </a:endParaRPr>
-          </a:p>
-          <a:p>
-            <a:r>
-              <a:rPr lang="en-US" dirty="0" smtClean="0">
+          </a:p>
+          <a:p>
+            <a:r>
+              <a:rPr lang="en-US" dirty="0">
                 <a:solidFill>
                   <a:srgbClr val="824040">
                     <a:alpha val="50000"/>
@@ -6214,7 +5809,7 @@
               <a:t>, and Logging </a:t>
             </a:r>
             <a:r>
-              <a:rPr lang="en-US" dirty="0" smtClean="0">
+              <a:rPr lang="en-US" dirty="0">
                 <a:solidFill>
                   <a:srgbClr val="F5F5F5">
                     <a:alpha val="50000"/>
@@ -6236,7 +5831,7 @@
               <a:t> </a:t>
             </a:r>
             <a:r>
-              <a:rPr lang="en-US" dirty="0" smtClean="0">
+              <a:rPr lang="en-US" dirty="0">
                 <a:solidFill>
                   <a:srgbClr val="F5F5F5">
                     <a:alpha val="50000"/>
@@ -6246,7 +5841,51 @@
               <a:t>Changing</a:t>
             </a:r>
             <a:r>
-              <a:rPr lang="en-US" dirty="0" smtClean="0">
+              <a:rPr lang="en-US" dirty="0">
+                <a:solidFill>
+                  <a:srgbClr val="824040">
+                    <a:alpha val="50000"/>
+                  </a:srgbClr>
+                </a:solidFill>
+              </a:rPr>
+              <a:t> Password and Account </a:t>
+            </a:r>
+            <a:r>
+              <a:rPr lang="en-US" dirty="0">
+                <a:solidFill>
+                  <a:srgbClr val="F5F5F5">
+                    <a:alpha val="50000"/>
+                  </a:srgbClr>
+                </a:solidFill>
+              </a:rPr>
+              <a:t>Recovery</a:t>
+            </a:r>
+          </a:p>
+          <a:p>
+            <a:r>
+              <a:rPr lang="en-US" dirty="0">
+                <a:solidFill>
+                  <a:srgbClr val="824040">
+                    <a:alpha val="50000"/>
+                  </a:srgbClr>
+                </a:solidFill>
+              </a:rPr>
+              <a:t> Adding, Editing, and Deleting </a:t>
+            </a:r>
+            <a:r>
+              <a:rPr lang="en-US" dirty="0">
+                <a:solidFill>
+                  <a:srgbClr val="F5F5F5">
+                    <a:alpha val="50000"/>
+                  </a:srgbClr>
+                </a:solidFill>
+              </a:rPr>
+              <a:t>URLs</a:t>
+            </a:r>
+          </a:p>
+          <a:p>
+            <a:r>
+              <a:rPr lang="en-US" dirty="0">
                 <a:solidFill>
                   <a:srgbClr val="824040">
                     <a:alpha val="50000"/>
@@ -6258,59 +5897,27 @@
             <a:r>
               <a:rPr lang="en-US" dirty="0">
                 <a:solidFill>
-                  <a:srgbClr val="824040">
-                    <a:alpha val="50000"/>
-                  </a:srgbClr>
-                </a:solidFill>
-              </a:rPr>
-              <a:t>Password and Account </a:t>
-            </a:r>
-            <a:r>
-              <a:rPr lang="en-US" dirty="0">
-                <a:solidFill>
                   <a:srgbClr val="F5F5F5">
                     <a:alpha val="50000"/>
                   </a:srgbClr>
                 </a:solidFill>
               </a:rPr>
-              <a:t>Recovery</a:t>
-            </a:r>
-          </a:p>
-          <a:p>
-            <a:r>
-              <a:rPr lang="en-US" dirty="0" smtClean="0">
-                <a:solidFill>
-                  <a:srgbClr val="824040">
-                    <a:alpha val="50000"/>
-                  </a:srgbClr>
-                </a:solidFill>
-              </a:rPr>
-              <a:t> Adding</a:t>
-            </a:r>
-            <a:r>
-              <a:rPr lang="en-US" dirty="0">
-                <a:solidFill>
-                  <a:srgbClr val="824040">
-                    <a:alpha val="50000"/>
-                  </a:srgbClr>
-                </a:solidFill>
-              </a:rPr>
-              <a:t>, Editing, and Deleting </a:t>
-            </a:r>
-            <a:r>
-              <a:rPr lang="en-US" dirty="0" smtClean="0">
-                <a:solidFill>
-                  <a:srgbClr val="F5F5F5">
-                    <a:alpha val="50000"/>
-                  </a:srgbClr>
-                </a:solidFill>
-              </a:rPr>
-              <a:t>URLs</a:t>
-            </a:r>
-          </a:p>
-          <a:p>
-            <a:r>
-              <a:rPr lang="en-US" dirty="0" smtClean="0">
+              <a:t>Searching</a:t>
+            </a:r>
+            <a:r>
+              <a:rPr lang="en-US" dirty="0">
+                <a:solidFill>
+                  <a:srgbClr val="824040">
+                    <a:alpha val="50000"/>
+                  </a:srgbClr>
+                </a:solidFill>
+              </a:rPr>
+              <a:t> for Updates</a:t>
+            </a:r>
+          </a:p>
+          <a:p>
+            <a:r>
+              <a:rPr lang="en-US" dirty="0">
                 <a:solidFill>
                   <a:srgbClr val="824040">
                     <a:alpha val="50000"/>
@@ -6320,59 +5927,7 @@
               <a:t> </a:t>
             </a:r>
             <a:r>
-              <a:rPr lang="en-US" dirty="0" smtClean="0">
-                <a:solidFill>
-                  <a:srgbClr val="F5F5F5">
-                    <a:alpha val="50000"/>
-                  </a:srgbClr>
-                </a:solidFill>
-              </a:rPr>
-              <a:t>Searching</a:t>
-            </a:r>
-            <a:r>
-              <a:rPr lang="en-US" dirty="0" smtClean="0">
-                <a:solidFill>
-                  <a:srgbClr val="824040">
-                    <a:alpha val="50000"/>
-                  </a:srgbClr>
-                </a:solidFill>
-              </a:rPr>
-              <a:t> </a:t>
-            </a:r>
-            <a:r>
-              <a:rPr lang="en-US" dirty="0">
-                <a:solidFill>
-                  <a:srgbClr val="824040">
-                    <a:alpha val="50000"/>
-                  </a:srgbClr>
-                </a:solidFill>
-              </a:rPr>
-              <a:t>for </a:t>
-            </a:r>
-            <a:r>
-              <a:rPr lang="en-US" dirty="0" smtClean="0">
-                <a:solidFill>
-                  <a:srgbClr val="824040">
-                    <a:alpha val="50000"/>
-                  </a:srgbClr>
-                </a:solidFill>
-              </a:rPr>
-              <a:t>Updates</a:t>
-            </a:r>
-          </a:p>
-          <a:p>
-            <a:r>
-              <a:rPr lang="en-US" dirty="0" smtClean="0">
-                <a:solidFill>
-                  <a:srgbClr val="824040">
-                    <a:alpha val="50000"/>
-                  </a:srgbClr>
-                </a:solidFill>
-              </a:rPr>
-              <a:t> </a:t>
-            </a:r>
-            <a:r>
-              <a:rPr lang="en-US" dirty="0">
+              <a:rPr lang="en-US" sz="3600" dirty="0">
                 <a:solidFill>
                   <a:srgbClr val="F5F5F5"/>
                 </a:solidFill>
@@ -6380,11 +5935,11 @@
               <a:t>Updating</a:t>
             </a:r>
             <a:r>
-              <a:rPr lang="en-US" dirty="0"/>
+              <a:rPr lang="en-US" sz="3600" dirty="0"/>
               <a:t> the Database</a:t>
             </a:r>
             <a:r>
-              <a:rPr lang="en-US" dirty="0" smtClean="0">
+              <a:rPr lang="en-US" sz="3600" dirty="0">
                 <a:solidFill>
                   <a:srgbClr val="824040">
                     <a:alpha val="50000"/>
@@ -6436,17 +5991,10 @@
   <p:clrMapOvr>
     <a:masterClrMapping/>
   </p:clrMapOvr>
-  <p:timing>
-    <p:tnLst>
-      <p:par>
-        <p:cTn id="1" dur="indefinite" restart="never" nodeType="tmRoot"/>
-      </p:par>
-    </p:tnLst>
-  </p:timing>
 </p:sld>
 </file>
 
-<file path=ppt/slides/slide23.xml><?xml version="1.0" encoding="utf-8"?>
+<file path=ppt/slides/slide22.xml><?xml version="1.0" encoding="utf-8"?>
 <p:sld xmlns:a="http://schemas.openxmlformats.org/drawingml/2006/main" xmlns:r="http://schemas.openxmlformats.org/officeDocument/2006/relationships" xmlns:p="http://schemas.openxmlformats.org/presentationml/2006/main">
   <p:cSld>
     <p:spTree>
@@ -6533,17 +6081,10 @@
   <p:clrMapOvr>
     <a:masterClrMapping/>
   </p:clrMapOvr>
-  <p:timing>
-    <p:tnLst>
-      <p:par>
-        <p:cTn id="1" dur="indefinite" restart="never" nodeType="tmRoot"/>
-      </p:par>
-    </p:tnLst>
-  </p:timing>
 </p:sld>
 </file>
 
-<file path=ppt/slides/slide24.xml><?xml version="1.0" encoding="utf-8"?>
+<file path=ppt/slides/slide23.xml><?xml version="1.0" encoding="utf-8"?>
 <p:sld xmlns:a="http://schemas.openxmlformats.org/drawingml/2006/main" xmlns:r="http://schemas.openxmlformats.org/officeDocument/2006/relationships" xmlns:p="http://schemas.openxmlformats.org/presentationml/2006/main">
   <p:cSld>
     <p:spTree>
@@ -6565,7 +6106,7 @@
           <p:cNvPr id="2" name="Title 1">
             <a:extLst>
               <a:ext uri="{FF2B5EF4-FFF2-40B4-BE49-F238E27FC236}">
-                <a16:creationId xmlns:a16="http://schemas.microsoft.com/office/drawing/2014/main" xmlns="" id="{259D0B7C-1D18-4B9B-9686-41CD01222471}"/>
+                <a16:creationId xmlns:a16="http://schemas.microsoft.com/office/drawing/2014/main" id="{259D0B7C-1D18-4B9B-9686-41CD01222471}"/>
               </a:ext>
             </a:extLst>
           </p:cNvPr>
@@ -6594,7 +6135,7 @@
           <p:cNvPr id="3" name="Content Placeholder 2">
             <a:extLst>
               <a:ext uri="{FF2B5EF4-FFF2-40B4-BE49-F238E27FC236}">
-                <a16:creationId xmlns:a16="http://schemas.microsoft.com/office/drawing/2014/main" xmlns="" id="{7171011C-A762-4A01-8962-0A7436AA633E}"/>
+                <a16:creationId xmlns:a16="http://schemas.microsoft.com/office/drawing/2014/main" id="{7171011C-A762-4A01-8962-0A7436AA633E}"/>
               </a:ext>
             </a:extLst>
           </p:cNvPr>
@@ -6611,7 +6152,7 @@
           <a:lstStyle/>
           <a:p>
             <a:r>
-              <a:rPr lang="en-US" dirty="0" smtClean="0">
+              <a:rPr lang="en-US" dirty="0">
                 <a:solidFill>
                   <a:srgbClr val="824040">
                     <a:alpha val="50000"/>
@@ -6621,7 +6162,7 @@
               <a:t> </a:t>
             </a:r>
             <a:r>
-              <a:rPr lang="en-US" dirty="0" smtClean="0">
+              <a:rPr lang="en-US" dirty="0">
                 <a:solidFill>
                   <a:srgbClr val="F5F5F5">
                     <a:alpha val="50000"/>
@@ -6631,7 +6172,7 @@
               <a:t>Database</a:t>
             </a:r>
             <a:r>
-              <a:rPr lang="en-US" dirty="0" smtClean="0">
+              <a:rPr lang="en-US" dirty="0">
                 <a:solidFill>
                   <a:srgbClr val="824040">
                     <a:alpha val="50000"/>
@@ -6640,17 +6181,10 @@
               </a:rPr>
               <a:t> Design</a:t>
             </a:r>
-            <a:endParaRPr lang="en-US" dirty="0" smtClean="0">
-              <a:solidFill>
-                <a:srgbClr val="824040">
-                  <a:alpha val="50000"/>
-                </a:srgbClr>
-              </a:solidFill>
-            </a:endParaRPr>
-          </a:p>
-          <a:p>
-            <a:r>
-              <a:rPr lang="en-US" dirty="0" smtClean="0">
+          </a:p>
+          <a:p>
+            <a:r>
+              <a:rPr lang="en-US" dirty="0">
                 <a:solidFill>
                   <a:srgbClr val="824040">
                     <a:alpha val="50000"/>
@@ -6700,7 +6234,7 @@
               <a:t>, and Logging </a:t>
             </a:r>
             <a:r>
-              <a:rPr lang="en-US" dirty="0" smtClean="0">
+              <a:rPr lang="en-US" dirty="0">
                 <a:solidFill>
                   <a:srgbClr val="F5F5F5">
                     <a:alpha val="50000"/>
@@ -6722,7 +6256,7 @@
               <a:t> </a:t>
             </a:r>
             <a:r>
-              <a:rPr lang="en-US" dirty="0" smtClean="0">
+              <a:rPr lang="en-US" dirty="0">
                 <a:solidFill>
                   <a:srgbClr val="F5F5F5">
                     <a:alpha val="50000"/>
@@ -6732,7 +6266,51 @@
               <a:t>Changing</a:t>
             </a:r>
             <a:r>
-              <a:rPr lang="en-US" dirty="0" smtClean="0">
+              <a:rPr lang="en-US" dirty="0">
+                <a:solidFill>
+                  <a:srgbClr val="824040">
+                    <a:alpha val="50000"/>
+                  </a:srgbClr>
+                </a:solidFill>
+              </a:rPr>
+              <a:t> Password and Account </a:t>
+            </a:r>
+            <a:r>
+              <a:rPr lang="en-US" dirty="0">
+                <a:solidFill>
+                  <a:srgbClr val="F5F5F5">
+                    <a:alpha val="50000"/>
+                  </a:srgbClr>
+                </a:solidFill>
+              </a:rPr>
+              <a:t>Recovery</a:t>
+            </a:r>
+          </a:p>
+          <a:p>
+            <a:r>
+              <a:rPr lang="en-US" dirty="0">
+                <a:solidFill>
+                  <a:srgbClr val="824040">
+                    <a:alpha val="50000"/>
+                  </a:srgbClr>
+                </a:solidFill>
+              </a:rPr>
+              <a:t> Adding, Editing, and Deleting </a:t>
+            </a:r>
+            <a:r>
+              <a:rPr lang="en-US" dirty="0">
+                <a:solidFill>
+                  <a:srgbClr val="F5F5F5">
+                    <a:alpha val="50000"/>
+                  </a:srgbClr>
+                </a:solidFill>
+              </a:rPr>
+              <a:t>URLs</a:t>
+            </a:r>
+          </a:p>
+          <a:p>
+            <a:r>
+              <a:rPr lang="en-US" dirty="0">
                 <a:solidFill>
                   <a:srgbClr val="824040">
                     <a:alpha val="50000"/>
@@ -6744,151 +6322,57 @@
             <a:r>
               <a:rPr lang="en-US" dirty="0">
                 <a:solidFill>
-                  <a:srgbClr val="824040">
-                    <a:alpha val="50000"/>
-                  </a:srgbClr>
-                </a:solidFill>
-              </a:rPr>
-              <a:t>Password and Account </a:t>
-            </a:r>
-            <a:r>
-              <a:rPr lang="en-US" dirty="0">
-                <a:solidFill>
                   <a:srgbClr val="F5F5F5">
                     <a:alpha val="50000"/>
                   </a:srgbClr>
                 </a:solidFill>
               </a:rPr>
-              <a:t>Recovery</a:t>
-            </a:r>
-          </a:p>
-          <a:p>
-            <a:r>
-              <a:rPr lang="en-US" dirty="0" smtClean="0">
-                <a:solidFill>
-                  <a:srgbClr val="824040">
-                    <a:alpha val="50000"/>
-                  </a:srgbClr>
-                </a:solidFill>
-              </a:rPr>
-              <a:t> Adding</a:t>
-            </a:r>
-            <a:r>
-              <a:rPr lang="en-US" dirty="0">
-                <a:solidFill>
-                  <a:srgbClr val="824040">
-                    <a:alpha val="50000"/>
-                  </a:srgbClr>
-                </a:solidFill>
-              </a:rPr>
-              <a:t>, Editing, and Deleting </a:t>
-            </a:r>
-            <a:r>
-              <a:rPr lang="en-US" dirty="0" smtClean="0">
+              <a:t>Searching</a:t>
+            </a:r>
+            <a:r>
+              <a:rPr lang="en-US" dirty="0">
+                <a:solidFill>
+                  <a:srgbClr val="824040">
+                    <a:alpha val="50000"/>
+                  </a:srgbClr>
+                </a:solidFill>
+              </a:rPr>
+              <a:t> for Updates</a:t>
+            </a:r>
+          </a:p>
+          <a:p>
+            <a:r>
+              <a:rPr lang="en-US" dirty="0">
+                <a:solidFill>
+                  <a:srgbClr val="824040">
+                    <a:alpha val="50000"/>
+                  </a:srgbClr>
+                </a:solidFill>
+              </a:rPr>
+              <a:t> </a:t>
+            </a:r>
+            <a:r>
+              <a:rPr lang="en-US" dirty="0">
                 <a:solidFill>
                   <a:srgbClr val="F5F5F5">
                     <a:alpha val="50000"/>
                   </a:srgbClr>
                 </a:solidFill>
               </a:rPr>
-              <a:t>URLs</a:t>
-            </a:r>
-          </a:p>
-          <a:p>
-            <a:r>
-              <a:rPr lang="en-US" dirty="0" smtClean="0">
-                <a:solidFill>
-                  <a:srgbClr val="824040">
-                    <a:alpha val="50000"/>
-                  </a:srgbClr>
-                </a:solidFill>
-              </a:rPr>
-              <a:t> </a:t>
-            </a:r>
-            <a:r>
-              <a:rPr lang="en-US" dirty="0" smtClean="0">
-                <a:solidFill>
-                  <a:srgbClr val="F5F5F5">
-                    <a:alpha val="50000"/>
-                  </a:srgbClr>
-                </a:solidFill>
-              </a:rPr>
-              <a:t>Searching</a:t>
-            </a:r>
-            <a:r>
-              <a:rPr lang="en-US" dirty="0" smtClean="0">
-                <a:solidFill>
-                  <a:srgbClr val="824040">
-                    <a:alpha val="50000"/>
-                  </a:srgbClr>
-                </a:solidFill>
-              </a:rPr>
-              <a:t> </a:t>
-            </a:r>
-            <a:r>
-              <a:rPr lang="en-US" dirty="0">
-                <a:solidFill>
-                  <a:srgbClr val="824040">
-                    <a:alpha val="50000"/>
-                  </a:srgbClr>
-                </a:solidFill>
-              </a:rPr>
-              <a:t>for </a:t>
-            </a:r>
-            <a:r>
-              <a:rPr lang="en-US" dirty="0" smtClean="0">
-                <a:solidFill>
-                  <a:srgbClr val="824040">
-                    <a:alpha val="50000"/>
-                  </a:srgbClr>
-                </a:solidFill>
-              </a:rPr>
-              <a:t>Updates</a:t>
-            </a:r>
-          </a:p>
-          <a:p>
-            <a:r>
-              <a:rPr lang="en-US" dirty="0" smtClean="0">
-                <a:solidFill>
-                  <a:srgbClr val="824040">
-                    <a:alpha val="50000"/>
-                  </a:srgbClr>
-                </a:solidFill>
-              </a:rPr>
-              <a:t> </a:t>
-            </a:r>
-            <a:r>
-              <a:rPr lang="en-US" dirty="0" smtClean="0">
-                <a:solidFill>
-                  <a:srgbClr val="F5F5F5">
-                    <a:alpha val="50000"/>
-                  </a:srgbClr>
-                </a:solidFill>
-              </a:rPr>
               <a:t>Updating</a:t>
             </a:r>
             <a:r>
-              <a:rPr lang="en-US" dirty="0" smtClean="0">
-                <a:solidFill>
-                  <a:srgbClr val="824040">
-                    <a:alpha val="50000"/>
-                  </a:srgbClr>
-                </a:solidFill>
-              </a:rPr>
-              <a:t> </a:t>
-            </a:r>
-            <a:r>
-              <a:rPr lang="en-US" dirty="0">
-                <a:solidFill>
-                  <a:srgbClr val="824040">
-                    <a:alpha val="50000"/>
-                  </a:srgbClr>
-                </a:solidFill>
-              </a:rPr>
-              <a:t>the Database and </a:t>
-            </a:r>
-            <a:r>
-              <a:rPr lang="en-US" dirty="0">
+              <a:rPr lang="en-US" dirty="0">
+                <a:solidFill>
+                  <a:srgbClr val="824040">
+                    <a:alpha val="50000"/>
+                  </a:srgbClr>
+                </a:solidFill>
+              </a:rPr>
+              <a:t> the Database and </a:t>
+            </a:r>
+            <a:r>
+              <a:rPr lang="en-US" sz="3600" dirty="0">
                 <a:solidFill>
                   <a:srgbClr val="F5F5F5"/>
                 </a:solidFill>
@@ -6896,7 +6380,7 @@
               <a:t>Sending</a:t>
             </a:r>
             <a:r>
-              <a:rPr lang="en-US" dirty="0"/>
+              <a:rPr lang="en-US" sz="3600" dirty="0"/>
               <a:t> Emails</a:t>
             </a:r>
             <a:endParaRPr lang="en-US" dirty="0">
@@ -6919,17 +6403,10 @@
   <p:clrMapOvr>
     <a:masterClrMapping/>
   </p:clrMapOvr>
-  <p:timing>
-    <p:tnLst>
-      <p:par>
-        <p:cTn id="1" dur="indefinite" restart="never" nodeType="tmRoot"/>
-      </p:par>
-    </p:tnLst>
-  </p:timing>
 </p:sld>
 </file>
 
-<file path=ppt/slides/slide25.xml><?xml version="1.0" encoding="utf-8"?>
+<file path=ppt/slides/slide24.xml><?xml version="1.0" encoding="utf-8"?>
 <p:sld xmlns:a="http://schemas.openxmlformats.org/drawingml/2006/main" xmlns:r="http://schemas.openxmlformats.org/officeDocument/2006/relationships" xmlns:p="http://schemas.openxmlformats.org/presentationml/2006/main">
   <p:cSld>
     <p:spTree>
@@ -7016,13 +6493,175 @@
   <p:clrMapOvr>
     <a:masterClrMapping/>
   </p:clrMapOvr>
-  <p:timing>
-    <p:tnLst>
-      <p:par>
-        <p:cTn id="1" dur="indefinite" restart="never" nodeType="tmRoot"/>
-      </p:par>
-    </p:tnLst>
-  </p:timing>
+</p:sld>
+</file>
+
+<file path=ppt/slides/slide25.xml><?xml version="1.0" encoding="utf-8"?>
+<p:sld xmlns:a="http://schemas.openxmlformats.org/drawingml/2006/main" xmlns:r="http://schemas.openxmlformats.org/officeDocument/2006/relationships" xmlns:p="http://schemas.openxmlformats.org/presentationml/2006/main">
+  <p:cSld>
+    <p:spTree>
+      <p:nvGrpSpPr>
+        <p:cNvPr id="1" name=""/>
+        <p:cNvGrpSpPr/>
+        <p:nvPr/>
+      </p:nvGrpSpPr>
+      <p:grpSpPr>
+        <a:xfrm>
+          <a:off x="0" y="0"/>
+          <a:ext cx="0" cy="0"/>
+          <a:chOff x="0" y="0"/>
+          <a:chExt cx="0" cy="0"/>
+        </a:xfrm>
+      </p:grpSpPr>
+      <p:sp>
+        <p:nvSpPr>
+          <p:cNvPr id="2" name="Title 1">
+            <a:extLst>
+              <a:ext uri="{FF2B5EF4-FFF2-40B4-BE49-F238E27FC236}">
+                <a16:creationId xmlns:a16="http://schemas.microsoft.com/office/drawing/2014/main" id="{A0EFC9D0-35F5-483E-86FE-4B2083D4CCE8}"/>
+              </a:ext>
+            </a:extLst>
+          </p:cNvPr>
+          <p:cNvSpPr>
+            <a:spLocks noGrp="1"/>
+          </p:cNvSpPr>
+          <p:nvPr>
+            <p:ph type="title"/>
+          </p:nvPr>
+        </p:nvSpPr>
+        <p:spPr/>
+        <p:txBody>
+          <a:bodyPr/>
+          <a:lstStyle/>
+          <a:p>
+            <a:pPr algn="ctr"/>
+            <a:r>
+              <a:rPr lang="en-US" dirty="0"/>
+              <a:t>The Tools We Used</a:t>
+            </a:r>
+          </a:p>
+        </p:txBody>
+      </p:sp>
+      <p:sp>
+        <p:nvSpPr>
+          <p:cNvPr id="3" name="Content Placeholder 2">
+            <a:extLst>
+              <a:ext uri="{FF2B5EF4-FFF2-40B4-BE49-F238E27FC236}">
+                <a16:creationId xmlns:a16="http://schemas.microsoft.com/office/drawing/2014/main" id="{323EF7F1-8AC4-4144-AEE5-821E1DE879E1}"/>
+              </a:ext>
+            </a:extLst>
+          </p:cNvPr>
+          <p:cNvSpPr>
+            <a:spLocks noGrp="1"/>
+          </p:cNvSpPr>
+          <p:nvPr>
+            <p:ph idx="1"/>
+          </p:nvPr>
+        </p:nvSpPr>
+        <p:spPr/>
+        <p:txBody>
+          <a:bodyPr/>
+          <a:lstStyle/>
+          <a:p>
+            <a:r>
+              <a:rPr lang="en-US" dirty="0"/>
+              <a:t> </a:t>
+            </a:r>
+            <a:r>
+              <a:rPr lang="en-US" dirty="0">
+                <a:solidFill>
+                  <a:srgbClr val="F5F5F5"/>
+                </a:solidFill>
+              </a:rPr>
+              <a:t>XAMPP</a:t>
+            </a:r>
+            <a:r>
+              <a:rPr lang="en-US" dirty="0"/>
+              <a:t> (Cross-platform, Apache, </a:t>
+            </a:r>
+            <a:r>
+              <a:rPr lang="en-US" dirty="0" err="1"/>
+              <a:t>MariaDB</a:t>
+            </a:r>
+            <a:r>
+              <a:rPr lang="en-US" dirty="0"/>
+              <a:t>, PHP, and Perl)</a:t>
+            </a:r>
+          </a:p>
+          <a:p>
+            <a:endParaRPr lang="en-US" dirty="0"/>
+          </a:p>
+          <a:p>
+            <a:r>
+              <a:rPr lang="en-US" dirty="0"/>
+              <a:t> Apache for </a:t>
+            </a:r>
+            <a:r>
+              <a:rPr lang="en-US" dirty="0">
+                <a:solidFill>
+                  <a:srgbClr val="F5F5F5"/>
+                </a:solidFill>
+              </a:rPr>
+              <a:t>Server</a:t>
+            </a:r>
+          </a:p>
+          <a:p>
+            <a:endParaRPr lang="en-US" dirty="0"/>
+          </a:p>
+          <a:p>
+            <a:r>
+              <a:rPr lang="en-US" dirty="0"/>
+              <a:t> HTML, MySQL, PHP, and CSS for the </a:t>
+            </a:r>
+            <a:r>
+              <a:rPr lang="en-US" dirty="0">
+                <a:solidFill>
+                  <a:srgbClr val="F5F5F5"/>
+                </a:solidFill>
+              </a:rPr>
+              <a:t>Website</a:t>
+            </a:r>
+          </a:p>
+          <a:p>
+            <a:endParaRPr lang="en-US" dirty="0"/>
+          </a:p>
+          <a:p>
+            <a:r>
+              <a:rPr lang="en-US" dirty="0"/>
+              <a:t> </a:t>
+            </a:r>
+            <a:r>
+              <a:rPr lang="en-US" dirty="0" err="1"/>
+              <a:t>PHPMyAdmin</a:t>
+            </a:r>
+            <a:r>
+              <a:rPr lang="en-US" dirty="0"/>
+              <a:t> for Front-End </a:t>
+            </a:r>
+            <a:r>
+              <a:rPr lang="en-US" dirty="0">
+                <a:solidFill>
+                  <a:srgbClr val="F5F5F5"/>
+                </a:solidFill>
+              </a:rPr>
+              <a:t>Database GUI</a:t>
+            </a:r>
+          </a:p>
+          <a:p>
+            <a:endParaRPr lang="en-US" dirty="0"/>
+          </a:p>
+        </p:txBody>
+      </p:sp>
+    </p:spTree>
+    <p:extLst>
+      <p:ext uri="{BB962C8B-B14F-4D97-AF65-F5344CB8AC3E}">
+        <p14:creationId xmlns:p14="http://schemas.microsoft.com/office/powerpoint/2010/main" val="1621738832"/>
+      </p:ext>
+    </p:extLst>
+  </p:cSld>
+  <p:clrMapOvr>
+    <a:masterClrMapping/>
+  </p:clrMapOvr>
 </p:sld>
 </file>
 
@@ -7043,204 +6682,12 @@
           <a:chExt cx="0" cy="0"/>
         </a:xfrm>
       </p:grpSpPr>
-      <p:sp>
-        <p:nvSpPr>
-          <p:cNvPr id="2" name="Title 1">
-            <a:extLst>
-              <a:ext uri="{FF2B5EF4-FFF2-40B4-BE49-F238E27FC236}">
-                <a16:creationId xmlns:a16="http://schemas.microsoft.com/office/drawing/2014/main" xmlns="" id="{A0EFC9D0-35F5-483E-86FE-4B2083D4CCE8}"/>
-              </a:ext>
-            </a:extLst>
-          </p:cNvPr>
-          <p:cNvSpPr>
-            <a:spLocks noGrp="1"/>
-          </p:cNvSpPr>
-          <p:nvPr>
-            <p:ph type="title"/>
-          </p:nvPr>
-        </p:nvSpPr>
-        <p:spPr/>
-        <p:txBody>
-          <a:bodyPr/>
-          <a:lstStyle/>
-          <a:p>
-            <a:pPr algn="ctr"/>
-            <a:r>
-              <a:rPr lang="en-US" dirty="0"/>
-              <a:t>The Tools We Used</a:t>
-            </a:r>
-          </a:p>
-        </p:txBody>
-      </p:sp>
-      <p:sp>
-        <p:nvSpPr>
-          <p:cNvPr id="3" name="Content Placeholder 2">
-            <a:extLst>
-              <a:ext uri="{FF2B5EF4-FFF2-40B4-BE49-F238E27FC236}">
-                <a16:creationId xmlns:a16="http://schemas.microsoft.com/office/drawing/2014/main" xmlns="" id="{323EF7F1-8AC4-4144-AEE5-821E1DE879E1}"/>
-              </a:ext>
-            </a:extLst>
-          </p:cNvPr>
-          <p:cNvSpPr>
-            <a:spLocks noGrp="1"/>
-          </p:cNvSpPr>
-          <p:nvPr>
-            <p:ph idx="1"/>
-          </p:nvPr>
-        </p:nvSpPr>
-        <p:spPr/>
-        <p:txBody>
-          <a:bodyPr/>
-          <a:lstStyle/>
-          <a:p>
-            <a:r>
-              <a:rPr lang="en-US" dirty="0" smtClean="0"/>
-              <a:t> </a:t>
-            </a:r>
-            <a:r>
-              <a:rPr lang="en-US" dirty="0" smtClean="0">
-                <a:solidFill>
-                  <a:srgbClr val="F5F5F5"/>
-                </a:solidFill>
-              </a:rPr>
-              <a:t>XAMPP</a:t>
-            </a:r>
-            <a:r>
-              <a:rPr lang="en-US" dirty="0" smtClean="0"/>
-              <a:t> </a:t>
-            </a:r>
-            <a:r>
-              <a:rPr lang="en-US" dirty="0"/>
-              <a:t>(Cross-platform, Apache, </a:t>
-            </a:r>
-            <a:r>
-              <a:rPr lang="en-US" dirty="0" err="1"/>
-              <a:t>MariaDB</a:t>
-            </a:r>
-            <a:r>
-              <a:rPr lang="en-US" dirty="0"/>
-              <a:t>, PHP, and Perl)</a:t>
-            </a:r>
-          </a:p>
-          <a:p>
-            <a:endParaRPr lang="en-US" dirty="0"/>
-          </a:p>
-          <a:p>
-            <a:r>
-              <a:rPr lang="en-US" dirty="0" smtClean="0"/>
-              <a:t> Apache </a:t>
-            </a:r>
-            <a:r>
-              <a:rPr lang="en-US" dirty="0"/>
-              <a:t>for </a:t>
-            </a:r>
-            <a:r>
-              <a:rPr lang="en-US" dirty="0">
-                <a:solidFill>
-                  <a:srgbClr val="F5F5F5"/>
-                </a:solidFill>
-              </a:rPr>
-              <a:t>Server</a:t>
-            </a:r>
-          </a:p>
-          <a:p>
-            <a:endParaRPr lang="en-US" dirty="0"/>
-          </a:p>
-          <a:p>
-            <a:r>
-              <a:rPr lang="en-US" dirty="0" smtClean="0"/>
-              <a:t> HTML</a:t>
-            </a:r>
-            <a:r>
-              <a:rPr lang="en-US" dirty="0"/>
-              <a:t>, MySQL, PHP, and CSS for the </a:t>
-            </a:r>
-            <a:r>
-              <a:rPr lang="en-US" dirty="0">
-                <a:solidFill>
-                  <a:srgbClr val="F5F5F5"/>
-                </a:solidFill>
-              </a:rPr>
-              <a:t>Website</a:t>
-            </a:r>
-          </a:p>
-          <a:p>
-            <a:endParaRPr lang="en-US" dirty="0"/>
-          </a:p>
-          <a:p>
-            <a:r>
-              <a:rPr lang="en-US" dirty="0" smtClean="0"/>
-              <a:t> </a:t>
-            </a:r>
-            <a:r>
-              <a:rPr lang="en-US" dirty="0" err="1" smtClean="0"/>
-              <a:t>PHPMyAdmin</a:t>
-            </a:r>
-            <a:r>
-              <a:rPr lang="en-US" dirty="0" smtClean="0"/>
-              <a:t> </a:t>
-            </a:r>
-            <a:r>
-              <a:rPr lang="en-US" dirty="0"/>
-              <a:t>for Front-End </a:t>
-            </a:r>
-            <a:r>
-              <a:rPr lang="en-US" dirty="0">
-                <a:solidFill>
-                  <a:srgbClr val="F5F5F5"/>
-                </a:solidFill>
-              </a:rPr>
-              <a:t>Database GUI</a:t>
-            </a:r>
-          </a:p>
-          <a:p>
-            <a:endParaRPr lang="en-US" dirty="0"/>
-          </a:p>
-        </p:txBody>
-      </p:sp>
-    </p:spTree>
-    <p:extLst>
-      <p:ext uri="{BB962C8B-B14F-4D97-AF65-F5344CB8AC3E}">
-        <p14:creationId xmlns:p14="http://schemas.microsoft.com/office/powerpoint/2010/main" val="1621738832"/>
-      </p:ext>
-    </p:extLst>
-  </p:cSld>
-  <p:clrMapOvr>
-    <a:masterClrMapping/>
-  </p:clrMapOvr>
-  <p:timing>
-    <p:tnLst>
-      <p:par>
-        <p:cTn id="1" dur="indefinite" restart="never" nodeType="tmRoot"/>
-      </p:par>
-    </p:tnLst>
-  </p:timing>
-</p:sld>
-</file>
-
-<file path=ppt/slides/slide27.xml><?xml version="1.0" encoding="utf-8"?>
-<p:sld xmlns:a="http://schemas.openxmlformats.org/drawingml/2006/main" xmlns:r="http://schemas.openxmlformats.org/officeDocument/2006/relationships" xmlns:p="http://schemas.openxmlformats.org/presentationml/2006/main">
-  <p:cSld>
-    <p:spTree>
-      <p:nvGrpSpPr>
-        <p:cNvPr id="1" name=""/>
-        <p:cNvGrpSpPr/>
-        <p:nvPr/>
-      </p:nvGrpSpPr>
-      <p:grpSpPr>
-        <a:xfrm>
-          <a:off x="0" y="0"/>
-          <a:ext cx="0" cy="0"/>
-          <a:chOff x="0" y="0"/>
-          <a:chExt cx="0" cy="0"/>
-        </a:xfrm>
-      </p:grpSpPr>
       <p:pic>
         <p:nvPicPr>
           <p:cNvPr id="4" name="Content Placeholder 3">
             <a:extLst>
               <a:ext uri="{FF2B5EF4-FFF2-40B4-BE49-F238E27FC236}">
-                <a16:creationId xmlns:a16="http://schemas.microsoft.com/office/drawing/2014/main" xmlns="" id="{8DB778F2-E62C-431C-AB5C-C95A5E966A35}"/>
+                <a16:creationId xmlns:a16="http://schemas.microsoft.com/office/drawing/2014/main" id="{8DB778F2-E62C-431C-AB5C-C95A5E966A35}"/>
               </a:ext>
             </a:extLst>
           </p:cNvPr>
@@ -7272,7 +6719,7 @@
           <p:cNvPr id="2" name="Title 1">
             <a:extLst>
               <a:ext uri="{FF2B5EF4-FFF2-40B4-BE49-F238E27FC236}">
-                <a16:creationId xmlns:a16="http://schemas.microsoft.com/office/drawing/2014/main" xmlns="" id="{99C8C8EE-289C-4B9D-AE46-EAE4F3CEB2EE}"/>
+                <a16:creationId xmlns:a16="http://schemas.microsoft.com/office/drawing/2014/main" id="{99C8C8EE-289C-4B9D-AE46-EAE4F3CEB2EE}"/>
               </a:ext>
             </a:extLst>
           </p:cNvPr>
@@ -7297,7 +6744,7 @@
           <a:p>
             <a:pPr algn="ctr"/>
             <a:r>
-              <a:rPr lang="en-US" kern="1200" dirty="0" err="1" smtClean="0"/>
+              <a:rPr lang="en-US" kern="1200" dirty="0" err="1"/>
               <a:t>PhpMyAdmin</a:t>
             </a:r>
             <a:endParaRPr lang="en-US" kern="1200" dirty="0"/>
@@ -7309,7 +6756,7 @@
           <p:cNvPr id="7" name="Straight Arrow Connector 6">
             <a:extLst>
               <a:ext uri="{FF2B5EF4-FFF2-40B4-BE49-F238E27FC236}">
-                <a16:creationId xmlns:a16="http://schemas.microsoft.com/office/drawing/2014/main" xmlns="" id="{32652254-0F18-49F4-97E2-7E449140EE5C}"/>
+                <a16:creationId xmlns:a16="http://schemas.microsoft.com/office/drawing/2014/main" id="{32652254-0F18-49F4-97E2-7E449140EE5C}"/>
               </a:ext>
             </a:extLst>
           </p:cNvPr>
@@ -7350,7 +6797,7 @@
           <p:cNvPr id="10" name="Straight Arrow Connector 9">
             <a:extLst>
               <a:ext uri="{FF2B5EF4-FFF2-40B4-BE49-F238E27FC236}">
-                <a16:creationId xmlns:a16="http://schemas.microsoft.com/office/drawing/2014/main" xmlns="" id="{56724CE6-E70B-4E1B-B8A3-8AB76323C576}"/>
+                <a16:creationId xmlns:a16="http://schemas.microsoft.com/office/drawing/2014/main" id="{56724CE6-E70B-4E1B-B8A3-8AB76323C576}"/>
               </a:ext>
             </a:extLst>
           </p:cNvPr>
@@ -7391,7 +6838,7 @@
           <p:cNvPr id="13" name="Straight Arrow Connector 12">
             <a:extLst>
               <a:ext uri="{FF2B5EF4-FFF2-40B4-BE49-F238E27FC236}">
-                <a16:creationId xmlns:a16="http://schemas.microsoft.com/office/drawing/2014/main" xmlns="" id="{26E3BA7C-8B5C-483D-A705-96552F0BEE06}"/>
+                <a16:creationId xmlns:a16="http://schemas.microsoft.com/office/drawing/2014/main" id="{26E3BA7C-8B5C-483D-A705-96552F0BEE06}"/>
               </a:ext>
             </a:extLst>
           </p:cNvPr>
@@ -7435,7 +6882,7 @@
           <p:cNvPr id="15" name="Straight Arrow Connector 14">
             <a:extLst>
               <a:ext uri="{FF2B5EF4-FFF2-40B4-BE49-F238E27FC236}">
-                <a16:creationId xmlns:a16="http://schemas.microsoft.com/office/drawing/2014/main" xmlns="" id="{05C11018-9C22-4371-BEDE-2B0C0B415095}"/>
+                <a16:creationId xmlns:a16="http://schemas.microsoft.com/office/drawing/2014/main" id="{05C11018-9C22-4371-BEDE-2B0C0B415095}"/>
               </a:ext>
             </a:extLst>
           </p:cNvPr>
@@ -7479,7 +6926,7 @@
           <p:cNvPr id="26" name="Straight Arrow Connector 25">
             <a:extLst>
               <a:ext uri="{FF2B5EF4-FFF2-40B4-BE49-F238E27FC236}">
-                <a16:creationId xmlns:a16="http://schemas.microsoft.com/office/drawing/2014/main" xmlns="" id="{B51B42E7-DA54-4898-A1E8-71D8E36299FE}"/>
+                <a16:creationId xmlns:a16="http://schemas.microsoft.com/office/drawing/2014/main" id="{B51B42E7-DA54-4898-A1E8-71D8E36299FE}"/>
               </a:ext>
             </a:extLst>
           </p:cNvPr>
@@ -7518,7 +6965,7 @@
           <p:cNvPr id="27" name="Straight Arrow Connector 26">
             <a:extLst>
               <a:ext uri="{FF2B5EF4-FFF2-40B4-BE49-F238E27FC236}">
-                <a16:creationId xmlns:a16="http://schemas.microsoft.com/office/drawing/2014/main" xmlns="" id="{369BE940-CEE1-4F65-A4F2-717A58F882CE}"/>
+                <a16:creationId xmlns:a16="http://schemas.microsoft.com/office/drawing/2014/main" id="{369BE940-CEE1-4F65-A4F2-717A58F882CE}"/>
               </a:ext>
             </a:extLst>
           </p:cNvPr>
@@ -7557,7 +7004,7 @@
           <p:cNvPr id="6" name="TextBox 5">
             <a:extLst>
               <a:ext uri="{FF2B5EF4-FFF2-40B4-BE49-F238E27FC236}">
-                <a16:creationId xmlns:a16="http://schemas.microsoft.com/office/drawing/2014/main" xmlns="" id="{9436A662-B673-4E9A-93B8-BDBCE97C5F2C}"/>
+                <a16:creationId xmlns:a16="http://schemas.microsoft.com/office/drawing/2014/main" id="{9436A662-B673-4E9A-93B8-BDBCE97C5F2C}"/>
               </a:ext>
             </a:extLst>
           </p:cNvPr>
@@ -7566,7 +7013,7 @@
         </p:nvSpPr>
         <p:spPr>
           <a:xfrm>
-            <a:off x="1027521" y="1868993"/>
+            <a:off x="1027521" y="1714785"/>
             <a:ext cx="3262432" cy="369332"/>
           </a:xfrm>
           <a:prstGeom prst="rect">
@@ -7596,7 +7043,7 @@
           <p:cNvPr id="14" name="TextBox 13">
             <a:extLst>
               <a:ext uri="{FF2B5EF4-FFF2-40B4-BE49-F238E27FC236}">
-                <a16:creationId xmlns:a16="http://schemas.microsoft.com/office/drawing/2014/main" xmlns="" id="{9269C72C-7E8D-412D-8321-37820CD99C6E}"/>
+                <a16:creationId xmlns:a16="http://schemas.microsoft.com/office/drawing/2014/main" id="{9269C72C-7E8D-412D-8321-37820CD99C6E}"/>
               </a:ext>
             </a:extLst>
           </p:cNvPr>
@@ -7640,17 +7087,10 @@
   <p:clrMapOvr>
     <a:masterClrMapping/>
   </p:clrMapOvr>
-  <p:timing>
-    <p:tnLst>
-      <p:par>
-        <p:cTn id="1" dur="indefinite" restart="never" nodeType="tmRoot"/>
-      </p:par>
-    </p:tnLst>
-  </p:timing>
 </p:sld>
 </file>
 
-<file path=ppt/slides/slide28.xml><?xml version="1.0" encoding="utf-8"?>
+<file path=ppt/slides/slide27.xml><?xml version="1.0" encoding="utf-8"?>
 <p:sld xmlns:a="http://schemas.openxmlformats.org/drawingml/2006/main" xmlns:r="http://schemas.openxmlformats.org/officeDocument/2006/relationships" xmlns:p="http://schemas.openxmlformats.org/presentationml/2006/main">
   <p:cSld>
     <p:spTree>
@@ -7672,7 +7112,7 @@
           <p:cNvPr id="4" name="Picture 3">
             <a:extLst>
               <a:ext uri="{FF2B5EF4-FFF2-40B4-BE49-F238E27FC236}">
-                <a16:creationId xmlns:a16="http://schemas.microsoft.com/office/drawing/2014/main" xmlns="" id="{D63519C0-C8D9-4341-ADE9-3CD28E6E648E}"/>
+                <a16:creationId xmlns:a16="http://schemas.microsoft.com/office/drawing/2014/main" id="{D63519C0-C8D9-4341-ADE9-3CD28E6E648E}"/>
               </a:ext>
             </a:extLst>
           </p:cNvPr>
@@ -7702,7 +7142,7 @@
           <p:cNvPr id="2" name="Title 1">
             <a:extLst>
               <a:ext uri="{FF2B5EF4-FFF2-40B4-BE49-F238E27FC236}">
-                <a16:creationId xmlns:a16="http://schemas.microsoft.com/office/drawing/2014/main" xmlns="" id="{0394369D-565A-471B-B3F3-561CF390DFF5}"/>
+                <a16:creationId xmlns:a16="http://schemas.microsoft.com/office/drawing/2014/main" id="{0394369D-565A-471B-B3F3-561CF390DFF5}"/>
               </a:ext>
             </a:extLst>
           </p:cNvPr>
@@ -7734,7 +7174,7 @@
           <p:cNvPr id="3" name="Content Placeholder 2">
             <a:extLst>
               <a:ext uri="{FF2B5EF4-FFF2-40B4-BE49-F238E27FC236}">
-                <a16:creationId xmlns:a16="http://schemas.microsoft.com/office/drawing/2014/main" xmlns="" id="{5EAFF9BB-23B6-4817-86BB-F6DA8A9676FA}"/>
+                <a16:creationId xmlns:a16="http://schemas.microsoft.com/office/drawing/2014/main" id="{5EAFF9BB-23B6-4817-86BB-F6DA8A9676FA}"/>
               </a:ext>
             </a:extLst>
           </p:cNvPr>
@@ -7757,31 +7197,18 @@
           </a:bodyPr>
           <a:lstStyle/>
           <a:p>
-            <a:r>
-              <a:rPr lang="en-US" sz="1800" dirty="0"/>
-              <a:t/>
-            </a:r>
+            <a:pPr marL="0" indent="0">
+              <a:buNone/>
+            </a:pPr>
             <a:br>
               <a:rPr lang="en-US" sz="1800" dirty="0"/>
             </a:br>
-            <a:r>
-              <a:rPr lang="en-US" sz="1800" dirty="0"/>
-              <a:t/>
-            </a:r>
             <a:br>
               <a:rPr lang="en-US" sz="1800" dirty="0"/>
             </a:br>
-            <a:r>
-              <a:rPr lang="en-US" sz="1800" dirty="0"/>
-              <a:t/>
-            </a:r>
             <a:br>
               <a:rPr lang="en-US" sz="1800" dirty="0"/>
             </a:br>
-            <a:r>
-              <a:rPr lang="en-US" sz="1800" dirty="0"/>
-              <a:t/>
-            </a:r>
             <a:br>
               <a:rPr lang="en-US" sz="1800" dirty="0"/>
             </a:br>
@@ -7792,17 +7219,9 @@
             <a:br>
               <a:rPr lang="en-US" sz="1800" dirty="0"/>
             </a:br>
-            <a:r>
-              <a:rPr lang="en-US" sz="1800" dirty="0"/>
-              <a:t/>
-            </a:r>
             <a:br>
               <a:rPr lang="en-US" sz="1800" dirty="0"/>
             </a:br>
-            <a:r>
-              <a:rPr lang="en-US" sz="1800" dirty="0"/>
-              <a:t/>
-            </a:r>
             <a:br>
               <a:rPr lang="en-US" sz="1800" dirty="0"/>
             </a:br>
@@ -7821,7 +7240,7 @@
           <p:cNvPr id="6" name="Straight Arrow Connector 5">
             <a:extLst>
               <a:ext uri="{FF2B5EF4-FFF2-40B4-BE49-F238E27FC236}">
-                <a16:creationId xmlns:a16="http://schemas.microsoft.com/office/drawing/2014/main" xmlns="" id="{25D029F9-3DC8-4672-9001-1D3D9D0E8785}"/>
+                <a16:creationId xmlns:a16="http://schemas.microsoft.com/office/drawing/2014/main" id="{25D029F9-3DC8-4672-9001-1D3D9D0E8785}"/>
               </a:ext>
             </a:extLst>
           </p:cNvPr>
@@ -7862,7 +7281,7 @@
           <p:cNvPr id="9" name="Straight Arrow Connector 8">
             <a:extLst>
               <a:ext uri="{FF2B5EF4-FFF2-40B4-BE49-F238E27FC236}">
-                <a16:creationId xmlns:a16="http://schemas.microsoft.com/office/drawing/2014/main" xmlns="" id="{BCB2D5B4-0996-4437-834A-3AC37C185079}"/>
+                <a16:creationId xmlns:a16="http://schemas.microsoft.com/office/drawing/2014/main" id="{BCB2D5B4-0996-4437-834A-3AC37C185079}"/>
               </a:ext>
             </a:extLst>
           </p:cNvPr>
@@ -7908,13 +7327,65 @@
   <p:clrMapOvr>
     <a:masterClrMapping/>
   </p:clrMapOvr>
-  <p:timing>
-    <p:tnLst>
-      <p:par>
-        <p:cTn id="1" dur="indefinite" restart="never" nodeType="tmRoot"/>
-      </p:par>
-    </p:tnLst>
-  </p:timing>
+</p:sld>
+</file>
+
+<file path=ppt/slides/slide28.xml><?xml version="1.0" encoding="utf-8"?>
+<p:sld xmlns:a="http://schemas.openxmlformats.org/drawingml/2006/main" xmlns:r="http://schemas.openxmlformats.org/officeDocument/2006/relationships" xmlns:p="http://schemas.openxmlformats.org/presentationml/2006/main">
+  <p:cSld>
+    <p:spTree>
+      <p:nvGrpSpPr>
+        <p:cNvPr id="1" name=""/>
+        <p:cNvGrpSpPr/>
+        <p:nvPr/>
+      </p:nvGrpSpPr>
+      <p:grpSpPr>
+        <a:xfrm>
+          <a:off x="0" y="0"/>
+          <a:ext cx="0" cy="0"/>
+          <a:chOff x="0" y="0"/>
+          <a:chExt cx="0" cy="0"/>
+        </a:xfrm>
+      </p:grpSpPr>
+      <p:sp>
+        <p:nvSpPr>
+          <p:cNvPr id="6" name="Title 5"/>
+          <p:cNvSpPr>
+            <a:spLocks noGrp="1"/>
+          </p:cNvSpPr>
+          <p:nvPr>
+            <p:ph type="title"/>
+          </p:nvPr>
+        </p:nvSpPr>
+        <p:spPr>
+          <a:xfrm>
+            <a:off x="838200" y="365125"/>
+            <a:ext cx="10515600" cy="5663886"/>
+          </a:xfrm>
+        </p:spPr>
+        <p:txBody>
+          <a:bodyPr/>
+          <a:lstStyle/>
+          <a:p>
+            <a:pPr algn="ctr"/>
+            <a:r>
+              <a:rPr lang="en-US"/>
+              <a:t>DEMO</a:t>
+            </a:r>
+            <a:endParaRPr lang="en-US" dirty="0"/>
+          </a:p>
+        </p:txBody>
+      </p:sp>
+    </p:spTree>
+    <p:extLst>
+      <p:ext uri="{BB962C8B-B14F-4D97-AF65-F5344CB8AC3E}">
+        <p14:creationId xmlns:p14="http://schemas.microsoft.com/office/powerpoint/2010/main" val="4160979080"/>
+      </p:ext>
+    </p:extLst>
+  </p:cSld>
+  <p:clrMapOvr>
+    <a:masterClrMapping/>
+  </p:clrMapOvr>
 </p:sld>
 </file>
 
@@ -7937,7 +7408,7 @@
       </p:grpSpPr>
       <p:sp>
         <p:nvSpPr>
-          <p:cNvPr id="6" name="Title 5"/>
+          <p:cNvPr id="2" name="Title 1"/>
           <p:cNvSpPr>
             <a:spLocks noGrp="1"/>
           </p:cNvSpPr>
@@ -7945,21 +7416,95 @@
             <p:ph type="title"/>
           </p:nvPr>
         </p:nvSpPr>
-        <p:spPr>
-          <a:xfrm>
-            <a:off x="838200" y="365125"/>
-            <a:ext cx="10515600" cy="5663886"/>
-          </a:xfrm>
-        </p:spPr>
+        <p:spPr/>
         <p:txBody>
           <a:bodyPr/>
           <a:lstStyle/>
           <a:p>
             <a:pPr algn="ctr"/>
             <a:r>
+              <a:rPr lang="en-US" dirty="0"/>
+              <a:t>Future Work</a:t>
+            </a:r>
+          </a:p>
+        </p:txBody>
+      </p:sp>
+      <p:sp>
+        <p:nvSpPr>
+          <p:cNvPr id="3" name="Content Placeholder 2"/>
+          <p:cNvSpPr>
+            <a:spLocks noGrp="1"/>
+          </p:cNvSpPr>
+          <p:nvPr>
+            <p:ph idx="1"/>
+          </p:nvPr>
+        </p:nvSpPr>
+        <p:spPr/>
+        <p:txBody>
+          <a:bodyPr/>
+          <a:lstStyle/>
+          <a:p>
+            <a:r>
+              <a:rPr lang="en-US" dirty="0"/>
+              <a:t> Set </a:t>
+            </a:r>
+            <a:r>
+              <a:rPr lang="en-US" dirty="0">
+                <a:solidFill>
+                  <a:srgbClr val="F5F5F5"/>
+                </a:solidFill>
+              </a:rPr>
+              <a:t>frequency </a:t>
+            </a:r>
+            <a:r>
+              <a:rPr lang="en-US" dirty="0"/>
+              <a:t>with which the user is updated</a:t>
+            </a:r>
+          </a:p>
+          <a:p>
+            <a:endParaRPr lang="en-US" dirty="0"/>
+          </a:p>
+          <a:p>
+            <a:r>
+              <a:rPr lang="en-US" dirty="0"/>
+              <a:t> List </a:t>
+            </a:r>
+            <a:r>
+              <a:rPr lang="en-US" dirty="0">
+                <a:solidFill>
+                  <a:srgbClr val="F5F5F5"/>
+                </a:solidFill>
+              </a:rPr>
+              <a:t>sharing</a:t>
+            </a:r>
+          </a:p>
+          <a:p>
+            <a:endParaRPr lang="en-US" dirty="0">
+              <a:solidFill>
+                <a:srgbClr val="F5F5F5"/>
+              </a:solidFill>
+            </a:endParaRPr>
+          </a:p>
+          <a:p>
+            <a:r>
+              <a:rPr lang="en-US" dirty="0"/>
+              <a:t> Better </a:t>
+            </a:r>
+            <a:r>
+              <a:rPr lang="en-US">
+                <a:solidFill>
+                  <a:srgbClr val="F5F5F5"/>
+                </a:solidFill>
+              </a:rPr>
+              <a:t>security</a:t>
+            </a:r>
+            <a:r>
               <a:rPr lang="en-US"/>
-              <a:t>DEMO</a:t>
-            </a:r>
+              <a:t> </a:t>
+            </a:r>
+            <a:endParaRPr lang="en-US" dirty="0"/>
+          </a:p>
+          <a:p>
             <a:endParaRPr lang="en-US" dirty="0"/>
           </a:p>
         </p:txBody>
@@ -7967,20 +7512,13 @@
     </p:spTree>
     <p:extLst>
       <p:ext uri="{BB962C8B-B14F-4D97-AF65-F5344CB8AC3E}">
-        <p14:creationId xmlns:p14="http://schemas.microsoft.com/office/powerpoint/2010/main" val="4160979080"/>
+        <p14:creationId xmlns:p14="http://schemas.microsoft.com/office/powerpoint/2010/main" val="3722781001"/>
       </p:ext>
     </p:extLst>
   </p:cSld>
   <p:clrMapOvr>
     <a:masterClrMapping/>
   </p:clrMapOvr>
-  <p:timing>
-    <p:tnLst>
-      <p:par>
-        <p:cTn id="1" dur="indefinite" restart="never" nodeType="tmRoot"/>
-      </p:par>
-    </p:tnLst>
-  </p:timing>
 </p:sld>
 </file>
 
@@ -8006,7 +7544,7 @@
           <p:cNvPr id="2" name="Title 1">
             <a:extLst>
               <a:ext uri="{FF2B5EF4-FFF2-40B4-BE49-F238E27FC236}">
-                <a16:creationId xmlns:a16="http://schemas.microsoft.com/office/drawing/2014/main" xmlns="" id="{259D0B7C-1D18-4B9B-9686-41CD01222471}"/>
+                <a16:creationId xmlns:a16="http://schemas.microsoft.com/office/drawing/2014/main" id="{259D0B7C-1D18-4B9B-9686-41CD01222471}"/>
               </a:ext>
             </a:extLst>
           </p:cNvPr>
@@ -8035,7 +7573,7 @@
           <p:cNvPr id="3" name="Content Placeholder 2">
             <a:extLst>
               <a:ext uri="{FF2B5EF4-FFF2-40B4-BE49-F238E27FC236}">
-                <a16:creationId xmlns:a16="http://schemas.microsoft.com/office/drawing/2014/main" xmlns="" id="{7171011C-A762-4A01-8962-0A7436AA633E}"/>
+                <a16:creationId xmlns:a16="http://schemas.microsoft.com/office/drawing/2014/main" id="{7171011C-A762-4A01-8962-0A7436AA633E}"/>
               </a:ext>
             </a:extLst>
           </p:cNvPr>
@@ -8052,11 +7590,11 @@
           <a:lstStyle/>
           <a:p>
             <a:r>
-              <a:rPr lang="en-US" dirty="0" smtClean="0"/>
+              <a:rPr lang="en-US" dirty="0"/>
               <a:t> </a:t>
             </a:r>
             <a:r>
-              <a:rPr lang="en-US" dirty="0" smtClean="0">
+              <a:rPr lang="en-US" dirty="0">
                 <a:solidFill>
                   <a:srgbClr val="F5F5F5"/>
                 </a:solidFill>
@@ -8064,14 +7602,13 @@
               <a:t>Database</a:t>
             </a:r>
             <a:r>
-              <a:rPr lang="en-US" dirty="0" smtClean="0"/>
+              <a:rPr lang="en-US" dirty="0"/>
               <a:t> Design</a:t>
             </a:r>
-            <a:endParaRPr lang="en-US" dirty="0" smtClean="0"/>
-          </a:p>
-          <a:p>
-            <a:r>
-              <a:rPr lang="en-US" dirty="0" smtClean="0"/>
+          </a:p>
+          <a:p>
+            <a:r>
+              <a:rPr lang="en-US" dirty="0"/>
               <a:t> Account </a:t>
             </a:r>
             <a:r>
@@ -8099,7 +7636,7 @@
               <a:t>, and Logging </a:t>
             </a:r>
             <a:r>
-              <a:rPr lang="en-US" dirty="0" smtClean="0">
+              <a:rPr lang="en-US" dirty="0">
                 <a:solidFill>
                   <a:srgbClr val="F5F5F5"/>
                 </a:solidFill>
@@ -8113,7 +7650,7 @@
               <a:t> </a:t>
             </a:r>
             <a:r>
-              <a:rPr lang="en-US" dirty="0" smtClean="0">
+              <a:rPr lang="en-US" dirty="0">
                 <a:solidFill>
                   <a:srgbClr val="F5F5F5"/>
                 </a:solidFill>
@@ -8121,12 +7658,54 @@
               <a:t>Changing</a:t>
             </a:r>
             <a:r>
-              <a:rPr lang="en-US" dirty="0" smtClean="0"/>
+              <a:rPr lang="en-US" dirty="0"/>
+              <a:t> Password and Account </a:t>
+            </a:r>
+            <a:r>
+              <a:rPr lang="en-US" dirty="0">
+                <a:solidFill>
+                  <a:srgbClr val="F5F5F5"/>
+                </a:solidFill>
+              </a:rPr>
+              <a:t>Recovery</a:t>
+            </a:r>
+          </a:p>
+          <a:p>
+            <a:r>
+              <a:rPr lang="en-US" dirty="0"/>
+              <a:t> Adding, Editing, and Deleting </a:t>
+            </a:r>
+            <a:r>
+              <a:rPr lang="en-US" dirty="0">
+                <a:solidFill>
+                  <a:srgbClr val="F5F5F5"/>
+                </a:solidFill>
+              </a:rPr>
+              <a:t>URLs</a:t>
+            </a:r>
+          </a:p>
+          <a:p>
+            <a:r>
+              <a:rPr lang="en-US" dirty="0"/>
               <a:t> </a:t>
             </a:r>
             <a:r>
+              <a:rPr lang="en-US" dirty="0">
+                <a:solidFill>
+                  <a:srgbClr val="F5F5F5"/>
+                </a:solidFill>
+              </a:rPr>
+              <a:t>Searching</a:t>
+            </a:r>
+            <a:r>
               <a:rPr lang="en-US" dirty="0"/>
-              <a:t>Password and Account </a:t>
+              <a:t> for Updates</a:t>
+            </a:r>
+          </a:p>
+          <a:p>
+            <a:r>
+              <a:rPr lang="en-US" dirty="0"/>
+              <a:t> </a:t>
             </a:r>
             <a:r>
               <a:rPr lang="en-US" dirty="0">
@@ -8134,73 +7713,11 @@
                   <a:srgbClr val="F5F5F5"/>
                 </a:solidFill>
               </a:rPr>
-              <a:t>Recovery</a:t>
-            </a:r>
-          </a:p>
-          <a:p>
-            <a:r>
-              <a:rPr lang="en-US" dirty="0" smtClean="0"/>
-              <a:t> Adding</a:t>
+              <a:t>Updating</a:t>
             </a:r>
             <a:r>
               <a:rPr lang="en-US" dirty="0"/>
-              <a:t>, Editing, and Deleting </a:t>
-            </a:r>
-            <a:r>
-              <a:rPr lang="en-US" dirty="0" smtClean="0">
-                <a:solidFill>
-                  <a:srgbClr val="F5F5F5"/>
-                </a:solidFill>
-              </a:rPr>
-              <a:t>URLs</a:t>
-            </a:r>
-          </a:p>
-          <a:p>
-            <a:r>
-              <a:rPr lang="en-US" dirty="0" smtClean="0"/>
-              <a:t> </a:t>
-            </a:r>
-            <a:r>
-              <a:rPr lang="en-US" dirty="0" smtClean="0">
-                <a:solidFill>
-                  <a:srgbClr val="F5F5F5"/>
-                </a:solidFill>
-              </a:rPr>
-              <a:t>Searching</a:t>
-            </a:r>
-            <a:r>
-              <a:rPr lang="en-US" dirty="0" smtClean="0"/>
-              <a:t> </a:t>
-            </a:r>
-            <a:r>
-              <a:rPr lang="en-US" dirty="0"/>
-              <a:t>for </a:t>
-            </a:r>
-            <a:r>
-              <a:rPr lang="en-US" dirty="0" smtClean="0"/>
-              <a:t>Updates</a:t>
-            </a:r>
-          </a:p>
-          <a:p>
-            <a:r>
-              <a:rPr lang="en-US" dirty="0" smtClean="0"/>
-              <a:t> </a:t>
-            </a:r>
-            <a:r>
-              <a:rPr lang="en-US" dirty="0" smtClean="0">
-                <a:solidFill>
-                  <a:srgbClr val="F5F5F5"/>
-                </a:solidFill>
-              </a:rPr>
-              <a:t>Updating</a:t>
-            </a:r>
-            <a:r>
-              <a:rPr lang="en-US" dirty="0" smtClean="0"/>
-              <a:t> </a:t>
-            </a:r>
-            <a:r>
-              <a:rPr lang="en-US" dirty="0"/>
-              <a:t>the Database and </a:t>
+              <a:t> the Database and </a:t>
             </a:r>
             <a:r>
               <a:rPr lang="en-US" dirty="0">
@@ -8227,153 +7744,6 @@
   <p:clrMapOvr>
     <a:masterClrMapping/>
   </p:clrMapOvr>
-  <p:timing>
-    <p:tnLst>
-      <p:par>
-        <p:cTn id="1" dur="indefinite" restart="never" nodeType="tmRoot"/>
-      </p:par>
-    </p:tnLst>
-  </p:timing>
-</p:sld>
-</file>
-
-<file path=ppt/slides/slide30.xml><?xml version="1.0" encoding="utf-8"?>
-<p:sld xmlns:a="http://schemas.openxmlformats.org/drawingml/2006/main" xmlns:r="http://schemas.openxmlformats.org/officeDocument/2006/relationships" xmlns:p="http://schemas.openxmlformats.org/presentationml/2006/main">
-  <p:cSld>
-    <p:spTree>
-      <p:nvGrpSpPr>
-        <p:cNvPr id="1" name=""/>
-        <p:cNvGrpSpPr/>
-        <p:nvPr/>
-      </p:nvGrpSpPr>
-      <p:grpSpPr>
-        <a:xfrm>
-          <a:off x="0" y="0"/>
-          <a:ext cx="0" cy="0"/>
-          <a:chOff x="0" y="0"/>
-          <a:chExt cx="0" cy="0"/>
-        </a:xfrm>
-      </p:grpSpPr>
-      <p:sp>
-        <p:nvSpPr>
-          <p:cNvPr id="2" name="Title 1"/>
-          <p:cNvSpPr>
-            <a:spLocks noGrp="1"/>
-          </p:cNvSpPr>
-          <p:nvPr>
-            <p:ph type="title"/>
-          </p:nvPr>
-        </p:nvSpPr>
-        <p:spPr/>
-        <p:txBody>
-          <a:bodyPr/>
-          <a:lstStyle/>
-          <a:p>
-            <a:pPr algn="ctr"/>
-            <a:r>
-              <a:rPr lang="en-US" dirty="0"/>
-              <a:t>Future Work</a:t>
-            </a:r>
-          </a:p>
-        </p:txBody>
-      </p:sp>
-      <p:sp>
-        <p:nvSpPr>
-          <p:cNvPr id="3" name="Content Placeholder 2"/>
-          <p:cNvSpPr>
-            <a:spLocks noGrp="1"/>
-          </p:cNvSpPr>
-          <p:nvPr>
-            <p:ph idx="1"/>
-          </p:nvPr>
-        </p:nvSpPr>
-        <p:spPr/>
-        <p:txBody>
-          <a:bodyPr/>
-          <a:lstStyle/>
-          <a:p>
-            <a:r>
-              <a:rPr lang="en-US" dirty="0" smtClean="0"/>
-              <a:t> Set </a:t>
-            </a:r>
-            <a:r>
-              <a:rPr lang="en-US" dirty="0" smtClean="0">
-                <a:solidFill>
-                  <a:srgbClr val="F5F5F5"/>
-                </a:solidFill>
-              </a:rPr>
-              <a:t>frequency </a:t>
-            </a:r>
-            <a:r>
-              <a:rPr lang="en-US" dirty="0" smtClean="0"/>
-              <a:t>with which the user is updated</a:t>
-            </a:r>
-          </a:p>
-          <a:p>
-            <a:endParaRPr lang="en-US" dirty="0" smtClean="0"/>
-          </a:p>
-          <a:p>
-            <a:r>
-              <a:rPr lang="en-US" dirty="0" smtClean="0"/>
-              <a:t> List </a:t>
-            </a:r>
-            <a:r>
-              <a:rPr lang="en-US" dirty="0" smtClean="0">
-                <a:solidFill>
-                  <a:srgbClr val="F5F5F5"/>
-                </a:solidFill>
-              </a:rPr>
-              <a:t>sharing</a:t>
-            </a:r>
-          </a:p>
-          <a:p>
-            <a:endParaRPr lang="en-US" dirty="0">
-              <a:solidFill>
-                <a:srgbClr val="F5F5F5"/>
-              </a:solidFill>
-            </a:endParaRPr>
-          </a:p>
-          <a:p>
-            <a:r>
-              <a:rPr lang="en-US" dirty="0" smtClean="0"/>
-              <a:t> Better </a:t>
-            </a:r>
-            <a:r>
-              <a:rPr lang="en-US" smtClean="0">
-                <a:solidFill>
-                  <a:srgbClr val="F5F5F5"/>
-                </a:solidFill>
-              </a:rPr>
-              <a:t>security</a:t>
-            </a:r>
-            <a:r>
-              <a:rPr lang="en-US" smtClean="0"/>
-              <a:t> </a:t>
-            </a:r>
-            <a:endParaRPr lang="en-US" dirty="0" smtClean="0"/>
-          </a:p>
-          <a:p>
-            <a:endParaRPr lang="en-US" dirty="0"/>
-          </a:p>
-        </p:txBody>
-      </p:sp>
-    </p:spTree>
-    <p:extLst>
-      <p:ext uri="{BB962C8B-B14F-4D97-AF65-F5344CB8AC3E}">
-        <p14:creationId xmlns:p14="http://schemas.microsoft.com/office/powerpoint/2010/main" val="3722781001"/>
-      </p:ext>
-    </p:extLst>
-  </p:cSld>
-  <p:clrMapOvr>
-    <a:masterClrMapping/>
-  </p:clrMapOvr>
-  <p:timing>
-    <p:tnLst>
-      <p:par>
-        <p:cTn id="1" dur="indefinite" restart="never" nodeType="tmRoot"/>
-      </p:par>
-    </p:tnLst>
-  </p:timing>
 </p:sld>
 </file>
 
@@ -8399,7 +7769,7 @@
           <p:cNvPr id="2" name="Title 1">
             <a:extLst>
               <a:ext uri="{FF2B5EF4-FFF2-40B4-BE49-F238E27FC236}">
-                <a16:creationId xmlns:a16="http://schemas.microsoft.com/office/drawing/2014/main" xmlns="" id="{259D0B7C-1D18-4B9B-9686-41CD01222471}"/>
+                <a16:creationId xmlns:a16="http://schemas.microsoft.com/office/drawing/2014/main" id="{259D0B7C-1D18-4B9B-9686-41CD01222471}"/>
               </a:ext>
             </a:extLst>
           </p:cNvPr>
@@ -8428,7 +7798,7 @@
           <p:cNvPr id="3" name="Content Placeholder 2">
             <a:extLst>
               <a:ext uri="{FF2B5EF4-FFF2-40B4-BE49-F238E27FC236}">
-                <a16:creationId xmlns:a16="http://schemas.microsoft.com/office/drawing/2014/main" xmlns="" id="{7171011C-A762-4A01-8962-0A7436AA633E}"/>
+                <a16:creationId xmlns:a16="http://schemas.microsoft.com/office/drawing/2014/main" id="{7171011C-A762-4A01-8962-0A7436AA633E}"/>
               </a:ext>
             </a:extLst>
           </p:cNvPr>
@@ -8449,7 +7819,7 @@
               <a:t> </a:t>
             </a:r>
             <a:r>
-              <a:rPr lang="en-US" dirty="0">
+              <a:rPr lang="en-US" sz="3600" dirty="0">
                 <a:solidFill>
                   <a:srgbClr val="F5F5F5"/>
                 </a:solidFill>
@@ -8457,13 +7827,13 @@
               <a:t>Database</a:t>
             </a:r>
             <a:r>
-              <a:rPr lang="en-US" dirty="0"/>
+              <a:rPr lang="en-US" sz="3600" dirty="0"/>
               <a:t> Design</a:t>
             </a:r>
           </a:p>
           <a:p>
             <a:r>
-              <a:rPr lang="en-US" dirty="0" smtClean="0">
+              <a:rPr lang="en-US" dirty="0">
                 <a:solidFill>
                   <a:srgbClr val="824040">
                     <a:alpha val="50000"/>
@@ -8513,7 +7883,7 @@
               <a:t>, and Logging </a:t>
             </a:r>
             <a:r>
-              <a:rPr lang="en-US" dirty="0" smtClean="0">
+              <a:rPr lang="en-US" dirty="0">
                 <a:solidFill>
                   <a:srgbClr val="F5F5F5">
                     <a:alpha val="50000"/>
@@ -8535,7 +7905,7 @@
               <a:t> </a:t>
             </a:r>
             <a:r>
-              <a:rPr lang="en-US" dirty="0" smtClean="0">
+              <a:rPr lang="en-US" dirty="0">
                 <a:solidFill>
                   <a:srgbClr val="F5F5F5">
                     <a:alpha val="50000"/>
@@ -8545,7 +7915,51 @@
               <a:t>Changing</a:t>
             </a:r>
             <a:r>
-              <a:rPr lang="en-US" dirty="0" smtClean="0">
+              <a:rPr lang="en-US" dirty="0">
+                <a:solidFill>
+                  <a:srgbClr val="824040">
+                    <a:alpha val="50000"/>
+                  </a:srgbClr>
+                </a:solidFill>
+              </a:rPr>
+              <a:t> Password and Account </a:t>
+            </a:r>
+            <a:r>
+              <a:rPr lang="en-US" dirty="0">
+                <a:solidFill>
+                  <a:srgbClr val="F5F5F5">
+                    <a:alpha val="50000"/>
+                  </a:srgbClr>
+                </a:solidFill>
+              </a:rPr>
+              <a:t>Recovery</a:t>
+            </a:r>
+          </a:p>
+          <a:p>
+            <a:r>
+              <a:rPr lang="en-US" dirty="0">
+                <a:solidFill>
+                  <a:srgbClr val="824040">
+                    <a:alpha val="50000"/>
+                  </a:srgbClr>
+                </a:solidFill>
+              </a:rPr>
+              <a:t> Adding, Editing, and Deleting </a:t>
+            </a:r>
+            <a:r>
+              <a:rPr lang="en-US" dirty="0">
+                <a:solidFill>
+                  <a:srgbClr val="F5F5F5">
+                    <a:alpha val="50000"/>
+                  </a:srgbClr>
+                </a:solidFill>
+              </a:rPr>
+              <a:t>URLs</a:t>
+            </a:r>
+          </a:p>
+          <a:p>
+            <a:r>
+              <a:rPr lang="en-US" dirty="0">
                 <a:solidFill>
                   <a:srgbClr val="824040">
                     <a:alpha val="50000"/>
@@ -8557,148 +7971,54 @@
             <a:r>
               <a:rPr lang="en-US" dirty="0">
                 <a:solidFill>
-                  <a:srgbClr val="824040">
-                    <a:alpha val="50000"/>
-                  </a:srgbClr>
-                </a:solidFill>
-              </a:rPr>
-              <a:t>Password and Account </a:t>
-            </a:r>
-            <a:r>
-              <a:rPr lang="en-US" dirty="0">
-                <a:solidFill>
                   <a:srgbClr val="F5F5F5">
                     <a:alpha val="50000"/>
                   </a:srgbClr>
                 </a:solidFill>
               </a:rPr>
-              <a:t>Recovery</a:t>
-            </a:r>
-          </a:p>
-          <a:p>
-            <a:r>
-              <a:rPr lang="en-US" dirty="0" smtClean="0">
-                <a:solidFill>
-                  <a:srgbClr val="824040">
-                    <a:alpha val="50000"/>
-                  </a:srgbClr>
-                </a:solidFill>
-              </a:rPr>
-              <a:t> Adding</a:t>
-            </a:r>
-            <a:r>
-              <a:rPr lang="en-US" dirty="0">
-                <a:solidFill>
-                  <a:srgbClr val="824040">
-                    <a:alpha val="50000"/>
-                  </a:srgbClr>
-                </a:solidFill>
-              </a:rPr>
-              <a:t>, Editing, and Deleting </a:t>
-            </a:r>
-            <a:r>
-              <a:rPr lang="en-US" dirty="0" smtClean="0">
+              <a:t>Searching</a:t>
+            </a:r>
+            <a:r>
+              <a:rPr lang="en-US" dirty="0">
+                <a:solidFill>
+                  <a:srgbClr val="824040">
+                    <a:alpha val="50000"/>
+                  </a:srgbClr>
+                </a:solidFill>
+              </a:rPr>
+              <a:t> for Updates</a:t>
+            </a:r>
+          </a:p>
+          <a:p>
+            <a:r>
+              <a:rPr lang="en-US" dirty="0">
+                <a:solidFill>
+                  <a:srgbClr val="824040">
+                    <a:alpha val="50000"/>
+                  </a:srgbClr>
+                </a:solidFill>
+              </a:rPr>
+              <a:t> </a:t>
+            </a:r>
+            <a:r>
+              <a:rPr lang="en-US" dirty="0">
                 <a:solidFill>
                   <a:srgbClr val="F5F5F5">
                     <a:alpha val="50000"/>
                   </a:srgbClr>
                 </a:solidFill>
               </a:rPr>
-              <a:t>URLs</a:t>
-            </a:r>
-          </a:p>
-          <a:p>
-            <a:r>
-              <a:rPr lang="en-US" dirty="0" smtClean="0">
-                <a:solidFill>
-                  <a:srgbClr val="824040">
-                    <a:alpha val="50000"/>
-                  </a:srgbClr>
-                </a:solidFill>
-              </a:rPr>
-              <a:t> </a:t>
-            </a:r>
-            <a:r>
-              <a:rPr lang="en-US" dirty="0" smtClean="0">
-                <a:solidFill>
-                  <a:srgbClr val="F5F5F5">
-                    <a:alpha val="50000"/>
-                  </a:srgbClr>
-                </a:solidFill>
-              </a:rPr>
-              <a:t>Searching</a:t>
-            </a:r>
-            <a:r>
-              <a:rPr lang="en-US" dirty="0" smtClean="0">
-                <a:solidFill>
-                  <a:srgbClr val="824040">
-                    <a:alpha val="50000"/>
-                  </a:srgbClr>
-                </a:solidFill>
-              </a:rPr>
-              <a:t> </a:t>
-            </a:r>
-            <a:r>
-              <a:rPr lang="en-US" dirty="0">
-                <a:solidFill>
-                  <a:srgbClr val="824040">
-                    <a:alpha val="50000"/>
-                  </a:srgbClr>
-                </a:solidFill>
-              </a:rPr>
-              <a:t>for </a:t>
-            </a:r>
-            <a:r>
-              <a:rPr lang="en-US" dirty="0" smtClean="0">
-                <a:solidFill>
-                  <a:srgbClr val="824040">
-                    <a:alpha val="50000"/>
-                  </a:srgbClr>
-                </a:solidFill>
-              </a:rPr>
-              <a:t>Updates</a:t>
-            </a:r>
-          </a:p>
-          <a:p>
-            <a:r>
-              <a:rPr lang="en-US" dirty="0" smtClean="0">
-                <a:solidFill>
-                  <a:srgbClr val="824040">
-                    <a:alpha val="50000"/>
-                  </a:srgbClr>
-                </a:solidFill>
-              </a:rPr>
-              <a:t> </a:t>
-            </a:r>
-            <a:r>
-              <a:rPr lang="en-US" dirty="0" smtClean="0">
-                <a:solidFill>
-                  <a:srgbClr val="F5F5F5">
-                    <a:alpha val="50000"/>
-                  </a:srgbClr>
-                </a:solidFill>
-              </a:rPr>
               <a:t>Updating</a:t>
             </a:r>
             <a:r>
-              <a:rPr lang="en-US" dirty="0" smtClean="0">
-                <a:solidFill>
-                  <a:srgbClr val="824040">
-                    <a:alpha val="50000"/>
-                  </a:srgbClr>
-                </a:solidFill>
-              </a:rPr>
-              <a:t> </a:t>
-            </a:r>
-            <a:r>
-              <a:rPr lang="en-US" dirty="0">
-                <a:solidFill>
-                  <a:srgbClr val="824040">
-                    <a:alpha val="50000"/>
-                  </a:srgbClr>
-                </a:solidFill>
-              </a:rPr>
-              <a:t>the Database and </a:t>
+              <a:rPr lang="en-US" dirty="0">
+                <a:solidFill>
+                  <a:srgbClr val="824040">
+                    <a:alpha val="50000"/>
+                  </a:srgbClr>
+                </a:solidFill>
+              </a:rPr>
+              <a:t> the Database and </a:t>
             </a:r>
             <a:r>
               <a:rPr lang="en-US" dirty="0">
@@ -8733,13 +8053,6 @@
   <p:clrMapOvr>
     <a:masterClrMapping/>
   </p:clrMapOvr>
-  <p:timing>
-    <p:tnLst>
-      <p:par>
-        <p:cTn id="1" dur="indefinite" restart="never" nodeType="tmRoot"/>
-      </p:par>
-    </p:tnLst>
-  </p:timing>
 </p:sld>
 </file>
 
@@ -8812,37 +8125,6 @@
           <a:lstStyle/>
           <a:p>
             <a:r>
-              <a:rPr lang="en-US" dirty="0" smtClean="0"/>
-              <a:t> </a:t>
-            </a:r>
-            <a:r>
-              <a:rPr lang="en-US" dirty="0" smtClean="0">
-                <a:solidFill>
-                  <a:srgbClr val="F5F5F5"/>
-                </a:solidFill>
-              </a:rPr>
-              <a:t>3</a:t>
-            </a:r>
-            <a:r>
-              <a:rPr lang="en-US" dirty="0" smtClean="0"/>
-              <a:t> Tables: URLs, </a:t>
-            </a:r>
-            <a:r>
-              <a:rPr lang="en-US" dirty="0"/>
-              <a:t>Users, </a:t>
-            </a:r>
-            <a:r>
-              <a:rPr lang="en-US" dirty="0" smtClean="0"/>
-              <a:t>and </a:t>
-            </a:r>
-            <a:r>
-              <a:rPr lang="en-US" dirty="0" err="1" smtClean="0"/>
-              <a:t>User_URL_List</a:t>
-            </a:r>
-            <a:endParaRPr lang="en-US" dirty="0" smtClean="0"/>
-          </a:p>
-          <a:p>
-            <a:r>
               <a:rPr lang="en-US" dirty="0"/>
               <a:t> </a:t>
             </a:r>
@@ -8852,6 +8134,29 @@
                   <a:srgbClr val="F5F5F5"/>
                 </a:solidFill>
               </a:rPr>
+              <a:t>3</a:t>
+            </a:r>
+            <a:r>
+              <a:rPr lang="en-US" dirty="0"/>
+              <a:t> Tables: URLs, Users, and </a:t>
+            </a:r>
+            <a:r>
+              <a:rPr lang="en-US" dirty="0" err="1"/>
+              <a:t>User_URL_List</a:t>
+            </a:r>
+            <a:endParaRPr lang="en-US" dirty="0"/>
+          </a:p>
+          <a:p>
+            <a:r>
+              <a:rPr lang="en-US" dirty="0"/>
+              <a:t> </a:t>
+            </a:r>
+            <a:r>
+              <a:rPr lang="en-US" dirty="0">
+                <a:solidFill>
+                  <a:srgbClr val="F5F5F5"/>
+                </a:solidFill>
+              </a:rPr>
               <a:t>URLs</a:t>
             </a:r>
             <a:r>
@@ -8884,7 +8189,7 @@
           <a:p>
             <a:pPr lvl="1"/>
             <a:r>
-              <a:rPr lang="en-US" dirty="0" smtClean="0"/>
+              <a:rPr lang="en-US" dirty="0"/>
               <a:t>Updated</a:t>
             </a:r>
           </a:p>
@@ -8892,18 +8197,18 @@
             <a:endParaRPr lang="en-US" dirty="0"/>
           </a:p>
           <a:p>
-            <a:endParaRPr lang="en-US" dirty="0" smtClean="0"/>
-          </a:p>
-          <a:p>
-            <a:endParaRPr lang="en-US" dirty="0" smtClean="0"/>
-          </a:p>
-          <a:p>
-            <a:r>
-              <a:rPr lang="en-US" dirty="0" smtClean="0"/>
+            <a:endParaRPr lang="en-US" dirty="0"/>
+          </a:p>
+          <a:p>
+            <a:endParaRPr lang="en-US" dirty="0"/>
+          </a:p>
+          <a:p>
+            <a:r>
+              <a:rPr lang="en-US" dirty="0"/>
               <a:t> </a:t>
             </a:r>
             <a:r>
-              <a:rPr lang="en-US" dirty="0" smtClean="0">
+              <a:rPr lang="en-US" dirty="0">
                 <a:solidFill>
                   <a:srgbClr val="F5F5F5"/>
                 </a:solidFill>
@@ -8938,11 +8243,11 @@
           </a:p>
           <a:p>
             <a:r>
-              <a:rPr lang="en-US" dirty="0" smtClean="0"/>
+              <a:rPr lang="en-US" dirty="0"/>
               <a:t> </a:t>
             </a:r>
             <a:r>
-              <a:rPr lang="en-US" dirty="0" err="1" smtClean="0">
+              <a:rPr lang="en-US" dirty="0" err="1">
                 <a:solidFill>
                   <a:srgbClr val="F5F5F5"/>
                 </a:solidFill>
@@ -8950,24 +8255,23 @@
               <a:t>User_URL_List</a:t>
             </a:r>
             <a:r>
-              <a:rPr lang="en-US" dirty="0" smtClean="0"/>
+              <a:rPr lang="en-US" dirty="0"/>
               <a:t>:</a:t>
             </a:r>
           </a:p>
           <a:p>
             <a:pPr lvl="1"/>
             <a:r>
-              <a:rPr lang="en-US" dirty="0" smtClean="0"/>
+              <a:rPr lang="en-US" dirty="0"/>
               <a:t>Email</a:t>
             </a:r>
           </a:p>
           <a:p>
             <a:pPr lvl="1"/>
             <a:r>
-              <a:rPr lang="en-US" dirty="0" smtClean="0"/>
+              <a:rPr lang="en-US" dirty="0"/>
               <a:t>URL</a:t>
             </a:r>
-            <a:endParaRPr lang="en-US" dirty="0"/>
           </a:p>
         </p:txBody>
       </p:sp>
@@ -8981,13 +8285,6 @@
   <p:clrMapOvr>
     <a:masterClrMapping/>
   </p:clrMapOvr>
-  <p:timing>
-    <p:tnLst>
-      <p:par>
-        <p:cTn id="1" dur="indefinite" restart="never" nodeType="tmRoot"/>
-      </p:par>
-    </p:tnLst>
-  </p:timing>
 </p:sld>
 </file>
 
@@ -9013,7 +8310,7 @@
           <p:cNvPr id="2" name="Title 1">
             <a:extLst>
               <a:ext uri="{FF2B5EF4-FFF2-40B4-BE49-F238E27FC236}">
-                <a16:creationId xmlns:a16="http://schemas.microsoft.com/office/drawing/2014/main" xmlns="" id="{259D0B7C-1D18-4B9B-9686-41CD01222471}"/>
+                <a16:creationId xmlns:a16="http://schemas.microsoft.com/office/drawing/2014/main" id="{259D0B7C-1D18-4B9B-9686-41CD01222471}"/>
               </a:ext>
             </a:extLst>
           </p:cNvPr>
@@ -9042,7 +8339,7 @@
           <p:cNvPr id="3" name="Content Placeholder 2">
             <a:extLst>
               <a:ext uri="{FF2B5EF4-FFF2-40B4-BE49-F238E27FC236}">
-                <a16:creationId xmlns:a16="http://schemas.microsoft.com/office/drawing/2014/main" xmlns="" id="{7171011C-A762-4A01-8962-0A7436AA633E}"/>
+                <a16:creationId xmlns:a16="http://schemas.microsoft.com/office/drawing/2014/main" id="{7171011C-A762-4A01-8962-0A7436AA633E}"/>
               </a:ext>
             </a:extLst>
           </p:cNvPr>
@@ -9059,7 +8356,7 @@
           <a:lstStyle/>
           <a:p>
             <a:r>
-              <a:rPr lang="en-US" dirty="0" smtClean="0">
+              <a:rPr lang="en-US" dirty="0">
                 <a:solidFill>
                   <a:srgbClr val="824040">
                     <a:alpha val="50000"/>
@@ -9069,7 +8366,7 @@
               <a:t> </a:t>
             </a:r>
             <a:r>
-              <a:rPr lang="en-US" dirty="0" smtClean="0">
+              <a:rPr lang="en-US" dirty="0">
                 <a:solidFill>
                   <a:srgbClr val="F5F5F5">
                     <a:alpha val="50000"/>
@@ -9079,7 +8376,7 @@
               <a:t>Database</a:t>
             </a:r>
             <a:r>
-              <a:rPr lang="en-US" dirty="0" smtClean="0">
+              <a:rPr lang="en-US" dirty="0">
                 <a:solidFill>
                   <a:srgbClr val="824040">
                     <a:alpha val="50000"/>
@@ -9088,21 +8385,18 @@
               </a:rPr>
               <a:t> Design</a:t>
             </a:r>
-            <a:endParaRPr lang="en-US" dirty="0" smtClean="0">
-              <a:solidFill>
-                <a:srgbClr val="824040">
-                  <a:alpha val="50000"/>
-                </a:srgbClr>
-              </a:solidFill>
-            </a:endParaRPr>
           </a:p>
           <a:p>
             <a:r>
               <a:rPr lang="en-US" dirty="0"/>
-              <a:t> Account </a:t>
-            </a:r>
-            <a:r>
-              <a:rPr lang="en-US" dirty="0">
+              <a:t> </a:t>
+            </a:r>
+            <a:r>
+              <a:rPr lang="en-US" sz="3600" dirty="0"/>
+              <a:t>Account </a:t>
+            </a:r>
+            <a:r>
+              <a:rPr lang="en-US" sz="3600" dirty="0">
                 <a:solidFill>
                   <a:srgbClr val="F5F5F5"/>
                 </a:solidFill>
@@ -9110,11 +8404,11 @@
               <a:t>Creation</a:t>
             </a:r>
             <a:r>
-              <a:rPr lang="en-US" dirty="0"/>
+              <a:rPr lang="en-US" sz="3600" dirty="0"/>
               <a:t>, Logging </a:t>
             </a:r>
             <a:r>
-              <a:rPr lang="en-US" dirty="0">
+              <a:rPr lang="en-US" sz="3600" dirty="0">
                 <a:solidFill>
                   <a:srgbClr val="F5F5F5"/>
                 </a:solidFill>
@@ -9122,18 +8416,18 @@
               <a:t>In</a:t>
             </a:r>
             <a:r>
-              <a:rPr lang="en-US" dirty="0"/>
+              <a:rPr lang="en-US" sz="3600" dirty="0"/>
               <a:t>, and Logging </a:t>
             </a:r>
             <a:r>
-              <a:rPr lang="en-US" dirty="0">
+              <a:rPr lang="en-US" sz="3600" dirty="0">
                 <a:solidFill>
                   <a:srgbClr val="F5F5F5"/>
                 </a:solidFill>
               </a:rPr>
               <a:t>Out</a:t>
             </a:r>
-            <a:endParaRPr lang="en-US" dirty="0" smtClean="0">
+            <a:endParaRPr lang="en-US" dirty="0">
               <a:solidFill>
                 <a:srgbClr val="F5F5F5">
                   <a:alpha val="50000"/>
@@ -9153,7 +8447,7 @@
               <a:t> </a:t>
             </a:r>
             <a:r>
-              <a:rPr lang="en-US" dirty="0" smtClean="0">
+              <a:rPr lang="en-US" dirty="0">
                 <a:solidFill>
                   <a:srgbClr val="F5F5F5">
                     <a:alpha val="50000"/>
@@ -9163,7 +8457,51 @@
               <a:t>Changing</a:t>
             </a:r>
             <a:r>
-              <a:rPr lang="en-US" dirty="0" smtClean="0">
+              <a:rPr lang="en-US" dirty="0">
+                <a:solidFill>
+                  <a:srgbClr val="824040">
+                    <a:alpha val="50000"/>
+                  </a:srgbClr>
+                </a:solidFill>
+              </a:rPr>
+              <a:t> Password and Account </a:t>
+            </a:r>
+            <a:r>
+              <a:rPr lang="en-US" dirty="0">
+                <a:solidFill>
+                  <a:srgbClr val="F5F5F5">
+                    <a:alpha val="50000"/>
+                  </a:srgbClr>
+                </a:solidFill>
+              </a:rPr>
+              <a:t>Recovery</a:t>
+            </a:r>
+          </a:p>
+          <a:p>
+            <a:r>
+              <a:rPr lang="en-US" dirty="0">
+                <a:solidFill>
+                  <a:srgbClr val="824040">
+                    <a:alpha val="50000"/>
+                  </a:srgbClr>
+                </a:solidFill>
+              </a:rPr>
+              <a:t> Adding, Editing, and Deleting </a:t>
+            </a:r>
+            <a:r>
+              <a:rPr lang="en-US" dirty="0">
+                <a:solidFill>
+                  <a:srgbClr val="F5F5F5">
+                    <a:alpha val="50000"/>
+                  </a:srgbClr>
+                </a:solidFill>
+              </a:rPr>
+              <a:t>URLs</a:t>
+            </a:r>
+          </a:p>
+          <a:p>
+            <a:r>
+              <a:rPr lang="en-US" dirty="0">
                 <a:solidFill>
                   <a:srgbClr val="824040">
                     <a:alpha val="50000"/>
@@ -9175,148 +8513,54 @@
             <a:r>
               <a:rPr lang="en-US" dirty="0">
                 <a:solidFill>
-                  <a:srgbClr val="824040">
-                    <a:alpha val="50000"/>
-                  </a:srgbClr>
-                </a:solidFill>
-              </a:rPr>
-              <a:t>Password and Account </a:t>
-            </a:r>
-            <a:r>
-              <a:rPr lang="en-US" dirty="0">
-                <a:solidFill>
                   <a:srgbClr val="F5F5F5">
                     <a:alpha val="50000"/>
                   </a:srgbClr>
                 </a:solidFill>
               </a:rPr>
-              <a:t>Recovery</a:t>
-            </a:r>
-          </a:p>
-          <a:p>
-            <a:r>
-              <a:rPr lang="en-US" dirty="0" smtClean="0">
-                <a:solidFill>
-                  <a:srgbClr val="824040">
-                    <a:alpha val="50000"/>
-                  </a:srgbClr>
-                </a:solidFill>
-              </a:rPr>
-              <a:t> Adding</a:t>
-            </a:r>
-            <a:r>
-              <a:rPr lang="en-US" dirty="0">
-                <a:solidFill>
-                  <a:srgbClr val="824040">
-                    <a:alpha val="50000"/>
-                  </a:srgbClr>
-                </a:solidFill>
-              </a:rPr>
-              <a:t>, Editing, and Deleting </a:t>
-            </a:r>
-            <a:r>
-              <a:rPr lang="en-US" dirty="0" smtClean="0">
+              <a:t>Searching</a:t>
+            </a:r>
+            <a:r>
+              <a:rPr lang="en-US" dirty="0">
+                <a:solidFill>
+                  <a:srgbClr val="824040">
+                    <a:alpha val="50000"/>
+                  </a:srgbClr>
+                </a:solidFill>
+              </a:rPr>
+              <a:t> for Updates</a:t>
+            </a:r>
+          </a:p>
+          <a:p>
+            <a:r>
+              <a:rPr lang="en-US" dirty="0">
+                <a:solidFill>
+                  <a:srgbClr val="824040">
+                    <a:alpha val="50000"/>
+                  </a:srgbClr>
+                </a:solidFill>
+              </a:rPr>
+              <a:t> </a:t>
+            </a:r>
+            <a:r>
+              <a:rPr lang="en-US" dirty="0">
                 <a:solidFill>
                   <a:srgbClr val="F5F5F5">
                     <a:alpha val="50000"/>
                   </a:srgbClr>
                 </a:solidFill>
               </a:rPr>
-              <a:t>URLs</a:t>
-            </a:r>
-          </a:p>
-          <a:p>
-            <a:r>
-              <a:rPr lang="en-US" dirty="0" smtClean="0">
-                <a:solidFill>
-                  <a:srgbClr val="824040">
-                    <a:alpha val="50000"/>
-                  </a:srgbClr>
-                </a:solidFill>
-              </a:rPr>
-              <a:t> </a:t>
-            </a:r>
-            <a:r>
-              <a:rPr lang="en-US" dirty="0" smtClean="0">
-                <a:solidFill>
-                  <a:srgbClr val="F5F5F5">
-                    <a:alpha val="50000"/>
-                  </a:srgbClr>
-                </a:solidFill>
-              </a:rPr>
-              <a:t>Searching</a:t>
-            </a:r>
-            <a:r>
-              <a:rPr lang="en-US" dirty="0" smtClean="0">
-                <a:solidFill>
-                  <a:srgbClr val="824040">
-                    <a:alpha val="50000"/>
-                  </a:srgbClr>
-                </a:solidFill>
-              </a:rPr>
-              <a:t> </a:t>
-            </a:r>
-            <a:r>
-              <a:rPr lang="en-US" dirty="0">
-                <a:solidFill>
-                  <a:srgbClr val="824040">
-                    <a:alpha val="50000"/>
-                  </a:srgbClr>
-                </a:solidFill>
-              </a:rPr>
-              <a:t>for </a:t>
-            </a:r>
-            <a:r>
-              <a:rPr lang="en-US" dirty="0" smtClean="0">
-                <a:solidFill>
-                  <a:srgbClr val="824040">
-                    <a:alpha val="50000"/>
-                  </a:srgbClr>
-                </a:solidFill>
-              </a:rPr>
-              <a:t>Updates</a:t>
-            </a:r>
-          </a:p>
-          <a:p>
-            <a:r>
-              <a:rPr lang="en-US" dirty="0" smtClean="0">
-                <a:solidFill>
-                  <a:srgbClr val="824040">
-                    <a:alpha val="50000"/>
-                  </a:srgbClr>
-                </a:solidFill>
-              </a:rPr>
-              <a:t> </a:t>
-            </a:r>
-            <a:r>
-              <a:rPr lang="en-US" dirty="0" smtClean="0">
-                <a:solidFill>
-                  <a:srgbClr val="F5F5F5">
-                    <a:alpha val="50000"/>
-                  </a:srgbClr>
-                </a:solidFill>
-              </a:rPr>
               <a:t>Updating</a:t>
             </a:r>
             <a:r>
-              <a:rPr lang="en-US" dirty="0" smtClean="0">
-                <a:solidFill>
-                  <a:srgbClr val="824040">
-                    <a:alpha val="50000"/>
-                  </a:srgbClr>
-                </a:solidFill>
-              </a:rPr>
-              <a:t> </a:t>
-            </a:r>
-            <a:r>
-              <a:rPr lang="en-US" dirty="0">
-                <a:solidFill>
-                  <a:srgbClr val="824040">
-                    <a:alpha val="50000"/>
-                  </a:srgbClr>
-                </a:solidFill>
-              </a:rPr>
-              <a:t>the Database and </a:t>
+              <a:rPr lang="en-US" dirty="0">
+                <a:solidFill>
+                  <a:srgbClr val="824040">
+                    <a:alpha val="50000"/>
+                  </a:srgbClr>
+                </a:solidFill>
+              </a:rPr>
+              <a:t> the Database and </a:t>
             </a:r>
             <a:r>
               <a:rPr lang="en-US" dirty="0">
@@ -9351,13 +8595,6 @@
   <p:clrMapOvr>
     <a:masterClrMapping/>
   </p:clrMapOvr>
-  <p:timing>
-    <p:tnLst>
-      <p:par>
-        <p:cTn id="1" dur="indefinite" restart="never" nodeType="tmRoot"/>
-      </p:par>
-    </p:tnLst>
-  </p:timing>
 </p:sld>
 </file>
 
@@ -9453,13 +8690,6 @@
   <p:clrMapOvr>
     <a:masterClrMapping/>
   </p:clrMapOvr>
-  <p:timing>
-    <p:tnLst>
-      <p:par>
-        <p:cTn id="1" dur="indefinite" restart="never" nodeType="tmRoot"/>
-      </p:par>
-    </p:tnLst>
-  </p:timing>
 </p:sld>
 </file>
 
@@ -9555,13 +8785,6 @@
   <p:clrMapOvr>
     <a:masterClrMapping/>
   </p:clrMapOvr>
-  <p:timing>
-    <p:tnLst>
-      <p:par>
-        <p:cTn id="1" dur="indefinite" restart="never" nodeType="tmRoot"/>
-      </p:par>
-    </p:tnLst>
-  </p:timing>
 </p:sld>
 </file>
 
@@ -9657,13 +8880,6 @@
   <p:clrMapOvr>
     <a:masterClrMapping/>
   </p:clrMapOvr>
-  <p:timing>
-    <p:tnLst>
-      <p:par>
-        <p:cTn id="1" dur="indefinite" restart="never" nodeType="tmRoot"/>
-      </p:par>
-    </p:tnLst>
-  </p:timing>
 </p:sld>
 </file>
 

--- a/NotifyMe.pptx
+++ b/NotifyMe.pptx
@@ -25,15 +25,13 @@
     <p:sldId id="300" r:id="rId19"/>
     <p:sldId id="283" r:id="rId20"/>
     <p:sldId id="293" r:id="rId21"/>
-    <p:sldId id="284" r:id="rId22"/>
-    <p:sldId id="294" r:id="rId23"/>
-    <p:sldId id="285" r:id="rId24"/>
-    <p:sldId id="295" r:id="rId25"/>
-    <p:sldId id="259" r:id="rId26"/>
-    <p:sldId id="261" r:id="rId27"/>
-    <p:sldId id="260" r:id="rId28"/>
-    <p:sldId id="275" r:id="rId29"/>
-    <p:sldId id="276" r:id="rId30"/>
+    <p:sldId id="285" r:id="rId22"/>
+    <p:sldId id="295" r:id="rId23"/>
+    <p:sldId id="259" r:id="rId24"/>
+    <p:sldId id="261" r:id="rId25"/>
+    <p:sldId id="260" r:id="rId26"/>
+    <p:sldId id="275" r:id="rId27"/>
+    <p:sldId id="276" r:id="rId28"/>
   </p:sldIdLst>
   <p:sldSz cx="12192000" cy="6858000"/>
   <p:notesSz cx="6858000" cy="9144000"/>
@@ -166,7 +164,7 @@
           <p:cNvPr id="2" name="Title 1">
             <a:extLst>
               <a:ext uri="{FF2B5EF4-FFF2-40B4-BE49-F238E27FC236}">
-                <a16:creationId xmlns:a16="http://schemas.microsoft.com/office/drawing/2014/main" id="{A121670B-39D9-4A13-A117-73C6549A36A7}"/>
+                <a16:creationId xmlns:a16="http://schemas.microsoft.com/office/drawing/2014/main" xmlns="" id="{A121670B-39D9-4A13-A117-73C6549A36A7}"/>
               </a:ext>
             </a:extLst>
           </p:cNvPr>
@@ -203,7 +201,7 @@
           <p:cNvPr id="3" name="Subtitle 2">
             <a:extLst>
               <a:ext uri="{FF2B5EF4-FFF2-40B4-BE49-F238E27FC236}">
-                <a16:creationId xmlns:a16="http://schemas.microsoft.com/office/drawing/2014/main" id="{4F0A4617-72EC-4342-9E3B-7C6DB7671CE2}"/>
+                <a16:creationId xmlns:a16="http://schemas.microsoft.com/office/drawing/2014/main" xmlns="" id="{4F0A4617-72EC-4342-9E3B-7C6DB7671CE2}"/>
               </a:ext>
             </a:extLst>
           </p:cNvPr>
@@ -273,7 +271,7 @@
           <p:cNvPr id="4" name="Date Placeholder 3">
             <a:extLst>
               <a:ext uri="{FF2B5EF4-FFF2-40B4-BE49-F238E27FC236}">
-                <a16:creationId xmlns:a16="http://schemas.microsoft.com/office/drawing/2014/main" id="{843BC3CE-7F4E-4615-A889-4E624C4E6ED7}"/>
+                <a16:creationId xmlns:a16="http://schemas.microsoft.com/office/drawing/2014/main" xmlns="" id="{843BC3CE-7F4E-4615-A889-4E624C4E6ED7}"/>
               </a:ext>
             </a:extLst>
           </p:cNvPr>
@@ -291,7 +289,7 @@
           <a:p>
             <a:fld id="{8E423C67-9D6A-4F85-BFC6-5090D8CF0AB4}" type="datetimeFigureOut">
               <a:rPr lang="en-US" smtClean="0"/>
-              <a:t>12/7/2017</a:t>
+              <a:t>2017-12-07</a:t>
             </a:fld>
             <a:endParaRPr lang="en-US"/>
           </a:p>
@@ -302,7 +300,7 @@
           <p:cNvPr id="5" name="Footer Placeholder 4">
             <a:extLst>
               <a:ext uri="{FF2B5EF4-FFF2-40B4-BE49-F238E27FC236}">
-                <a16:creationId xmlns:a16="http://schemas.microsoft.com/office/drawing/2014/main" id="{81DFEBD2-190E-452B-9006-EFD22F033623}"/>
+                <a16:creationId xmlns:a16="http://schemas.microsoft.com/office/drawing/2014/main" xmlns="" id="{81DFEBD2-190E-452B-9006-EFD22F033623}"/>
               </a:ext>
             </a:extLst>
           </p:cNvPr>
@@ -327,7 +325,7 @@
           <p:cNvPr id="6" name="Slide Number Placeholder 5">
             <a:extLst>
               <a:ext uri="{FF2B5EF4-FFF2-40B4-BE49-F238E27FC236}">
-                <a16:creationId xmlns:a16="http://schemas.microsoft.com/office/drawing/2014/main" id="{9BF2AEAB-9CD9-4C11-B369-6FF89494160A}"/>
+                <a16:creationId xmlns:a16="http://schemas.microsoft.com/office/drawing/2014/main" xmlns="" id="{9BF2AEAB-9CD9-4C11-B369-6FF89494160A}"/>
               </a:ext>
             </a:extLst>
           </p:cNvPr>
@@ -386,7 +384,7 @@
           <p:cNvPr id="2" name="Title 1">
             <a:extLst>
               <a:ext uri="{FF2B5EF4-FFF2-40B4-BE49-F238E27FC236}">
-                <a16:creationId xmlns:a16="http://schemas.microsoft.com/office/drawing/2014/main" id="{81A937BE-06FE-4C9F-A708-5D343192BEF3}"/>
+                <a16:creationId xmlns:a16="http://schemas.microsoft.com/office/drawing/2014/main" xmlns="" id="{81A937BE-06FE-4C9F-A708-5D343192BEF3}"/>
               </a:ext>
             </a:extLst>
           </p:cNvPr>
@@ -414,7 +412,7 @@
           <p:cNvPr id="3" name="Vertical Text Placeholder 2">
             <a:extLst>
               <a:ext uri="{FF2B5EF4-FFF2-40B4-BE49-F238E27FC236}">
-                <a16:creationId xmlns:a16="http://schemas.microsoft.com/office/drawing/2014/main" id="{85372E3E-C976-4E70-8D8A-091233C9A49F}"/>
+                <a16:creationId xmlns:a16="http://schemas.microsoft.com/office/drawing/2014/main" xmlns="" id="{85372E3E-C976-4E70-8D8A-091233C9A49F}"/>
               </a:ext>
             </a:extLst>
           </p:cNvPr>
@@ -471,7 +469,7 @@
           <p:cNvPr id="4" name="Date Placeholder 3">
             <a:extLst>
               <a:ext uri="{FF2B5EF4-FFF2-40B4-BE49-F238E27FC236}">
-                <a16:creationId xmlns:a16="http://schemas.microsoft.com/office/drawing/2014/main" id="{3029C7F0-3383-4836-BF51-AF0F1BC78E6B}"/>
+                <a16:creationId xmlns:a16="http://schemas.microsoft.com/office/drawing/2014/main" xmlns="" id="{3029C7F0-3383-4836-BF51-AF0F1BC78E6B}"/>
               </a:ext>
             </a:extLst>
           </p:cNvPr>
@@ -489,7 +487,7 @@
           <a:p>
             <a:fld id="{8E423C67-9D6A-4F85-BFC6-5090D8CF0AB4}" type="datetimeFigureOut">
               <a:rPr lang="en-US" smtClean="0"/>
-              <a:t>12/7/2017</a:t>
+              <a:t>2017-12-07</a:t>
             </a:fld>
             <a:endParaRPr lang="en-US"/>
           </a:p>
@@ -500,7 +498,7 @@
           <p:cNvPr id="5" name="Footer Placeholder 4">
             <a:extLst>
               <a:ext uri="{FF2B5EF4-FFF2-40B4-BE49-F238E27FC236}">
-                <a16:creationId xmlns:a16="http://schemas.microsoft.com/office/drawing/2014/main" id="{34D72F3A-0354-422A-B244-BBA17F440987}"/>
+                <a16:creationId xmlns:a16="http://schemas.microsoft.com/office/drawing/2014/main" xmlns="" id="{34D72F3A-0354-422A-B244-BBA17F440987}"/>
               </a:ext>
             </a:extLst>
           </p:cNvPr>
@@ -525,7 +523,7 @@
           <p:cNvPr id="6" name="Slide Number Placeholder 5">
             <a:extLst>
               <a:ext uri="{FF2B5EF4-FFF2-40B4-BE49-F238E27FC236}">
-                <a16:creationId xmlns:a16="http://schemas.microsoft.com/office/drawing/2014/main" id="{A25F886E-A4A5-40AD-85DF-AFF0A44982E8}"/>
+                <a16:creationId xmlns:a16="http://schemas.microsoft.com/office/drawing/2014/main" xmlns="" id="{A25F886E-A4A5-40AD-85DF-AFF0A44982E8}"/>
               </a:ext>
             </a:extLst>
           </p:cNvPr>
@@ -584,7 +582,7 @@
           <p:cNvPr id="2" name="Vertical Title 1">
             <a:extLst>
               <a:ext uri="{FF2B5EF4-FFF2-40B4-BE49-F238E27FC236}">
-                <a16:creationId xmlns:a16="http://schemas.microsoft.com/office/drawing/2014/main" id="{9448314F-80B0-40C7-81BF-07588212961B}"/>
+                <a16:creationId xmlns:a16="http://schemas.microsoft.com/office/drawing/2014/main" xmlns="" id="{9448314F-80B0-40C7-81BF-07588212961B}"/>
               </a:ext>
             </a:extLst>
           </p:cNvPr>
@@ -617,7 +615,7 @@
           <p:cNvPr id="3" name="Vertical Text Placeholder 2">
             <a:extLst>
               <a:ext uri="{FF2B5EF4-FFF2-40B4-BE49-F238E27FC236}">
-                <a16:creationId xmlns:a16="http://schemas.microsoft.com/office/drawing/2014/main" id="{DD399EFE-F0A1-4F14-96B4-066A494A8C7A}"/>
+                <a16:creationId xmlns:a16="http://schemas.microsoft.com/office/drawing/2014/main" xmlns="" id="{DD399EFE-F0A1-4F14-96B4-066A494A8C7A}"/>
               </a:ext>
             </a:extLst>
           </p:cNvPr>
@@ -679,7 +677,7 @@
           <p:cNvPr id="4" name="Date Placeholder 3">
             <a:extLst>
               <a:ext uri="{FF2B5EF4-FFF2-40B4-BE49-F238E27FC236}">
-                <a16:creationId xmlns:a16="http://schemas.microsoft.com/office/drawing/2014/main" id="{F5220A0C-90E3-4701-9050-8DB71E747DBE}"/>
+                <a16:creationId xmlns:a16="http://schemas.microsoft.com/office/drawing/2014/main" xmlns="" id="{F5220A0C-90E3-4701-9050-8DB71E747DBE}"/>
               </a:ext>
             </a:extLst>
           </p:cNvPr>
@@ -697,7 +695,7 @@
           <a:p>
             <a:fld id="{8E423C67-9D6A-4F85-BFC6-5090D8CF0AB4}" type="datetimeFigureOut">
               <a:rPr lang="en-US" smtClean="0"/>
-              <a:t>12/7/2017</a:t>
+              <a:t>2017-12-07</a:t>
             </a:fld>
             <a:endParaRPr lang="en-US"/>
           </a:p>
@@ -708,7 +706,7 @@
           <p:cNvPr id="5" name="Footer Placeholder 4">
             <a:extLst>
               <a:ext uri="{FF2B5EF4-FFF2-40B4-BE49-F238E27FC236}">
-                <a16:creationId xmlns:a16="http://schemas.microsoft.com/office/drawing/2014/main" id="{EA032DB9-427E-41E0-A3D4-B923EB1C8401}"/>
+                <a16:creationId xmlns:a16="http://schemas.microsoft.com/office/drawing/2014/main" xmlns="" id="{EA032DB9-427E-41E0-A3D4-B923EB1C8401}"/>
               </a:ext>
             </a:extLst>
           </p:cNvPr>
@@ -733,7 +731,7 @@
           <p:cNvPr id="6" name="Slide Number Placeholder 5">
             <a:extLst>
               <a:ext uri="{FF2B5EF4-FFF2-40B4-BE49-F238E27FC236}">
-                <a16:creationId xmlns:a16="http://schemas.microsoft.com/office/drawing/2014/main" id="{1E7E3958-F67B-4081-AD68-3D47AEDBE6BD}"/>
+                <a16:creationId xmlns:a16="http://schemas.microsoft.com/office/drawing/2014/main" xmlns="" id="{1E7E3958-F67B-4081-AD68-3D47AEDBE6BD}"/>
               </a:ext>
             </a:extLst>
           </p:cNvPr>
@@ -792,7 +790,7 @@
           <p:cNvPr id="2" name="Title 1">
             <a:extLst>
               <a:ext uri="{FF2B5EF4-FFF2-40B4-BE49-F238E27FC236}">
-                <a16:creationId xmlns:a16="http://schemas.microsoft.com/office/drawing/2014/main" id="{6A043D6D-738D-466C-9F80-3AB6838094C3}"/>
+                <a16:creationId xmlns:a16="http://schemas.microsoft.com/office/drawing/2014/main" xmlns="" id="{6A043D6D-738D-466C-9F80-3AB6838094C3}"/>
               </a:ext>
             </a:extLst>
           </p:cNvPr>
@@ -820,7 +818,7 @@
           <p:cNvPr id="3" name="Content Placeholder 2">
             <a:extLst>
               <a:ext uri="{FF2B5EF4-FFF2-40B4-BE49-F238E27FC236}">
-                <a16:creationId xmlns:a16="http://schemas.microsoft.com/office/drawing/2014/main" id="{62FB617F-BC4F-4AAB-81E7-FECE5AA04FC3}"/>
+                <a16:creationId xmlns:a16="http://schemas.microsoft.com/office/drawing/2014/main" xmlns="" id="{62FB617F-BC4F-4AAB-81E7-FECE5AA04FC3}"/>
               </a:ext>
             </a:extLst>
           </p:cNvPr>
@@ -877,7 +875,7 @@
           <p:cNvPr id="4" name="Date Placeholder 3">
             <a:extLst>
               <a:ext uri="{FF2B5EF4-FFF2-40B4-BE49-F238E27FC236}">
-                <a16:creationId xmlns:a16="http://schemas.microsoft.com/office/drawing/2014/main" id="{F544F1D4-EEC8-4FD1-85E0-7684576FC0E3}"/>
+                <a16:creationId xmlns:a16="http://schemas.microsoft.com/office/drawing/2014/main" xmlns="" id="{F544F1D4-EEC8-4FD1-85E0-7684576FC0E3}"/>
               </a:ext>
             </a:extLst>
           </p:cNvPr>
@@ -895,7 +893,7 @@
           <a:p>
             <a:fld id="{8E423C67-9D6A-4F85-BFC6-5090D8CF0AB4}" type="datetimeFigureOut">
               <a:rPr lang="en-US" smtClean="0"/>
-              <a:t>12/7/2017</a:t>
+              <a:t>2017-12-07</a:t>
             </a:fld>
             <a:endParaRPr lang="en-US"/>
           </a:p>
@@ -906,7 +904,7 @@
           <p:cNvPr id="5" name="Footer Placeholder 4">
             <a:extLst>
               <a:ext uri="{FF2B5EF4-FFF2-40B4-BE49-F238E27FC236}">
-                <a16:creationId xmlns:a16="http://schemas.microsoft.com/office/drawing/2014/main" id="{B56E2608-E959-48EC-A71C-783218FC97D7}"/>
+                <a16:creationId xmlns:a16="http://schemas.microsoft.com/office/drawing/2014/main" xmlns="" id="{B56E2608-E959-48EC-A71C-783218FC97D7}"/>
               </a:ext>
             </a:extLst>
           </p:cNvPr>
@@ -931,7 +929,7 @@
           <p:cNvPr id="6" name="Slide Number Placeholder 5">
             <a:extLst>
               <a:ext uri="{FF2B5EF4-FFF2-40B4-BE49-F238E27FC236}">
-                <a16:creationId xmlns:a16="http://schemas.microsoft.com/office/drawing/2014/main" id="{6D1FB63B-0996-4311-9E74-50D1827F74B4}"/>
+                <a16:creationId xmlns:a16="http://schemas.microsoft.com/office/drawing/2014/main" xmlns="" id="{6D1FB63B-0996-4311-9E74-50D1827F74B4}"/>
               </a:ext>
             </a:extLst>
           </p:cNvPr>
@@ -990,7 +988,7 @@
           <p:cNvPr id="2" name="Title 1">
             <a:extLst>
               <a:ext uri="{FF2B5EF4-FFF2-40B4-BE49-F238E27FC236}">
-                <a16:creationId xmlns:a16="http://schemas.microsoft.com/office/drawing/2014/main" id="{2B937C0D-25FD-4767-8700-C539CF044294}"/>
+                <a16:creationId xmlns:a16="http://schemas.microsoft.com/office/drawing/2014/main" xmlns="" id="{2B937C0D-25FD-4767-8700-C539CF044294}"/>
               </a:ext>
             </a:extLst>
           </p:cNvPr>
@@ -1027,7 +1025,7 @@
           <p:cNvPr id="3" name="Text Placeholder 2">
             <a:extLst>
               <a:ext uri="{FF2B5EF4-FFF2-40B4-BE49-F238E27FC236}">
-                <a16:creationId xmlns:a16="http://schemas.microsoft.com/office/drawing/2014/main" id="{67AB3DE6-22C7-4844-815B-043026A3AB81}"/>
+                <a16:creationId xmlns:a16="http://schemas.microsoft.com/office/drawing/2014/main" xmlns="" id="{67AB3DE6-22C7-4844-815B-043026A3AB81}"/>
               </a:ext>
             </a:extLst>
           </p:cNvPr>
@@ -1152,7 +1150,7 @@
           <p:cNvPr id="4" name="Date Placeholder 3">
             <a:extLst>
               <a:ext uri="{FF2B5EF4-FFF2-40B4-BE49-F238E27FC236}">
-                <a16:creationId xmlns:a16="http://schemas.microsoft.com/office/drawing/2014/main" id="{2279578C-B1CE-43B5-9B07-D3758262DEC8}"/>
+                <a16:creationId xmlns:a16="http://schemas.microsoft.com/office/drawing/2014/main" xmlns="" id="{2279578C-B1CE-43B5-9B07-D3758262DEC8}"/>
               </a:ext>
             </a:extLst>
           </p:cNvPr>
@@ -1170,7 +1168,7 @@
           <a:p>
             <a:fld id="{8E423C67-9D6A-4F85-BFC6-5090D8CF0AB4}" type="datetimeFigureOut">
               <a:rPr lang="en-US" smtClean="0"/>
-              <a:t>12/7/2017</a:t>
+              <a:t>2017-12-07</a:t>
             </a:fld>
             <a:endParaRPr lang="en-US"/>
           </a:p>
@@ -1181,7 +1179,7 @@
           <p:cNvPr id="5" name="Footer Placeholder 4">
             <a:extLst>
               <a:ext uri="{FF2B5EF4-FFF2-40B4-BE49-F238E27FC236}">
-                <a16:creationId xmlns:a16="http://schemas.microsoft.com/office/drawing/2014/main" id="{068D9F9E-8FF9-4B41-809C-C1C9B76C845C}"/>
+                <a16:creationId xmlns:a16="http://schemas.microsoft.com/office/drawing/2014/main" xmlns="" id="{068D9F9E-8FF9-4B41-809C-C1C9B76C845C}"/>
               </a:ext>
             </a:extLst>
           </p:cNvPr>
@@ -1206,7 +1204,7 @@
           <p:cNvPr id="6" name="Slide Number Placeholder 5">
             <a:extLst>
               <a:ext uri="{FF2B5EF4-FFF2-40B4-BE49-F238E27FC236}">
-                <a16:creationId xmlns:a16="http://schemas.microsoft.com/office/drawing/2014/main" id="{9C2A9C60-8FC5-47B9-9DA4-E828B5C3D411}"/>
+                <a16:creationId xmlns:a16="http://schemas.microsoft.com/office/drawing/2014/main" xmlns="" id="{9C2A9C60-8FC5-47B9-9DA4-E828B5C3D411}"/>
               </a:ext>
             </a:extLst>
           </p:cNvPr>
@@ -1265,7 +1263,7 @@
           <p:cNvPr id="2" name="Title 1">
             <a:extLst>
               <a:ext uri="{FF2B5EF4-FFF2-40B4-BE49-F238E27FC236}">
-                <a16:creationId xmlns:a16="http://schemas.microsoft.com/office/drawing/2014/main" id="{10ED49E6-F673-451D-892D-52B8D49DAB14}"/>
+                <a16:creationId xmlns:a16="http://schemas.microsoft.com/office/drawing/2014/main" xmlns="" id="{10ED49E6-F673-451D-892D-52B8D49DAB14}"/>
               </a:ext>
             </a:extLst>
           </p:cNvPr>
@@ -1293,7 +1291,7 @@
           <p:cNvPr id="3" name="Content Placeholder 2">
             <a:extLst>
               <a:ext uri="{FF2B5EF4-FFF2-40B4-BE49-F238E27FC236}">
-                <a16:creationId xmlns:a16="http://schemas.microsoft.com/office/drawing/2014/main" id="{76BC5C3B-ACFE-4482-A832-03AC581249B1}"/>
+                <a16:creationId xmlns:a16="http://schemas.microsoft.com/office/drawing/2014/main" xmlns="" id="{76BC5C3B-ACFE-4482-A832-03AC581249B1}"/>
               </a:ext>
             </a:extLst>
           </p:cNvPr>
@@ -1355,7 +1353,7 @@
           <p:cNvPr id="4" name="Content Placeholder 3">
             <a:extLst>
               <a:ext uri="{FF2B5EF4-FFF2-40B4-BE49-F238E27FC236}">
-                <a16:creationId xmlns:a16="http://schemas.microsoft.com/office/drawing/2014/main" id="{40A231FA-65B5-4230-B64A-B88BCEF670B4}"/>
+                <a16:creationId xmlns:a16="http://schemas.microsoft.com/office/drawing/2014/main" xmlns="" id="{40A231FA-65B5-4230-B64A-B88BCEF670B4}"/>
               </a:ext>
             </a:extLst>
           </p:cNvPr>
@@ -1417,7 +1415,7 @@
           <p:cNvPr id="5" name="Date Placeholder 4">
             <a:extLst>
               <a:ext uri="{FF2B5EF4-FFF2-40B4-BE49-F238E27FC236}">
-                <a16:creationId xmlns:a16="http://schemas.microsoft.com/office/drawing/2014/main" id="{67F72277-8ECF-4CB3-A8E4-6B1DC779BB60}"/>
+                <a16:creationId xmlns:a16="http://schemas.microsoft.com/office/drawing/2014/main" xmlns="" id="{67F72277-8ECF-4CB3-A8E4-6B1DC779BB60}"/>
               </a:ext>
             </a:extLst>
           </p:cNvPr>
@@ -1435,7 +1433,7 @@
           <a:p>
             <a:fld id="{8E423C67-9D6A-4F85-BFC6-5090D8CF0AB4}" type="datetimeFigureOut">
               <a:rPr lang="en-US" smtClean="0"/>
-              <a:t>12/7/2017</a:t>
+              <a:t>2017-12-07</a:t>
             </a:fld>
             <a:endParaRPr lang="en-US"/>
           </a:p>
@@ -1446,7 +1444,7 @@
           <p:cNvPr id="6" name="Footer Placeholder 5">
             <a:extLst>
               <a:ext uri="{FF2B5EF4-FFF2-40B4-BE49-F238E27FC236}">
-                <a16:creationId xmlns:a16="http://schemas.microsoft.com/office/drawing/2014/main" id="{DFD75405-06A3-4BB0-9072-41B4D1281F15}"/>
+                <a16:creationId xmlns:a16="http://schemas.microsoft.com/office/drawing/2014/main" xmlns="" id="{DFD75405-06A3-4BB0-9072-41B4D1281F15}"/>
               </a:ext>
             </a:extLst>
           </p:cNvPr>
@@ -1471,7 +1469,7 @@
           <p:cNvPr id="7" name="Slide Number Placeholder 6">
             <a:extLst>
               <a:ext uri="{FF2B5EF4-FFF2-40B4-BE49-F238E27FC236}">
-                <a16:creationId xmlns:a16="http://schemas.microsoft.com/office/drawing/2014/main" id="{B5B4B9AD-6AA0-4991-B07F-C13C79D75731}"/>
+                <a16:creationId xmlns:a16="http://schemas.microsoft.com/office/drawing/2014/main" xmlns="" id="{B5B4B9AD-6AA0-4991-B07F-C13C79D75731}"/>
               </a:ext>
             </a:extLst>
           </p:cNvPr>
@@ -1530,7 +1528,7 @@
           <p:cNvPr id="2" name="Title 1">
             <a:extLst>
               <a:ext uri="{FF2B5EF4-FFF2-40B4-BE49-F238E27FC236}">
-                <a16:creationId xmlns:a16="http://schemas.microsoft.com/office/drawing/2014/main" id="{DDF948DF-1DD2-4386-90B2-DB68C1D07E2D}"/>
+                <a16:creationId xmlns:a16="http://schemas.microsoft.com/office/drawing/2014/main" xmlns="" id="{DDF948DF-1DD2-4386-90B2-DB68C1D07E2D}"/>
               </a:ext>
             </a:extLst>
           </p:cNvPr>
@@ -1563,7 +1561,7 @@
           <p:cNvPr id="3" name="Text Placeholder 2">
             <a:extLst>
               <a:ext uri="{FF2B5EF4-FFF2-40B4-BE49-F238E27FC236}">
-                <a16:creationId xmlns:a16="http://schemas.microsoft.com/office/drawing/2014/main" id="{9EE6267F-4B2F-4A00-8BF4-79752C1B7494}"/>
+                <a16:creationId xmlns:a16="http://schemas.microsoft.com/office/drawing/2014/main" xmlns="" id="{9EE6267F-4B2F-4A00-8BF4-79752C1B7494}"/>
               </a:ext>
             </a:extLst>
           </p:cNvPr>
@@ -1634,7 +1632,7 @@
           <p:cNvPr id="4" name="Content Placeholder 3">
             <a:extLst>
               <a:ext uri="{FF2B5EF4-FFF2-40B4-BE49-F238E27FC236}">
-                <a16:creationId xmlns:a16="http://schemas.microsoft.com/office/drawing/2014/main" id="{3ABD9567-59B7-4E59-8589-D8F9496DBFE6}"/>
+                <a16:creationId xmlns:a16="http://schemas.microsoft.com/office/drawing/2014/main" xmlns="" id="{3ABD9567-59B7-4E59-8589-D8F9496DBFE6}"/>
               </a:ext>
             </a:extLst>
           </p:cNvPr>
@@ -1696,7 +1694,7 @@
           <p:cNvPr id="5" name="Text Placeholder 4">
             <a:extLst>
               <a:ext uri="{FF2B5EF4-FFF2-40B4-BE49-F238E27FC236}">
-                <a16:creationId xmlns:a16="http://schemas.microsoft.com/office/drawing/2014/main" id="{753B1704-496C-4556-ACE7-875F4B371852}"/>
+                <a16:creationId xmlns:a16="http://schemas.microsoft.com/office/drawing/2014/main" xmlns="" id="{753B1704-496C-4556-ACE7-875F4B371852}"/>
               </a:ext>
             </a:extLst>
           </p:cNvPr>
@@ -1767,7 +1765,7 @@
           <p:cNvPr id="6" name="Content Placeholder 5">
             <a:extLst>
               <a:ext uri="{FF2B5EF4-FFF2-40B4-BE49-F238E27FC236}">
-                <a16:creationId xmlns:a16="http://schemas.microsoft.com/office/drawing/2014/main" id="{C0EC14B4-3E8A-4FB6-9C50-C5B54CA04880}"/>
+                <a16:creationId xmlns:a16="http://schemas.microsoft.com/office/drawing/2014/main" xmlns="" id="{C0EC14B4-3E8A-4FB6-9C50-C5B54CA04880}"/>
               </a:ext>
             </a:extLst>
           </p:cNvPr>
@@ -1829,7 +1827,7 @@
           <p:cNvPr id="7" name="Date Placeholder 6">
             <a:extLst>
               <a:ext uri="{FF2B5EF4-FFF2-40B4-BE49-F238E27FC236}">
-                <a16:creationId xmlns:a16="http://schemas.microsoft.com/office/drawing/2014/main" id="{6FE91A59-D6B8-46D1-96D6-E03F9C08BE95}"/>
+                <a16:creationId xmlns:a16="http://schemas.microsoft.com/office/drawing/2014/main" xmlns="" id="{6FE91A59-D6B8-46D1-96D6-E03F9C08BE95}"/>
               </a:ext>
             </a:extLst>
           </p:cNvPr>
@@ -1847,7 +1845,7 @@
           <a:p>
             <a:fld id="{8E423C67-9D6A-4F85-BFC6-5090D8CF0AB4}" type="datetimeFigureOut">
               <a:rPr lang="en-US" smtClean="0"/>
-              <a:t>12/7/2017</a:t>
+              <a:t>2017-12-07</a:t>
             </a:fld>
             <a:endParaRPr lang="en-US"/>
           </a:p>
@@ -1858,7 +1856,7 @@
           <p:cNvPr id="8" name="Footer Placeholder 7">
             <a:extLst>
               <a:ext uri="{FF2B5EF4-FFF2-40B4-BE49-F238E27FC236}">
-                <a16:creationId xmlns:a16="http://schemas.microsoft.com/office/drawing/2014/main" id="{63E8F402-F253-4598-9290-8DD314902561}"/>
+                <a16:creationId xmlns:a16="http://schemas.microsoft.com/office/drawing/2014/main" xmlns="" id="{63E8F402-F253-4598-9290-8DD314902561}"/>
               </a:ext>
             </a:extLst>
           </p:cNvPr>
@@ -1883,7 +1881,7 @@
           <p:cNvPr id="9" name="Slide Number Placeholder 8">
             <a:extLst>
               <a:ext uri="{FF2B5EF4-FFF2-40B4-BE49-F238E27FC236}">
-                <a16:creationId xmlns:a16="http://schemas.microsoft.com/office/drawing/2014/main" id="{C135391B-B762-4149-B674-68400B60C4CA}"/>
+                <a16:creationId xmlns:a16="http://schemas.microsoft.com/office/drawing/2014/main" xmlns="" id="{C135391B-B762-4149-B674-68400B60C4CA}"/>
               </a:ext>
             </a:extLst>
           </p:cNvPr>
@@ -1942,7 +1940,7 @@
           <p:cNvPr id="2" name="Title 1">
             <a:extLst>
               <a:ext uri="{FF2B5EF4-FFF2-40B4-BE49-F238E27FC236}">
-                <a16:creationId xmlns:a16="http://schemas.microsoft.com/office/drawing/2014/main" id="{FDCF8A4F-C9CB-46AD-BEA5-F3E02EF83621}"/>
+                <a16:creationId xmlns:a16="http://schemas.microsoft.com/office/drawing/2014/main" xmlns="" id="{FDCF8A4F-C9CB-46AD-BEA5-F3E02EF83621}"/>
               </a:ext>
             </a:extLst>
           </p:cNvPr>
@@ -1970,7 +1968,7 @@
           <p:cNvPr id="3" name="Date Placeholder 2">
             <a:extLst>
               <a:ext uri="{FF2B5EF4-FFF2-40B4-BE49-F238E27FC236}">
-                <a16:creationId xmlns:a16="http://schemas.microsoft.com/office/drawing/2014/main" id="{05105858-46BE-4B4B-AC76-1DE884F4261D}"/>
+                <a16:creationId xmlns:a16="http://schemas.microsoft.com/office/drawing/2014/main" xmlns="" id="{05105858-46BE-4B4B-AC76-1DE884F4261D}"/>
               </a:ext>
             </a:extLst>
           </p:cNvPr>
@@ -1988,7 +1986,7 @@
           <a:p>
             <a:fld id="{8E423C67-9D6A-4F85-BFC6-5090D8CF0AB4}" type="datetimeFigureOut">
               <a:rPr lang="en-US" smtClean="0"/>
-              <a:t>12/7/2017</a:t>
+              <a:t>2017-12-07</a:t>
             </a:fld>
             <a:endParaRPr lang="en-US"/>
           </a:p>
@@ -1999,7 +1997,7 @@
           <p:cNvPr id="4" name="Footer Placeholder 3">
             <a:extLst>
               <a:ext uri="{FF2B5EF4-FFF2-40B4-BE49-F238E27FC236}">
-                <a16:creationId xmlns:a16="http://schemas.microsoft.com/office/drawing/2014/main" id="{81209C3A-40B3-447C-898C-0C4F7537036B}"/>
+                <a16:creationId xmlns:a16="http://schemas.microsoft.com/office/drawing/2014/main" xmlns="" id="{81209C3A-40B3-447C-898C-0C4F7537036B}"/>
               </a:ext>
             </a:extLst>
           </p:cNvPr>
@@ -2024,7 +2022,7 @@
           <p:cNvPr id="5" name="Slide Number Placeholder 4">
             <a:extLst>
               <a:ext uri="{FF2B5EF4-FFF2-40B4-BE49-F238E27FC236}">
-                <a16:creationId xmlns:a16="http://schemas.microsoft.com/office/drawing/2014/main" id="{E66D6103-6FAC-44FE-AFAC-35DCA54A5841}"/>
+                <a16:creationId xmlns:a16="http://schemas.microsoft.com/office/drawing/2014/main" xmlns="" id="{E66D6103-6FAC-44FE-AFAC-35DCA54A5841}"/>
               </a:ext>
             </a:extLst>
           </p:cNvPr>
@@ -2083,7 +2081,7 @@
           <p:cNvPr id="2" name="Date Placeholder 1">
             <a:extLst>
               <a:ext uri="{FF2B5EF4-FFF2-40B4-BE49-F238E27FC236}">
-                <a16:creationId xmlns:a16="http://schemas.microsoft.com/office/drawing/2014/main" id="{484A2280-0F1E-4438-B0D1-87FD5872FA23}"/>
+                <a16:creationId xmlns:a16="http://schemas.microsoft.com/office/drawing/2014/main" xmlns="" id="{484A2280-0F1E-4438-B0D1-87FD5872FA23}"/>
               </a:ext>
             </a:extLst>
           </p:cNvPr>
@@ -2101,7 +2099,7 @@
           <a:p>
             <a:fld id="{8E423C67-9D6A-4F85-BFC6-5090D8CF0AB4}" type="datetimeFigureOut">
               <a:rPr lang="en-US" smtClean="0"/>
-              <a:t>12/7/2017</a:t>
+              <a:t>2017-12-07</a:t>
             </a:fld>
             <a:endParaRPr lang="en-US"/>
           </a:p>
@@ -2112,7 +2110,7 @@
           <p:cNvPr id="3" name="Footer Placeholder 2">
             <a:extLst>
               <a:ext uri="{FF2B5EF4-FFF2-40B4-BE49-F238E27FC236}">
-                <a16:creationId xmlns:a16="http://schemas.microsoft.com/office/drawing/2014/main" id="{85054AD8-7FEF-49D9-A2DE-A9C7C3ECCA5F}"/>
+                <a16:creationId xmlns:a16="http://schemas.microsoft.com/office/drawing/2014/main" xmlns="" id="{85054AD8-7FEF-49D9-A2DE-A9C7C3ECCA5F}"/>
               </a:ext>
             </a:extLst>
           </p:cNvPr>
@@ -2137,7 +2135,7 @@
           <p:cNvPr id="4" name="Slide Number Placeholder 3">
             <a:extLst>
               <a:ext uri="{FF2B5EF4-FFF2-40B4-BE49-F238E27FC236}">
-                <a16:creationId xmlns:a16="http://schemas.microsoft.com/office/drawing/2014/main" id="{0B86E405-A339-4A02-AC4C-7EA2A1561C3B}"/>
+                <a16:creationId xmlns:a16="http://schemas.microsoft.com/office/drawing/2014/main" xmlns="" id="{0B86E405-A339-4A02-AC4C-7EA2A1561C3B}"/>
               </a:ext>
             </a:extLst>
           </p:cNvPr>
@@ -2196,7 +2194,7 @@
           <p:cNvPr id="2" name="Title 1">
             <a:extLst>
               <a:ext uri="{FF2B5EF4-FFF2-40B4-BE49-F238E27FC236}">
-                <a16:creationId xmlns:a16="http://schemas.microsoft.com/office/drawing/2014/main" id="{09A9CBF2-3028-467D-9303-C06F7A0D5655}"/>
+                <a16:creationId xmlns:a16="http://schemas.microsoft.com/office/drawing/2014/main" xmlns="" id="{09A9CBF2-3028-467D-9303-C06F7A0D5655}"/>
               </a:ext>
             </a:extLst>
           </p:cNvPr>
@@ -2233,7 +2231,7 @@
           <p:cNvPr id="3" name="Content Placeholder 2">
             <a:extLst>
               <a:ext uri="{FF2B5EF4-FFF2-40B4-BE49-F238E27FC236}">
-                <a16:creationId xmlns:a16="http://schemas.microsoft.com/office/drawing/2014/main" id="{B6918BF1-0F45-4A97-AA9E-A6B36E09FF9A}"/>
+                <a16:creationId xmlns:a16="http://schemas.microsoft.com/office/drawing/2014/main" xmlns="" id="{B6918BF1-0F45-4A97-AA9E-A6B36E09FF9A}"/>
               </a:ext>
             </a:extLst>
           </p:cNvPr>
@@ -2323,7 +2321,7 @@
           <p:cNvPr id="4" name="Text Placeholder 3">
             <a:extLst>
               <a:ext uri="{FF2B5EF4-FFF2-40B4-BE49-F238E27FC236}">
-                <a16:creationId xmlns:a16="http://schemas.microsoft.com/office/drawing/2014/main" id="{356FB0A4-9494-4382-A0FD-07C795DA06C8}"/>
+                <a16:creationId xmlns:a16="http://schemas.microsoft.com/office/drawing/2014/main" xmlns="" id="{356FB0A4-9494-4382-A0FD-07C795DA06C8}"/>
               </a:ext>
             </a:extLst>
           </p:cNvPr>
@@ -2394,7 +2392,7 @@
           <p:cNvPr id="5" name="Date Placeholder 4">
             <a:extLst>
               <a:ext uri="{FF2B5EF4-FFF2-40B4-BE49-F238E27FC236}">
-                <a16:creationId xmlns:a16="http://schemas.microsoft.com/office/drawing/2014/main" id="{B7282179-4D0B-4BEA-AEF3-0C82FFAF64C8}"/>
+                <a16:creationId xmlns:a16="http://schemas.microsoft.com/office/drawing/2014/main" xmlns="" id="{B7282179-4D0B-4BEA-AEF3-0C82FFAF64C8}"/>
               </a:ext>
             </a:extLst>
           </p:cNvPr>
@@ -2412,7 +2410,7 @@
           <a:p>
             <a:fld id="{8E423C67-9D6A-4F85-BFC6-5090D8CF0AB4}" type="datetimeFigureOut">
               <a:rPr lang="en-US" smtClean="0"/>
-              <a:t>12/7/2017</a:t>
+              <a:t>2017-12-07</a:t>
             </a:fld>
             <a:endParaRPr lang="en-US"/>
           </a:p>
@@ -2423,7 +2421,7 @@
           <p:cNvPr id="6" name="Footer Placeholder 5">
             <a:extLst>
               <a:ext uri="{FF2B5EF4-FFF2-40B4-BE49-F238E27FC236}">
-                <a16:creationId xmlns:a16="http://schemas.microsoft.com/office/drawing/2014/main" id="{46E4F919-BC65-4B8C-B6A4-6B75D65BAED8}"/>
+                <a16:creationId xmlns:a16="http://schemas.microsoft.com/office/drawing/2014/main" xmlns="" id="{46E4F919-BC65-4B8C-B6A4-6B75D65BAED8}"/>
               </a:ext>
             </a:extLst>
           </p:cNvPr>
@@ -2448,7 +2446,7 @@
           <p:cNvPr id="7" name="Slide Number Placeholder 6">
             <a:extLst>
               <a:ext uri="{FF2B5EF4-FFF2-40B4-BE49-F238E27FC236}">
-                <a16:creationId xmlns:a16="http://schemas.microsoft.com/office/drawing/2014/main" id="{CE4FA66B-0CC2-43E6-AB35-73A52D826B4E}"/>
+                <a16:creationId xmlns:a16="http://schemas.microsoft.com/office/drawing/2014/main" xmlns="" id="{CE4FA66B-0CC2-43E6-AB35-73A52D826B4E}"/>
               </a:ext>
             </a:extLst>
           </p:cNvPr>
@@ -2507,7 +2505,7 @@
           <p:cNvPr id="2" name="Title 1">
             <a:extLst>
               <a:ext uri="{FF2B5EF4-FFF2-40B4-BE49-F238E27FC236}">
-                <a16:creationId xmlns:a16="http://schemas.microsoft.com/office/drawing/2014/main" id="{949C5467-9872-42A4-9D20-EE8539A5EFB8}"/>
+                <a16:creationId xmlns:a16="http://schemas.microsoft.com/office/drawing/2014/main" xmlns="" id="{949C5467-9872-42A4-9D20-EE8539A5EFB8}"/>
               </a:ext>
             </a:extLst>
           </p:cNvPr>
@@ -2544,7 +2542,7 @@
           <p:cNvPr id="3" name="Picture Placeholder 2">
             <a:extLst>
               <a:ext uri="{FF2B5EF4-FFF2-40B4-BE49-F238E27FC236}">
-                <a16:creationId xmlns:a16="http://schemas.microsoft.com/office/drawing/2014/main" id="{CD2BD776-EB44-4D47-B39F-0246DE1B595B}"/>
+                <a16:creationId xmlns:a16="http://schemas.microsoft.com/office/drawing/2014/main" xmlns="" id="{CD2BD776-EB44-4D47-B39F-0246DE1B595B}"/>
               </a:ext>
             </a:extLst>
           </p:cNvPr>
@@ -2611,7 +2609,7 @@
           <p:cNvPr id="4" name="Text Placeholder 3">
             <a:extLst>
               <a:ext uri="{FF2B5EF4-FFF2-40B4-BE49-F238E27FC236}">
-                <a16:creationId xmlns:a16="http://schemas.microsoft.com/office/drawing/2014/main" id="{59ECD3CF-02E8-4D20-865E-02BA42A49532}"/>
+                <a16:creationId xmlns:a16="http://schemas.microsoft.com/office/drawing/2014/main" xmlns="" id="{59ECD3CF-02E8-4D20-865E-02BA42A49532}"/>
               </a:ext>
             </a:extLst>
           </p:cNvPr>
@@ -2682,7 +2680,7 @@
           <p:cNvPr id="5" name="Date Placeholder 4">
             <a:extLst>
               <a:ext uri="{FF2B5EF4-FFF2-40B4-BE49-F238E27FC236}">
-                <a16:creationId xmlns:a16="http://schemas.microsoft.com/office/drawing/2014/main" id="{E6B2109E-2F31-4DE3-8CEA-DE3C86F9A38C}"/>
+                <a16:creationId xmlns:a16="http://schemas.microsoft.com/office/drawing/2014/main" xmlns="" id="{E6B2109E-2F31-4DE3-8CEA-DE3C86F9A38C}"/>
               </a:ext>
             </a:extLst>
           </p:cNvPr>
@@ -2700,7 +2698,7 @@
           <a:p>
             <a:fld id="{8E423C67-9D6A-4F85-BFC6-5090D8CF0AB4}" type="datetimeFigureOut">
               <a:rPr lang="en-US" smtClean="0"/>
-              <a:t>12/7/2017</a:t>
+              <a:t>2017-12-07</a:t>
             </a:fld>
             <a:endParaRPr lang="en-US"/>
           </a:p>
@@ -2711,7 +2709,7 @@
           <p:cNvPr id="6" name="Footer Placeholder 5">
             <a:extLst>
               <a:ext uri="{FF2B5EF4-FFF2-40B4-BE49-F238E27FC236}">
-                <a16:creationId xmlns:a16="http://schemas.microsoft.com/office/drawing/2014/main" id="{8B5CA5A2-D2B8-4ED5-9640-9392D1A7AA70}"/>
+                <a16:creationId xmlns:a16="http://schemas.microsoft.com/office/drawing/2014/main" xmlns="" id="{8B5CA5A2-D2B8-4ED5-9640-9392D1A7AA70}"/>
               </a:ext>
             </a:extLst>
           </p:cNvPr>
@@ -2736,7 +2734,7 @@
           <p:cNvPr id="7" name="Slide Number Placeholder 6">
             <a:extLst>
               <a:ext uri="{FF2B5EF4-FFF2-40B4-BE49-F238E27FC236}">
-                <a16:creationId xmlns:a16="http://schemas.microsoft.com/office/drawing/2014/main" id="{43ED3C46-81E8-41F2-9834-F18A983176A0}"/>
+                <a16:creationId xmlns:a16="http://schemas.microsoft.com/office/drawing/2014/main" xmlns="" id="{43ED3C46-81E8-41F2-9834-F18A983176A0}"/>
               </a:ext>
             </a:extLst>
           </p:cNvPr>
@@ -2803,7 +2801,7 @@
           <p:cNvPr id="2" name="Title Placeholder 1">
             <a:extLst>
               <a:ext uri="{FF2B5EF4-FFF2-40B4-BE49-F238E27FC236}">
-                <a16:creationId xmlns:a16="http://schemas.microsoft.com/office/drawing/2014/main" id="{C7AAF08E-4D85-40AA-9CBA-7DBD9AB4E5FB}"/>
+                <a16:creationId xmlns:a16="http://schemas.microsoft.com/office/drawing/2014/main" xmlns="" id="{C7AAF08E-4D85-40AA-9CBA-7DBD9AB4E5FB}"/>
               </a:ext>
             </a:extLst>
           </p:cNvPr>
@@ -2841,7 +2839,7 @@
           <p:cNvPr id="3" name="Text Placeholder 2">
             <a:extLst>
               <a:ext uri="{FF2B5EF4-FFF2-40B4-BE49-F238E27FC236}">
-                <a16:creationId xmlns:a16="http://schemas.microsoft.com/office/drawing/2014/main" id="{C4C3D882-D2F6-4D90-961B-1743A27FEFF9}"/>
+                <a16:creationId xmlns:a16="http://schemas.microsoft.com/office/drawing/2014/main" xmlns="" id="{C4C3D882-D2F6-4D90-961B-1743A27FEFF9}"/>
               </a:ext>
             </a:extLst>
           </p:cNvPr>
@@ -2908,7 +2906,7 @@
           <p:cNvPr id="4" name="Date Placeholder 3">
             <a:extLst>
               <a:ext uri="{FF2B5EF4-FFF2-40B4-BE49-F238E27FC236}">
-                <a16:creationId xmlns:a16="http://schemas.microsoft.com/office/drawing/2014/main" id="{52C7BF11-732D-490D-B016-B70BC5215D7F}"/>
+                <a16:creationId xmlns:a16="http://schemas.microsoft.com/office/drawing/2014/main" xmlns="" id="{52C7BF11-732D-490D-B016-B70BC5215D7F}"/>
               </a:ext>
             </a:extLst>
           </p:cNvPr>
@@ -2944,7 +2942,7 @@
           <a:p>
             <a:fld id="{8E423C67-9D6A-4F85-BFC6-5090D8CF0AB4}" type="datetimeFigureOut">
               <a:rPr lang="en-US" smtClean="0"/>
-              <a:t>12/7/2017</a:t>
+              <a:t>2017-12-07</a:t>
             </a:fld>
             <a:endParaRPr lang="en-US"/>
           </a:p>
@@ -2955,7 +2953,7 @@
           <p:cNvPr id="5" name="Footer Placeholder 4">
             <a:extLst>
               <a:ext uri="{FF2B5EF4-FFF2-40B4-BE49-F238E27FC236}">
-                <a16:creationId xmlns:a16="http://schemas.microsoft.com/office/drawing/2014/main" id="{90F6EE10-A6BA-4959-8406-FFA61D7A2FD4}"/>
+                <a16:creationId xmlns:a16="http://schemas.microsoft.com/office/drawing/2014/main" xmlns="" id="{90F6EE10-A6BA-4959-8406-FFA61D7A2FD4}"/>
               </a:ext>
             </a:extLst>
           </p:cNvPr>
@@ -2998,7 +2996,7 @@
           <p:cNvPr id="6" name="Slide Number Placeholder 5">
             <a:extLst>
               <a:ext uri="{FF2B5EF4-FFF2-40B4-BE49-F238E27FC236}">
-                <a16:creationId xmlns:a16="http://schemas.microsoft.com/office/drawing/2014/main" id="{E9E7E0F3-F268-4405-929D-FE16B32E5849}"/>
+                <a16:creationId xmlns:a16="http://schemas.microsoft.com/office/drawing/2014/main" xmlns="" id="{E9E7E0F3-F268-4405-929D-FE16B32E5849}"/>
               </a:ext>
             </a:extLst>
           </p:cNvPr>
@@ -3366,7 +3364,7 @@
           <p:cNvPr id="2" name="Title 1">
             <a:extLst>
               <a:ext uri="{FF2B5EF4-FFF2-40B4-BE49-F238E27FC236}">
-                <a16:creationId xmlns:a16="http://schemas.microsoft.com/office/drawing/2014/main" id="{1126EA88-A9E3-4871-8DDA-4EE8195A9D29}"/>
+                <a16:creationId xmlns:a16="http://schemas.microsoft.com/office/drawing/2014/main" xmlns="" id="{1126EA88-A9E3-4871-8DDA-4EE8195A9D29}"/>
               </a:ext>
             </a:extLst>
           </p:cNvPr>
@@ -3406,7 +3404,7 @@
           <p:cNvPr id="3" name="Subtitle 2">
             <a:extLst>
               <a:ext uri="{FF2B5EF4-FFF2-40B4-BE49-F238E27FC236}">
-                <a16:creationId xmlns:a16="http://schemas.microsoft.com/office/drawing/2014/main" id="{EF3D0F4F-0963-4211-A80D-97B3ABEE1F01}"/>
+                <a16:creationId xmlns:a16="http://schemas.microsoft.com/office/drawing/2014/main" xmlns="" id="{EF3D0F4F-0963-4211-A80D-97B3ABEE1F01}"/>
               </a:ext>
             </a:extLst>
           </p:cNvPr>
@@ -3470,6 +3468,13 @@
   <p:clrMapOvr>
     <a:masterClrMapping/>
   </p:clrMapOvr>
+  <p:timing>
+    <p:tnLst>
+      <p:par>
+        <p:cTn id="1" dur="indefinite" restart="never" nodeType="tmRoot"/>
+      </p:par>
+    </p:tnLst>
+  </p:timing>
 </p:sld>
 </file>
 
@@ -3565,6 +3570,13 @@
   <p:clrMapOvr>
     <a:masterClrMapping/>
   </p:clrMapOvr>
+  <p:timing>
+    <p:tnLst>
+      <p:par>
+        <p:cTn id="1" dur="indefinite" restart="never" nodeType="tmRoot"/>
+      </p:par>
+    </p:tnLst>
+  </p:timing>
 </p:sld>
 </file>
 
@@ -3590,7 +3602,7 @@
           <p:cNvPr id="2" name="Title 1">
             <a:extLst>
               <a:ext uri="{FF2B5EF4-FFF2-40B4-BE49-F238E27FC236}">
-                <a16:creationId xmlns:a16="http://schemas.microsoft.com/office/drawing/2014/main" id="{259D0B7C-1D18-4B9B-9686-41CD01222471}"/>
+                <a16:creationId xmlns:a16="http://schemas.microsoft.com/office/drawing/2014/main" xmlns="" id="{259D0B7C-1D18-4B9B-9686-41CD01222471}"/>
               </a:ext>
             </a:extLst>
           </p:cNvPr>
@@ -3619,7 +3631,7 @@
           <p:cNvPr id="3" name="Content Placeholder 2">
             <a:extLst>
               <a:ext uri="{FF2B5EF4-FFF2-40B4-BE49-F238E27FC236}">
-                <a16:creationId xmlns:a16="http://schemas.microsoft.com/office/drawing/2014/main" id="{7171011C-A762-4A01-8962-0A7436AA633E}"/>
+                <a16:creationId xmlns:a16="http://schemas.microsoft.com/office/drawing/2014/main" xmlns="" id="{7171011C-A762-4A01-8962-0A7436AA633E}"/>
               </a:ext>
             </a:extLst>
           </p:cNvPr>
@@ -3827,10 +3839,18 @@
                   </a:srgbClr>
                 </a:solidFill>
               </a:rPr>
-              <a:t> for Updates</a:t>
-            </a:r>
-          </a:p>
-          <a:p>
+              <a:t> for Updates and </a:t>
+            </a:r>
+            <a:r>
+              <a:rPr lang="en-US" dirty="0">
+                <a:solidFill>
+                  <a:srgbClr val="F5F5F5">
+                    <a:alpha val="50000"/>
+                  </a:srgbClr>
+                </a:solidFill>
+              </a:rPr>
+              <a:t>Updating</a:t>
+            </a:r>
             <a:r>
               <a:rPr lang="en-US" dirty="0">
                 <a:solidFill>
@@ -3839,6 +3859,18 @@
                   </a:srgbClr>
                 </a:solidFill>
               </a:rPr>
+              <a:t> the Database</a:t>
+            </a:r>
+          </a:p>
+          <a:p>
+            <a:r>
+              <a:rPr lang="en-US" dirty="0">
+                <a:solidFill>
+                  <a:srgbClr val="824040">
+                    <a:alpha val="50000"/>
+                  </a:srgbClr>
+                </a:solidFill>
+              </a:rPr>
               <a:t> </a:t>
             </a:r>
             <a:r>
@@ -3849,7 +3881,7 @@
                   </a:srgbClr>
                 </a:solidFill>
               </a:rPr>
-              <a:t>Updating</a:t>
+              <a:t>Sending</a:t>
             </a:r>
             <a:r>
               <a:rPr lang="en-US" dirty="0">
@@ -3859,28 +3891,15 @@
                   </a:srgbClr>
                 </a:solidFill>
               </a:rPr>
-              <a:t> the Database and </a:t>
-            </a:r>
-            <a:r>
-              <a:rPr lang="en-US" dirty="0">
-                <a:solidFill>
-                  <a:srgbClr val="F5F5F5">
-                    <a:alpha val="50000"/>
-                  </a:srgbClr>
-                </a:solidFill>
-              </a:rPr>
-              <a:t>Sending</a:t>
-            </a:r>
-            <a:r>
-              <a:rPr lang="en-US" dirty="0">
-                <a:solidFill>
-                  <a:srgbClr val="824040">
-                    <a:alpha val="50000"/>
-                  </a:srgbClr>
-                </a:solidFill>
-              </a:rPr>
               <a:t> Emails</a:t>
             </a:r>
+            <a:endParaRPr lang="en-US" dirty="0">
+              <a:solidFill>
+                <a:srgbClr val="824040">
+                  <a:alpha val="50000"/>
+                </a:srgbClr>
+              </a:solidFill>
+            </a:endParaRPr>
           </a:p>
         </p:txBody>
       </p:sp>
@@ -3894,6 +3913,13 @@
   <p:clrMapOvr>
     <a:masterClrMapping/>
   </p:clrMapOvr>
+  <p:timing>
+    <p:tnLst>
+      <p:par>
+        <p:cTn id="1" dur="indefinite" restart="never" nodeType="tmRoot"/>
+      </p:par>
+    </p:tnLst>
+  </p:timing>
 </p:sld>
 </file>
 
@@ -3989,6 +4015,13 @@
   <p:clrMapOvr>
     <a:masterClrMapping/>
   </p:clrMapOvr>
+  <p:timing>
+    <p:tnLst>
+      <p:par>
+        <p:cTn id="1" dur="indefinite" restart="never" nodeType="tmRoot"/>
+      </p:par>
+    </p:tnLst>
+  </p:timing>
 </p:sld>
 </file>
 
@@ -4084,6 +4117,13 @@
   <p:clrMapOvr>
     <a:masterClrMapping/>
   </p:clrMapOvr>
+  <p:timing>
+    <p:tnLst>
+      <p:par>
+        <p:cTn id="1" dur="indefinite" restart="never" nodeType="tmRoot"/>
+      </p:par>
+    </p:tnLst>
+  </p:timing>
 </p:sld>
 </file>
 
@@ -4109,7 +4149,7 @@
           <p:cNvPr id="2" name="Title 1">
             <a:extLst>
               <a:ext uri="{FF2B5EF4-FFF2-40B4-BE49-F238E27FC236}">
-                <a16:creationId xmlns:a16="http://schemas.microsoft.com/office/drawing/2014/main" id="{259D0B7C-1D18-4B9B-9686-41CD01222471}"/>
+                <a16:creationId xmlns:a16="http://schemas.microsoft.com/office/drawing/2014/main" xmlns="" id="{259D0B7C-1D18-4B9B-9686-41CD01222471}"/>
               </a:ext>
             </a:extLst>
           </p:cNvPr>
@@ -4138,7 +4178,7 @@
           <p:cNvPr id="3" name="Content Placeholder 2">
             <a:extLst>
               <a:ext uri="{FF2B5EF4-FFF2-40B4-BE49-F238E27FC236}">
-                <a16:creationId xmlns:a16="http://schemas.microsoft.com/office/drawing/2014/main" id="{7171011C-A762-4A01-8962-0A7436AA633E}"/>
+                <a16:creationId xmlns:a16="http://schemas.microsoft.com/office/drawing/2014/main" xmlns="" id="{7171011C-A762-4A01-8962-0A7436AA633E}"/>
               </a:ext>
             </a:extLst>
           </p:cNvPr>
@@ -4332,7 +4372,7 @@
               <a:t> </a:t>
             </a:r>
             <a:r>
-              <a:rPr lang="en-US" dirty="0">
+              <a:rPr lang="en-US" dirty="0" smtClean="0">
                 <a:solidFill>
                   <a:srgbClr val="F5F5F5">
                     <a:alpha val="50000"/>
@@ -4342,17 +4382,15 @@
               <a:t>Searching</a:t>
             </a:r>
             <a:r>
-              <a:rPr lang="en-US" dirty="0">
+              <a:rPr lang="en-US" dirty="0" smtClean="0">
                 <a:solidFill>
                   <a:srgbClr val="824040">
                     <a:alpha val="50000"/>
                   </a:srgbClr>
                 </a:solidFill>
               </a:rPr>
-              <a:t> for Updates</a:t>
-            </a:r>
-          </a:p>
-          <a:p>
+              <a:t> </a:t>
+            </a:r>
             <a:r>
               <a:rPr lang="en-US" dirty="0">
                 <a:solidFill>
@@ -4361,6 +4399,38 @@
                   </a:srgbClr>
                 </a:solidFill>
               </a:rPr>
+              <a:t>for Updates and </a:t>
+            </a:r>
+            <a:r>
+              <a:rPr lang="en-US" dirty="0">
+                <a:solidFill>
+                  <a:srgbClr val="F5F5F5">
+                    <a:alpha val="50000"/>
+                  </a:srgbClr>
+                </a:solidFill>
+              </a:rPr>
+              <a:t>Updating</a:t>
+            </a:r>
+            <a:r>
+              <a:rPr lang="en-US" dirty="0">
+                <a:solidFill>
+                  <a:srgbClr val="824040">
+                    <a:alpha val="50000"/>
+                  </a:srgbClr>
+                </a:solidFill>
+              </a:rPr>
+              <a:t> the Database</a:t>
+            </a:r>
+          </a:p>
+          <a:p>
+            <a:r>
+              <a:rPr lang="en-US" dirty="0">
+                <a:solidFill>
+                  <a:srgbClr val="824040">
+                    <a:alpha val="50000"/>
+                  </a:srgbClr>
+                </a:solidFill>
+              </a:rPr>
               <a:t> </a:t>
             </a:r>
             <a:r>
@@ -4371,7 +4441,7 @@
                   </a:srgbClr>
                 </a:solidFill>
               </a:rPr>
-              <a:t>Updating</a:t>
+              <a:t>Sending</a:t>
             </a:r>
             <a:r>
               <a:rPr lang="en-US" dirty="0">
@@ -4381,28 +4451,15 @@
                   </a:srgbClr>
                 </a:solidFill>
               </a:rPr>
-              <a:t> the Database and </a:t>
-            </a:r>
-            <a:r>
-              <a:rPr lang="en-US" dirty="0">
-                <a:solidFill>
-                  <a:srgbClr val="F5F5F5">
-                    <a:alpha val="50000"/>
-                  </a:srgbClr>
-                </a:solidFill>
-              </a:rPr>
-              <a:t>Sending</a:t>
-            </a:r>
-            <a:r>
-              <a:rPr lang="en-US" dirty="0">
-                <a:solidFill>
-                  <a:srgbClr val="824040">
-                    <a:alpha val="50000"/>
-                  </a:srgbClr>
-                </a:solidFill>
-              </a:rPr>
               <a:t> Emails</a:t>
             </a:r>
+            <a:endParaRPr lang="en-US" dirty="0">
+              <a:solidFill>
+                <a:srgbClr val="824040">
+                  <a:alpha val="50000"/>
+                </a:srgbClr>
+              </a:solidFill>
+            </a:endParaRPr>
           </a:p>
         </p:txBody>
       </p:sp>
@@ -4416,6 +4473,13 @@
   <p:clrMapOvr>
     <a:masterClrMapping/>
   </p:clrMapOvr>
+  <p:timing>
+    <p:tnLst>
+      <p:par>
+        <p:cTn id="1" dur="indefinite" restart="never" nodeType="tmRoot"/>
+      </p:par>
+    </p:tnLst>
+  </p:timing>
 </p:sld>
 </file>
 
@@ -4512,6 +4576,13 @@
   <p:clrMapOvr>
     <a:masterClrMapping/>
   </p:clrMapOvr>
+  <p:timing>
+    <p:tnLst>
+      <p:par>
+        <p:cTn id="1" dur="indefinite" restart="never" nodeType="tmRoot"/>
+      </p:par>
+    </p:tnLst>
+  </p:timing>
 </p:sld>
 </file>
 
@@ -4537,7 +4608,7 @@
           <p:cNvPr id="2" name="Title 1">
             <a:extLst>
               <a:ext uri="{FF2B5EF4-FFF2-40B4-BE49-F238E27FC236}">
-                <a16:creationId xmlns:a16="http://schemas.microsoft.com/office/drawing/2014/main" id="{259D0B7C-1D18-4B9B-9686-41CD01222471}"/>
+                <a16:creationId xmlns:a16="http://schemas.microsoft.com/office/drawing/2014/main" xmlns="" id="{259D0B7C-1D18-4B9B-9686-41CD01222471}"/>
               </a:ext>
             </a:extLst>
           </p:cNvPr>
@@ -4566,7 +4637,7 @@
           <p:cNvPr id="3" name="Content Placeholder 2">
             <a:extLst>
               <a:ext uri="{FF2B5EF4-FFF2-40B4-BE49-F238E27FC236}">
-                <a16:creationId xmlns:a16="http://schemas.microsoft.com/office/drawing/2014/main" id="{7171011C-A762-4A01-8962-0A7436AA633E}"/>
+                <a16:creationId xmlns:a16="http://schemas.microsoft.com/office/drawing/2014/main" xmlns="" id="{7171011C-A762-4A01-8962-0A7436AA633E}"/>
               </a:ext>
             </a:extLst>
           </p:cNvPr>
@@ -4777,39 +4848,56 @@
                   </a:srgbClr>
                 </a:solidFill>
               </a:rPr>
-              <a:t> for Updates</a:t>
-            </a:r>
-          </a:p>
-          <a:p>
-            <a:r>
-              <a:rPr lang="en-US" dirty="0">
+              <a:t> for </a:t>
+            </a:r>
+            <a:r>
+              <a:rPr lang="en-US" dirty="0" smtClean="0">
                 <a:solidFill>
                   <a:srgbClr val="824040">
                     <a:alpha val="50000"/>
                   </a:srgbClr>
                 </a:solidFill>
               </a:rPr>
+              <a:t>Updates and </a:t>
+            </a:r>
+            <a:r>
+              <a:rPr lang="en-US" dirty="0">
+                <a:solidFill>
+                  <a:srgbClr val="F5F5F5">
+                    <a:alpha val="50000"/>
+                  </a:srgbClr>
+                </a:solidFill>
+              </a:rPr>
+              <a:t>Updating</a:t>
+            </a:r>
+            <a:r>
+              <a:rPr lang="en-US" dirty="0">
+                <a:solidFill>
+                  <a:srgbClr val="824040">
+                    <a:alpha val="50000"/>
+                  </a:srgbClr>
+                </a:solidFill>
+              </a:rPr>
+              <a:t> the Database</a:t>
+            </a:r>
+            <a:endParaRPr lang="en-US" dirty="0">
+              <a:solidFill>
+                <a:srgbClr val="824040">
+                  <a:alpha val="50000"/>
+                </a:srgbClr>
+              </a:solidFill>
+            </a:endParaRPr>
+          </a:p>
+          <a:p>
+            <a:r>
+              <a:rPr lang="en-US" dirty="0" smtClean="0">
+                <a:solidFill>
+                  <a:srgbClr val="824040">
+                    <a:alpha val="50000"/>
+                  </a:srgbClr>
+                </a:solidFill>
+              </a:rPr>
               <a:t> </a:t>
-            </a:r>
-            <a:r>
-              <a:rPr lang="en-US" dirty="0">
-                <a:solidFill>
-                  <a:srgbClr val="F5F5F5">
-                    <a:alpha val="50000"/>
-                  </a:srgbClr>
-                </a:solidFill>
-              </a:rPr>
-              <a:t>Updating</a:t>
-            </a:r>
-            <a:r>
-              <a:rPr lang="en-US" dirty="0">
-                <a:solidFill>
-                  <a:srgbClr val="824040">
-                    <a:alpha val="50000"/>
-                  </a:srgbClr>
-                </a:solidFill>
-              </a:rPr>
-              <a:t> the Database and </a:t>
             </a:r>
             <a:r>
               <a:rPr lang="en-US" dirty="0">
@@ -4844,6 +4932,13 @@
   <p:clrMapOvr>
     <a:masterClrMapping/>
   </p:clrMapOvr>
+  <p:timing>
+    <p:tnLst>
+      <p:par>
+        <p:cTn id="1" dur="indefinite" restart="never" nodeType="tmRoot"/>
+      </p:par>
+    </p:tnLst>
+  </p:timing>
 </p:sld>
 </file>
 
@@ -4940,6 +5035,13 @@
   <p:clrMapOvr>
     <a:masterClrMapping/>
   </p:clrMapOvr>
+  <p:timing>
+    <p:tnLst>
+      <p:par>
+        <p:cTn id="1" dur="indefinite" restart="never" nodeType="tmRoot"/>
+      </p:par>
+    </p:tnLst>
+  </p:timing>
 </p:sld>
 </file>
 
@@ -5036,6 +5138,13 @@
   <p:clrMapOvr>
     <a:masterClrMapping/>
   </p:clrMapOvr>
+  <p:timing>
+    <p:tnLst>
+      <p:par>
+        <p:cTn id="1" dur="indefinite" restart="never" nodeType="tmRoot"/>
+      </p:par>
+    </p:tnLst>
+  </p:timing>
 </p:sld>
 </file>
 
@@ -5061,7 +5170,7 @@
           <p:cNvPr id="2" name="Title 1">
             <a:extLst>
               <a:ext uri="{FF2B5EF4-FFF2-40B4-BE49-F238E27FC236}">
-                <a16:creationId xmlns:a16="http://schemas.microsoft.com/office/drawing/2014/main" id="{259D0B7C-1D18-4B9B-9686-41CD01222471}"/>
+                <a16:creationId xmlns:a16="http://schemas.microsoft.com/office/drawing/2014/main" xmlns="" id="{259D0B7C-1D18-4B9B-9686-41CD01222471}"/>
               </a:ext>
             </a:extLst>
           </p:cNvPr>
@@ -5090,7 +5199,7 @@
           <p:cNvPr id="3" name="Content Placeholder 2">
             <a:extLst>
               <a:ext uri="{FF2B5EF4-FFF2-40B4-BE49-F238E27FC236}">
-                <a16:creationId xmlns:a16="http://schemas.microsoft.com/office/drawing/2014/main" id="{7171011C-A762-4A01-8962-0A7436AA633E}"/>
+                <a16:creationId xmlns:a16="http://schemas.microsoft.com/office/drawing/2014/main" xmlns="" id="{7171011C-A762-4A01-8962-0A7436AA633E}"/>
               </a:ext>
             </a:extLst>
           </p:cNvPr>
@@ -5101,7 +5210,12 @@
             <p:ph idx="1"/>
           </p:nvPr>
         </p:nvSpPr>
-        <p:spPr/>
+        <p:spPr>
+          <a:xfrm>
+            <a:off x="838200" y="1825625"/>
+            <a:ext cx="11055178" cy="4351338"/>
+          </a:xfrm>
+        </p:spPr>
         <p:txBody>
           <a:bodyPr/>
           <a:lstStyle/>
@@ -5284,12 +5398,26 @@
             </a:r>
             <a:r>
               <a:rPr lang="en-US" sz="3600" dirty="0"/>
-              <a:t> for Updates</a:t>
-            </a:r>
-          </a:p>
-          <a:p>
-            <a:r>
-              <a:rPr lang="en-US" dirty="0">
+              <a:t> for </a:t>
+            </a:r>
+            <a:r>
+              <a:rPr lang="en-US" sz="3600" dirty="0" smtClean="0"/>
+              <a:t>Updates and </a:t>
+            </a:r>
+            <a:r>
+              <a:rPr lang="en-US" sz="3600" dirty="0">
+                <a:solidFill>
+                  <a:srgbClr val="F5F5F5"/>
+                </a:solidFill>
+              </a:rPr>
+              <a:t>Updating</a:t>
+            </a:r>
+            <a:r>
+              <a:rPr lang="en-US" sz="3600" dirty="0"/>
+              <a:t> the Database</a:t>
+            </a:r>
+            <a:r>
+              <a:rPr lang="en-US" sz="3600" dirty="0">
                 <a:solidFill>
                   <a:srgbClr val="824040">
                     <a:alpha val="50000"/>
@@ -5298,35 +5426,38 @@
               </a:rPr>
               <a:t> </a:t>
             </a:r>
-            <a:r>
-              <a:rPr lang="en-US" dirty="0">
+            <a:endParaRPr lang="en-US" sz="3600" dirty="0"/>
+          </a:p>
+          <a:p>
+            <a:r>
+              <a:rPr lang="en-US" dirty="0" smtClean="0">
+                <a:solidFill>
+                  <a:srgbClr val="824040">
+                    <a:alpha val="50000"/>
+                  </a:srgbClr>
+                </a:solidFill>
+              </a:rPr>
+              <a:t> </a:t>
+            </a:r>
+            <a:r>
+              <a:rPr lang="en-US" dirty="0" smtClean="0">
                 <a:solidFill>
                   <a:srgbClr val="F5F5F5">
                     <a:alpha val="50000"/>
                   </a:srgbClr>
                 </a:solidFill>
               </a:rPr>
-              <a:t>Updating</a:t>
-            </a:r>
-            <a:r>
-              <a:rPr lang="en-US" dirty="0">
+              <a:t>Sending</a:t>
+            </a:r>
+            <a:r>
+              <a:rPr lang="en-US" dirty="0" smtClean="0">
                 <a:solidFill>
                   <a:srgbClr val="824040">
                     <a:alpha val="50000"/>
                   </a:srgbClr>
                 </a:solidFill>
               </a:rPr>
-              <a:t> the Database and </a:t>
-            </a:r>
-            <a:r>
-              <a:rPr lang="en-US" dirty="0">
-                <a:solidFill>
-                  <a:srgbClr val="F5F5F5">
-                    <a:alpha val="50000"/>
-                  </a:srgbClr>
-                </a:solidFill>
-              </a:rPr>
-              <a:t>Sending</a:t>
+              <a:t> </a:t>
             </a:r>
             <a:r>
               <a:rPr lang="en-US" dirty="0">
@@ -5336,7 +5467,7 @@
                   </a:srgbClr>
                 </a:solidFill>
               </a:rPr>
-              <a:t> Emails</a:t>
+              <a:t>Emails</a:t>
             </a:r>
           </a:p>
         </p:txBody>
@@ -5351,6 +5482,13 @@
   <p:clrMapOvr>
     <a:masterClrMapping/>
   </p:clrMapOvr>
+  <p:timing>
+    <p:tnLst>
+      <p:par>
+        <p:cTn id="1" dur="indefinite" restart="never" nodeType="tmRoot"/>
+      </p:par>
+    </p:tnLst>
+  </p:timing>
 </p:sld>
 </file>
 
@@ -5376,7 +5514,7 @@
           <p:cNvPr id="2" name="Title 1">
             <a:extLst>
               <a:ext uri="{FF2B5EF4-FFF2-40B4-BE49-F238E27FC236}">
-                <a16:creationId xmlns:a16="http://schemas.microsoft.com/office/drawing/2014/main" id="{BDC5B3F6-D021-43C8-B57F-075FB0C69BAA}"/>
+                <a16:creationId xmlns:a16="http://schemas.microsoft.com/office/drawing/2014/main" xmlns="" id="{BDC5B3F6-D021-43C8-B57F-075FB0C69BAA}"/>
               </a:ext>
             </a:extLst>
           </p:cNvPr>
@@ -5405,7 +5543,7 @@
           <p:cNvPr id="3" name="Content Placeholder 2">
             <a:extLst>
               <a:ext uri="{FF2B5EF4-FFF2-40B4-BE49-F238E27FC236}">
-                <a16:creationId xmlns:a16="http://schemas.microsoft.com/office/drawing/2014/main" id="{70E2E14D-469D-42A3-83E1-C42B51320693}"/>
+                <a16:creationId xmlns:a16="http://schemas.microsoft.com/office/drawing/2014/main" xmlns="" id="{70E2E14D-469D-42A3-83E1-C42B51320693}"/>
               </a:ext>
             </a:extLst>
           </p:cNvPr>
@@ -5424,8 +5562,12 @@
           <a:lstStyle/>
           <a:p>
             <a:r>
+              <a:rPr lang="en-US" dirty="0" smtClean="0"/>
+              <a:t>Website </a:t>
+            </a:r>
+            <a:r>
               <a:rPr lang="en-US" dirty="0"/>
-              <a:t>A website that </a:t>
+              <a:t>that </a:t>
             </a:r>
             <a:r>
               <a:rPr lang="en-US" dirty="0">
@@ -5437,38 +5579,13 @@
             </a:r>
             <a:r>
               <a:rPr lang="en-US" dirty="0"/>
-              <a:t> a list of websites that you provide.</a:t>
-            </a:r>
-          </a:p>
-          <a:p>
-            <a:r>
-              <a:rPr lang="en-US" dirty="0"/>
-              <a:t>Sends an </a:t>
-            </a:r>
-            <a:r>
-              <a:rPr lang="en-US" dirty="0">
-                <a:solidFill>
-                  <a:srgbClr val="F5F5F5"/>
-                </a:solidFill>
-              </a:rPr>
-              <a:t>email</a:t>
-            </a:r>
-            <a:r>
-              <a:rPr lang="en-US" dirty="0"/>
-              <a:t> when it discovers that one of the websites have </a:t>
-            </a:r>
-            <a:r>
-              <a:rPr lang="en-US" dirty="0">
-                <a:solidFill>
-                  <a:srgbClr val="F5F5F5"/>
-                </a:solidFill>
-              </a:rPr>
-              <a:t>updated</a:t>
-            </a:r>
-            <a:r>
-              <a:rPr lang="en-US" dirty="0"/>
-              <a:t>.</a:t>
-            </a:r>
+              <a:t> a list of </a:t>
+            </a:r>
+            <a:r>
+              <a:rPr lang="en-US" dirty="0" smtClean="0"/>
+              <a:t>user-provided websites.</a:t>
+            </a:r>
+            <a:endParaRPr lang="en-US" dirty="0"/>
           </a:p>
           <a:p>
             <a:pPr>
@@ -5496,9 +5613,10 @@
               <a:t> </a:t>
             </a:r>
             <a:r>
-              <a:rPr lang="en-US" dirty="0"/>
-              <a:t>with personalized lists of websites.</a:t>
-            </a:r>
+              <a:rPr lang="en-US" dirty="0" smtClean="0"/>
+              <a:t>for personalization.</a:t>
+            </a:r>
+            <a:endParaRPr lang="en-US" dirty="0"/>
           </a:p>
           <a:p>
             <a:r>
@@ -5514,11 +5632,56 @@
               <a:t>Optional</a:t>
             </a:r>
             <a:r>
+              <a:rPr lang="en-US" dirty="0" smtClean="0"/>
+              <a:t>.</a:t>
+            </a:r>
+            <a:endParaRPr lang="en-US" dirty="0" smtClean="0"/>
+          </a:p>
+          <a:p>
+            <a:r>
+              <a:rPr lang="en-US" dirty="0" smtClean="0"/>
+              <a:t>Sends </a:t>
+            </a:r>
+            <a:r>
               <a:rPr lang="en-US" dirty="0"/>
+              <a:t>an </a:t>
+            </a:r>
+            <a:r>
+              <a:rPr lang="en-US" dirty="0">
+                <a:solidFill>
+                  <a:srgbClr val="F5F5F5"/>
+                </a:solidFill>
+              </a:rPr>
+              <a:t>email</a:t>
+            </a:r>
+            <a:r>
+              <a:rPr lang="en-US" dirty="0"/>
+              <a:t> when it discovers </a:t>
+            </a:r>
+            <a:r>
+              <a:rPr lang="en-US" dirty="0" smtClean="0"/>
+              <a:t>a website has </a:t>
+            </a:r>
+            <a:r>
+              <a:rPr lang="en-US" dirty="0" smtClean="0">
+                <a:solidFill>
+                  <a:srgbClr val="F5F5F5"/>
+                </a:solidFill>
+              </a:rPr>
+              <a:t>updated</a:t>
+            </a:r>
+            <a:r>
+              <a:rPr lang="en-US" dirty="0" smtClean="0"/>
               <a:t>.</a:t>
             </a:r>
-          </a:p>
-          <a:p>
+            <a:endParaRPr lang="en-US" dirty="0"/>
+          </a:p>
+          <a:p>
+            <a:pPr>
+              <a:buClr>
+                <a:srgbClr val="824040"/>
+              </a:buClr>
+            </a:pPr>
             <a:r>
               <a:rPr lang="en-US" dirty="0"/>
               <a:t>Caveat: Only </a:t>
@@ -5545,8 +5708,13 @@
             </a:r>
             <a:r>
               <a:rPr lang="en-US" dirty="0"/>
-              <a:t> Allowed.</a:t>
-            </a:r>
+              <a:t> Allowed</a:t>
+            </a:r>
+            <a:r>
+              <a:rPr lang="en-US" dirty="0" smtClean="0"/>
+              <a:t>.</a:t>
+            </a:r>
+            <a:endParaRPr lang="en-US" dirty="0"/>
           </a:p>
           <a:p>
             <a:pPr marL="0" indent="0">
@@ -5566,6 +5734,13 @@
   <p:clrMapOvr>
     <a:masterClrMapping/>
   </p:clrMapOvr>
+  <p:timing>
+    <p:tnLst>
+      <p:par>
+        <p:cTn id="1" dur="indefinite" restart="never" nodeType="tmRoot"/>
+      </p:par>
+    </p:tnLst>
+  </p:timing>
 </p:sld>
 </file>
 
@@ -5596,14 +5771,21 @@
             <p:ph type="title"/>
           </p:nvPr>
         </p:nvSpPr>
-        <p:spPr/>
-        <p:txBody>
-          <a:bodyPr/>
+        <p:spPr>
+          <a:xfrm>
+            <a:off x="67963" y="365125"/>
+            <a:ext cx="11936626" cy="1325563"/>
+          </a:xfrm>
+        </p:spPr>
+        <p:txBody>
+          <a:bodyPr>
+            <a:normAutofit/>
+          </a:bodyPr>
           <a:lstStyle/>
           <a:p>
             <a:pPr algn="ctr"/>
             <a:r>
-              <a:rPr lang="en-US" dirty="0">
+              <a:rPr lang="en-US" sz="4000" dirty="0">
                 <a:solidFill>
                   <a:srgbClr val="F5F5F5"/>
                 </a:solidFill>
@@ -5611,9 +5793,22 @@
               <a:t>Searching</a:t>
             </a:r>
             <a:r>
-              <a:rPr lang="en-US" dirty="0"/>
-              <a:t> for Updates</a:t>
-            </a:r>
+              <a:rPr lang="en-US" sz="4000" dirty="0"/>
+              <a:t> for Updates and </a:t>
+            </a:r>
+            <a:r>
+              <a:rPr lang="en-US" sz="4000" dirty="0">
+                <a:solidFill>
+                  <a:srgbClr val="F5F5F5"/>
+                </a:solidFill>
+              </a:rPr>
+              <a:t>Updating</a:t>
+            </a:r>
+            <a:r>
+              <a:rPr lang="en-US" sz="4000" dirty="0"/>
+              <a:t> the Database</a:t>
+            </a:r>
+            <a:endParaRPr lang="en-US" sz="4000" dirty="0"/>
           </a:p>
         </p:txBody>
       </p:sp>
@@ -5656,6 +5851,13 @@
   <p:clrMapOvr>
     <a:masterClrMapping/>
   </p:clrMapOvr>
+  <p:timing>
+    <p:tnLst>
+      <p:par>
+        <p:cTn id="1" dur="indefinite" restart="never" nodeType="tmRoot"/>
+      </p:par>
+    </p:tnLst>
+  </p:timing>
 </p:sld>
 </file>
 
@@ -5681,7 +5883,7 @@
           <p:cNvPr id="2" name="Title 1">
             <a:extLst>
               <a:ext uri="{FF2B5EF4-FFF2-40B4-BE49-F238E27FC236}">
-                <a16:creationId xmlns:a16="http://schemas.microsoft.com/office/drawing/2014/main" id="{259D0B7C-1D18-4B9B-9686-41CD01222471}"/>
+                <a16:creationId xmlns:a16="http://schemas.microsoft.com/office/drawing/2014/main" xmlns="" id="{259D0B7C-1D18-4B9B-9686-41CD01222471}"/>
               </a:ext>
             </a:extLst>
           </p:cNvPr>
@@ -5710,7 +5912,7 @@
           <p:cNvPr id="3" name="Content Placeholder 2">
             <a:extLst>
               <a:ext uri="{FF2B5EF4-FFF2-40B4-BE49-F238E27FC236}">
-                <a16:creationId xmlns:a16="http://schemas.microsoft.com/office/drawing/2014/main" id="{7171011C-A762-4A01-8962-0A7436AA633E}"/>
+                <a16:creationId xmlns:a16="http://schemas.microsoft.com/office/drawing/2014/main" xmlns="" id="{7171011C-A762-4A01-8962-0A7436AA633E}"/>
               </a:ext>
             </a:extLst>
           </p:cNvPr>
@@ -5917,471 +6119,24 @@
           </a:p>
           <a:p>
             <a:r>
-              <a:rPr lang="en-US" dirty="0">
-                <a:solidFill>
-                  <a:srgbClr val="824040">
-                    <a:alpha val="50000"/>
-                  </a:srgbClr>
-                </a:solidFill>
-              </a:rPr>
+              <a:rPr lang="en-US" sz="3600" dirty="0" smtClean="0"/>
               <a:t> </a:t>
             </a:r>
             <a:r>
-              <a:rPr lang="en-US" sz="3600" dirty="0">
+              <a:rPr lang="en-US" sz="3600" dirty="0" smtClean="0">
                 <a:solidFill>
                   <a:srgbClr val="F5F5F5"/>
                 </a:solidFill>
               </a:rPr>
-              <a:t>Updating</a:t>
+              <a:t>Sending</a:t>
+            </a:r>
+            <a:r>
+              <a:rPr lang="en-US" sz="3600" dirty="0" smtClean="0"/>
+              <a:t> </a:t>
             </a:r>
             <a:r>
               <a:rPr lang="en-US" sz="3600" dirty="0"/>
-              <a:t> the Database</a:t>
-            </a:r>
-            <a:r>
-              <a:rPr lang="en-US" sz="3600" dirty="0">
-                <a:solidFill>
-                  <a:srgbClr val="824040">
-                    <a:alpha val="50000"/>
-                  </a:srgbClr>
-                </a:solidFill>
-              </a:rPr>
-              <a:t> </a:t>
-            </a:r>
-            <a:r>
-              <a:rPr lang="en-US" dirty="0">
-                <a:solidFill>
-                  <a:srgbClr val="824040">
-                    <a:alpha val="50000"/>
-                  </a:srgbClr>
-                </a:solidFill>
-              </a:rPr>
-              <a:t>and </a:t>
-            </a:r>
-            <a:r>
-              <a:rPr lang="en-US" dirty="0">
-                <a:solidFill>
-                  <a:srgbClr val="F5F5F5">
-                    <a:alpha val="50000"/>
-                  </a:srgbClr>
-                </a:solidFill>
-              </a:rPr>
-              <a:t>Sending</a:t>
-            </a:r>
-            <a:r>
-              <a:rPr lang="en-US" dirty="0">
-                <a:solidFill>
-                  <a:srgbClr val="824040">
-                    <a:alpha val="50000"/>
-                  </a:srgbClr>
-                </a:solidFill>
-              </a:rPr>
-              <a:t> Emails</a:t>
-            </a:r>
-          </a:p>
-        </p:txBody>
-      </p:sp>
-    </p:spTree>
-    <p:extLst>
-      <p:ext uri="{BB962C8B-B14F-4D97-AF65-F5344CB8AC3E}">
-        <p14:creationId xmlns:p14="http://schemas.microsoft.com/office/powerpoint/2010/main" val="3987627475"/>
-      </p:ext>
-    </p:extLst>
-  </p:cSld>
-  <p:clrMapOvr>
-    <a:masterClrMapping/>
-  </p:clrMapOvr>
-</p:sld>
-</file>
-
-<file path=ppt/slides/slide22.xml><?xml version="1.0" encoding="utf-8"?>
-<p:sld xmlns:a="http://schemas.openxmlformats.org/drawingml/2006/main" xmlns:r="http://schemas.openxmlformats.org/officeDocument/2006/relationships" xmlns:p="http://schemas.openxmlformats.org/presentationml/2006/main">
-  <p:cSld>
-    <p:spTree>
-      <p:nvGrpSpPr>
-        <p:cNvPr id="1" name=""/>
-        <p:cNvGrpSpPr/>
-        <p:nvPr/>
-      </p:nvGrpSpPr>
-      <p:grpSpPr>
-        <a:xfrm>
-          <a:off x="0" y="0"/>
-          <a:ext cx="0" cy="0"/>
-          <a:chOff x="0" y="0"/>
-          <a:chExt cx="0" cy="0"/>
-        </a:xfrm>
-      </p:grpSpPr>
-      <p:sp>
-        <p:nvSpPr>
-          <p:cNvPr id="2" name="Title 1"/>
-          <p:cNvSpPr>
-            <a:spLocks noGrp="1"/>
-          </p:cNvSpPr>
-          <p:nvPr>
-            <p:ph type="title"/>
-          </p:nvPr>
-        </p:nvSpPr>
-        <p:spPr/>
-        <p:txBody>
-          <a:bodyPr/>
-          <a:lstStyle/>
-          <a:p>
-            <a:pPr algn="ctr"/>
-            <a:r>
-              <a:rPr lang="en-US" dirty="0">
-                <a:solidFill>
-                  <a:srgbClr val="F5F5F5"/>
-                </a:solidFill>
-              </a:rPr>
-              <a:t>Updating</a:t>
-            </a:r>
-            <a:r>
-              <a:rPr lang="en-US" dirty="0"/>
-              <a:t> the Database</a:t>
-            </a:r>
-          </a:p>
-        </p:txBody>
-      </p:sp>
-      <p:pic>
-        <p:nvPicPr>
-          <p:cNvPr id="4" name="Content Placeholder 3"/>
-          <p:cNvPicPr>
-            <a:picLocks noGrp="1" noChangeAspect="1"/>
-          </p:cNvPicPr>
-          <p:nvPr>
-            <p:ph idx="1"/>
-          </p:nvPr>
-        </p:nvPicPr>
-        <p:blipFill>
-          <a:blip r:embed="rId2" cstate="print">
-            <a:extLst>
-              <a:ext uri="{28A0092B-C50C-407E-A947-70E740481C1C}">
-                <a14:useLocalDpi xmlns:a14="http://schemas.microsoft.com/office/drawing/2010/main" val="0"/>
-              </a:ext>
-            </a:extLst>
-          </a:blip>
-          <a:stretch>
-            <a:fillRect/>
-          </a:stretch>
-        </p:blipFill>
-        <p:spPr>
-          <a:xfrm>
-            <a:off x="3054456" y="1825625"/>
-            <a:ext cx="6083088" cy="4351338"/>
-          </a:xfrm>
-        </p:spPr>
-      </p:pic>
-    </p:spTree>
-    <p:extLst>
-      <p:ext uri="{BB962C8B-B14F-4D97-AF65-F5344CB8AC3E}">
-        <p14:creationId xmlns:p14="http://schemas.microsoft.com/office/powerpoint/2010/main" val="2748990136"/>
-      </p:ext>
-    </p:extLst>
-  </p:cSld>
-  <p:clrMapOvr>
-    <a:masterClrMapping/>
-  </p:clrMapOvr>
-</p:sld>
-</file>
-
-<file path=ppt/slides/slide23.xml><?xml version="1.0" encoding="utf-8"?>
-<p:sld xmlns:a="http://schemas.openxmlformats.org/drawingml/2006/main" xmlns:r="http://schemas.openxmlformats.org/officeDocument/2006/relationships" xmlns:p="http://schemas.openxmlformats.org/presentationml/2006/main">
-  <p:cSld>
-    <p:spTree>
-      <p:nvGrpSpPr>
-        <p:cNvPr id="1" name=""/>
-        <p:cNvGrpSpPr/>
-        <p:nvPr/>
-      </p:nvGrpSpPr>
-      <p:grpSpPr>
-        <a:xfrm>
-          <a:off x="0" y="0"/>
-          <a:ext cx="0" cy="0"/>
-          <a:chOff x="0" y="0"/>
-          <a:chExt cx="0" cy="0"/>
-        </a:xfrm>
-      </p:grpSpPr>
-      <p:sp>
-        <p:nvSpPr>
-          <p:cNvPr id="2" name="Title 1">
-            <a:extLst>
-              <a:ext uri="{FF2B5EF4-FFF2-40B4-BE49-F238E27FC236}">
-                <a16:creationId xmlns:a16="http://schemas.microsoft.com/office/drawing/2014/main" id="{259D0B7C-1D18-4B9B-9686-41CD01222471}"/>
-              </a:ext>
-            </a:extLst>
-          </p:cNvPr>
-          <p:cNvSpPr>
-            <a:spLocks noGrp="1"/>
-          </p:cNvSpPr>
-          <p:nvPr>
-            <p:ph type="title"/>
-          </p:nvPr>
-        </p:nvSpPr>
-        <p:spPr/>
-        <p:txBody>
-          <a:bodyPr/>
-          <a:lstStyle/>
-          <a:p>
-            <a:pPr algn="ctr"/>
-            <a:r>
-              <a:rPr lang="en-US" dirty="0"/>
-              <a:t>How do we do it?</a:t>
-            </a:r>
-          </a:p>
-        </p:txBody>
-      </p:sp>
-      <p:sp>
-        <p:nvSpPr>
-          <p:cNvPr id="3" name="Content Placeholder 2">
-            <a:extLst>
-              <a:ext uri="{FF2B5EF4-FFF2-40B4-BE49-F238E27FC236}">
-                <a16:creationId xmlns:a16="http://schemas.microsoft.com/office/drawing/2014/main" id="{7171011C-A762-4A01-8962-0A7436AA633E}"/>
-              </a:ext>
-            </a:extLst>
-          </p:cNvPr>
-          <p:cNvSpPr>
-            <a:spLocks noGrp="1"/>
-          </p:cNvSpPr>
-          <p:nvPr>
-            <p:ph idx="1"/>
-          </p:nvPr>
-        </p:nvSpPr>
-        <p:spPr/>
-        <p:txBody>
-          <a:bodyPr/>
-          <a:lstStyle/>
-          <a:p>
-            <a:r>
-              <a:rPr lang="en-US" dirty="0">
-                <a:solidFill>
-                  <a:srgbClr val="824040">
-                    <a:alpha val="50000"/>
-                  </a:srgbClr>
-                </a:solidFill>
-              </a:rPr>
-              <a:t> </a:t>
-            </a:r>
-            <a:r>
-              <a:rPr lang="en-US" dirty="0">
-                <a:solidFill>
-                  <a:srgbClr val="F5F5F5">
-                    <a:alpha val="50000"/>
-                  </a:srgbClr>
-                </a:solidFill>
-              </a:rPr>
-              <a:t>Database</a:t>
-            </a:r>
-            <a:r>
-              <a:rPr lang="en-US" dirty="0">
-                <a:solidFill>
-                  <a:srgbClr val="824040">
-                    <a:alpha val="50000"/>
-                  </a:srgbClr>
-                </a:solidFill>
-              </a:rPr>
-              <a:t> Design</a:t>
-            </a:r>
-          </a:p>
-          <a:p>
-            <a:r>
-              <a:rPr lang="en-US" dirty="0">
-                <a:solidFill>
-                  <a:srgbClr val="824040">
-                    <a:alpha val="50000"/>
-                  </a:srgbClr>
-                </a:solidFill>
-              </a:rPr>
-              <a:t> Account </a:t>
-            </a:r>
-            <a:r>
-              <a:rPr lang="en-US" dirty="0">
-                <a:solidFill>
-                  <a:srgbClr val="F5F5F5">
-                    <a:alpha val="50000"/>
-                  </a:srgbClr>
-                </a:solidFill>
-              </a:rPr>
-              <a:t>Creation</a:t>
-            </a:r>
-            <a:r>
-              <a:rPr lang="en-US" dirty="0">
-                <a:solidFill>
-                  <a:srgbClr val="824040">
-                    <a:alpha val="50000"/>
-                  </a:srgbClr>
-                </a:solidFill>
-              </a:rPr>
-              <a:t>, Logging </a:t>
-            </a:r>
-            <a:r>
-              <a:rPr lang="en-US" dirty="0">
-                <a:solidFill>
-                  <a:srgbClr val="F5F5F5">
-                    <a:alpha val="50000"/>
-                  </a:srgbClr>
-                </a:solidFill>
-              </a:rPr>
-              <a:t>In</a:t>
-            </a:r>
-            <a:r>
-              <a:rPr lang="en-US" dirty="0">
-                <a:solidFill>
-                  <a:srgbClr val="824040">
-                    <a:alpha val="50000"/>
-                  </a:srgbClr>
-                </a:solidFill>
-              </a:rPr>
-              <a:t>, and Logging </a:t>
-            </a:r>
-            <a:r>
-              <a:rPr lang="en-US" dirty="0">
-                <a:solidFill>
-                  <a:srgbClr val="F5F5F5">
-                    <a:alpha val="50000"/>
-                  </a:srgbClr>
-                </a:solidFill>
-              </a:rPr>
-              <a:t>Out</a:t>
-            </a:r>
-          </a:p>
-          <a:p>
-            <a:r>
-              <a:rPr lang="en-US" dirty="0">
-                <a:solidFill>
-                  <a:srgbClr val="824040">
-                    <a:alpha val="50000"/>
-                  </a:srgbClr>
-                </a:solidFill>
-              </a:rPr>
-              <a:t> </a:t>
-            </a:r>
-            <a:r>
-              <a:rPr lang="en-US" dirty="0">
-                <a:solidFill>
-                  <a:srgbClr val="F5F5F5">
-                    <a:alpha val="50000"/>
-                  </a:srgbClr>
-                </a:solidFill>
-              </a:rPr>
-              <a:t>Changing</a:t>
-            </a:r>
-            <a:r>
-              <a:rPr lang="en-US" dirty="0">
-                <a:solidFill>
-                  <a:srgbClr val="824040">
-                    <a:alpha val="50000"/>
-                  </a:srgbClr>
-                </a:solidFill>
-              </a:rPr>
-              <a:t> Password and Account </a:t>
-            </a:r>
-            <a:r>
-              <a:rPr lang="en-US" dirty="0">
-                <a:solidFill>
-                  <a:srgbClr val="F5F5F5">
-                    <a:alpha val="50000"/>
-                  </a:srgbClr>
-                </a:solidFill>
-              </a:rPr>
-              <a:t>Recovery</a:t>
-            </a:r>
-          </a:p>
-          <a:p>
-            <a:r>
-              <a:rPr lang="en-US" dirty="0">
-                <a:solidFill>
-                  <a:srgbClr val="824040">
-                    <a:alpha val="50000"/>
-                  </a:srgbClr>
-                </a:solidFill>
-              </a:rPr>
-              <a:t> Adding, Editing, and Deleting </a:t>
-            </a:r>
-            <a:r>
-              <a:rPr lang="en-US" dirty="0">
-                <a:solidFill>
-                  <a:srgbClr val="F5F5F5">
-                    <a:alpha val="50000"/>
-                  </a:srgbClr>
-                </a:solidFill>
-              </a:rPr>
-              <a:t>URLs</a:t>
-            </a:r>
-          </a:p>
-          <a:p>
-            <a:r>
-              <a:rPr lang="en-US" dirty="0">
-                <a:solidFill>
-                  <a:srgbClr val="824040">
-                    <a:alpha val="50000"/>
-                  </a:srgbClr>
-                </a:solidFill>
-              </a:rPr>
-              <a:t> </a:t>
-            </a:r>
-            <a:r>
-              <a:rPr lang="en-US" dirty="0">
-                <a:solidFill>
-                  <a:srgbClr val="F5F5F5">
-                    <a:alpha val="50000"/>
-                  </a:srgbClr>
-                </a:solidFill>
-              </a:rPr>
-              <a:t>Searching</a:t>
-            </a:r>
-            <a:r>
-              <a:rPr lang="en-US" dirty="0">
-                <a:solidFill>
-                  <a:srgbClr val="824040">
-                    <a:alpha val="50000"/>
-                  </a:srgbClr>
-                </a:solidFill>
-              </a:rPr>
-              <a:t> for Updates</a:t>
-            </a:r>
-          </a:p>
-          <a:p>
-            <a:r>
-              <a:rPr lang="en-US" dirty="0">
-                <a:solidFill>
-                  <a:srgbClr val="824040">
-                    <a:alpha val="50000"/>
-                  </a:srgbClr>
-                </a:solidFill>
-              </a:rPr>
-              <a:t> </a:t>
-            </a:r>
-            <a:r>
-              <a:rPr lang="en-US" dirty="0">
-                <a:solidFill>
-                  <a:srgbClr val="F5F5F5">
-                    <a:alpha val="50000"/>
-                  </a:srgbClr>
-                </a:solidFill>
-              </a:rPr>
-              <a:t>Updating</a:t>
-            </a:r>
-            <a:r>
-              <a:rPr lang="en-US" dirty="0">
-                <a:solidFill>
-                  <a:srgbClr val="824040">
-                    <a:alpha val="50000"/>
-                  </a:srgbClr>
-                </a:solidFill>
-              </a:rPr>
-              <a:t> the Database and </a:t>
-            </a:r>
-            <a:r>
-              <a:rPr lang="en-US" sz="3600" dirty="0">
-                <a:solidFill>
-                  <a:srgbClr val="F5F5F5"/>
-                </a:solidFill>
-              </a:rPr>
-              <a:t>Sending</a:t>
-            </a:r>
-            <a:r>
-              <a:rPr lang="en-US" sz="3600" dirty="0"/>
-              <a:t> Emails</a:t>
+              <a:t>Emails</a:t>
             </a:r>
             <a:endParaRPr lang="en-US" dirty="0">
               <a:solidFill>
@@ -6403,10 +6158,17 @@
   <p:clrMapOvr>
     <a:masterClrMapping/>
   </p:clrMapOvr>
+  <p:timing>
+    <p:tnLst>
+      <p:par>
+        <p:cTn id="1" dur="indefinite" restart="never" nodeType="tmRoot"/>
+      </p:par>
+    </p:tnLst>
+  </p:timing>
 </p:sld>
 </file>
 
-<file path=ppt/slides/slide24.xml><?xml version="1.0" encoding="utf-8"?>
+<file path=ppt/slides/slide22.xml><?xml version="1.0" encoding="utf-8"?>
 <p:sld xmlns:a="http://schemas.openxmlformats.org/drawingml/2006/main" xmlns:r="http://schemas.openxmlformats.org/officeDocument/2006/relationships" xmlns:p="http://schemas.openxmlformats.org/presentationml/2006/main">
   <p:cSld>
     <p:spTree>
@@ -6493,10 +6255,17 @@
   <p:clrMapOvr>
     <a:masterClrMapping/>
   </p:clrMapOvr>
+  <p:timing>
+    <p:tnLst>
+      <p:par>
+        <p:cTn id="1" dur="indefinite" restart="never" nodeType="tmRoot"/>
+      </p:par>
+    </p:tnLst>
+  </p:timing>
 </p:sld>
 </file>
 
-<file path=ppt/slides/slide25.xml><?xml version="1.0" encoding="utf-8"?>
+<file path=ppt/slides/slide23.xml><?xml version="1.0" encoding="utf-8"?>
 <p:sld xmlns:a="http://schemas.openxmlformats.org/drawingml/2006/main" xmlns:r="http://schemas.openxmlformats.org/officeDocument/2006/relationships" xmlns:p="http://schemas.openxmlformats.org/presentationml/2006/main">
   <p:cSld>
     <p:spTree>
@@ -6518,7 +6287,7 @@
           <p:cNvPr id="2" name="Title 1">
             <a:extLst>
               <a:ext uri="{FF2B5EF4-FFF2-40B4-BE49-F238E27FC236}">
-                <a16:creationId xmlns:a16="http://schemas.microsoft.com/office/drawing/2014/main" id="{A0EFC9D0-35F5-483E-86FE-4B2083D4CCE8}"/>
+                <a16:creationId xmlns:a16="http://schemas.microsoft.com/office/drawing/2014/main" xmlns="" id="{A0EFC9D0-35F5-483E-86FE-4B2083D4CCE8}"/>
               </a:ext>
             </a:extLst>
           </p:cNvPr>
@@ -6547,7 +6316,7 @@
           <p:cNvPr id="3" name="Content Placeholder 2">
             <a:extLst>
               <a:ext uri="{FF2B5EF4-FFF2-40B4-BE49-F238E27FC236}">
-                <a16:creationId xmlns:a16="http://schemas.microsoft.com/office/drawing/2014/main" id="{323EF7F1-8AC4-4144-AEE5-821E1DE879E1}"/>
+                <a16:creationId xmlns:a16="http://schemas.microsoft.com/office/drawing/2014/main" xmlns="" id="{323EF7F1-8AC4-4144-AEE5-821E1DE879E1}"/>
               </a:ext>
             </a:extLst>
           </p:cNvPr>
@@ -6558,7 +6327,12 @@
             <p:ph idx="1"/>
           </p:nvPr>
         </p:nvSpPr>
-        <p:spPr/>
+        <p:spPr>
+          <a:xfrm>
+            <a:off x="838200" y="1825624"/>
+            <a:ext cx="10515600" cy="5032375"/>
+          </a:xfrm>
+        </p:spPr>
         <p:txBody>
           <a:bodyPr/>
           <a:lstStyle/>
@@ -6585,10 +6359,12 @@
             </a:r>
             <a:r>
               <a:rPr lang="en-US" dirty="0"/>
-              <a:t>, PHP, and Perl)</a:t>
-            </a:r>
-          </a:p>
-          <a:p>
+              <a:t>, PHP, and Perl</a:t>
+            </a:r>
+            <a:r>
+              <a:rPr lang="en-US" dirty="0" smtClean="0"/>
+              <a:t>)</a:t>
+            </a:r>
             <a:endParaRPr lang="en-US" dirty="0"/>
           </a:p>
           <a:p>
@@ -6597,15 +6373,13 @@
               <a:t> Apache for </a:t>
             </a:r>
             <a:r>
-              <a:rPr lang="en-US" dirty="0">
+              <a:rPr lang="en-US" dirty="0" smtClean="0">
                 <a:solidFill>
                   <a:srgbClr val="F5F5F5"/>
                 </a:solidFill>
               </a:rPr>
               <a:t>Server</a:t>
             </a:r>
-          </a:p>
-          <a:p>
             <a:endParaRPr lang="en-US" dirty="0"/>
           </a:p>
           <a:p>
@@ -6614,15 +6388,13 @@
               <a:t> HTML, MySQL, PHP, and CSS for the </a:t>
             </a:r>
             <a:r>
-              <a:rPr lang="en-US" dirty="0">
+              <a:rPr lang="en-US" dirty="0" smtClean="0">
                 <a:solidFill>
                   <a:srgbClr val="F5F5F5"/>
                 </a:solidFill>
               </a:rPr>
               <a:t>Website</a:t>
             </a:r>
-          </a:p>
-          <a:p>
             <a:endParaRPr lang="en-US" dirty="0"/>
           </a:p>
           <a:p>
@@ -6644,11 +6416,55 @@
                   <a:srgbClr val="F5F5F5"/>
                 </a:solidFill>
               </a:rPr>
-              <a:t>Database GUI</a:t>
-            </a:r>
-          </a:p>
-          <a:p>
+              <a:t>Database </a:t>
+            </a:r>
+            <a:r>
+              <a:rPr lang="en-US" dirty="0" smtClean="0">
+                <a:solidFill>
+                  <a:srgbClr val="F5F5F5"/>
+                </a:solidFill>
+              </a:rPr>
+              <a:t>GUI</a:t>
+            </a:r>
+            <a:endParaRPr lang="en-US" dirty="0">
+              <a:solidFill>
+                <a:srgbClr val="F5F5F5"/>
+              </a:solidFill>
+            </a:endParaRPr>
+          </a:p>
+          <a:p>
+            <a:r>
+              <a:rPr lang="en-US" dirty="0" smtClean="0"/>
+              <a:t> Windows Task </a:t>
+            </a:r>
+            <a:r>
+              <a:rPr lang="en-US" dirty="0" smtClean="0">
+                <a:solidFill>
+                  <a:srgbClr val="F5F5F5"/>
+                </a:solidFill>
+              </a:rPr>
+              <a:t>Scheduler</a:t>
+            </a:r>
             <a:endParaRPr lang="en-US" dirty="0"/>
+          </a:p>
+          <a:p>
+            <a:r>
+              <a:rPr lang="en-US" dirty="0" smtClean="0"/>
+              <a:t> </a:t>
+            </a:r>
+            <a:r>
+              <a:rPr lang="en-US" dirty="0" smtClean="0">
+                <a:solidFill>
+                  <a:srgbClr val="F5F5F5"/>
+                </a:solidFill>
+              </a:rPr>
+              <a:t>CRON</a:t>
+            </a:r>
+            <a:endParaRPr lang="en-US" dirty="0">
+              <a:solidFill>
+                <a:srgbClr val="F5F5F5"/>
+              </a:solidFill>
+            </a:endParaRPr>
           </a:p>
         </p:txBody>
       </p:sp>
@@ -6662,10 +6478,17 @@
   <p:clrMapOvr>
     <a:masterClrMapping/>
   </p:clrMapOvr>
+  <p:timing>
+    <p:tnLst>
+      <p:par>
+        <p:cTn id="1" dur="indefinite" restart="never" nodeType="tmRoot"/>
+      </p:par>
+    </p:tnLst>
+  </p:timing>
 </p:sld>
 </file>
 
-<file path=ppt/slides/slide26.xml><?xml version="1.0" encoding="utf-8"?>
+<file path=ppt/slides/slide24.xml><?xml version="1.0" encoding="utf-8"?>
 <p:sld xmlns:a="http://schemas.openxmlformats.org/drawingml/2006/main" xmlns:r="http://schemas.openxmlformats.org/officeDocument/2006/relationships" xmlns:p="http://schemas.openxmlformats.org/presentationml/2006/main">
   <p:cSld>
     <p:spTree>
@@ -6687,7 +6510,7 @@
           <p:cNvPr id="4" name="Content Placeholder 3">
             <a:extLst>
               <a:ext uri="{FF2B5EF4-FFF2-40B4-BE49-F238E27FC236}">
-                <a16:creationId xmlns:a16="http://schemas.microsoft.com/office/drawing/2014/main" id="{8DB778F2-E62C-431C-AB5C-C95A5E966A35}"/>
+                <a16:creationId xmlns:a16="http://schemas.microsoft.com/office/drawing/2014/main" xmlns="" id="{8DB778F2-E62C-431C-AB5C-C95A5E966A35}"/>
               </a:ext>
             </a:extLst>
           </p:cNvPr>
@@ -6719,7 +6542,7 @@
           <p:cNvPr id="2" name="Title 1">
             <a:extLst>
               <a:ext uri="{FF2B5EF4-FFF2-40B4-BE49-F238E27FC236}">
-                <a16:creationId xmlns:a16="http://schemas.microsoft.com/office/drawing/2014/main" id="{99C8C8EE-289C-4B9D-AE46-EAE4F3CEB2EE}"/>
+                <a16:creationId xmlns:a16="http://schemas.microsoft.com/office/drawing/2014/main" xmlns="" id="{99C8C8EE-289C-4B9D-AE46-EAE4F3CEB2EE}"/>
               </a:ext>
             </a:extLst>
           </p:cNvPr>
@@ -6756,7 +6579,7 @@
           <p:cNvPr id="7" name="Straight Arrow Connector 6">
             <a:extLst>
               <a:ext uri="{FF2B5EF4-FFF2-40B4-BE49-F238E27FC236}">
-                <a16:creationId xmlns:a16="http://schemas.microsoft.com/office/drawing/2014/main" id="{32652254-0F18-49F4-97E2-7E449140EE5C}"/>
+                <a16:creationId xmlns:a16="http://schemas.microsoft.com/office/drawing/2014/main" xmlns="" id="{32652254-0F18-49F4-97E2-7E449140EE5C}"/>
               </a:ext>
             </a:extLst>
           </p:cNvPr>
@@ -6797,7 +6620,7 @@
           <p:cNvPr id="10" name="Straight Arrow Connector 9">
             <a:extLst>
               <a:ext uri="{FF2B5EF4-FFF2-40B4-BE49-F238E27FC236}">
-                <a16:creationId xmlns:a16="http://schemas.microsoft.com/office/drawing/2014/main" id="{56724CE6-E70B-4E1B-B8A3-8AB76323C576}"/>
+                <a16:creationId xmlns:a16="http://schemas.microsoft.com/office/drawing/2014/main" xmlns="" id="{56724CE6-E70B-4E1B-B8A3-8AB76323C576}"/>
               </a:ext>
             </a:extLst>
           </p:cNvPr>
@@ -6838,7 +6661,7 @@
           <p:cNvPr id="13" name="Straight Arrow Connector 12">
             <a:extLst>
               <a:ext uri="{FF2B5EF4-FFF2-40B4-BE49-F238E27FC236}">
-                <a16:creationId xmlns:a16="http://schemas.microsoft.com/office/drawing/2014/main" id="{26E3BA7C-8B5C-483D-A705-96552F0BEE06}"/>
+                <a16:creationId xmlns:a16="http://schemas.microsoft.com/office/drawing/2014/main" xmlns="" id="{26E3BA7C-8B5C-483D-A705-96552F0BEE06}"/>
               </a:ext>
             </a:extLst>
           </p:cNvPr>
@@ -6882,7 +6705,7 @@
           <p:cNvPr id="15" name="Straight Arrow Connector 14">
             <a:extLst>
               <a:ext uri="{FF2B5EF4-FFF2-40B4-BE49-F238E27FC236}">
-                <a16:creationId xmlns:a16="http://schemas.microsoft.com/office/drawing/2014/main" id="{05C11018-9C22-4371-BEDE-2B0C0B415095}"/>
+                <a16:creationId xmlns:a16="http://schemas.microsoft.com/office/drawing/2014/main" xmlns="" id="{05C11018-9C22-4371-BEDE-2B0C0B415095}"/>
               </a:ext>
             </a:extLst>
           </p:cNvPr>
@@ -6926,7 +6749,7 @@
           <p:cNvPr id="26" name="Straight Arrow Connector 25">
             <a:extLst>
               <a:ext uri="{FF2B5EF4-FFF2-40B4-BE49-F238E27FC236}">
-                <a16:creationId xmlns:a16="http://schemas.microsoft.com/office/drawing/2014/main" id="{B51B42E7-DA54-4898-A1E8-71D8E36299FE}"/>
+                <a16:creationId xmlns:a16="http://schemas.microsoft.com/office/drawing/2014/main" xmlns="" id="{B51B42E7-DA54-4898-A1E8-71D8E36299FE}"/>
               </a:ext>
             </a:extLst>
           </p:cNvPr>
@@ -6965,7 +6788,7 @@
           <p:cNvPr id="27" name="Straight Arrow Connector 26">
             <a:extLst>
               <a:ext uri="{FF2B5EF4-FFF2-40B4-BE49-F238E27FC236}">
-                <a16:creationId xmlns:a16="http://schemas.microsoft.com/office/drawing/2014/main" id="{369BE940-CEE1-4F65-A4F2-717A58F882CE}"/>
+                <a16:creationId xmlns:a16="http://schemas.microsoft.com/office/drawing/2014/main" xmlns="" id="{369BE940-CEE1-4F65-A4F2-717A58F882CE}"/>
               </a:ext>
             </a:extLst>
           </p:cNvPr>
@@ -7004,7 +6827,7 @@
           <p:cNvPr id="6" name="TextBox 5">
             <a:extLst>
               <a:ext uri="{FF2B5EF4-FFF2-40B4-BE49-F238E27FC236}">
-                <a16:creationId xmlns:a16="http://schemas.microsoft.com/office/drawing/2014/main" id="{9436A662-B673-4E9A-93B8-BDBCE97C5F2C}"/>
+                <a16:creationId xmlns:a16="http://schemas.microsoft.com/office/drawing/2014/main" xmlns="" id="{9436A662-B673-4E9A-93B8-BDBCE97C5F2C}"/>
               </a:ext>
             </a:extLst>
           </p:cNvPr>
@@ -7043,7 +6866,7 @@
           <p:cNvPr id="14" name="TextBox 13">
             <a:extLst>
               <a:ext uri="{FF2B5EF4-FFF2-40B4-BE49-F238E27FC236}">
-                <a16:creationId xmlns:a16="http://schemas.microsoft.com/office/drawing/2014/main" id="{9269C72C-7E8D-412D-8321-37820CD99C6E}"/>
+                <a16:creationId xmlns:a16="http://schemas.microsoft.com/office/drawing/2014/main" xmlns="" id="{9269C72C-7E8D-412D-8321-37820CD99C6E}"/>
               </a:ext>
             </a:extLst>
           </p:cNvPr>
@@ -7087,10 +6910,17 @@
   <p:clrMapOvr>
     <a:masterClrMapping/>
   </p:clrMapOvr>
+  <p:timing>
+    <p:tnLst>
+      <p:par>
+        <p:cTn id="1" dur="indefinite" restart="never" nodeType="tmRoot"/>
+      </p:par>
+    </p:tnLst>
+  </p:timing>
 </p:sld>
 </file>
 
-<file path=ppt/slides/slide27.xml><?xml version="1.0" encoding="utf-8"?>
+<file path=ppt/slides/slide25.xml><?xml version="1.0" encoding="utf-8"?>
 <p:sld xmlns:a="http://schemas.openxmlformats.org/drawingml/2006/main" xmlns:r="http://schemas.openxmlformats.org/officeDocument/2006/relationships" xmlns:p="http://schemas.openxmlformats.org/presentationml/2006/main">
   <p:cSld>
     <p:spTree>
@@ -7112,7 +6942,7 @@
           <p:cNvPr id="4" name="Picture 3">
             <a:extLst>
               <a:ext uri="{FF2B5EF4-FFF2-40B4-BE49-F238E27FC236}">
-                <a16:creationId xmlns:a16="http://schemas.microsoft.com/office/drawing/2014/main" id="{D63519C0-C8D9-4341-ADE9-3CD28E6E648E}"/>
+                <a16:creationId xmlns:a16="http://schemas.microsoft.com/office/drawing/2014/main" xmlns="" id="{D63519C0-C8D9-4341-ADE9-3CD28E6E648E}"/>
               </a:ext>
             </a:extLst>
           </p:cNvPr>
@@ -7142,7 +6972,7 @@
           <p:cNvPr id="2" name="Title 1">
             <a:extLst>
               <a:ext uri="{FF2B5EF4-FFF2-40B4-BE49-F238E27FC236}">
-                <a16:creationId xmlns:a16="http://schemas.microsoft.com/office/drawing/2014/main" id="{0394369D-565A-471B-B3F3-561CF390DFF5}"/>
+                <a16:creationId xmlns:a16="http://schemas.microsoft.com/office/drawing/2014/main" xmlns="" id="{0394369D-565A-471B-B3F3-561CF390DFF5}"/>
               </a:ext>
             </a:extLst>
           </p:cNvPr>
@@ -7174,7 +7004,7 @@
           <p:cNvPr id="3" name="Content Placeholder 2">
             <a:extLst>
               <a:ext uri="{FF2B5EF4-FFF2-40B4-BE49-F238E27FC236}">
-                <a16:creationId xmlns:a16="http://schemas.microsoft.com/office/drawing/2014/main" id="{5EAFF9BB-23B6-4817-86BB-F6DA8A9676FA}"/>
+                <a16:creationId xmlns:a16="http://schemas.microsoft.com/office/drawing/2014/main" xmlns="" id="{5EAFF9BB-23B6-4817-86BB-F6DA8A9676FA}"/>
               </a:ext>
             </a:extLst>
           </p:cNvPr>
@@ -7200,15 +7030,31 @@
             <a:pPr marL="0" indent="0">
               <a:buNone/>
             </a:pPr>
+            <a:r>
+              <a:rPr lang="en-US" sz="1800" dirty="0"/>
+              <a:t/>
+            </a:r>
             <a:br>
               <a:rPr lang="en-US" sz="1800" dirty="0"/>
             </a:br>
+            <a:r>
+              <a:rPr lang="en-US" sz="1800" dirty="0"/>
+              <a:t/>
+            </a:r>
             <a:br>
               <a:rPr lang="en-US" sz="1800" dirty="0"/>
             </a:br>
+            <a:r>
+              <a:rPr lang="en-US" sz="1800" dirty="0"/>
+              <a:t/>
+            </a:r>
             <a:br>
               <a:rPr lang="en-US" sz="1800" dirty="0"/>
             </a:br>
+            <a:r>
+              <a:rPr lang="en-US" sz="1800" dirty="0"/>
+              <a:t/>
+            </a:r>
             <a:br>
               <a:rPr lang="en-US" sz="1800" dirty="0"/>
             </a:br>
@@ -7219,9 +7065,17 @@
             <a:br>
               <a:rPr lang="en-US" sz="1800" dirty="0"/>
             </a:br>
+            <a:r>
+              <a:rPr lang="en-US" sz="1800" dirty="0"/>
+              <a:t/>
+            </a:r>
             <a:br>
               <a:rPr lang="en-US" sz="1800" dirty="0"/>
             </a:br>
+            <a:r>
+              <a:rPr lang="en-US" sz="1800" dirty="0"/>
+              <a:t/>
+            </a:r>
             <a:br>
               <a:rPr lang="en-US" sz="1800" dirty="0"/>
             </a:br>
@@ -7240,7 +7094,7 @@
           <p:cNvPr id="6" name="Straight Arrow Connector 5">
             <a:extLst>
               <a:ext uri="{FF2B5EF4-FFF2-40B4-BE49-F238E27FC236}">
-                <a16:creationId xmlns:a16="http://schemas.microsoft.com/office/drawing/2014/main" id="{25D029F9-3DC8-4672-9001-1D3D9D0E8785}"/>
+                <a16:creationId xmlns:a16="http://schemas.microsoft.com/office/drawing/2014/main" xmlns="" id="{25D029F9-3DC8-4672-9001-1D3D9D0E8785}"/>
               </a:ext>
             </a:extLst>
           </p:cNvPr>
@@ -7281,7 +7135,7 @@
           <p:cNvPr id="9" name="Straight Arrow Connector 8">
             <a:extLst>
               <a:ext uri="{FF2B5EF4-FFF2-40B4-BE49-F238E27FC236}">
-                <a16:creationId xmlns:a16="http://schemas.microsoft.com/office/drawing/2014/main" id="{BCB2D5B4-0996-4437-834A-3AC37C185079}"/>
+                <a16:creationId xmlns:a16="http://schemas.microsoft.com/office/drawing/2014/main" xmlns="" id="{BCB2D5B4-0996-4437-834A-3AC37C185079}"/>
               </a:ext>
             </a:extLst>
           </p:cNvPr>
@@ -7327,10 +7181,17 @@
   <p:clrMapOvr>
     <a:masterClrMapping/>
   </p:clrMapOvr>
+  <p:timing>
+    <p:tnLst>
+      <p:par>
+        <p:cTn id="1" dur="indefinite" restart="never" nodeType="tmRoot"/>
+      </p:par>
+    </p:tnLst>
+  </p:timing>
 </p:sld>
 </file>
 
-<file path=ppt/slides/slide28.xml><?xml version="1.0" encoding="utf-8"?>
+<file path=ppt/slides/slide26.xml><?xml version="1.0" encoding="utf-8"?>
 <p:sld xmlns:a="http://schemas.openxmlformats.org/drawingml/2006/main" xmlns:r="http://schemas.openxmlformats.org/officeDocument/2006/relationships" xmlns:p="http://schemas.openxmlformats.org/presentationml/2006/main">
   <p:cSld>
     <p:spTree>
@@ -7386,10 +7247,17 @@
   <p:clrMapOvr>
     <a:masterClrMapping/>
   </p:clrMapOvr>
+  <p:timing>
+    <p:tnLst>
+      <p:par>
+        <p:cTn id="1" dur="indefinite" restart="never" nodeType="tmRoot"/>
+      </p:par>
+    </p:tnLst>
+  </p:timing>
 </p:sld>
 </file>
 
-<file path=ppt/slides/slide29.xml><?xml version="1.0" encoding="utf-8"?>
+<file path=ppt/slides/slide27.xml><?xml version="1.0" encoding="utf-8"?>
 <p:sld xmlns:a="http://schemas.openxmlformats.org/drawingml/2006/main" xmlns:r="http://schemas.openxmlformats.org/officeDocument/2006/relationships" xmlns:p="http://schemas.openxmlformats.org/presentationml/2006/main">
   <p:cSld>
     <p:spTree>
@@ -7458,7 +7326,11 @@
             </a:r>
             <a:r>
               <a:rPr lang="en-US" dirty="0"/>
-              <a:t>with which the user is updated</a:t>
+              <a:t>with which the user is </a:t>
+            </a:r>
+            <a:r>
+              <a:rPr lang="en-US" dirty="0" smtClean="0"/>
+              <a:t>updated</a:t>
             </a:r>
           </a:p>
           <a:p>
@@ -7466,19 +7338,29 @@
           </a:p>
           <a:p>
             <a:r>
-              <a:rPr lang="en-US" dirty="0"/>
-              <a:t> List </a:t>
-            </a:r>
-            <a:r>
-              <a:rPr lang="en-US" dirty="0">
+              <a:rPr lang="en-US" dirty="0" smtClean="0"/>
+              <a:t>Allow the input of </a:t>
+            </a:r>
+            <a:r>
+              <a:rPr lang="en-US" dirty="0" smtClean="0">
                 <a:solidFill>
                   <a:srgbClr val="F5F5F5"/>
                 </a:solidFill>
               </a:rPr>
-              <a:t>sharing</a:t>
-            </a:r>
-          </a:p>
-          <a:p>
+              <a:t>multiple</a:t>
+            </a:r>
+            <a:r>
+              <a:rPr lang="en-US" dirty="0" smtClean="0"/>
+              <a:t> websites </a:t>
+            </a:r>
+            <a:r>
+              <a:rPr lang="en-US" dirty="0" smtClean="0">
+                <a:solidFill>
+                  <a:srgbClr val="F5F5F5"/>
+                </a:solidFill>
+              </a:rPr>
+              <a:t>simultaneously</a:t>
+            </a:r>
             <a:endParaRPr lang="en-US" dirty="0">
               <a:solidFill>
                 <a:srgbClr val="F5F5F5"/>
@@ -7486,12 +7368,36 @@
             </a:endParaRPr>
           </a:p>
           <a:p>
+            <a:endParaRPr lang="en-US" dirty="0"/>
+          </a:p>
+          <a:p>
+            <a:r>
+              <a:rPr lang="en-US" dirty="0"/>
+              <a:t> List </a:t>
+            </a:r>
+            <a:r>
+              <a:rPr lang="en-US" dirty="0">
+                <a:solidFill>
+                  <a:srgbClr val="F5F5F5"/>
+                </a:solidFill>
+              </a:rPr>
+              <a:t>sharing</a:t>
+            </a:r>
+          </a:p>
+          <a:p>
+            <a:endParaRPr lang="en-US" dirty="0">
+              <a:solidFill>
+                <a:srgbClr val="F5F5F5"/>
+              </a:solidFill>
+            </a:endParaRPr>
+          </a:p>
+          <a:p>
             <a:r>
               <a:rPr lang="en-US" dirty="0"/>
               <a:t> Better </a:t>
             </a:r>
             <a:r>
-              <a:rPr lang="en-US">
+              <a:rPr lang="en-US" dirty="0">
                 <a:solidFill>
                   <a:srgbClr val="F5F5F5"/>
                 </a:solidFill>
@@ -7499,10 +7405,9 @@
               <a:t>security</a:t>
             </a:r>
             <a:r>
-              <a:rPr lang="en-US"/>
+              <a:rPr lang="en-US" dirty="0"/>
               <a:t> </a:t>
             </a:r>
-            <a:endParaRPr lang="en-US" dirty="0"/>
           </a:p>
           <a:p>
             <a:endParaRPr lang="en-US" dirty="0"/>
@@ -7519,6 +7424,13 @@
   <p:clrMapOvr>
     <a:masterClrMapping/>
   </p:clrMapOvr>
+  <p:timing>
+    <p:tnLst>
+      <p:par>
+        <p:cTn id="1" dur="indefinite" restart="never" nodeType="tmRoot"/>
+      </p:par>
+    </p:tnLst>
+  </p:timing>
 </p:sld>
 </file>
 
@@ -7544,7 +7456,7 @@
           <p:cNvPr id="2" name="Title 1">
             <a:extLst>
               <a:ext uri="{FF2B5EF4-FFF2-40B4-BE49-F238E27FC236}">
-                <a16:creationId xmlns:a16="http://schemas.microsoft.com/office/drawing/2014/main" id="{259D0B7C-1D18-4B9B-9686-41CD01222471}"/>
+                <a16:creationId xmlns:a16="http://schemas.microsoft.com/office/drawing/2014/main" xmlns="" id="{259D0B7C-1D18-4B9B-9686-41CD01222471}"/>
               </a:ext>
             </a:extLst>
           </p:cNvPr>
@@ -7573,7 +7485,7 @@
           <p:cNvPr id="3" name="Content Placeholder 2">
             <a:extLst>
               <a:ext uri="{FF2B5EF4-FFF2-40B4-BE49-F238E27FC236}">
-                <a16:creationId xmlns:a16="http://schemas.microsoft.com/office/drawing/2014/main" id="{7171011C-A762-4A01-8962-0A7436AA633E}"/>
+                <a16:creationId xmlns:a16="http://schemas.microsoft.com/office/drawing/2014/main" xmlns="" id="{7171011C-A762-4A01-8962-0A7436AA633E}"/>
               </a:ext>
             </a:extLst>
           </p:cNvPr>
@@ -7699,7 +7611,31 @@
             </a:r>
             <a:r>
               <a:rPr lang="en-US" dirty="0"/>
-              <a:t> for Updates</a:t>
+              <a:t> for </a:t>
+            </a:r>
+            <a:r>
+              <a:rPr lang="en-US" dirty="0" smtClean="0"/>
+              <a:t>Updates and </a:t>
+            </a:r>
+            <a:r>
+              <a:rPr lang="en-US" dirty="0" smtClean="0">
+                <a:solidFill>
+                  <a:srgbClr val="F5F5F5"/>
+                </a:solidFill>
+              </a:rPr>
+              <a:t>Updating</a:t>
+            </a:r>
+            <a:r>
+              <a:rPr lang="en-US" dirty="0" smtClean="0"/>
+              <a:t> </a:t>
+            </a:r>
+            <a:r>
+              <a:rPr lang="en-US" dirty="0"/>
+              <a:t>the </a:t>
+            </a:r>
+            <a:r>
+              <a:rPr lang="en-US" dirty="0" smtClean="0"/>
+              <a:t>Database</a:t>
             </a:r>
           </a:p>
           <a:p>
@@ -7708,28 +7644,20 @@
               <a:t> </a:t>
             </a:r>
             <a:r>
-              <a:rPr lang="en-US" dirty="0">
+              <a:rPr lang="en-US" dirty="0" smtClean="0">
                 <a:solidFill>
                   <a:srgbClr val="F5F5F5"/>
                 </a:solidFill>
               </a:rPr>
-              <a:t>Updating</a:t>
+              <a:t>Sending</a:t>
+            </a:r>
+            <a:r>
+              <a:rPr lang="en-US" dirty="0" smtClean="0"/>
+              <a:t> </a:t>
             </a:r>
             <a:r>
               <a:rPr lang="en-US" dirty="0"/>
-              <a:t> the Database and </a:t>
-            </a:r>
-            <a:r>
-              <a:rPr lang="en-US" dirty="0">
-                <a:solidFill>
-                  <a:srgbClr val="F5F5F5"/>
-                </a:solidFill>
-              </a:rPr>
-              <a:t>Sending</a:t>
-            </a:r>
-            <a:r>
-              <a:rPr lang="en-US" dirty="0"/>
-              <a:t> Emails</a:t>
+              <a:t>Emails</a:t>
             </a:r>
           </a:p>
         </p:txBody>
@@ -7744,6 +7672,13 @@
   <p:clrMapOvr>
     <a:masterClrMapping/>
   </p:clrMapOvr>
+  <p:timing>
+    <p:tnLst>
+      <p:par>
+        <p:cTn id="1" dur="indefinite" restart="never" nodeType="tmRoot"/>
+      </p:par>
+    </p:tnLst>
+  </p:timing>
 </p:sld>
 </file>
 
@@ -7769,7 +7704,7 @@
           <p:cNvPr id="2" name="Title 1">
             <a:extLst>
               <a:ext uri="{FF2B5EF4-FFF2-40B4-BE49-F238E27FC236}">
-                <a16:creationId xmlns:a16="http://schemas.microsoft.com/office/drawing/2014/main" id="{259D0B7C-1D18-4B9B-9686-41CD01222471}"/>
+                <a16:creationId xmlns:a16="http://schemas.microsoft.com/office/drawing/2014/main" xmlns="" id="{259D0B7C-1D18-4B9B-9686-41CD01222471}"/>
               </a:ext>
             </a:extLst>
           </p:cNvPr>
@@ -7798,7 +7733,7 @@
           <p:cNvPr id="3" name="Content Placeholder 2">
             <a:extLst>
               <a:ext uri="{FF2B5EF4-FFF2-40B4-BE49-F238E27FC236}">
-                <a16:creationId xmlns:a16="http://schemas.microsoft.com/office/drawing/2014/main" id="{7171011C-A762-4A01-8962-0A7436AA633E}"/>
+                <a16:creationId xmlns:a16="http://schemas.microsoft.com/office/drawing/2014/main" xmlns="" id="{7171011C-A762-4A01-8962-0A7436AA633E}"/>
               </a:ext>
             </a:extLst>
           </p:cNvPr>
@@ -7986,10 +7921,18 @@
                   </a:srgbClr>
                 </a:solidFill>
               </a:rPr>
-              <a:t> for Updates</a:t>
-            </a:r>
-          </a:p>
-          <a:p>
+              <a:t> for Updates and </a:t>
+            </a:r>
+            <a:r>
+              <a:rPr lang="en-US" dirty="0">
+                <a:solidFill>
+                  <a:srgbClr val="F5F5F5">
+                    <a:alpha val="50000"/>
+                  </a:srgbClr>
+                </a:solidFill>
+              </a:rPr>
+              <a:t>Updating</a:t>
+            </a:r>
             <a:r>
               <a:rPr lang="en-US" dirty="0">
                 <a:solidFill>
@@ -7998,6 +7941,18 @@
                   </a:srgbClr>
                 </a:solidFill>
               </a:rPr>
+              <a:t> the Database</a:t>
+            </a:r>
+          </a:p>
+          <a:p>
+            <a:r>
+              <a:rPr lang="en-US" dirty="0">
+                <a:solidFill>
+                  <a:srgbClr val="824040">
+                    <a:alpha val="50000"/>
+                  </a:srgbClr>
+                </a:solidFill>
+              </a:rPr>
               <a:t> </a:t>
             </a:r>
             <a:r>
@@ -8008,7 +7963,7 @@
                   </a:srgbClr>
                 </a:solidFill>
               </a:rPr>
-              <a:t>Updating</a:t>
+              <a:t>Sending</a:t>
             </a:r>
             <a:r>
               <a:rPr lang="en-US" dirty="0">
@@ -8018,28 +7973,15 @@
                   </a:srgbClr>
                 </a:solidFill>
               </a:rPr>
-              <a:t> the Database and </a:t>
-            </a:r>
-            <a:r>
-              <a:rPr lang="en-US" dirty="0">
-                <a:solidFill>
-                  <a:srgbClr val="F5F5F5">
-                    <a:alpha val="50000"/>
-                  </a:srgbClr>
-                </a:solidFill>
-              </a:rPr>
-              <a:t>Sending</a:t>
-            </a:r>
-            <a:r>
-              <a:rPr lang="en-US" dirty="0">
-                <a:solidFill>
-                  <a:srgbClr val="824040">
-                    <a:alpha val="50000"/>
-                  </a:srgbClr>
-                </a:solidFill>
-              </a:rPr>
               <a:t> Emails</a:t>
             </a:r>
+            <a:endParaRPr lang="en-US" dirty="0">
+              <a:solidFill>
+                <a:srgbClr val="824040">
+                  <a:alpha val="50000"/>
+                </a:srgbClr>
+              </a:solidFill>
+            </a:endParaRPr>
           </a:p>
         </p:txBody>
       </p:sp>
@@ -8053,6 +7995,13 @@
   <p:clrMapOvr>
     <a:masterClrMapping/>
   </p:clrMapOvr>
+  <p:timing>
+    <p:tnLst>
+      <p:par>
+        <p:cTn id="1" dur="indefinite" restart="never" nodeType="tmRoot"/>
+      </p:par>
+    </p:tnLst>
+  </p:timing>
 </p:sld>
 </file>
 
@@ -8285,6 +8234,13 @@
   <p:clrMapOvr>
     <a:masterClrMapping/>
   </p:clrMapOvr>
+  <p:timing>
+    <p:tnLst>
+      <p:par>
+        <p:cTn id="1" dur="indefinite" restart="never" nodeType="tmRoot"/>
+      </p:par>
+    </p:tnLst>
+  </p:timing>
 </p:sld>
 </file>
 
@@ -8310,7 +8266,7 @@
           <p:cNvPr id="2" name="Title 1">
             <a:extLst>
               <a:ext uri="{FF2B5EF4-FFF2-40B4-BE49-F238E27FC236}">
-                <a16:creationId xmlns:a16="http://schemas.microsoft.com/office/drawing/2014/main" id="{259D0B7C-1D18-4B9B-9686-41CD01222471}"/>
+                <a16:creationId xmlns:a16="http://schemas.microsoft.com/office/drawing/2014/main" xmlns="" id="{259D0B7C-1D18-4B9B-9686-41CD01222471}"/>
               </a:ext>
             </a:extLst>
           </p:cNvPr>
@@ -8339,7 +8295,7 @@
           <p:cNvPr id="3" name="Content Placeholder 2">
             <a:extLst>
               <a:ext uri="{FF2B5EF4-FFF2-40B4-BE49-F238E27FC236}">
-                <a16:creationId xmlns:a16="http://schemas.microsoft.com/office/drawing/2014/main" id="{7171011C-A762-4A01-8962-0A7436AA633E}"/>
+                <a16:creationId xmlns:a16="http://schemas.microsoft.com/office/drawing/2014/main" xmlns="" id="{7171011C-A762-4A01-8962-0A7436AA633E}"/>
               </a:ext>
             </a:extLst>
           </p:cNvPr>
@@ -8511,7 +8467,7 @@
               <a:t> </a:t>
             </a:r>
             <a:r>
-              <a:rPr lang="en-US" dirty="0">
+              <a:rPr lang="en-US" dirty="0" smtClean="0">
                 <a:solidFill>
                   <a:srgbClr val="F5F5F5">
                     <a:alpha val="50000"/>
@@ -8521,17 +8477,15 @@
               <a:t>Searching</a:t>
             </a:r>
             <a:r>
-              <a:rPr lang="en-US" dirty="0">
+              <a:rPr lang="en-US" dirty="0" smtClean="0">
                 <a:solidFill>
                   <a:srgbClr val="824040">
                     <a:alpha val="50000"/>
                   </a:srgbClr>
                 </a:solidFill>
               </a:rPr>
-              <a:t> for Updates</a:t>
-            </a:r>
-          </a:p>
-          <a:p>
+              <a:t> </a:t>
+            </a:r>
             <a:r>
               <a:rPr lang="en-US" dirty="0">
                 <a:solidFill>
@@ -8540,6 +8494,38 @@
                   </a:srgbClr>
                 </a:solidFill>
               </a:rPr>
+              <a:t>for Updates and </a:t>
+            </a:r>
+            <a:r>
+              <a:rPr lang="en-US" dirty="0">
+                <a:solidFill>
+                  <a:srgbClr val="F5F5F5">
+                    <a:alpha val="50000"/>
+                  </a:srgbClr>
+                </a:solidFill>
+              </a:rPr>
+              <a:t>Updating</a:t>
+            </a:r>
+            <a:r>
+              <a:rPr lang="en-US" dirty="0">
+                <a:solidFill>
+                  <a:srgbClr val="824040">
+                    <a:alpha val="50000"/>
+                  </a:srgbClr>
+                </a:solidFill>
+              </a:rPr>
+              <a:t> the Database</a:t>
+            </a:r>
+          </a:p>
+          <a:p>
+            <a:r>
+              <a:rPr lang="en-US" dirty="0">
+                <a:solidFill>
+                  <a:srgbClr val="824040">
+                    <a:alpha val="50000"/>
+                  </a:srgbClr>
+                </a:solidFill>
+              </a:rPr>
               <a:t> </a:t>
             </a:r>
             <a:r>
@@ -8550,7 +8536,7 @@
                   </a:srgbClr>
                 </a:solidFill>
               </a:rPr>
-              <a:t>Updating</a:t>
+              <a:t>Sending</a:t>
             </a:r>
             <a:r>
               <a:rPr lang="en-US" dirty="0">
@@ -8560,28 +8546,15 @@
                   </a:srgbClr>
                 </a:solidFill>
               </a:rPr>
-              <a:t> the Database and </a:t>
-            </a:r>
-            <a:r>
-              <a:rPr lang="en-US" dirty="0">
-                <a:solidFill>
-                  <a:srgbClr val="F5F5F5">
-                    <a:alpha val="50000"/>
-                  </a:srgbClr>
-                </a:solidFill>
-              </a:rPr>
-              <a:t>Sending</a:t>
-            </a:r>
-            <a:r>
-              <a:rPr lang="en-US" dirty="0">
-                <a:solidFill>
-                  <a:srgbClr val="824040">
-                    <a:alpha val="50000"/>
-                  </a:srgbClr>
-                </a:solidFill>
-              </a:rPr>
               <a:t> Emails</a:t>
             </a:r>
+            <a:endParaRPr lang="en-US" dirty="0">
+              <a:solidFill>
+                <a:srgbClr val="824040">
+                  <a:alpha val="50000"/>
+                </a:srgbClr>
+              </a:solidFill>
+            </a:endParaRPr>
           </a:p>
         </p:txBody>
       </p:sp>
@@ -8595,6 +8568,13 @@
   <p:clrMapOvr>
     <a:masterClrMapping/>
   </p:clrMapOvr>
+  <p:timing>
+    <p:tnLst>
+      <p:par>
+        <p:cTn id="1" dur="indefinite" restart="never" nodeType="tmRoot"/>
+      </p:par>
+    </p:tnLst>
+  </p:timing>
 </p:sld>
 </file>
 
@@ -8690,6 +8670,13 @@
   <p:clrMapOvr>
     <a:masterClrMapping/>
   </p:clrMapOvr>
+  <p:timing>
+    <p:tnLst>
+      <p:par>
+        <p:cTn id="1" dur="indefinite" restart="never" nodeType="tmRoot"/>
+      </p:par>
+    </p:tnLst>
+  </p:timing>
 </p:sld>
 </file>
 
@@ -8785,6 +8772,13 @@
   <p:clrMapOvr>
     <a:masterClrMapping/>
   </p:clrMapOvr>
+  <p:timing>
+    <p:tnLst>
+      <p:par>
+        <p:cTn id="1" dur="indefinite" restart="never" nodeType="tmRoot"/>
+      </p:par>
+    </p:tnLst>
+  </p:timing>
 </p:sld>
 </file>
 
@@ -8880,6 +8874,13 @@
   <p:clrMapOvr>
     <a:masterClrMapping/>
   </p:clrMapOvr>
+  <p:timing>
+    <p:tnLst>
+      <p:par>
+        <p:cTn id="1" dur="indefinite" restart="never" nodeType="tmRoot"/>
+      </p:par>
+    </p:tnLst>
+  </p:timing>
 </p:sld>
 </file>
 
